--- a/ppt/jms slides.pptx
+++ b/ppt/jms slides.pptx
@@ -5,12 +5,15 @@
     <p:sldMasterId id="2147483660" r:id="rId1"/>
   </p:sldMasterIdLst>
   <p:sldIdLst>
-    <p:sldId id="256" r:id="rId2"/>
-    <p:sldId id="261" r:id="rId3"/>
-    <p:sldId id="257" r:id="rId4"/>
-    <p:sldId id="258" r:id="rId5"/>
-    <p:sldId id="259" r:id="rId6"/>
-    <p:sldId id="260" r:id="rId7"/>
+    <p:sldId id="261" r:id="rId2"/>
+    <p:sldId id="262" r:id="rId3"/>
+    <p:sldId id="263" r:id="rId4"/>
+    <p:sldId id="264" r:id="rId5"/>
+    <p:sldId id="265" r:id="rId6"/>
+    <p:sldId id="266" r:id="rId7"/>
+    <p:sldId id="267" r:id="rId8"/>
+    <p:sldId id="258" r:id="rId9"/>
+    <p:sldId id="259" r:id="rId10"/>
   </p:sldIdLst>
   <p:sldSz cx="9144000" cy="5143500" type="screen16x9"/>
   <p:notesSz cx="6858000" cy="9144000"/>
@@ -248,7 +251,7 @@
           <a:p>
             <a:fld id="{11A3A2C2-75AB-4F7F-9DF5-374BE777B759}" type="datetimeFigureOut">
               <a:rPr lang="en-US" smtClean="0"/>
-              <a:t>11/11/2016</a:t>
+              <a:t>11/12/2016</a:t>
             </a:fld>
             <a:endParaRPr lang="en-US"/>
           </a:p>
@@ -418,7 +421,7 @@
           <a:p>
             <a:fld id="{11A3A2C2-75AB-4F7F-9DF5-374BE777B759}" type="datetimeFigureOut">
               <a:rPr lang="en-US" smtClean="0"/>
-              <a:t>11/11/2016</a:t>
+              <a:t>11/12/2016</a:t>
             </a:fld>
             <a:endParaRPr lang="en-US"/>
           </a:p>
@@ -598,7 +601,7 @@
           <a:p>
             <a:fld id="{11A3A2C2-75AB-4F7F-9DF5-374BE777B759}" type="datetimeFigureOut">
               <a:rPr lang="en-US" smtClean="0"/>
-              <a:t>11/11/2016</a:t>
+              <a:t>11/12/2016</a:t>
             </a:fld>
             <a:endParaRPr lang="en-US"/>
           </a:p>
@@ -768,7 +771,7 @@
           <a:p>
             <a:fld id="{11A3A2C2-75AB-4F7F-9DF5-374BE777B759}" type="datetimeFigureOut">
               <a:rPr lang="en-US" smtClean="0"/>
-              <a:t>11/11/2016</a:t>
+              <a:t>11/12/2016</a:t>
             </a:fld>
             <a:endParaRPr lang="en-US"/>
           </a:p>
@@ -1014,7 +1017,7 @@
           <a:p>
             <a:fld id="{11A3A2C2-75AB-4F7F-9DF5-374BE777B759}" type="datetimeFigureOut">
               <a:rPr lang="en-US" smtClean="0"/>
-              <a:t>11/11/2016</a:t>
+              <a:t>11/12/2016</a:t>
             </a:fld>
             <a:endParaRPr lang="en-US"/>
           </a:p>
@@ -1246,7 +1249,7 @@
           <a:p>
             <a:fld id="{11A3A2C2-75AB-4F7F-9DF5-374BE777B759}" type="datetimeFigureOut">
               <a:rPr lang="en-US" smtClean="0"/>
-              <a:t>11/11/2016</a:t>
+              <a:t>11/12/2016</a:t>
             </a:fld>
             <a:endParaRPr lang="en-US"/>
           </a:p>
@@ -1613,7 +1616,7 @@
           <a:p>
             <a:fld id="{11A3A2C2-75AB-4F7F-9DF5-374BE777B759}" type="datetimeFigureOut">
               <a:rPr lang="en-US" smtClean="0"/>
-              <a:t>11/11/2016</a:t>
+              <a:t>11/12/2016</a:t>
             </a:fld>
             <a:endParaRPr lang="en-US"/>
           </a:p>
@@ -1731,7 +1734,7 @@
           <a:p>
             <a:fld id="{11A3A2C2-75AB-4F7F-9DF5-374BE777B759}" type="datetimeFigureOut">
               <a:rPr lang="en-US" smtClean="0"/>
-              <a:t>11/11/2016</a:t>
+              <a:t>11/12/2016</a:t>
             </a:fld>
             <a:endParaRPr lang="en-US"/>
           </a:p>
@@ -1826,7 +1829,7 @@
           <a:p>
             <a:fld id="{11A3A2C2-75AB-4F7F-9DF5-374BE777B759}" type="datetimeFigureOut">
               <a:rPr lang="en-US" smtClean="0"/>
-              <a:t>11/11/2016</a:t>
+              <a:t>11/12/2016</a:t>
             </a:fld>
             <a:endParaRPr lang="en-US"/>
           </a:p>
@@ -2103,7 +2106,7 @@
           <a:p>
             <a:fld id="{11A3A2C2-75AB-4F7F-9DF5-374BE777B759}" type="datetimeFigureOut">
               <a:rPr lang="en-US" smtClean="0"/>
-              <a:t>11/11/2016</a:t>
+              <a:t>11/12/2016</a:t>
             </a:fld>
             <a:endParaRPr lang="en-US"/>
           </a:p>
@@ -2360,7 +2363,7 @@
           <a:p>
             <a:fld id="{11A3A2C2-75AB-4F7F-9DF5-374BE777B759}" type="datetimeFigureOut">
               <a:rPr lang="en-US" smtClean="0"/>
-              <a:t>11/11/2016</a:t>
+              <a:t>11/12/2016</a:t>
             </a:fld>
             <a:endParaRPr lang="en-US"/>
           </a:p>
@@ -2573,7 +2576,7 @@
           <a:p>
             <a:fld id="{11A3A2C2-75AB-4F7F-9DF5-374BE777B759}" type="datetimeFigureOut">
               <a:rPr lang="en-US" smtClean="0"/>
-              <a:t>11/11/2016</a:t>
+              <a:t>11/12/2016</a:t>
             </a:fld>
             <a:endParaRPr lang="en-US"/>
           </a:p>
@@ -2990,14 +2993,14 @@
       </p:grpSpPr>
       <p:sp>
         <p:nvSpPr>
-          <p:cNvPr id="4" name="Rounded Rectangle 3"/>
+          <p:cNvPr id="5" name="Rounded Rectangle 4"/>
           <p:cNvSpPr/>
           <p:nvPr/>
         </p:nvSpPr>
         <p:spPr>
           <a:xfrm>
-            <a:off x="1237593" y="2041634"/>
-            <a:ext cx="1403132" cy="717332"/>
+            <a:off x="7164916" y="-697"/>
+            <a:ext cx="1971628" cy="960728"/>
           </a:xfrm>
           <a:prstGeom prst="roundRect">
             <a:avLst/>
@@ -3022,42 +3025,42 @@
           <a:lstStyle/>
           <a:p>
             <a:pPr algn="ctr"/>
-            <a:r>
-              <a:rPr lang="en-US" sz="1013" dirty="0" err="1"/>
-              <a:t>Jms</a:t>
-            </a:r>
-            <a:r>
-              <a:rPr lang="en-US" sz="1013" dirty="0"/>
-              <a:t> Client</a:t>
-            </a:r>
             <a:endParaRPr lang="en-US" sz="1013" dirty="0"/>
           </a:p>
         </p:txBody>
       </p:sp>
       <p:sp>
         <p:nvSpPr>
-          <p:cNvPr id="5" name="Rounded Rectangle 4"/>
+          <p:cNvPr id="14" name="Rounded Rectangle 13"/>
           <p:cNvSpPr/>
           <p:nvPr/>
         </p:nvSpPr>
         <p:spPr>
           <a:xfrm>
-            <a:off x="5646715" y="664319"/>
-            <a:ext cx="1403132" cy="717332"/>
+            <a:off x="3289678" y="1678991"/>
+            <a:ext cx="2396745" cy="1761549"/>
           </a:xfrm>
           <a:prstGeom prst="roundRect">
             <a:avLst/>
           </a:prstGeom>
+          <a:solidFill>
+            <a:schemeClr val="accent3">
+              <a:alpha val="50000"/>
+            </a:schemeClr>
+          </a:solidFill>
+          <a:ln>
+            <a:noFill/>
+          </a:ln>
         </p:spPr>
         <p:style>
           <a:lnRef idx="0">
-            <a:schemeClr val="accent2"/>
+            <a:scrgbClr r="0" g="0" b="0"/>
           </a:lnRef>
-          <a:fillRef idx="3">
-            <a:schemeClr val="accent2"/>
+          <a:fillRef idx="0">
+            <a:scrgbClr r="0" g="0" b="0"/>
           </a:fillRef>
-          <a:effectRef idx="3">
-            <a:schemeClr val="accent2"/>
+          <a:effectRef idx="0">
+            <a:scrgbClr r="0" g="0" b="0"/>
           </a:effectRef>
           <a:fontRef idx="minor">
             <a:schemeClr val="lt1"/>
@@ -3076,99 +3079,6 @@
               <a:rPr lang="en-US" sz="1013" dirty="0"/>
               <a:t> Client</a:t>
             </a:r>
-            <a:endParaRPr lang="en-US" sz="1013" dirty="0"/>
-          </a:p>
-        </p:txBody>
-      </p:sp>
-      <p:sp>
-        <p:nvSpPr>
-          <p:cNvPr id="6" name="Rounded Rectangle 5"/>
-          <p:cNvSpPr/>
-          <p:nvPr/>
-        </p:nvSpPr>
-        <p:spPr>
-          <a:xfrm>
-            <a:off x="5646715" y="3647549"/>
-            <a:ext cx="1403132" cy="717332"/>
-          </a:xfrm>
-          <a:prstGeom prst="roundRect">
-            <a:avLst/>
-          </a:prstGeom>
-        </p:spPr>
-        <p:style>
-          <a:lnRef idx="0">
-            <a:schemeClr val="accent2"/>
-          </a:lnRef>
-          <a:fillRef idx="3">
-            <a:schemeClr val="accent2"/>
-          </a:fillRef>
-          <a:effectRef idx="3">
-            <a:schemeClr val="accent2"/>
-          </a:effectRef>
-          <a:fontRef idx="minor">
-            <a:schemeClr val="lt1"/>
-          </a:fontRef>
-        </p:style>
-        <p:txBody>
-          <a:bodyPr rtlCol="0" anchor="ctr"/>
-          <a:lstStyle/>
-          <a:p>
-            <a:pPr algn="ctr"/>
-            <a:r>
-              <a:rPr lang="en-US" sz="1013" dirty="0" err="1"/>
-              <a:t>Jms</a:t>
-            </a:r>
-            <a:r>
-              <a:rPr lang="en-US" sz="1013" dirty="0"/>
-              <a:t> Client</a:t>
-            </a:r>
-            <a:endParaRPr lang="en-US" sz="1013" dirty="0"/>
-          </a:p>
-        </p:txBody>
-      </p:sp>
-      <p:sp>
-        <p:nvSpPr>
-          <p:cNvPr id="7" name="Rounded Rectangle 6"/>
-          <p:cNvSpPr/>
-          <p:nvPr/>
-        </p:nvSpPr>
-        <p:spPr>
-          <a:xfrm>
-            <a:off x="5646715" y="2155934"/>
-            <a:ext cx="1403132" cy="717332"/>
-          </a:xfrm>
-          <a:prstGeom prst="roundRect">
-            <a:avLst/>
-          </a:prstGeom>
-        </p:spPr>
-        <p:style>
-          <a:lnRef idx="0">
-            <a:schemeClr val="accent2"/>
-          </a:lnRef>
-          <a:fillRef idx="3">
-            <a:schemeClr val="accent2"/>
-          </a:fillRef>
-          <a:effectRef idx="3">
-            <a:schemeClr val="accent2"/>
-          </a:effectRef>
-          <a:fontRef idx="minor">
-            <a:schemeClr val="lt1"/>
-          </a:fontRef>
-        </p:style>
-        <p:txBody>
-          <a:bodyPr rtlCol="0" anchor="ctr"/>
-          <a:lstStyle/>
-          <a:p>
-            <a:pPr algn="ctr"/>
-            <a:r>
-              <a:rPr lang="en-US" sz="1013" dirty="0" err="1"/>
-              <a:t>Jms</a:t>
-            </a:r>
-            <a:r>
-              <a:rPr lang="en-US" sz="1013" dirty="0"/>
-              <a:t> Client</a:t>
-            </a:r>
-            <a:endParaRPr lang="en-US" sz="1013" dirty="0"/>
           </a:p>
         </p:txBody>
       </p:sp>
@@ -3216,16 +3126,678 @@
           </a:p>
         </p:txBody>
       </p:sp>
+      <p:sp>
+        <p:nvSpPr>
+          <p:cNvPr id="9" name="Can 8"/>
+          <p:cNvSpPr/>
+          <p:nvPr/>
+        </p:nvSpPr>
+        <p:spPr>
+          <a:xfrm rot="5400000">
+            <a:off x="4129384" y="1419623"/>
+            <a:ext cx="717332" cy="2280285"/>
+          </a:xfrm>
+          <a:prstGeom prst="can">
+            <a:avLst/>
+          </a:prstGeom>
+          <a:effectLst>
+            <a:outerShdw blurRad="50800" dist="38100" dir="8100000" algn="tr" rotWithShape="0">
+              <a:prstClr val="black">
+                <a:alpha val="40000"/>
+              </a:prstClr>
+            </a:outerShdw>
+          </a:effectLst>
+        </p:spPr>
+        <p:style>
+          <a:lnRef idx="2">
+            <a:schemeClr val="accent1">
+              <a:shade val="50000"/>
+            </a:schemeClr>
+          </a:lnRef>
+          <a:fillRef idx="1">
+            <a:schemeClr val="accent1"/>
+          </a:fillRef>
+          <a:effectRef idx="0">
+            <a:schemeClr val="accent1"/>
+          </a:effectRef>
+          <a:fontRef idx="minor">
+            <a:schemeClr val="lt1"/>
+          </a:fontRef>
+        </p:style>
+        <p:txBody>
+          <a:bodyPr rtlCol="0" anchor="ctr"/>
+          <a:lstStyle/>
+          <a:p>
+            <a:pPr algn="ctr"/>
+            <a:endParaRPr lang="en-US" sz="1013"/>
+          </a:p>
+        </p:txBody>
+      </p:sp>
+      <p:sp>
+        <p:nvSpPr>
+          <p:cNvPr id="10" name="Rectangle 9"/>
+          <p:cNvSpPr/>
+          <p:nvPr/>
+        </p:nvSpPr>
+        <p:spPr>
+          <a:xfrm>
+            <a:off x="3700655" y="2213517"/>
+            <a:ext cx="1574790" cy="692497"/>
+          </a:xfrm>
+          <a:prstGeom prst="rect">
+            <a:avLst/>
+          </a:prstGeom>
+          <a:noFill/>
+        </p:spPr>
+        <p:txBody>
+          <a:bodyPr wrap="none" lIns="68580" tIns="34290" rIns="68580" bIns="34290">
+            <a:spAutoFit/>
+          </a:bodyPr>
+          <a:lstStyle/>
+          <a:p>
+            <a:pPr algn="ctr"/>
+            <a:r>
+              <a:rPr lang="en-US" sz="4050" b="1" dirty="0">
+                <a:ln w="12700">
+                  <a:solidFill>
+                    <a:schemeClr val="accent3">
+                      <a:lumMod val="50000"/>
+                    </a:schemeClr>
+                  </a:solidFill>
+                  <a:prstDash val="solid"/>
+                </a:ln>
+                <a:pattFill prst="narHorz">
+                  <a:fgClr>
+                    <a:schemeClr val="accent3"/>
+                  </a:fgClr>
+                  <a:bgClr>
+                    <a:schemeClr val="accent3">
+                      <a:lumMod val="40000"/>
+                      <a:lumOff val="60000"/>
+                    </a:schemeClr>
+                  </a:bgClr>
+                </a:pattFill>
+                <a:effectLst>
+                  <a:innerShdw blurRad="177800">
+                    <a:schemeClr val="accent3">
+                      <a:lumMod val="50000"/>
+                    </a:schemeClr>
+                  </a:innerShdw>
+                </a:effectLst>
+              </a:rPr>
+              <a:t>Queue</a:t>
+            </a:r>
+            <a:endParaRPr lang="en-US" sz="4050" b="1" dirty="0">
+              <a:ln w="10160">
+                <a:solidFill>
+                  <a:schemeClr val="accent5"/>
+                </a:solidFill>
+                <a:prstDash val="solid"/>
+              </a:ln>
+              <a:solidFill>
+                <a:srgbClr val="FFFFFF"/>
+              </a:solidFill>
+              <a:effectLst>
+                <a:outerShdw blurRad="38100" dist="22860" dir="5400000" algn="tl" rotWithShape="0">
+                  <a:srgbClr val="000000">
+                    <a:alpha val="30000"/>
+                  </a:srgbClr>
+                </a:outerShdw>
+              </a:effectLst>
+            </a:endParaRPr>
+          </a:p>
+        </p:txBody>
+      </p:sp>
+      <p:sp>
+        <p:nvSpPr>
+          <p:cNvPr id="11" name="Rounded Rectangle 10"/>
+          <p:cNvSpPr/>
+          <p:nvPr/>
+        </p:nvSpPr>
+        <p:spPr>
+          <a:xfrm>
+            <a:off x="7164916" y="2079403"/>
+            <a:ext cx="1971628" cy="960728"/>
+          </a:xfrm>
+          <a:prstGeom prst="roundRect">
+            <a:avLst/>
+          </a:prstGeom>
+        </p:spPr>
+        <p:style>
+          <a:lnRef idx="0">
+            <a:schemeClr val="accent2"/>
+          </a:lnRef>
+          <a:fillRef idx="3">
+            <a:schemeClr val="accent2"/>
+          </a:fillRef>
+          <a:effectRef idx="3">
+            <a:schemeClr val="accent2"/>
+          </a:effectRef>
+          <a:fontRef idx="minor">
+            <a:schemeClr val="lt1"/>
+          </a:fontRef>
+        </p:style>
+        <p:txBody>
+          <a:bodyPr rtlCol="0" anchor="ctr"/>
+          <a:lstStyle/>
+          <a:p>
+            <a:pPr algn="ctr"/>
+            <a:endParaRPr lang="en-US" sz="1013" dirty="0"/>
+          </a:p>
+        </p:txBody>
+      </p:sp>
+      <p:sp>
+        <p:nvSpPr>
+          <p:cNvPr id="12" name="Rounded Rectangle 11"/>
+          <p:cNvSpPr/>
+          <p:nvPr/>
+        </p:nvSpPr>
+        <p:spPr>
+          <a:xfrm>
+            <a:off x="7164916" y="4167059"/>
+            <a:ext cx="1971628" cy="960728"/>
+          </a:xfrm>
+          <a:prstGeom prst="roundRect">
+            <a:avLst/>
+          </a:prstGeom>
+        </p:spPr>
+        <p:style>
+          <a:lnRef idx="0">
+            <a:schemeClr val="accent2"/>
+          </a:lnRef>
+          <a:fillRef idx="3">
+            <a:schemeClr val="accent2"/>
+          </a:fillRef>
+          <a:effectRef idx="3">
+            <a:schemeClr val="accent2"/>
+          </a:effectRef>
+          <a:fontRef idx="minor">
+            <a:schemeClr val="lt1"/>
+          </a:fontRef>
+        </p:style>
+        <p:txBody>
+          <a:bodyPr rtlCol="0" anchor="ctr"/>
+          <a:lstStyle/>
+          <a:p>
+            <a:pPr algn="ctr"/>
+            <a:endParaRPr lang="en-US" sz="1013" dirty="0"/>
+          </a:p>
+        </p:txBody>
+      </p:sp>
+      <p:sp>
+        <p:nvSpPr>
+          <p:cNvPr id="13" name="Rounded Rectangle 12"/>
+          <p:cNvSpPr/>
+          <p:nvPr/>
+        </p:nvSpPr>
+        <p:spPr>
+          <a:xfrm>
+            <a:off x="-4509" y="2079403"/>
+            <a:ext cx="1971628" cy="960728"/>
+          </a:xfrm>
+          <a:prstGeom prst="roundRect">
+            <a:avLst/>
+          </a:prstGeom>
+        </p:spPr>
+        <p:style>
+          <a:lnRef idx="0">
+            <a:schemeClr val="accent2"/>
+          </a:lnRef>
+          <a:fillRef idx="3">
+            <a:schemeClr val="accent2"/>
+          </a:fillRef>
+          <a:effectRef idx="3">
+            <a:schemeClr val="accent2"/>
+          </a:effectRef>
+          <a:fontRef idx="minor">
+            <a:schemeClr val="lt1"/>
+          </a:fontRef>
+        </p:style>
+        <p:txBody>
+          <a:bodyPr rtlCol="0" anchor="ctr"/>
+          <a:lstStyle/>
+          <a:p>
+            <a:pPr algn="ctr"/>
+            <a:endParaRPr lang="en-US" sz="1013" dirty="0"/>
+          </a:p>
+        </p:txBody>
+      </p:sp>
+      <p:sp>
+        <p:nvSpPr>
+          <p:cNvPr id="15" name="Rectangle 14"/>
+          <p:cNvSpPr/>
+          <p:nvPr/>
+        </p:nvSpPr>
+        <p:spPr>
+          <a:xfrm>
+            <a:off x="333659" y="2569821"/>
+            <a:ext cx="1295291" cy="438582"/>
+          </a:xfrm>
+          <a:prstGeom prst="rect">
+            <a:avLst/>
+          </a:prstGeom>
+          <a:noFill/>
+          <a:ln>
+            <a:noFill/>
+          </a:ln>
+          <a:effectLst>
+            <a:outerShdw blurRad="50800" dist="38100" dir="8100000" algn="tr" rotWithShape="0">
+              <a:prstClr val="black">
+                <a:alpha val="40000"/>
+              </a:prstClr>
+            </a:outerShdw>
+          </a:effectLst>
+        </p:spPr>
+        <p:txBody>
+          <a:bodyPr wrap="none" lIns="68580" tIns="34290" rIns="68580" bIns="34290">
+            <a:spAutoFit/>
+          </a:bodyPr>
+          <a:lstStyle/>
+          <a:p>
+            <a:pPr algn="ctr"/>
+            <a:r>
+              <a:rPr lang="en-US" sz="2400" b="1" dirty="0">
+                <a:ln w="12700" cmpd="sng">
+                  <a:solidFill>
+                    <a:schemeClr val="accent4"/>
+                  </a:solidFill>
+                  <a:prstDash val="solid"/>
+                </a:ln>
+                <a:gradFill>
+                  <a:gsLst>
+                    <a:gs pos="0">
+                      <a:schemeClr val="accent4"/>
+                    </a:gs>
+                    <a:gs pos="4000">
+                      <a:schemeClr val="accent4">
+                        <a:lumMod val="60000"/>
+                        <a:lumOff val="40000"/>
+                      </a:schemeClr>
+                    </a:gs>
+                    <a:gs pos="87000">
+                      <a:schemeClr val="accent4">
+                        <a:lumMod val="20000"/>
+                        <a:lumOff val="80000"/>
+                      </a:schemeClr>
+                    </a:gs>
+                  </a:gsLst>
+                  <a:lin ang="5400000"/>
+                </a:gradFill>
+              </a:rPr>
+              <a:t>Producer</a:t>
+            </a:r>
+          </a:p>
+        </p:txBody>
+      </p:sp>
+      <p:sp>
+        <p:nvSpPr>
+          <p:cNvPr id="16" name="Rectangle 15"/>
+          <p:cNvSpPr/>
+          <p:nvPr/>
+        </p:nvSpPr>
+        <p:spPr>
+          <a:xfrm>
+            <a:off x="7320856" y="2583967"/>
+            <a:ext cx="1659750" cy="438582"/>
+          </a:xfrm>
+          <a:prstGeom prst="rect">
+            <a:avLst/>
+          </a:prstGeom>
+          <a:noFill/>
+          <a:ln>
+            <a:noFill/>
+          </a:ln>
+          <a:effectLst>
+            <a:outerShdw blurRad="50800" dist="38100" dir="8100000" algn="tr" rotWithShape="0">
+              <a:prstClr val="black">
+                <a:alpha val="40000"/>
+              </a:prstClr>
+            </a:outerShdw>
+          </a:effectLst>
+        </p:spPr>
+        <p:txBody>
+          <a:bodyPr wrap="none" lIns="68580" tIns="34290" rIns="68580" bIns="34290">
+            <a:spAutoFit/>
+          </a:bodyPr>
+          <a:lstStyle/>
+          <a:p>
+            <a:pPr algn="ctr"/>
+            <a:r>
+              <a:rPr lang="en-US" sz="2400" b="1" dirty="0">
+                <a:ln w="12700" cmpd="sng">
+                  <a:solidFill>
+                    <a:schemeClr val="accent4"/>
+                  </a:solidFill>
+                  <a:prstDash val="solid"/>
+                </a:ln>
+                <a:gradFill>
+                  <a:gsLst>
+                    <a:gs pos="0">
+                      <a:schemeClr val="accent4"/>
+                    </a:gs>
+                    <a:gs pos="4000">
+                      <a:schemeClr val="accent4">
+                        <a:lumMod val="60000"/>
+                        <a:lumOff val="40000"/>
+                      </a:schemeClr>
+                    </a:gs>
+                    <a:gs pos="87000">
+                      <a:schemeClr val="accent4">
+                        <a:lumMod val="20000"/>
+                        <a:lumOff val="80000"/>
+                      </a:schemeClr>
+                    </a:gs>
+                  </a:gsLst>
+                  <a:lin ang="5400000"/>
+                </a:gradFill>
+              </a:rPr>
+              <a:t>Consumer 2</a:t>
+            </a:r>
+          </a:p>
+        </p:txBody>
+      </p:sp>
+      <p:sp>
+        <p:nvSpPr>
+          <p:cNvPr id="17" name="Rectangle 16"/>
+          <p:cNvSpPr/>
+          <p:nvPr/>
+        </p:nvSpPr>
+        <p:spPr>
+          <a:xfrm>
+            <a:off x="7320856" y="4659640"/>
+            <a:ext cx="1659750" cy="438582"/>
+          </a:xfrm>
+          <a:prstGeom prst="rect">
+            <a:avLst/>
+          </a:prstGeom>
+          <a:noFill/>
+          <a:ln>
+            <a:noFill/>
+          </a:ln>
+          <a:effectLst>
+            <a:outerShdw blurRad="50800" dist="38100" dir="8100000" algn="tr" rotWithShape="0">
+              <a:prstClr val="black">
+                <a:alpha val="40000"/>
+              </a:prstClr>
+            </a:outerShdw>
+          </a:effectLst>
+        </p:spPr>
+        <p:txBody>
+          <a:bodyPr wrap="none" lIns="68580" tIns="34290" rIns="68580" bIns="34290">
+            <a:spAutoFit/>
+          </a:bodyPr>
+          <a:lstStyle/>
+          <a:p>
+            <a:pPr algn="ctr"/>
+            <a:r>
+              <a:rPr lang="en-US" sz="2400" b="1" dirty="0">
+                <a:ln w="12700" cmpd="sng">
+                  <a:solidFill>
+                    <a:schemeClr val="accent4"/>
+                  </a:solidFill>
+                  <a:prstDash val="solid"/>
+                </a:ln>
+                <a:gradFill>
+                  <a:gsLst>
+                    <a:gs pos="0">
+                      <a:schemeClr val="accent4"/>
+                    </a:gs>
+                    <a:gs pos="4000">
+                      <a:schemeClr val="accent4">
+                        <a:lumMod val="60000"/>
+                        <a:lumOff val="40000"/>
+                      </a:schemeClr>
+                    </a:gs>
+                    <a:gs pos="87000">
+                      <a:schemeClr val="accent4">
+                        <a:lumMod val="20000"/>
+                        <a:lumOff val="80000"/>
+                      </a:schemeClr>
+                    </a:gs>
+                  </a:gsLst>
+                  <a:lin ang="5400000"/>
+                </a:gradFill>
+              </a:rPr>
+              <a:t>Consumer 3</a:t>
+            </a:r>
+          </a:p>
+        </p:txBody>
+      </p:sp>
+      <p:sp>
+        <p:nvSpPr>
+          <p:cNvPr id="18" name="Rectangle 17"/>
+          <p:cNvSpPr/>
+          <p:nvPr/>
+        </p:nvSpPr>
+        <p:spPr>
+          <a:xfrm>
+            <a:off x="7320856" y="491884"/>
+            <a:ext cx="1659750" cy="438582"/>
+          </a:xfrm>
+          <a:prstGeom prst="rect">
+            <a:avLst/>
+          </a:prstGeom>
+          <a:noFill/>
+          <a:ln>
+            <a:noFill/>
+          </a:ln>
+          <a:effectLst>
+            <a:outerShdw blurRad="50800" dist="38100" dir="8100000" algn="tr" rotWithShape="0">
+              <a:prstClr val="black">
+                <a:alpha val="40000"/>
+              </a:prstClr>
+            </a:outerShdw>
+          </a:effectLst>
+        </p:spPr>
+        <p:txBody>
+          <a:bodyPr wrap="none" lIns="68580" tIns="34290" rIns="68580" bIns="34290">
+            <a:spAutoFit/>
+          </a:bodyPr>
+          <a:lstStyle/>
+          <a:p>
+            <a:pPr algn="ctr"/>
+            <a:r>
+              <a:rPr lang="en-US" sz="2400" b="1" dirty="0">
+                <a:ln w="12700" cmpd="sng">
+                  <a:solidFill>
+                    <a:schemeClr val="accent4"/>
+                  </a:solidFill>
+                  <a:prstDash val="solid"/>
+                </a:ln>
+                <a:gradFill>
+                  <a:gsLst>
+                    <a:gs pos="0">
+                      <a:schemeClr val="accent4"/>
+                    </a:gs>
+                    <a:gs pos="4000">
+                      <a:schemeClr val="accent4">
+                        <a:lumMod val="60000"/>
+                        <a:lumOff val="40000"/>
+                      </a:schemeClr>
+                    </a:gs>
+                    <a:gs pos="87000">
+                      <a:schemeClr val="accent4">
+                        <a:lumMod val="20000"/>
+                        <a:lumOff val="80000"/>
+                      </a:schemeClr>
+                    </a:gs>
+                  </a:gsLst>
+                  <a:lin ang="5400000"/>
+                </a:gradFill>
+              </a:rPr>
+              <a:t>Consumer 1</a:t>
+            </a:r>
+          </a:p>
+        </p:txBody>
+      </p:sp>
+      <p:sp>
+        <p:nvSpPr>
+          <p:cNvPr id="19" name="Rectangle 18"/>
+          <p:cNvSpPr/>
+          <p:nvPr/>
+        </p:nvSpPr>
+        <p:spPr>
+          <a:xfrm>
+            <a:off x="3872573" y="1706086"/>
+            <a:ext cx="1129413" cy="500137"/>
+          </a:xfrm>
+          <a:prstGeom prst="rect">
+            <a:avLst/>
+          </a:prstGeom>
+          <a:noFill/>
+          <a:ln>
+            <a:noFill/>
+          </a:ln>
+        </p:spPr>
+        <p:txBody>
+          <a:bodyPr wrap="none" lIns="68580" tIns="34290" rIns="68580" bIns="34290">
+            <a:spAutoFit/>
+          </a:bodyPr>
+          <a:lstStyle/>
+          <a:p>
+            <a:pPr algn="ctr"/>
+            <a:r>
+              <a:rPr lang="en-US" sz="2800" b="1" dirty="0">
+                <a:ln/>
+                <a:pattFill prst="dkUpDiag">
+                  <a:fgClr>
+                    <a:schemeClr val="bg1">
+                      <a:lumMod val="50000"/>
+                    </a:schemeClr>
+                  </a:fgClr>
+                  <a:bgClr>
+                    <a:schemeClr val="tx1">
+                      <a:lumMod val="75000"/>
+                      <a:lumOff val="25000"/>
+                    </a:schemeClr>
+                  </a:bgClr>
+                </a:pattFill>
+                <a:effectLst>
+                  <a:outerShdw blurRad="38100" dist="19050" dir="2700000" algn="tl" rotWithShape="0">
+                    <a:schemeClr val="dk1">
+                      <a:lumMod val="50000"/>
+                      <a:alpha val="40000"/>
+                    </a:schemeClr>
+                  </a:outerShdw>
+                </a:effectLst>
+              </a:rPr>
+              <a:t>Broker</a:t>
+            </a:r>
+            <a:endParaRPr lang="en-US" sz="2800" b="1" dirty="0">
+              <a:ln w="10160">
+                <a:solidFill>
+                  <a:schemeClr val="accent2"/>
+                </a:solidFill>
+                <a:prstDash val="solid"/>
+              </a:ln>
+              <a:solidFill>
+                <a:srgbClr val="FFFFFF"/>
+              </a:solidFill>
+              <a:effectLst>
+                <a:outerShdw blurRad="38100" dist="22860" dir="5400000" algn="tl" rotWithShape="0">
+                  <a:srgbClr val="000000">
+                    <a:alpha val="30000"/>
+                  </a:srgbClr>
+                </a:outerShdw>
+              </a:effectLst>
+            </a:endParaRPr>
+          </a:p>
+        </p:txBody>
+      </p:sp>
+      <p:sp>
+        <p:nvSpPr>
+          <p:cNvPr id="2" name="Rectangle 1"/>
+          <p:cNvSpPr/>
+          <p:nvPr/>
+        </p:nvSpPr>
+        <p:spPr>
+          <a:xfrm>
+            <a:off x="9838" y="21914"/>
+            <a:ext cx="5157117" cy="707886"/>
+          </a:xfrm>
+          <a:prstGeom prst="rect">
+            <a:avLst/>
+          </a:prstGeom>
+          <a:noFill/>
+        </p:spPr>
+        <p:txBody>
+          <a:bodyPr wrap="none" lIns="91440" tIns="45720" rIns="91440" bIns="45720">
+            <a:spAutoFit/>
+          </a:bodyPr>
+          <a:lstStyle/>
+          <a:p>
+            <a:pPr algn="ctr"/>
+            <a:r>
+              <a:rPr lang="en-US" sz="4000" b="1" dirty="0" smtClean="0">
+                <a:ln/>
+                <a:pattFill prst="dkUpDiag">
+                  <a:fgClr>
+                    <a:schemeClr val="bg1">
+                      <a:lumMod val="50000"/>
+                    </a:schemeClr>
+                  </a:fgClr>
+                  <a:bgClr>
+                    <a:schemeClr val="tx1">
+                      <a:lumMod val="75000"/>
+                      <a:lumOff val="25000"/>
+                    </a:schemeClr>
+                  </a:bgClr>
+                </a:pattFill>
+                <a:effectLst>
+                  <a:outerShdw blurRad="38100" dist="19050" dir="2700000" algn="tl" rotWithShape="0">
+                    <a:schemeClr val="dk1">
+                      <a:lumMod val="50000"/>
+                      <a:alpha val="40000"/>
+                    </a:schemeClr>
+                  </a:outerShdw>
+                </a:effectLst>
+              </a:rPr>
+              <a:t>Queue Implementation</a:t>
+            </a:r>
+            <a:endParaRPr lang="en-US" sz="4000" b="1" dirty="0">
+              <a:ln/>
+              <a:pattFill prst="dkUpDiag">
+                <a:fgClr>
+                  <a:schemeClr val="bg1">
+                    <a:lumMod val="50000"/>
+                  </a:schemeClr>
+                </a:fgClr>
+                <a:bgClr>
+                  <a:schemeClr val="tx1">
+                    <a:lumMod val="75000"/>
+                    <a:lumOff val="25000"/>
+                  </a:schemeClr>
+                </a:bgClr>
+              </a:pattFill>
+              <a:effectLst>
+                <a:outerShdw blurRad="38100" dist="19050" dir="2700000" algn="tl" rotWithShape="0">
+                  <a:schemeClr val="dk1">
+                    <a:lumMod val="50000"/>
+                    <a:alpha val="40000"/>
+                  </a:schemeClr>
+                </a:outerShdw>
+              </a:effectLst>
+            </a:endParaRPr>
+          </a:p>
+        </p:txBody>
+      </p:sp>
     </p:spTree>
     <p:extLst>
       <p:ext uri="{BB962C8B-B14F-4D97-AF65-F5344CB8AC3E}">
-        <p14:creationId xmlns:p14="http://schemas.microsoft.com/office/powerpoint/2010/main" val="15053968"/>
+        <p14:creationId xmlns:p14="http://schemas.microsoft.com/office/powerpoint/2010/main" val="131818764"/>
       </p:ext>
     </p:extLst>
   </p:cSld>
   <p:clrMapOvr>
     <a:masterClrMapping/>
   </p:clrMapOvr>
+  <p:timing>
+    <p:tnLst>
+      <p:par>
+        <p:cTn id="1" dur="indefinite" restart="never" nodeType="tmRoot"/>
+      </p:par>
+    </p:tnLst>
+  </p:timing>
 </p:sld>
 </file>
 
@@ -3344,7 +3916,6 @@
               <a:rPr lang="en-US" sz="1013" dirty="0"/>
               <a:t> Client</a:t>
             </a:r>
-            <a:endParaRPr lang="en-US" sz="1013" dirty="0"/>
           </a:p>
         </p:txBody>
       </p:sp>
@@ -3399,9 +3970,9 @@
           <p:nvPr/>
         </p:nvSpPr>
         <p:spPr>
-          <a:xfrm rot="5400000">
-            <a:off x="4129384" y="1419623"/>
-            <a:ext cx="717332" cy="2280285"/>
+          <a:xfrm rot="10800000" flipV="1">
+            <a:off x="3406395" y="2254819"/>
+            <a:ext cx="2103120" cy="914400"/>
           </a:xfrm>
           <a:prstGeom prst="can">
             <a:avLst/>
@@ -3447,8 +4018,8 @@
         </p:nvSpPr>
         <p:spPr>
           <a:xfrm>
-            <a:off x="3700655" y="2213517"/>
-            <a:ext cx="1574790" cy="692497"/>
+            <a:off x="3829056" y="2436807"/>
+            <a:ext cx="1254191" cy="692497"/>
           </a:xfrm>
           <a:prstGeom prst="rect">
             <a:avLst/>
@@ -3463,7 +4034,7 @@
           <a:p>
             <a:pPr algn="ctr"/>
             <a:r>
-              <a:rPr lang="en-US" sz="4050" b="1" dirty="0">
+              <a:rPr lang="en-US" sz="4050" b="1" dirty="0" smtClean="0">
                 <a:ln w="12700">
                   <a:solidFill>
                     <a:schemeClr val="accent3">
@@ -3491,7 +4062,7 @@
                   </a:innerShdw>
                 </a:effectLst>
               </a:rPr>
-              <a:t>Queue</a:t>
+              <a:t>Topic</a:t>
             </a:r>
             <a:endParaRPr lang="en-US" sz="4050" b="1" dirty="0">
               <a:ln w="10160">
@@ -3646,6 +4217,13 @@
           <a:ln>
             <a:noFill/>
           </a:ln>
+          <a:effectLst>
+            <a:outerShdw blurRad="50800" dist="38100" dir="8100000" algn="tr" rotWithShape="0">
+              <a:prstClr val="black">
+                <a:alpha val="40000"/>
+              </a:prstClr>
+            </a:outerShdw>
+          </a:effectLst>
         </p:spPr>
         <p:txBody>
           <a:bodyPr wrap="none" lIns="68580" tIns="34290" rIns="68580" bIns="34290">
@@ -3685,34 +4263,6 @@
               </a:rPr>
               <a:t>Producer</a:t>
             </a:r>
-            <a:endParaRPr lang="en-US" sz="2400" b="1" dirty="0">
-              <a:ln w="12700" cmpd="sng">
-                <a:solidFill>
-                  <a:schemeClr val="accent4"/>
-                </a:solidFill>
-                <a:prstDash val="solid"/>
-              </a:ln>
-              <a:gradFill>
-                <a:gsLst>
-                  <a:gs pos="0">
-                    <a:schemeClr val="accent4"/>
-                  </a:gs>
-                  <a:gs pos="4000">
-                    <a:schemeClr val="accent4">
-                      <a:lumMod val="60000"/>
-                      <a:lumOff val="40000"/>
-                    </a:schemeClr>
-                  </a:gs>
-                  <a:gs pos="87000">
-                    <a:schemeClr val="accent4">
-                      <a:lumMod val="20000"/>
-                      <a:lumOff val="80000"/>
-                    </a:schemeClr>
-                  </a:gs>
-                </a:gsLst>
-                <a:lin ang="5400000"/>
-              </a:gradFill>
-            </a:endParaRPr>
           </a:p>
         </p:txBody>
       </p:sp>
@@ -3734,6 +4284,13 @@
           <a:ln>
             <a:noFill/>
           </a:ln>
+          <a:effectLst>
+            <a:outerShdw blurRad="50800" dist="38100" dir="8100000" algn="tr" rotWithShape="0">
+              <a:prstClr val="black">
+                <a:alpha val="40000"/>
+              </a:prstClr>
+            </a:outerShdw>
+          </a:effectLst>
         </p:spPr>
         <p:txBody>
           <a:bodyPr wrap="none" lIns="68580" tIns="34290" rIns="68580" bIns="34290">
@@ -3773,34 +4330,6 @@
               </a:rPr>
               <a:t>Consumer 2</a:t>
             </a:r>
-            <a:endParaRPr lang="en-US" sz="2400" b="1" dirty="0">
-              <a:ln w="12700" cmpd="sng">
-                <a:solidFill>
-                  <a:schemeClr val="accent4"/>
-                </a:solidFill>
-                <a:prstDash val="solid"/>
-              </a:ln>
-              <a:gradFill>
-                <a:gsLst>
-                  <a:gs pos="0">
-                    <a:schemeClr val="accent4"/>
-                  </a:gs>
-                  <a:gs pos="4000">
-                    <a:schemeClr val="accent4">
-                      <a:lumMod val="60000"/>
-                      <a:lumOff val="40000"/>
-                    </a:schemeClr>
-                  </a:gs>
-                  <a:gs pos="87000">
-                    <a:schemeClr val="accent4">
-                      <a:lumMod val="20000"/>
-                      <a:lumOff val="80000"/>
-                    </a:schemeClr>
-                  </a:gs>
-                </a:gsLst>
-                <a:lin ang="5400000"/>
-              </a:gradFill>
-            </a:endParaRPr>
           </a:p>
         </p:txBody>
       </p:sp>
@@ -3822,6 +4351,13 @@
           <a:ln>
             <a:noFill/>
           </a:ln>
+          <a:effectLst>
+            <a:outerShdw blurRad="50800" dist="38100" dir="8100000" algn="tr" rotWithShape="0">
+              <a:prstClr val="black">
+                <a:alpha val="40000"/>
+              </a:prstClr>
+            </a:outerShdw>
+          </a:effectLst>
         </p:spPr>
         <p:txBody>
           <a:bodyPr wrap="none" lIns="68580" tIns="34290" rIns="68580" bIns="34290">
@@ -3861,34 +4397,6 @@
               </a:rPr>
               <a:t>Consumer 3</a:t>
             </a:r>
-            <a:endParaRPr lang="en-US" sz="2400" b="1" dirty="0">
-              <a:ln w="12700" cmpd="sng">
-                <a:solidFill>
-                  <a:schemeClr val="accent4"/>
-                </a:solidFill>
-                <a:prstDash val="solid"/>
-              </a:ln>
-              <a:gradFill>
-                <a:gsLst>
-                  <a:gs pos="0">
-                    <a:schemeClr val="accent4"/>
-                  </a:gs>
-                  <a:gs pos="4000">
-                    <a:schemeClr val="accent4">
-                      <a:lumMod val="60000"/>
-                      <a:lumOff val="40000"/>
-                    </a:schemeClr>
-                  </a:gs>
-                  <a:gs pos="87000">
-                    <a:schemeClr val="accent4">
-                      <a:lumMod val="20000"/>
-                      <a:lumOff val="80000"/>
-                    </a:schemeClr>
-                  </a:gs>
-                </a:gsLst>
-                <a:lin ang="5400000"/>
-              </a:gradFill>
-            </a:endParaRPr>
           </a:p>
         </p:txBody>
       </p:sp>
@@ -3910,6 +4418,13 @@
           <a:ln>
             <a:noFill/>
           </a:ln>
+          <a:effectLst>
+            <a:outerShdw blurRad="50800" dist="38100" dir="8100000" algn="tr" rotWithShape="0">
+              <a:prstClr val="black">
+                <a:alpha val="40000"/>
+              </a:prstClr>
+            </a:outerShdw>
+          </a:effectLst>
         </p:spPr>
         <p:txBody>
           <a:bodyPr wrap="none" lIns="68580" tIns="34290" rIns="68580" bIns="34290">
@@ -4026,10 +4541,87 @@
           </a:p>
         </p:txBody>
       </p:sp>
+      <p:sp>
+        <p:nvSpPr>
+          <p:cNvPr id="2" name="Rectangle 1"/>
+          <p:cNvSpPr/>
+          <p:nvPr/>
+        </p:nvSpPr>
+        <p:spPr>
+          <a:xfrm>
+            <a:off x="169049" y="21914"/>
+            <a:ext cx="4838697" cy="707886"/>
+          </a:xfrm>
+          <a:prstGeom prst="rect">
+            <a:avLst/>
+          </a:prstGeom>
+          <a:noFill/>
+        </p:spPr>
+        <p:txBody>
+          <a:bodyPr wrap="none" lIns="91440" tIns="45720" rIns="91440" bIns="45720">
+            <a:spAutoFit/>
+          </a:bodyPr>
+          <a:lstStyle/>
+          <a:p>
+            <a:pPr algn="ctr"/>
+            <a:r>
+              <a:rPr lang="en-US" sz="4000" b="1" dirty="0" smtClean="0">
+                <a:ln/>
+                <a:pattFill prst="dkUpDiag">
+                  <a:fgClr>
+                    <a:schemeClr val="bg1">
+                      <a:lumMod val="50000"/>
+                    </a:schemeClr>
+                  </a:fgClr>
+                  <a:bgClr>
+                    <a:schemeClr val="tx1">
+                      <a:lumMod val="75000"/>
+                      <a:lumOff val="25000"/>
+                    </a:schemeClr>
+                  </a:bgClr>
+                </a:pattFill>
+                <a:effectLst>
+                  <a:outerShdw blurRad="38100" dist="19050" dir="2700000" algn="tl" rotWithShape="0">
+                    <a:schemeClr val="dk1">
+                      <a:lumMod val="50000"/>
+                      <a:alpha val="40000"/>
+                    </a:schemeClr>
+                  </a:outerShdw>
+                </a:effectLst>
+              </a:rPr>
+              <a:t>Topic Implementation</a:t>
+            </a:r>
+            <a:endParaRPr lang="en-US" sz="4000" b="1" dirty="0">
+              <a:ln/>
+              <a:pattFill prst="dkUpDiag">
+                <a:fgClr>
+                  <a:schemeClr val="bg1">
+                    <a:lumMod val="50000"/>
+                  </a:schemeClr>
+                </a:fgClr>
+                <a:bgClr>
+                  <a:schemeClr val="tx1">
+                    <a:lumMod val="75000"/>
+                    <a:lumOff val="25000"/>
+                  </a:schemeClr>
+                </a:bgClr>
+              </a:pattFill>
+              <a:effectLst>
+                <a:outerShdw blurRad="38100" dist="19050" dir="2700000" algn="tl" rotWithShape="0">
+                  <a:schemeClr val="dk1">
+                    <a:lumMod val="50000"/>
+                    <a:alpha val="40000"/>
+                  </a:schemeClr>
+                </a:outerShdw>
+              </a:effectLst>
+            </a:endParaRPr>
+          </a:p>
+        </p:txBody>
+      </p:sp>
     </p:spTree>
     <p:extLst>
       <p:ext uri="{BB962C8B-B14F-4D97-AF65-F5344CB8AC3E}">
-        <p14:creationId xmlns:p14="http://schemas.microsoft.com/office/powerpoint/2010/main" val="131818764"/>
+        <p14:creationId xmlns:p14="http://schemas.microsoft.com/office/powerpoint/2010/main" val="953153678"/>
       </p:ext>
     </p:extLst>
   </p:cSld>
@@ -4075,14 +4667,14 @@
       </p:grpSpPr>
       <p:sp>
         <p:nvSpPr>
-          <p:cNvPr id="4" name="Rounded Rectangle 3"/>
+          <p:cNvPr id="5" name="Rounded Rectangle 4"/>
           <p:cNvSpPr/>
           <p:nvPr/>
         </p:nvSpPr>
         <p:spPr>
           <a:xfrm>
-            <a:off x="1237593" y="2041634"/>
-            <a:ext cx="1403132" cy="717332"/>
+            <a:off x="7164916" y="1021804"/>
+            <a:ext cx="1971628" cy="960728"/>
           </a:xfrm>
           <a:prstGeom prst="roundRect">
             <a:avLst/>
@@ -4107,38 +4699,42 @@
           <a:lstStyle/>
           <a:p>
             <a:pPr algn="ctr"/>
-            <a:r>
-              <a:rPr lang="en-US" sz="1013" dirty="0"/>
-              <a:t>Producer</a:t>
-            </a:r>
             <a:endParaRPr lang="en-US" sz="1013" dirty="0"/>
           </a:p>
         </p:txBody>
       </p:sp>
       <p:sp>
         <p:nvSpPr>
-          <p:cNvPr id="5" name="Rounded Rectangle 4"/>
+          <p:cNvPr id="14" name="Rounded Rectangle 13"/>
           <p:cNvSpPr/>
           <p:nvPr/>
         </p:nvSpPr>
         <p:spPr>
           <a:xfrm>
-            <a:off x="5646715" y="664319"/>
-            <a:ext cx="1403132" cy="717332"/>
+            <a:off x="3289678" y="1678991"/>
+            <a:ext cx="2396745" cy="1761549"/>
           </a:xfrm>
           <a:prstGeom prst="roundRect">
             <a:avLst/>
           </a:prstGeom>
+          <a:solidFill>
+            <a:schemeClr val="accent3">
+              <a:alpha val="50000"/>
+            </a:schemeClr>
+          </a:solidFill>
+          <a:ln>
+            <a:noFill/>
+          </a:ln>
         </p:spPr>
         <p:style>
           <a:lnRef idx="0">
-            <a:schemeClr val="accent2"/>
+            <a:scrgbClr r="0" g="0" b="0"/>
           </a:lnRef>
-          <a:fillRef idx="3">
-            <a:schemeClr val="accent2"/>
+          <a:fillRef idx="0">
+            <a:scrgbClr r="0" g="0" b="0"/>
           </a:fillRef>
-          <a:effectRef idx="3">
-            <a:schemeClr val="accent2"/>
+          <a:effectRef idx="0">
+            <a:scrgbClr r="0" g="0" b="0"/>
           </a:effectRef>
           <a:fontRef idx="minor">
             <a:schemeClr val="lt1"/>
@@ -4150,94 +4746,13 @@
           <a:p>
             <a:pPr algn="ctr"/>
             <a:r>
+              <a:rPr lang="en-US" sz="1013" dirty="0" err="1"/>
+              <a:t>Jms</a:t>
+            </a:r>
+            <a:r>
               <a:rPr lang="en-US" sz="1013" dirty="0"/>
-              <a:t>Consumer 1</a:t>
-            </a:r>
-            <a:endParaRPr lang="en-US" sz="1013" dirty="0"/>
-          </a:p>
-        </p:txBody>
-      </p:sp>
-      <p:sp>
-        <p:nvSpPr>
-          <p:cNvPr id="6" name="Rounded Rectangle 5"/>
-          <p:cNvSpPr/>
-          <p:nvPr/>
-        </p:nvSpPr>
-        <p:spPr>
-          <a:xfrm>
-            <a:off x="5646715" y="3647549"/>
-            <a:ext cx="1403132" cy="717332"/>
-          </a:xfrm>
-          <a:prstGeom prst="roundRect">
-            <a:avLst/>
-          </a:prstGeom>
-        </p:spPr>
-        <p:style>
-          <a:lnRef idx="0">
-            <a:schemeClr val="accent2"/>
-          </a:lnRef>
-          <a:fillRef idx="3">
-            <a:schemeClr val="accent2"/>
-          </a:fillRef>
-          <a:effectRef idx="3">
-            <a:schemeClr val="accent2"/>
-          </a:effectRef>
-          <a:fontRef idx="minor">
-            <a:schemeClr val="lt1"/>
-          </a:fontRef>
-        </p:style>
-        <p:txBody>
-          <a:bodyPr rtlCol="0" anchor="ctr"/>
-          <a:lstStyle/>
-          <a:p>
-            <a:pPr algn="ctr"/>
-            <a:r>
-              <a:rPr lang="en-US" sz="1013" dirty="0"/>
-              <a:t>Consumer 3</a:t>
-            </a:r>
-            <a:endParaRPr lang="en-US" sz="1013" dirty="0"/>
-          </a:p>
-        </p:txBody>
-      </p:sp>
-      <p:sp>
-        <p:nvSpPr>
-          <p:cNvPr id="7" name="Rounded Rectangle 6"/>
-          <p:cNvSpPr/>
-          <p:nvPr/>
-        </p:nvSpPr>
-        <p:spPr>
-          <a:xfrm>
-            <a:off x="5646715" y="2155934"/>
-            <a:ext cx="1403132" cy="717332"/>
-          </a:xfrm>
-          <a:prstGeom prst="roundRect">
-            <a:avLst/>
-          </a:prstGeom>
-        </p:spPr>
-        <p:style>
-          <a:lnRef idx="0">
-            <a:schemeClr val="accent2"/>
-          </a:lnRef>
-          <a:fillRef idx="3">
-            <a:schemeClr val="accent2"/>
-          </a:fillRef>
-          <a:effectRef idx="3">
-            <a:schemeClr val="accent2"/>
-          </a:effectRef>
-          <a:fontRef idx="minor">
-            <a:schemeClr val="lt1"/>
-          </a:fontRef>
-        </p:style>
-        <p:txBody>
-          <a:bodyPr rtlCol="0" anchor="ctr"/>
-          <a:lstStyle/>
-          <a:p>
-            <a:pPr algn="ctr"/>
-            <a:r>
-              <a:rPr lang="en-US" sz="1013" dirty="0"/>
-              <a:t>Consumer 2</a:t>
-            </a:r>
-            <a:endParaRPr lang="en-US" sz="1013" dirty="0"/>
+              <a:t> Client</a:t>
+            </a:r>
           </a:p>
         </p:txBody>
       </p:sp>
@@ -4285,16 +4800,934 @@
           </a:p>
         </p:txBody>
       </p:sp>
+      <p:sp>
+        <p:nvSpPr>
+          <p:cNvPr id="9" name="Can 8"/>
+          <p:cNvSpPr/>
+          <p:nvPr/>
+        </p:nvSpPr>
+        <p:spPr>
+          <a:xfrm rot="5400000">
+            <a:off x="4129384" y="1419623"/>
+            <a:ext cx="717332" cy="2280285"/>
+          </a:xfrm>
+          <a:prstGeom prst="can">
+            <a:avLst/>
+          </a:prstGeom>
+          <a:effectLst>
+            <a:outerShdw blurRad="50800" dist="38100" dir="8100000" algn="tr" rotWithShape="0">
+              <a:prstClr val="black">
+                <a:alpha val="40000"/>
+              </a:prstClr>
+            </a:outerShdw>
+          </a:effectLst>
+        </p:spPr>
+        <p:style>
+          <a:lnRef idx="2">
+            <a:schemeClr val="accent1">
+              <a:shade val="50000"/>
+            </a:schemeClr>
+          </a:lnRef>
+          <a:fillRef idx="1">
+            <a:schemeClr val="accent1"/>
+          </a:fillRef>
+          <a:effectRef idx="0">
+            <a:schemeClr val="accent1"/>
+          </a:effectRef>
+          <a:fontRef idx="minor">
+            <a:schemeClr val="lt1"/>
+          </a:fontRef>
+        </p:style>
+        <p:txBody>
+          <a:bodyPr rtlCol="0" anchor="ctr"/>
+          <a:lstStyle/>
+          <a:p>
+            <a:pPr algn="ctr"/>
+            <a:endParaRPr lang="en-US" sz="1013"/>
+          </a:p>
+        </p:txBody>
+      </p:sp>
+      <p:sp>
+        <p:nvSpPr>
+          <p:cNvPr id="10" name="Rectangle 9"/>
+          <p:cNvSpPr/>
+          <p:nvPr/>
+        </p:nvSpPr>
+        <p:spPr>
+          <a:xfrm>
+            <a:off x="3535603" y="2319752"/>
+            <a:ext cx="1862368" cy="500137"/>
+          </a:xfrm>
+          <a:prstGeom prst="rect">
+            <a:avLst/>
+          </a:prstGeom>
+          <a:noFill/>
+        </p:spPr>
+        <p:txBody>
+          <a:bodyPr wrap="none" lIns="68580" tIns="34290" rIns="68580" bIns="34290">
+            <a:spAutoFit/>
+          </a:bodyPr>
+          <a:lstStyle/>
+          <a:p>
+            <a:pPr algn="ctr"/>
+            <a:r>
+              <a:rPr lang="en-US" sz="2800" b="1" dirty="0" smtClean="0">
+                <a:ln w="12700">
+                  <a:solidFill>
+                    <a:schemeClr val="accent3">
+                      <a:lumMod val="50000"/>
+                    </a:schemeClr>
+                  </a:solidFill>
+                  <a:prstDash val="solid"/>
+                </a:ln>
+                <a:pattFill prst="narHorz">
+                  <a:fgClr>
+                    <a:schemeClr val="accent3"/>
+                  </a:fgClr>
+                  <a:bgClr>
+                    <a:schemeClr val="accent3">
+                      <a:lumMod val="40000"/>
+                      <a:lumOff val="60000"/>
+                    </a:schemeClr>
+                  </a:bgClr>
+                </a:pattFill>
+                <a:effectLst>
+                  <a:innerShdw blurRad="177800">
+                    <a:schemeClr val="accent3">
+                      <a:lumMod val="50000"/>
+                    </a:schemeClr>
+                  </a:innerShdw>
+                </a:effectLst>
+              </a:rPr>
+              <a:t>Destination</a:t>
+            </a:r>
+            <a:endParaRPr lang="en-US" sz="2800" b="1" dirty="0">
+              <a:ln w="10160">
+                <a:solidFill>
+                  <a:schemeClr val="accent5"/>
+                </a:solidFill>
+                <a:prstDash val="solid"/>
+              </a:ln>
+              <a:solidFill>
+                <a:srgbClr val="FFFFFF"/>
+              </a:solidFill>
+              <a:effectLst>
+                <a:outerShdw blurRad="38100" dist="22860" dir="5400000" algn="tl" rotWithShape="0">
+                  <a:srgbClr val="000000">
+                    <a:alpha val="30000"/>
+                  </a:srgbClr>
+                </a:outerShdw>
+              </a:effectLst>
+            </a:endParaRPr>
+          </a:p>
+        </p:txBody>
+      </p:sp>
+      <p:sp>
+        <p:nvSpPr>
+          <p:cNvPr id="11" name="Rounded Rectangle 10"/>
+          <p:cNvSpPr/>
+          <p:nvPr/>
+        </p:nvSpPr>
+        <p:spPr>
+          <a:xfrm>
+            <a:off x="7164916" y="3025588"/>
+            <a:ext cx="1971628" cy="960728"/>
+          </a:xfrm>
+          <a:prstGeom prst="roundRect">
+            <a:avLst/>
+          </a:prstGeom>
+        </p:spPr>
+        <p:style>
+          <a:lnRef idx="0">
+            <a:schemeClr val="accent2"/>
+          </a:lnRef>
+          <a:fillRef idx="3">
+            <a:schemeClr val="accent2"/>
+          </a:fillRef>
+          <a:effectRef idx="3">
+            <a:schemeClr val="accent2"/>
+          </a:effectRef>
+          <a:fontRef idx="minor">
+            <a:schemeClr val="lt1"/>
+          </a:fontRef>
+        </p:style>
+        <p:txBody>
+          <a:bodyPr rtlCol="0" anchor="ctr"/>
+          <a:lstStyle/>
+          <a:p>
+            <a:pPr algn="ctr"/>
+            <a:endParaRPr lang="en-US" sz="1013" dirty="0"/>
+          </a:p>
+        </p:txBody>
+      </p:sp>
+      <p:sp>
+        <p:nvSpPr>
+          <p:cNvPr id="16" name="Rectangle 15"/>
+          <p:cNvSpPr/>
+          <p:nvPr/>
+        </p:nvSpPr>
+        <p:spPr>
+          <a:xfrm>
+            <a:off x="7536141" y="3286661"/>
+            <a:ext cx="1229184" cy="438582"/>
+          </a:xfrm>
+          <a:prstGeom prst="rect">
+            <a:avLst/>
+          </a:prstGeom>
+          <a:noFill/>
+          <a:ln>
+            <a:noFill/>
+          </a:ln>
+          <a:effectLst>
+            <a:outerShdw blurRad="50800" dist="38100" dir="8100000" algn="tr" rotWithShape="0">
+              <a:prstClr val="black">
+                <a:alpha val="40000"/>
+              </a:prstClr>
+            </a:outerShdw>
+          </a:effectLst>
+        </p:spPr>
+        <p:txBody>
+          <a:bodyPr wrap="none" lIns="68580" tIns="34290" rIns="68580" bIns="34290">
+            <a:spAutoFit/>
+          </a:bodyPr>
+          <a:lstStyle/>
+          <a:p>
+            <a:pPr algn="ctr"/>
+            <a:r>
+              <a:rPr lang="en-US" sz="2400" b="1" dirty="0">
+                <a:ln w="12700" cmpd="sng">
+                  <a:solidFill>
+                    <a:schemeClr val="accent4"/>
+                  </a:solidFill>
+                  <a:prstDash val="solid"/>
+                </a:ln>
+                <a:gradFill>
+                  <a:gsLst>
+                    <a:gs pos="0">
+                      <a:schemeClr val="accent4"/>
+                    </a:gs>
+                    <a:gs pos="4000">
+                      <a:schemeClr val="accent4">
+                        <a:lumMod val="60000"/>
+                        <a:lumOff val="40000"/>
+                      </a:schemeClr>
+                    </a:gs>
+                    <a:gs pos="87000">
+                      <a:schemeClr val="accent4">
+                        <a:lumMod val="20000"/>
+                        <a:lumOff val="80000"/>
+                      </a:schemeClr>
+                    </a:gs>
+                  </a:gsLst>
+                  <a:lin ang="5400000"/>
+                </a:gradFill>
+              </a:rPr>
+              <a:t>Receiver</a:t>
+            </a:r>
+            <a:endParaRPr lang="en-US" sz="2400" b="1" dirty="0">
+              <a:ln w="12700" cmpd="sng">
+                <a:solidFill>
+                  <a:schemeClr val="accent4"/>
+                </a:solidFill>
+                <a:prstDash val="solid"/>
+              </a:ln>
+              <a:gradFill>
+                <a:gsLst>
+                  <a:gs pos="0">
+                    <a:schemeClr val="accent4"/>
+                  </a:gs>
+                  <a:gs pos="4000">
+                    <a:schemeClr val="accent4">
+                      <a:lumMod val="60000"/>
+                      <a:lumOff val="40000"/>
+                    </a:schemeClr>
+                  </a:gs>
+                  <a:gs pos="87000">
+                    <a:schemeClr val="accent4">
+                      <a:lumMod val="20000"/>
+                      <a:lumOff val="80000"/>
+                    </a:schemeClr>
+                  </a:gs>
+                </a:gsLst>
+                <a:lin ang="5400000"/>
+              </a:gradFill>
+            </a:endParaRPr>
+          </a:p>
+        </p:txBody>
+      </p:sp>
+      <p:sp>
+        <p:nvSpPr>
+          <p:cNvPr id="18" name="Rectangle 17"/>
+          <p:cNvSpPr/>
+          <p:nvPr/>
+        </p:nvSpPr>
+        <p:spPr>
+          <a:xfrm>
+            <a:off x="7633446" y="1282877"/>
+            <a:ext cx="1034579" cy="438582"/>
+          </a:xfrm>
+          <a:prstGeom prst="rect">
+            <a:avLst/>
+          </a:prstGeom>
+          <a:noFill/>
+          <a:ln>
+            <a:noFill/>
+          </a:ln>
+          <a:effectLst>
+            <a:outerShdw blurRad="50800" dist="38100" dir="8100000" algn="tr" rotWithShape="0">
+              <a:prstClr val="black">
+                <a:alpha val="40000"/>
+              </a:prstClr>
+            </a:outerShdw>
+          </a:effectLst>
+        </p:spPr>
+        <p:txBody>
+          <a:bodyPr wrap="none" lIns="68580" tIns="34290" rIns="68580" bIns="34290">
+            <a:spAutoFit/>
+          </a:bodyPr>
+          <a:lstStyle/>
+          <a:p>
+            <a:pPr algn="ctr"/>
+            <a:r>
+              <a:rPr lang="en-US" sz="2400" b="1" dirty="0" smtClean="0">
+                <a:ln w="12700" cmpd="sng">
+                  <a:solidFill>
+                    <a:schemeClr val="accent4"/>
+                  </a:solidFill>
+                  <a:prstDash val="solid"/>
+                </a:ln>
+                <a:gradFill>
+                  <a:gsLst>
+                    <a:gs pos="0">
+                      <a:schemeClr val="accent4"/>
+                    </a:gs>
+                    <a:gs pos="4000">
+                      <a:schemeClr val="accent4">
+                        <a:lumMod val="60000"/>
+                        <a:lumOff val="40000"/>
+                      </a:schemeClr>
+                    </a:gs>
+                    <a:gs pos="87000">
+                      <a:schemeClr val="accent4">
+                        <a:lumMod val="20000"/>
+                        <a:lumOff val="80000"/>
+                      </a:schemeClr>
+                    </a:gs>
+                  </a:gsLst>
+                  <a:lin ang="5400000"/>
+                </a:gradFill>
+              </a:rPr>
+              <a:t>Sender</a:t>
+            </a:r>
+            <a:endParaRPr lang="en-US" sz="2400" b="1" dirty="0">
+              <a:ln w="12700" cmpd="sng">
+                <a:solidFill>
+                  <a:schemeClr val="accent4"/>
+                </a:solidFill>
+                <a:prstDash val="solid"/>
+              </a:ln>
+              <a:gradFill>
+                <a:gsLst>
+                  <a:gs pos="0">
+                    <a:schemeClr val="accent4"/>
+                  </a:gs>
+                  <a:gs pos="4000">
+                    <a:schemeClr val="accent4">
+                      <a:lumMod val="60000"/>
+                      <a:lumOff val="40000"/>
+                    </a:schemeClr>
+                  </a:gs>
+                  <a:gs pos="87000">
+                    <a:schemeClr val="accent4">
+                      <a:lumMod val="20000"/>
+                      <a:lumOff val="80000"/>
+                    </a:schemeClr>
+                  </a:gs>
+                </a:gsLst>
+                <a:lin ang="5400000"/>
+              </a:gradFill>
+            </a:endParaRPr>
+          </a:p>
+        </p:txBody>
+      </p:sp>
+      <p:sp>
+        <p:nvSpPr>
+          <p:cNvPr id="19" name="Rectangle 18"/>
+          <p:cNvSpPr/>
+          <p:nvPr/>
+        </p:nvSpPr>
+        <p:spPr>
+          <a:xfrm>
+            <a:off x="3735132" y="1706086"/>
+            <a:ext cx="1404295" cy="500137"/>
+          </a:xfrm>
+          <a:prstGeom prst="rect">
+            <a:avLst/>
+          </a:prstGeom>
+          <a:noFill/>
+          <a:ln>
+            <a:noFill/>
+          </a:ln>
+        </p:spPr>
+        <p:txBody>
+          <a:bodyPr wrap="none" lIns="68580" tIns="34290" rIns="68580" bIns="34290">
+            <a:spAutoFit/>
+          </a:bodyPr>
+          <a:lstStyle/>
+          <a:p>
+            <a:pPr algn="ctr"/>
+            <a:r>
+              <a:rPr lang="en-US" sz="2800" b="1" dirty="0" smtClean="0">
+                <a:ln/>
+                <a:pattFill prst="dkUpDiag">
+                  <a:fgClr>
+                    <a:schemeClr val="bg1">
+                      <a:lumMod val="50000"/>
+                    </a:schemeClr>
+                  </a:fgClr>
+                  <a:bgClr>
+                    <a:schemeClr val="tx1">
+                      <a:lumMod val="75000"/>
+                      <a:lumOff val="25000"/>
+                    </a:schemeClr>
+                  </a:bgClr>
+                </a:pattFill>
+                <a:effectLst>
+                  <a:outerShdw blurRad="38100" dist="19050" dir="2700000" algn="tl" rotWithShape="0">
+                    <a:schemeClr val="dk1">
+                      <a:lumMod val="50000"/>
+                      <a:alpha val="40000"/>
+                    </a:schemeClr>
+                  </a:outerShdw>
+                </a:effectLst>
+              </a:rPr>
+              <a:t>Provider</a:t>
+            </a:r>
+            <a:endParaRPr lang="en-US" sz="2800" b="1" dirty="0">
+              <a:ln w="10160">
+                <a:solidFill>
+                  <a:schemeClr val="accent2"/>
+                </a:solidFill>
+                <a:prstDash val="solid"/>
+              </a:ln>
+              <a:solidFill>
+                <a:srgbClr val="FFFFFF"/>
+              </a:solidFill>
+              <a:effectLst>
+                <a:outerShdw blurRad="38100" dist="22860" dir="5400000" algn="tl" rotWithShape="0">
+                  <a:srgbClr val="000000">
+                    <a:alpha val="30000"/>
+                  </a:srgbClr>
+                </a:outerShdw>
+              </a:effectLst>
+            </a:endParaRPr>
+          </a:p>
+        </p:txBody>
+      </p:sp>
+      <p:sp>
+        <p:nvSpPr>
+          <p:cNvPr id="2" name="Rectangle 1"/>
+          <p:cNvSpPr/>
+          <p:nvPr/>
+        </p:nvSpPr>
+        <p:spPr>
+          <a:xfrm>
+            <a:off x="3020435" y="213300"/>
+            <a:ext cx="3112968" cy="707886"/>
+          </a:xfrm>
+          <a:prstGeom prst="rect">
+            <a:avLst/>
+          </a:prstGeom>
+          <a:noFill/>
+        </p:spPr>
+        <p:txBody>
+          <a:bodyPr wrap="none" lIns="91440" tIns="45720" rIns="91440" bIns="45720">
+            <a:spAutoFit/>
+          </a:bodyPr>
+          <a:lstStyle/>
+          <a:p>
+            <a:pPr algn="ctr"/>
+            <a:r>
+              <a:rPr lang="en-US" sz="4000" b="1" dirty="0">
+                <a:ln/>
+                <a:pattFill prst="dkUpDiag">
+                  <a:fgClr>
+                    <a:schemeClr val="bg1">
+                      <a:lumMod val="50000"/>
+                    </a:schemeClr>
+                  </a:fgClr>
+                  <a:bgClr>
+                    <a:schemeClr val="tx1">
+                      <a:lumMod val="75000"/>
+                      <a:lumOff val="25000"/>
+                    </a:schemeClr>
+                  </a:bgClr>
+                </a:pattFill>
+                <a:effectLst>
+                  <a:outerShdw blurRad="38100" dist="19050" dir="2700000" algn="tl" rotWithShape="0">
+                    <a:schemeClr val="dk1">
+                      <a:lumMod val="50000"/>
+                      <a:alpha val="40000"/>
+                    </a:schemeClr>
+                  </a:outerShdw>
+                </a:effectLst>
+              </a:rPr>
+              <a:t>JMS Concepts</a:t>
+            </a:r>
+          </a:p>
+        </p:txBody>
+      </p:sp>
+      <p:sp>
+        <p:nvSpPr>
+          <p:cNvPr id="20" name="Rounded Rectangle 19"/>
+          <p:cNvSpPr/>
+          <p:nvPr/>
+        </p:nvSpPr>
+        <p:spPr>
+          <a:xfrm>
+            <a:off x="12725" y="1021804"/>
+            <a:ext cx="1971628" cy="960728"/>
+          </a:xfrm>
+          <a:prstGeom prst="roundRect">
+            <a:avLst/>
+          </a:prstGeom>
+        </p:spPr>
+        <p:style>
+          <a:lnRef idx="0">
+            <a:schemeClr val="accent2"/>
+          </a:lnRef>
+          <a:fillRef idx="3">
+            <a:schemeClr val="accent2"/>
+          </a:fillRef>
+          <a:effectRef idx="3">
+            <a:schemeClr val="accent2"/>
+          </a:effectRef>
+          <a:fontRef idx="minor">
+            <a:schemeClr val="lt1"/>
+          </a:fontRef>
+        </p:style>
+        <p:txBody>
+          <a:bodyPr rtlCol="0" anchor="ctr"/>
+          <a:lstStyle/>
+          <a:p>
+            <a:pPr algn="ctr"/>
+            <a:endParaRPr lang="en-US" sz="1013" dirty="0"/>
+          </a:p>
+        </p:txBody>
+      </p:sp>
+      <p:sp>
+        <p:nvSpPr>
+          <p:cNvPr id="21" name="Rounded Rectangle 20"/>
+          <p:cNvSpPr/>
+          <p:nvPr/>
+        </p:nvSpPr>
+        <p:spPr>
+          <a:xfrm>
+            <a:off x="12725" y="3025588"/>
+            <a:ext cx="1971628" cy="960728"/>
+          </a:xfrm>
+          <a:prstGeom prst="roundRect">
+            <a:avLst/>
+          </a:prstGeom>
+        </p:spPr>
+        <p:style>
+          <a:lnRef idx="0">
+            <a:schemeClr val="accent2"/>
+          </a:lnRef>
+          <a:fillRef idx="3">
+            <a:schemeClr val="accent2"/>
+          </a:fillRef>
+          <a:effectRef idx="3">
+            <a:schemeClr val="accent2"/>
+          </a:effectRef>
+          <a:fontRef idx="minor">
+            <a:schemeClr val="lt1"/>
+          </a:fontRef>
+        </p:style>
+        <p:txBody>
+          <a:bodyPr rtlCol="0" anchor="ctr"/>
+          <a:lstStyle/>
+          <a:p>
+            <a:pPr algn="ctr"/>
+            <a:endParaRPr lang="en-US" sz="1013" dirty="0"/>
+          </a:p>
+        </p:txBody>
+      </p:sp>
+      <p:sp>
+        <p:nvSpPr>
+          <p:cNvPr id="22" name="Rectangle 21"/>
+          <p:cNvSpPr/>
+          <p:nvPr/>
+        </p:nvSpPr>
+        <p:spPr>
+          <a:xfrm>
+            <a:off x="383950" y="3286661"/>
+            <a:ext cx="1229184" cy="438582"/>
+          </a:xfrm>
+          <a:prstGeom prst="rect">
+            <a:avLst/>
+          </a:prstGeom>
+          <a:noFill/>
+          <a:ln>
+            <a:noFill/>
+          </a:ln>
+          <a:effectLst>
+            <a:outerShdw blurRad="50800" dist="38100" dir="8100000" algn="tr" rotWithShape="0">
+              <a:prstClr val="black">
+                <a:alpha val="40000"/>
+              </a:prstClr>
+            </a:outerShdw>
+          </a:effectLst>
+        </p:spPr>
+        <p:txBody>
+          <a:bodyPr wrap="none" lIns="68580" tIns="34290" rIns="68580" bIns="34290">
+            <a:spAutoFit/>
+          </a:bodyPr>
+          <a:lstStyle/>
+          <a:p>
+            <a:pPr algn="ctr"/>
+            <a:r>
+              <a:rPr lang="en-US" sz="2400" b="1" dirty="0" smtClean="0">
+                <a:ln w="12700" cmpd="sng">
+                  <a:solidFill>
+                    <a:schemeClr val="accent4"/>
+                  </a:solidFill>
+                  <a:prstDash val="solid"/>
+                </a:ln>
+                <a:gradFill>
+                  <a:gsLst>
+                    <a:gs pos="0">
+                      <a:schemeClr val="accent4"/>
+                    </a:gs>
+                    <a:gs pos="4000">
+                      <a:schemeClr val="accent4">
+                        <a:lumMod val="60000"/>
+                        <a:lumOff val="40000"/>
+                      </a:schemeClr>
+                    </a:gs>
+                    <a:gs pos="87000">
+                      <a:schemeClr val="accent4">
+                        <a:lumMod val="20000"/>
+                        <a:lumOff val="80000"/>
+                      </a:schemeClr>
+                    </a:gs>
+                  </a:gsLst>
+                  <a:lin ang="5400000"/>
+                </a:gradFill>
+              </a:rPr>
+              <a:t>Receiver</a:t>
+            </a:r>
+            <a:endParaRPr lang="en-US" sz="2400" b="1" dirty="0">
+              <a:ln w="12700" cmpd="sng">
+                <a:solidFill>
+                  <a:schemeClr val="accent4"/>
+                </a:solidFill>
+                <a:prstDash val="solid"/>
+              </a:ln>
+              <a:gradFill>
+                <a:gsLst>
+                  <a:gs pos="0">
+                    <a:schemeClr val="accent4"/>
+                  </a:gs>
+                  <a:gs pos="4000">
+                    <a:schemeClr val="accent4">
+                      <a:lumMod val="60000"/>
+                      <a:lumOff val="40000"/>
+                    </a:schemeClr>
+                  </a:gs>
+                  <a:gs pos="87000">
+                    <a:schemeClr val="accent4">
+                      <a:lumMod val="20000"/>
+                      <a:lumOff val="80000"/>
+                    </a:schemeClr>
+                  </a:gs>
+                </a:gsLst>
+                <a:lin ang="5400000"/>
+              </a:gradFill>
+            </a:endParaRPr>
+          </a:p>
+        </p:txBody>
+      </p:sp>
+      <p:sp>
+        <p:nvSpPr>
+          <p:cNvPr id="23" name="Rectangle 22"/>
+          <p:cNvSpPr/>
+          <p:nvPr/>
+        </p:nvSpPr>
+        <p:spPr>
+          <a:xfrm>
+            <a:off x="481255" y="1282877"/>
+            <a:ext cx="1034579" cy="438582"/>
+          </a:xfrm>
+          <a:prstGeom prst="rect">
+            <a:avLst/>
+          </a:prstGeom>
+          <a:noFill/>
+          <a:ln>
+            <a:noFill/>
+          </a:ln>
+          <a:effectLst>
+            <a:outerShdw blurRad="50800" dist="38100" dir="8100000" algn="tr" rotWithShape="0">
+              <a:prstClr val="black">
+                <a:alpha val="40000"/>
+              </a:prstClr>
+            </a:outerShdw>
+          </a:effectLst>
+        </p:spPr>
+        <p:txBody>
+          <a:bodyPr wrap="none" lIns="68580" tIns="34290" rIns="68580" bIns="34290">
+            <a:spAutoFit/>
+          </a:bodyPr>
+          <a:lstStyle/>
+          <a:p>
+            <a:pPr algn="ctr"/>
+            <a:r>
+              <a:rPr lang="en-US" sz="2400" b="1" dirty="0" smtClean="0">
+                <a:ln w="12700" cmpd="sng">
+                  <a:solidFill>
+                    <a:schemeClr val="accent4"/>
+                  </a:solidFill>
+                  <a:prstDash val="solid"/>
+                </a:ln>
+                <a:gradFill>
+                  <a:gsLst>
+                    <a:gs pos="0">
+                      <a:schemeClr val="accent4"/>
+                    </a:gs>
+                    <a:gs pos="4000">
+                      <a:schemeClr val="accent4">
+                        <a:lumMod val="60000"/>
+                        <a:lumOff val="40000"/>
+                      </a:schemeClr>
+                    </a:gs>
+                    <a:gs pos="87000">
+                      <a:schemeClr val="accent4">
+                        <a:lumMod val="20000"/>
+                        <a:lumOff val="80000"/>
+                      </a:schemeClr>
+                    </a:gs>
+                  </a:gsLst>
+                  <a:lin ang="5400000"/>
+                </a:gradFill>
+              </a:rPr>
+              <a:t>Sender</a:t>
+            </a:r>
+            <a:endParaRPr lang="en-US" sz="2400" b="1" dirty="0">
+              <a:ln w="12700" cmpd="sng">
+                <a:solidFill>
+                  <a:schemeClr val="accent4"/>
+                </a:solidFill>
+                <a:prstDash val="solid"/>
+              </a:ln>
+              <a:gradFill>
+                <a:gsLst>
+                  <a:gs pos="0">
+                    <a:schemeClr val="accent4"/>
+                  </a:gs>
+                  <a:gs pos="4000">
+                    <a:schemeClr val="accent4">
+                      <a:lumMod val="60000"/>
+                      <a:lumOff val="40000"/>
+                    </a:schemeClr>
+                  </a:gs>
+                  <a:gs pos="87000">
+                    <a:schemeClr val="accent4">
+                      <a:lumMod val="20000"/>
+                      <a:lumOff val="80000"/>
+                    </a:schemeClr>
+                  </a:gs>
+                </a:gsLst>
+                <a:lin ang="5400000"/>
+              </a:gradFill>
+            </a:endParaRPr>
+          </a:p>
+        </p:txBody>
+      </p:sp>
+      <p:cxnSp>
+        <p:nvCxnSpPr>
+          <p:cNvPr id="4" name="Straight Arrow Connector 3"/>
+          <p:cNvCxnSpPr>
+            <a:stCxn id="21" idx="3"/>
+            <a:endCxn id="9" idx="3"/>
+          </p:cNvCxnSpPr>
+          <p:nvPr/>
+        </p:nvCxnSpPr>
+        <p:spPr>
+          <a:xfrm flipV="1">
+            <a:off x="1984353" y="2559766"/>
+            <a:ext cx="1363555" cy="946186"/>
+          </a:xfrm>
+          <a:prstGeom prst="straightConnector1">
+            <a:avLst/>
+          </a:prstGeom>
+          <a:ln w="38100" cap="flat" cmpd="sng" algn="ctr">
+            <a:solidFill>
+              <a:schemeClr val="accent2"/>
+            </a:solidFill>
+            <a:prstDash val="solid"/>
+            <a:round/>
+            <a:headEnd type="none" w="med" len="med"/>
+            <a:tailEnd type="triangle" w="med" len="med"/>
+          </a:ln>
+        </p:spPr>
+        <p:style>
+          <a:lnRef idx="0">
+            <a:scrgbClr r="0" g="0" b="0"/>
+          </a:lnRef>
+          <a:fillRef idx="0">
+            <a:scrgbClr r="0" g="0" b="0"/>
+          </a:fillRef>
+          <a:effectRef idx="0">
+            <a:scrgbClr r="0" g="0" b="0"/>
+          </a:effectRef>
+          <a:fontRef idx="minor">
+            <a:schemeClr val="tx1"/>
+          </a:fontRef>
+        </p:style>
+      </p:cxnSp>
+      <p:cxnSp>
+        <p:nvCxnSpPr>
+          <p:cNvPr id="24" name="Straight Arrow Connector 23"/>
+          <p:cNvCxnSpPr>
+            <a:stCxn id="11" idx="1"/>
+            <a:endCxn id="9" idx="1"/>
+          </p:cNvCxnSpPr>
+          <p:nvPr/>
+        </p:nvCxnSpPr>
+        <p:spPr>
+          <a:xfrm flipH="1" flipV="1">
+            <a:off x="5628193" y="2559766"/>
+            <a:ext cx="1536723" cy="946186"/>
+          </a:xfrm>
+          <a:prstGeom prst="straightConnector1">
+            <a:avLst/>
+          </a:prstGeom>
+          <a:ln w="38100" cap="flat" cmpd="sng" algn="ctr">
+            <a:solidFill>
+              <a:schemeClr val="accent2"/>
+            </a:solidFill>
+            <a:prstDash val="solid"/>
+            <a:round/>
+            <a:headEnd type="none" w="med" len="med"/>
+            <a:tailEnd type="triangle" w="med" len="med"/>
+          </a:ln>
+        </p:spPr>
+        <p:style>
+          <a:lnRef idx="0">
+            <a:scrgbClr r="0" g="0" b="0"/>
+          </a:lnRef>
+          <a:fillRef idx="0">
+            <a:scrgbClr r="0" g="0" b="0"/>
+          </a:fillRef>
+          <a:effectRef idx="0">
+            <a:scrgbClr r="0" g="0" b="0"/>
+          </a:effectRef>
+          <a:fontRef idx="minor">
+            <a:schemeClr val="tx1"/>
+          </a:fontRef>
+        </p:style>
+      </p:cxnSp>
+      <p:cxnSp>
+        <p:nvCxnSpPr>
+          <p:cNvPr id="25" name="Straight Arrow Connector 24"/>
+          <p:cNvCxnSpPr>
+            <a:stCxn id="20" idx="3"/>
+            <a:endCxn id="9" idx="3"/>
+          </p:cNvCxnSpPr>
+          <p:nvPr/>
+        </p:nvCxnSpPr>
+        <p:spPr>
+          <a:xfrm>
+            <a:off x="1984353" y="1502168"/>
+            <a:ext cx="1363555" cy="1057598"/>
+          </a:xfrm>
+          <a:prstGeom prst="straightConnector1">
+            <a:avLst/>
+          </a:prstGeom>
+          <a:ln w="38100" cap="flat" cmpd="sng" algn="ctr">
+            <a:solidFill>
+              <a:schemeClr val="accent2"/>
+            </a:solidFill>
+            <a:prstDash val="solid"/>
+            <a:round/>
+            <a:headEnd type="none" w="med" len="med"/>
+            <a:tailEnd type="triangle" w="med" len="med"/>
+          </a:ln>
+        </p:spPr>
+        <p:style>
+          <a:lnRef idx="0">
+            <a:scrgbClr r="0" g="0" b="0"/>
+          </a:lnRef>
+          <a:fillRef idx="0">
+            <a:scrgbClr r="0" g="0" b="0"/>
+          </a:fillRef>
+          <a:effectRef idx="0">
+            <a:scrgbClr r="0" g="0" b="0"/>
+          </a:effectRef>
+          <a:fontRef idx="minor">
+            <a:schemeClr val="tx1"/>
+          </a:fontRef>
+        </p:style>
+      </p:cxnSp>
+      <p:cxnSp>
+        <p:nvCxnSpPr>
+          <p:cNvPr id="28" name="Straight Arrow Connector 27"/>
+          <p:cNvCxnSpPr>
+            <a:stCxn id="5" idx="1"/>
+            <a:endCxn id="9" idx="1"/>
+          </p:cNvCxnSpPr>
+          <p:nvPr/>
+        </p:nvCxnSpPr>
+        <p:spPr>
+          <a:xfrm flipH="1">
+            <a:off x="5628193" y="1502168"/>
+            <a:ext cx="1536723" cy="1057598"/>
+          </a:xfrm>
+          <a:prstGeom prst="straightConnector1">
+            <a:avLst/>
+          </a:prstGeom>
+          <a:ln w="38100" cap="flat" cmpd="sng" algn="ctr">
+            <a:solidFill>
+              <a:schemeClr val="accent2"/>
+            </a:solidFill>
+            <a:prstDash val="solid"/>
+            <a:round/>
+            <a:headEnd type="none" w="med" len="med"/>
+            <a:tailEnd type="triangle" w="med" len="med"/>
+          </a:ln>
+        </p:spPr>
+        <p:style>
+          <a:lnRef idx="0">
+            <a:scrgbClr r="0" g="0" b="0"/>
+          </a:lnRef>
+          <a:fillRef idx="0">
+            <a:scrgbClr r="0" g="0" b="0"/>
+          </a:fillRef>
+          <a:effectRef idx="0">
+            <a:scrgbClr r="0" g="0" b="0"/>
+          </a:effectRef>
+          <a:fontRef idx="minor">
+            <a:schemeClr val="tx1"/>
+          </a:fontRef>
+        </p:style>
+      </p:cxnSp>
     </p:spTree>
     <p:extLst>
       <p:ext uri="{BB962C8B-B14F-4D97-AF65-F5344CB8AC3E}">
-        <p14:creationId xmlns:p14="http://schemas.microsoft.com/office/powerpoint/2010/main" val="507976895"/>
+        <p14:creationId xmlns:p14="http://schemas.microsoft.com/office/powerpoint/2010/main" val="1975399964"/>
       </p:ext>
     </p:extLst>
   </p:cSld>
   <p:clrMapOvr>
     <a:masterClrMapping/>
   </p:clrMapOvr>
+  <p:timing>
+    <p:tnLst>
+      <p:par>
+        <p:cTn id="1" dur="indefinite" restart="never" nodeType="tmRoot"/>
+      </p:par>
+    </p:tnLst>
+  </p:timing>
 </p:sld>
 </file>
 
@@ -4333,6 +5766,97 @@
         </p:nvSpPr>
         <p:spPr>
           <a:xfrm>
+            <a:off x="7164916" y="-697"/>
+            <a:ext cx="1971628" cy="960728"/>
+          </a:xfrm>
+          <a:prstGeom prst="roundRect">
+            <a:avLst/>
+          </a:prstGeom>
+        </p:spPr>
+        <p:style>
+          <a:lnRef idx="0">
+            <a:schemeClr val="accent2"/>
+          </a:lnRef>
+          <a:fillRef idx="3">
+            <a:schemeClr val="accent2"/>
+          </a:fillRef>
+          <a:effectRef idx="3">
+            <a:schemeClr val="accent2"/>
+          </a:effectRef>
+          <a:fontRef idx="minor">
+            <a:schemeClr val="lt1"/>
+          </a:fontRef>
+        </p:style>
+        <p:txBody>
+          <a:bodyPr rtlCol="0" anchor="ctr"/>
+          <a:lstStyle/>
+          <a:p>
+            <a:pPr algn="ctr"/>
+            <a:endParaRPr lang="en-US" sz="1013" dirty="0"/>
+          </a:p>
+        </p:txBody>
+      </p:sp>
+      <p:sp>
+        <p:nvSpPr>
+          <p:cNvPr id="14" name="Rounded Rectangle 13"/>
+          <p:cNvSpPr/>
+          <p:nvPr/>
+        </p:nvSpPr>
+        <p:spPr>
+          <a:xfrm>
+            <a:off x="3289678" y="1678991"/>
+            <a:ext cx="2396745" cy="1761549"/>
+          </a:xfrm>
+          <a:prstGeom prst="roundRect">
+            <a:avLst/>
+          </a:prstGeom>
+          <a:solidFill>
+            <a:schemeClr val="accent3">
+              <a:alpha val="50000"/>
+            </a:schemeClr>
+          </a:solidFill>
+          <a:ln>
+            <a:noFill/>
+          </a:ln>
+        </p:spPr>
+        <p:style>
+          <a:lnRef idx="0">
+            <a:scrgbClr r="0" g="0" b="0"/>
+          </a:lnRef>
+          <a:fillRef idx="0">
+            <a:scrgbClr r="0" g="0" b="0"/>
+          </a:fillRef>
+          <a:effectRef idx="0">
+            <a:scrgbClr r="0" g="0" b="0"/>
+          </a:effectRef>
+          <a:fontRef idx="minor">
+            <a:schemeClr val="lt1"/>
+          </a:fontRef>
+        </p:style>
+        <p:txBody>
+          <a:bodyPr rtlCol="0" anchor="ctr"/>
+          <a:lstStyle/>
+          <a:p>
+            <a:pPr algn="ctr"/>
+            <a:r>
+              <a:rPr lang="en-US" sz="1013" dirty="0" err="1"/>
+              <a:t>Jms</a:t>
+            </a:r>
+            <a:r>
+              <a:rPr lang="en-US" sz="1013" dirty="0"/>
+              <a:t> Client</a:t>
+            </a:r>
+          </a:p>
+        </p:txBody>
+      </p:sp>
+      <p:sp>
+        <p:nvSpPr>
+          <p:cNvPr id="8" name="Rounded Rectangle 7"/>
+          <p:cNvSpPr/>
+          <p:nvPr/>
+        </p:nvSpPr>
+        <p:spPr>
+          <a:xfrm>
             <a:off x="9838" y="0"/>
             <a:ext cx="9134162" cy="5143500"/>
           </a:xfrm>
@@ -4371,113 +5895,25 @@
       </p:sp>
       <p:sp>
         <p:nvSpPr>
-          <p:cNvPr id="4" name="Rounded Rectangle 3"/>
+          <p:cNvPr id="9" name="Can 8"/>
           <p:cNvSpPr/>
           <p:nvPr/>
         </p:nvSpPr>
         <p:spPr>
-          <a:xfrm>
-            <a:off x="877548" y="1965463"/>
-            <a:ext cx="1403132" cy="717332"/>
-          </a:xfrm>
-          <a:prstGeom prst="roundRect">
-            <a:avLst/>
-          </a:prstGeom>
-        </p:spPr>
-        <p:style>
-          <a:lnRef idx="0">
-            <a:schemeClr val="accent2"/>
-          </a:lnRef>
-          <a:fillRef idx="3">
-            <a:schemeClr val="accent2"/>
-          </a:fillRef>
-          <a:effectRef idx="3">
-            <a:schemeClr val="accent2"/>
-          </a:effectRef>
-          <a:fontRef idx="minor">
-            <a:schemeClr val="lt1"/>
-          </a:fontRef>
-        </p:style>
-        <p:txBody>
-          <a:bodyPr rtlCol="0" anchor="ctr"/>
-          <a:lstStyle/>
-          <a:p>
-            <a:pPr algn="ctr"/>
-            <a:endParaRPr lang="en-US" sz="1013" b="1" spc="38" dirty="0">
-              <a:ln w="9525" cmpd="sng">
-                <a:solidFill>
-                  <a:schemeClr val="accent1"/>
-                </a:solidFill>
-                <a:prstDash val="solid"/>
-              </a:ln>
-              <a:solidFill>
-                <a:srgbClr val="70AD47">
-                  <a:tint val="1000"/>
-                </a:srgbClr>
-              </a:solidFill>
-              <a:effectLst>
-                <a:glow rad="38100">
-                  <a:schemeClr val="accent1">
-                    <a:alpha val="40000"/>
-                  </a:schemeClr>
-                </a:glow>
-              </a:effectLst>
-            </a:endParaRPr>
-          </a:p>
-        </p:txBody>
-      </p:sp>
-      <p:sp>
-        <p:nvSpPr>
-          <p:cNvPr id="7" name="Rounded Rectangle 6"/>
-          <p:cNvSpPr/>
-          <p:nvPr/>
-        </p:nvSpPr>
-        <p:spPr>
-          <a:xfrm>
-            <a:off x="6509335" y="1965463"/>
-            <a:ext cx="1403132" cy="717332"/>
-          </a:xfrm>
-          <a:prstGeom prst="roundRect">
-            <a:avLst/>
-          </a:prstGeom>
-        </p:spPr>
-        <p:style>
-          <a:lnRef idx="0">
-            <a:schemeClr val="accent2"/>
-          </a:lnRef>
-          <a:fillRef idx="3">
-            <a:schemeClr val="accent2"/>
-          </a:fillRef>
-          <a:effectRef idx="3">
-            <a:schemeClr val="accent2"/>
-          </a:effectRef>
-          <a:fontRef idx="minor">
-            <a:schemeClr val="lt1"/>
-          </a:fontRef>
-        </p:style>
-        <p:txBody>
-          <a:bodyPr rtlCol="0" anchor="ctr"/>
-          <a:lstStyle/>
-          <a:p>
-            <a:pPr algn="ctr"/>
-            <a:endParaRPr lang="en-US" sz="1013" dirty="0"/>
-          </a:p>
-        </p:txBody>
-      </p:sp>
-      <p:sp>
-        <p:nvSpPr>
-          <p:cNvPr id="2" name="Can 1"/>
-          <p:cNvSpPr/>
-          <p:nvPr/>
-        </p:nvSpPr>
-        <p:spPr>
           <a:xfrm rot="5400000">
-            <a:off x="4036341" y="1183986"/>
+            <a:off x="4129384" y="1419623"/>
             <a:ext cx="717332" cy="2280285"/>
           </a:xfrm>
           <a:prstGeom prst="can">
             <a:avLst/>
           </a:prstGeom>
+          <a:effectLst>
+            <a:outerShdw blurRad="50800" dist="38100" dir="8100000" algn="tr" rotWithShape="0">
+              <a:prstClr val="black">
+                <a:alpha val="40000"/>
+              </a:prstClr>
+            </a:outerShdw>
+          </a:effectLst>
         </p:spPr>
         <p:style>
           <a:lnRef idx="2">
@@ -4506,13 +5942,13 @@
       </p:sp>
       <p:sp>
         <p:nvSpPr>
-          <p:cNvPr id="3" name="Rectangle 2"/>
+          <p:cNvPr id="10" name="Rectangle 9"/>
           <p:cNvSpPr/>
           <p:nvPr/>
         </p:nvSpPr>
         <p:spPr>
           <a:xfrm>
-            <a:off x="3527431" y="1977880"/>
+            <a:off x="3700655" y="2213517"/>
             <a:ext cx="1574790" cy="692497"/>
           </a:xfrm>
           <a:prstGeom prst="rect">
@@ -4529,21 +5965,31 @@
             <a:pPr algn="ctr"/>
             <a:r>
               <a:rPr lang="en-US" sz="4050" b="1" dirty="0">
-                <a:ln w="10160">
+                <a:ln w="12700">
                   <a:solidFill>
-                    <a:schemeClr val="accent5"/>
+                    <a:schemeClr val="accent3">
+                      <a:lumMod val="50000"/>
+                    </a:schemeClr>
                   </a:solidFill>
                   <a:prstDash val="solid"/>
                 </a:ln>
-                <a:solidFill>
-                  <a:srgbClr val="FFFFFF"/>
-                </a:solidFill>
+                <a:pattFill prst="narHorz">
+                  <a:fgClr>
+                    <a:schemeClr val="accent3"/>
+                  </a:fgClr>
+                  <a:bgClr>
+                    <a:schemeClr val="accent3">
+                      <a:lumMod val="40000"/>
+                      <a:lumOff val="60000"/>
+                    </a:schemeClr>
+                  </a:bgClr>
+                </a:pattFill>
                 <a:effectLst>
-                  <a:outerShdw blurRad="38100" dist="22860" dir="5400000" algn="tl" rotWithShape="0">
-                    <a:srgbClr val="000000">
-                      <a:alpha val="30000"/>
-                    </a:srgbClr>
-                  </a:outerShdw>
+                  <a:innerShdw blurRad="177800">
+                    <a:schemeClr val="accent3">
+                      <a:lumMod val="50000"/>
+                    </a:schemeClr>
+                  </a:innerShdw>
                 </a:effectLst>
               </a:rPr>
               <a:t>Queue</a:t>
@@ -4571,50 +6017,443 @@
       </p:sp>
       <p:sp>
         <p:nvSpPr>
-          <p:cNvPr id="8" name="Rectangle 7"/>
+          <p:cNvPr id="11" name="Rounded Rectangle 10"/>
           <p:cNvSpPr/>
           <p:nvPr/>
         </p:nvSpPr>
         <p:spPr>
           <a:xfrm>
-            <a:off x="508434" y="2116379"/>
-            <a:ext cx="2141360" cy="415498"/>
+            <a:off x="7164916" y="2079403"/>
+            <a:ext cx="1971628" cy="960728"/>
+          </a:xfrm>
+          <a:prstGeom prst="roundRect">
+            <a:avLst/>
+          </a:prstGeom>
+        </p:spPr>
+        <p:style>
+          <a:lnRef idx="0">
+            <a:schemeClr val="accent2"/>
+          </a:lnRef>
+          <a:fillRef idx="3">
+            <a:schemeClr val="accent2"/>
+          </a:fillRef>
+          <a:effectRef idx="3">
+            <a:schemeClr val="accent2"/>
+          </a:effectRef>
+          <a:fontRef idx="minor">
+            <a:schemeClr val="lt1"/>
+          </a:fontRef>
+        </p:style>
+        <p:txBody>
+          <a:bodyPr rtlCol="0" anchor="ctr"/>
+          <a:lstStyle/>
+          <a:p>
+            <a:pPr algn="ctr"/>
+            <a:endParaRPr lang="en-US" sz="1013" dirty="0"/>
+          </a:p>
+        </p:txBody>
+      </p:sp>
+      <p:sp>
+        <p:nvSpPr>
+          <p:cNvPr id="12" name="Rounded Rectangle 11"/>
+          <p:cNvSpPr/>
+          <p:nvPr/>
+        </p:nvSpPr>
+        <p:spPr>
+          <a:xfrm>
+            <a:off x="7164916" y="4167059"/>
+            <a:ext cx="1971628" cy="960728"/>
+          </a:xfrm>
+          <a:prstGeom prst="roundRect">
+            <a:avLst/>
+          </a:prstGeom>
+        </p:spPr>
+        <p:style>
+          <a:lnRef idx="0">
+            <a:schemeClr val="accent2"/>
+          </a:lnRef>
+          <a:fillRef idx="3">
+            <a:schemeClr val="accent2"/>
+          </a:fillRef>
+          <a:effectRef idx="3">
+            <a:schemeClr val="accent2"/>
+          </a:effectRef>
+          <a:fontRef idx="minor">
+            <a:schemeClr val="lt1"/>
+          </a:fontRef>
+        </p:style>
+        <p:txBody>
+          <a:bodyPr rtlCol="0" anchor="ctr"/>
+          <a:lstStyle/>
+          <a:p>
+            <a:pPr algn="ctr"/>
+            <a:endParaRPr lang="en-US" sz="1013" dirty="0"/>
+          </a:p>
+        </p:txBody>
+      </p:sp>
+      <p:sp>
+        <p:nvSpPr>
+          <p:cNvPr id="13" name="Rounded Rectangle 12"/>
+          <p:cNvSpPr/>
+          <p:nvPr/>
+        </p:nvSpPr>
+        <p:spPr>
+          <a:xfrm>
+            <a:off x="-4509" y="2079403"/>
+            <a:ext cx="1971628" cy="960728"/>
+          </a:xfrm>
+          <a:prstGeom prst="roundRect">
+            <a:avLst/>
+          </a:prstGeom>
+        </p:spPr>
+        <p:style>
+          <a:lnRef idx="0">
+            <a:schemeClr val="accent2"/>
+          </a:lnRef>
+          <a:fillRef idx="3">
+            <a:schemeClr val="accent2"/>
+          </a:fillRef>
+          <a:effectRef idx="3">
+            <a:schemeClr val="accent2"/>
+          </a:effectRef>
+          <a:fontRef idx="minor">
+            <a:schemeClr val="lt1"/>
+          </a:fontRef>
+        </p:style>
+        <p:txBody>
+          <a:bodyPr rtlCol="0" anchor="ctr"/>
+          <a:lstStyle/>
+          <a:p>
+            <a:pPr algn="ctr"/>
+            <a:endParaRPr lang="en-US" sz="1013" dirty="0"/>
+          </a:p>
+        </p:txBody>
+      </p:sp>
+      <p:sp>
+        <p:nvSpPr>
+          <p:cNvPr id="15" name="Rectangle 14"/>
+          <p:cNvSpPr/>
+          <p:nvPr/>
+        </p:nvSpPr>
+        <p:spPr>
+          <a:xfrm>
+            <a:off x="333659" y="2569821"/>
+            <a:ext cx="1295291" cy="438582"/>
           </a:xfrm>
           <a:prstGeom prst="rect">
             <a:avLst/>
           </a:prstGeom>
           <a:noFill/>
-        </p:spPr>
-        <p:txBody>
-          <a:bodyPr wrap="square" lIns="68580" tIns="34290" rIns="68580" bIns="34290">
+          <a:ln>
+            <a:noFill/>
+          </a:ln>
+          <a:effectLst>
+            <a:outerShdw blurRad="50800" dist="38100" dir="8100000" algn="tr" rotWithShape="0">
+              <a:prstClr val="black">
+                <a:alpha val="40000"/>
+              </a:prstClr>
+            </a:outerShdw>
+          </a:effectLst>
+        </p:spPr>
+        <p:txBody>
+          <a:bodyPr wrap="none" lIns="68580" tIns="34290" rIns="68580" bIns="34290">
             <a:spAutoFit/>
           </a:bodyPr>
           <a:lstStyle/>
           <a:p>
             <a:pPr algn="ctr"/>
             <a:r>
-              <a:rPr lang="en-US" sz="2250" b="1" dirty="0">
-                <a:ln w="6600">
+              <a:rPr lang="en-US" sz="2400" b="1" dirty="0">
+                <a:ln w="12700" cmpd="sng">
                   <a:solidFill>
-                    <a:schemeClr val="accent2"/>
+                    <a:schemeClr val="accent4"/>
                   </a:solidFill>
                   <a:prstDash val="solid"/>
                 </a:ln>
-                <a:solidFill>
-                  <a:srgbClr val="FFFFFF"/>
-                </a:solidFill>
+                <a:gradFill>
+                  <a:gsLst>
+                    <a:gs pos="0">
+                      <a:schemeClr val="accent4"/>
+                    </a:gs>
+                    <a:gs pos="4000">
+                      <a:schemeClr val="accent4">
+                        <a:lumMod val="60000"/>
+                        <a:lumOff val="40000"/>
+                      </a:schemeClr>
+                    </a:gs>
+                    <a:gs pos="87000">
+                      <a:schemeClr val="accent4">
+                        <a:lumMod val="20000"/>
+                        <a:lumOff val="80000"/>
+                      </a:schemeClr>
+                    </a:gs>
+                  </a:gsLst>
+                  <a:lin ang="5400000"/>
+                </a:gradFill>
+              </a:rPr>
+              <a:t>Producer</a:t>
+            </a:r>
+          </a:p>
+        </p:txBody>
+      </p:sp>
+      <p:sp>
+        <p:nvSpPr>
+          <p:cNvPr id="16" name="Rectangle 15"/>
+          <p:cNvSpPr/>
+          <p:nvPr/>
+        </p:nvSpPr>
+        <p:spPr>
+          <a:xfrm>
+            <a:off x="7320856" y="2583967"/>
+            <a:ext cx="1659750" cy="438582"/>
+          </a:xfrm>
+          <a:prstGeom prst="rect">
+            <a:avLst/>
+          </a:prstGeom>
+          <a:noFill/>
+          <a:ln>
+            <a:noFill/>
+          </a:ln>
+          <a:effectLst>
+            <a:outerShdw blurRad="50800" dist="38100" dir="8100000" algn="tr" rotWithShape="0">
+              <a:prstClr val="black">
+                <a:alpha val="40000"/>
+              </a:prstClr>
+            </a:outerShdw>
+          </a:effectLst>
+        </p:spPr>
+        <p:txBody>
+          <a:bodyPr wrap="none" lIns="68580" tIns="34290" rIns="68580" bIns="34290">
+            <a:spAutoFit/>
+          </a:bodyPr>
+          <a:lstStyle/>
+          <a:p>
+            <a:pPr algn="ctr"/>
+            <a:r>
+              <a:rPr lang="en-US" sz="2400" b="1" dirty="0">
+                <a:ln w="12700" cmpd="sng">
+                  <a:solidFill>
+                    <a:schemeClr val="accent4"/>
+                  </a:solidFill>
+                  <a:prstDash val="solid"/>
+                </a:ln>
+                <a:gradFill>
+                  <a:gsLst>
+                    <a:gs pos="0">
+                      <a:schemeClr val="accent4"/>
+                    </a:gs>
+                    <a:gs pos="4000">
+                      <a:schemeClr val="accent4">
+                        <a:lumMod val="60000"/>
+                        <a:lumOff val="40000"/>
+                      </a:schemeClr>
+                    </a:gs>
+                    <a:gs pos="87000">
+                      <a:schemeClr val="accent4">
+                        <a:lumMod val="20000"/>
+                        <a:lumOff val="80000"/>
+                      </a:schemeClr>
+                    </a:gs>
+                  </a:gsLst>
+                  <a:lin ang="5400000"/>
+                </a:gradFill>
+              </a:rPr>
+              <a:t>Consumer 2</a:t>
+            </a:r>
+          </a:p>
+        </p:txBody>
+      </p:sp>
+      <p:sp>
+        <p:nvSpPr>
+          <p:cNvPr id="17" name="Rectangle 16"/>
+          <p:cNvSpPr/>
+          <p:nvPr/>
+        </p:nvSpPr>
+        <p:spPr>
+          <a:xfrm>
+            <a:off x="7320856" y="4659640"/>
+            <a:ext cx="1659750" cy="438582"/>
+          </a:xfrm>
+          <a:prstGeom prst="rect">
+            <a:avLst/>
+          </a:prstGeom>
+          <a:noFill/>
+          <a:ln>
+            <a:noFill/>
+          </a:ln>
+          <a:effectLst>
+            <a:outerShdw blurRad="50800" dist="38100" dir="8100000" algn="tr" rotWithShape="0">
+              <a:prstClr val="black">
+                <a:alpha val="40000"/>
+              </a:prstClr>
+            </a:outerShdw>
+          </a:effectLst>
+        </p:spPr>
+        <p:txBody>
+          <a:bodyPr wrap="none" lIns="68580" tIns="34290" rIns="68580" bIns="34290">
+            <a:spAutoFit/>
+          </a:bodyPr>
+          <a:lstStyle/>
+          <a:p>
+            <a:pPr algn="ctr"/>
+            <a:r>
+              <a:rPr lang="en-US" sz="2400" b="1" dirty="0">
+                <a:ln w="12700" cmpd="sng">
+                  <a:solidFill>
+                    <a:schemeClr val="accent4"/>
+                  </a:solidFill>
+                  <a:prstDash val="solid"/>
+                </a:ln>
+                <a:gradFill>
+                  <a:gsLst>
+                    <a:gs pos="0">
+                      <a:schemeClr val="accent4"/>
+                    </a:gs>
+                    <a:gs pos="4000">
+                      <a:schemeClr val="accent4">
+                        <a:lumMod val="60000"/>
+                        <a:lumOff val="40000"/>
+                      </a:schemeClr>
+                    </a:gs>
+                    <a:gs pos="87000">
+                      <a:schemeClr val="accent4">
+                        <a:lumMod val="20000"/>
+                        <a:lumOff val="80000"/>
+                      </a:schemeClr>
+                    </a:gs>
+                  </a:gsLst>
+                  <a:lin ang="5400000"/>
+                </a:gradFill>
+              </a:rPr>
+              <a:t>Consumer 3</a:t>
+            </a:r>
+          </a:p>
+        </p:txBody>
+      </p:sp>
+      <p:sp>
+        <p:nvSpPr>
+          <p:cNvPr id="18" name="Rectangle 17"/>
+          <p:cNvSpPr/>
+          <p:nvPr/>
+        </p:nvSpPr>
+        <p:spPr>
+          <a:xfrm>
+            <a:off x="7320856" y="491884"/>
+            <a:ext cx="1659750" cy="438582"/>
+          </a:xfrm>
+          <a:prstGeom prst="rect">
+            <a:avLst/>
+          </a:prstGeom>
+          <a:noFill/>
+          <a:ln>
+            <a:noFill/>
+          </a:ln>
+          <a:effectLst>
+            <a:outerShdw blurRad="50800" dist="38100" dir="8100000" algn="tr" rotWithShape="0">
+              <a:prstClr val="black">
+                <a:alpha val="40000"/>
+              </a:prstClr>
+            </a:outerShdw>
+          </a:effectLst>
+        </p:spPr>
+        <p:txBody>
+          <a:bodyPr wrap="none" lIns="68580" tIns="34290" rIns="68580" bIns="34290">
+            <a:spAutoFit/>
+          </a:bodyPr>
+          <a:lstStyle/>
+          <a:p>
+            <a:pPr algn="ctr"/>
+            <a:r>
+              <a:rPr lang="en-US" sz="2400" b="1" dirty="0">
+                <a:ln w="12700" cmpd="sng">
+                  <a:solidFill>
+                    <a:schemeClr val="accent4"/>
+                  </a:solidFill>
+                  <a:prstDash val="solid"/>
+                </a:ln>
+                <a:gradFill>
+                  <a:gsLst>
+                    <a:gs pos="0">
+                      <a:schemeClr val="accent4"/>
+                    </a:gs>
+                    <a:gs pos="4000">
+                      <a:schemeClr val="accent4">
+                        <a:lumMod val="60000"/>
+                        <a:lumOff val="40000"/>
+                      </a:schemeClr>
+                    </a:gs>
+                    <a:gs pos="87000">
+                      <a:schemeClr val="accent4">
+                        <a:lumMod val="20000"/>
+                        <a:lumOff val="80000"/>
+                      </a:schemeClr>
+                    </a:gs>
+                  </a:gsLst>
+                  <a:lin ang="5400000"/>
+                </a:gradFill>
+              </a:rPr>
+              <a:t>Consumer 1</a:t>
+            </a:r>
+          </a:p>
+        </p:txBody>
+      </p:sp>
+      <p:sp>
+        <p:nvSpPr>
+          <p:cNvPr id="19" name="Rectangle 18"/>
+          <p:cNvSpPr/>
+          <p:nvPr/>
+        </p:nvSpPr>
+        <p:spPr>
+          <a:xfrm>
+            <a:off x="3872573" y="1706086"/>
+            <a:ext cx="1129413" cy="500137"/>
+          </a:xfrm>
+          <a:prstGeom prst="rect">
+            <a:avLst/>
+          </a:prstGeom>
+          <a:noFill/>
+          <a:ln>
+            <a:noFill/>
+          </a:ln>
+        </p:spPr>
+        <p:txBody>
+          <a:bodyPr wrap="none" lIns="68580" tIns="34290" rIns="68580" bIns="34290">
+            <a:spAutoFit/>
+          </a:bodyPr>
+          <a:lstStyle/>
+          <a:p>
+            <a:pPr algn="ctr"/>
+            <a:r>
+              <a:rPr lang="en-US" sz="2800" b="1" dirty="0">
+                <a:ln/>
+                <a:pattFill prst="dkUpDiag">
+                  <a:fgClr>
+                    <a:schemeClr val="bg1">
+                      <a:lumMod val="50000"/>
+                    </a:schemeClr>
+                  </a:fgClr>
+                  <a:bgClr>
+                    <a:schemeClr val="tx1">
+                      <a:lumMod val="75000"/>
+                      <a:lumOff val="25000"/>
+                    </a:schemeClr>
+                  </a:bgClr>
+                </a:pattFill>
                 <a:effectLst>
-                  <a:outerShdw dist="38100" dir="2700000" algn="tl" rotWithShape="0">
-                    <a:schemeClr val="accent2"/>
+                  <a:outerShdw blurRad="38100" dist="19050" dir="2700000" algn="tl" rotWithShape="0">
+                    <a:schemeClr val="dk1">
+                      <a:lumMod val="50000"/>
+                      <a:alpha val="40000"/>
+                    </a:schemeClr>
                   </a:outerShdw>
                 </a:effectLst>
               </a:rPr>
-              <a:t>Producer</a:t>
-            </a:r>
-            <a:endParaRPr lang="en-US" sz="2250" b="1" dirty="0">
+              <a:t>Broker</a:t>
+            </a:r>
+            <a:endParaRPr lang="en-US" sz="2800" b="1" dirty="0">
               <a:ln w="10160">
                 <a:solidFill>
-                  <a:schemeClr val="accent5"/>
+                  <a:schemeClr val="accent2"/>
                 </a:solidFill>
                 <a:prstDash val="solid"/>
               </a:ln>
@@ -4634,14 +6473,14 @@
       </p:sp>
       <p:sp>
         <p:nvSpPr>
-          <p:cNvPr id="9" name="Rectangle 8"/>
+          <p:cNvPr id="2" name="Rectangle 1"/>
           <p:cNvSpPr/>
           <p:nvPr/>
         </p:nvSpPr>
         <p:spPr>
           <a:xfrm>
-            <a:off x="6140221" y="2116379"/>
-            <a:ext cx="2141360" cy="415498"/>
+            <a:off x="618697" y="21914"/>
+            <a:ext cx="3939412" cy="707886"/>
           </a:xfrm>
           <a:prstGeom prst="rect">
             <a:avLst/>
@@ -4649,122 +6488,137 @@
           <a:noFill/>
         </p:spPr>
         <p:txBody>
-          <a:bodyPr wrap="square" lIns="68580" tIns="34290" rIns="68580" bIns="34290">
+          <a:bodyPr wrap="none" lIns="91440" tIns="45720" rIns="91440" bIns="45720">
             <a:spAutoFit/>
           </a:bodyPr>
           <a:lstStyle/>
           <a:p>
             <a:pPr algn="ctr"/>
             <a:r>
-              <a:rPr lang="en-US" sz="2250" b="1" dirty="0">
-                <a:ln w="6600">
-                  <a:solidFill>
-                    <a:schemeClr val="accent2"/>
-                  </a:solidFill>
-                  <a:prstDash val="solid"/>
-                </a:ln>
-                <a:solidFill>
-                  <a:srgbClr val="FFFFFF"/>
-                </a:solidFill>
+              <a:rPr lang="en-US" sz="4000" b="1" dirty="0" smtClean="0">
+                <a:ln/>
+                <a:pattFill prst="dkUpDiag">
+                  <a:fgClr>
+                    <a:schemeClr val="bg1">
+                      <a:lumMod val="50000"/>
+                    </a:schemeClr>
+                  </a:fgClr>
+                  <a:bgClr>
+                    <a:schemeClr val="tx1">
+                      <a:lumMod val="75000"/>
+                      <a:lumOff val="25000"/>
+                    </a:schemeClr>
+                  </a:bgClr>
+                </a:pattFill>
                 <a:effectLst>
-                  <a:outerShdw dist="38100" dir="2700000" algn="tl" rotWithShape="0">
-                    <a:schemeClr val="accent2"/>
+                  <a:outerShdw blurRad="38100" dist="19050" dir="2700000" algn="tl" rotWithShape="0">
+                    <a:schemeClr val="dk1">
+                      <a:lumMod val="50000"/>
+                      <a:alpha val="40000"/>
+                    </a:schemeClr>
                   </a:outerShdw>
                 </a:effectLst>
               </a:rPr>
-              <a:t>Consumer</a:t>
-            </a:r>
-          </a:p>
-        </p:txBody>
-      </p:sp>
-      <p:cxnSp>
-        <p:nvCxnSpPr>
-          <p:cNvPr id="11" name="Straight Arrow Connector 10"/>
-          <p:cNvCxnSpPr/>
-          <p:nvPr/>
-        </p:nvCxnSpPr>
-        <p:spPr>
-          <a:xfrm>
-            <a:off x="2280680" y="2324129"/>
-            <a:ext cx="974185" cy="1"/>
-          </a:xfrm>
-          <a:prstGeom prst="straightConnector1">
-            <a:avLst/>
-          </a:prstGeom>
-          <a:ln w="38100" cap="flat" cmpd="sng" algn="ctr">
-            <a:solidFill>
-              <a:schemeClr val="accent2"/>
-            </a:solidFill>
-            <a:prstDash val="lgDash"/>
-            <a:round/>
-            <a:headEnd type="none" w="med" len="med"/>
-            <a:tailEnd type="arrow" w="med" len="med"/>
-          </a:ln>
-        </p:spPr>
-        <p:style>
-          <a:lnRef idx="0">
-            <a:scrgbClr r="0" g="0" b="0"/>
-          </a:lnRef>
-          <a:fillRef idx="0">
-            <a:scrgbClr r="0" g="0" b="0"/>
-          </a:fillRef>
-          <a:effectRef idx="0">
-            <a:scrgbClr r="0" g="0" b="0"/>
-          </a:effectRef>
-          <a:fontRef idx="minor">
-            <a:schemeClr val="tx1"/>
-          </a:fontRef>
-        </p:style>
-      </p:cxnSp>
-      <p:cxnSp>
-        <p:nvCxnSpPr>
-          <p:cNvPr id="12" name="Straight Arrow Connector 11"/>
-          <p:cNvCxnSpPr/>
-          <p:nvPr/>
-        </p:nvCxnSpPr>
-        <p:spPr>
-          <a:xfrm flipV="1">
-            <a:off x="5535149" y="2322968"/>
-            <a:ext cx="974186" cy="2321"/>
-          </a:xfrm>
-          <a:prstGeom prst="straightConnector1">
-            <a:avLst/>
-          </a:prstGeom>
-          <a:ln w="38100" cap="flat" cmpd="sng" algn="ctr">
-            <a:solidFill>
-              <a:schemeClr val="accent2"/>
-            </a:solidFill>
-            <a:prstDash val="lgDash"/>
-            <a:round/>
-            <a:headEnd type="none" w="med" len="med"/>
-            <a:tailEnd type="arrow" w="med" len="med"/>
-          </a:ln>
-        </p:spPr>
-        <p:style>
-          <a:lnRef idx="0">
-            <a:scrgbClr r="0" g="0" b="0"/>
-          </a:lnRef>
-          <a:fillRef idx="0">
-            <a:scrgbClr r="0" g="0" b="0"/>
-          </a:fillRef>
-          <a:effectRef idx="0">
-            <a:scrgbClr r="0" g="0" b="0"/>
-          </a:effectRef>
-          <a:fontRef idx="minor">
-            <a:schemeClr val="tx1"/>
-          </a:fontRef>
-        </p:style>
-      </p:cxnSp>
+              <a:t>Queue (</a:t>
+            </a:r>
+            <a:r>
+              <a:rPr lang="en-US" sz="4000" b="1" dirty="0" err="1" smtClean="0">
+                <a:ln/>
+                <a:pattFill prst="dkUpDiag">
+                  <a:fgClr>
+                    <a:schemeClr val="bg1">
+                      <a:lumMod val="50000"/>
+                    </a:schemeClr>
+                  </a:fgClr>
+                  <a:bgClr>
+                    <a:schemeClr val="tx1">
+                      <a:lumMod val="75000"/>
+                      <a:lumOff val="25000"/>
+                    </a:schemeClr>
+                  </a:bgClr>
+                </a:pattFill>
+                <a:effectLst>
+                  <a:outerShdw blurRad="38100" dist="19050" dir="2700000" algn="tl" rotWithShape="0">
+                    <a:schemeClr val="dk1">
+                      <a:lumMod val="50000"/>
+                      <a:alpha val="40000"/>
+                    </a:schemeClr>
+                  </a:outerShdw>
+                </a:effectLst>
+              </a:rPr>
+              <a:t>Realtime</a:t>
+            </a:r>
+            <a:r>
+              <a:rPr lang="en-US" sz="4000" b="1" dirty="0" smtClean="0">
+                <a:ln/>
+                <a:pattFill prst="dkUpDiag">
+                  <a:fgClr>
+                    <a:schemeClr val="bg1">
+                      <a:lumMod val="50000"/>
+                    </a:schemeClr>
+                  </a:fgClr>
+                  <a:bgClr>
+                    <a:schemeClr val="tx1">
+                      <a:lumMod val="75000"/>
+                      <a:lumOff val="25000"/>
+                    </a:schemeClr>
+                  </a:bgClr>
+                </a:pattFill>
+                <a:effectLst>
+                  <a:outerShdw blurRad="38100" dist="19050" dir="2700000" algn="tl" rotWithShape="0">
+                    <a:schemeClr val="dk1">
+                      <a:lumMod val="50000"/>
+                      <a:alpha val="40000"/>
+                    </a:schemeClr>
+                  </a:outerShdw>
+                </a:effectLst>
+              </a:rPr>
+              <a:t>)</a:t>
+            </a:r>
+            <a:endParaRPr lang="en-US" sz="4000" b="1" dirty="0">
+              <a:ln/>
+              <a:pattFill prst="dkUpDiag">
+                <a:fgClr>
+                  <a:schemeClr val="bg1">
+                    <a:lumMod val="50000"/>
+                  </a:schemeClr>
+                </a:fgClr>
+                <a:bgClr>
+                  <a:schemeClr val="tx1">
+                    <a:lumMod val="75000"/>
+                    <a:lumOff val="25000"/>
+                  </a:schemeClr>
+                </a:bgClr>
+              </a:pattFill>
+              <a:effectLst>
+                <a:outerShdw blurRad="38100" dist="19050" dir="2700000" algn="tl" rotWithShape="0">
+                  <a:schemeClr val="dk1">
+                    <a:lumMod val="50000"/>
+                    <a:alpha val="40000"/>
+                  </a:schemeClr>
+                </a:outerShdw>
+              </a:effectLst>
+            </a:endParaRPr>
+          </a:p>
+        </p:txBody>
+      </p:sp>
     </p:spTree>
     <p:extLst>
       <p:ext uri="{BB962C8B-B14F-4D97-AF65-F5344CB8AC3E}">
-        <p14:creationId xmlns:p14="http://schemas.microsoft.com/office/powerpoint/2010/main" val="1331299405"/>
+        <p14:creationId xmlns:p14="http://schemas.microsoft.com/office/powerpoint/2010/main" val="1184536117"/>
       </p:ext>
     </p:extLst>
   </p:cSld>
   <p:clrMapOvr>
     <a:masterClrMapping/>
   </p:clrMapOvr>
+  <p:timing>
+    <p:tnLst>
+      <p:par>
+        <p:cTn id="1" dur="indefinite" restart="never" nodeType="tmRoot"/>
+      </p:par>
+    </p:tnLst>
+  </p:timing>
 </p:sld>
 </file>
 
@@ -4797,13 +6651,2216 @@
       </p:grpSpPr>
       <p:sp>
         <p:nvSpPr>
+          <p:cNvPr id="14" name="Rounded Rectangle 13"/>
+          <p:cNvSpPr/>
+          <p:nvPr/>
+        </p:nvSpPr>
+        <p:spPr>
+          <a:xfrm>
+            <a:off x="3289678" y="1678991"/>
+            <a:ext cx="2396745" cy="1761549"/>
+          </a:xfrm>
+          <a:prstGeom prst="roundRect">
+            <a:avLst/>
+          </a:prstGeom>
+          <a:solidFill>
+            <a:schemeClr val="accent3">
+              <a:alpha val="50000"/>
+            </a:schemeClr>
+          </a:solidFill>
+          <a:ln>
+            <a:noFill/>
+          </a:ln>
+        </p:spPr>
+        <p:style>
+          <a:lnRef idx="0">
+            <a:scrgbClr r="0" g="0" b="0"/>
+          </a:lnRef>
+          <a:fillRef idx="0">
+            <a:scrgbClr r="0" g="0" b="0"/>
+          </a:fillRef>
+          <a:effectRef idx="0">
+            <a:scrgbClr r="0" g="0" b="0"/>
+          </a:effectRef>
+          <a:fontRef idx="minor">
+            <a:schemeClr val="lt1"/>
+          </a:fontRef>
+        </p:style>
+        <p:txBody>
+          <a:bodyPr rtlCol="0" anchor="ctr"/>
+          <a:lstStyle/>
+          <a:p>
+            <a:pPr algn="ctr"/>
+            <a:r>
+              <a:rPr lang="en-US" sz="1013" dirty="0" err="1"/>
+              <a:t>Jms</a:t>
+            </a:r>
+            <a:r>
+              <a:rPr lang="en-US" sz="1013" dirty="0"/>
+              <a:t> Client</a:t>
+            </a:r>
+          </a:p>
+        </p:txBody>
+      </p:sp>
+      <p:sp>
+        <p:nvSpPr>
+          <p:cNvPr id="8" name="Rounded Rectangle 7"/>
+          <p:cNvSpPr/>
+          <p:nvPr/>
+        </p:nvSpPr>
+        <p:spPr>
+          <a:xfrm>
+            <a:off x="9838" y="0"/>
+            <a:ext cx="9134162" cy="5143500"/>
+          </a:xfrm>
+          <a:prstGeom prst="roundRect">
+            <a:avLst/>
+          </a:prstGeom>
+          <a:noFill/>
+          <a:ln>
+            <a:noFill/>
+          </a:ln>
+        </p:spPr>
+        <p:style>
+          <a:lnRef idx="2">
+            <a:schemeClr val="accent1">
+              <a:shade val="50000"/>
+            </a:schemeClr>
+          </a:lnRef>
+          <a:fillRef idx="1">
+            <a:schemeClr val="accent1"/>
+          </a:fillRef>
+          <a:effectRef idx="0">
+            <a:schemeClr val="accent1"/>
+          </a:effectRef>
+          <a:fontRef idx="minor">
+            <a:schemeClr val="lt1"/>
+          </a:fontRef>
+        </p:style>
+        <p:txBody>
+          <a:bodyPr rtlCol="0" anchor="ctr"/>
+          <a:lstStyle/>
+          <a:p>
+            <a:pPr algn="ctr"/>
+            <a:endParaRPr lang="en-US" sz="1013"/>
+          </a:p>
+        </p:txBody>
+      </p:sp>
+      <p:sp>
+        <p:nvSpPr>
+          <p:cNvPr id="9" name="Can 8"/>
+          <p:cNvSpPr/>
+          <p:nvPr/>
+        </p:nvSpPr>
+        <p:spPr>
+          <a:xfrm rot="5400000">
+            <a:off x="4129384" y="1419623"/>
+            <a:ext cx="717332" cy="2280285"/>
+          </a:xfrm>
+          <a:prstGeom prst="can">
+            <a:avLst/>
+          </a:prstGeom>
+          <a:effectLst>
+            <a:outerShdw blurRad="50800" dist="38100" dir="8100000" algn="tr" rotWithShape="0">
+              <a:prstClr val="black">
+                <a:alpha val="40000"/>
+              </a:prstClr>
+            </a:outerShdw>
+          </a:effectLst>
+        </p:spPr>
+        <p:style>
+          <a:lnRef idx="2">
+            <a:schemeClr val="accent1">
+              <a:shade val="50000"/>
+            </a:schemeClr>
+          </a:lnRef>
+          <a:fillRef idx="1">
+            <a:schemeClr val="accent1"/>
+          </a:fillRef>
+          <a:effectRef idx="0">
+            <a:schemeClr val="accent1"/>
+          </a:effectRef>
+          <a:fontRef idx="minor">
+            <a:schemeClr val="lt1"/>
+          </a:fontRef>
+        </p:style>
+        <p:txBody>
+          <a:bodyPr rtlCol="0" anchor="ctr"/>
+          <a:lstStyle/>
+          <a:p>
+            <a:pPr algn="ctr"/>
+            <a:endParaRPr lang="en-US" sz="1013"/>
+          </a:p>
+        </p:txBody>
+      </p:sp>
+      <p:sp>
+        <p:nvSpPr>
+          <p:cNvPr id="10" name="Rectangle 9"/>
+          <p:cNvSpPr/>
+          <p:nvPr/>
+        </p:nvSpPr>
+        <p:spPr>
+          <a:xfrm>
+            <a:off x="3700655" y="2213517"/>
+            <a:ext cx="1574790" cy="692497"/>
+          </a:xfrm>
+          <a:prstGeom prst="rect">
+            <a:avLst/>
+          </a:prstGeom>
+          <a:noFill/>
+        </p:spPr>
+        <p:txBody>
+          <a:bodyPr wrap="none" lIns="68580" tIns="34290" rIns="68580" bIns="34290">
+            <a:spAutoFit/>
+          </a:bodyPr>
+          <a:lstStyle/>
+          <a:p>
+            <a:pPr algn="ctr"/>
+            <a:r>
+              <a:rPr lang="en-US" sz="4050" b="1" dirty="0">
+                <a:ln w="12700">
+                  <a:solidFill>
+                    <a:schemeClr val="accent3">
+                      <a:lumMod val="50000"/>
+                    </a:schemeClr>
+                  </a:solidFill>
+                  <a:prstDash val="solid"/>
+                </a:ln>
+                <a:pattFill prst="narHorz">
+                  <a:fgClr>
+                    <a:schemeClr val="accent3"/>
+                  </a:fgClr>
+                  <a:bgClr>
+                    <a:schemeClr val="accent3">
+                      <a:lumMod val="40000"/>
+                      <a:lumOff val="60000"/>
+                    </a:schemeClr>
+                  </a:bgClr>
+                </a:pattFill>
+                <a:effectLst>
+                  <a:innerShdw blurRad="177800">
+                    <a:schemeClr val="accent3">
+                      <a:lumMod val="50000"/>
+                    </a:schemeClr>
+                  </a:innerShdw>
+                </a:effectLst>
+              </a:rPr>
+              <a:t>Queue</a:t>
+            </a:r>
+            <a:endParaRPr lang="en-US" sz="4050" b="1" dirty="0">
+              <a:ln w="10160">
+                <a:solidFill>
+                  <a:schemeClr val="accent5"/>
+                </a:solidFill>
+                <a:prstDash val="solid"/>
+              </a:ln>
+              <a:solidFill>
+                <a:srgbClr val="FFFFFF"/>
+              </a:solidFill>
+              <a:effectLst>
+                <a:outerShdw blurRad="38100" dist="22860" dir="5400000" algn="tl" rotWithShape="0">
+                  <a:srgbClr val="000000">
+                    <a:alpha val="30000"/>
+                  </a:srgbClr>
+                </a:outerShdw>
+              </a:effectLst>
+            </a:endParaRPr>
+          </a:p>
+        </p:txBody>
+      </p:sp>
+      <p:sp>
+        <p:nvSpPr>
+          <p:cNvPr id="11" name="Rounded Rectangle 10"/>
+          <p:cNvSpPr/>
+          <p:nvPr/>
+        </p:nvSpPr>
+        <p:spPr>
+          <a:xfrm>
+            <a:off x="7164916" y="2079403"/>
+            <a:ext cx="1971628" cy="960728"/>
+          </a:xfrm>
+          <a:prstGeom prst="roundRect">
+            <a:avLst/>
+          </a:prstGeom>
+        </p:spPr>
+        <p:style>
+          <a:lnRef idx="0">
+            <a:schemeClr val="accent2"/>
+          </a:lnRef>
+          <a:fillRef idx="3">
+            <a:schemeClr val="accent2"/>
+          </a:fillRef>
+          <a:effectRef idx="3">
+            <a:schemeClr val="accent2"/>
+          </a:effectRef>
+          <a:fontRef idx="minor">
+            <a:schemeClr val="lt1"/>
+          </a:fontRef>
+        </p:style>
+        <p:txBody>
+          <a:bodyPr rtlCol="0" anchor="ctr"/>
+          <a:lstStyle/>
+          <a:p>
+            <a:pPr algn="ctr"/>
+            <a:endParaRPr lang="en-US" sz="1013" dirty="0"/>
+          </a:p>
+        </p:txBody>
+      </p:sp>
+      <p:sp>
+        <p:nvSpPr>
+          <p:cNvPr id="13" name="Rounded Rectangle 12"/>
+          <p:cNvSpPr/>
+          <p:nvPr/>
+        </p:nvSpPr>
+        <p:spPr>
+          <a:xfrm>
+            <a:off x="-4509" y="2079403"/>
+            <a:ext cx="1971628" cy="960728"/>
+          </a:xfrm>
+          <a:prstGeom prst="roundRect">
+            <a:avLst/>
+          </a:prstGeom>
+        </p:spPr>
+        <p:style>
+          <a:lnRef idx="0">
+            <a:schemeClr val="accent2"/>
+          </a:lnRef>
+          <a:fillRef idx="3">
+            <a:schemeClr val="accent2"/>
+          </a:fillRef>
+          <a:effectRef idx="3">
+            <a:schemeClr val="accent2"/>
+          </a:effectRef>
+          <a:fontRef idx="minor">
+            <a:schemeClr val="lt1"/>
+          </a:fontRef>
+        </p:style>
+        <p:txBody>
+          <a:bodyPr rtlCol="0" anchor="ctr"/>
+          <a:lstStyle/>
+          <a:p>
+            <a:pPr algn="ctr"/>
+            <a:endParaRPr lang="en-US" sz="1013" dirty="0"/>
+          </a:p>
+        </p:txBody>
+      </p:sp>
+      <p:sp>
+        <p:nvSpPr>
+          <p:cNvPr id="15" name="Rectangle 14"/>
+          <p:cNvSpPr/>
+          <p:nvPr/>
+        </p:nvSpPr>
+        <p:spPr>
+          <a:xfrm>
+            <a:off x="333659" y="2569821"/>
+            <a:ext cx="1295291" cy="438582"/>
+          </a:xfrm>
+          <a:prstGeom prst="rect">
+            <a:avLst/>
+          </a:prstGeom>
+          <a:noFill/>
+          <a:ln>
+            <a:noFill/>
+          </a:ln>
+          <a:effectLst>
+            <a:outerShdw blurRad="50800" dist="38100" dir="8100000" algn="tr" rotWithShape="0">
+              <a:prstClr val="black">
+                <a:alpha val="40000"/>
+              </a:prstClr>
+            </a:outerShdw>
+          </a:effectLst>
+        </p:spPr>
+        <p:txBody>
+          <a:bodyPr wrap="none" lIns="68580" tIns="34290" rIns="68580" bIns="34290">
+            <a:spAutoFit/>
+          </a:bodyPr>
+          <a:lstStyle/>
+          <a:p>
+            <a:pPr algn="ctr"/>
+            <a:r>
+              <a:rPr lang="en-US" sz="2400" b="1" dirty="0">
+                <a:ln w="12700" cmpd="sng">
+                  <a:solidFill>
+                    <a:schemeClr val="accent4"/>
+                  </a:solidFill>
+                  <a:prstDash val="solid"/>
+                </a:ln>
+                <a:gradFill>
+                  <a:gsLst>
+                    <a:gs pos="0">
+                      <a:schemeClr val="accent4"/>
+                    </a:gs>
+                    <a:gs pos="4000">
+                      <a:schemeClr val="accent4">
+                        <a:lumMod val="60000"/>
+                        <a:lumOff val="40000"/>
+                      </a:schemeClr>
+                    </a:gs>
+                    <a:gs pos="87000">
+                      <a:schemeClr val="accent4">
+                        <a:lumMod val="20000"/>
+                        <a:lumOff val="80000"/>
+                      </a:schemeClr>
+                    </a:gs>
+                  </a:gsLst>
+                  <a:lin ang="5400000"/>
+                </a:gradFill>
+              </a:rPr>
+              <a:t>Producer</a:t>
+            </a:r>
+          </a:p>
+        </p:txBody>
+      </p:sp>
+      <p:sp>
+        <p:nvSpPr>
+          <p:cNvPr id="16" name="Rectangle 15"/>
+          <p:cNvSpPr/>
+          <p:nvPr/>
+        </p:nvSpPr>
+        <p:spPr>
+          <a:xfrm>
+            <a:off x="7320856" y="2583967"/>
+            <a:ext cx="1659750" cy="438582"/>
+          </a:xfrm>
+          <a:prstGeom prst="rect">
+            <a:avLst/>
+          </a:prstGeom>
+          <a:noFill/>
+          <a:ln>
+            <a:noFill/>
+          </a:ln>
+          <a:effectLst>
+            <a:outerShdw blurRad="50800" dist="38100" dir="8100000" algn="tr" rotWithShape="0">
+              <a:prstClr val="black">
+                <a:alpha val="40000"/>
+              </a:prstClr>
+            </a:outerShdw>
+          </a:effectLst>
+        </p:spPr>
+        <p:txBody>
+          <a:bodyPr wrap="none" lIns="68580" tIns="34290" rIns="68580" bIns="34290">
+            <a:spAutoFit/>
+          </a:bodyPr>
+          <a:lstStyle/>
+          <a:p>
+            <a:pPr algn="ctr"/>
+            <a:r>
+              <a:rPr lang="en-US" sz="2400" b="1" dirty="0">
+                <a:ln w="12700" cmpd="sng">
+                  <a:solidFill>
+                    <a:schemeClr val="accent4"/>
+                  </a:solidFill>
+                  <a:prstDash val="solid"/>
+                </a:ln>
+                <a:gradFill>
+                  <a:gsLst>
+                    <a:gs pos="0">
+                      <a:schemeClr val="accent4"/>
+                    </a:gs>
+                    <a:gs pos="4000">
+                      <a:schemeClr val="accent4">
+                        <a:lumMod val="60000"/>
+                        <a:lumOff val="40000"/>
+                      </a:schemeClr>
+                    </a:gs>
+                    <a:gs pos="87000">
+                      <a:schemeClr val="accent4">
+                        <a:lumMod val="20000"/>
+                        <a:lumOff val="80000"/>
+                      </a:schemeClr>
+                    </a:gs>
+                  </a:gsLst>
+                  <a:lin ang="5400000"/>
+                </a:gradFill>
+              </a:rPr>
+              <a:t>Consumer 2</a:t>
+            </a:r>
+          </a:p>
+        </p:txBody>
+      </p:sp>
+      <p:sp>
+        <p:nvSpPr>
+          <p:cNvPr id="19" name="Rectangle 18"/>
+          <p:cNvSpPr/>
+          <p:nvPr/>
+        </p:nvSpPr>
+        <p:spPr>
+          <a:xfrm>
+            <a:off x="3872573" y="1706086"/>
+            <a:ext cx="1129413" cy="500137"/>
+          </a:xfrm>
+          <a:prstGeom prst="rect">
+            <a:avLst/>
+          </a:prstGeom>
+          <a:noFill/>
+          <a:ln>
+            <a:noFill/>
+          </a:ln>
+        </p:spPr>
+        <p:txBody>
+          <a:bodyPr wrap="none" lIns="68580" tIns="34290" rIns="68580" bIns="34290">
+            <a:spAutoFit/>
+          </a:bodyPr>
+          <a:lstStyle/>
+          <a:p>
+            <a:pPr algn="ctr"/>
+            <a:r>
+              <a:rPr lang="en-US" sz="2800" b="1" dirty="0">
+                <a:ln/>
+                <a:pattFill prst="dkUpDiag">
+                  <a:fgClr>
+                    <a:schemeClr val="bg1">
+                      <a:lumMod val="50000"/>
+                    </a:schemeClr>
+                  </a:fgClr>
+                  <a:bgClr>
+                    <a:schemeClr val="tx1">
+                      <a:lumMod val="75000"/>
+                      <a:lumOff val="25000"/>
+                    </a:schemeClr>
+                  </a:bgClr>
+                </a:pattFill>
+                <a:effectLst>
+                  <a:outerShdw blurRad="38100" dist="19050" dir="2700000" algn="tl" rotWithShape="0">
+                    <a:schemeClr val="dk1">
+                      <a:lumMod val="50000"/>
+                      <a:alpha val="40000"/>
+                    </a:schemeClr>
+                  </a:outerShdw>
+                </a:effectLst>
+              </a:rPr>
+              <a:t>Broker</a:t>
+            </a:r>
+            <a:endParaRPr lang="en-US" sz="2800" b="1" dirty="0">
+              <a:ln w="10160">
+                <a:solidFill>
+                  <a:schemeClr val="accent2"/>
+                </a:solidFill>
+                <a:prstDash val="solid"/>
+              </a:ln>
+              <a:solidFill>
+                <a:srgbClr val="FFFFFF"/>
+              </a:solidFill>
+              <a:effectLst>
+                <a:outerShdw blurRad="38100" dist="22860" dir="5400000" algn="tl" rotWithShape="0">
+                  <a:srgbClr val="000000">
+                    <a:alpha val="30000"/>
+                  </a:srgbClr>
+                </a:outerShdw>
+              </a:effectLst>
+            </a:endParaRPr>
+          </a:p>
+        </p:txBody>
+      </p:sp>
+      <p:sp>
+        <p:nvSpPr>
+          <p:cNvPr id="2" name="Rectangle 1"/>
+          <p:cNvSpPr/>
+          <p:nvPr/>
+        </p:nvSpPr>
+        <p:spPr>
+          <a:xfrm>
+            <a:off x="9838" y="170"/>
+            <a:ext cx="4852226" cy="1015663"/>
+          </a:xfrm>
+          <a:prstGeom prst="rect">
+            <a:avLst/>
+          </a:prstGeom>
+          <a:noFill/>
+        </p:spPr>
+        <p:txBody>
+          <a:bodyPr wrap="none" lIns="91440" tIns="45720" rIns="91440" bIns="45720">
+            <a:spAutoFit/>
+          </a:bodyPr>
+          <a:lstStyle/>
+          <a:p>
+            <a:pPr algn="ctr"/>
+            <a:r>
+              <a:rPr lang="en-US" sz="6000" b="1" dirty="0" smtClean="0">
+                <a:ln/>
+                <a:pattFill prst="dkUpDiag">
+                  <a:fgClr>
+                    <a:schemeClr val="bg1">
+                      <a:lumMod val="50000"/>
+                    </a:schemeClr>
+                  </a:fgClr>
+                  <a:bgClr>
+                    <a:schemeClr val="tx1">
+                      <a:lumMod val="75000"/>
+                      <a:lumOff val="25000"/>
+                    </a:schemeClr>
+                  </a:bgClr>
+                </a:pattFill>
+                <a:effectLst>
+                  <a:outerShdw blurRad="38100" dist="19050" dir="2700000" algn="tl" rotWithShape="0">
+                    <a:schemeClr val="dk1">
+                      <a:lumMod val="50000"/>
+                      <a:alpha val="40000"/>
+                    </a:schemeClr>
+                  </a:outerShdw>
+                </a:effectLst>
+              </a:rPr>
+              <a:t>Non Persistent</a:t>
+            </a:r>
+            <a:endParaRPr lang="en-US" sz="6000" b="1" dirty="0">
+              <a:ln/>
+              <a:pattFill prst="dkUpDiag">
+                <a:fgClr>
+                  <a:schemeClr val="bg1">
+                    <a:lumMod val="50000"/>
+                  </a:schemeClr>
+                </a:fgClr>
+                <a:bgClr>
+                  <a:schemeClr val="tx1">
+                    <a:lumMod val="75000"/>
+                    <a:lumOff val="25000"/>
+                  </a:schemeClr>
+                </a:bgClr>
+              </a:pattFill>
+              <a:effectLst>
+                <a:outerShdw blurRad="38100" dist="19050" dir="2700000" algn="tl" rotWithShape="0">
+                  <a:schemeClr val="dk1">
+                    <a:lumMod val="50000"/>
+                    <a:alpha val="40000"/>
+                  </a:schemeClr>
+                </a:outerShdw>
+              </a:effectLst>
+            </a:endParaRPr>
+          </a:p>
+        </p:txBody>
+      </p:sp>
+      <p:cxnSp>
+        <p:nvCxnSpPr>
+          <p:cNvPr id="4" name="Straight Arrow Connector 3"/>
+          <p:cNvCxnSpPr>
+            <a:stCxn id="13" idx="3"/>
+            <a:endCxn id="9" idx="3"/>
+          </p:cNvCxnSpPr>
+          <p:nvPr/>
+        </p:nvCxnSpPr>
+        <p:spPr>
+          <a:xfrm flipV="1">
+            <a:off x="1967119" y="2559766"/>
+            <a:ext cx="1380789" cy="1"/>
+          </a:xfrm>
+          <a:prstGeom prst="straightConnector1">
+            <a:avLst/>
+          </a:prstGeom>
+          <a:ln w="28575">
+            <a:prstDash val="sysDot"/>
+            <a:headEnd type="none" w="med" len="med"/>
+            <a:tailEnd type="triangle" w="lg" len="lg"/>
+          </a:ln>
+        </p:spPr>
+        <p:style>
+          <a:lnRef idx="1">
+            <a:schemeClr val="accent2"/>
+          </a:lnRef>
+          <a:fillRef idx="0">
+            <a:schemeClr val="accent2"/>
+          </a:fillRef>
+          <a:effectRef idx="0">
+            <a:schemeClr val="accent2"/>
+          </a:effectRef>
+          <a:fontRef idx="minor">
+            <a:schemeClr val="tx1"/>
+          </a:fontRef>
+        </p:style>
+      </p:cxnSp>
+      <p:cxnSp>
+        <p:nvCxnSpPr>
+          <p:cNvPr id="20" name="Straight Arrow Connector 19"/>
+          <p:cNvCxnSpPr/>
+          <p:nvPr/>
+        </p:nvCxnSpPr>
+        <p:spPr>
+          <a:xfrm flipV="1">
+            <a:off x="5628193" y="2559766"/>
+            <a:ext cx="1536723" cy="1"/>
+          </a:xfrm>
+          <a:prstGeom prst="straightConnector1">
+            <a:avLst/>
+          </a:prstGeom>
+          <a:ln w="28575">
+            <a:prstDash val="sysDot"/>
+            <a:headEnd type="none" w="med" len="med"/>
+            <a:tailEnd type="triangle" w="lg" len="lg"/>
+          </a:ln>
+        </p:spPr>
+        <p:style>
+          <a:lnRef idx="1">
+            <a:schemeClr val="accent2"/>
+          </a:lnRef>
+          <a:fillRef idx="0">
+            <a:schemeClr val="accent2"/>
+          </a:fillRef>
+          <a:effectRef idx="0">
+            <a:schemeClr val="accent2"/>
+          </a:effectRef>
+          <a:fontRef idx="minor">
+            <a:schemeClr val="tx1"/>
+          </a:fontRef>
+        </p:style>
+      </p:cxnSp>
+      <p:sp>
+        <p:nvSpPr>
+          <p:cNvPr id="22" name="Oval 21"/>
+          <p:cNvSpPr/>
+          <p:nvPr/>
+        </p:nvSpPr>
+        <p:spPr>
+          <a:xfrm>
+            <a:off x="2482075" y="2384327"/>
+            <a:ext cx="350875" cy="350875"/>
+          </a:xfrm>
+          <a:prstGeom prst="ellipse">
+            <a:avLst/>
+          </a:prstGeom>
+          <a:solidFill>
+            <a:srgbClr val="FF0000"/>
+          </a:solidFill>
+          <a:effectLst>
+            <a:outerShdw blurRad="50800" dist="38100" dir="8100000" algn="tr" rotWithShape="0">
+              <a:prstClr val="black">
+                <a:alpha val="40000"/>
+              </a:prstClr>
+            </a:outerShdw>
+          </a:effectLst>
+        </p:spPr>
+        <p:style>
+          <a:lnRef idx="2">
+            <a:schemeClr val="accent2">
+              <a:shade val="50000"/>
+            </a:schemeClr>
+          </a:lnRef>
+          <a:fillRef idx="1">
+            <a:schemeClr val="accent2"/>
+          </a:fillRef>
+          <a:effectRef idx="0">
+            <a:schemeClr val="accent2"/>
+          </a:effectRef>
+          <a:fontRef idx="minor">
+            <a:schemeClr val="lt1"/>
+          </a:fontRef>
+        </p:style>
+        <p:txBody>
+          <a:bodyPr rtlCol="0" anchor="ctr"/>
+          <a:lstStyle/>
+          <a:p>
+            <a:pPr algn="ctr"/>
+            <a:r>
+              <a:rPr lang="en-US" smtClean="0"/>
+              <a:t>1</a:t>
+            </a:r>
+            <a:endParaRPr lang="en-US" dirty="0"/>
+          </a:p>
+        </p:txBody>
+      </p:sp>
+      <p:sp>
+        <p:nvSpPr>
+          <p:cNvPr id="23" name="Oval 22"/>
+          <p:cNvSpPr/>
+          <p:nvPr/>
+        </p:nvSpPr>
+        <p:spPr>
+          <a:xfrm>
+            <a:off x="6250232" y="2385330"/>
+            <a:ext cx="350875" cy="350875"/>
+          </a:xfrm>
+          <a:prstGeom prst="ellipse">
+            <a:avLst/>
+          </a:prstGeom>
+          <a:solidFill>
+            <a:srgbClr val="FF0000"/>
+          </a:solidFill>
+          <a:effectLst>
+            <a:outerShdw blurRad="50800" dist="38100" dir="8100000" algn="tr" rotWithShape="0">
+              <a:prstClr val="black">
+                <a:alpha val="40000"/>
+              </a:prstClr>
+            </a:outerShdw>
+          </a:effectLst>
+        </p:spPr>
+        <p:style>
+          <a:lnRef idx="2">
+            <a:schemeClr val="accent2">
+              <a:shade val="50000"/>
+            </a:schemeClr>
+          </a:lnRef>
+          <a:fillRef idx="1">
+            <a:schemeClr val="accent2"/>
+          </a:fillRef>
+          <a:effectRef idx="0">
+            <a:schemeClr val="accent2"/>
+          </a:effectRef>
+          <a:fontRef idx="minor">
+            <a:schemeClr val="lt1"/>
+          </a:fontRef>
+        </p:style>
+        <p:txBody>
+          <a:bodyPr rtlCol="0" anchor="ctr"/>
+          <a:lstStyle/>
+          <a:p>
+            <a:pPr algn="ctr"/>
+            <a:r>
+              <a:rPr lang="en-US" dirty="0"/>
+              <a:t>2</a:t>
+            </a:r>
+          </a:p>
+        </p:txBody>
+      </p:sp>
+    </p:spTree>
+    <p:extLst>
+      <p:ext uri="{BB962C8B-B14F-4D97-AF65-F5344CB8AC3E}">
+        <p14:creationId xmlns:p14="http://schemas.microsoft.com/office/powerpoint/2010/main" val="2070438108"/>
+      </p:ext>
+    </p:extLst>
+  </p:cSld>
+  <p:clrMapOvr>
+    <a:masterClrMapping/>
+  </p:clrMapOvr>
+  <p:timing>
+    <p:tnLst>
+      <p:par>
+        <p:cTn id="1" dur="indefinite" restart="never" nodeType="tmRoot"/>
+      </p:par>
+    </p:tnLst>
+  </p:timing>
+</p:sld>
+</file>
+
+<file path=ppt/slides/slide6.xml><?xml version="1.0" encoding="utf-8"?>
+<p:sld xmlns:a="http://schemas.openxmlformats.org/drawingml/2006/main" xmlns:r="http://schemas.openxmlformats.org/officeDocument/2006/relationships" xmlns:p="http://schemas.openxmlformats.org/presentationml/2006/main">
+  <p:cSld>
+    <p:bg>
+      <p:bgPr>
+        <a:solidFill>
+          <a:schemeClr val="bg1">
+            <a:alpha val="0"/>
+          </a:schemeClr>
+        </a:solidFill>
+        <a:effectLst/>
+      </p:bgPr>
+    </p:bg>
+    <p:spTree>
+      <p:nvGrpSpPr>
+        <p:cNvPr id="1" name=""/>
+        <p:cNvGrpSpPr/>
+        <p:nvPr/>
+      </p:nvGrpSpPr>
+      <p:grpSpPr>
+        <a:xfrm>
+          <a:off x="0" y="0"/>
+          <a:ext cx="0" cy="0"/>
+          <a:chOff x="0" y="0"/>
+          <a:chExt cx="0" cy="0"/>
+        </a:xfrm>
+      </p:grpSpPr>
+      <p:sp>
+        <p:nvSpPr>
+          <p:cNvPr id="14" name="Rounded Rectangle 13"/>
+          <p:cNvSpPr/>
+          <p:nvPr/>
+        </p:nvSpPr>
+        <p:spPr>
+          <a:xfrm>
+            <a:off x="3289678" y="1678991"/>
+            <a:ext cx="2396745" cy="1761549"/>
+          </a:xfrm>
+          <a:prstGeom prst="roundRect">
+            <a:avLst/>
+          </a:prstGeom>
+          <a:solidFill>
+            <a:schemeClr val="accent3">
+              <a:alpha val="50000"/>
+            </a:schemeClr>
+          </a:solidFill>
+          <a:ln>
+            <a:noFill/>
+          </a:ln>
+        </p:spPr>
+        <p:style>
+          <a:lnRef idx="0">
+            <a:scrgbClr r="0" g="0" b="0"/>
+          </a:lnRef>
+          <a:fillRef idx="0">
+            <a:scrgbClr r="0" g="0" b="0"/>
+          </a:fillRef>
+          <a:effectRef idx="0">
+            <a:scrgbClr r="0" g="0" b="0"/>
+          </a:effectRef>
+          <a:fontRef idx="minor">
+            <a:schemeClr val="lt1"/>
+          </a:fontRef>
+        </p:style>
+        <p:txBody>
+          <a:bodyPr rtlCol="0" anchor="ctr"/>
+          <a:lstStyle/>
+          <a:p>
+            <a:pPr algn="ctr"/>
+            <a:r>
+              <a:rPr lang="en-US" sz="1013" dirty="0" err="1"/>
+              <a:t>Jms</a:t>
+            </a:r>
+            <a:r>
+              <a:rPr lang="en-US" sz="1013" dirty="0"/>
+              <a:t> Client</a:t>
+            </a:r>
+          </a:p>
+        </p:txBody>
+      </p:sp>
+      <p:sp>
+        <p:nvSpPr>
+          <p:cNvPr id="8" name="Rounded Rectangle 7"/>
+          <p:cNvSpPr/>
+          <p:nvPr/>
+        </p:nvSpPr>
+        <p:spPr>
+          <a:xfrm>
+            <a:off x="9838" y="0"/>
+            <a:ext cx="9134162" cy="5143500"/>
+          </a:xfrm>
+          <a:prstGeom prst="roundRect">
+            <a:avLst/>
+          </a:prstGeom>
+          <a:noFill/>
+          <a:ln>
+            <a:noFill/>
+          </a:ln>
+        </p:spPr>
+        <p:style>
+          <a:lnRef idx="2">
+            <a:schemeClr val="accent1">
+              <a:shade val="50000"/>
+            </a:schemeClr>
+          </a:lnRef>
+          <a:fillRef idx="1">
+            <a:schemeClr val="accent1"/>
+          </a:fillRef>
+          <a:effectRef idx="0">
+            <a:schemeClr val="accent1"/>
+          </a:effectRef>
+          <a:fontRef idx="minor">
+            <a:schemeClr val="lt1"/>
+          </a:fontRef>
+        </p:style>
+        <p:txBody>
+          <a:bodyPr rtlCol="0" anchor="ctr"/>
+          <a:lstStyle/>
+          <a:p>
+            <a:pPr algn="ctr"/>
+            <a:endParaRPr lang="en-US" sz="1013"/>
+          </a:p>
+        </p:txBody>
+      </p:sp>
+      <p:sp>
+        <p:nvSpPr>
+          <p:cNvPr id="9" name="Can 8"/>
+          <p:cNvSpPr/>
+          <p:nvPr/>
+        </p:nvSpPr>
+        <p:spPr>
+          <a:xfrm rot="5400000">
+            <a:off x="4129384" y="1419623"/>
+            <a:ext cx="717332" cy="2280285"/>
+          </a:xfrm>
+          <a:prstGeom prst="can">
+            <a:avLst/>
+          </a:prstGeom>
+          <a:effectLst>
+            <a:outerShdw blurRad="50800" dist="38100" dir="8100000" algn="tr" rotWithShape="0">
+              <a:prstClr val="black">
+                <a:alpha val="40000"/>
+              </a:prstClr>
+            </a:outerShdw>
+          </a:effectLst>
+        </p:spPr>
+        <p:style>
+          <a:lnRef idx="2">
+            <a:schemeClr val="accent1">
+              <a:shade val="50000"/>
+            </a:schemeClr>
+          </a:lnRef>
+          <a:fillRef idx="1">
+            <a:schemeClr val="accent1"/>
+          </a:fillRef>
+          <a:effectRef idx="0">
+            <a:schemeClr val="accent1"/>
+          </a:effectRef>
+          <a:fontRef idx="minor">
+            <a:schemeClr val="lt1"/>
+          </a:fontRef>
+        </p:style>
+        <p:txBody>
+          <a:bodyPr rtlCol="0" anchor="ctr"/>
+          <a:lstStyle/>
+          <a:p>
+            <a:pPr algn="ctr"/>
+            <a:endParaRPr lang="en-US" sz="1013"/>
+          </a:p>
+        </p:txBody>
+      </p:sp>
+      <p:sp>
+        <p:nvSpPr>
+          <p:cNvPr id="10" name="Rectangle 9"/>
+          <p:cNvSpPr/>
+          <p:nvPr/>
+        </p:nvSpPr>
+        <p:spPr>
+          <a:xfrm>
+            <a:off x="3700655" y="2213517"/>
+            <a:ext cx="1574790" cy="692497"/>
+          </a:xfrm>
+          <a:prstGeom prst="rect">
+            <a:avLst/>
+          </a:prstGeom>
+          <a:noFill/>
+        </p:spPr>
+        <p:txBody>
+          <a:bodyPr wrap="none" lIns="68580" tIns="34290" rIns="68580" bIns="34290">
+            <a:spAutoFit/>
+          </a:bodyPr>
+          <a:lstStyle/>
+          <a:p>
+            <a:pPr algn="ctr"/>
+            <a:r>
+              <a:rPr lang="en-US" sz="4050" b="1" dirty="0">
+                <a:ln w="12700">
+                  <a:solidFill>
+                    <a:schemeClr val="accent3">
+                      <a:lumMod val="50000"/>
+                    </a:schemeClr>
+                  </a:solidFill>
+                  <a:prstDash val="solid"/>
+                </a:ln>
+                <a:pattFill prst="narHorz">
+                  <a:fgClr>
+                    <a:schemeClr val="accent3"/>
+                  </a:fgClr>
+                  <a:bgClr>
+                    <a:schemeClr val="accent3">
+                      <a:lumMod val="40000"/>
+                      <a:lumOff val="60000"/>
+                    </a:schemeClr>
+                  </a:bgClr>
+                </a:pattFill>
+                <a:effectLst>
+                  <a:innerShdw blurRad="177800">
+                    <a:schemeClr val="accent3">
+                      <a:lumMod val="50000"/>
+                    </a:schemeClr>
+                  </a:innerShdw>
+                </a:effectLst>
+              </a:rPr>
+              <a:t>Queue</a:t>
+            </a:r>
+            <a:endParaRPr lang="en-US" sz="4050" b="1" dirty="0">
+              <a:ln w="10160">
+                <a:solidFill>
+                  <a:schemeClr val="accent5"/>
+                </a:solidFill>
+                <a:prstDash val="solid"/>
+              </a:ln>
+              <a:solidFill>
+                <a:srgbClr val="FFFFFF"/>
+              </a:solidFill>
+              <a:effectLst>
+                <a:outerShdw blurRad="38100" dist="22860" dir="5400000" algn="tl" rotWithShape="0">
+                  <a:srgbClr val="000000">
+                    <a:alpha val="30000"/>
+                  </a:srgbClr>
+                </a:outerShdw>
+              </a:effectLst>
+            </a:endParaRPr>
+          </a:p>
+        </p:txBody>
+      </p:sp>
+      <p:sp>
+        <p:nvSpPr>
+          <p:cNvPr id="11" name="Rounded Rectangle 10"/>
+          <p:cNvSpPr/>
+          <p:nvPr/>
+        </p:nvSpPr>
+        <p:spPr>
+          <a:xfrm>
+            <a:off x="7164916" y="2079403"/>
+            <a:ext cx="1971628" cy="960728"/>
+          </a:xfrm>
+          <a:prstGeom prst="roundRect">
+            <a:avLst/>
+          </a:prstGeom>
+        </p:spPr>
+        <p:style>
+          <a:lnRef idx="0">
+            <a:schemeClr val="accent2"/>
+          </a:lnRef>
+          <a:fillRef idx="3">
+            <a:schemeClr val="accent2"/>
+          </a:fillRef>
+          <a:effectRef idx="3">
+            <a:schemeClr val="accent2"/>
+          </a:effectRef>
+          <a:fontRef idx="minor">
+            <a:schemeClr val="lt1"/>
+          </a:fontRef>
+        </p:style>
+        <p:txBody>
+          <a:bodyPr rtlCol="0" anchor="ctr"/>
+          <a:lstStyle/>
+          <a:p>
+            <a:pPr algn="ctr"/>
+            <a:endParaRPr lang="en-US" sz="1013" dirty="0"/>
+          </a:p>
+        </p:txBody>
+      </p:sp>
+      <p:sp>
+        <p:nvSpPr>
+          <p:cNvPr id="13" name="Rounded Rectangle 12"/>
+          <p:cNvSpPr/>
+          <p:nvPr/>
+        </p:nvSpPr>
+        <p:spPr>
+          <a:xfrm>
+            <a:off x="-4509" y="2079403"/>
+            <a:ext cx="1971628" cy="960728"/>
+          </a:xfrm>
+          <a:prstGeom prst="roundRect">
+            <a:avLst/>
+          </a:prstGeom>
+        </p:spPr>
+        <p:style>
+          <a:lnRef idx="0">
+            <a:schemeClr val="accent2"/>
+          </a:lnRef>
+          <a:fillRef idx="3">
+            <a:schemeClr val="accent2"/>
+          </a:fillRef>
+          <a:effectRef idx="3">
+            <a:schemeClr val="accent2"/>
+          </a:effectRef>
+          <a:fontRef idx="minor">
+            <a:schemeClr val="lt1"/>
+          </a:fontRef>
+        </p:style>
+        <p:txBody>
+          <a:bodyPr rtlCol="0" anchor="ctr"/>
+          <a:lstStyle/>
+          <a:p>
+            <a:pPr algn="ctr"/>
+            <a:endParaRPr lang="en-US" sz="1013" dirty="0"/>
+          </a:p>
+        </p:txBody>
+      </p:sp>
+      <p:sp>
+        <p:nvSpPr>
+          <p:cNvPr id="15" name="Rectangle 14"/>
+          <p:cNvSpPr/>
+          <p:nvPr/>
+        </p:nvSpPr>
+        <p:spPr>
+          <a:xfrm>
+            <a:off x="333659" y="2569821"/>
+            <a:ext cx="1295291" cy="438582"/>
+          </a:xfrm>
+          <a:prstGeom prst="rect">
+            <a:avLst/>
+          </a:prstGeom>
+          <a:noFill/>
+          <a:ln>
+            <a:noFill/>
+          </a:ln>
+          <a:effectLst>
+            <a:outerShdw blurRad="50800" dist="38100" dir="8100000" algn="tr" rotWithShape="0">
+              <a:prstClr val="black">
+                <a:alpha val="40000"/>
+              </a:prstClr>
+            </a:outerShdw>
+          </a:effectLst>
+        </p:spPr>
+        <p:txBody>
+          <a:bodyPr wrap="none" lIns="68580" tIns="34290" rIns="68580" bIns="34290">
+            <a:spAutoFit/>
+          </a:bodyPr>
+          <a:lstStyle/>
+          <a:p>
+            <a:pPr algn="ctr"/>
+            <a:r>
+              <a:rPr lang="en-US" sz="2400" b="1" dirty="0">
+                <a:ln w="12700" cmpd="sng">
+                  <a:solidFill>
+                    <a:schemeClr val="accent4"/>
+                  </a:solidFill>
+                  <a:prstDash val="solid"/>
+                </a:ln>
+                <a:gradFill>
+                  <a:gsLst>
+                    <a:gs pos="0">
+                      <a:schemeClr val="accent4"/>
+                    </a:gs>
+                    <a:gs pos="4000">
+                      <a:schemeClr val="accent4">
+                        <a:lumMod val="60000"/>
+                        <a:lumOff val="40000"/>
+                      </a:schemeClr>
+                    </a:gs>
+                    <a:gs pos="87000">
+                      <a:schemeClr val="accent4">
+                        <a:lumMod val="20000"/>
+                        <a:lumOff val="80000"/>
+                      </a:schemeClr>
+                    </a:gs>
+                  </a:gsLst>
+                  <a:lin ang="5400000"/>
+                </a:gradFill>
+              </a:rPr>
+              <a:t>Producer</a:t>
+            </a:r>
+          </a:p>
+        </p:txBody>
+      </p:sp>
+      <p:sp>
+        <p:nvSpPr>
+          <p:cNvPr id="16" name="Rectangle 15"/>
+          <p:cNvSpPr/>
+          <p:nvPr/>
+        </p:nvSpPr>
+        <p:spPr>
+          <a:xfrm>
+            <a:off x="7433067" y="2583967"/>
+            <a:ext cx="1435328" cy="438582"/>
+          </a:xfrm>
+          <a:prstGeom prst="rect">
+            <a:avLst/>
+          </a:prstGeom>
+          <a:noFill/>
+          <a:ln>
+            <a:noFill/>
+          </a:ln>
+          <a:effectLst>
+            <a:outerShdw blurRad="50800" dist="38100" dir="8100000" algn="tr" rotWithShape="0">
+              <a:prstClr val="black">
+                <a:alpha val="40000"/>
+              </a:prstClr>
+            </a:outerShdw>
+          </a:effectLst>
+        </p:spPr>
+        <p:txBody>
+          <a:bodyPr wrap="none" lIns="68580" tIns="34290" rIns="68580" bIns="34290">
+            <a:spAutoFit/>
+          </a:bodyPr>
+          <a:lstStyle/>
+          <a:p>
+            <a:pPr algn="ctr"/>
+            <a:r>
+              <a:rPr lang="en-US" sz="2400" b="1" dirty="0" smtClean="0">
+                <a:ln w="12700" cmpd="sng">
+                  <a:solidFill>
+                    <a:schemeClr val="accent4"/>
+                  </a:solidFill>
+                  <a:prstDash val="solid"/>
+                </a:ln>
+                <a:gradFill>
+                  <a:gsLst>
+                    <a:gs pos="0">
+                      <a:schemeClr val="accent4"/>
+                    </a:gs>
+                    <a:gs pos="4000">
+                      <a:schemeClr val="accent4">
+                        <a:lumMod val="60000"/>
+                        <a:lumOff val="40000"/>
+                      </a:schemeClr>
+                    </a:gs>
+                    <a:gs pos="87000">
+                      <a:schemeClr val="accent4">
+                        <a:lumMod val="20000"/>
+                        <a:lumOff val="80000"/>
+                      </a:schemeClr>
+                    </a:gs>
+                  </a:gsLst>
+                  <a:lin ang="5400000"/>
+                </a:gradFill>
+              </a:rPr>
+              <a:t>Consumer</a:t>
+            </a:r>
+            <a:endParaRPr lang="en-US" sz="2400" b="1" dirty="0">
+              <a:ln w="12700" cmpd="sng">
+                <a:solidFill>
+                  <a:schemeClr val="accent4"/>
+                </a:solidFill>
+                <a:prstDash val="solid"/>
+              </a:ln>
+              <a:gradFill>
+                <a:gsLst>
+                  <a:gs pos="0">
+                    <a:schemeClr val="accent4"/>
+                  </a:gs>
+                  <a:gs pos="4000">
+                    <a:schemeClr val="accent4">
+                      <a:lumMod val="60000"/>
+                      <a:lumOff val="40000"/>
+                    </a:schemeClr>
+                  </a:gs>
+                  <a:gs pos="87000">
+                    <a:schemeClr val="accent4">
+                      <a:lumMod val="20000"/>
+                      <a:lumOff val="80000"/>
+                    </a:schemeClr>
+                  </a:gs>
+                </a:gsLst>
+                <a:lin ang="5400000"/>
+              </a:gradFill>
+            </a:endParaRPr>
+          </a:p>
+        </p:txBody>
+      </p:sp>
+      <p:sp>
+        <p:nvSpPr>
+          <p:cNvPr id="19" name="Rectangle 18"/>
+          <p:cNvSpPr/>
+          <p:nvPr/>
+        </p:nvSpPr>
+        <p:spPr>
+          <a:xfrm>
+            <a:off x="3872573" y="1706086"/>
+            <a:ext cx="1129413" cy="500137"/>
+          </a:xfrm>
+          <a:prstGeom prst="rect">
+            <a:avLst/>
+          </a:prstGeom>
+          <a:noFill/>
+          <a:ln>
+            <a:noFill/>
+          </a:ln>
+        </p:spPr>
+        <p:txBody>
+          <a:bodyPr wrap="none" lIns="68580" tIns="34290" rIns="68580" bIns="34290">
+            <a:spAutoFit/>
+          </a:bodyPr>
+          <a:lstStyle/>
+          <a:p>
+            <a:pPr algn="ctr"/>
+            <a:r>
+              <a:rPr lang="en-US" sz="2800" b="1" dirty="0">
+                <a:ln/>
+                <a:pattFill prst="dkUpDiag">
+                  <a:fgClr>
+                    <a:schemeClr val="bg1">
+                      <a:lumMod val="50000"/>
+                    </a:schemeClr>
+                  </a:fgClr>
+                  <a:bgClr>
+                    <a:schemeClr val="tx1">
+                      <a:lumMod val="75000"/>
+                      <a:lumOff val="25000"/>
+                    </a:schemeClr>
+                  </a:bgClr>
+                </a:pattFill>
+                <a:effectLst>
+                  <a:outerShdw blurRad="38100" dist="19050" dir="2700000" algn="tl" rotWithShape="0">
+                    <a:schemeClr val="dk1">
+                      <a:lumMod val="50000"/>
+                      <a:alpha val="40000"/>
+                    </a:schemeClr>
+                  </a:outerShdw>
+                </a:effectLst>
+              </a:rPr>
+              <a:t>Broker</a:t>
+            </a:r>
+            <a:endParaRPr lang="en-US" sz="2800" b="1" dirty="0">
+              <a:ln w="10160">
+                <a:solidFill>
+                  <a:schemeClr val="accent2"/>
+                </a:solidFill>
+                <a:prstDash val="solid"/>
+              </a:ln>
+              <a:solidFill>
+                <a:srgbClr val="FFFFFF"/>
+              </a:solidFill>
+              <a:effectLst>
+                <a:outerShdw blurRad="38100" dist="22860" dir="5400000" algn="tl" rotWithShape="0">
+                  <a:srgbClr val="000000">
+                    <a:alpha val="30000"/>
+                  </a:srgbClr>
+                </a:outerShdw>
+              </a:effectLst>
+            </a:endParaRPr>
+          </a:p>
+        </p:txBody>
+      </p:sp>
+      <p:sp>
+        <p:nvSpPr>
+          <p:cNvPr id="2" name="Rectangle 1"/>
+          <p:cNvSpPr/>
+          <p:nvPr/>
+        </p:nvSpPr>
+        <p:spPr>
+          <a:xfrm>
+            <a:off x="-4509" y="4708"/>
+            <a:ext cx="3343800" cy="1015663"/>
+          </a:xfrm>
+          <a:prstGeom prst="rect">
+            <a:avLst/>
+          </a:prstGeom>
+          <a:noFill/>
+        </p:spPr>
+        <p:txBody>
+          <a:bodyPr wrap="none" lIns="91440" tIns="45720" rIns="91440" bIns="45720">
+            <a:spAutoFit/>
+          </a:bodyPr>
+          <a:lstStyle/>
+          <a:p>
+            <a:pPr algn="ctr"/>
+            <a:r>
+              <a:rPr lang="en-US" sz="6000" b="1" dirty="0" smtClean="0">
+                <a:ln/>
+                <a:pattFill prst="dkUpDiag">
+                  <a:fgClr>
+                    <a:schemeClr val="bg1">
+                      <a:lumMod val="50000"/>
+                    </a:schemeClr>
+                  </a:fgClr>
+                  <a:bgClr>
+                    <a:schemeClr val="tx1">
+                      <a:lumMod val="75000"/>
+                      <a:lumOff val="25000"/>
+                    </a:schemeClr>
+                  </a:bgClr>
+                </a:pattFill>
+                <a:effectLst>
+                  <a:outerShdw blurRad="38100" dist="19050" dir="2700000" algn="tl" rotWithShape="0">
+                    <a:schemeClr val="dk1">
+                      <a:lumMod val="50000"/>
+                      <a:alpha val="40000"/>
+                    </a:schemeClr>
+                  </a:outerShdw>
+                </a:effectLst>
+              </a:rPr>
+              <a:t>Persistent</a:t>
+            </a:r>
+            <a:endParaRPr lang="en-US" sz="6000" b="1" dirty="0">
+              <a:ln/>
+              <a:pattFill prst="dkUpDiag">
+                <a:fgClr>
+                  <a:schemeClr val="bg1">
+                    <a:lumMod val="50000"/>
+                  </a:schemeClr>
+                </a:fgClr>
+                <a:bgClr>
+                  <a:schemeClr val="tx1">
+                    <a:lumMod val="75000"/>
+                    <a:lumOff val="25000"/>
+                  </a:schemeClr>
+                </a:bgClr>
+              </a:pattFill>
+              <a:effectLst>
+                <a:outerShdw blurRad="38100" dist="19050" dir="2700000" algn="tl" rotWithShape="0">
+                  <a:schemeClr val="dk1">
+                    <a:lumMod val="50000"/>
+                    <a:alpha val="40000"/>
+                  </a:schemeClr>
+                </a:outerShdw>
+              </a:effectLst>
+            </a:endParaRPr>
+          </a:p>
+        </p:txBody>
+      </p:sp>
+      <p:cxnSp>
+        <p:nvCxnSpPr>
+          <p:cNvPr id="4" name="Straight Arrow Connector 3"/>
+          <p:cNvCxnSpPr>
+            <a:stCxn id="13" idx="3"/>
+            <a:endCxn id="9" idx="3"/>
+          </p:cNvCxnSpPr>
+          <p:nvPr/>
+        </p:nvCxnSpPr>
+        <p:spPr>
+          <a:xfrm flipV="1">
+            <a:off x="1967119" y="2559766"/>
+            <a:ext cx="1380789" cy="1"/>
+          </a:xfrm>
+          <a:prstGeom prst="straightConnector1">
+            <a:avLst/>
+          </a:prstGeom>
+          <a:ln w="28575">
+            <a:prstDash val="sysDot"/>
+            <a:headEnd type="none" w="med" len="med"/>
+            <a:tailEnd type="triangle" w="lg" len="lg"/>
+          </a:ln>
+        </p:spPr>
+        <p:style>
+          <a:lnRef idx="1">
+            <a:schemeClr val="accent2"/>
+          </a:lnRef>
+          <a:fillRef idx="0">
+            <a:schemeClr val="accent2"/>
+          </a:fillRef>
+          <a:effectRef idx="0">
+            <a:schemeClr val="accent2"/>
+          </a:effectRef>
+          <a:fontRef idx="minor">
+            <a:schemeClr val="tx1"/>
+          </a:fontRef>
+        </p:style>
+      </p:cxnSp>
+      <p:cxnSp>
+        <p:nvCxnSpPr>
+          <p:cNvPr id="20" name="Straight Arrow Connector 19"/>
+          <p:cNvCxnSpPr/>
+          <p:nvPr/>
+        </p:nvCxnSpPr>
+        <p:spPr>
+          <a:xfrm flipV="1">
+            <a:off x="5628193" y="2559766"/>
+            <a:ext cx="1536723" cy="1"/>
+          </a:xfrm>
+          <a:prstGeom prst="straightConnector1">
+            <a:avLst/>
+          </a:prstGeom>
+          <a:ln w="28575">
+            <a:prstDash val="sysDot"/>
+            <a:headEnd type="none" w="med" len="med"/>
+            <a:tailEnd type="triangle" w="lg" len="lg"/>
+          </a:ln>
+        </p:spPr>
+        <p:style>
+          <a:lnRef idx="1">
+            <a:schemeClr val="accent2"/>
+          </a:lnRef>
+          <a:fillRef idx="0">
+            <a:schemeClr val="accent2"/>
+          </a:fillRef>
+          <a:effectRef idx="0">
+            <a:schemeClr val="accent2"/>
+          </a:effectRef>
+          <a:fontRef idx="minor">
+            <a:schemeClr val="tx1"/>
+          </a:fontRef>
+        </p:style>
+      </p:cxnSp>
+      <p:sp>
+        <p:nvSpPr>
+          <p:cNvPr id="22" name="Oval 21"/>
+          <p:cNvSpPr/>
+          <p:nvPr/>
+        </p:nvSpPr>
+        <p:spPr>
+          <a:xfrm>
+            <a:off x="2482075" y="2384327"/>
+            <a:ext cx="350875" cy="350875"/>
+          </a:xfrm>
+          <a:prstGeom prst="ellipse">
+            <a:avLst/>
+          </a:prstGeom>
+          <a:solidFill>
+            <a:srgbClr val="FF0000"/>
+          </a:solidFill>
+          <a:effectLst>
+            <a:outerShdw blurRad="50800" dist="38100" dir="8100000" algn="tr" rotWithShape="0">
+              <a:prstClr val="black">
+                <a:alpha val="40000"/>
+              </a:prstClr>
+            </a:outerShdw>
+          </a:effectLst>
+        </p:spPr>
+        <p:style>
+          <a:lnRef idx="2">
+            <a:schemeClr val="accent2">
+              <a:shade val="50000"/>
+            </a:schemeClr>
+          </a:lnRef>
+          <a:fillRef idx="1">
+            <a:schemeClr val="accent2"/>
+          </a:fillRef>
+          <a:effectRef idx="0">
+            <a:schemeClr val="accent2"/>
+          </a:effectRef>
+          <a:fontRef idx="minor">
+            <a:schemeClr val="lt1"/>
+          </a:fontRef>
+        </p:style>
+        <p:txBody>
+          <a:bodyPr rtlCol="0" anchor="ctr"/>
+          <a:lstStyle/>
+          <a:p>
+            <a:pPr algn="ctr"/>
+            <a:r>
+              <a:rPr lang="en-US" smtClean="0"/>
+              <a:t>1</a:t>
+            </a:r>
+            <a:endParaRPr lang="en-US" dirty="0"/>
+          </a:p>
+        </p:txBody>
+      </p:sp>
+      <p:sp>
+        <p:nvSpPr>
+          <p:cNvPr id="23" name="Oval 22"/>
+          <p:cNvSpPr/>
+          <p:nvPr/>
+        </p:nvSpPr>
+        <p:spPr>
+          <a:xfrm>
+            <a:off x="6250232" y="2385330"/>
+            <a:ext cx="350875" cy="350875"/>
+          </a:xfrm>
+          <a:prstGeom prst="ellipse">
+            <a:avLst/>
+          </a:prstGeom>
+          <a:solidFill>
+            <a:srgbClr val="FF0000"/>
+          </a:solidFill>
+          <a:effectLst>
+            <a:outerShdw blurRad="50800" dist="38100" dir="8100000" algn="tr" rotWithShape="0">
+              <a:prstClr val="black">
+                <a:alpha val="40000"/>
+              </a:prstClr>
+            </a:outerShdw>
+          </a:effectLst>
+        </p:spPr>
+        <p:style>
+          <a:lnRef idx="2">
+            <a:schemeClr val="accent2">
+              <a:shade val="50000"/>
+            </a:schemeClr>
+          </a:lnRef>
+          <a:fillRef idx="1">
+            <a:schemeClr val="accent2"/>
+          </a:fillRef>
+          <a:effectRef idx="0">
+            <a:schemeClr val="accent2"/>
+          </a:effectRef>
+          <a:fontRef idx="minor">
+            <a:schemeClr val="lt1"/>
+          </a:fontRef>
+        </p:style>
+        <p:txBody>
+          <a:bodyPr rtlCol="0" anchor="ctr"/>
+          <a:lstStyle/>
+          <a:p>
+            <a:pPr algn="ctr"/>
+            <a:r>
+              <a:rPr lang="en-US" dirty="0"/>
+              <a:t>4</a:t>
+            </a:r>
+          </a:p>
+        </p:txBody>
+      </p:sp>
+      <p:sp>
+        <p:nvSpPr>
+          <p:cNvPr id="17" name="Rounded Rectangle 16"/>
+          <p:cNvSpPr/>
+          <p:nvPr/>
+        </p:nvSpPr>
+        <p:spPr>
+          <a:xfrm>
+            <a:off x="3282588" y="4117384"/>
+            <a:ext cx="2396745" cy="1031377"/>
+          </a:xfrm>
+          <a:prstGeom prst="roundRect">
+            <a:avLst/>
+          </a:prstGeom>
+          <a:solidFill>
+            <a:schemeClr val="accent3">
+              <a:alpha val="50000"/>
+            </a:schemeClr>
+          </a:solidFill>
+          <a:ln>
+            <a:noFill/>
+          </a:ln>
+        </p:spPr>
+        <p:style>
+          <a:lnRef idx="0">
+            <a:scrgbClr r="0" g="0" b="0"/>
+          </a:lnRef>
+          <a:fillRef idx="0">
+            <a:scrgbClr r="0" g="0" b="0"/>
+          </a:fillRef>
+          <a:effectRef idx="0">
+            <a:scrgbClr r="0" g="0" b="0"/>
+          </a:effectRef>
+          <a:fontRef idx="minor">
+            <a:schemeClr val="lt1"/>
+          </a:fontRef>
+        </p:style>
+        <p:txBody>
+          <a:bodyPr rtlCol="0" anchor="ctr"/>
+          <a:lstStyle/>
+          <a:p>
+            <a:pPr algn="ctr"/>
+            <a:endParaRPr lang="en-US" sz="1013" dirty="0"/>
+          </a:p>
+        </p:txBody>
+      </p:sp>
+      <p:sp>
+        <p:nvSpPr>
+          <p:cNvPr id="18" name="Rectangle 17"/>
+          <p:cNvSpPr/>
+          <p:nvPr/>
+        </p:nvSpPr>
+        <p:spPr>
+          <a:xfrm>
+            <a:off x="3681130" y="4212476"/>
+            <a:ext cx="1613840" cy="931024"/>
+          </a:xfrm>
+          <a:prstGeom prst="rect">
+            <a:avLst/>
+          </a:prstGeom>
+          <a:noFill/>
+          <a:ln>
+            <a:noFill/>
+          </a:ln>
+        </p:spPr>
+        <p:txBody>
+          <a:bodyPr wrap="none" lIns="68580" tIns="34290" rIns="68580" bIns="34290">
+            <a:spAutoFit/>
+          </a:bodyPr>
+          <a:lstStyle/>
+          <a:p>
+            <a:pPr algn="ctr"/>
+            <a:r>
+              <a:rPr lang="en-US" sz="2800" b="1" dirty="0" smtClean="0">
+                <a:ln/>
+                <a:pattFill prst="dkUpDiag">
+                  <a:fgClr>
+                    <a:schemeClr val="bg1">
+                      <a:lumMod val="50000"/>
+                    </a:schemeClr>
+                  </a:fgClr>
+                  <a:bgClr>
+                    <a:schemeClr val="tx1">
+                      <a:lumMod val="75000"/>
+                      <a:lumOff val="25000"/>
+                    </a:schemeClr>
+                  </a:bgClr>
+                </a:pattFill>
+                <a:effectLst>
+                  <a:outerShdw blurRad="38100" dist="19050" dir="2700000" algn="tl" rotWithShape="0">
+                    <a:schemeClr val="dk1">
+                      <a:lumMod val="50000"/>
+                      <a:alpha val="40000"/>
+                    </a:schemeClr>
+                  </a:outerShdw>
+                </a:effectLst>
+              </a:rPr>
+              <a:t>Persistent</a:t>
+            </a:r>
+            <a:br>
+              <a:rPr lang="en-US" sz="2800" b="1" dirty="0" smtClean="0">
+                <a:ln/>
+                <a:pattFill prst="dkUpDiag">
+                  <a:fgClr>
+                    <a:schemeClr val="bg1">
+                      <a:lumMod val="50000"/>
+                    </a:schemeClr>
+                  </a:fgClr>
+                  <a:bgClr>
+                    <a:schemeClr val="tx1">
+                      <a:lumMod val="75000"/>
+                      <a:lumOff val="25000"/>
+                    </a:schemeClr>
+                  </a:bgClr>
+                </a:pattFill>
+                <a:effectLst>
+                  <a:outerShdw blurRad="38100" dist="19050" dir="2700000" algn="tl" rotWithShape="0">
+                    <a:schemeClr val="dk1">
+                      <a:lumMod val="50000"/>
+                      <a:alpha val="40000"/>
+                    </a:schemeClr>
+                  </a:outerShdw>
+                </a:effectLst>
+              </a:rPr>
+            </a:br>
+            <a:r>
+              <a:rPr lang="en-US" sz="2800" b="1" dirty="0" smtClean="0">
+                <a:ln/>
+                <a:pattFill prst="dkUpDiag">
+                  <a:fgClr>
+                    <a:schemeClr val="bg1">
+                      <a:lumMod val="50000"/>
+                    </a:schemeClr>
+                  </a:fgClr>
+                  <a:bgClr>
+                    <a:schemeClr val="tx1">
+                      <a:lumMod val="75000"/>
+                      <a:lumOff val="25000"/>
+                    </a:schemeClr>
+                  </a:bgClr>
+                </a:pattFill>
+                <a:effectLst>
+                  <a:outerShdw blurRad="38100" dist="19050" dir="2700000" algn="tl" rotWithShape="0">
+                    <a:schemeClr val="dk1">
+                      <a:lumMod val="50000"/>
+                      <a:alpha val="40000"/>
+                    </a:schemeClr>
+                  </a:outerShdw>
+                </a:effectLst>
+              </a:rPr>
+              <a:t>Store</a:t>
+            </a:r>
+            <a:endParaRPr lang="en-US" sz="2800" b="1" dirty="0">
+              <a:ln w="10160">
+                <a:solidFill>
+                  <a:schemeClr val="accent2"/>
+                </a:solidFill>
+                <a:prstDash val="solid"/>
+              </a:ln>
+              <a:solidFill>
+                <a:srgbClr val="FFFFFF"/>
+              </a:solidFill>
+              <a:effectLst>
+                <a:outerShdw blurRad="38100" dist="22860" dir="5400000" algn="tl" rotWithShape="0">
+                  <a:srgbClr val="000000">
+                    <a:alpha val="30000"/>
+                  </a:srgbClr>
+                </a:outerShdw>
+              </a:effectLst>
+            </a:endParaRPr>
+          </a:p>
+        </p:txBody>
+      </p:sp>
+      <p:cxnSp>
+        <p:nvCxnSpPr>
+          <p:cNvPr id="21" name="Straight Arrow Connector 20"/>
+          <p:cNvCxnSpPr/>
+          <p:nvPr/>
+        </p:nvCxnSpPr>
+        <p:spPr>
+          <a:xfrm>
+            <a:off x="3872573" y="2918432"/>
+            <a:ext cx="0" cy="1198952"/>
+          </a:xfrm>
+          <a:prstGeom prst="straightConnector1">
+            <a:avLst/>
+          </a:prstGeom>
+          <a:ln w="28575">
+            <a:prstDash val="sysDot"/>
+            <a:headEnd type="none" w="med" len="med"/>
+            <a:tailEnd type="triangle" w="lg" len="lg"/>
+          </a:ln>
+        </p:spPr>
+        <p:style>
+          <a:lnRef idx="1">
+            <a:schemeClr val="accent2"/>
+          </a:lnRef>
+          <a:fillRef idx="0">
+            <a:schemeClr val="accent2"/>
+          </a:fillRef>
+          <a:effectRef idx="0">
+            <a:schemeClr val="accent2"/>
+          </a:effectRef>
+          <a:fontRef idx="minor">
+            <a:schemeClr val="tx1"/>
+          </a:fontRef>
+        </p:style>
+      </p:cxnSp>
+      <p:cxnSp>
+        <p:nvCxnSpPr>
+          <p:cNvPr id="24" name="Straight Arrow Connector 23"/>
+          <p:cNvCxnSpPr/>
+          <p:nvPr/>
+        </p:nvCxnSpPr>
+        <p:spPr>
+          <a:xfrm flipH="1" flipV="1">
+            <a:off x="5045701" y="2925518"/>
+            <a:ext cx="4826" cy="1184781"/>
+          </a:xfrm>
+          <a:prstGeom prst="straightConnector1">
+            <a:avLst/>
+          </a:prstGeom>
+          <a:ln w="28575">
+            <a:prstDash val="sysDot"/>
+            <a:headEnd type="none" w="med" len="med"/>
+            <a:tailEnd type="triangle" w="lg" len="lg"/>
+          </a:ln>
+        </p:spPr>
+        <p:style>
+          <a:lnRef idx="1">
+            <a:schemeClr val="accent2"/>
+          </a:lnRef>
+          <a:fillRef idx="0">
+            <a:schemeClr val="accent2"/>
+          </a:fillRef>
+          <a:effectRef idx="0">
+            <a:schemeClr val="accent2"/>
+          </a:effectRef>
+          <a:fontRef idx="minor">
+            <a:schemeClr val="tx1"/>
+          </a:fontRef>
+        </p:style>
+      </p:cxnSp>
+      <p:sp>
+        <p:nvSpPr>
+          <p:cNvPr id="25" name="Oval 24"/>
+          <p:cNvSpPr/>
+          <p:nvPr/>
+        </p:nvSpPr>
+        <p:spPr>
+          <a:xfrm>
+            <a:off x="3691323" y="3342471"/>
+            <a:ext cx="350875" cy="350875"/>
+          </a:xfrm>
+          <a:prstGeom prst="ellipse">
+            <a:avLst/>
+          </a:prstGeom>
+          <a:solidFill>
+            <a:srgbClr val="FF0000"/>
+          </a:solidFill>
+          <a:effectLst>
+            <a:outerShdw blurRad="50800" dist="38100" dir="8100000" algn="tr" rotWithShape="0">
+              <a:prstClr val="black">
+                <a:alpha val="40000"/>
+              </a:prstClr>
+            </a:outerShdw>
+          </a:effectLst>
+        </p:spPr>
+        <p:style>
+          <a:lnRef idx="2">
+            <a:schemeClr val="accent2">
+              <a:shade val="50000"/>
+            </a:schemeClr>
+          </a:lnRef>
+          <a:fillRef idx="1">
+            <a:schemeClr val="accent2"/>
+          </a:fillRef>
+          <a:effectRef idx="0">
+            <a:schemeClr val="accent2"/>
+          </a:effectRef>
+          <a:fontRef idx="minor">
+            <a:schemeClr val="lt1"/>
+          </a:fontRef>
+        </p:style>
+        <p:txBody>
+          <a:bodyPr rtlCol="0" anchor="ctr"/>
+          <a:lstStyle/>
+          <a:p>
+            <a:pPr algn="ctr"/>
+            <a:r>
+              <a:rPr lang="en-US" dirty="0"/>
+              <a:t>2</a:t>
+            </a:r>
+          </a:p>
+        </p:txBody>
+      </p:sp>
+      <p:sp>
+        <p:nvSpPr>
+          <p:cNvPr id="26" name="Oval 25"/>
+          <p:cNvSpPr/>
+          <p:nvPr/>
+        </p:nvSpPr>
+        <p:spPr>
+          <a:xfrm>
+            <a:off x="4875090" y="3342471"/>
+            <a:ext cx="350875" cy="350875"/>
+          </a:xfrm>
+          <a:prstGeom prst="ellipse">
+            <a:avLst/>
+          </a:prstGeom>
+          <a:solidFill>
+            <a:srgbClr val="FF0000"/>
+          </a:solidFill>
+          <a:effectLst>
+            <a:outerShdw blurRad="50800" dist="38100" dir="8100000" algn="tr" rotWithShape="0">
+              <a:prstClr val="black">
+                <a:alpha val="40000"/>
+              </a:prstClr>
+            </a:outerShdw>
+          </a:effectLst>
+        </p:spPr>
+        <p:style>
+          <a:lnRef idx="2">
+            <a:schemeClr val="accent2">
+              <a:shade val="50000"/>
+            </a:schemeClr>
+          </a:lnRef>
+          <a:fillRef idx="1">
+            <a:schemeClr val="accent2"/>
+          </a:fillRef>
+          <a:effectRef idx="0">
+            <a:schemeClr val="accent2"/>
+          </a:effectRef>
+          <a:fontRef idx="minor">
+            <a:schemeClr val="lt1"/>
+          </a:fontRef>
+        </p:style>
+        <p:txBody>
+          <a:bodyPr rtlCol="0" anchor="ctr"/>
+          <a:lstStyle/>
+          <a:p>
+            <a:pPr algn="ctr"/>
+            <a:r>
+              <a:rPr lang="en-US" dirty="0"/>
+              <a:t>3</a:t>
+            </a:r>
+          </a:p>
+        </p:txBody>
+      </p:sp>
+    </p:spTree>
+    <p:extLst>
+      <p:ext uri="{BB962C8B-B14F-4D97-AF65-F5344CB8AC3E}">
+        <p14:creationId xmlns:p14="http://schemas.microsoft.com/office/powerpoint/2010/main" val="2482727732"/>
+      </p:ext>
+    </p:extLst>
+  </p:cSld>
+  <p:clrMapOvr>
+    <a:masterClrMapping/>
+  </p:clrMapOvr>
+  <p:timing>
+    <p:tnLst>
+      <p:par>
+        <p:cTn id="1" dur="indefinite" restart="never" nodeType="tmRoot"/>
+      </p:par>
+    </p:tnLst>
+  </p:timing>
+</p:sld>
+</file>
+
+<file path=ppt/slides/slide7.xml><?xml version="1.0" encoding="utf-8"?>
+<p:sld xmlns:a="http://schemas.openxmlformats.org/drawingml/2006/main" xmlns:r="http://schemas.openxmlformats.org/officeDocument/2006/relationships" xmlns:p="http://schemas.openxmlformats.org/presentationml/2006/main">
+  <p:cSld>
+    <p:bg>
+      <p:bgPr>
+        <a:solidFill>
+          <a:schemeClr val="bg1">
+            <a:alpha val="0"/>
+          </a:schemeClr>
+        </a:solidFill>
+        <a:effectLst/>
+      </p:bgPr>
+    </p:bg>
+    <p:spTree>
+      <p:nvGrpSpPr>
+        <p:cNvPr id="1" name=""/>
+        <p:cNvGrpSpPr/>
+        <p:nvPr/>
+      </p:nvGrpSpPr>
+      <p:grpSpPr>
+        <a:xfrm>
+          <a:off x="0" y="0"/>
+          <a:ext cx="0" cy="0"/>
+          <a:chOff x="0" y="0"/>
+          <a:chExt cx="0" cy="0"/>
+        </a:xfrm>
+      </p:grpSpPr>
+      <p:sp>
+        <p:nvSpPr>
+          <p:cNvPr id="8" name="Rounded Rectangle 7"/>
+          <p:cNvSpPr/>
+          <p:nvPr/>
+        </p:nvSpPr>
+        <p:spPr>
+          <a:xfrm>
+            <a:off x="9838" y="0"/>
+            <a:ext cx="9134162" cy="5143500"/>
+          </a:xfrm>
+          <a:prstGeom prst="roundRect">
+            <a:avLst/>
+          </a:prstGeom>
+          <a:noFill/>
+          <a:ln>
+            <a:noFill/>
+          </a:ln>
+        </p:spPr>
+        <p:style>
+          <a:lnRef idx="2">
+            <a:schemeClr val="accent1">
+              <a:shade val="50000"/>
+            </a:schemeClr>
+          </a:lnRef>
+          <a:fillRef idx="1">
+            <a:schemeClr val="accent1"/>
+          </a:fillRef>
+          <a:effectRef idx="0">
+            <a:schemeClr val="accent1"/>
+          </a:effectRef>
+          <a:fontRef idx="minor">
+            <a:schemeClr val="lt1"/>
+          </a:fontRef>
+        </p:style>
+        <p:txBody>
+          <a:bodyPr rtlCol="0" anchor="ctr"/>
+          <a:lstStyle/>
+          <a:p>
+            <a:pPr algn="ctr"/>
+            <a:endParaRPr lang="en-US" sz="1013"/>
+          </a:p>
+        </p:txBody>
+      </p:sp>
+      <p:sp>
+        <p:nvSpPr>
+          <p:cNvPr id="2" name="Rectangle 1"/>
+          <p:cNvSpPr/>
+          <p:nvPr/>
+        </p:nvSpPr>
+        <p:spPr>
+          <a:xfrm>
+            <a:off x="3295959" y="-425133"/>
+            <a:ext cx="2561920" cy="6247864"/>
+          </a:xfrm>
+          <a:prstGeom prst="rect">
+            <a:avLst/>
+          </a:prstGeom>
+          <a:noFill/>
+        </p:spPr>
+        <p:txBody>
+          <a:bodyPr wrap="none" lIns="91440" tIns="45720" rIns="91440" bIns="45720">
+            <a:spAutoFit/>
+          </a:bodyPr>
+          <a:lstStyle/>
+          <a:p>
+            <a:pPr algn="ctr"/>
+            <a:r>
+              <a:rPr lang="en-US" sz="40000" b="1" dirty="0" smtClean="0">
+                <a:ln/>
+                <a:pattFill prst="dkUpDiag">
+                  <a:fgClr>
+                    <a:schemeClr val="bg1">
+                      <a:lumMod val="50000"/>
+                    </a:schemeClr>
+                  </a:fgClr>
+                  <a:bgClr>
+                    <a:schemeClr val="tx1">
+                      <a:lumMod val="75000"/>
+                      <a:lumOff val="25000"/>
+                    </a:schemeClr>
+                  </a:bgClr>
+                </a:pattFill>
+                <a:effectLst>
+                  <a:outerShdw blurRad="38100" dist="19050" dir="2700000" algn="tl" rotWithShape="0">
+                    <a:schemeClr val="dk1">
+                      <a:lumMod val="50000"/>
+                      <a:alpha val="40000"/>
+                    </a:schemeClr>
+                  </a:outerShdw>
+                </a:effectLst>
+              </a:rPr>
+              <a:t>?</a:t>
+            </a:r>
+            <a:endParaRPr lang="en-US" sz="40000" b="1" dirty="0">
+              <a:ln/>
+              <a:pattFill prst="dkUpDiag">
+                <a:fgClr>
+                  <a:schemeClr val="bg1">
+                    <a:lumMod val="50000"/>
+                  </a:schemeClr>
+                </a:fgClr>
+                <a:bgClr>
+                  <a:schemeClr val="tx1">
+                    <a:lumMod val="75000"/>
+                    <a:lumOff val="25000"/>
+                  </a:schemeClr>
+                </a:bgClr>
+              </a:pattFill>
+              <a:effectLst>
+                <a:outerShdw blurRad="38100" dist="19050" dir="2700000" algn="tl" rotWithShape="0">
+                  <a:schemeClr val="dk1">
+                    <a:lumMod val="50000"/>
+                    <a:alpha val="40000"/>
+                  </a:schemeClr>
+                </a:outerShdw>
+              </a:effectLst>
+            </a:endParaRPr>
+          </a:p>
+        </p:txBody>
+      </p:sp>
+    </p:spTree>
+    <p:extLst>
+      <p:ext uri="{BB962C8B-B14F-4D97-AF65-F5344CB8AC3E}">
+        <p14:creationId xmlns:p14="http://schemas.microsoft.com/office/powerpoint/2010/main" val="3724410020"/>
+      </p:ext>
+    </p:extLst>
+  </p:cSld>
+  <p:clrMapOvr>
+    <a:masterClrMapping/>
+  </p:clrMapOvr>
+  <p:timing>
+    <p:tnLst>
+      <p:par>
+        <p:cTn id="1" dur="indefinite" restart="never" nodeType="tmRoot"/>
+      </p:par>
+    </p:tnLst>
+  </p:timing>
+</p:sld>
+</file>
+
+<file path=ppt/slides/slide8.xml><?xml version="1.0" encoding="utf-8"?>
+<p:sld xmlns:a="http://schemas.openxmlformats.org/drawingml/2006/main" xmlns:r="http://schemas.openxmlformats.org/officeDocument/2006/relationships" xmlns:p="http://schemas.openxmlformats.org/presentationml/2006/main">
+  <p:cSld>
+    <p:bg>
+      <p:bgPr>
+        <a:solidFill>
+          <a:schemeClr val="bg1">
+            <a:alpha val="0"/>
+          </a:schemeClr>
+        </a:solidFill>
+        <a:effectLst/>
+      </p:bgPr>
+    </p:bg>
+    <p:spTree>
+      <p:nvGrpSpPr>
+        <p:cNvPr id="1" name=""/>
+        <p:cNvGrpSpPr/>
+        <p:nvPr/>
+      </p:nvGrpSpPr>
+      <p:grpSpPr>
+        <a:xfrm>
+          <a:off x="0" y="0"/>
+          <a:ext cx="0" cy="0"/>
+          <a:chOff x="0" y="0"/>
+          <a:chExt cx="0" cy="0"/>
+        </a:xfrm>
+      </p:grpSpPr>
+      <p:sp>
+        <p:nvSpPr>
+          <p:cNvPr id="5" name="Rounded Rectangle 4"/>
+          <p:cNvSpPr/>
+          <p:nvPr/>
+        </p:nvSpPr>
+        <p:spPr>
+          <a:xfrm>
+            <a:off x="9838" y="0"/>
+            <a:ext cx="9134162" cy="5143500"/>
+          </a:xfrm>
+          <a:prstGeom prst="roundRect">
+            <a:avLst/>
+          </a:prstGeom>
+          <a:noFill/>
+          <a:ln>
+            <a:noFill/>
+          </a:ln>
+        </p:spPr>
+        <p:style>
+          <a:lnRef idx="2">
+            <a:schemeClr val="accent1">
+              <a:shade val="50000"/>
+            </a:schemeClr>
+          </a:lnRef>
+          <a:fillRef idx="1">
+            <a:schemeClr val="accent1"/>
+          </a:fillRef>
+          <a:effectRef idx="0">
+            <a:schemeClr val="accent1"/>
+          </a:effectRef>
+          <a:fontRef idx="minor">
+            <a:schemeClr val="lt1"/>
+          </a:fontRef>
+        </p:style>
+        <p:txBody>
+          <a:bodyPr rtlCol="0" anchor="ctr"/>
+          <a:lstStyle/>
+          <a:p>
+            <a:pPr algn="ctr"/>
+            <a:endParaRPr lang="en-US" sz="1013"/>
+          </a:p>
+        </p:txBody>
+      </p:sp>
+      <p:sp>
+        <p:nvSpPr>
           <p:cNvPr id="4" name="Rounded Rectangle 3"/>
           <p:cNvSpPr/>
           <p:nvPr/>
         </p:nvSpPr>
         <p:spPr>
           <a:xfrm>
-            <a:off x="877548" y="1967785"/>
+            <a:off x="877548" y="1965463"/>
             <a:ext cx="1403132" cy="717332"/>
           </a:xfrm>
           <a:prstGeom prst="roundRect">
@@ -4860,7 +8917,7 @@
         </p:nvSpPr>
         <p:spPr>
           <a:xfrm>
-            <a:off x="6509335" y="1967785"/>
+            <a:off x="6509335" y="1965463"/>
             <a:ext cx="1403132" cy="717332"/>
           </a:xfrm>
           <a:prstGeom prst="roundRect">
@@ -4898,8 +8955,8 @@
         </p:nvSpPr>
         <p:spPr>
           <a:xfrm rot="5400000">
-            <a:off x="4109443" y="184044"/>
-            <a:ext cx="649539" cy="2185990"/>
+            <a:off x="4036341" y="1183986"/>
+            <a:ext cx="717332" cy="2280285"/>
           </a:xfrm>
           <a:prstGeom prst="can">
             <a:avLst/>
@@ -4938,8 +8995,8 @@
         </p:nvSpPr>
         <p:spPr>
           <a:xfrm>
-            <a:off x="3594848" y="1020849"/>
-            <a:ext cx="1678729" cy="484748"/>
+            <a:off x="3527431" y="1977880"/>
+            <a:ext cx="1574790" cy="692497"/>
           </a:xfrm>
           <a:prstGeom prst="rect">
             <a:avLst/>
@@ -4954,7 +9011,7 @@
           <a:p>
             <a:pPr algn="ctr"/>
             <a:r>
-              <a:rPr lang="en-US" sz="2700" b="1" dirty="0">
+              <a:rPr lang="en-US" sz="4050" b="1" dirty="0">
                 <a:ln w="10160">
                   <a:solidFill>
                     <a:schemeClr val="accent5"/>
@@ -4972,26 +9029,8 @@
                   </a:outerShdw>
                 </a:effectLst>
               </a:rPr>
-              <a:t>Res Queue</a:t>
-            </a:r>
-            <a:endParaRPr lang="en-US" sz="2700" b="1" dirty="0">
-              <a:ln w="10160">
-                <a:solidFill>
-                  <a:schemeClr val="accent5"/>
-                </a:solidFill>
-                <a:prstDash val="solid"/>
-              </a:ln>
-              <a:solidFill>
-                <a:srgbClr val="FFFFFF"/>
-              </a:solidFill>
-              <a:effectLst>
-                <a:outerShdw blurRad="38100" dist="22860" dir="5400000" algn="tl" rotWithShape="0">
-                  <a:srgbClr val="000000">
-                    <a:alpha val="30000"/>
-                  </a:srgbClr>
-                </a:outerShdw>
-              </a:effectLst>
-            </a:endParaRPr>
+              <a:t>Queue</a:t>
+            </a:r>
           </a:p>
         </p:txBody>
       </p:sp>
@@ -5003,7 +9042,7 @@
         </p:nvSpPr>
         <p:spPr>
           <a:xfrm>
-            <a:off x="508434" y="2114059"/>
+            <a:off x="508434" y="2116379"/>
             <a:ext cx="2141360" cy="415498"/>
           </a:xfrm>
           <a:prstGeom prst="rect">
@@ -5066,7 +9105,7 @@
         </p:nvSpPr>
         <p:spPr>
           <a:xfrm>
-            <a:off x="6140221" y="2114059"/>
+            <a:off x="6140221" y="2116379"/>
             <a:ext cx="2141360" cy="415498"/>
           </a:xfrm>
           <a:prstGeom prst="rect">
@@ -5105,18 +9144,16 @@
       </p:sp>
       <p:cxnSp>
         <p:nvCxnSpPr>
-          <p:cNvPr id="14" name="Elbow Connector 13"/>
-          <p:cNvCxnSpPr>
-            <a:stCxn id="4" idx="2"/>
-          </p:cNvCxnSpPr>
+          <p:cNvPr id="11" name="Straight Arrow Connector 10"/>
+          <p:cNvCxnSpPr/>
           <p:nvPr/>
         </p:nvCxnSpPr>
         <p:spPr>
-          <a:xfrm rot="16200000" flipH="1">
-            <a:off x="2137072" y="2127159"/>
-            <a:ext cx="685394" cy="1801308"/>
-          </a:xfrm>
-          <a:prstGeom prst="bentConnector2">
+          <a:xfrm>
+            <a:off x="2280680" y="2324129"/>
+            <a:ext cx="974185" cy="1"/>
+          </a:xfrm>
+          <a:prstGeom prst="straightConnector1">
             <a:avLst/>
           </a:prstGeom>
           <a:ln w="38100" cap="flat" cmpd="sng" algn="ctr">
@@ -5127,6 +9164,578 @@
             <a:round/>
             <a:headEnd type="none" w="med" len="med"/>
             <a:tailEnd type="arrow" w="med" len="med"/>
+          </a:ln>
+        </p:spPr>
+        <p:style>
+          <a:lnRef idx="0">
+            <a:scrgbClr r="0" g="0" b="0"/>
+          </a:lnRef>
+          <a:fillRef idx="0">
+            <a:scrgbClr r="0" g="0" b="0"/>
+          </a:fillRef>
+          <a:effectRef idx="0">
+            <a:scrgbClr r="0" g="0" b="0"/>
+          </a:effectRef>
+          <a:fontRef idx="minor">
+            <a:schemeClr val="tx1"/>
+          </a:fontRef>
+        </p:style>
+      </p:cxnSp>
+      <p:cxnSp>
+        <p:nvCxnSpPr>
+          <p:cNvPr id="12" name="Straight Arrow Connector 11"/>
+          <p:cNvCxnSpPr/>
+          <p:nvPr/>
+        </p:nvCxnSpPr>
+        <p:spPr>
+          <a:xfrm flipV="1">
+            <a:off x="5535149" y="2322968"/>
+            <a:ext cx="974186" cy="2321"/>
+          </a:xfrm>
+          <a:prstGeom prst="straightConnector1">
+            <a:avLst/>
+          </a:prstGeom>
+          <a:ln w="38100" cap="flat" cmpd="sng" algn="ctr">
+            <a:solidFill>
+              <a:schemeClr val="accent2"/>
+            </a:solidFill>
+            <a:prstDash val="lgDash"/>
+            <a:round/>
+            <a:headEnd type="none" w="med" len="med"/>
+            <a:tailEnd type="arrow" w="med" len="med"/>
+          </a:ln>
+        </p:spPr>
+        <p:style>
+          <a:lnRef idx="0">
+            <a:scrgbClr r="0" g="0" b="0"/>
+          </a:lnRef>
+          <a:fillRef idx="0">
+            <a:scrgbClr r="0" g="0" b="0"/>
+          </a:fillRef>
+          <a:effectRef idx="0">
+            <a:scrgbClr r="0" g="0" b="0"/>
+          </a:effectRef>
+          <a:fontRef idx="minor">
+            <a:schemeClr val="tx1"/>
+          </a:fontRef>
+        </p:style>
+      </p:cxnSp>
+      <p:sp>
+        <p:nvSpPr>
+          <p:cNvPr id="10" name="Flowchart: Direct Access Storage 9"/>
+          <p:cNvSpPr/>
+          <p:nvPr/>
+        </p:nvSpPr>
+        <p:spPr>
+          <a:xfrm>
+            <a:off x="3527432" y="3859619"/>
+            <a:ext cx="151434" cy="396428"/>
+          </a:xfrm>
+          <a:prstGeom prst="flowChartMagneticDrum">
+            <a:avLst/>
+          </a:prstGeom>
+          <a:solidFill>
+            <a:schemeClr val="accent1">
+              <a:lumMod val="60000"/>
+              <a:lumOff val="40000"/>
+            </a:schemeClr>
+          </a:solidFill>
+          <a:ln/>
+        </p:spPr>
+        <p:style>
+          <a:lnRef idx="2">
+            <a:schemeClr val="accent5"/>
+          </a:lnRef>
+          <a:fillRef idx="1">
+            <a:schemeClr val="lt1"/>
+          </a:fillRef>
+          <a:effectRef idx="0">
+            <a:schemeClr val="accent5"/>
+          </a:effectRef>
+          <a:fontRef idx="minor">
+            <a:schemeClr val="dk1"/>
+          </a:fontRef>
+        </p:style>
+        <p:txBody>
+          <a:bodyPr rtlCol="0" anchor="ctr"/>
+          <a:lstStyle/>
+          <a:p>
+            <a:pPr algn="ctr"/>
+            <a:endParaRPr lang="en-US"/>
+          </a:p>
+        </p:txBody>
+      </p:sp>
+    </p:spTree>
+    <p:extLst>
+      <p:ext uri="{BB962C8B-B14F-4D97-AF65-F5344CB8AC3E}">
+        <p14:creationId xmlns:p14="http://schemas.microsoft.com/office/powerpoint/2010/main" val="1331299405"/>
+      </p:ext>
+    </p:extLst>
+  </p:cSld>
+  <p:clrMapOvr>
+    <a:masterClrMapping/>
+  </p:clrMapOvr>
+  <p:timing>
+    <p:tnLst>
+      <p:par>
+        <p:cTn id="1" dur="indefinite" restart="never" nodeType="tmRoot"/>
+      </p:par>
+    </p:tnLst>
+  </p:timing>
+</p:sld>
+</file>
+
+<file path=ppt/slides/slide9.xml><?xml version="1.0" encoding="utf-8"?>
+<p:sld xmlns:a="http://schemas.openxmlformats.org/drawingml/2006/main" xmlns:r="http://schemas.openxmlformats.org/officeDocument/2006/relationships" xmlns:p="http://schemas.openxmlformats.org/presentationml/2006/main">
+  <p:cSld>
+    <p:bg>
+      <p:bgPr>
+        <a:solidFill>
+          <a:schemeClr val="bg1">
+            <a:alpha val="0"/>
+          </a:schemeClr>
+        </a:solidFill>
+        <a:effectLst/>
+      </p:bgPr>
+    </p:bg>
+    <p:spTree>
+      <p:nvGrpSpPr>
+        <p:cNvPr id="1" name=""/>
+        <p:cNvGrpSpPr/>
+        <p:nvPr/>
+      </p:nvGrpSpPr>
+      <p:grpSpPr>
+        <a:xfrm>
+          <a:off x="0" y="0"/>
+          <a:ext cx="0" cy="0"/>
+          <a:chOff x="0" y="0"/>
+          <a:chExt cx="0" cy="0"/>
+        </a:xfrm>
+      </p:grpSpPr>
+      <p:sp>
+        <p:nvSpPr>
+          <p:cNvPr id="4" name="Rounded Rectangle 3"/>
+          <p:cNvSpPr/>
+          <p:nvPr/>
+        </p:nvSpPr>
+        <p:spPr>
+          <a:xfrm>
+            <a:off x="877548" y="1967785"/>
+            <a:ext cx="1403132" cy="717332"/>
+          </a:xfrm>
+          <a:prstGeom prst="roundRect">
+            <a:avLst/>
+          </a:prstGeom>
+        </p:spPr>
+        <p:style>
+          <a:lnRef idx="0">
+            <a:schemeClr val="accent2"/>
+          </a:lnRef>
+          <a:fillRef idx="3">
+            <a:schemeClr val="accent2"/>
+          </a:fillRef>
+          <a:effectRef idx="3">
+            <a:schemeClr val="accent2"/>
+          </a:effectRef>
+          <a:fontRef idx="minor">
+            <a:schemeClr val="lt1"/>
+          </a:fontRef>
+        </p:style>
+        <p:txBody>
+          <a:bodyPr rtlCol="0" anchor="ctr"/>
+          <a:lstStyle/>
+          <a:p>
+            <a:pPr algn="ctr"/>
+            <a:endParaRPr lang="en-US" sz="1013" b="1" spc="38" dirty="0">
+              <a:ln w="9525" cmpd="sng">
+                <a:solidFill>
+                  <a:schemeClr val="accent1"/>
+                </a:solidFill>
+                <a:prstDash val="solid"/>
+              </a:ln>
+              <a:solidFill>
+                <a:srgbClr val="70AD47">
+                  <a:tint val="1000"/>
+                </a:srgbClr>
+              </a:solidFill>
+              <a:effectLst>
+                <a:glow rad="38100">
+                  <a:schemeClr val="accent1">
+                    <a:alpha val="40000"/>
+                  </a:schemeClr>
+                </a:glow>
+              </a:effectLst>
+            </a:endParaRPr>
+          </a:p>
+        </p:txBody>
+      </p:sp>
+      <p:sp>
+        <p:nvSpPr>
+          <p:cNvPr id="7" name="Rounded Rectangle 6"/>
+          <p:cNvSpPr/>
+          <p:nvPr/>
+        </p:nvSpPr>
+        <p:spPr>
+          <a:xfrm>
+            <a:off x="6509335" y="1967785"/>
+            <a:ext cx="1403132" cy="717332"/>
+          </a:xfrm>
+          <a:prstGeom prst="roundRect">
+            <a:avLst/>
+          </a:prstGeom>
+        </p:spPr>
+        <p:style>
+          <a:lnRef idx="0">
+            <a:schemeClr val="accent2"/>
+          </a:lnRef>
+          <a:fillRef idx="3">
+            <a:schemeClr val="accent2"/>
+          </a:fillRef>
+          <a:effectRef idx="3">
+            <a:schemeClr val="accent2"/>
+          </a:effectRef>
+          <a:fontRef idx="minor">
+            <a:schemeClr val="lt1"/>
+          </a:fontRef>
+        </p:style>
+        <p:txBody>
+          <a:bodyPr rtlCol="0" anchor="ctr"/>
+          <a:lstStyle/>
+          <a:p>
+            <a:pPr algn="ctr"/>
+            <a:endParaRPr lang="en-US" sz="1013" dirty="0"/>
+          </a:p>
+        </p:txBody>
+      </p:sp>
+      <p:sp>
+        <p:nvSpPr>
+          <p:cNvPr id="2" name="Can 1"/>
+          <p:cNvSpPr/>
+          <p:nvPr/>
+        </p:nvSpPr>
+        <p:spPr>
+          <a:xfrm rot="5400000">
+            <a:off x="4109443" y="184044"/>
+            <a:ext cx="649539" cy="2185990"/>
+          </a:xfrm>
+          <a:prstGeom prst="can">
+            <a:avLst/>
+          </a:prstGeom>
+        </p:spPr>
+        <p:style>
+          <a:lnRef idx="2">
+            <a:schemeClr val="accent1">
+              <a:shade val="50000"/>
+            </a:schemeClr>
+          </a:lnRef>
+          <a:fillRef idx="1">
+            <a:schemeClr val="accent1"/>
+          </a:fillRef>
+          <a:effectRef idx="0">
+            <a:schemeClr val="accent1"/>
+          </a:effectRef>
+          <a:fontRef idx="minor">
+            <a:schemeClr val="lt1"/>
+          </a:fontRef>
+        </p:style>
+        <p:txBody>
+          <a:bodyPr rtlCol="0" anchor="ctr"/>
+          <a:lstStyle/>
+          <a:p>
+            <a:pPr algn="ctr"/>
+            <a:endParaRPr lang="en-US" sz="1013"/>
+          </a:p>
+        </p:txBody>
+      </p:sp>
+      <p:sp>
+        <p:nvSpPr>
+          <p:cNvPr id="3" name="Rectangle 2"/>
+          <p:cNvSpPr/>
+          <p:nvPr/>
+        </p:nvSpPr>
+        <p:spPr>
+          <a:xfrm>
+            <a:off x="3688463" y="1020849"/>
+            <a:ext cx="1491499" cy="484748"/>
+          </a:xfrm>
+          <a:prstGeom prst="rect">
+            <a:avLst/>
+          </a:prstGeom>
+          <a:noFill/>
+        </p:spPr>
+        <p:txBody>
+          <a:bodyPr wrap="none" lIns="68580" tIns="34290" rIns="68580" bIns="34290">
+            <a:spAutoFit/>
+          </a:bodyPr>
+          <a:lstStyle/>
+          <a:p>
+            <a:pPr algn="ctr"/>
+            <a:r>
+              <a:rPr lang="en-US" sz="2400" b="1" dirty="0">
+                <a:ln w="12700" cmpd="sng">
+                  <a:solidFill>
+                    <a:schemeClr val="accent4"/>
+                  </a:solidFill>
+                  <a:prstDash val="solid"/>
+                </a:ln>
+                <a:gradFill>
+                  <a:gsLst>
+                    <a:gs pos="0">
+                      <a:schemeClr val="accent4"/>
+                    </a:gs>
+                    <a:gs pos="4000">
+                      <a:schemeClr val="accent4">
+                        <a:lumMod val="60000"/>
+                        <a:lumOff val="40000"/>
+                      </a:schemeClr>
+                    </a:gs>
+                    <a:gs pos="87000">
+                      <a:schemeClr val="accent4">
+                        <a:lumMod val="20000"/>
+                        <a:lumOff val="80000"/>
+                      </a:schemeClr>
+                    </a:gs>
+                  </a:gsLst>
+                  <a:lin ang="5400000"/>
+                </a:gradFill>
+              </a:rPr>
+              <a:t>Request</a:t>
+            </a:r>
+            <a:r>
+              <a:rPr lang="en-US" sz="2700" b="1" dirty="0" smtClean="0">
+                <a:ln w="10160">
+                  <a:solidFill>
+                    <a:schemeClr val="accent5"/>
+                  </a:solidFill>
+                  <a:prstDash val="solid"/>
+                </a:ln>
+                <a:solidFill>
+                  <a:srgbClr val="FFFFFF"/>
+                </a:solidFill>
+                <a:effectLst>
+                  <a:outerShdw blurRad="38100" dist="22860" dir="5400000" algn="tl" rotWithShape="0">
+                    <a:srgbClr val="000000">
+                      <a:alpha val="30000"/>
+                    </a:srgbClr>
+                  </a:outerShdw>
+                </a:effectLst>
+              </a:rPr>
+              <a:t> </a:t>
+            </a:r>
+            <a:r>
+              <a:rPr lang="en-US" sz="2400" b="1" dirty="0">
+                <a:ln w="12700" cmpd="sng">
+                  <a:solidFill>
+                    <a:schemeClr val="accent4"/>
+                  </a:solidFill>
+                  <a:prstDash val="solid"/>
+                </a:ln>
+                <a:gradFill>
+                  <a:gsLst>
+                    <a:gs pos="0">
+                      <a:schemeClr val="accent4"/>
+                    </a:gs>
+                    <a:gs pos="4000">
+                      <a:schemeClr val="accent4">
+                        <a:lumMod val="60000"/>
+                        <a:lumOff val="40000"/>
+                      </a:schemeClr>
+                    </a:gs>
+                    <a:gs pos="87000">
+                      <a:schemeClr val="accent4">
+                        <a:lumMod val="20000"/>
+                        <a:lumOff val="80000"/>
+                      </a:schemeClr>
+                    </a:gs>
+                  </a:gsLst>
+                  <a:lin ang="5400000"/>
+                </a:gradFill>
+              </a:rPr>
+              <a:t>Q</a:t>
+            </a:r>
+            <a:endParaRPr lang="en-US" sz="2400" b="1" dirty="0">
+              <a:ln w="12700" cmpd="sng">
+                <a:solidFill>
+                  <a:schemeClr val="accent4"/>
+                </a:solidFill>
+                <a:prstDash val="solid"/>
+              </a:ln>
+              <a:gradFill>
+                <a:gsLst>
+                  <a:gs pos="0">
+                    <a:schemeClr val="accent4"/>
+                  </a:gs>
+                  <a:gs pos="4000">
+                    <a:schemeClr val="accent4">
+                      <a:lumMod val="60000"/>
+                      <a:lumOff val="40000"/>
+                    </a:schemeClr>
+                  </a:gs>
+                  <a:gs pos="87000">
+                    <a:schemeClr val="accent4">
+                      <a:lumMod val="20000"/>
+                      <a:lumOff val="80000"/>
+                    </a:schemeClr>
+                  </a:gs>
+                </a:gsLst>
+                <a:lin ang="5400000"/>
+              </a:gradFill>
+            </a:endParaRPr>
+          </a:p>
+        </p:txBody>
+      </p:sp>
+      <p:sp>
+        <p:nvSpPr>
+          <p:cNvPr id="8" name="Rectangle 7"/>
+          <p:cNvSpPr/>
+          <p:nvPr/>
+        </p:nvSpPr>
+        <p:spPr>
+          <a:xfrm>
+            <a:off x="508434" y="2114059"/>
+            <a:ext cx="2141360" cy="438582"/>
+          </a:xfrm>
+          <a:prstGeom prst="rect">
+            <a:avLst/>
+          </a:prstGeom>
+          <a:noFill/>
+          <a:effectLst>
+            <a:outerShdw blurRad="50800" dist="38100" dir="8100000" algn="tr" rotWithShape="0">
+              <a:prstClr val="black">
+                <a:alpha val="40000"/>
+              </a:prstClr>
+            </a:outerShdw>
+          </a:effectLst>
+        </p:spPr>
+        <p:txBody>
+          <a:bodyPr wrap="square" lIns="68580" tIns="34290" rIns="68580" bIns="34290">
+            <a:spAutoFit/>
+          </a:bodyPr>
+          <a:lstStyle/>
+          <a:p>
+            <a:pPr algn="ctr"/>
+            <a:r>
+              <a:rPr lang="en-US" sz="2400" b="1" dirty="0">
+                <a:ln w="12700" cmpd="sng">
+                  <a:solidFill>
+                    <a:schemeClr val="accent4"/>
+                  </a:solidFill>
+                  <a:prstDash val="solid"/>
+                </a:ln>
+                <a:gradFill>
+                  <a:gsLst>
+                    <a:gs pos="0">
+                      <a:schemeClr val="accent4"/>
+                    </a:gs>
+                    <a:gs pos="4000">
+                      <a:schemeClr val="accent4">
+                        <a:lumMod val="60000"/>
+                        <a:lumOff val="40000"/>
+                      </a:schemeClr>
+                    </a:gs>
+                    <a:gs pos="87000">
+                      <a:schemeClr val="accent4">
+                        <a:lumMod val="20000"/>
+                        <a:lumOff val="80000"/>
+                      </a:schemeClr>
+                    </a:gs>
+                  </a:gsLst>
+                  <a:lin ang="5400000"/>
+                </a:gradFill>
+              </a:rPr>
+              <a:t>Producer</a:t>
+            </a:r>
+          </a:p>
+        </p:txBody>
+      </p:sp>
+      <p:sp>
+        <p:nvSpPr>
+          <p:cNvPr id="9" name="Rectangle 8"/>
+          <p:cNvSpPr/>
+          <p:nvPr/>
+        </p:nvSpPr>
+        <p:spPr>
+          <a:xfrm>
+            <a:off x="6140221" y="2114059"/>
+            <a:ext cx="2141360" cy="438582"/>
+          </a:xfrm>
+          <a:prstGeom prst="rect">
+            <a:avLst/>
+          </a:prstGeom>
+          <a:noFill/>
+          <a:effectLst>
+            <a:outerShdw blurRad="50800" dist="38100" dir="8100000" algn="tr" rotWithShape="0">
+              <a:prstClr val="black">
+                <a:alpha val="40000"/>
+              </a:prstClr>
+            </a:outerShdw>
+          </a:effectLst>
+        </p:spPr>
+        <p:txBody>
+          <a:bodyPr wrap="square" lIns="68580" tIns="34290" rIns="68580" bIns="34290">
+            <a:spAutoFit/>
+          </a:bodyPr>
+          <a:lstStyle/>
+          <a:p>
+            <a:pPr algn="ctr"/>
+            <a:r>
+              <a:rPr lang="en-US" sz="2400" b="1" dirty="0">
+                <a:ln w="12700" cmpd="sng">
+                  <a:solidFill>
+                    <a:schemeClr val="accent4"/>
+                  </a:solidFill>
+                  <a:prstDash val="solid"/>
+                </a:ln>
+                <a:gradFill>
+                  <a:gsLst>
+                    <a:gs pos="0">
+                      <a:schemeClr val="accent4"/>
+                    </a:gs>
+                    <a:gs pos="4000">
+                      <a:schemeClr val="accent4">
+                        <a:lumMod val="60000"/>
+                        <a:lumOff val="40000"/>
+                      </a:schemeClr>
+                    </a:gs>
+                    <a:gs pos="87000">
+                      <a:schemeClr val="accent4">
+                        <a:lumMod val="20000"/>
+                        <a:lumOff val="80000"/>
+                      </a:schemeClr>
+                    </a:gs>
+                  </a:gsLst>
+                  <a:lin ang="5400000"/>
+                </a:gradFill>
+              </a:rPr>
+              <a:t>Consumer</a:t>
+            </a:r>
+          </a:p>
+        </p:txBody>
+      </p:sp>
+      <p:cxnSp>
+        <p:nvCxnSpPr>
+          <p:cNvPr id="14" name="Elbow Connector 13"/>
+          <p:cNvCxnSpPr>
+            <a:stCxn id="4" idx="2"/>
+          </p:cNvCxnSpPr>
+          <p:nvPr/>
+        </p:nvCxnSpPr>
+        <p:spPr>
+          <a:xfrm rot="16200000" flipH="1">
+            <a:off x="2137072" y="2127159"/>
+            <a:ext cx="685394" cy="1801308"/>
+          </a:xfrm>
+          <a:prstGeom prst="bentConnector2">
+            <a:avLst/>
+          </a:prstGeom>
+          <a:ln w="28575" cap="flat" cmpd="sng" algn="ctr">
+            <a:solidFill>
+              <a:schemeClr val="accent2"/>
+            </a:solidFill>
+            <a:prstDash val="dash"/>
+            <a:round/>
+            <a:headEnd type="triangle" w="lg" len="lg"/>
+            <a:tailEnd type="none" w="med" len="med"/>
           </a:ln>
         </p:spPr>
         <p:style>
@@ -5161,14 +9770,14 @@
           <a:prstGeom prst="bentConnector2">
             <a:avLst/>
           </a:prstGeom>
-          <a:ln w="38100" cap="flat" cmpd="sng" algn="ctr">
+          <a:ln w="28575" cap="flat" cmpd="sng" algn="ctr">
             <a:solidFill>
               <a:schemeClr val="accent2"/>
             </a:solidFill>
-            <a:prstDash val="lgDash"/>
+            <a:prstDash val="dash"/>
             <a:round/>
-            <a:headEnd type="none" w="med" len="med"/>
-            <a:tailEnd type="arrow" w="med" len="med"/>
+            <a:headEnd type="triangle" w="lg" len="lg"/>
+            <a:tailEnd type="none" w="lg" len="lg"/>
           </a:ln>
         </p:spPr>
         <p:style>
@@ -5203,14 +9812,14 @@
           <a:prstGeom prst="bentConnector2">
             <a:avLst/>
           </a:prstGeom>
-          <a:ln w="38100" cap="flat" cmpd="sng" algn="ctr">
+          <a:ln w="28575" cap="flat" cmpd="sng" algn="ctr">
             <a:solidFill>
               <a:schemeClr val="accent2"/>
             </a:solidFill>
-            <a:prstDash val="lgDash"/>
+            <a:prstDash val="dash"/>
             <a:round/>
-            <a:headEnd type="none" w="med" len="med"/>
-            <a:tailEnd type="arrow" w="med" len="med"/>
+            <a:headEnd type="triangle" w="lg" len="lg"/>
+            <a:tailEnd type="none" w="med" len="med"/>
           </a:ln>
         </p:spPr>
         <p:style>
@@ -5232,26 +9841,27 @@
         <p:nvCxnSpPr>
           <p:cNvPr id="17" name="Elbow Connector 16"/>
           <p:cNvCxnSpPr>
+            <a:stCxn id="32" idx="1"/>
             <a:endCxn id="7" idx="2"/>
           </p:cNvCxnSpPr>
           <p:nvPr/>
         </p:nvCxnSpPr>
         <p:spPr>
           <a:xfrm flipV="1">
-            <a:off x="5409593" y="2685117"/>
-            <a:ext cx="1801308" cy="685394"/>
+            <a:off x="5527208" y="2685117"/>
+            <a:ext cx="1683693" cy="648606"/>
           </a:xfrm>
           <a:prstGeom prst="bentConnector2">
             <a:avLst/>
           </a:prstGeom>
-          <a:ln w="38100" cap="flat" cmpd="sng" algn="ctr">
+          <a:ln w="28575" cap="flat" cmpd="sng" algn="ctr">
             <a:solidFill>
               <a:schemeClr val="accent2"/>
             </a:solidFill>
-            <a:prstDash val="lgDash"/>
+            <a:prstDash val="dash"/>
             <a:round/>
-            <a:headEnd type="none" w="med" len="med"/>
-            <a:tailEnd type="arrow" w="med" len="med"/>
+            <a:headEnd type="triangle" w="lg" len="lg"/>
+            <a:tailEnd type="none" w="med" len="med"/>
           </a:ln>
         </p:spPr>
         <p:style>
@@ -5317,8 +9927,8 @@
         </p:nvSpPr>
         <p:spPr>
           <a:xfrm>
-            <a:off x="3570804" y="3077532"/>
-            <a:ext cx="1726819" cy="484748"/>
+            <a:off x="3613797" y="3077532"/>
+            <a:ext cx="1640834" cy="438582"/>
           </a:xfrm>
           <a:prstGeom prst="rect">
             <a:avLst/>
@@ -5333,64 +9943,63 @@
           <a:p>
             <a:pPr algn="ctr"/>
             <a:r>
-              <a:rPr lang="en-US" sz="2700" b="1" dirty="0" err="1">
-                <a:ln w="10160">
+              <a:rPr lang="en-US" sz="2400" b="1" dirty="0">
+                <a:ln w="12700" cmpd="sng">
                   <a:solidFill>
-                    <a:schemeClr val="accent5"/>
+                    <a:schemeClr val="accent4"/>
                   </a:solidFill>
                   <a:prstDash val="solid"/>
                 </a:ln>
+                <a:gradFill>
+                  <a:gsLst>
+                    <a:gs pos="0">
+                      <a:schemeClr val="accent4"/>
+                    </a:gs>
+                    <a:gs pos="4000">
+                      <a:schemeClr val="accent4">
+                        <a:lumMod val="60000"/>
+                        <a:lumOff val="40000"/>
+                      </a:schemeClr>
+                    </a:gs>
+                    <a:gs pos="87000">
+                      <a:schemeClr val="accent4">
+                        <a:lumMod val="20000"/>
+                        <a:lumOff val="80000"/>
+                      </a:schemeClr>
+                    </a:gs>
+                  </a:gsLst>
+                  <a:lin ang="5400000"/>
+                </a:gradFill>
+              </a:rPr>
+              <a:t>Response Q</a:t>
+            </a:r>
+            <a:endParaRPr lang="en-US" sz="2400" b="1" dirty="0">
+              <a:ln w="12700" cmpd="sng">
                 <a:solidFill>
-                  <a:srgbClr val="FFFFFF"/>
-                </a:solidFill>
-                <a:effectLst>
-                  <a:outerShdw blurRad="38100" dist="22860" dir="5400000" algn="tl" rotWithShape="0">
-                    <a:srgbClr val="000000">
-                      <a:alpha val="30000"/>
-                    </a:srgbClr>
-                  </a:outerShdw>
-                </a:effectLst>
-              </a:rPr>
-              <a:t>Req</a:t>
-            </a:r>
-            <a:r>
-              <a:rPr lang="en-US" sz="2700" b="1" dirty="0">
-                <a:ln w="10160">
-                  <a:solidFill>
-                    <a:schemeClr val="accent5"/>
-                  </a:solidFill>
-                  <a:prstDash val="solid"/>
-                </a:ln>
-                <a:solidFill>
-                  <a:srgbClr val="FFFFFF"/>
-                </a:solidFill>
-                <a:effectLst>
-                  <a:outerShdw blurRad="38100" dist="22860" dir="5400000" algn="tl" rotWithShape="0">
-                    <a:srgbClr val="000000">
-                      <a:alpha val="30000"/>
-                    </a:srgbClr>
-                  </a:outerShdw>
-                </a:effectLst>
-              </a:rPr>
-              <a:t> Queue</a:t>
-            </a:r>
-            <a:endParaRPr lang="en-US" sz="2700" b="1" dirty="0">
-              <a:ln w="10160">
-                <a:solidFill>
-                  <a:schemeClr val="accent5"/>
+                  <a:schemeClr val="accent4"/>
                 </a:solidFill>
                 <a:prstDash val="solid"/>
               </a:ln>
-              <a:solidFill>
-                <a:srgbClr val="FFFFFF"/>
-              </a:solidFill>
-              <a:effectLst>
-                <a:outerShdw blurRad="38100" dist="22860" dir="5400000" algn="tl" rotWithShape="0">
-                  <a:srgbClr val="000000">
-                    <a:alpha val="30000"/>
-                  </a:srgbClr>
-                </a:outerShdw>
-              </a:effectLst>
+              <a:gradFill>
+                <a:gsLst>
+                  <a:gs pos="0">
+                    <a:schemeClr val="accent4"/>
+                  </a:gs>
+                  <a:gs pos="4000">
+                    <a:schemeClr val="accent4">
+                      <a:lumMod val="60000"/>
+                      <a:lumOff val="40000"/>
+                    </a:schemeClr>
+                  </a:gs>
+                  <a:gs pos="87000">
+                    <a:schemeClr val="accent4">
+                      <a:lumMod val="20000"/>
+                      <a:lumOff val="80000"/>
+                    </a:schemeClr>
+                  </a:gs>
+                </a:gsLst>
+                <a:lin ang="5400000"/>
+              </a:gradFill>
             </a:endParaRPr>
           </a:p>
         </p:txBody>
@@ -5443,1238 +10052,6 @@
     <p:extLst>
       <p:ext uri="{BB962C8B-B14F-4D97-AF65-F5344CB8AC3E}">
         <p14:creationId xmlns:p14="http://schemas.microsoft.com/office/powerpoint/2010/main" val="735869892"/>
-      </p:ext>
-    </p:extLst>
-  </p:cSld>
-  <p:clrMapOvr>
-    <a:masterClrMapping/>
-  </p:clrMapOvr>
-</p:sld>
-</file>
-
-<file path=ppt/slides/slide6.xml><?xml version="1.0" encoding="utf-8"?>
-<p:sld xmlns:a="http://schemas.openxmlformats.org/drawingml/2006/main" xmlns:r="http://schemas.openxmlformats.org/officeDocument/2006/relationships" xmlns:p="http://schemas.openxmlformats.org/presentationml/2006/main">
-  <p:cSld>
-    <p:spTree>
-      <p:nvGrpSpPr>
-        <p:cNvPr id="1" name=""/>
-        <p:cNvGrpSpPr/>
-        <p:nvPr/>
-      </p:nvGrpSpPr>
-      <p:grpSpPr>
-        <a:xfrm>
-          <a:off x="0" y="0"/>
-          <a:ext cx="0" cy="0"/>
-          <a:chOff x="0" y="0"/>
-          <a:chExt cx="0" cy="0"/>
-        </a:xfrm>
-      </p:grpSpPr>
-      <p:sp>
-        <p:nvSpPr>
-          <p:cNvPr id="4" name="Rounded Rectangle 3"/>
-          <p:cNvSpPr/>
-          <p:nvPr/>
-        </p:nvSpPr>
-        <p:spPr>
-          <a:xfrm>
-            <a:off x="577510" y="410083"/>
-            <a:ext cx="1403132" cy="717332"/>
-          </a:xfrm>
-          <a:prstGeom prst="roundRect">
-            <a:avLst/>
-          </a:prstGeom>
-        </p:spPr>
-        <p:style>
-          <a:lnRef idx="0">
-            <a:schemeClr val="accent2"/>
-          </a:lnRef>
-          <a:fillRef idx="3">
-            <a:schemeClr val="accent2"/>
-          </a:fillRef>
-          <a:effectRef idx="3">
-            <a:schemeClr val="accent2"/>
-          </a:effectRef>
-          <a:fontRef idx="minor">
-            <a:schemeClr val="lt1"/>
-          </a:fontRef>
-        </p:style>
-        <p:txBody>
-          <a:bodyPr rtlCol="0" anchor="ctr"/>
-          <a:lstStyle/>
-          <a:p>
-            <a:pPr algn="ctr"/>
-            <a:endParaRPr lang="en-US" sz="1013" b="1" spc="38" dirty="0">
-              <a:ln w="9525" cmpd="sng">
-                <a:solidFill>
-                  <a:schemeClr val="accent1"/>
-                </a:solidFill>
-                <a:prstDash val="solid"/>
-              </a:ln>
-              <a:solidFill>
-                <a:srgbClr val="70AD47">
-                  <a:tint val="1000"/>
-                </a:srgbClr>
-              </a:solidFill>
-              <a:effectLst>
-                <a:glow rad="38100">
-                  <a:schemeClr val="accent1">
-                    <a:alpha val="40000"/>
-                  </a:schemeClr>
-                </a:glow>
-              </a:effectLst>
-            </a:endParaRPr>
-          </a:p>
-        </p:txBody>
-      </p:sp>
-      <p:sp>
-        <p:nvSpPr>
-          <p:cNvPr id="7" name="Rounded Rectangle 6"/>
-          <p:cNvSpPr/>
-          <p:nvPr/>
-        </p:nvSpPr>
-        <p:spPr>
-          <a:xfrm>
-            <a:off x="3754078" y="4059475"/>
-            <a:ext cx="1403132" cy="717332"/>
-          </a:xfrm>
-          <a:prstGeom prst="roundRect">
-            <a:avLst/>
-          </a:prstGeom>
-        </p:spPr>
-        <p:style>
-          <a:lnRef idx="0">
-            <a:schemeClr val="accent2"/>
-          </a:lnRef>
-          <a:fillRef idx="3">
-            <a:schemeClr val="accent2"/>
-          </a:fillRef>
-          <a:effectRef idx="3">
-            <a:schemeClr val="accent2"/>
-          </a:effectRef>
-          <a:fontRef idx="minor">
-            <a:schemeClr val="lt1"/>
-          </a:fontRef>
-        </p:style>
-        <p:txBody>
-          <a:bodyPr rtlCol="0" anchor="ctr"/>
-          <a:lstStyle/>
-          <a:p>
-            <a:pPr algn="ctr"/>
-            <a:endParaRPr lang="en-US" sz="1013" dirty="0"/>
-          </a:p>
-        </p:txBody>
-      </p:sp>
-      <p:sp>
-        <p:nvSpPr>
-          <p:cNvPr id="2" name="Can 1"/>
-          <p:cNvSpPr/>
-          <p:nvPr/>
-        </p:nvSpPr>
-        <p:spPr>
-          <a:xfrm rot="5400000">
-            <a:off x="4130874" y="852699"/>
-            <a:ext cx="649539" cy="2185990"/>
-          </a:xfrm>
-          <a:prstGeom prst="can">
-            <a:avLst/>
-          </a:prstGeom>
-        </p:spPr>
-        <p:style>
-          <a:lnRef idx="2">
-            <a:schemeClr val="accent1">
-              <a:shade val="50000"/>
-            </a:schemeClr>
-          </a:lnRef>
-          <a:fillRef idx="1">
-            <a:schemeClr val="accent1"/>
-          </a:fillRef>
-          <a:effectRef idx="0">
-            <a:schemeClr val="accent1"/>
-          </a:effectRef>
-          <a:fontRef idx="minor">
-            <a:schemeClr val="lt1"/>
-          </a:fontRef>
-        </p:style>
-        <p:txBody>
-          <a:bodyPr rtlCol="0" anchor="ctr"/>
-          <a:lstStyle/>
-          <a:p>
-            <a:pPr algn="ctr"/>
-            <a:endParaRPr lang="en-US" sz="1013"/>
-          </a:p>
-        </p:txBody>
-      </p:sp>
-      <p:sp>
-        <p:nvSpPr>
-          <p:cNvPr id="3" name="Rectangle 2"/>
-          <p:cNvSpPr/>
-          <p:nvPr/>
-        </p:nvSpPr>
-        <p:spPr>
-          <a:xfrm>
-            <a:off x="3782511" y="1703319"/>
-            <a:ext cx="1346266" cy="484748"/>
-          </a:xfrm>
-          <a:prstGeom prst="rect">
-            <a:avLst/>
-          </a:prstGeom>
-          <a:noFill/>
-        </p:spPr>
-        <p:txBody>
-          <a:bodyPr wrap="none" lIns="68580" tIns="34290" rIns="68580" bIns="34290">
-            <a:spAutoFit/>
-          </a:bodyPr>
-          <a:lstStyle/>
-          <a:p>
-            <a:pPr algn="ctr"/>
-            <a:r>
-              <a:rPr lang="en-US" sz="2700" b="1" dirty="0">
-                <a:ln w="10160">
-                  <a:solidFill>
-                    <a:schemeClr val="accent5"/>
-                  </a:solidFill>
-                  <a:prstDash val="solid"/>
-                </a:ln>
-                <a:solidFill>
-                  <a:srgbClr val="FFFFFF"/>
-                </a:solidFill>
-                <a:effectLst>
-                  <a:outerShdw blurRad="38100" dist="22860" dir="5400000" algn="tl" rotWithShape="0">
-                    <a:srgbClr val="000000">
-                      <a:alpha val="30000"/>
-                    </a:srgbClr>
-                  </a:outerShdw>
-                </a:effectLst>
-              </a:rPr>
-              <a:t>Broker 1</a:t>
-            </a:r>
-            <a:endParaRPr lang="en-US" sz="2700" b="1" dirty="0">
-              <a:ln w="10160">
-                <a:solidFill>
-                  <a:schemeClr val="accent5"/>
-                </a:solidFill>
-                <a:prstDash val="solid"/>
-              </a:ln>
-              <a:solidFill>
-                <a:srgbClr val="FFFFFF"/>
-              </a:solidFill>
-              <a:effectLst>
-                <a:outerShdw blurRad="38100" dist="22860" dir="5400000" algn="tl" rotWithShape="0">
-                  <a:srgbClr val="000000">
-                    <a:alpha val="30000"/>
-                  </a:srgbClr>
-                </a:outerShdw>
-              </a:effectLst>
-            </a:endParaRPr>
-          </a:p>
-        </p:txBody>
-      </p:sp>
-      <p:sp>
-        <p:nvSpPr>
-          <p:cNvPr id="8" name="Rectangle 7"/>
-          <p:cNvSpPr/>
-          <p:nvPr/>
-        </p:nvSpPr>
-        <p:spPr>
-          <a:xfrm>
-            <a:off x="208396" y="561000"/>
-            <a:ext cx="2141360" cy="392415"/>
-          </a:xfrm>
-          <a:prstGeom prst="rect">
-            <a:avLst/>
-          </a:prstGeom>
-          <a:noFill/>
-        </p:spPr>
-        <p:txBody>
-          <a:bodyPr wrap="square" lIns="68580" tIns="34290" rIns="68580" bIns="34290">
-            <a:spAutoFit/>
-          </a:bodyPr>
-          <a:lstStyle/>
-          <a:p>
-            <a:pPr algn="ctr"/>
-            <a:r>
-              <a:rPr lang="en-US" sz="2100" b="1" dirty="0">
-                <a:ln w="6600">
-                  <a:solidFill>
-                    <a:schemeClr val="accent2"/>
-                  </a:solidFill>
-                  <a:prstDash val="solid"/>
-                </a:ln>
-                <a:solidFill>
-                  <a:srgbClr val="FFFFFF"/>
-                </a:solidFill>
-                <a:effectLst>
-                  <a:outerShdw dist="38100" dir="2700000" algn="tl" rotWithShape="0">
-                    <a:schemeClr val="accent2"/>
-                  </a:outerShdw>
-                </a:effectLst>
-              </a:rPr>
-              <a:t>Producer 1</a:t>
-            </a:r>
-            <a:endParaRPr lang="en-US" sz="2100" b="1" dirty="0">
-              <a:ln w="10160">
-                <a:solidFill>
-                  <a:schemeClr val="accent5"/>
-                </a:solidFill>
-                <a:prstDash val="solid"/>
-              </a:ln>
-              <a:solidFill>
-                <a:srgbClr val="FFFFFF"/>
-              </a:solidFill>
-              <a:effectLst>
-                <a:outerShdw blurRad="38100" dist="22860" dir="5400000" algn="tl" rotWithShape="0">
-                  <a:srgbClr val="000000">
-                    <a:alpha val="30000"/>
-                  </a:srgbClr>
-                </a:outerShdw>
-              </a:effectLst>
-            </a:endParaRPr>
-          </a:p>
-        </p:txBody>
-      </p:sp>
-      <p:cxnSp>
-        <p:nvCxnSpPr>
-          <p:cNvPr id="16" name="Elbow Connector 15"/>
-          <p:cNvCxnSpPr>
-            <a:stCxn id="4" idx="2"/>
-            <a:endCxn id="2" idx="3"/>
-          </p:cNvCxnSpPr>
-          <p:nvPr/>
-        </p:nvCxnSpPr>
-        <p:spPr>
-          <a:xfrm rot="16200000" flipH="1">
-            <a:off x="1911723" y="494768"/>
-            <a:ext cx="818279" cy="2083573"/>
-          </a:xfrm>
-          <a:prstGeom prst="bentConnector2">
-            <a:avLst/>
-          </a:prstGeom>
-          <a:ln w="38100" cap="flat" cmpd="sng" algn="ctr">
-            <a:solidFill>
-              <a:schemeClr val="accent2"/>
-            </a:solidFill>
-            <a:prstDash val="lgDash"/>
-            <a:round/>
-            <a:headEnd type="none" w="med" len="med"/>
-            <a:tailEnd type="arrow" w="med" len="med"/>
-          </a:ln>
-        </p:spPr>
-        <p:style>
-          <a:lnRef idx="0">
-            <a:scrgbClr r="0" g="0" b="0"/>
-          </a:lnRef>
-          <a:fillRef idx="0">
-            <a:scrgbClr r="0" g="0" b="0"/>
-          </a:fillRef>
-          <a:effectRef idx="0">
-            <a:scrgbClr r="0" g="0" b="0"/>
-          </a:effectRef>
-          <a:fontRef idx="minor">
-            <a:schemeClr val="tx1"/>
-          </a:fontRef>
-        </p:style>
-      </p:cxnSp>
-      <p:sp>
-        <p:nvSpPr>
-          <p:cNvPr id="32" name="Can 31"/>
-          <p:cNvSpPr/>
-          <p:nvPr/>
-        </p:nvSpPr>
-        <p:spPr>
-          <a:xfrm rot="5400000">
-            <a:off x="4130874" y="2172147"/>
-            <a:ext cx="649539" cy="2185990"/>
-          </a:xfrm>
-          <a:prstGeom prst="can">
-            <a:avLst/>
-          </a:prstGeom>
-        </p:spPr>
-        <p:style>
-          <a:lnRef idx="2">
-            <a:schemeClr val="accent1">
-              <a:shade val="50000"/>
-            </a:schemeClr>
-          </a:lnRef>
-          <a:fillRef idx="1">
-            <a:schemeClr val="accent1"/>
-          </a:fillRef>
-          <a:effectRef idx="0">
-            <a:schemeClr val="accent1"/>
-          </a:effectRef>
-          <a:fontRef idx="minor">
-            <a:schemeClr val="lt1"/>
-          </a:fontRef>
-        </p:style>
-        <p:txBody>
-          <a:bodyPr rtlCol="0" anchor="ctr"/>
-          <a:lstStyle/>
-          <a:p>
-            <a:pPr algn="ctr"/>
-            <a:endParaRPr lang="en-US" sz="1013"/>
-          </a:p>
-        </p:txBody>
-      </p:sp>
-      <p:sp>
-        <p:nvSpPr>
-          <p:cNvPr id="33" name="Rectangle 32"/>
-          <p:cNvSpPr/>
-          <p:nvPr/>
-        </p:nvSpPr>
-        <p:spPr>
-          <a:xfrm>
-            <a:off x="3782511" y="3022767"/>
-            <a:ext cx="1346266" cy="484748"/>
-          </a:xfrm>
-          <a:prstGeom prst="rect">
-            <a:avLst/>
-          </a:prstGeom>
-          <a:noFill/>
-        </p:spPr>
-        <p:txBody>
-          <a:bodyPr wrap="none" lIns="68580" tIns="34290" rIns="68580" bIns="34290">
-            <a:spAutoFit/>
-          </a:bodyPr>
-          <a:lstStyle/>
-          <a:p>
-            <a:pPr algn="ctr"/>
-            <a:r>
-              <a:rPr lang="en-US" sz="2700" b="1" dirty="0">
-                <a:ln w="10160">
-                  <a:solidFill>
-                    <a:schemeClr val="accent5"/>
-                  </a:solidFill>
-                  <a:prstDash val="solid"/>
-                </a:ln>
-                <a:solidFill>
-                  <a:srgbClr val="FFFFFF"/>
-                </a:solidFill>
-                <a:effectLst>
-                  <a:outerShdw blurRad="38100" dist="22860" dir="5400000" algn="tl" rotWithShape="0">
-                    <a:srgbClr val="000000">
-                      <a:alpha val="30000"/>
-                    </a:srgbClr>
-                  </a:outerShdw>
-                </a:effectLst>
-              </a:rPr>
-              <a:t>Broker 2</a:t>
-            </a:r>
-            <a:endParaRPr lang="en-US" sz="2700" b="1" dirty="0">
-              <a:ln w="10160">
-                <a:solidFill>
-                  <a:schemeClr val="accent5"/>
-                </a:solidFill>
-                <a:prstDash val="solid"/>
-              </a:ln>
-              <a:solidFill>
-                <a:srgbClr val="FFFFFF"/>
-              </a:solidFill>
-              <a:effectLst>
-                <a:outerShdw blurRad="38100" dist="22860" dir="5400000" algn="tl" rotWithShape="0">
-                  <a:srgbClr val="000000">
-                    <a:alpha val="30000"/>
-                  </a:srgbClr>
-                </a:outerShdw>
-              </a:effectLst>
-            </a:endParaRPr>
-          </a:p>
-        </p:txBody>
-      </p:sp>
-      <p:sp>
-        <p:nvSpPr>
-          <p:cNvPr id="18" name="Rounded Rectangle 17"/>
-          <p:cNvSpPr/>
-          <p:nvPr/>
-        </p:nvSpPr>
-        <p:spPr>
-          <a:xfrm>
-            <a:off x="3754078" y="410083"/>
-            <a:ext cx="1403132" cy="717332"/>
-          </a:xfrm>
-          <a:prstGeom prst="roundRect">
-            <a:avLst/>
-          </a:prstGeom>
-        </p:spPr>
-        <p:style>
-          <a:lnRef idx="0">
-            <a:schemeClr val="accent2"/>
-          </a:lnRef>
-          <a:fillRef idx="3">
-            <a:schemeClr val="accent2"/>
-          </a:fillRef>
-          <a:effectRef idx="3">
-            <a:schemeClr val="accent2"/>
-          </a:effectRef>
-          <a:fontRef idx="minor">
-            <a:schemeClr val="lt1"/>
-          </a:fontRef>
-        </p:style>
-        <p:txBody>
-          <a:bodyPr rtlCol="0" anchor="ctr"/>
-          <a:lstStyle/>
-          <a:p>
-            <a:pPr algn="ctr"/>
-            <a:endParaRPr lang="en-US" sz="1013" b="1" spc="38" dirty="0">
-              <a:ln w="9525" cmpd="sng">
-                <a:solidFill>
-                  <a:schemeClr val="accent1"/>
-                </a:solidFill>
-                <a:prstDash val="solid"/>
-              </a:ln>
-              <a:solidFill>
-                <a:srgbClr val="70AD47">
-                  <a:tint val="1000"/>
-                </a:srgbClr>
-              </a:solidFill>
-              <a:effectLst>
-                <a:glow rad="38100">
-                  <a:schemeClr val="accent1">
-                    <a:alpha val="40000"/>
-                  </a:schemeClr>
-                </a:glow>
-              </a:effectLst>
-            </a:endParaRPr>
-          </a:p>
-        </p:txBody>
-      </p:sp>
-      <p:sp>
-        <p:nvSpPr>
-          <p:cNvPr id="19" name="Rounded Rectangle 18"/>
-          <p:cNvSpPr/>
-          <p:nvPr/>
-        </p:nvSpPr>
-        <p:spPr>
-          <a:xfrm>
-            <a:off x="6878449" y="410083"/>
-            <a:ext cx="1403132" cy="717332"/>
-          </a:xfrm>
-          <a:prstGeom prst="roundRect">
-            <a:avLst/>
-          </a:prstGeom>
-        </p:spPr>
-        <p:style>
-          <a:lnRef idx="0">
-            <a:schemeClr val="accent2"/>
-          </a:lnRef>
-          <a:fillRef idx="3">
-            <a:schemeClr val="accent2"/>
-          </a:fillRef>
-          <a:effectRef idx="3">
-            <a:schemeClr val="accent2"/>
-          </a:effectRef>
-          <a:fontRef idx="minor">
-            <a:schemeClr val="lt1"/>
-          </a:fontRef>
-        </p:style>
-        <p:txBody>
-          <a:bodyPr rtlCol="0" anchor="ctr"/>
-          <a:lstStyle/>
-          <a:p>
-            <a:pPr algn="ctr"/>
-            <a:endParaRPr lang="en-US" sz="1013" b="1" spc="38" dirty="0">
-              <a:ln w="9525" cmpd="sng">
-                <a:solidFill>
-                  <a:schemeClr val="accent1"/>
-                </a:solidFill>
-                <a:prstDash val="solid"/>
-              </a:ln>
-              <a:solidFill>
-                <a:srgbClr val="70AD47">
-                  <a:tint val="1000"/>
-                </a:srgbClr>
-              </a:solidFill>
-              <a:effectLst>
-                <a:glow rad="38100">
-                  <a:schemeClr val="accent1">
-                    <a:alpha val="40000"/>
-                  </a:schemeClr>
-                </a:glow>
-              </a:effectLst>
-            </a:endParaRPr>
-          </a:p>
-        </p:txBody>
-      </p:sp>
-      <p:sp>
-        <p:nvSpPr>
-          <p:cNvPr id="20" name="Rounded Rectangle 19"/>
-          <p:cNvSpPr/>
-          <p:nvPr/>
-        </p:nvSpPr>
-        <p:spPr>
-          <a:xfrm>
-            <a:off x="6921399" y="4059475"/>
-            <a:ext cx="1403132" cy="717332"/>
-          </a:xfrm>
-          <a:prstGeom prst="roundRect">
-            <a:avLst/>
-          </a:prstGeom>
-        </p:spPr>
-        <p:style>
-          <a:lnRef idx="0">
-            <a:schemeClr val="accent2"/>
-          </a:lnRef>
-          <a:fillRef idx="3">
-            <a:schemeClr val="accent2"/>
-          </a:fillRef>
-          <a:effectRef idx="3">
-            <a:schemeClr val="accent2"/>
-          </a:effectRef>
-          <a:fontRef idx="minor">
-            <a:schemeClr val="lt1"/>
-          </a:fontRef>
-        </p:style>
-        <p:txBody>
-          <a:bodyPr rtlCol="0" anchor="ctr"/>
-          <a:lstStyle/>
-          <a:p>
-            <a:pPr algn="ctr"/>
-            <a:endParaRPr lang="en-US" sz="1013" dirty="0"/>
-          </a:p>
-        </p:txBody>
-      </p:sp>
-      <p:sp>
-        <p:nvSpPr>
-          <p:cNvPr id="21" name="Rounded Rectangle 20"/>
-          <p:cNvSpPr/>
-          <p:nvPr/>
-        </p:nvSpPr>
-        <p:spPr>
-          <a:xfrm>
-            <a:off x="577510" y="4059475"/>
-            <a:ext cx="1403132" cy="717332"/>
-          </a:xfrm>
-          <a:prstGeom prst="roundRect">
-            <a:avLst/>
-          </a:prstGeom>
-        </p:spPr>
-        <p:style>
-          <a:lnRef idx="0">
-            <a:schemeClr val="accent2"/>
-          </a:lnRef>
-          <a:fillRef idx="3">
-            <a:schemeClr val="accent2"/>
-          </a:fillRef>
-          <a:effectRef idx="3">
-            <a:schemeClr val="accent2"/>
-          </a:effectRef>
-          <a:fontRef idx="minor">
-            <a:schemeClr val="lt1"/>
-          </a:fontRef>
-        </p:style>
-        <p:txBody>
-          <a:bodyPr rtlCol="0" anchor="ctr"/>
-          <a:lstStyle/>
-          <a:p>
-            <a:pPr algn="ctr"/>
-            <a:endParaRPr lang="en-US" sz="1013" dirty="0"/>
-          </a:p>
-        </p:txBody>
-      </p:sp>
-      <p:cxnSp>
-        <p:nvCxnSpPr>
-          <p:cNvPr id="12" name="Straight Arrow Connector 11"/>
-          <p:cNvCxnSpPr/>
-          <p:nvPr/>
-        </p:nvCxnSpPr>
-        <p:spPr>
-          <a:xfrm>
-            <a:off x="4455644" y="1127415"/>
-            <a:ext cx="0" cy="493509"/>
-          </a:xfrm>
-          <a:prstGeom prst="straightConnector1">
-            <a:avLst/>
-          </a:prstGeom>
-          <a:ln w="38100" cap="flat" cmpd="sng" algn="ctr">
-            <a:solidFill>
-              <a:schemeClr val="accent2"/>
-            </a:solidFill>
-            <a:prstDash val="lgDash"/>
-            <a:round/>
-            <a:headEnd type="none" w="med" len="med"/>
-            <a:tailEnd type="arrow" w="med" len="med"/>
-          </a:ln>
-        </p:spPr>
-        <p:style>
-          <a:lnRef idx="0">
-            <a:scrgbClr r="0" g="0" b="0"/>
-          </a:lnRef>
-          <a:fillRef idx="0">
-            <a:scrgbClr r="0" g="0" b="0"/>
-          </a:fillRef>
-          <a:effectRef idx="0">
-            <a:scrgbClr r="0" g="0" b="0"/>
-          </a:effectRef>
-          <a:fontRef idx="minor">
-            <a:schemeClr val="tx1"/>
-          </a:fontRef>
-        </p:style>
-      </p:cxnSp>
-      <p:cxnSp>
-        <p:nvCxnSpPr>
-          <p:cNvPr id="25" name="Elbow Connector 24"/>
-          <p:cNvCxnSpPr>
-            <a:stCxn id="19" idx="2"/>
-            <a:endCxn id="2" idx="1"/>
-          </p:cNvCxnSpPr>
-          <p:nvPr/>
-        </p:nvCxnSpPr>
-        <p:spPr>
-          <a:xfrm rot="5400000">
-            <a:off x="6155188" y="520867"/>
-            <a:ext cx="818279" cy="2031376"/>
-          </a:xfrm>
-          <a:prstGeom prst="bentConnector2">
-            <a:avLst/>
-          </a:prstGeom>
-          <a:ln w="38100" cap="flat" cmpd="sng" algn="ctr">
-            <a:solidFill>
-              <a:schemeClr val="accent2"/>
-            </a:solidFill>
-            <a:prstDash val="lgDash"/>
-            <a:round/>
-            <a:headEnd type="none" w="med" len="med"/>
-            <a:tailEnd type="arrow" w="med" len="med"/>
-          </a:ln>
-        </p:spPr>
-        <p:style>
-          <a:lnRef idx="0">
-            <a:scrgbClr r="0" g="0" b="0"/>
-          </a:lnRef>
-          <a:fillRef idx="0">
-            <a:scrgbClr r="0" g="0" b="0"/>
-          </a:fillRef>
-          <a:effectRef idx="0">
-            <a:scrgbClr r="0" g="0" b="0"/>
-          </a:effectRef>
-          <a:fontRef idx="minor">
-            <a:schemeClr val="tx1"/>
-          </a:fontRef>
-        </p:style>
-      </p:cxnSp>
-      <p:sp>
-        <p:nvSpPr>
-          <p:cNvPr id="29" name="Rectangle 28"/>
-          <p:cNvSpPr/>
-          <p:nvPr/>
-        </p:nvSpPr>
-        <p:spPr>
-          <a:xfrm>
-            <a:off x="6552285" y="561000"/>
-            <a:ext cx="2141360" cy="392415"/>
-          </a:xfrm>
-          <a:prstGeom prst="rect">
-            <a:avLst/>
-          </a:prstGeom>
-          <a:noFill/>
-        </p:spPr>
-        <p:txBody>
-          <a:bodyPr wrap="square" lIns="68580" tIns="34290" rIns="68580" bIns="34290">
-            <a:spAutoFit/>
-          </a:bodyPr>
-          <a:lstStyle/>
-          <a:p>
-            <a:pPr algn="ctr"/>
-            <a:r>
-              <a:rPr lang="en-US" sz="2100" b="1" dirty="0">
-                <a:ln w="6600">
-                  <a:solidFill>
-                    <a:schemeClr val="accent2"/>
-                  </a:solidFill>
-                  <a:prstDash val="solid"/>
-                </a:ln>
-                <a:solidFill>
-                  <a:srgbClr val="FFFFFF"/>
-                </a:solidFill>
-                <a:effectLst>
-                  <a:outerShdw dist="38100" dir="2700000" algn="tl" rotWithShape="0">
-                    <a:schemeClr val="accent2"/>
-                  </a:outerShdw>
-                </a:effectLst>
-              </a:rPr>
-              <a:t>Producer 2</a:t>
-            </a:r>
-            <a:endParaRPr lang="en-US" sz="2100" b="1" dirty="0">
-              <a:ln w="10160">
-                <a:solidFill>
-                  <a:schemeClr val="accent5"/>
-                </a:solidFill>
-                <a:prstDash val="solid"/>
-              </a:ln>
-              <a:solidFill>
-                <a:srgbClr val="FFFFFF"/>
-              </a:solidFill>
-              <a:effectLst>
-                <a:outerShdw blurRad="38100" dist="22860" dir="5400000" algn="tl" rotWithShape="0">
-                  <a:srgbClr val="000000">
-                    <a:alpha val="30000"/>
-                  </a:srgbClr>
-                </a:outerShdw>
-              </a:effectLst>
-            </a:endParaRPr>
-          </a:p>
-        </p:txBody>
-      </p:sp>
-      <p:sp>
-        <p:nvSpPr>
-          <p:cNvPr id="30" name="Rectangle 29"/>
-          <p:cNvSpPr/>
-          <p:nvPr/>
-        </p:nvSpPr>
-        <p:spPr>
-          <a:xfrm>
-            <a:off x="3384964" y="4210391"/>
-            <a:ext cx="2141360" cy="392415"/>
-          </a:xfrm>
-          <a:prstGeom prst="rect">
-            <a:avLst/>
-          </a:prstGeom>
-          <a:noFill/>
-        </p:spPr>
-        <p:txBody>
-          <a:bodyPr wrap="square" lIns="68580" tIns="34290" rIns="68580" bIns="34290">
-            <a:spAutoFit/>
-          </a:bodyPr>
-          <a:lstStyle/>
-          <a:p>
-            <a:pPr algn="ctr"/>
-            <a:r>
-              <a:rPr lang="en-US" sz="2100" b="1" dirty="0">
-                <a:ln w="6600">
-                  <a:solidFill>
-                    <a:schemeClr val="accent2"/>
-                  </a:solidFill>
-                  <a:prstDash val="solid"/>
-                </a:ln>
-                <a:solidFill>
-                  <a:srgbClr val="FFFFFF"/>
-                </a:solidFill>
-                <a:effectLst>
-                  <a:outerShdw dist="38100" dir="2700000" algn="tl" rotWithShape="0">
-                    <a:schemeClr val="accent2"/>
-                  </a:outerShdw>
-                </a:effectLst>
-              </a:rPr>
-              <a:t>Producer 3</a:t>
-            </a:r>
-            <a:endParaRPr lang="en-US" sz="2100" b="1" dirty="0">
-              <a:ln w="10160">
-                <a:solidFill>
-                  <a:schemeClr val="accent5"/>
-                </a:solidFill>
-                <a:prstDash val="solid"/>
-              </a:ln>
-              <a:solidFill>
-                <a:srgbClr val="FFFFFF"/>
-              </a:solidFill>
-              <a:effectLst>
-                <a:outerShdw blurRad="38100" dist="22860" dir="5400000" algn="tl" rotWithShape="0">
-                  <a:srgbClr val="000000">
-                    <a:alpha val="30000"/>
-                  </a:srgbClr>
-                </a:outerShdw>
-              </a:effectLst>
-            </a:endParaRPr>
-          </a:p>
-        </p:txBody>
-      </p:sp>
-      <p:sp>
-        <p:nvSpPr>
-          <p:cNvPr id="31" name="Rectangle 30"/>
-          <p:cNvSpPr/>
-          <p:nvPr/>
-        </p:nvSpPr>
-        <p:spPr>
-          <a:xfrm>
-            <a:off x="3384964" y="561000"/>
-            <a:ext cx="2141360" cy="392415"/>
-          </a:xfrm>
-          <a:prstGeom prst="rect">
-            <a:avLst/>
-          </a:prstGeom>
-          <a:noFill/>
-        </p:spPr>
-        <p:txBody>
-          <a:bodyPr wrap="square" lIns="68580" tIns="34290" rIns="68580" bIns="34290">
-            <a:spAutoFit/>
-          </a:bodyPr>
-          <a:lstStyle/>
-          <a:p>
-            <a:pPr algn="ctr"/>
-            <a:r>
-              <a:rPr lang="en-US" sz="2100" b="1" dirty="0">
-                <a:ln w="6600">
-                  <a:solidFill>
-                    <a:schemeClr val="accent2"/>
-                  </a:solidFill>
-                  <a:prstDash val="solid"/>
-                </a:ln>
-                <a:solidFill>
-                  <a:srgbClr val="FFFFFF"/>
-                </a:solidFill>
-                <a:effectLst>
-                  <a:outerShdw dist="38100" dir="2700000" algn="tl" rotWithShape="0">
-                    <a:schemeClr val="accent2"/>
-                  </a:outerShdw>
-                </a:effectLst>
-              </a:rPr>
-              <a:t>Consumer 1</a:t>
-            </a:r>
-            <a:endParaRPr lang="en-US" sz="2100" b="1" dirty="0">
-              <a:ln w="10160">
-                <a:solidFill>
-                  <a:schemeClr val="accent5"/>
-                </a:solidFill>
-                <a:prstDash val="solid"/>
-              </a:ln>
-              <a:solidFill>
-                <a:srgbClr val="FFFFFF"/>
-              </a:solidFill>
-              <a:effectLst>
-                <a:outerShdw blurRad="38100" dist="22860" dir="5400000" algn="tl" rotWithShape="0">
-                  <a:srgbClr val="000000">
-                    <a:alpha val="30000"/>
-                  </a:srgbClr>
-                </a:outerShdw>
-              </a:effectLst>
-            </a:endParaRPr>
-          </a:p>
-        </p:txBody>
-      </p:sp>
-      <p:sp>
-        <p:nvSpPr>
-          <p:cNvPr id="34" name="Rectangle 33"/>
-          <p:cNvSpPr/>
-          <p:nvPr/>
-        </p:nvSpPr>
-        <p:spPr>
-          <a:xfrm>
-            <a:off x="215223" y="4210391"/>
-            <a:ext cx="2141360" cy="392415"/>
-          </a:xfrm>
-          <a:prstGeom prst="rect">
-            <a:avLst/>
-          </a:prstGeom>
-          <a:noFill/>
-        </p:spPr>
-        <p:txBody>
-          <a:bodyPr wrap="square" lIns="68580" tIns="34290" rIns="68580" bIns="34290">
-            <a:spAutoFit/>
-          </a:bodyPr>
-          <a:lstStyle/>
-          <a:p>
-            <a:pPr algn="ctr"/>
-            <a:r>
-              <a:rPr lang="en-US" sz="2100" b="1" dirty="0">
-                <a:ln w="6600">
-                  <a:solidFill>
-                    <a:schemeClr val="accent2"/>
-                  </a:solidFill>
-                  <a:prstDash val="solid"/>
-                </a:ln>
-                <a:solidFill>
-                  <a:srgbClr val="FFFFFF"/>
-                </a:solidFill>
-                <a:effectLst>
-                  <a:outerShdw dist="38100" dir="2700000" algn="tl" rotWithShape="0">
-                    <a:schemeClr val="accent2"/>
-                  </a:outerShdw>
-                </a:effectLst>
-              </a:rPr>
-              <a:t>Consumer 2</a:t>
-            </a:r>
-            <a:endParaRPr lang="en-US" sz="2100" b="1" dirty="0">
-              <a:ln w="10160">
-                <a:solidFill>
-                  <a:schemeClr val="accent5"/>
-                </a:solidFill>
-                <a:prstDash val="solid"/>
-              </a:ln>
-              <a:solidFill>
-                <a:srgbClr val="FFFFFF"/>
-              </a:solidFill>
-              <a:effectLst>
-                <a:outerShdw blurRad="38100" dist="22860" dir="5400000" algn="tl" rotWithShape="0">
-                  <a:srgbClr val="000000">
-                    <a:alpha val="30000"/>
-                  </a:srgbClr>
-                </a:outerShdw>
-              </a:effectLst>
-            </a:endParaRPr>
-          </a:p>
-        </p:txBody>
-      </p:sp>
-      <p:sp>
-        <p:nvSpPr>
-          <p:cNvPr id="35" name="Rectangle 34"/>
-          <p:cNvSpPr/>
-          <p:nvPr/>
-        </p:nvSpPr>
-        <p:spPr>
-          <a:xfrm>
-            <a:off x="6524512" y="4210391"/>
-            <a:ext cx="2141360" cy="392415"/>
-          </a:xfrm>
-          <a:prstGeom prst="rect">
-            <a:avLst/>
-          </a:prstGeom>
-          <a:noFill/>
-        </p:spPr>
-        <p:txBody>
-          <a:bodyPr wrap="square" lIns="68580" tIns="34290" rIns="68580" bIns="34290">
-            <a:spAutoFit/>
-          </a:bodyPr>
-          <a:lstStyle/>
-          <a:p>
-            <a:pPr algn="ctr"/>
-            <a:r>
-              <a:rPr lang="en-US" sz="2100" b="1" dirty="0">
-                <a:ln w="6600">
-                  <a:solidFill>
-                    <a:schemeClr val="accent2"/>
-                  </a:solidFill>
-                  <a:prstDash val="solid"/>
-                </a:ln>
-                <a:solidFill>
-                  <a:srgbClr val="FFFFFF"/>
-                </a:solidFill>
-                <a:effectLst>
-                  <a:outerShdw dist="38100" dir="2700000" algn="tl" rotWithShape="0">
-                    <a:schemeClr val="accent2"/>
-                  </a:outerShdw>
-                </a:effectLst>
-              </a:rPr>
-              <a:t>Consumer 3</a:t>
-            </a:r>
-            <a:endParaRPr lang="en-US" sz="2100" b="1" dirty="0">
-              <a:ln w="10160">
-                <a:solidFill>
-                  <a:schemeClr val="accent5"/>
-                </a:solidFill>
-                <a:prstDash val="solid"/>
-              </a:ln>
-              <a:solidFill>
-                <a:srgbClr val="FFFFFF"/>
-              </a:solidFill>
-              <a:effectLst>
-                <a:outerShdw blurRad="38100" dist="22860" dir="5400000" algn="tl" rotWithShape="0">
-                  <a:srgbClr val="000000">
-                    <a:alpha val="30000"/>
-                  </a:srgbClr>
-                </a:outerShdw>
-              </a:effectLst>
-            </a:endParaRPr>
-          </a:p>
-        </p:txBody>
-      </p:sp>
-      <p:cxnSp>
-        <p:nvCxnSpPr>
-          <p:cNvPr id="36" name="Elbow Connector 35"/>
-          <p:cNvCxnSpPr>
-            <a:stCxn id="21" idx="0"/>
-            <a:endCxn id="32" idx="3"/>
-          </p:cNvCxnSpPr>
-          <p:nvPr/>
-        </p:nvCxnSpPr>
-        <p:spPr>
-          <a:xfrm rot="5400000" flipH="1" flipV="1">
-            <a:off x="1923697" y="2620523"/>
-            <a:ext cx="794333" cy="2083573"/>
-          </a:xfrm>
-          <a:prstGeom prst="bentConnector2">
-            <a:avLst/>
-          </a:prstGeom>
-          <a:ln w="38100" cap="flat" cmpd="sng" algn="ctr">
-            <a:solidFill>
-              <a:schemeClr val="accent2"/>
-            </a:solidFill>
-            <a:prstDash val="lgDash"/>
-            <a:round/>
-            <a:headEnd type="none" w="med" len="med"/>
-            <a:tailEnd type="arrow" w="med" len="med"/>
-          </a:ln>
-        </p:spPr>
-        <p:style>
-          <a:lnRef idx="0">
-            <a:scrgbClr r="0" g="0" b="0"/>
-          </a:lnRef>
-          <a:fillRef idx="0">
-            <a:scrgbClr r="0" g="0" b="0"/>
-          </a:fillRef>
-          <a:effectRef idx="0">
-            <a:scrgbClr r="0" g="0" b="0"/>
-          </a:effectRef>
-          <a:fontRef idx="minor">
-            <a:schemeClr val="tx1"/>
-          </a:fontRef>
-        </p:style>
-      </p:cxnSp>
-      <p:cxnSp>
-        <p:nvCxnSpPr>
-          <p:cNvPr id="37" name="Elbow Connector 36"/>
-          <p:cNvCxnSpPr>
-            <a:stCxn id="32" idx="1"/>
-            <a:endCxn id="20" idx="0"/>
-          </p:cNvCxnSpPr>
-          <p:nvPr/>
-        </p:nvCxnSpPr>
-        <p:spPr>
-          <a:xfrm>
-            <a:off x="5548639" y="3265142"/>
-            <a:ext cx="2074326" cy="794333"/>
-          </a:xfrm>
-          <a:prstGeom prst="bentConnector2">
-            <a:avLst/>
-          </a:prstGeom>
-          <a:ln w="38100" cap="flat" cmpd="sng" algn="ctr">
-            <a:solidFill>
-              <a:schemeClr val="accent2"/>
-            </a:solidFill>
-            <a:prstDash val="lgDash"/>
-            <a:round/>
-            <a:headEnd type="none" w="med" len="med"/>
-            <a:tailEnd type="arrow" w="med" len="med"/>
-          </a:ln>
-        </p:spPr>
-        <p:style>
-          <a:lnRef idx="0">
-            <a:scrgbClr r="0" g="0" b="0"/>
-          </a:lnRef>
-          <a:fillRef idx="0">
-            <a:scrgbClr r="0" g="0" b="0"/>
-          </a:fillRef>
-          <a:effectRef idx="0">
-            <a:scrgbClr r="0" g="0" b="0"/>
-          </a:effectRef>
-          <a:fontRef idx="minor">
-            <a:schemeClr val="tx1"/>
-          </a:fontRef>
-        </p:style>
-      </p:cxnSp>
-      <p:cxnSp>
-        <p:nvCxnSpPr>
-          <p:cNvPr id="41" name="Straight Arrow Connector 40"/>
-          <p:cNvCxnSpPr/>
-          <p:nvPr/>
-        </p:nvCxnSpPr>
-        <p:spPr>
-          <a:xfrm flipV="1">
-            <a:off x="4455644" y="3589911"/>
-            <a:ext cx="0" cy="469564"/>
-          </a:xfrm>
-          <a:prstGeom prst="straightConnector1">
-            <a:avLst/>
-          </a:prstGeom>
-          <a:ln w="38100" cap="flat" cmpd="sng" algn="ctr">
-            <a:solidFill>
-              <a:schemeClr val="accent2"/>
-            </a:solidFill>
-            <a:prstDash val="lgDash"/>
-            <a:round/>
-            <a:headEnd type="none" w="med" len="med"/>
-            <a:tailEnd type="arrow" w="med" len="med"/>
-          </a:ln>
-        </p:spPr>
-        <p:style>
-          <a:lnRef idx="0">
-            <a:scrgbClr r="0" g="0" b="0"/>
-          </a:lnRef>
-          <a:fillRef idx="0">
-            <a:scrgbClr r="0" g="0" b="0"/>
-          </a:fillRef>
-          <a:effectRef idx="0">
-            <a:scrgbClr r="0" g="0" b="0"/>
-          </a:effectRef>
-          <a:fontRef idx="minor">
-            <a:schemeClr val="tx1"/>
-          </a:fontRef>
-        </p:style>
-      </p:cxnSp>
-      <p:cxnSp>
-        <p:nvCxnSpPr>
-          <p:cNvPr id="44" name="Straight Arrow Connector 43"/>
-          <p:cNvCxnSpPr/>
-          <p:nvPr/>
-        </p:nvCxnSpPr>
-        <p:spPr>
-          <a:xfrm>
-            <a:off x="4455644" y="2270463"/>
-            <a:ext cx="0" cy="669909"/>
-          </a:xfrm>
-          <a:prstGeom prst="straightConnector1">
-            <a:avLst/>
-          </a:prstGeom>
-          <a:ln w="38100" cap="flat" cmpd="sng" algn="ctr">
-            <a:solidFill>
-              <a:schemeClr val="accent2"/>
-            </a:solidFill>
-            <a:prstDash val="sysDash"/>
-            <a:round/>
-            <a:headEnd type="arrow" w="med" len="med"/>
-            <a:tailEnd type="arrow" w="med" len="med"/>
-          </a:ln>
-        </p:spPr>
-        <p:style>
-          <a:lnRef idx="0">
-            <a:scrgbClr r="0" g="0" b="0"/>
-          </a:lnRef>
-          <a:fillRef idx="0">
-            <a:scrgbClr r="0" g="0" b="0"/>
-          </a:fillRef>
-          <a:effectRef idx="0">
-            <a:scrgbClr r="0" g="0" b="0"/>
-          </a:effectRef>
-          <a:fontRef idx="minor">
-            <a:schemeClr val="tx1"/>
-          </a:fontRef>
-        </p:style>
-      </p:cxnSp>
-      <p:sp>
-        <p:nvSpPr>
-          <p:cNvPr id="26" name="Rounded Rectangle 25"/>
-          <p:cNvSpPr/>
-          <p:nvPr/>
-        </p:nvSpPr>
-        <p:spPr>
-          <a:xfrm>
-            <a:off x="9838" y="0"/>
-            <a:ext cx="9134162" cy="5143500"/>
-          </a:xfrm>
-          <a:prstGeom prst="roundRect">
-            <a:avLst/>
-          </a:prstGeom>
-          <a:noFill/>
-          <a:ln>
-            <a:noFill/>
-          </a:ln>
-        </p:spPr>
-        <p:style>
-          <a:lnRef idx="2">
-            <a:schemeClr val="accent1">
-              <a:shade val="50000"/>
-            </a:schemeClr>
-          </a:lnRef>
-          <a:fillRef idx="1">
-            <a:schemeClr val="accent1"/>
-          </a:fillRef>
-          <a:effectRef idx="0">
-            <a:schemeClr val="accent1"/>
-          </a:effectRef>
-          <a:fontRef idx="minor">
-            <a:schemeClr val="lt1"/>
-          </a:fontRef>
-        </p:style>
-        <p:txBody>
-          <a:bodyPr rtlCol="0" anchor="ctr"/>
-          <a:lstStyle/>
-          <a:p>
-            <a:pPr algn="ctr"/>
-            <a:endParaRPr lang="en-US" sz="1013"/>
-          </a:p>
-        </p:txBody>
-      </p:sp>
-    </p:spTree>
-    <p:extLst>
-      <p:ext uri="{BB962C8B-B14F-4D97-AF65-F5344CB8AC3E}">
-        <p14:creationId xmlns:p14="http://schemas.microsoft.com/office/powerpoint/2010/main" val="2213294687"/>
       </p:ext>
     </p:extLst>
   </p:cSld>

--- a/ppt/jms slides.pptx
+++ b/ppt/jms slides.pptx
@@ -12,8 +12,9 @@
     <p:sldId id="265" r:id="rId6"/>
     <p:sldId id="266" r:id="rId7"/>
     <p:sldId id="267" r:id="rId8"/>
-    <p:sldId id="258" r:id="rId9"/>
-    <p:sldId id="259" r:id="rId10"/>
+    <p:sldId id="268" r:id="rId9"/>
+    <p:sldId id="258" r:id="rId10"/>
+    <p:sldId id="259" r:id="rId11"/>
   </p:sldIdLst>
   <p:sldSz cx="9144000" cy="5143500" type="screen16x9"/>
   <p:notesSz cx="6858000" cy="9144000"/>
@@ -251,7 +252,7 @@
           <a:p>
             <a:fld id="{11A3A2C2-75AB-4F7F-9DF5-374BE777B759}" type="datetimeFigureOut">
               <a:rPr lang="en-US" smtClean="0"/>
-              <a:t>11/12/2016</a:t>
+              <a:t>11/13/2016</a:t>
             </a:fld>
             <a:endParaRPr lang="en-US"/>
           </a:p>
@@ -421,7 +422,7 @@
           <a:p>
             <a:fld id="{11A3A2C2-75AB-4F7F-9DF5-374BE777B759}" type="datetimeFigureOut">
               <a:rPr lang="en-US" smtClean="0"/>
-              <a:t>11/12/2016</a:t>
+              <a:t>11/13/2016</a:t>
             </a:fld>
             <a:endParaRPr lang="en-US"/>
           </a:p>
@@ -601,7 +602,7 @@
           <a:p>
             <a:fld id="{11A3A2C2-75AB-4F7F-9DF5-374BE777B759}" type="datetimeFigureOut">
               <a:rPr lang="en-US" smtClean="0"/>
-              <a:t>11/12/2016</a:t>
+              <a:t>11/13/2016</a:t>
             </a:fld>
             <a:endParaRPr lang="en-US"/>
           </a:p>
@@ -771,7 +772,7 @@
           <a:p>
             <a:fld id="{11A3A2C2-75AB-4F7F-9DF5-374BE777B759}" type="datetimeFigureOut">
               <a:rPr lang="en-US" smtClean="0"/>
-              <a:t>11/12/2016</a:t>
+              <a:t>11/13/2016</a:t>
             </a:fld>
             <a:endParaRPr lang="en-US"/>
           </a:p>
@@ -1017,7 +1018,7 @@
           <a:p>
             <a:fld id="{11A3A2C2-75AB-4F7F-9DF5-374BE777B759}" type="datetimeFigureOut">
               <a:rPr lang="en-US" smtClean="0"/>
-              <a:t>11/12/2016</a:t>
+              <a:t>11/13/2016</a:t>
             </a:fld>
             <a:endParaRPr lang="en-US"/>
           </a:p>
@@ -1249,7 +1250,7 @@
           <a:p>
             <a:fld id="{11A3A2C2-75AB-4F7F-9DF5-374BE777B759}" type="datetimeFigureOut">
               <a:rPr lang="en-US" smtClean="0"/>
-              <a:t>11/12/2016</a:t>
+              <a:t>11/13/2016</a:t>
             </a:fld>
             <a:endParaRPr lang="en-US"/>
           </a:p>
@@ -1616,7 +1617,7 @@
           <a:p>
             <a:fld id="{11A3A2C2-75AB-4F7F-9DF5-374BE777B759}" type="datetimeFigureOut">
               <a:rPr lang="en-US" smtClean="0"/>
-              <a:t>11/12/2016</a:t>
+              <a:t>11/13/2016</a:t>
             </a:fld>
             <a:endParaRPr lang="en-US"/>
           </a:p>
@@ -1734,7 +1735,7 @@
           <a:p>
             <a:fld id="{11A3A2C2-75AB-4F7F-9DF5-374BE777B759}" type="datetimeFigureOut">
               <a:rPr lang="en-US" smtClean="0"/>
-              <a:t>11/12/2016</a:t>
+              <a:t>11/13/2016</a:t>
             </a:fld>
             <a:endParaRPr lang="en-US"/>
           </a:p>
@@ -1829,7 +1830,7 @@
           <a:p>
             <a:fld id="{11A3A2C2-75AB-4F7F-9DF5-374BE777B759}" type="datetimeFigureOut">
               <a:rPr lang="en-US" smtClean="0"/>
-              <a:t>11/12/2016</a:t>
+              <a:t>11/13/2016</a:t>
             </a:fld>
             <a:endParaRPr lang="en-US"/>
           </a:p>
@@ -2106,7 +2107,7 @@
           <a:p>
             <a:fld id="{11A3A2C2-75AB-4F7F-9DF5-374BE777B759}" type="datetimeFigureOut">
               <a:rPr lang="en-US" smtClean="0"/>
-              <a:t>11/12/2016</a:t>
+              <a:t>11/13/2016</a:t>
             </a:fld>
             <a:endParaRPr lang="en-US"/>
           </a:p>
@@ -2363,7 +2364,7 @@
           <a:p>
             <a:fld id="{11A3A2C2-75AB-4F7F-9DF5-374BE777B759}" type="datetimeFigureOut">
               <a:rPr lang="en-US" smtClean="0"/>
-              <a:t>11/12/2016</a:t>
+              <a:t>11/13/2016</a:t>
             </a:fld>
             <a:endParaRPr lang="en-US"/>
           </a:p>
@@ -2576,7 +2577,7 @@
           <a:p>
             <a:fld id="{11A3A2C2-75AB-4F7F-9DF5-374BE777B759}" type="datetimeFigureOut">
               <a:rPr lang="en-US" smtClean="0"/>
-              <a:t>11/12/2016</a:t>
+              <a:t>11/13/2016</a:t>
             </a:fld>
             <a:endParaRPr lang="en-US"/>
           </a:p>
@@ -3801,6 +3802,726 @@
 </p:sld>
 </file>
 
+<file path=ppt/slides/slide10.xml><?xml version="1.0" encoding="utf-8"?>
+<p:sld xmlns:a="http://schemas.openxmlformats.org/drawingml/2006/main" xmlns:r="http://schemas.openxmlformats.org/officeDocument/2006/relationships" xmlns:p="http://schemas.openxmlformats.org/presentationml/2006/main">
+  <p:cSld>
+    <p:bg>
+      <p:bgPr>
+        <a:solidFill>
+          <a:schemeClr val="bg1">
+            <a:alpha val="0"/>
+          </a:schemeClr>
+        </a:solidFill>
+        <a:effectLst/>
+      </p:bgPr>
+    </p:bg>
+    <p:spTree>
+      <p:nvGrpSpPr>
+        <p:cNvPr id="1" name=""/>
+        <p:cNvGrpSpPr/>
+        <p:nvPr/>
+      </p:nvGrpSpPr>
+      <p:grpSpPr>
+        <a:xfrm>
+          <a:off x="0" y="0"/>
+          <a:ext cx="0" cy="0"/>
+          <a:chOff x="0" y="0"/>
+          <a:chExt cx="0" cy="0"/>
+        </a:xfrm>
+      </p:grpSpPr>
+      <p:sp>
+        <p:nvSpPr>
+          <p:cNvPr id="4" name="Rounded Rectangle 3"/>
+          <p:cNvSpPr/>
+          <p:nvPr/>
+        </p:nvSpPr>
+        <p:spPr>
+          <a:xfrm>
+            <a:off x="877548" y="1967785"/>
+            <a:ext cx="1403132" cy="717332"/>
+          </a:xfrm>
+          <a:prstGeom prst="roundRect">
+            <a:avLst/>
+          </a:prstGeom>
+        </p:spPr>
+        <p:style>
+          <a:lnRef idx="0">
+            <a:schemeClr val="accent2"/>
+          </a:lnRef>
+          <a:fillRef idx="3">
+            <a:schemeClr val="accent2"/>
+          </a:fillRef>
+          <a:effectRef idx="3">
+            <a:schemeClr val="accent2"/>
+          </a:effectRef>
+          <a:fontRef idx="minor">
+            <a:schemeClr val="lt1"/>
+          </a:fontRef>
+        </p:style>
+        <p:txBody>
+          <a:bodyPr rtlCol="0" anchor="ctr"/>
+          <a:lstStyle/>
+          <a:p>
+            <a:pPr algn="ctr"/>
+            <a:endParaRPr lang="en-US" sz="1013" b="1" spc="38" dirty="0">
+              <a:ln w="9525" cmpd="sng">
+                <a:solidFill>
+                  <a:schemeClr val="accent1"/>
+                </a:solidFill>
+                <a:prstDash val="solid"/>
+              </a:ln>
+              <a:solidFill>
+                <a:srgbClr val="70AD47">
+                  <a:tint val="1000"/>
+                </a:srgbClr>
+              </a:solidFill>
+              <a:effectLst>
+                <a:glow rad="38100">
+                  <a:schemeClr val="accent1">
+                    <a:alpha val="40000"/>
+                  </a:schemeClr>
+                </a:glow>
+              </a:effectLst>
+            </a:endParaRPr>
+          </a:p>
+        </p:txBody>
+      </p:sp>
+      <p:sp>
+        <p:nvSpPr>
+          <p:cNvPr id="7" name="Rounded Rectangle 6"/>
+          <p:cNvSpPr/>
+          <p:nvPr/>
+        </p:nvSpPr>
+        <p:spPr>
+          <a:xfrm>
+            <a:off x="6509335" y="1967785"/>
+            <a:ext cx="1403132" cy="717332"/>
+          </a:xfrm>
+          <a:prstGeom prst="roundRect">
+            <a:avLst/>
+          </a:prstGeom>
+        </p:spPr>
+        <p:style>
+          <a:lnRef idx="0">
+            <a:schemeClr val="accent2"/>
+          </a:lnRef>
+          <a:fillRef idx="3">
+            <a:schemeClr val="accent2"/>
+          </a:fillRef>
+          <a:effectRef idx="3">
+            <a:schemeClr val="accent2"/>
+          </a:effectRef>
+          <a:fontRef idx="minor">
+            <a:schemeClr val="lt1"/>
+          </a:fontRef>
+        </p:style>
+        <p:txBody>
+          <a:bodyPr rtlCol="0" anchor="ctr"/>
+          <a:lstStyle/>
+          <a:p>
+            <a:pPr algn="ctr"/>
+            <a:endParaRPr lang="en-US" sz="1013" dirty="0"/>
+          </a:p>
+        </p:txBody>
+      </p:sp>
+      <p:sp>
+        <p:nvSpPr>
+          <p:cNvPr id="2" name="Can 1"/>
+          <p:cNvSpPr/>
+          <p:nvPr/>
+        </p:nvSpPr>
+        <p:spPr>
+          <a:xfrm rot="5400000">
+            <a:off x="4109443" y="184044"/>
+            <a:ext cx="649539" cy="2185990"/>
+          </a:xfrm>
+          <a:prstGeom prst="can">
+            <a:avLst/>
+          </a:prstGeom>
+        </p:spPr>
+        <p:style>
+          <a:lnRef idx="2">
+            <a:schemeClr val="accent1">
+              <a:shade val="50000"/>
+            </a:schemeClr>
+          </a:lnRef>
+          <a:fillRef idx="1">
+            <a:schemeClr val="accent1"/>
+          </a:fillRef>
+          <a:effectRef idx="0">
+            <a:schemeClr val="accent1"/>
+          </a:effectRef>
+          <a:fontRef idx="minor">
+            <a:schemeClr val="lt1"/>
+          </a:fontRef>
+        </p:style>
+        <p:txBody>
+          <a:bodyPr rtlCol="0" anchor="ctr"/>
+          <a:lstStyle/>
+          <a:p>
+            <a:pPr algn="ctr"/>
+            <a:endParaRPr lang="en-US" sz="1013"/>
+          </a:p>
+        </p:txBody>
+      </p:sp>
+      <p:sp>
+        <p:nvSpPr>
+          <p:cNvPr id="3" name="Rectangle 2"/>
+          <p:cNvSpPr/>
+          <p:nvPr/>
+        </p:nvSpPr>
+        <p:spPr>
+          <a:xfrm>
+            <a:off x="3688463" y="1020849"/>
+            <a:ext cx="1491499" cy="484748"/>
+          </a:xfrm>
+          <a:prstGeom prst="rect">
+            <a:avLst/>
+          </a:prstGeom>
+          <a:noFill/>
+        </p:spPr>
+        <p:txBody>
+          <a:bodyPr wrap="none" lIns="68580" tIns="34290" rIns="68580" bIns="34290">
+            <a:spAutoFit/>
+          </a:bodyPr>
+          <a:lstStyle/>
+          <a:p>
+            <a:pPr algn="ctr"/>
+            <a:r>
+              <a:rPr lang="en-US" sz="2400" b="1" dirty="0">
+                <a:ln w="12700" cmpd="sng">
+                  <a:solidFill>
+                    <a:schemeClr val="accent4"/>
+                  </a:solidFill>
+                  <a:prstDash val="solid"/>
+                </a:ln>
+                <a:gradFill>
+                  <a:gsLst>
+                    <a:gs pos="0">
+                      <a:schemeClr val="accent4"/>
+                    </a:gs>
+                    <a:gs pos="4000">
+                      <a:schemeClr val="accent4">
+                        <a:lumMod val="60000"/>
+                        <a:lumOff val="40000"/>
+                      </a:schemeClr>
+                    </a:gs>
+                    <a:gs pos="87000">
+                      <a:schemeClr val="accent4">
+                        <a:lumMod val="20000"/>
+                        <a:lumOff val="80000"/>
+                      </a:schemeClr>
+                    </a:gs>
+                  </a:gsLst>
+                  <a:lin ang="5400000"/>
+                </a:gradFill>
+              </a:rPr>
+              <a:t>Request</a:t>
+            </a:r>
+            <a:r>
+              <a:rPr lang="en-US" sz="2700" b="1" dirty="0" smtClean="0">
+                <a:ln w="10160">
+                  <a:solidFill>
+                    <a:schemeClr val="accent5"/>
+                  </a:solidFill>
+                  <a:prstDash val="solid"/>
+                </a:ln>
+                <a:solidFill>
+                  <a:srgbClr val="FFFFFF"/>
+                </a:solidFill>
+                <a:effectLst>
+                  <a:outerShdw blurRad="38100" dist="22860" dir="5400000" algn="tl" rotWithShape="0">
+                    <a:srgbClr val="000000">
+                      <a:alpha val="30000"/>
+                    </a:srgbClr>
+                  </a:outerShdw>
+                </a:effectLst>
+              </a:rPr>
+              <a:t> </a:t>
+            </a:r>
+            <a:r>
+              <a:rPr lang="en-US" sz="2400" b="1" dirty="0">
+                <a:ln w="12700" cmpd="sng">
+                  <a:solidFill>
+                    <a:schemeClr val="accent4"/>
+                  </a:solidFill>
+                  <a:prstDash val="solid"/>
+                </a:ln>
+                <a:gradFill>
+                  <a:gsLst>
+                    <a:gs pos="0">
+                      <a:schemeClr val="accent4"/>
+                    </a:gs>
+                    <a:gs pos="4000">
+                      <a:schemeClr val="accent4">
+                        <a:lumMod val="60000"/>
+                        <a:lumOff val="40000"/>
+                      </a:schemeClr>
+                    </a:gs>
+                    <a:gs pos="87000">
+                      <a:schemeClr val="accent4">
+                        <a:lumMod val="20000"/>
+                        <a:lumOff val="80000"/>
+                      </a:schemeClr>
+                    </a:gs>
+                  </a:gsLst>
+                  <a:lin ang="5400000"/>
+                </a:gradFill>
+              </a:rPr>
+              <a:t>Q</a:t>
+            </a:r>
+          </a:p>
+        </p:txBody>
+      </p:sp>
+      <p:sp>
+        <p:nvSpPr>
+          <p:cNvPr id="8" name="Rectangle 7"/>
+          <p:cNvSpPr/>
+          <p:nvPr/>
+        </p:nvSpPr>
+        <p:spPr>
+          <a:xfrm>
+            <a:off x="508434" y="2114059"/>
+            <a:ext cx="2141360" cy="438582"/>
+          </a:xfrm>
+          <a:prstGeom prst="rect">
+            <a:avLst/>
+          </a:prstGeom>
+          <a:noFill/>
+          <a:effectLst>
+            <a:outerShdw blurRad="50800" dist="38100" dir="8100000" algn="tr" rotWithShape="0">
+              <a:prstClr val="black">
+                <a:alpha val="40000"/>
+              </a:prstClr>
+            </a:outerShdw>
+          </a:effectLst>
+        </p:spPr>
+        <p:txBody>
+          <a:bodyPr wrap="square" lIns="68580" tIns="34290" rIns="68580" bIns="34290">
+            <a:spAutoFit/>
+          </a:bodyPr>
+          <a:lstStyle/>
+          <a:p>
+            <a:pPr algn="ctr"/>
+            <a:r>
+              <a:rPr lang="en-US" sz="2400" b="1" dirty="0">
+                <a:ln w="12700" cmpd="sng">
+                  <a:solidFill>
+                    <a:schemeClr val="accent4"/>
+                  </a:solidFill>
+                  <a:prstDash val="solid"/>
+                </a:ln>
+                <a:gradFill>
+                  <a:gsLst>
+                    <a:gs pos="0">
+                      <a:schemeClr val="accent4"/>
+                    </a:gs>
+                    <a:gs pos="4000">
+                      <a:schemeClr val="accent4">
+                        <a:lumMod val="60000"/>
+                        <a:lumOff val="40000"/>
+                      </a:schemeClr>
+                    </a:gs>
+                    <a:gs pos="87000">
+                      <a:schemeClr val="accent4">
+                        <a:lumMod val="20000"/>
+                        <a:lumOff val="80000"/>
+                      </a:schemeClr>
+                    </a:gs>
+                  </a:gsLst>
+                  <a:lin ang="5400000"/>
+                </a:gradFill>
+              </a:rPr>
+              <a:t>Producer</a:t>
+            </a:r>
+          </a:p>
+        </p:txBody>
+      </p:sp>
+      <p:sp>
+        <p:nvSpPr>
+          <p:cNvPr id="9" name="Rectangle 8"/>
+          <p:cNvSpPr/>
+          <p:nvPr/>
+        </p:nvSpPr>
+        <p:spPr>
+          <a:xfrm>
+            <a:off x="6140221" y="2114059"/>
+            <a:ext cx="2141360" cy="438582"/>
+          </a:xfrm>
+          <a:prstGeom prst="rect">
+            <a:avLst/>
+          </a:prstGeom>
+          <a:noFill/>
+          <a:effectLst>
+            <a:outerShdw blurRad="50800" dist="38100" dir="8100000" algn="tr" rotWithShape="0">
+              <a:prstClr val="black">
+                <a:alpha val="40000"/>
+              </a:prstClr>
+            </a:outerShdw>
+          </a:effectLst>
+        </p:spPr>
+        <p:txBody>
+          <a:bodyPr wrap="square" lIns="68580" tIns="34290" rIns="68580" bIns="34290">
+            <a:spAutoFit/>
+          </a:bodyPr>
+          <a:lstStyle/>
+          <a:p>
+            <a:pPr algn="ctr"/>
+            <a:r>
+              <a:rPr lang="en-US" sz="2400" b="1" dirty="0">
+                <a:ln w="12700" cmpd="sng">
+                  <a:solidFill>
+                    <a:schemeClr val="accent4"/>
+                  </a:solidFill>
+                  <a:prstDash val="solid"/>
+                </a:ln>
+                <a:gradFill>
+                  <a:gsLst>
+                    <a:gs pos="0">
+                      <a:schemeClr val="accent4"/>
+                    </a:gs>
+                    <a:gs pos="4000">
+                      <a:schemeClr val="accent4">
+                        <a:lumMod val="60000"/>
+                        <a:lumOff val="40000"/>
+                      </a:schemeClr>
+                    </a:gs>
+                    <a:gs pos="87000">
+                      <a:schemeClr val="accent4">
+                        <a:lumMod val="20000"/>
+                        <a:lumOff val="80000"/>
+                      </a:schemeClr>
+                    </a:gs>
+                  </a:gsLst>
+                  <a:lin ang="5400000"/>
+                </a:gradFill>
+              </a:rPr>
+              <a:t>Consumer</a:t>
+            </a:r>
+          </a:p>
+        </p:txBody>
+      </p:sp>
+      <p:cxnSp>
+        <p:nvCxnSpPr>
+          <p:cNvPr id="14" name="Elbow Connector 13"/>
+          <p:cNvCxnSpPr>
+            <a:stCxn id="4" idx="2"/>
+          </p:cNvCxnSpPr>
+          <p:nvPr/>
+        </p:nvCxnSpPr>
+        <p:spPr>
+          <a:xfrm rot="16200000" flipH="1">
+            <a:off x="2137072" y="2127159"/>
+            <a:ext cx="685394" cy="1801308"/>
+          </a:xfrm>
+          <a:prstGeom prst="bentConnector2">
+            <a:avLst/>
+          </a:prstGeom>
+          <a:ln w="28575" cap="flat" cmpd="sng" algn="ctr">
+            <a:solidFill>
+              <a:schemeClr val="accent2"/>
+            </a:solidFill>
+            <a:prstDash val="dash"/>
+            <a:round/>
+            <a:headEnd type="triangle" w="lg" len="lg"/>
+            <a:tailEnd type="none" w="med" len="med"/>
+          </a:ln>
+        </p:spPr>
+        <p:style>
+          <a:lnRef idx="0">
+            <a:scrgbClr r="0" g="0" b="0"/>
+          </a:lnRef>
+          <a:fillRef idx="0">
+            <a:scrgbClr r="0" g="0" b="0"/>
+          </a:fillRef>
+          <a:effectRef idx="0">
+            <a:scrgbClr r="0" g="0" b="0"/>
+          </a:effectRef>
+          <a:fontRef idx="minor">
+            <a:schemeClr val="tx1"/>
+          </a:fontRef>
+        </p:style>
+      </p:cxnSp>
+      <p:cxnSp>
+        <p:nvCxnSpPr>
+          <p:cNvPr id="15" name="Elbow Connector 14"/>
+          <p:cNvCxnSpPr>
+            <a:stCxn id="7" idx="0"/>
+            <a:endCxn id="2" idx="1"/>
+          </p:cNvCxnSpPr>
+          <p:nvPr/>
+        </p:nvCxnSpPr>
+        <p:spPr>
+          <a:xfrm rot="16200000" flipV="1">
+            <a:off x="6023682" y="780566"/>
+            <a:ext cx="690746" cy="1683693"/>
+          </a:xfrm>
+          <a:prstGeom prst="bentConnector2">
+            <a:avLst/>
+          </a:prstGeom>
+          <a:ln w="28575" cap="flat" cmpd="sng" algn="ctr">
+            <a:solidFill>
+              <a:schemeClr val="accent2"/>
+            </a:solidFill>
+            <a:prstDash val="dash"/>
+            <a:round/>
+            <a:headEnd type="triangle" w="lg" len="lg"/>
+            <a:tailEnd type="none" w="lg" len="lg"/>
+          </a:ln>
+        </p:spPr>
+        <p:style>
+          <a:lnRef idx="0">
+            <a:scrgbClr r="0" g="0" b="0"/>
+          </a:lnRef>
+          <a:fillRef idx="0">
+            <a:scrgbClr r="0" g="0" b="0"/>
+          </a:fillRef>
+          <a:effectRef idx="0">
+            <a:scrgbClr r="0" g="0" b="0"/>
+          </a:effectRef>
+          <a:fontRef idx="minor">
+            <a:schemeClr val="tx1"/>
+          </a:fontRef>
+        </p:style>
+      </p:cxnSp>
+      <p:cxnSp>
+        <p:nvCxnSpPr>
+          <p:cNvPr id="16" name="Elbow Connector 15"/>
+          <p:cNvCxnSpPr>
+            <a:stCxn id="2" idx="3"/>
+            <a:endCxn id="4" idx="0"/>
+          </p:cNvCxnSpPr>
+          <p:nvPr/>
+        </p:nvCxnSpPr>
+        <p:spPr>
+          <a:xfrm rot="10800000" flipV="1">
+            <a:off x="1579114" y="1277038"/>
+            <a:ext cx="1762104" cy="690746"/>
+          </a:xfrm>
+          <a:prstGeom prst="bentConnector2">
+            <a:avLst/>
+          </a:prstGeom>
+          <a:ln w="28575" cap="flat" cmpd="sng" algn="ctr">
+            <a:solidFill>
+              <a:schemeClr val="accent2"/>
+            </a:solidFill>
+            <a:prstDash val="dash"/>
+            <a:round/>
+            <a:headEnd type="triangle" w="lg" len="lg"/>
+            <a:tailEnd type="none" w="med" len="med"/>
+          </a:ln>
+        </p:spPr>
+        <p:style>
+          <a:lnRef idx="0">
+            <a:scrgbClr r="0" g="0" b="0"/>
+          </a:lnRef>
+          <a:fillRef idx="0">
+            <a:scrgbClr r="0" g="0" b="0"/>
+          </a:fillRef>
+          <a:effectRef idx="0">
+            <a:scrgbClr r="0" g="0" b="0"/>
+          </a:effectRef>
+          <a:fontRef idx="minor">
+            <a:schemeClr val="tx1"/>
+          </a:fontRef>
+        </p:style>
+      </p:cxnSp>
+      <p:cxnSp>
+        <p:nvCxnSpPr>
+          <p:cNvPr id="17" name="Elbow Connector 16"/>
+          <p:cNvCxnSpPr>
+            <a:stCxn id="32" idx="1"/>
+            <a:endCxn id="7" idx="2"/>
+          </p:cNvCxnSpPr>
+          <p:nvPr/>
+        </p:nvCxnSpPr>
+        <p:spPr>
+          <a:xfrm flipV="1">
+            <a:off x="5527208" y="2685117"/>
+            <a:ext cx="1683693" cy="648606"/>
+          </a:xfrm>
+          <a:prstGeom prst="bentConnector2">
+            <a:avLst/>
+          </a:prstGeom>
+          <a:ln w="28575" cap="flat" cmpd="sng" algn="ctr">
+            <a:solidFill>
+              <a:schemeClr val="accent2"/>
+            </a:solidFill>
+            <a:prstDash val="dash"/>
+            <a:round/>
+            <a:headEnd type="triangle" w="lg" len="lg"/>
+            <a:tailEnd type="none" w="med" len="med"/>
+          </a:ln>
+        </p:spPr>
+        <p:style>
+          <a:lnRef idx="0">
+            <a:scrgbClr r="0" g="0" b="0"/>
+          </a:lnRef>
+          <a:fillRef idx="0">
+            <a:scrgbClr r="0" g="0" b="0"/>
+          </a:fillRef>
+          <a:effectRef idx="0">
+            <a:scrgbClr r="0" g="0" b="0"/>
+          </a:effectRef>
+          <a:fontRef idx="minor">
+            <a:schemeClr val="tx1"/>
+          </a:fontRef>
+        </p:style>
+      </p:cxnSp>
+      <p:sp>
+        <p:nvSpPr>
+          <p:cNvPr id="32" name="Can 31"/>
+          <p:cNvSpPr/>
+          <p:nvPr/>
+        </p:nvSpPr>
+        <p:spPr>
+          <a:xfrm rot="5400000">
+            <a:off x="4109443" y="2240727"/>
+            <a:ext cx="649539" cy="2185990"/>
+          </a:xfrm>
+          <a:prstGeom prst="can">
+            <a:avLst/>
+          </a:prstGeom>
+        </p:spPr>
+        <p:style>
+          <a:lnRef idx="2">
+            <a:schemeClr val="accent1">
+              <a:shade val="50000"/>
+            </a:schemeClr>
+          </a:lnRef>
+          <a:fillRef idx="1">
+            <a:schemeClr val="accent1"/>
+          </a:fillRef>
+          <a:effectRef idx="0">
+            <a:schemeClr val="accent1"/>
+          </a:effectRef>
+          <a:fontRef idx="minor">
+            <a:schemeClr val="lt1"/>
+          </a:fontRef>
+        </p:style>
+        <p:txBody>
+          <a:bodyPr rtlCol="0" anchor="ctr"/>
+          <a:lstStyle/>
+          <a:p>
+            <a:pPr algn="ctr"/>
+            <a:endParaRPr lang="en-US" sz="1013"/>
+          </a:p>
+        </p:txBody>
+      </p:sp>
+      <p:sp>
+        <p:nvSpPr>
+          <p:cNvPr id="33" name="Rectangle 32"/>
+          <p:cNvSpPr/>
+          <p:nvPr/>
+        </p:nvSpPr>
+        <p:spPr>
+          <a:xfrm>
+            <a:off x="3613797" y="3077532"/>
+            <a:ext cx="1640834" cy="438582"/>
+          </a:xfrm>
+          <a:prstGeom prst="rect">
+            <a:avLst/>
+          </a:prstGeom>
+          <a:noFill/>
+        </p:spPr>
+        <p:txBody>
+          <a:bodyPr wrap="none" lIns="68580" tIns="34290" rIns="68580" bIns="34290">
+            <a:spAutoFit/>
+          </a:bodyPr>
+          <a:lstStyle/>
+          <a:p>
+            <a:pPr algn="ctr"/>
+            <a:r>
+              <a:rPr lang="en-US" sz="2400" b="1" dirty="0">
+                <a:ln w="12700" cmpd="sng">
+                  <a:solidFill>
+                    <a:schemeClr val="accent4"/>
+                  </a:solidFill>
+                  <a:prstDash val="solid"/>
+                </a:ln>
+                <a:gradFill>
+                  <a:gsLst>
+                    <a:gs pos="0">
+                      <a:schemeClr val="accent4"/>
+                    </a:gs>
+                    <a:gs pos="4000">
+                      <a:schemeClr val="accent4">
+                        <a:lumMod val="60000"/>
+                        <a:lumOff val="40000"/>
+                      </a:schemeClr>
+                    </a:gs>
+                    <a:gs pos="87000">
+                      <a:schemeClr val="accent4">
+                        <a:lumMod val="20000"/>
+                        <a:lumOff val="80000"/>
+                      </a:schemeClr>
+                    </a:gs>
+                  </a:gsLst>
+                  <a:lin ang="5400000"/>
+                </a:gradFill>
+              </a:rPr>
+              <a:t>Response Q</a:t>
+            </a:r>
+          </a:p>
+        </p:txBody>
+      </p:sp>
+      <p:sp>
+        <p:nvSpPr>
+          <p:cNvPr id="18" name="Rounded Rectangle 17"/>
+          <p:cNvSpPr/>
+          <p:nvPr/>
+        </p:nvSpPr>
+        <p:spPr>
+          <a:xfrm>
+            <a:off x="9838" y="0"/>
+            <a:ext cx="9134162" cy="5143500"/>
+          </a:xfrm>
+          <a:prstGeom prst="roundRect">
+            <a:avLst/>
+          </a:prstGeom>
+          <a:noFill/>
+          <a:ln>
+            <a:noFill/>
+          </a:ln>
+        </p:spPr>
+        <p:style>
+          <a:lnRef idx="2">
+            <a:schemeClr val="accent1">
+              <a:shade val="50000"/>
+            </a:schemeClr>
+          </a:lnRef>
+          <a:fillRef idx="1">
+            <a:schemeClr val="accent1"/>
+          </a:fillRef>
+          <a:effectRef idx="0">
+            <a:schemeClr val="accent1"/>
+          </a:effectRef>
+          <a:fontRef idx="minor">
+            <a:schemeClr val="lt1"/>
+          </a:fontRef>
+        </p:style>
+        <p:txBody>
+          <a:bodyPr rtlCol="0" anchor="ctr"/>
+          <a:lstStyle/>
+          <a:p>
+            <a:pPr algn="ctr"/>
+            <a:endParaRPr lang="en-US" sz="1013"/>
+          </a:p>
+        </p:txBody>
+      </p:sp>
+    </p:spTree>
+    <p:extLst>
+      <p:ext uri="{BB962C8B-B14F-4D97-AF65-F5344CB8AC3E}">
+        <p14:creationId xmlns:p14="http://schemas.microsoft.com/office/powerpoint/2010/main" val="735869892"/>
+      </p:ext>
+    </p:extLst>
+  </p:cSld>
+  <p:clrMapOvr>
+    <a:masterClrMapping/>
+  </p:clrMapOvr>
+</p:sld>
+</file>
+
 <file path=ppt/slides/slide2.xml><?xml version="1.0" encoding="utf-8"?>
 <p:sld xmlns:a="http://schemas.openxmlformats.org/drawingml/2006/main" xmlns:r="http://schemas.openxmlformats.org/officeDocument/2006/relationships" xmlns:p="http://schemas.openxmlformats.org/presentationml/2006/main">
   <p:cSld>
@@ -5024,34 +5745,6 @@
               </a:rPr>
               <a:t>Receiver</a:t>
             </a:r>
-            <a:endParaRPr lang="en-US" sz="2400" b="1" dirty="0">
-              <a:ln w="12700" cmpd="sng">
-                <a:solidFill>
-                  <a:schemeClr val="accent4"/>
-                </a:solidFill>
-                <a:prstDash val="solid"/>
-              </a:ln>
-              <a:gradFill>
-                <a:gsLst>
-                  <a:gs pos="0">
-                    <a:schemeClr val="accent4"/>
-                  </a:gs>
-                  <a:gs pos="4000">
-                    <a:schemeClr val="accent4">
-                      <a:lumMod val="60000"/>
-                      <a:lumOff val="40000"/>
-                    </a:schemeClr>
-                  </a:gs>
-                  <a:gs pos="87000">
-                    <a:schemeClr val="accent4">
-                      <a:lumMod val="20000"/>
-                      <a:lumOff val="80000"/>
-                    </a:schemeClr>
-                  </a:gs>
-                </a:gsLst>
-                <a:lin ang="5400000"/>
-              </a:gradFill>
-            </a:endParaRPr>
           </a:p>
         </p:txBody>
       </p:sp>
@@ -8810,7 +9503,7 @@
       </p:grpSpPr>
       <p:sp>
         <p:nvSpPr>
-          <p:cNvPr id="5" name="Rounded Rectangle 4"/>
+          <p:cNvPr id="8" name="Rounded Rectangle 7"/>
           <p:cNvSpPr/>
           <p:nvPr/>
         </p:nvSpPr>
@@ -8852,151 +9545,316 @@
           </a:p>
         </p:txBody>
       </p:sp>
-      <p:sp>
-        <p:nvSpPr>
-          <p:cNvPr id="4" name="Rounded Rectangle 3"/>
+      <p:pic>
+        <p:nvPicPr>
+          <p:cNvPr id="3" name="Picture 2"/>
+          <p:cNvPicPr>
+            <a:picLocks noChangeAspect="1"/>
+          </p:cNvPicPr>
+          <p:nvPr/>
+        </p:nvPicPr>
+        <p:blipFill>
+          <a:blip r:embed="rId2">
+            <a:extLst>
+              <a:ext uri="{28A0092B-C50C-407E-A947-70E740481C1C}">
+                <a14:useLocalDpi xmlns:a14="http://schemas.microsoft.com/office/drawing/2010/main" val="0"/>
+              </a:ext>
+            </a:extLst>
+          </a:blip>
+          <a:stretch>
+            <a:fillRect/>
+          </a:stretch>
+        </p:blipFill>
+        <p:spPr>
+          <a:xfrm>
+            <a:off x="3278054" y="2236396"/>
+            <a:ext cx="2933700" cy="866775"/>
+          </a:xfrm>
+          <a:prstGeom prst="rect">
+            <a:avLst/>
+          </a:prstGeom>
+        </p:spPr>
+      </p:pic>
+      <p:pic>
+        <p:nvPicPr>
+          <p:cNvPr id="4" name="Picture 3"/>
+          <p:cNvPicPr>
+            <a:picLocks noChangeAspect="1"/>
+          </p:cNvPicPr>
+          <p:nvPr/>
+        </p:nvPicPr>
+        <p:blipFill>
+          <a:blip r:embed="rId3">
+            <a:extLst>
+              <a:ext uri="{28A0092B-C50C-407E-A947-70E740481C1C}">
+                <a14:useLocalDpi xmlns:a14="http://schemas.microsoft.com/office/drawing/2010/main" val="0"/>
+              </a:ext>
+            </a:extLst>
+          </a:blip>
+          <a:stretch>
+            <a:fillRect/>
+          </a:stretch>
+        </p:blipFill>
+        <p:spPr>
+          <a:xfrm>
+            <a:off x="473905" y="3997059"/>
+            <a:ext cx="3170659" cy="1207870"/>
+          </a:xfrm>
+          <a:prstGeom prst="rect">
+            <a:avLst/>
+          </a:prstGeom>
+        </p:spPr>
+      </p:pic>
+      <p:pic>
+        <p:nvPicPr>
+          <p:cNvPr id="5" name="Picture 4"/>
+          <p:cNvPicPr>
+            <a:picLocks noChangeAspect="1"/>
+          </p:cNvPicPr>
+          <p:nvPr/>
+        </p:nvPicPr>
+        <p:blipFill>
+          <a:blip r:embed="rId4" cstate="print">
+            <a:extLst>
+              <a:ext uri="{28A0092B-C50C-407E-A947-70E740481C1C}">
+                <a14:useLocalDpi xmlns:a14="http://schemas.microsoft.com/office/drawing/2010/main" val="0"/>
+              </a:ext>
+            </a:extLst>
+          </a:blip>
+          <a:stretch>
+            <a:fillRect/>
+          </a:stretch>
+        </p:blipFill>
+        <p:spPr>
+          <a:xfrm>
+            <a:off x="4575510" y="271824"/>
+            <a:ext cx="3219867" cy="698575"/>
+          </a:xfrm>
+          <a:prstGeom prst="rect">
+            <a:avLst/>
+          </a:prstGeom>
+        </p:spPr>
+      </p:pic>
+      <p:pic>
+        <p:nvPicPr>
+          <p:cNvPr id="6" name="Picture 5"/>
+          <p:cNvPicPr>
+            <a:picLocks noChangeAspect="1"/>
+          </p:cNvPicPr>
+          <p:nvPr/>
+        </p:nvPicPr>
+        <p:blipFill>
+          <a:blip r:embed="rId5">
+            <a:extLst>
+              <a:ext uri="{28A0092B-C50C-407E-A947-70E740481C1C}">
+                <a14:useLocalDpi xmlns:a14="http://schemas.microsoft.com/office/drawing/2010/main" val="0"/>
+              </a:ext>
+            </a:extLst>
+          </a:blip>
+          <a:stretch>
+            <a:fillRect/>
+          </a:stretch>
+        </p:blipFill>
+        <p:spPr>
+          <a:xfrm>
+            <a:off x="6397378" y="1295259"/>
+            <a:ext cx="2143125" cy="2143125"/>
+          </a:xfrm>
+          <a:prstGeom prst="rect">
+            <a:avLst/>
+          </a:prstGeom>
+        </p:spPr>
+      </p:pic>
+      <p:pic>
+        <p:nvPicPr>
+          <p:cNvPr id="7" name="Picture 6"/>
+          <p:cNvPicPr>
+            <a:picLocks noChangeAspect="1"/>
+          </p:cNvPicPr>
+          <p:nvPr/>
+        </p:nvPicPr>
+        <p:blipFill>
+          <a:blip r:embed="rId6">
+            <a:extLst>
+              <a:ext uri="{28A0092B-C50C-407E-A947-70E740481C1C}">
+                <a14:useLocalDpi xmlns:a14="http://schemas.microsoft.com/office/drawing/2010/main" val="0"/>
+              </a:ext>
+            </a:extLst>
+          </a:blip>
+          <a:stretch>
+            <a:fillRect/>
+          </a:stretch>
+        </p:blipFill>
+        <p:spPr>
+          <a:xfrm>
+            <a:off x="3226887" y="487183"/>
+            <a:ext cx="1200953" cy="1429706"/>
+          </a:xfrm>
+          <a:prstGeom prst="rect">
+            <a:avLst/>
+          </a:prstGeom>
+        </p:spPr>
+      </p:pic>
+      <p:pic>
+        <p:nvPicPr>
+          <p:cNvPr id="9" name="Picture 8"/>
+          <p:cNvPicPr>
+            <a:picLocks noChangeAspect="1"/>
+          </p:cNvPicPr>
+          <p:nvPr/>
+        </p:nvPicPr>
+        <p:blipFill>
+          <a:blip r:embed="rId7">
+            <a:extLst>
+              <a:ext uri="{28A0092B-C50C-407E-A947-70E740481C1C}">
+                <a14:useLocalDpi xmlns:a14="http://schemas.microsoft.com/office/drawing/2010/main" val="0"/>
+              </a:ext>
+            </a:extLst>
+          </a:blip>
+          <a:stretch>
+            <a:fillRect/>
+          </a:stretch>
+        </p:blipFill>
+        <p:spPr>
+          <a:xfrm>
+            <a:off x="6062782" y="3763244"/>
+            <a:ext cx="3016224" cy="1194628"/>
+          </a:xfrm>
+          <a:prstGeom prst="rect">
+            <a:avLst/>
+          </a:prstGeom>
+        </p:spPr>
+      </p:pic>
+      <p:pic>
+        <p:nvPicPr>
+          <p:cNvPr id="10" name="Picture 9"/>
+          <p:cNvPicPr>
+            <a:picLocks noChangeAspect="1"/>
+          </p:cNvPicPr>
+          <p:nvPr/>
+        </p:nvPicPr>
+        <p:blipFill>
+          <a:blip r:embed="rId8">
+            <a:extLst>
+              <a:ext uri="{28A0092B-C50C-407E-A947-70E740481C1C}">
+                <a14:useLocalDpi xmlns:a14="http://schemas.microsoft.com/office/drawing/2010/main" val="0"/>
+              </a:ext>
+            </a:extLst>
+          </a:blip>
+          <a:stretch>
+            <a:fillRect/>
+          </a:stretch>
+        </p:blipFill>
+        <p:spPr>
+          <a:xfrm>
+            <a:off x="703061" y="2639161"/>
+            <a:ext cx="1905000" cy="476250"/>
+          </a:xfrm>
+          <a:prstGeom prst="rect">
+            <a:avLst/>
+          </a:prstGeom>
+        </p:spPr>
+      </p:pic>
+      <p:pic>
+        <p:nvPicPr>
+          <p:cNvPr id="11" name="Picture 10"/>
+          <p:cNvPicPr>
+            <a:picLocks noChangeAspect="1"/>
+          </p:cNvPicPr>
+          <p:nvPr/>
+        </p:nvPicPr>
+        <p:blipFill>
+          <a:blip r:embed="rId9" cstate="print">
+            <a:extLst>
+              <a:ext uri="{28A0092B-C50C-407E-A947-70E740481C1C}">
+                <a14:useLocalDpi xmlns:a14="http://schemas.microsoft.com/office/drawing/2010/main" val="0"/>
+              </a:ext>
+            </a:extLst>
+          </a:blip>
+          <a:stretch>
+            <a:fillRect/>
+          </a:stretch>
+        </p:blipFill>
+        <p:spPr>
+          <a:xfrm>
+            <a:off x="350072" y="329247"/>
+            <a:ext cx="2425115" cy="1294405"/>
+          </a:xfrm>
+          <a:prstGeom prst="rect">
+            <a:avLst/>
+          </a:prstGeom>
+        </p:spPr>
+      </p:pic>
+      <p:pic>
+        <p:nvPicPr>
+          <p:cNvPr id="12" name="Picture 11"/>
+          <p:cNvPicPr>
+            <a:picLocks noChangeAspect="1"/>
+          </p:cNvPicPr>
+          <p:nvPr/>
+        </p:nvPicPr>
+        <p:blipFill>
+          <a:blip r:embed="rId10">
+            <a:extLst>
+              <a:ext uri="{28A0092B-C50C-407E-A947-70E740481C1C}">
+                <a14:useLocalDpi xmlns:a14="http://schemas.microsoft.com/office/drawing/2010/main" val="0"/>
+              </a:ext>
+            </a:extLst>
+          </a:blip>
+          <a:stretch>
+            <a:fillRect/>
+          </a:stretch>
+        </p:blipFill>
+        <p:spPr>
+          <a:xfrm>
+            <a:off x="2501167" y="3247618"/>
+            <a:ext cx="3119683" cy="827477"/>
+          </a:xfrm>
+          <a:prstGeom prst="rect">
+            <a:avLst/>
+          </a:prstGeom>
+        </p:spPr>
+      </p:pic>
+      <p:pic>
+        <p:nvPicPr>
+          <p:cNvPr id="13" name="Picture 12"/>
+          <p:cNvPicPr>
+            <a:picLocks noChangeAspect="1"/>
+          </p:cNvPicPr>
+          <p:nvPr/>
+        </p:nvPicPr>
+        <p:blipFill>
+          <a:blip r:embed="rId11">
+            <a:extLst>
+              <a:ext uri="{28A0092B-C50C-407E-A947-70E740481C1C}">
+                <a14:useLocalDpi xmlns:a14="http://schemas.microsoft.com/office/drawing/2010/main" val="0"/>
+              </a:ext>
+            </a:extLst>
+          </a:blip>
+          <a:stretch>
+            <a:fillRect/>
+          </a:stretch>
+        </p:blipFill>
+        <p:spPr>
+          <a:xfrm>
+            <a:off x="651500" y="2077646"/>
+            <a:ext cx="1435100" cy="317500"/>
+          </a:xfrm>
+          <a:prstGeom prst="rect">
+            <a:avLst/>
+          </a:prstGeom>
+        </p:spPr>
+      </p:pic>
+      <p:sp>
+        <p:nvSpPr>
+          <p:cNvPr id="14" name="Rectangle 13"/>
           <p:cNvSpPr/>
           <p:nvPr/>
         </p:nvSpPr>
         <p:spPr>
           <a:xfrm>
-            <a:off x="877548" y="1965463"/>
-            <a:ext cx="1403132" cy="717332"/>
-          </a:xfrm>
-          <a:prstGeom prst="roundRect">
-            <a:avLst/>
-          </a:prstGeom>
-        </p:spPr>
-        <p:style>
-          <a:lnRef idx="0">
-            <a:schemeClr val="accent2"/>
-          </a:lnRef>
-          <a:fillRef idx="3">
-            <a:schemeClr val="accent2"/>
-          </a:fillRef>
-          <a:effectRef idx="3">
-            <a:schemeClr val="accent2"/>
-          </a:effectRef>
-          <a:fontRef idx="minor">
-            <a:schemeClr val="lt1"/>
-          </a:fontRef>
-        </p:style>
-        <p:txBody>
-          <a:bodyPr rtlCol="0" anchor="ctr"/>
-          <a:lstStyle/>
-          <a:p>
-            <a:pPr algn="ctr"/>
-            <a:endParaRPr lang="en-US" sz="1013" b="1" spc="38" dirty="0">
-              <a:ln w="9525" cmpd="sng">
-                <a:solidFill>
-                  <a:schemeClr val="accent1"/>
-                </a:solidFill>
-                <a:prstDash val="solid"/>
-              </a:ln>
-              <a:solidFill>
-                <a:srgbClr val="70AD47">
-                  <a:tint val="1000"/>
-                </a:srgbClr>
-              </a:solidFill>
-              <a:effectLst>
-                <a:glow rad="38100">
-                  <a:schemeClr val="accent1">
-                    <a:alpha val="40000"/>
-                  </a:schemeClr>
-                </a:glow>
-              </a:effectLst>
-            </a:endParaRPr>
-          </a:p>
-        </p:txBody>
-      </p:sp>
-      <p:sp>
-        <p:nvSpPr>
-          <p:cNvPr id="7" name="Rounded Rectangle 6"/>
-          <p:cNvSpPr/>
-          <p:nvPr/>
-        </p:nvSpPr>
-        <p:spPr>
-          <a:xfrm>
-            <a:off x="6509335" y="1965463"/>
-            <a:ext cx="1403132" cy="717332"/>
-          </a:xfrm>
-          <a:prstGeom prst="roundRect">
-            <a:avLst/>
-          </a:prstGeom>
-        </p:spPr>
-        <p:style>
-          <a:lnRef idx="0">
-            <a:schemeClr val="accent2"/>
-          </a:lnRef>
-          <a:fillRef idx="3">
-            <a:schemeClr val="accent2"/>
-          </a:fillRef>
-          <a:effectRef idx="3">
-            <a:schemeClr val="accent2"/>
-          </a:effectRef>
-          <a:fontRef idx="minor">
-            <a:schemeClr val="lt1"/>
-          </a:fontRef>
-        </p:style>
-        <p:txBody>
-          <a:bodyPr rtlCol="0" anchor="ctr"/>
-          <a:lstStyle/>
-          <a:p>
-            <a:pPr algn="ctr"/>
-            <a:endParaRPr lang="en-US" sz="1013" dirty="0"/>
-          </a:p>
-        </p:txBody>
-      </p:sp>
-      <p:sp>
-        <p:nvSpPr>
-          <p:cNvPr id="2" name="Can 1"/>
-          <p:cNvSpPr/>
-          <p:nvPr/>
-        </p:nvSpPr>
-        <p:spPr>
-          <a:xfrm rot="5400000">
-            <a:off x="4036341" y="1183986"/>
-            <a:ext cx="717332" cy="2280285"/>
-          </a:xfrm>
-          <a:prstGeom prst="can">
-            <a:avLst/>
-          </a:prstGeom>
-        </p:spPr>
-        <p:style>
-          <a:lnRef idx="2">
-            <a:schemeClr val="accent1">
-              <a:shade val="50000"/>
-            </a:schemeClr>
-          </a:lnRef>
-          <a:fillRef idx="1">
-            <a:schemeClr val="accent1"/>
-          </a:fillRef>
-          <a:effectRef idx="0">
-            <a:schemeClr val="accent1"/>
-          </a:effectRef>
-          <a:fontRef idx="minor">
-            <a:schemeClr val="lt1"/>
-          </a:fontRef>
-        </p:style>
-        <p:txBody>
-          <a:bodyPr rtlCol="0" anchor="ctr"/>
-          <a:lstStyle/>
-          <a:p>
-            <a:pPr algn="ctr"/>
-            <a:endParaRPr lang="en-US" sz="1013"/>
-          </a:p>
-        </p:txBody>
-      </p:sp>
-      <p:sp>
-        <p:nvSpPr>
-          <p:cNvPr id="3" name="Rectangle 2"/>
-          <p:cNvSpPr/>
-          <p:nvPr/>
-        </p:nvSpPr>
-        <p:spPr>
-          <a:xfrm>
-            <a:off x="3527431" y="1977880"/>
-            <a:ext cx="1574790" cy="692497"/>
+            <a:off x="6674879" y="3059917"/>
+            <a:ext cx="1792029" cy="461665"/>
           </a:xfrm>
           <a:prstGeom prst="rect">
             <a:avLst/>
@@ -9004,46 +9862,76 @@
           <a:noFill/>
         </p:spPr>
         <p:txBody>
-          <a:bodyPr wrap="none" lIns="68580" tIns="34290" rIns="68580" bIns="34290">
+          <a:bodyPr wrap="none" lIns="91440" tIns="45720" rIns="91440" bIns="45720">
             <a:spAutoFit/>
           </a:bodyPr>
           <a:lstStyle/>
           <a:p>
             <a:pPr algn="ctr"/>
             <a:r>
-              <a:rPr lang="en-US" sz="4050" b="1" dirty="0">
-                <a:ln w="10160">
-                  <a:solidFill>
-                    <a:schemeClr val="accent5"/>
-                  </a:solidFill>
-                  <a:prstDash val="solid"/>
-                </a:ln>
-                <a:solidFill>
-                  <a:srgbClr val="FFFFFF"/>
-                </a:solidFill>
+              <a:rPr lang="en-US" sz="2400" b="1" dirty="0">
+                <a:ln/>
+                <a:pattFill prst="dkUpDiag">
+                  <a:fgClr>
+                    <a:schemeClr val="bg1">
+                      <a:lumMod val="50000"/>
+                    </a:schemeClr>
+                  </a:fgClr>
+                  <a:bgClr>
+                    <a:schemeClr val="tx1">
+                      <a:lumMod val="75000"/>
+                      <a:lumOff val="25000"/>
+                    </a:schemeClr>
+                  </a:bgClr>
+                </a:pattFill>
                 <a:effectLst>
-                  <a:outerShdw blurRad="38100" dist="22860" dir="5400000" algn="tl" rotWithShape="0">
-                    <a:srgbClr val="000000">
-                      <a:alpha val="30000"/>
-                    </a:srgbClr>
+                  <a:outerShdw blurRad="38100" dist="19050" dir="2700000" algn="tl" rotWithShape="0">
+                    <a:schemeClr val="dk1">
+                      <a:lumMod val="50000"/>
+                      <a:alpha val="40000"/>
+                    </a:schemeClr>
                   </a:outerShdw>
                 </a:effectLst>
               </a:rPr>
-              <a:t>Queue</a:t>
-            </a:r>
-          </a:p>
-        </p:txBody>
-      </p:sp>
-      <p:sp>
-        <p:nvSpPr>
-          <p:cNvPr id="8" name="Rectangle 7"/>
+              <a:t>Amazon SQS</a:t>
+            </a:r>
+            <a:endParaRPr lang="en-US" sz="2400" b="1" dirty="0">
+              <a:ln/>
+              <a:pattFill prst="dkUpDiag">
+                <a:fgClr>
+                  <a:schemeClr val="bg1">
+                    <a:lumMod val="50000"/>
+                  </a:schemeClr>
+                </a:fgClr>
+                <a:bgClr>
+                  <a:schemeClr val="tx1">
+                    <a:lumMod val="75000"/>
+                    <a:lumOff val="25000"/>
+                  </a:schemeClr>
+                </a:bgClr>
+              </a:pattFill>
+              <a:effectLst>
+                <a:outerShdw blurRad="38100" dist="19050" dir="2700000" algn="tl" rotWithShape="0">
+                  <a:schemeClr val="dk1">
+                    <a:lumMod val="50000"/>
+                    <a:alpha val="40000"/>
+                  </a:schemeClr>
+                </a:outerShdw>
+              </a:effectLst>
+            </a:endParaRPr>
+          </a:p>
+        </p:txBody>
+      </p:sp>
+      <p:sp>
+        <p:nvSpPr>
+          <p:cNvPr id="17" name="Rectangle 16"/>
           <p:cNvSpPr/>
           <p:nvPr/>
         </p:nvSpPr>
         <p:spPr>
           <a:xfrm>
-            <a:off x="508434" y="2116379"/>
-            <a:ext cx="2141360" cy="415498"/>
+            <a:off x="3750801" y="1527447"/>
+            <a:ext cx="2434642" cy="461665"/>
           </a:xfrm>
           <a:prstGeom prst="rect">
             <a:avLst/>
@@ -9051,224 +9939,62 @@
           <a:noFill/>
         </p:spPr>
         <p:txBody>
-          <a:bodyPr wrap="square" lIns="68580" tIns="34290" rIns="68580" bIns="34290">
+          <a:bodyPr wrap="none" lIns="91440" tIns="45720" rIns="91440" bIns="45720">
             <a:spAutoFit/>
           </a:bodyPr>
           <a:lstStyle/>
           <a:p>
             <a:pPr algn="ctr"/>
             <a:r>
-              <a:rPr lang="en-US" sz="2250" b="1" dirty="0">
-                <a:ln w="6600">
+              <a:rPr lang="en-US" sz="2400" b="1" dirty="0" smtClean="0">
+                <a:ln>
                   <a:solidFill>
-                    <a:schemeClr val="accent2"/>
+                    <a:schemeClr val="accent5">
+                      <a:lumMod val="75000"/>
+                    </a:schemeClr>
                   </a:solidFill>
-                  <a:prstDash val="solid"/>
                 </a:ln>
                 <a:solidFill>
-                  <a:srgbClr val="FFFFFF"/>
+                  <a:srgbClr val="00ABEC"/>
                 </a:solidFill>
                 <a:effectLst>
-                  <a:outerShdw dist="38100" dir="2700000" algn="tl" rotWithShape="0">
-                    <a:schemeClr val="accent2"/>
+                  <a:outerShdw blurRad="38100" dist="19050" dir="2700000" algn="tl" rotWithShape="0">
+                    <a:schemeClr val="dk1">
+                      <a:lumMod val="50000"/>
+                      <a:alpha val="40000"/>
+                    </a:schemeClr>
                   </a:outerShdw>
                 </a:effectLst>
               </a:rPr>
-              <a:t>Producer</a:t>
-            </a:r>
-            <a:endParaRPr lang="en-US" sz="2250" b="1" dirty="0">
-              <a:ln w="10160">
+              <a:t>Azure Service Bus</a:t>
+            </a:r>
+            <a:endParaRPr lang="en-US" sz="2400" b="1" dirty="0">
+              <a:ln>
                 <a:solidFill>
-                  <a:schemeClr val="accent5"/>
+                  <a:schemeClr val="accent5">
+                    <a:lumMod val="75000"/>
+                  </a:schemeClr>
                 </a:solidFill>
-                <a:prstDash val="solid"/>
               </a:ln>
               <a:solidFill>
-                <a:srgbClr val="FFFFFF"/>
+                <a:srgbClr val="00ABEC"/>
               </a:solidFill>
               <a:effectLst>
-                <a:outerShdw blurRad="38100" dist="22860" dir="5400000" algn="tl" rotWithShape="0">
-                  <a:srgbClr val="000000">
-                    <a:alpha val="30000"/>
-                  </a:srgbClr>
+                <a:outerShdw blurRad="38100" dist="19050" dir="2700000" algn="tl" rotWithShape="0">
+                  <a:schemeClr val="dk1">
+                    <a:lumMod val="50000"/>
+                    <a:alpha val="40000"/>
+                  </a:schemeClr>
                 </a:outerShdw>
               </a:effectLst>
             </a:endParaRPr>
           </a:p>
         </p:txBody>
       </p:sp>
-      <p:sp>
-        <p:nvSpPr>
-          <p:cNvPr id="9" name="Rectangle 8"/>
-          <p:cNvSpPr/>
-          <p:nvPr/>
-        </p:nvSpPr>
-        <p:spPr>
-          <a:xfrm>
-            <a:off x="6140221" y="2116379"/>
-            <a:ext cx="2141360" cy="415498"/>
-          </a:xfrm>
-          <a:prstGeom prst="rect">
-            <a:avLst/>
-          </a:prstGeom>
-          <a:noFill/>
-        </p:spPr>
-        <p:txBody>
-          <a:bodyPr wrap="square" lIns="68580" tIns="34290" rIns="68580" bIns="34290">
-            <a:spAutoFit/>
-          </a:bodyPr>
-          <a:lstStyle/>
-          <a:p>
-            <a:pPr algn="ctr"/>
-            <a:r>
-              <a:rPr lang="en-US" sz="2250" b="1" dirty="0">
-                <a:ln w="6600">
-                  <a:solidFill>
-                    <a:schemeClr val="accent2"/>
-                  </a:solidFill>
-                  <a:prstDash val="solid"/>
-                </a:ln>
-                <a:solidFill>
-                  <a:srgbClr val="FFFFFF"/>
-                </a:solidFill>
-                <a:effectLst>
-                  <a:outerShdw dist="38100" dir="2700000" algn="tl" rotWithShape="0">
-                    <a:schemeClr val="accent2"/>
-                  </a:outerShdw>
-                </a:effectLst>
-              </a:rPr>
-              <a:t>Consumer</a:t>
-            </a:r>
-          </a:p>
-        </p:txBody>
-      </p:sp>
-      <p:cxnSp>
-        <p:nvCxnSpPr>
-          <p:cNvPr id="11" name="Straight Arrow Connector 10"/>
-          <p:cNvCxnSpPr/>
-          <p:nvPr/>
-        </p:nvCxnSpPr>
-        <p:spPr>
-          <a:xfrm>
-            <a:off x="2280680" y="2324129"/>
-            <a:ext cx="974185" cy="1"/>
-          </a:xfrm>
-          <a:prstGeom prst="straightConnector1">
-            <a:avLst/>
-          </a:prstGeom>
-          <a:ln w="38100" cap="flat" cmpd="sng" algn="ctr">
-            <a:solidFill>
-              <a:schemeClr val="accent2"/>
-            </a:solidFill>
-            <a:prstDash val="lgDash"/>
-            <a:round/>
-            <a:headEnd type="none" w="med" len="med"/>
-            <a:tailEnd type="arrow" w="med" len="med"/>
-          </a:ln>
-        </p:spPr>
-        <p:style>
-          <a:lnRef idx="0">
-            <a:scrgbClr r="0" g="0" b="0"/>
-          </a:lnRef>
-          <a:fillRef idx="0">
-            <a:scrgbClr r="0" g="0" b="0"/>
-          </a:fillRef>
-          <a:effectRef idx="0">
-            <a:scrgbClr r="0" g="0" b="0"/>
-          </a:effectRef>
-          <a:fontRef idx="minor">
-            <a:schemeClr val="tx1"/>
-          </a:fontRef>
-        </p:style>
-      </p:cxnSp>
-      <p:cxnSp>
-        <p:nvCxnSpPr>
-          <p:cNvPr id="12" name="Straight Arrow Connector 11"/>
-          <p:cNvCxnSpPr/>
-          <p:nvPr/>
-        </p:nvCxnSpPr>
-        <p:spPr>
-          <a:xfrm flipV="1">
-            <a:off x="5535149" y="2322968"/>
-            <a:ext cx="974186" cy="2321"/>
-          </a:xfrm>
-          <a:prstGeom prst="straightConnector1">
-            <a:avLst/>
-          </a:prstGeom>
-          <a:ln w="38100" cap="flat" cmpd="sng" algn="ctr">
-            <a:solidFill>
-              <a:schemeClr val="accent2"/>
-            </a:solidFill>
-            <a:prstDash val="lgDash"/>
-            <a:round/>
-            <a:headEnd type="none" w="med" len="med"/>
-            <a:tailEnd type="arrow" w="med" len="med"/>
-          </a:ln>
-        </p:spPr>
-        <p:style>
-          <a:lnRef idx="0">
-            <a:scrgbClr r="0" g="0" b="0"/>
-          </a:lnRef>
-          <a:fillRef idx="0">
-            <a:scrgbClr r="0" g="0" b="0"/>
-          </a:fillRef>
-          <a:effectRef idx="0">
-            <a:scrgbClr r="0" g="0" b="0"/>
-          </a:effectRef>
-          <a:fontRef idx="minor">
-            <a:schemeClr val="tx1"/>
-          </a:fontRef>
-        </p:style>
-      </p:cxnSp>
-      <p:sp>
-        <p:nvSpPr>
-          <p:cNvPr id="10" name="Flowchart: Direct Access Storage 9"/>
-          <p:cNvSpPr/>
-          <p:nvPr/>
-        </p:nvSpPr>
-        <p:spPr>
-          <a:xfrm>
-            <a:off x="3527432" y="3859619"/>
-            <a:ext cx="151434" cy="396428"/>
-          </a:xfrm>
-          <a:prstGeom prst="flowChartMagneticDrum">
-            <a:avLst/>
-          </a:prstGeom>
-          <a:solidFill>
-            <a:schemeClr val="accent1">
-              <a:lumMod val="60000"/>
-              <a:lumOff val="40000"/>
-            </a:schemeClr>
-          </a:solidFill>
-          <a:ln/>
-        </p:spPr>
-        <p:style>
-          <a:lnRef idx="2">
-            <a:schemeClr val="accent5"/>
-          </a:lnRef>
-          <a:fillRef idx="1">
-            <a:schemeClr val="lt1"/>
-          </a:fillRef>
-          <a:effectRef idx="0">
-            <a:schemeClr val="accent5"/>
-          </a:effectRef>
-          <a:fontRef idx="minor">
-            <a:schemeClr val="dk1"/>
-          </a:fontRef>
-        </p:style>
-        <p:txBody>
-          <a:bodyPr rtlCol="0" anchor="ctr"/>
-          <a:lstStyle/>
-          <a:p>
-            <a:pPr algn="ctr"/>
-            <a:endParaRPr lang="en-US"/>
-          </a:p>
-        </p:txBody>
-      </p:sp>
     </p:spTree>
     <p:extLst>
       <p:ext uri="{BB962C8B-B14F-4D97-AF65-F5344CB8AC3E}">
-        <p14:creationId xmlns:p14="http://schemas.microsoft.com/office/powerpoint/2010/main" val="1331299405"/>
+        <p14:creationId xmlns:p14="http://schemas.microsoft.com/office/powerpoint/2010/main" val="2452153007"/>
       </p:ext>
     </p:extLst>
   </p:cSld>
@@ -9314,13 +10040,57 @@
       </p:grpSpPr>
       <p:sp>
         <p:nvSpPr>
+          <p:cNvPr id="5" name="Rounded Rectangle 4"/>
+          <p:cNvSpPr/>
+          <p:nvPr/>
+        </p:nvSpPr>
+        <p:spPr>
+          <a:xfrm>
+            <a:off x="9838" y="0"/>
+            <a:ext cx="9134162" cy="5143500"/>
+          </a:xfrm>
+          <a:prstGeom prst="roundRect">
+            <a:avLst/>
+          </a:prstGeom>
+          <a:noFill/>
+          <a:ln>
+            <a:noFill/>
+          </a:ln>
+        </p:spPr>
+        <p:style>
+          <a:lnRef idx="2">
+            <a:schemeClr val="accent1">
+              <a:shade val="50000"/>
+            </a:schemeClr>
+          </a:lnRef>
+          <a:fillRef idx="1">
+            <a:schemeClr val="accent1"/>
+          </a:fillRef>
+          <a:effectRef idx="0">
+            <a:schemeClr val="accent1"/>
+          </a:effectRef>
+          <a:fontRef idx="minor">
+            <a:schemeClr val="lt1"/>
+          </a:fontRef>
+        </p:style>
+        <p:txBody>
+          <a:bodyPr rtlCol="0" anchor="ctr"/>
+          <a:lstStyle/>
+          <a:p>
+            <a:pPr algn="ctr"/>
+            <a:endParaRPr lang="en-US" sz="1013"/>
+          </a:p>
+        </p:txBody>
+      </p:sp>
+      <p:sp>
+        <p:nvSpPr>
           <p:cNvPr id="4" name="Rounded Rectangle 3"/>
           <p:cNvSpPr/>
           <p:nvPr/>
         </p:nvSpPr>
         <p:spPr>
           <a:xfrm>
-            <a:off x="877548" y="1967785"/>
+            <a:off x="877548" y="1965463"/>
             <a:ext cx="1403132" cy="717332"/>
           </a:xfrm>
           <a:prstGeom prst="roundRect">
@@ -9377,7 +10147,7 @@
         </p:nvSpPr>
         <p:spPr>
           <a:xfrm>
-            <a:off x="6509335" y="1967785"/>
+            <a:off x="6509335" y="1965463"/>
             <a:ext cx="1403132" cy="717332"/>
           </a:xfrm>
           <a:prstGeom prst="roundRect">
@@ -9415,8 +10185,8 @@
         </p:nvSpPr>
         <p:spPr>
           <a:xfrm rot="5400000">
-            <a:off x="4109443" y="184044"/>
-            <a:ext cx="649539" cy="2185990"/>
+            <a:off x="4036341" y="1183986"/>
+            <a:ext cx="717332" cy="2280285"/>
           </a:xfrm>
           <a:prstGeom prst="can">
             <a:avLst/>
@@ -9455,8 +10225,8 @@
         </p:nvSpPr>
         <p:spPr>
           <a:xfrm>
-            <a:off x="3688463" y="1020849"/>
-            <a:ext cx="1491499" cy="484748"/>
+            <a:off x="3527431" y="1977880"/>
+            <a:ext cx="1574790" cy="692497"/>
           </a:xfrm>
           <a:prstGeom prst="rect">
             <a:avLst/>
@@ -9471,38 +10241,7 @@
           <a:p>
             <a:pPr algn="ctr"/>
             <a:r>
-              <a:rPr lang="en-US" sz="2400" b="1" dirty="0">
-                <a:ln w="12700" cmpd="sng">
-                  <a:solidFill>
-                    <a:schemeClr val="accent4"/>
-                  </a:solidFill>
-                  <a:prstDash val="solid"/>
-                </a:ln>
-                <a:gradFill>
-                  <a:gsLst>
-                    <a:gs pos="0">
-                      <a:schemeClr val="accent4"/>
-                    </a:gs>
-                    <a:gs pos="4000">
-                      <a:schemeClr val="accent4">
-                        <a:lumMod val="60000"/>
-                        <a:lumOff val="40000"/>
-                      </a:schemeClr>
-                    </a:gs>
-                    <a:gs pos="87000">
-                      <a:schemeClr val="accent4">
-                        <a:lumMod val="20000"/>
-                        <a:lumOff val="80000"/>
-                      </a:schemeClr>
-                    </a:gs>
-                  </a:gsLst>
-                  <a:lin ang="5400000"/>
-                </a:gradFill>
-              </a:rPr>
-              <a:t>Request</a:t>
-            </a:r>
-            <a:r>
-              <a:rPr lang="en-US" sz="2700" b="1" dirty="0" smtClean="0">
+              <a:rPr lang="en-US" sz="4050" b="1" dirty="0">
                 <a:ln w="10160">
                   <a:solidFill>
                     <a:schemeClr val="accent5"/>
@@ -9520,92 +10259,89 @@
                   </a:outerShdw>
                 </a:effectLst>
               </a:rPr>
-              <a:t> </a:t>
-            </a:r>
-            <a:r>
-              <a:rPr lang="en-US" sz="2400" b="1" dirty="0">
-                <a:ln w="12700" cmpd="sng">
+              <a:t>Queue</a:t>
+            </a:r>
+          </a:p>
+        </p:txBody>
+      </p:sp>
+      <p:sp>
+        <p:nvSpPr>
+          <p:cNvPr id="8" name="Rectangle 7"/>
+          <p:cNvSpPr/>
+          <p:nvPr/>
+        </p:nvSpPr>
+        <p:spPr>
+          <a:xfrm>
+            <a:off x="508434" y="2116379"/>
+            <a:ext cx="2141360" cy="415498"/>
+          </a:xfrm>
+          <a:prstGeom prst="rect">
+            <a:avLst/>
+          </a:prstGeom>
+          <a:noFill/>
+        </p:spPr>
+        <p:txBody>
+          <a:bodyPr wrap="square" lIns="68580" tIns="34290" rIns="68580" bIns="34290">
+            <a:spAutoFit/>
+          </a:bodyPr>
+          <a:lstStyle/>
+          <a:p>
+            <a:pPr algn="ctr"/>
+            <a:r>
+              <a:rPr lang="en-US" sz="2250" b="1" dirty="0">
+                <a:ln w="6600">
                   <a:solidFill>
-                    <a:schemeClr val="accent4"/>
+                    <a:schemeClr val="accent2"/>
                   </a:solidFill>
                   <a:prstDash val="solid"/>
                 </a:ln>
-                <a:gradFill>
-                  <a:gsLst>
-                    <a:gs pos="0">
-                      <a:schemeClr val="accent4"/>
-                    </a:gs>
-                    <a:gs pos="4000">
-                      <a:schemeClr val="accent4">
-                        <a:lumMod val="60000"/>
-                        <a:lumOff val="40000"/>
-                      </a:schemeClr>
-                    </a:gs>
-                    <a:gs pos="87000">
-                      <a:schemeClr val="accent4">
-                        <a:lumMod val="20000"/>
-                        <a:lumOff val="80000"/>
-                      </a:schemeClr>
-                    </a:gs>
-                  </a:gsLst>
-                  <a:lin ang="5400000"/>
-                </a:gradFill>
+                <a:solidFill>
+                  <a:srgbClr val="FFFFFF"/>
+                </a:solidFill>
+                <a:effectLst>
+                  <a:outerShdw dist="38100" dir="2700000" algn="tl" rotWithShape="0">
+                    <a:schemeClr val="accent2"/>
+                  </a:outerShdw>
+                </a:effectLst>
               </a:rPr>
-              <a:t>Q</a:t>
-            </a:r>
-            <a:endParaRPr lang="en-US" sz="2400" b="1" dirty="0">
-              <a:ln w="12700" cmpd="sng">
+              <a:t>Producer</a:t>
+            </a:r>
+            <a:endParaRPr lang="en-US" sz="2250" b="1" dirty="0">
+              <a:ln w="10160">
                 <a:solidFill>
-                  <a:schemeClr val="accent4"/>
+                  <a:schemeClr val="accent5"/>
                 </a:solidFill>
                 <a:prstDash val="solid"/>
               </a:ln>
-              <a:gradFill>
-                <a:gsLst>
-                  <a:gs pos="0">
-                    <a:schemeClr val="accent4"/>
-                  </a:gs>
-                  <a:gs pos="4000">
-                    <a:schemeClr val="accent4">
-                      <a:lumMod val="60000"/>
-                      <a:lumOff val="40000"/>
-                    </a:schemeClr>
-                  </a:gs>
-                  <a:gs pos="87000">
-                    <a:schemeClr val="accent4">
-                      <a:lumMod val="20000"/>
-                      <a:lumOff val="80000"/>
-                    </a:schemeClr>
-                  </a:gs>
-                </a:gsLst>
-                <a:lin ang="5400000"/>
-              </a:gradFill>
+              <a:solidFill>
+                <a:srgbClr val="FFFFFF"/>
+              </a:solidFill>
+              <a:effectLst>
+                <a:outerShdw blurRad="38100" dist="22860" dir="5400000" algn="tl" rotWithShape="0">
+                  <a:srgbClr val="000000">
+                    <a:alpha val="30000"/>
+                  </a:srgbClr>
+                </a:outerShdw>
+              </a:effectLst>
             </a:endParaRPr>
           </a:p>
         </p:txBody>
       </p:sp>
       <p:sp>
         <p:nvSpPr>
-          <p:cNvPr id="8" name="Rectangle 7"/>
+          <p:cNvPr id="9" name="Rectangle 8"/>
           <p:cNvSpPr/>
           <p:nvPr/>
         </p:nvSpPr>
         <p:spPr>
           <a:xfrm>
-            <a:off x="508434" y="2114059"/>
-            <a:ext cx="2141360" cy="438582"/>
+            <a:off x="6140221" y="2116379"/>
+            <a:ext cx="2141360" cy="415498"/>
           </a:xfrm>
           <a:prstGeom prst="rect">
             <a:avLst/>
           </a:prstGeom>
           <a:noFill/>
-          <a:effectLst>
-            <a:outerShdw blurRad="50800" dist="38100" dir="8100000" algn="tr" rotWithShape="0">
-              <a:prstClr val="black">
-                <a:alpha val="40000"/>
-              </a:prstClr>
-            </a:outerShdw>
-          </a:effectLst>
         </p:spPr>
         <p:txBody>
           <a:bodyPr wrap="square" lIns="68580" tIns="34290" rIns="68580" bIns="34290">
@@ -9615,97 +10351,21 @@
           <a:p>
             <a:pPr algn="ctr"/>
             <a:r>
-              <a:rPr lang="en-US" sz="2400" b="1" dirty="0">
-                <a:ln w="12700" cmpd="sng">
+              <a:rPr lang="en-US" sz="2250" b="1" dirty="0">
+                <a:ln w="6600">
                   <a:solidFill>
-                    <a:schemeClr val="accent4"/>
+                    <a:schemeClr val="accent2"/>
                   </a:solidFill>
                   <a:prstDash val="solid"/>
                 </a:ln>
-                <a:gradFill>
-                  <a:gsLst>
-                    <a:gs pos="0">
-                      <a:schemeClr val="accent4"/>
-                    </a:gs>
-                    <a:gs pos="4000">
-                      <a:schemeClr val="accent4">
-                        <a:lumMod val="60000"/>
-                        <a:lumOff val="40000"/>
-                      </a:schemeClr>
-                    </a:gs>
-                    <a:gs pos="87000">
-                      <a:schemeClr val="accent4">
-                        <a:lumMod val="20000"/>
-                        <a:lumOff val="80000"/>
-                      </a:schemeClr>
-                    </a:gs>
-                  </a:gsLst>
-                  <a:lin ang="5400000"/>
-                </a:gradFill>
-              </a:rPr>
-              <a:t>Producer</a:t>
-            </a:r>
-          </a:p>
-        </p:txBody>
-      </p:sp>
-      <p:sp>
-        <p:nvSpPr>
-          <p:cNvPr id="9" name="Rectangle 8"/>
-          <p:cNvSpPr/>
-          <p:nvPr/>
-        </p:nvSpPr>
-        <p:spPr>
-          <a:xfrm>
-            <a:off x="6140221" y="2114059"/>
-            <a:ext cx="2141360" cy="438582"/>
-          </a:xfrm>
-          <a:prstGeom prst="rect">
-            <a:avLst/>
-          </a:prstGeom>
-          <a:noFill/>
-          <a:effectLst>
-            <a:outerShdw blurRad="50800" dist="38100" dir="8100000" algn="tr" rotWithShape="0">
-              <a:prstClr val="black">
-                <a:alpha val="40000"/>
-              </a:prstClr>
-            </a:outerShdw>
-          </a:effectLst>
-        </p:spPr>
-        <p:txBody>
-          <a:bodyPr wrap="square" lIns="68580" tIns="34290" rIns="68580" bIns="34290">
-            <a:spAutoFit/>
-          </a:bodyPr>
-          <a:lstStyle/>
-          <a:p>
-            <a:pPr algn="ctr"/>
-            <a:r>
-              <a:rPr lang="en-US" sz="2400" b="1" dirty="0">
-                <a:ln w="12700" cmpd="sng">
-                  <a:solidFill>
-                    <a:schemeClr val="accent4"/>
-                  </a:solidFill>
-                  <a:prstDash val="solid"/>
-                </a:ln>
-                <a:gradFill>
-                  <a:gsLst>
-                    <a:gs pos="0">
-                      <a:schemeClr val="accent4"/>
-                    </a:gs>
-                    <a:gs pos="4000">
-                      <a:schemeClr val="accent4">
-                        <a:lumMod val="60000"/>
-                        <a:lumOff val="40000"/>
-                      </a:schemeClr>
-                    </a:gs>
-                    <a:gs pos="87000">
-                      <a:schemeClr val="accent4">
-                        <a:lumMod val="20000"/>
-                        <a:lumOff val="80000"/>
-                      </a:schemeClr>
-                    </a:gs>
-                  </a:gsLst>
-                  <a:lin ang="5400000"/>
-                </a:gradFill>
+                <a:solidFill>
+                  <a:srgbClr val="FFFFFF"/>
+                </a:solidFill>
+                <a:effectLst>
+                  <a:outerShdw dist="38100" dir="2700000" algn="tl" rotWithShape="0">
+                    <a:schemeClr val="accent2"/>
+                  </a:outerShdw>
+                </a:effectLst>
               </a:rPr>
               <a:t>Consumer</a:t>
             </a:r>
@@ -9714,28 +10374,26 @@
       </p:sp>
       <p:cxnSp>
         <p:nvCxnSpPr>
-          <p:cNvPr id="14" name="Elbow Connector 13"/>
-          <p:cNvCxnSpPr>
-            <a:stCxn id="4" idx="2"/>
-          </p:cNvCxnSpPr>
+          <p:cNvPr id="11" name="Straight Arrow Connector 10"/>
+          <p:cNvCxnSpPr/>
           <p:nvPr/>
         </p:nvCxnSpPr>
         <p:spPr>
-          <a:xfrm rot="16200000" flipH="1">
-            <a:off x="2137072" y="2127159"/>
-            <a:ext cx="685394" cy="1801308"/>
-          </a:xfrm>
-          <a:prstGeom prst="bentConnector2">
-            <a:avLst/>
-          </a:prstGeom>
-          <a:ln w="28575" cap="flat" cmpd="sng" algn="ctr">
+          <a:xfrm>
+            <a:off x="2280680" y="2324129"/>
+            <a:ext cx="974185" cy="1"/>
+          </a:xfrm>
+          <a:prstGeom prst="straightConnector1">
+            <a:avLst/>
+          </a:prstGeom>
+          <a:ln w="38100" cap="flat" cmpd="sng" algn="ctr">
             <a:solidFill>
               <a:schemeClr val="accent2"/>
             </a:solidFill>
-            <a:prstDash val="dash"/>
+            <a:prstDash val="lgDash"/>
             <a:round/>
-            <a:headEnd type="triangle" w="lg" len="lg"/>
-            <a:tailEnd type="none" w="med" len="med"/>
+            <a:headEnd type="none" w="med" len="med"/>
+            <a:tailEnd type="arrow" w="med" len="med"/>
           </a:ln>
         </p:spPr>
         <p:style>
@@ -9755,29 +10413,26 @@
       </p:cxnSp>
       <p:cxnSp>
         <p:nvCxnSpPr>
-          <p:cNvPr id="15" name="Elbow Connector 14"/>
-          <p:cNvCxnSpPr>
-            <a:stCxn id="7" idx="0"/>
-            <a:endCxn id="2" idx="1"/>
-          </p:cNvCxnSpPr>
+          <p:cNvPr id="12" name="Straight Arrow Connector 11"/>
+          <p:cNvCxnSpPr/>
           <p:nvPr/>
         </p:nvCxnSpPr>
         <p:spPr>
-          <a:xfrm rot="16200000" flipV="1">
-            <a:off x="6023682" y="780566"/>
-            <a:ext cx="690746" cy="1683693"/>
-          </a:xfrm>
-          <a:prstGeom prst="bentConnector2">
-            <a:avLst/>
-          </a:prstGeom>
-          <a:ln w="28575" cap="flat" cmpd="sng" algn="ctr">
+          <a:xfrm flipV="1">
+            <a:off x="5535149" y="2322968"/>
+            <a:ext cx="974186" cy="2321"/>
+          </a:xfrm>
+          <a:prstGeom prst="straightConnector1">
+            <a:avLst/>
+          </a:prstGeom>
+          <a:ln w="38100" cap="flat" cmpd="sng" algn="ctr">
             <a:solidFill>
               <a:schemeClr val="accent2"/>
             </a:solidFill>
-            <a:prstDash val="dash"/>
+            <a:prstDash val="lgDash"/>
             <a:round/>
-            <a:headEnd type="triangle" w="lg" len="lg"/>
-            <a:tailEnd type="none" w="lg" len="lg"/>
+            <a:headEnd type="none" w="med" len="med"/>
+            <a:tailEnd type="arrow" w="med" len="med"/>
           </a:ln>
         </p:spPr>
         <p:style>
@@ -9795,269 +10450,68 @@
           </a:fontRef>
         </p:style>
       </p:cxnSp>
-      <p:cxnSp>
-        <p:nvCxnSpPr>
-          <p:cNvPr id="16" name="Elbow Connector 15"/>
-          <p:cNvCxnSpPr>
-            <a:stCxn id="2" idx="3"/>
-            <a:endCxn id="4" idx="0"/>
-          </p:cNvCxnSpPr>
-          <p:nvPr/>
-        </p:nvCxnSpPr>
-        <p:spPr>
-          <a:xfrm rot="10800000" flipV="1">
-            <a:off x="1579114" y="1277038"/>
-            <a:ext cx="1762104" cy="690746"/>
-          </a:xfrm>
-          <a:prstGeom prst="bentConnector2">
-            <a:avLst/>
-          </a:prstGeom>
-          <a:ln w="28575" cap="flat" cmpd="sng" algn="ctr">
-            <a:solidFill>
-              <a:schemeClr val="accent2"/>
-            </a:solidFill>
-            <a:prstDash val="dash"/>
-            <a:round/>
-            <a:headEnd type="triangle" w="lg" len="lg"/>
-            <a:tailEnd type="none" w="med" len="med"/>
-          </a:ln>
+      <p:sp>
+        <p:nvSpPr>
+          <p:cNvPr id="10" name="Flowchart: Direct Access Storage 9"/>
+          <p:cNvSpPr/>
+          <p:nvPr/>
+        </p:nvSpPr>
+        <p:spPr>
+          <a:xfrm>
+            <a:off x="3527432" y="3859619"/>
+            <a:ext cx="151434" cy="396428"/>
+          </a:xfrm>
+          <a:prstGeom prst="flowChartMagneticDrum">
+            <a:avLst/>
+          </a:prstGeom>
+          <a:solidFill>
+            <a:schemeClr val="accent1">
+              <a:lumMod val="60000"/>
+              <a:lumOff val="40000"/>
+            </a:schemeClr>
+          </a:solidFill>
+          <a:ln/>
         </p:spPr>
         <p:style>
-          <a:lnRef idx="0">
-            <a:scrgbClr r="0" g="0" b="0"/>
+          <a:lnRef idx="2">
+            <a:schemeClr val="accent5"/>
           </a:lnRef>
-          <a:fillRef idx="0">
-            <a:scrgbClr r="0" g="0" b="0"/>
+          <a:fillRef idx="1">
+            <a:schemeClr val="lt1"/>
           </a:fillRef>
           <a:effectRef idx="0">
-            <a:scrgbClr r="0" g="0" b="0"/>
+            <a:schemeClr val="accent5"/>
           </a:effectRef>
           <a:fontRef idx="minor">
-            <a:schemeClr val="tx1"/>
+            <a:schemeClr val="dk1"/>
           </a:fontRef>
         </p:style>
-      </p:cxnSp>
-      <p:cxnSp>
-        <p:nvCxnSpPr>
-          <p:cNvPr id="17" name="Elbow Connector 16"/>
-          <p:cNvCxnSpPr>
-            <a:stCxn id="32" idx="1"/>
-            <a:endCxn id="7" idx="2"/>
-          </p:cNvCxnSpPr>
-          <p:nvPr/>
-        </p:nvCxnSpPr>
-        <p:spPr>
-          <a:xfrm flipV="1">
-            <a:off x="5527208" y="2685117"/>
-            <a:ext cx="1683693" cy="648606"/>
-          </a:xfrm>
-          <a:prstGeom prst="bentConnector2">
-            <a:avLst/>
-          </a:prstGeom>
-          <a:ln w="28575" cap="flat" cmpd="sng" algn="ctr">
-            <a:solidFill>
-              <a:schemeClr val="accent2"/>
-            </a:solidFill>
-            <a:prstDash val="dash"/>
-            <a:round/>
-            <a:headEnd type="triangle" w="lg" len="lg"/>
-            <a:tailEnd type="none" w="med" len="med"/>
-          </a:ln>
-        </p:spPr>
-        <p:style>
-          <a:lnRef idx="0">
-            <a:scrgbClr r="0" g="0" b="0"/>
-          </a:lnRef>
-          <a:fillRef idx="0">
-            <a:scrgbClr r="0" g="0" b="0"/>
-          </a:fillRef>
-          <a:effectRef idx="0">
-            <a:scrgbClr r="0" g="0" b="0"/>
-          </a:effectRef>
-          <a:fontRef idx="minor">
-            <a:schemeClr val="tx1"/>
-          </a:fontRef>
-        </p:style>
-      </p:cxnSp>
-      <p:sp>
-        <p:nvSpPr>
-          <p:cNvPr id="32" name="Can 31"/>
-          <p:cNvSpPr/>
-          <p:nvPr/>
-        </p:nvSpPr>
-        <p:spPr>
-          <a:xfrm rot="5400000">
-            <a:off x="4109443" y="2240727"/>
-            <a:ext cx="649539" cy="2185990"/>
-          </a:xfrm>
-          <a:prstGeom prst="can">
-            <a:avLst/>
-          </a:prstGeom>
-        </p:spPr>
-        <p:style>
-          <a:lnRef idx="2">
-            <a:schemeClr val="accent1">
-              <a:shade val="50000"/>
-            </a:schemeClr>
-          </a:lnRef>
-          <a:fillRef idx="1">
-            <a:schemeClr val="accent1"/>
-          </a:fillRef>
-          <a:effectRef idx="0">
-            <a:schemeClr val="accent1"/>
-          </a:effectRef>
-          <a:fontRef idx="minor">
-            <a:schemeClr val="lt1"/>
-          </a:fontRef>
-        </p:style>
         <p:txBody>
           <a:bodyPr rtlCol="0" anchor="ctr"/>
           <a:lstStyle/>
           <a:p>
             <a:pPr algn="ctr"/>
-            <a:endParaRPr lang="en-US" sz="1013"/>
-          </a:p>
-        </p:txBody>
-      </p:sp>
-      <p:sp>
-        <p:nvSpPr>
-          <p:cNvPr id="33" name="Rectangle 32"/>
-          <p:cNvSpPr/>
-          <p:nvPr/>
-        </p:nvSpPr>
-        <p:spPr>
-          <a:xfrm>
-            <a:off x="3613797" y="3077532"/>
-            <a:ext cx="1640834" cy="438582"/>
-          </a:xfrm>
-          <a:prstGeom prst="rect">
-            <a:avLst/>
-          </a:prstGeom>
-          <a:noFill/>
-        </p:spPr>
-        <p:txBody>
-          <a:bodyPr wrap="none" lIns="68580" tIns="34290" rIns="68580" bIns="34290">
-            <a:spAutoFit/>
-          </a:bodyPr>
-          <a:lstStyle/>
-          <a:p>
-            <a:pPr algn="ctr"/>
-            <a:r>
-              <a:rPr lang="en-US" sz="2400" b="1" dirty="0">
-                <a:ln w="12700" cmpd="sng">
-                  <a:solidFill>
-                    <a:schemeClr val="accent4"/>
-                  </a:solidFill>
-                  <a:prstDash val="solid"/>
-                </a:ln>
-                <a:gradFill>
-                  <a:gsLst>
-                    <a:gs pos="0">
-                      <a:schemeClr val="accent4"/>
-                    </a:gs>
-                    <a:gs pos="4000">
-                      <a:schemeClr val="accent4">
-                        <a:lumMod val="60000"/>
-                        <a:lumOff val="40000"/>
-                      </a:schemeClr>
-                    </a:gs>
-                    <a:gs pos="87000">
-                      <a:schemeClr val="accent4">
-                        <a:lumMod val="20000"/>
-                        <a:lumOff val="80000"/>
-                      </a:schemeClr>
-                    </a:gs>
-                  </a:gsLst>
-                  <a:lin ang="5400000"/>
-                </a:gradFill>
-              </a:rPr>
-              <a:t>Response Q</a:t>
-            </a:r>
-            <a:endParaRPr lang="en-US" sz="2400" b="1" dirty="0">
-              <a:ln w="12700" cmpd="sng">
-                <a:solidFill>
-                  <a:schemeClr val="accent4"/>
-                </a:solidFill>
-                <a:prstDash val="solid"/>
-              </a:ln>
-              <a:gradFill>
-                <a:gsLst>
-                  <a:gs pos="0">
-                    <a:schemeClr val="accent4"/>
-                  </a:gs>
-                  <a:gs pos="4000">
-                    <a:schemeClr val="accent4">
-                      <a:lumMod val="60000"/>
-                      <a:lumOff val="40000"/>
-                    </a:schemeClr>
-                  </a:gs>
-                  <a:gs pos="87000">
-                    <a:schemeClr val="accent4">
-                      <a:lumMod val="20000"/>
-                      <a:lumOff val="80000"/>
-                    </a:schemeClr>
-                  </a:gs>
-                </a:gsLst>
-                <a:lin ang="5400000"/>
-              </a:gradFill>
-            </a:endParaRPr>
-          </a:p>
-        </p:txBody>
-      </p:sp>
-      <p:sp>
-        <p:nvSpPr>
-          <p:cNvPr id="18" name="Rounded Rectangle 17"/>
-          <p:cNvSpPr/>
-          <p:nvPr/>
-        </p:nvSpPr>
-        <p:spPr>
-          <a:xfrm>
-            <a:off x="9838" y="0"/>
-            <a:ext cx="9134162" cy="5143500"/>
-          </a:xfrm>
-          <a:prstGeom prst="roundRect">
-            <a:avLst/>
-          </a:prstGeom>
-          <a:noFill/>
-          <a:ln>
-            <a:noFill/>
-          </a:ln>
-        </p:spPr>
-        <p:style>
-          <a:lnRef idx="2">
-            <a:schemeClr val="accent1">
-              <a:shade val="50000"/>
-            </a:schemeClr>
-          </a:lnRef>
-          <a:fillRef idx="1">
-            <a:schemeClr val="accent1"/>
-          </a:fillRef>
-          <a:effectRef idx="0">
-            <a:schemeClr val="accent1"/>
-          </a:effectRef>
-          <a:fontRef idx="minor">
-            <a:schemeClr val="lt1"/>
-          </a:fontRef>
-        </p:style>
-        <p:txBody>
-          <a:bodyPr rtlCol="0" anchor="ctr"/>
-          <a:lstStyle/>
-          <a:p>
-            <a:pPr algn="ctr"/>
-            <a:endParaRPr lang="en-US" sz="1013"/>
+            <a:endParaRPr lang="en-US"/>
           </a:p>
         </p:txBody>
       </p:sp>
     </p:spTree>
     <p:extLst>
       <p:ext uri="{BB962C8B-B14F-4D97-AF65-F5344CB8AC3E}">
-        <p14:creationId xmlns:p14="http://schemas.microsoft.com/office/powerpoint/2010/main" val="735869892"/>
+        <p14:creationId xmlns:p14="http://schemas.microsoft.com/office/powerpoint/2010/main" val="1331299405"/>
       </p:ext>
     </p:extLst>
   </p:cSld>
   <p:clrMapOvr>
     <a:masterClrMapping/>
   </p:clrMapOvr>
+  <p:timing>
+    <p:tnLst>
+      <p:par>
+        <p:cTn id="1" dur="indefinite" restart="never" nodeType="tmRoot"/>
+      </p:par>
+    </p:tnLst>
+  </p:timing>
 </p:sld>
 </file>
 

--- a/ppt/jms slides.pptx
+++ b/ppt/jms slides.pptx
@@ -5,16 +5,15 @@
     <p:sldMasterId id="2147483660" r:id="rId1"/>
   </p:sldMasterIdLst>
   <p:sldIdLst>
-    <p:sldId id="261" r:id="rId2"/>
-    <p:sldId id="262" r:id="rId3"/>
-    <p:sldId id="263" r:id="rId4"/>
-    <p:sldId id="264" r:id="rId5"/>
+    <p:sldId id="268" r:id="rId2"/>
+    <p:sldId id="263" r:id="rId3"/>
+    <p:sldId id="261" r:id="rId4"/>
+    <p:sldId id="262" r:id="rId5"/>
     <p:sldId id="265" r:id="rId6"/>
     <p:sldId id="266" r:id="rId7"/>
-    <p:sldId id="267" r:id="rId8"/>
-    <p:sldId id="268" r:id="rId9"/>
-    <p:sldId id="258" r:id="rId10"/>
-    <p:sldId id="259" r:id="rId11"/>
+    <p:sldId id="270" r:id="rId8"/>
+    <p:sldId id="271" r:id="rId9"/>
+    <p:sldId id="267" r:id="rId10"/>
   </p:sldIdLst>
   <p:sldSz cx="9144000" cy="5143500" type="screen16x9"/>
   <p:notesSz cx="6858000" cy="9144000"/>
@@ -252,7 +251,7 @@
           <a:p>
             <a:fld id="{11A3A2C2-75AB-4F7F-9DF5-374BE777B759}" type="datetimeFigureOut">
               <a:rPr lang="en-US" smtClean="0"/>
-              <a:t>11/13/2016</a:t>
+              <a:t>11/14/2016</a:t>
             </a:fld>
             <a:endParaRPr lang="en-US"/>
           </a:p>
@@ -422,7 +421,7 @@
           <a:p>
             <a:fld id="{11A3A2C2-75AB-4F7F-9DF5-374BE777B759}" type="datetimeFigureOut">
               <a:rPr lang="en-US" smtClean="0"/>
-              <a:t>11/13/2016</a:t>
+              <a:t>11/14/2016</a:t>
             </a:fld>
             <a:endParaRPr lang="en-US"/>
           </a:p>
@@ -602,7 +601,7 @@
           <a:p>
             <a:fld id="{11A3A2C2-75AB-4F7F-9DF5-374BE777B759}" type="datetimeFigureOut">
               <a:rPr lang="en-US" smtClean="0"/>
-              <a:t>11/13/2016</a:t>
+              <a:t>11/14/2016</a:t>
             </a:fld>
             <a:endParaRPr lang="en-US"/>
           </a:p>
@@ -772,7 +771,7 @@
           <a:p>
             <a:fld id="{11A3A2C2-75AB-4F7F-9DF5-374BE777B759}" type="datetimeFigureOut">
               <a:rPr lang="en-US" smtClean="0"/>
-              <a:t>11/13/2016</a:t>
+              <a:t>11/14/2016</a:t>
             </a:fld>
             <a:endParaRPr lang="en-US"/>
           </a:p>
@@ -1018,7 +1017,7 @@
           <a:p>
             <a:fld id="{11A3A2C2-75AB-4F7F-9DF5-374BE777B759}" type="datetimeFigureOut">
               <a:rPr lang="en-US" smtClean="0"/>
-              <a:t>11/13/2016</a:t>
+              <a:t>11/14/2016</a:t>
             </a:fld>
             <a:endParaRPr lang="en-US"/>
           </a:p>
@@ -1250,7 +1249,7 @@
           <a:p>
             <a:fld id="{11A3A2C2-75AB-4F7F-9DF5-374BE777B759}" type="datetimeFigureOut">
               <a:rPr lang="en-US" smtClean="0"/>
-              <a:t>11/13/2016</a:t>
+              <a:t>11/14/2016</a:t>
             </a:fld>
             <a:endParaRPr lang="en-US"/>
           </a:p>
@@ -1617,7 +1616,7 @@
           <a:p>
             <a:fld id="{11A3A2C2-75AB-4F7F-9DF5-374BE777B759}" type="datetimeFigureOut">
               <a:rPr lang="en-US" smtClean="0"/>
-              <a:t>11/13/2016</a:t>
+              <a:t>11/14/2016</a:t>
             </a:fld>
             <a:endParaRPr lang="en-US"/>
           </a:p>
@@ -1735,7 +1734,7 @@
           <a:p>
             <a:fld id="{11A3A2C2-75AB-4F7F-9DF5-374BE777B759}" type="datetimeFigureOut">
               <a:rPr lang="en-US" smtClean="0"/>
-              <a:t>11/13/2016</a:t>
+              <a:t>11/14/2016</a:t>
             </a:fld>
             <a:endParaRPr lang="en-US"/>
           </a:p>
@@ -1830,7 +1829,7 @@
           <a:p>
             <a:fld id="{11A3A2C2-75AB-4F7F-9DF5-374BE777B759}" type="datetimeFigureOut">
               <a:rPr lang="en-US" smtClean="0"/>
-              <a:t>11/13/2016</a:t>
+              <a:t>11/14/2016</a:t>
             </a:fld>
             <a:endParaRPr lang="en-US"/>
           </a:p>
@@ -2107,7 +2106,7 @@
           <a:p>
             <a:fld id="{11A3A2C2-75AB-4F7F-9DF5-374BE777B759}" type="datetimeFigureOut">
               <a:rPr lang="en-US" smtClean="0"/>
-              <a:t>11/13/2016</a:t>
+              <a:t>11/14/2016</a:t>
             </a:fld>
             <a:endParaRPr lang="en-US"/>
           </a:p>
@@ -2364,7 +2363,7 @@
           <a:p>
             <a:fld id="{11A3A2C2-75AB-4F7F-9DF5-374BE777B759}" type="datetimeFigureOut">
               <a:rPr lang="en-US" smtClean="0"/>
-              <a:t>11/13/2016</a:t>
+              <a:t>11/14/2016</a:t>
             </a:fld>
             <a:endParaRPr lang="en-US"/>
           </a:p>
@@ -2577,7 +2576,7 @@
           <a:p>
             <a:fld id="{11A3A2C2-75AB-4F7F-9DF5-374BE777B759}" type="datetimeFigureOut">
               <a:rPr lang="en-US" smtClean="0"/>
-              <a:t>11/13/2016</a:t>
+              <a:t>11/14/2016</a:t>
             </a:fld>
             <a:endParaRPr lang="en-US"/>
           </a:p>
@@ -2994,97 +2993,6 @@
       </p:grpSpPr>
       <p:sp>
         <p:nvSpPr>
-          <p:cNvPr id="5" name="Rounded Rectangle 4"/>
-          <p:cNvSpPr/>
-          <p:nvPr/>
-        </p:nvSpPr>
-        <p:spPr>
-          <a:xfrm>
-            <a:off x="7164916" y="-697"/>
-            <a:ext cx="1971628" cy="960728"/>
-          </a:xfrm>
-          <a:prstGeom prst="roundRect">
-            <a:avLst/>
-          </a:prstGeom>
-        </p:spPr>
-        <p:style>
-          <a:lnRef idx="0">
-            <a:schemeClr val="accent2"/>
-          </a:lnRef>
-          <a:fillRef idx="3">
-            <a:schemeClr val="accent2"/>
-          </a:fillRef>
-          <a:effectRef idx="3">
-            <a:schemeClr val="accent2"/>
-          </a:effectRef>
-          <a:fontRef idx="minor">
-            <a:schemeClr val="lt1"/>
-          </a:fontRef>
-        </p:style>
-        <p:txBody>
-          <a:bodyPr rtlCol="0" anchor="ctr"/>
-          <a:lstStyle/>
-          <a:p>
-            <a:pPr algn="ctr"/>
-            <a:endParaRPr lang="en-US" sz="1013" dirty="0"/>
-          </a:p>
-        </p:txBody>
-      </p:sp>
-      <p:sp>
-        <p:nvSpPr>
-          <p:cNvPr id="14" name="Rounded Rectangle 13"/>
-          <p:cNvSpPr/>
-          <p:nvPr/>
-        </p:nvSpPr>
-        <p:spPr>
-          <a:xfrm>
-            <a:off x="3289678" y="1678991"/>
-            <a:ext cx="2396745" cy="1761549"/>
-          </a:xfrm>
-          <a:prstGeom prst="roundRect">
-            <a:avLst/>
-          </a:prstGeom>
-          <a:solidFill>
-            <a:schemeClr val="accent3">
-              <a:alpha val="50000"/>
-            </a:schemeClr>
-          </a:solidFill>
-          <a:ln>
-            <a:noFill/>
-          </a:ln>
-        </p:spPr>
-        <p:style>
-          <a:lnRef idx="0">
-            <a:scrgbClr r="0" g="0" b="0"/>
-          </a:lnRef>
-          <a:fillRef idx="0">
-            <a:scrgbClr r="0" g="0" b="0"/>
-          </a:fillRef>
-          <a:effectRef idx="0">
-            <a:scrgbClr r="0" g="0" b="0"/>
-          </a:effectRef>
-          <a:fontRef idx="minor">
-            <a:schemeClr val="lt1"/>
-          </a:fontRef>
-        </p:style>
-        <p:txBody>
-          <a:bodyPr rtlCol="0" anchor="ctr"/>
-          <a:lstStyle/>
-          <a:p>
-            <a:pPr algn="ctr"/>
-            <a:r>
-              <a:rPr lang="en-US" sz="1013" dirty="0" err="1"/>
-              <a:t>Jms</a:t>
-            </a:r>
-            <a:r>
-              <a:rPr lang="en-US" sz="1013" dirty="0"/>
-              <a:t> Client</a:t>
-            </a:r>
-          </a:p>
-        </p:txBody>
-      </p:sp>
-      <p:sp>
-        <p:nvSpPr>
           <p:cNvPr id="8" name="Rounded Rectangle 7"/>
           <p:cNvSpPr/>
           <p:nvPr/>
@@ -3127,63 +3035,316 @@
           </a:p>
         </p:txBody>
       </p:sp>
-      <p:sp>
-        <p:nvSpPr>
-          <p:cNvPr id="9" name="Can 8"/>
+      <p:pic>
+        <p:nvPicPr>
+          <p:cNvPr id="3" name="Picture 2"/>
+          <p:cNvPicPr>
+            <a:picLocks noChangeAspect="1"/>
+          </p:cNvPicPr>
+          <p:nvPr/>
+        </p:nvPicPr>
+        <p:blipFill>
+          <a:blip r:embed="rId2">
+            <a:extLst>
+              <a:ext uri="{28A0092B-C50C-407E-A947-70E740481C1C}">
+                <a14:useLocalDpi xmlns:a14="http://schemas.microsoft.com/office/drawing/2010/main" val="0"/>
+              </a:ext>
+            </a:extLst>
+          </a:blip>
+          <a:stretch>
+            <a:fillRect/>
+          </a:stretch>
+        </p:blipFill>
+        <p:spPr>
+          <a:xfrm>
+            <a:off x="3278054" y="2236396"/>
+            <a:ext cx="2933700" cy="866775"/>
+          </a:xfrm>
+          <a:prstGeom prst="rect">
+            <a:avLst/>
+          </a:prstGeom>
+        </p:spPr>
+      </p:pic>
+      <p:pic>
+        <p:nvPicPr>
+          <p:cNvPr id="4" name="Picture 3"/>
+          <p:cNvPicPr>
+            <a:picLocks noChangeAspect="1"/>
+          </p:cNvPicPr>
+          <p:nvPr/>
+        </p:nvPicPr>
+        <p:blipFill>
+          <a:blip r:embed="rId3">
+            <a:extLst>
+              <a:ext uri="{28A0092B-C50C-407E-A947-70E740481C1C}">
+                <a14:useLocalDpi xmlns:a14="http://schemas.microsoft.com/office/drawing/2010/main" val="0"/>
+              </a:ext>
+            </a:extLst>
+          </a:blip>
+          <a:stretch>
+            <a:fillRect/>
+          </a:stretch>
+        </p:blipFill>
+        <p:spPr>
+          <a:xfrm>
+            <a:off x="473905" y="3997059"/>
+            <a:ext cx="3170659" cy="1207870"/>
+          </a:xfrm>
+          <a:prstGeom prst="rect">
+            <a:avLst/>
+          </a:prstGeom>
+        </p:spPr>
+      </p:pic>
+      <p:pic>
+        <p:nvPicPr>
+          <p:cNvPr id="5" name="Picture 4"/>
+          <p:cNvPicPr>
+            <a:picLocks noChangeAspect="1"/>
+          </p:cNvPicPr>
+          <p:nvPr/>
+        </p:nvPicPr>
+        <p:blipFill>
+          <a:blip r:embed="rId4" cstate="print">
+            <a:extLst>
+              <a:ext uri="{28A0092B-C50C-407E-A947-70E740481C1C}">
+                <a14:useLocalDpi xmlns:a14="http://schemas.microsoft.com/office/drawing/2010/main" val="0"/>
+              </a:ext>
+            </a:extLst>
+          </a:blip>
+          <a:stretch>
+            <a:fillRect/>
+          </a:stretch>
+        </p:blipFill>
+        <p:spPr>
+          <a:xfrm>
+            <a:off x="4575510" y="271824"/>
+            <a:ext cx="3219867" cy="698575"/>
+          </a:xfrm>
+          <a:prstGeom prst="rect">
+            <a:avLst/>
+          </a:prstGeom>
+        </p:spPr>
+      </p:pic>
+      <p:pic>
+        <p:nvPicPr>
+          <p:cNvPr id="6" name="Picture 5"/>
+          <p:cNvPicPr>
+            <a:picLocks noChangeAspect="1"/>
+          </p:cNvPicPr>
+          <p:nvPr/>
+        </p:nvPicPr>
+        <p:blipFill>
+          <a:blip r:embed="rId5">
+            <a:extLst>
+              <a:ext uri="{28A0092B-C50C-407E-A947-70E740481C1C}">
+                <a14:useLocalDpi xmlns:a14="http://schemas.microsoft.com/office/drawing/2010/main" val="0"/>
+              </a:ext>
+            </a:extLst>
+          </a:blip>
+          <a:stretch>
+            <a:fillRect/>
+          </a:stretch>
+        </p:blipFill>
+        <p:spPr>
+          <a:xfrm>
+            <a:off x="6397378" y="1295259"/>
+            <a:ext cx="2143125" cy="2143125"/>
+          </a:xfrm>
+          <a:prstGeom prst="rect">
+            <a:avLst/>
+          </a:prstGeom>
+        </p:spPr>
+      </p:pic>
+      <p:pic>
+        <p:nvPicPr>
+          <p:cNvPr id="7" name="Picture 6"/>
+          <p:cNvPicPr>
+            <a:picLocks noChangeAspect="1"/>
+          </p:cNvPicPr>
+          <p:nvPr/>
+        </p:nvPicPr>
+        <p:blipFill>
+          <a:blip r:embed="rId6">
+            <a:extLst>
+              <a:ext uri="{28A0092B-C50C-407E-A947-70E740481C1C}">
+                <a14:useLocalDpi xmlns:a14="http://schemas.microsoft.com/office/drawing/2010/main" val="0"/>
+              </a:ext>
+            </a:extLst>
+          </a:blip>
+          <a:stretch>
+            <a:fillRect/>
+          </a:stretch>
+        </p:blipFill>
+        <p:spPr>
+          <a:xfrm>
+            <a:off x="3226887" y="487183"/>
+            <a:ext cx="1200953" cy="1429706"/>
+          </a:xfrm>
+          <a:prstGeom prst="rect">
+            <a:avLst/>
+          </a:prstGeom>
+        </p:spPr>
+      </p:pic>
+      <p:pic>
+        <p:nvPicPr>
+          <p:cNvPr id="9" name="Picture 8"/>
+          <p:cNvPicPr>
+            <a:picLocks noChangeAspect="1"/>
+          </p:cNvPicPr>
+          <p:nvPr/>
+        </p:nvPicPr>
+        <p:blipFill>
+          <a:blip r:embed="rId7">
+            <a:extLst>
+              <a:ext uri="{28A0092B-C50C-407E-A947-70E740481C1C}">
+                <a14:useLocalDpi xmlns:a14="http://schemas.microsoft.com/office/drawing/2010/main" val="0"/>
+              </a:ext>
+            </a:extLst>
+          </a:blip>
+          <a:stretch>
+            <a:fillRect/>
+          </a:stretch>
+        </p:blipFill>
+        <p:spPr>
+          <a:xfrm>
+            <a:off x="6062782" y="3763244"/>
+            <a:ext cx="3016224" cy="1194628"/>
+          </a:xfrm>
+          <a:prstGeom prst="rect">
+            <a:avLst/>
+          </a:prstGeom>
+        </p:spPr>
+      </p:pic>
+      <p:pic>
+        <p:nvPicPr>
+          <p:cNvPr id="10" name="Picture 9"/>
+          <p:cNvPicPr>
+            <a:picLocks noChangeAspect="1"/>
+          </p:cNvPicPr>
+          <p:nvPr/>
+        </p:nvPicPr>
+        <p:blipFill>
+          <a:blip r:embed="rId8">
+            <a:extLst>
+              <a:ext uri="{28A0092B-C50C-407E-A947-70E740481C1C}">
+                <a14:useLocalDpi xmlns:a14="http://schemas.microsoft.com/office/drawing/2010/main" val="0"/>
+              </a:ext>
+            </a:extLst>
+          </a:blip>
+          <a:stretch>
+            <a:fillRect/>
+          </a:stretch>
+        </p:blipFill>
+        <p:spPr>
+          <a:xfrm>
+            <a:off x="703061" y="2639161"/>
+            <a:ext cx="1905000" cy="476250"/>
+          </a:xfrm>
+          <a:prstGeom prst="rect">
+            <a:avLst/>
+          </a:prstGeom>
+        </p:spPr>
+      </p:pic>
+      <p:pic>
+        <p:nvPicPr>
+          <p:cNvPr id="11" name="Picture 10"/>
+          <p:cNvPicPr>
+            <a:picLocks noChangeAspect="1"/>
+          </p:cNvPicPr>
+          <p:nvPr/>
+        </p:nvPicPr>
+        <p:blipFill>
+          <a:blip r:embed="rId9" cstate="print">
+            <a:extLst>
+              <a:ext uri="{28A0092B-C50C-407E-A947-70E740481C1C}">
+                <a14:useLocalDpi xmlns:a14="http://schemas.microsoft.com/office/drawing/2010/main" val="0"/>
+              </a:ext>
+            </a:extLst>
+          </a:blip>
+          <a:stretch>
+            <a:fillRect/>
+          </a:stretch>
+        </p:blipFill>
+        <p:spPr>
+          <a:xfrm>
+            <a:off x="350072" y="329247"/>
+            <a:ext cx="2425115" cy="1294405"/>
+          </a:xfrm>
+          <a:prstGeom prst="rect">
+            <a:avLst/>
+          </a:prstGeom>
+        </p:spPr>
+      </p:pic>
+      <p:pic>
+        <p:nvPicPr>
+          <p:cNvPr id="12" name="Picture 11"/>
+          <p:cNvPicPr>
+            <a:picLocks noChangeAspect="1"/>
+          </p:cNvPicPr>
+          <p:nvPr/>
+        </p:nvPicPr>
+        <p:blipFill>
+          <a:blip r:embed="rId10">
+            <a:extLst>
+              <a:ext uri="{28A0092B-C50C-407E-A947-70E740481C1C}">
+                <a14:useLocalDpi xmlns:a14="http://schemas.microsoft.com/office/drawing/2010/main" val="0"/>
+              </a:ext>
+            </a:extLst>
+          </a:blip>
+          <a:stretch>
+            <a:fillRect/>
+          </a:stretch>
+        </p:blipFill>
+        <p:spPr>
+          <a:xfrm>
+            <a:off x="2501167" y="3247618"/>
+            <a:ext cx="3119683" cy="827477"/>
+          </a:xfrm>
+          <a:prstGeom prst="rect">
+            <a:avLst/>
+          </a:prstGeom>
+        </p:spPr>
+      </p:pic>
+      <p:pic>
+        <p:nvPicPr>
+          <p:cNvPr id="13" name="Picture 12"/>
+          <p:cNvPicPr>
+            <a:picLocks noChangeAspect="1"/>
+          </p:cNvPicPr>
+          <p:nvPr/>
+        </p:nvPicPr>
+        <p:blipFill>
+          <a:blip r:embed="rId11">
+            <a:extLst>
+              <a:ext uri="{28A0092B-C50C-407E-A947-70E740481C1C}">
+                <a14:useLocalDpi xmlns:a14="http://schemas.microsoft.com/office/drawing/2010/main" val="0"/>
+              </a:ext>
+            </a:extLst>
+          </a:blip>
+          <a:stretch>
+            <a:fillRect/>
+          </a:stretch>
+        </p:blipFill>
+        <p:spPr>
+          <a:xfrm>
+            <a:off x="651500" y="2077646"/>
+            <a:ext cx="1435100" cy="317500"/>
+          </a:xfrm>
+          <a:prstGeom prst="rect">
+            <a:avLst/>
+          </a:prstGeom>
+        </p:spPr>
+      </p:pic>
+      <p:sp>
+        <p:nvSpPr>
+          <p:cNvPr id="14" name="Rectangle 13"/>
           <p:cNvSpPr/>
           <p:nvPr/>
         </p:nvSpPr>
         <p:spPr>
-          <a:xfrm rot="5400000">
-            <a:off x="4129384" y="1419623"/>
-            <a:ext cx="717332" cy="2280285"/>
-          </a:xfrm>
-          <a:prstGeom prst="can">
-            <a:avLst/>
-          </a:prstGeom>
-          <a:effectLst>
-            <a:outerShdw blurRad="50800" dist="38100" dir="8100000" algn="tr" rotWithShape="0">
-              <a:prstClr val="black">
-                <a:alpha val="40000"/>
-              </a:prstClr>
-            </a:outerShdw>
-          </a:effectLst>
-        </p:spPr>
-        <p:style>
-          <a:lnRef idx="2">
-            <a:schemeClr val="accent1">
-              <a:shade val="50000"/>
-            </a:schemeClr>
-          </a:lnRef>
-          <a:fillRef idx="1">
-            <a:schemeClr val="accent1"/>
-          </a:fillRef>
-          <a:effectRef idx="0">
-            <a:schemeClr val="accent1"/>
-          </a:effectRef>
-          <a:fontRef idx="minor">
-            <a:schemeClr val="lt1"/>
-          </a:fontRef>
-        </p:style>
-        <p:txBody>
-          <a:bodyPr rtlCol="0" anchor="ctr"/>
-          <a:lstStyle/>
-          <a:p>
-            <a:pPr algn="ctr"/>
-            <a:endParaRPr lang="en-US" sz="1013"/>
-          </a:p>
-        </p:txBody>
-      </p:sp>
-      <p:sp>
-        <p:nvSpPr>
-          <p:cNvPr id="10" name="Rectangle 9"/>
-          <p:cNvSpPr/>
-          <p:nvPr/>
-        </p:nvSpPr>
-        <p:spPr>
-          <a:xfrm>
-            <a:off x="3700655" y="2213517"/>
-            <a:ext cx="1574790" cy="692497"/>
+          <a:xfrm>
+            <a:off x="6674879" y="3059917"/>
+            <a:ext cx="1792029" cy="461665"/>
           </a:xfrm>
           <a:prstGeom prst="rect">
             <a:avLst/>
@@ -3191,474 +3352,14 @@
           <a:noFill/>
         </p:spPr>
         <p:txBody>
-          <a:bodyPr wrap="none" lIns="68580" tIns="34290" rIns="68580" bIns="34290">
+          <a:bodyPr wrap="none" lIns="91440" tIns="45720" rIns="91440" bIns="45720">
             <a:spAutoFit/>
           </a:bodyPr>
           <a:lstStyle/>
           <a:p>
             <a:pPr algn="ctr"/>
             <a:r>
-              <a:rPr lang="en-US" sz="4050" b="1" dirty="0">
-                <a:ln w="12700">
-                  <a:solidFill>
-                    <a:schemeClr val="accent3">
-                      <a:lumMod val="50000"/>
-                    </a:schemeClr>
-                  </a:solidFill>
-                  <a:prstDash val="solid"/>
-                </a:ln>
-                <a:pattFill prst="narHorz">
-                  <a:fgClr>
-                    <a:schemeClr val="accent3"/>
-                  </a:fgClr>
-                  <a:bgClr>
-                    <a:schemeClr val="accent3">
-                      <a:lumMod val="40000"/>
-                      <a:lumOff val="60000"/>
-                    </a:schemeClr>
-                  </a:bgClr>
-                </a:pattFill>
-                <a:effectLst>
-                  <a:innerShdw blurRad="177800">
-                    <a:schemeClr val="accent3">
-                      <a:lumMod val="50000"/>
-                    </a:schemeClr>
-                  </a:innerShdw>
-                </a:effectLst>
-              </a:rPr>
-              <a:t>Queue</a:t>
-            </a:r>
-            <a:endParaRPr lang="en-US" sz="4050" b="1" dirty="0">
-              <a:ln w="10160">
-                <a:solidFill>
-                  <a:schemeClr val="accent5"/>
-                </a:solidFill>
-                <a:prstDash val="solid"/>
-              </a:ln>
-              <a:solidFill>
-                <a:srgbClr val="FFFFFF"/>
-              </a:solidFill>
-              <a:effectLst>
-                <a:outerShdw blurRad="38100" dist="22860" dir="5400000" algn="tl" rotWithShape="0">
-                  <a:srgbClr val="000000">
-                    <a:alpha val="30000"/>
-                  </a:srgbClr>
-                </a:outerShdw>
-              </a:effectLst>
-            </a:endParaRPr>
-          </a:p>
-        </p:txBody>
-      </p:sp>
-      <p:sp>
-        <p:nvSpPr>
-          <p:cNvPr id="11" name="Rounded Rectangle 10"/>
-          <p:cNvSpPr/>
-          <p:nvPr/>
-        </p:nvSpPr>
-        <p:spPr>
-          <a:xfrm>
-            <a:off x="7164916" y="2079403"/>
-            <a:ext cx="1971628" cy="960728"/>
-          </a:xfrm>
-          <a:prstGeom prst="roundRect">
-            <a:avLst/>
-          </a:prstGeom>
-        </p:spPr>
-        <p:style>
-          <a:lnRef idx="0">
-            <a:schemeClr val="accent2"/>
-          </a:lnRef>
-          <a:fillRef idx="3">
-            <a:schemeClr val="accent2"/>
-          </a:fillRef>
-          <a:effectRef idx="3">
-            <a:schemeClr val="accent2"/>
-          </a:effectRef>
-          <a:fontRef idx="minor">
-            <a:schemeClr val="lt1"/>
-          </a:fontRef>
-        </p:style>
-        <p:txBody>
-          <a:bodyPr rtlCol="0" anchor="ctr"/>
-          <a:lstStyle/>
-          <a:p>
-            <a:pPr algn="ctr"/>
-            <a:endParaRPr lang="en-US" sz="1013" dirty="0"/>
-          </a:p>
-        </p:txBody>
-      </p:sp>
-      <p:sp>
-        <p:nvSpPr>
-          <p:cNvPr id="12" name="Rounded Rectangle 11"/>
-          <p:cNvSpPr/>
-          <p:nvPr/>
-        </p:nvSpPr>
-        <p:spPr>
-          <a:xfrm>
-            <a:off x="7164916" y="4167059"/>
-            <a:ext cx="1971628" cy="960728"/>
-          </a:xfrm>
-          <a:prstGeom prst="roundRect">
-            <a:avLst/>
-          </a:prstGeom>
-        </p:spPr>
-        <p:style>
-          <a:lnRef idx="0">
-            <a:schemeClr val="accent2"/>
-          </a:lnRef>
-          <a:fillRef idx="3">
-            <a:schemeClr val="accent2"/>
-          </a:fillRef>
-          <a:effectRef idx="3">
-            <a:schemeClr val="accent2"/>
-          </a:effectRef>
-          <a:fontRef idx="minor">
-            <a:schemeClr val="lt1"/>
-          </a:fontRef>
-        </p:style>
-        <p:txBody>
-          <a:bodyPr rtlCol="0" anchor="ctr"/>
-          <a:lstStyle/>
-          <a:p>
-            <a:pPr algn="ctr"/>
-            <a:endParaRPr lang="en-US" sz="1013" dirty="0"/>
-          </a:p>
-        </p:txBody>
-      </p:sp>
-      <p:sp>
-        <p:nvSpPr>
-          <p:cNvPr id="13" name="Rounded Rectangle 12"/>
-          <p:cNvSpPr/>
-          <p:nvPr/>
-        </p:nvSpPr>
-        <p:spPr>
-          <a:xfrm>
-            <a:off x="-4509" y="2079403"/>
-            <a:ext cx="1971628" cy="960728"/>
-          </a:xfrm>
-          <a:prstGeom prst="roundRect">
-            <a:avLst/>
-          </a:prstGeom>
-        </p:spPr>
-        <p:style>
-          <a:lnRef idx="0">
-            <a:schemeClr val="accent2"/>
-          </a:lnRef>
-          <a:fillRef idx="3">
-            <a:schemeClr val="accent2"/>
-          </a:fillRef>
-          <a:effectRef idx="3">
-            <a:schemeClr val="accent2"/>
-          </a:effectRef>
-          <a:fontRef idx="minor">
-            <a:schemeClr val="lt1"/>
-          </a:fontRef>
-        </p:style>
-        <p:txBody>
-          <a:bodyPr rtlCol="0" anchor="ctr"/>
-          <a:lstStyle/>
-          <a:p>
-            <a:pPr algn="ctr"/>
-            <a:endParaRPr lang="en-US" sz="1013" dirty="0"/>
-          </a:p>
-        </p:txBody>
-      </p:sp>
-      <p:sp>
-        <p:nvSpPr>
-          <p:cNvPr id="15" name="Rectangle 14"/>
-          <p:cNvSpPr/>
-          <p:nvPr/>
-        </p:nvSpPr>
-        <p:spPr>
-          <a:xfrm>
-            <a:off x="333659" y="2569821"/>
-            <a:ext cx="1295291" cy="438582"/>
-          </a:xfrm>
-          <a:prstGeom prst="rect">
-            <a:avLst/>
-          </a:prstGeom>
-          <a:noFill/>
-          <a:ln>
-            <a:noFill/>
-          </a:ln>
-          <a:effectLst>
-            <a:outerShdw blurRad="50800" dist="38100" dir="8100000" algn="tr" rotWithShape="0">
-              <a:prstClr val="black">
-                <a:alpha val="40000"/>
-              </a:prstClr>
-            </a:outerShdw>
-          </a:effectLst>
-        </p:spPr>
-        <p:txBody>
-          <a:bodyPr wrap="none" lIns="68580" tIns="34290" rIns="68580" bIns="34290">
-            <a:spAutoFit/>
-          </a:bodyPr>
-          <a:lstStyle/>
-          <a:p>
-            <a:pPr algn="ctr"/>
-            <a:r>
               <a:rPr lang="en-US" sz="2400" b="1" dirty="0">
-                <a:ln w="12700" cmpd="sng">
-                  <a:solidFill>
-                    <a:schemeClr val="accent4"/>
-                  </a:solidFill>
-                  <a:prstDash val="solid"/>
-                </a:ln>
-                <a:gradFill>
-                  <a:gsLst>
-                    <a:gs pos="0">
-                      <a:schemeClr val="accent4"/>
-                    </a:gs>
-                    <a:gs pos="4000">
-                      <a:schemeClr val="accent4">
-                        <a:lumMod val="60000"/>
-                        <a:lumOff val="40000"/>
-                      </a:schemeClr>
-                    </a:gs>
-                    <a:gs pos="87000">
-                      <a:schemeClr val="accent4">
-                        <a:lumMod val="20000"/>
-                        <a:lumOff val="80000"/>
-                      </a:schemeClr>
-                    </a:gs>
-                  </a:gsLst>
-                  <a:lin ang="5400000"/>
-                </a:gradFill>
-              </a:rPr>
-              <a:t>Producer</a:t>
-            </a:r>
-          </a:p>
-        </p:txBody>
-      </p:sp>
-      <p:sp>
-        <p:nvSpPr>
-          <p:cNvPr id="16" name="Rectangle 15"/>
-          <p:cNvSpPr/>
-          <p:nvPr/>
-        </p:nvSpPr>
-        <p:spPr>
-          <a:xfrm>
-            <a:off x="7320856" y="2583967"/>
-            <a:ext cx="1659750" cy="438582"/>
-          </a:xfrm>
-          <a:prstGeom prst="rect">
-            <a:avLst/>
-          </a:prstGeom>
-          <a:noFill/>
-          <a:ln>
-            <a:noFill/>
-          </a:ln>
-          <a:effectLst>
-            <a:outerShdw blurRad="50800" dist="38100" dir="8100000" algn="tr" rotWithShape="0">
-              <a:prstClr val="black">
-                <a:alpha val="40000"/>
-              </a:prstClr>
-            </a:outerShdw>
-          </a:effectLst>
-        </p:spPr>
-        <p:txBody>
-          <a:bodyPr wrap="none" lIns="68580" tIns="34290" rIns="68580" bIns="34290">
-            <a:spAutoFit/>
-          </a:bodyPr>
-          <a:lstStyle/>
-          <a:p>
-            <a:pPr algn="ctr"/>
-            <a:r>
-              <a:rPr lang="en-US" sz="2400" b="1" dirty="0">
-                <a:ln w="12700" cmpd="sng">
-                  <a:solidFill>
-                    <a:schemeClr val="accent4"/>
-                  </a:solidFill>
-                  <a:prstDash val="solid"/>
-                </a:ln>
-                <a:gradFill>
-                  <a:gsLst>
-                    <a:gs pos="0">
-                      <a:schemeClr val="accent4"/>
-                    </a:gs>
-                    <a:gs pos="4000">
-                      <a:schemeClr val="accent4">
-                        <a:lumMod val="60000"/>
-                        <a:lumOff val="40000"/>
-                      </a:schemeClr>
-                    </a:gs>
-                    <a:gs pos="87000">
-                      <a:schemeClr val="accent4">
-                        <a:lumMod val="20000"/>
-                        <a:lumOff val="80000"/>
-                      </a:schemeClr>
-                    </a:gs>
-                  </a:gsLst>
-                  <a:lin ang="5400000"/>
-                </a:gradFill>
-              </a:rPr>
-              <a:t>Consumer 2</a:t>
-            </a:r>
-          </a:p>
-        </p:txBody>
-      </p:sp>
-      <p:sp>
-        <p:nvSpPr>
-          <p:cNvPr id="17" name="Rectangle 16"/>
-          <p:cNvSpPr/>
-          <p:nvPr/>
-        </p:nvSpPr>
-        <p:spPr>
-          <a:xfrm>
-            <a:off x="7320856" y="4659640"/>
-            <a:ext cx="1659750" cy="438582"/>
-          </a:xfrm>
-          <a:prstGeom prst="rect">
-            <a:avLst/>
-          </a:prstGeom>
-          <a:noFill/>
-          <a:ln>
-            <a:noFill/>
-          </a:ln>
-          <a:effectLst>
-            <a:outerShdw blurRad="50800" dist="38100" dir="8100000" algn="tr" rotWithShape="0">
-              <a:prstClr val="black">
-                <a:alpha val="40000"/>
-              </a:prstClr>
-            </a:outerShdw>
-          </a:effectLst>
-        </p:spPr>
-        <p:txBody>
-          <a:bodyPr wrap="none" lIns="68580" tIns="34290" rIns="68580" bIns="34290">
-            <a:spAutoFit/>
-          </a:bodyPr>
-          <a:lstStyle/>
-          <a:p>
-            <a:pPr algn="ctr"/>
-            <a:r>
-              <a:rPr lang="en-US" sz="2400" b="1" dirty="0">
-                <a:ln w="12700" cmpd="sng">
-                  <a:solidFill>
-                    <a:schemeClr val="accent4"/>
-                  </a:solidFill>
-                  <a:prstDash val="solid"/>
-                </a:ln>
-                <a:gradFill>
-                  <a:gsLst>
-                    <a:gs pos="0">
-                      <a:schemeClr val="accent4"/>
-                    </a:gs>
-                    <a:gs pos="4000">
-                      <a:schemeClr val="accent4">
-                        <a:lumMod val="60000"/>
-                        <a:lumOff val="40000"/>
-                      </a:schemeClr>
-                    </a:gs>
-                    <a:gs pos="87000">
-                      <a:schemeClr val="accent4">
-                        <a:lumMod val="20000"/>
-                        <a:lumOff val="80000"/>
-                      </a:schemeClr>
-                    </a:gs>
-                  </a:gsLst>
-                  <a:lin ang="5400000"/>
-                </a:gradFill>
-              </a:rPr>
-              <a:t>Consumer 3</a:t>
-            </a:r>
-          </a:p>
-        </p:txBody>
-      </p:sp>
-      <p:sp>
-        <p:nvSpPr>
-          <p:cNvPr id="18" name="Rectangle 17"/>
-          <p:cNvSpPr/>
-          <p:nvPr/>
-        </p:nvSpPr>
-        <p:spPr>
-          <a:xfrm>
-            <a:off x="7320856" y="491884"/>
-            <a:ext cx="1659750" cy="438582"/>
-          </a:xfrm>
-          <a:prstGeom prst="rect">
-            <a:avLst/>
-          </a:prstGeom>
-          <a:noFill/>
-          <a:ln>
-            <a:noFill/>
-          </a:ln>
-          <a:effectLst>
-            <a:outerShdw blurRad="50800" dist="38100" dir="8100000" algn="tr" rotWithShape="0">
-              <a:prstClr val="black">
-                <a:alpha val="40000"/>
-              </a:prstClr>
-            </a:outerShdw>
-          </a:effectLst>
-        </p:spPr>
-        <p:txBody>
-          <a:bodyPr wrap="none" lIns="68580" tIns="34290" rIns="68580" bIns="34290">
-            <a:spAutoFit/>
-          </a:bodyPr>
-          <a:lstStyle/>
-          <a:p>
-            <a:pPr algn="ctr"/>
-            <a:r>
-              <a:rPr lang="en-US" sz="2400" b="1" dirty="0">
-                <a:ln w="12700" cmpd="sng">
-                  <a:solidFill>
-                    <a:schemeClr val="accent4"/>
-                  </a:solidFill>
-                  <a:prstDash val="solid"/>
-                </a:ln>
-                <a:gradFill>
-                  <a:gsLst>
-                    <a:gs pos="0">
-                      <a:schemeClr val="accent4"/>
-                    </a:gs>
-                    <a:gs pos="4000">
-                      <a:schemeClr val="accent4">
-                        <a:lumMod val="60000"/>
-                        <a:lumOff val="40000"/>
-                      </a:schemeClr>
-                    </a:gs>
-                    <a:gs pos="87000">
-                      <a:schemeClr val="accent4">
-                        <a:lumMod val="20000"/>
-                        <a:lumOff val="80000"/>
-                      </a:schemeClr>
-                    </a:gs>
-                  </a:gsLst>
-                  <a:lin ang="5400000"/>
-                </a:gradFill>
-              </a:rPr>
-              <a:t>Consumer 1</a:t>
-            </a:r>
-          </a:p>
-        </p:txBody>
-      </p:sp>
-      <p:sp>
-        <p:nvSpPr>
-          <p:cNvPr id="19" name="Rectangle 18"/>
-          <p:cNvSpPr/>
-          <p:nvPr/>
-        </p:nvSpPr>
-        <p:spPr>
-          <a:xfrm>
-            <a:off x="3872573" y="1706086"/>
-            <a:ext cx="1129413" cy="500137"/>
-          </a:xfrm>
-          <a:prstGeom prst="rect">
-            <a:avLst/>
-          </a:prstGeom>
-          <a:noFill/>
-          <a:ln>
-            <a:noFill/>
-          </a:ln>
-        </p:spPr>
-        <p:txBody>
-          <a:bodyPr wrap="none" lIns="68580" tIns="34290" rIns="68580" bIns="34290">
-            <a:spAutoFit/>
-          </a:bodyPr>
-          <a:lstStyle/>
-          <a:p>
-            <a:pPr algn="ctr"/>
-            <a:r>
-              <a:rPr lang="en-US" sz="2800" b="1" dirty="0">
                 <a:ln/>
                 <a:pattFill prst="dkUpDiag">
                   <a:fgClr>
@@ -3682,39 +3383,21 @@
                   </a:outerShdw>
                 </a:effectLst>
               </a:rPr>
-              <a:t>Broker</a:t>
-            </a:r>
-            <a:endParaRPr lang="en-US" sz="2800" b="1" dirty="0">
-              <a:ln w="10160">
-                <a:solidFill>
-                  <a:schemeClr val="accent2"/>
-                </a:solidFill>
-                <a:prstDash val="solid"/>
-              </a:ln>
-              <a:solidFill>
-                <a:srgbClr val="FFFFFF"/>
-              </a:solidFill>
-              <a:effectLst>
-                <a:outerShdw blurRad="38100" dist="22860" dir="5400000" algn="tl" rotWithShape="0">
-                  <a:srgbClr val="000000">
-                    <a:alpha val="30000"/>
-                  </a:srgbClr>
-                </a:outerShdw>
-              </a:effectLst>
-            </a:endParaRPr>
-          </a:p>
-        </p:txBody>
-      </p:sp>
-      <p:sp>
-        <p:nvSpPr>
-          <p:cNvPr id="2" name="Rectangle 1"/>
+              <a:t>Amazon SQS</a:t>
+            </a:r>
+          </a:p>
+        </p:txBody>
+      </p:sp>
+      <p:sp>
+        <p:nvSpPr>
+          <p:cNvPr id="17" name="Rectangle 16"/>
           <p:cNvSpPr/>
           <p:nvPr/>
         </p:nvSpPr>
         <p:spPr>
           <a:xfrm>
-            <a:off x="9838" y="21914"/>
-            <a:ext cx="5157117" cy="707886"/>
+            <a:off x="3750801" y="1527447"/>
+            <a:ext cx="2434642" cy="461665"/>
           </a:xfrm>
           <a:prstGeom prst="rect">
             <a:avLst/>
@@ -3729,21 +3412,17 @@
           <a:p>
             <a:pPr algn="ctr"/>
             <a:r>
-              <a:rPr lang="en-US" sz="4000" b="1" dirty="0" smtClean="0">
-                <a:ln/>
-                <a:pattFill prst="dkUpDiag">
-                  <a:fgClr>
-                    <a:schemeClr val="bg1">
-                      <a:lumMod val="50000"/>
-                    </a:schemeClr>
-                  </a:fgClr>
-                  <a:bgClr>
-                    <a:schemeClr val="tx1">
+              <a:rPr lang="en-US" sz="2400" b="1" dirty="0" smtClean="0">
+                <a:ln>
+                  <a:solidFill>
+                    <a:schemeClr val="accent5">
                       <a:lumMod val="75000"/>
-                      <a:lumOff val="25000"/>
-                    </a:schemeClr>
-                  </a:bgClr>
-                </a:pattFill>
+                    </a:schemeClr>
+                  </a:solidFill>
+                </a:ln>
+                <a:solidFill>
+                  <a:srgbClr val="00ABEC"/>
+                </a:solidFill>
                 <a:effectLst>
                   <a:outerShdw blurRad="38100" dist="19050" dir="2700000" algn="tl" rotWithShape="0">
                     <a:schemeClr val="dk1">
@@ -3753,23 +3432,19 @@
                   </a:outerShdw>
                 </a:effectLst>
               </a:rPr>
-              <a:t>Queue Implementation</a:t>
-            </a:r>
-            <a:endParaRPr lang="en-US" sz="4000" b="1" dirty="0">
-              <a:ln/>
-              <a:pattFill prst="dkUpDiag">
-                <a:fgClr>
-                  <a:schemeClr val="bg1">
-                    <a:lumMod val="50000"/>
+              <a:t>Azure Service Bus</a:t>
+            </a:r>
+            <a:endParaRPr lang="en-US" sz="2400" b="1" dirty="0">
+              <a:ln>
+                <a:solidFill>
+                  <a:schemeClr val="accent5">
+                    <a:lumMod val="75000"/>
                   </a:schemeClr>
-                </a:fgClr>
-                <a:bgClr>
-                  <a:schemeClr val="tx1">
-                    <a:lumMod val="75000"/>
-                    <a:lumOff val="25000"/>
-                  </a:schemeClr>
-                </a:bgClr>
-              </a:pattFill>
+                </a:solidFill>
+              </a:ln>
+              <a:solidFill>
+                <a:srgbClr val="00ABEC"/>
+              </a:solidFill>
               <a:effectLst>
                 <a:outerShdw blurRad="38100" dist="19050" dir="2700000" algn="tl" rotWithShape="0">
                   <a:schemeClr val="dk1">
@@ -3785,7 +3460,7 @@
     </p:spTree>
     <p:extLst>
       <p:ext uri="{BB962C8B-B14F-4D97-AF65-F5344CB8AC3E}">
-        <p14:creationId xmlns:p14="http://schemas.microsoft.com/office/powerpoint/2010/main" val="131818764"/>
+        <p14:creationId xmlns:p14="http://schemas.microsoft.com/office/powerpoint/2010/main" val="2452153007"/>
       </p:ext>
     </p:extLst>
   </p:cSld>
@@ -3799,726 +3474,6 @@
       </p:par>
     </p:tnLst>
   </p:timing>
-</p:sld>
-</file>
-
-<file path=ppt/slides/slide10.xml><?xml version="1.0" encoding="utf-8"?>
-<p:sld xmlns:a="http://schemas.openxmlformats.org/drawingml/2006/main" xmlns:r="http://schemas.openxmlformats.org/officeDocument/2006/relationships" xmlns:p="http://schemas.openxmlformats.org/presentationml/2006/main">
-  <p:cSld>
-    <p:bg>
-      <p:bgPr>
-        <a:solidFill>
-          <a:schemeClr val="bg1">
-            <a:alpha val="0"/>
-          </a:schemeClr>
-        </a:solidFill>
-        <a:effectLst/>
-      </p:bgPr>
-    </p:bg>
-    <p:spTree>
-      <p:nvGrpSpPr>
-        <p:cNvPr id="1" name=""/>
-        <p:cNvGrpSpPr/>
-        <p:nvPr/>
-      </p:nvGrpSpPr>
-      <p:grpSpPr>
-        <a:xfrm>
-          <a:off x="0" y="0"/>
-          <a:ext cx="0" cy="0"/>
-          <a:chOff x="0" y="0"/>
-          <a:chExt cx="0" cy="0"/>
-        </a:xfrm>
-      </p:grpSpPr>
-      <p:sp>
-        <p:nvSpPr>
-          <p:cNvPr id="4" name="Rounded Rectangle 3"/>
-          <p:cNvSpPr/>
-          <p:nvPr/>
-        </p:nvSpPr>
-        <p:spPr>
-          <a:xfrm>
-            <a:off x="877548" y="1967785"/>
-            <a:ext cx="1403132" cy="717332"/>
-          </a:xfrm>
-          <a:prstGeom prst="roundRect">
-            <a:avLst/>
-          </a:prstGeom>
-        </p:spPr>
-        <p:style>
-          <a:lnRef idx="0">
-            <a:schemeClr val="accent2"/>
-          </a:lnRef>
-          <a:fillRef idx="3">
-            <a:schemeClr val="accent2"/>
-          </a:fillRef>
-          <a:effectRef idx="3">
-            <a:schemeClr val="accent2"/>
-          </a:effectRef>
-          <a:fontRef idx="minor">
-            <a:schemeClr val="lt1"/>
-          </a:fontRef>
-        </p:style>
-        <p:txBody>
-          <a:bodyPr rtlCol="0" anchor="ctr"/>
-          <a:lstStyle/>
-          <a:p>
-            <a:pPr algn="ctr"/>
-            <a:endParaRPr lang="en-US" sz="1013" b="1" spc="38" dirty="0">
-              <a:ln w="9525" cmpd="sng">
-                <a:solidFill>
-                  <a:schemeClr val="accent1"/>
-                </a:solidFill>
-                <a:prstDash val="solid"/>
-              </a:ln>
-              <a:solidFill>
-                <a:srgbClr val="70AD47">
-                  <a:tint val="1000"/>
-                </a:srgbClr>
-              </a:solidFill>
-              <a:effectLst>
-                <a:glow rad="38100">
-                  <a:schemeClr val="accent1">
-                    <a:alpha val="40000"/>
-                  </a:schemeClr>
-                </a:glow>
-              </a:effectLst>
-            </a:endParaRPr>
-          </a:p>
-        </p:txBody>
-      </p:sp>
-      <p:sp>
-        <p:nvSpPr>
-          <p:cNvPr id="7" name="Rounded Rectangle 6"/>
-          <p:cNvSpPr/>
-          <p:nvPr/>
-        </p:nvSpPr>
-        <p:spPr>
-          <a:xfrm>
-            <a:off x="6509335" y="1967785"/>
-            <a:ext cx="1403132" cy="717332"/>
-          </a:xfrm>
-          <a:prstGeom prst="roundRect">
-            <a:avLst/>
-          </a:prstGeom>
-        </p:spPr>
-        <p:style>
-          <a:lnRef idx="0">
-            <a:schemeClr val="accent2"/>
-          </a:lnRef>
-          <a:fillRef idx="3">
-            <a:schemeClr val="accent2"/>
-          </a:fillRef>
-          <a:effectRef idx="3">
-            <a:schemeClr val="accent2"/>
-          </a:effectRef>
-          <a:fontRef idx="minor">
-            <a:schemeClr val="lt1"/>
-          </a:fontRef>
-        </p:style>
-        <p:txBody>
-          <a:bodyPr rtlCol="0" anchor="ctr"/>
-          <a:lstStyle/>
-          <a:p>
-            <a:pPr algn="ctr"/>
-            <a:endParaRPr lang="en-US" sz="1013" dirty="0"/>
-          </a:p>
-        </p:txBody>
-      </p:sp>
-      <p:sp>
-        <p:nvSpPr>
-          <p:cNvPr id="2" name="Can 1"/>
-          <p:cNvSpPr/>
-          <p:nvPr/>
-        </p:nvSpPr>
-        <p:spPr>
-          <a:xfrm rot="5400000">
-            <a:off x="4109443" y="184044"/>
-            <a:ext cx="649539" cy="2185990"/>
-          </a:xfrm>
-          <a:prstGeom prst="can">
-            <a:avLst/>
-          </a:prstGeom>
-        </p:spPr>
-        <p:style>
-          <a:lnRef idx="2">
-            <a:schemeClr val="accent1">
-              <a:shade val="50000"/>
-            </a:schemeClr>
-          </a:lnRef>
-          <a:fillRef idx="1">
-            <a:schemeClr val="accent1"/>
-          </a:fillRef>
-          <a:effectRef idx="0">
-            <a:schemeClr val="accent1"/>
-          </a:effectRef>
-          <a:fontRef idx="minor">
-            <a:schemeClr val="lt1"/>
-          </a:fontRef>
-        </p:style>
-        <p:txBody>
-          <a:bodyPr rtlCol="0" anchor="ctr"/>
-          <a:lstStyle/>
-          <a:p>
-            <a:pPr algn="ctr"/>
-            <a:endParaRPr lang="en-US" sz="1013"/>
-          </a:p>
-        </p:txBody>
-      </p:sp>
-      <p:sp>
-        <p:nvSpPr>
-          <p:cNvPr id="3" name="Rectangle 2"/>
-          <p:cNvSpPr/>
-          <p:nvPr/>
-        </p:nvSpPr>
-        <p:spPr>
-          <a:xfrm>
-            <a:off x="3688463" y="1020849"/>
-            <a:ext cx="1491499" cy="484748"/>
-          </a:xfrm>
-          <a:prstGeom prst="rect">
-            <a:avLst/>
-          </a:prstGeom>
-          <a:noFill/>
-        </p:spPr>
-        <p:txBody>
-          <a:bodyPr wrap="none" lIns="68580" tIns="34290" rIns="68580" bIns="34290">
-            <a:spAutoFit/>
-          </a:bodyPr>
-          <a:lstStyle/>
-          <a:p>
-            <a:pPr algn="ctr"/>
-            <a:r>
-              <a:rPr lang="en-US" sz="2400" b="1" dirty="0">
-                <a:ln w="12700" cmpd="sng">
-                  <a:solidFill>
-                    <a:schemeClr val="accent4"/>
-                  </a:solidFill>
-                  <a:prstDash val="solid"/>
-                </a:ln>
-                <a:gradFill>
-                  <a:gsLst>
-                    <a:gs pos="0">
-                      <a:schemeClr val="accent4"/>
-                    </a:gs>
-                    <a:gs pos="4000">
-                      <a:schemeClr val="accent4">
-                        <a:lumMod val="60000"/>
-                        <a:lumOff val="40000"/>
-                      </a:schemeClr>
-                    </a:gs>
-                    <a:gs pos="87000">
-                      <a:schemeClr val="accent4">
-                        <a:lumMod val="20000"/>
-                        <a:lumOff val="80000"/>
-                      </a:schemeClr>
-                    </a:gs>
-                  </a:gsLst>
-                  <a:lin ang="5400000"/>
-                </a:gradFill>
-              </a:rPr>
-              <a:t>Request</a:t>
-            </a:r>
-            <a:r>
-              <a:rPr lang="en-US" sz="2700" b="1" dirty="0" smtClean="0">
-                <a:ln w="10160">
-                  <a:solidFill>
-                    <a:schemeClr val="accent5"/>
-                  </a:solidFill>
-                  <a:prstDash val="solid"/>
-                </a:ln>
-                <a:solidFill>
-                  <a:srgbClr val="FFFFFF"/>
-                </a:solidFill>
-                <a:effectLst>
-                  <a:outerShdw blurRad="38100" dist="22860" dir="5400000" algn="tl" rotWithShape="0">
-                    <a:srgbClr val="000000">
-                      <a:alpha val="30000"/>
-                    </a:srgbClr>
-                  </a:outerShdw>
-                </a:effectLst>
-              </a:rPr>
-              <a:t> </a:t>
-            </a:r>
-            <a:r>
-              <a:rPr lang="en-US" sz="2400" b="1" dirty="0">
-                <a:ln w="12700" cmpd="sng">
-                  <a:solidFill>
-                    <a:schemeClr val="accent4"/>
-                  </a:solidFill>
-                  <a:prstDash val="solid"/>
-                </a:ln>
-                <a:gradFill>
-                  <a:gsLst>
-                    <a:gs pos="0">
-                      <a:schemeClr val="accent4"/>
-                    </a:gs>
-                    <a:gs pos="4000">
-                      <a:schemeClr val="accent4">
-                        <a:lumMod val="60000"/>
-                        <a:lumOff val="40000"/>
-                      </a:schemeClr>
-                    </a:gs>
-                    <a:gs pos="87000">
-                      <a:schemeClr val="accent4">
-                        <a:lumMod val="20000"/>
-                        <a:lumOff val="80000"/>
-                      </a:schemeClr>
-                    </a:gs>
-                  </a:gsLst>
-                  <a:lin ang="5400000"/>
-                </a:gradFill>
-              </a:rPr>
-              <a:t>Q</a:t>
-            </a:r>
-          </a:p>
-        </p:txBody>
-      </p:sp>
-      <p:sp>
-        <p:nvSpPr>
-          <p:cNvPr id="8" name="Rectangle 7"/>
-          <p:cNvSpPr/>
-          <p:nvPr/>
-        </p:nvSpPr>
-        <p:spPr>
-          <a:xfrm>
-            <a:off x="508434" y="2114059"/>
-            <a:ext cx="2141360" cy="438582"/>
-          </a:xfrm>
-          <a:prstGeom prst="rect">
-            <a:avLst/>
-          </a:prstGeom>
-          <a:noFill/>
-          <a:effectLst>
-            <a:outerShdw blurRad="50800" dist="38100" dir="8100000" algn="tr" rotWithShape="0">
-              <a:prstClr val="black">
-                <a:alpha val="40000"/>
-              </a:prstClr>
-            </a:outerShdw>
-          </a:effectLst>
-        </p:spPr>
-        <p:txBody>
-          <a:bodyPr wrap="square" lIns="68580" tIns="34290" rIns="68580" bIns="34290">
-            <a:spAutoFit/>
-          </a:bodyPr>
-          <a:lstStyle/>
-          <a:p>
-            <a:pPr algn="ctr"/>
-            <a:r>
-              <a:rPr lang="en-US" sz="2400" b="1" dirty="0">
-                <a:ln w="12700" cmpd="sng">
-                  <a:solidFill>
-                    <a:schemeClr val="accent4"/>
-                  </a:solidFill>
-                  <a:prstDash val="solid"/>
-                </a:ln>
-                <a:gradFill>
-                  <a:gsLst>
-                    <a:gs pos="0">
-                      <a:schemeClr val="accent4"/>
-                    </a:gs>
-                    <a:gs pos="4000">
-                      <a:schemeClr val="accent4">
-                        <a:lumMod val="60000"/>
-                        <a:lumOff val="40000"/>
-                      </a:schemeClr>
-                    </a:gs>
-                    <a:gs pos="87000">
-                      <a:schemeClr val="accent4">
-                        <a:lumMod val="20000"/>
-                        <a:lumOff val="80000"/>
-                      </a:schemeClr>
-                    </a:gs>
-                  </a:gsLst>
-                  <a:lin ang="5400000"/>
-                </a:gradFill>
-              </a:rPr>
-              <a:t>Producer</a:t>
-            </a:r>
-          </a:p>
-        </p:txBody>
-      </p:sp>
-      <p:sp>
-        <p:nvSpPr>
-          <p:cNvPr id="9" name="Rectangle 8"/>
-          <p:cNvSpPr/>
-          <p:nvPr/>
-        </p:nvSpPr>
-        <p:spPr>
-          <a:xfrm>
-            <a:off x="6140221" y="2114059"/>
-            <a:ext cx="2141360" cy="438582"/>
-          </a:xfrm>
-          <a:prstGeom prst="rect">
-            <a:avLst/>
-          </a:prstGeom>
-          <a:noFill/>
-          <a:effectLst>
-            <a:outerShdw blurRad="50800" dist="38100" dir="8100000" algn="tr" rotWithShape="0">
-              <a:prstClr val="black">
-                <a:alpha val="40000"/>
-              </a:prstClr>
-            </a:outerShdw>
-          </a:effectLst>
-        </p:spPr>
-        <p:txBody>
-          <a:bodyPr wrap="square" lIns="68580" tIns="34290" rIns="68580" bIns="34290">
-            <a:spAutoFit/>
-          </a:bodyPr>
-          <a:lstStyle/>
-          <a:p>
-            <a:pPr algn="ctr"/>
-            <a:r>
-              <a:rPr lang="en-US" sz="2400" b="1" dirty="0">
-                <a:ln w="12700" cmpd="sng">
-                  <a:solidFill>
-                    <a:schemeClr val="accent4"/>
-                  </a:solidFill>
-                  <a:prstDash val="solid"/>
-                </a:ln>
-                <a:gradFill>
-                  <a:gsLst>
-                    <a:gs pos="0">
-                      <a:schemeClr val="accent4"/>
-                    </a:gs>
-                    <a:gs pos="4000">
-                      <a:schemeClr val="accent4">
-                        <a:lumMod val="60000"/>
-                        <a:lumOff val="40000"/>
-                      </a:schemeClr>
-                    </a:gs>
-                    <a:gs pos="87000">
-                      <a:schemeClr val="accent4">
-                        <a:lumMod val="20000"/>
-                        <a:lumOff val="80000"/>
-                      </a:schemeClr>
-                    </a:gs>
-                  </a:gsLst>
-                  <a:lin ang="5400000"/>
-                </a:gradFill>
-              </a:rPr>
-              <a:t>Consumer</a:t>
-            </a:r>
-          </a:p>
-        </p:txBody>
-      </p:sp>
-      <p:cxnSp>
-        <p:nvCxnSpPr>
-          <p:cNvPr id="14" name="Elbow Connector 13"/>
-          <p:cNvCxnSpPr>
-            <a:stCxn id="4" idx="2"/>
-          </p:cNvCxnSpPr>
-          <p:nvPr/>
-        </p:nvCxnSpPr>
-        <p:spPr>
-          <a:xfrm rot="16200000" flipH="1">
-            <a:off x="2137072" y="2127159"/>
-            <a:ext cx="685394" cy="1801308"/>
-          </a:xfrm>
-          <a:prstGeom prst="bentConnector2">
-            <a:avLst/>
-          </a:prstGeom>
-          <a:ln w="28575" cap="flat" cmpd="sng" algn="ctr">
-            <a:solidFill>
-              <a:schemeClr val="accent2"/>
-            </a:solidFill>
-            <a:prstDash val="dash"/>
-            <a:round/>
-            <a:headEnd type="triangle" w="lg" len="lg"/>
-            <a:tailEnd type="none" w="med" len="med"/>
-          </a:ln>
-        </p:spPr>
-        <p:style>
-          <a:lnRef idx="0">
-            <a:scrgbClr r="0" g="0" b="0"/>
-          </a:lnRef>
-          <a:fillRef idx="0">
-            <a:scrgbClr r="0" g="0" b="0"/>
-          </a:fillRef>
-          <a:effectRef idx="0">
-            <a:scrgbClr r="0" g="0" b="0"/>
-          </a:effectRef>
-          <a:fontRef idx="minor">
-            <a:schemeClr val="tx1"/>
-          </a:fontRef>
-        </p:style>
-      </p:cxnSp>
-      <p:cxnSp>
-        <p:nvCxnSpPr>
-          <p:cNvPr id="15" name="Elbow Connector 14"/>
-          <p:cNvCxnSpPr>
-            <a:stCxn id="7" idx="0"/>
-            <a:endCxn id="2" idx="1"/>
-          </p:cNvCxnSpPr>
-          <p:nvPr/>
-        </p:nvCxnSpPr>
-        <p:spPr>
-          <a:xfrm rot="16200000" flipV="1">
-            <a:off x="6023682" y="780566"/>
-            <a:ext cx="690746" cy="1683693"/>
-          </a:xfrm>
-          <a:prstGeom prst="bentConnector2">
-            <a:avLst/>
-          </a:prstGeom>
-          <a:ln w="28575" cap="flat" cmpd="sng" algn="ctr">
-            <a:solidFill>
-              <a:schemeClr val="accent2"/>
-            </a:solidFill>
-            <a:prstDash val="dash"/>
-            <a:round/>
-            <a:headEnd type="triangle" w="lg" len="lg"/>
-            <a:tailEnd type="none" w="lg" len="lg"/>
-          </a:ln>
-        </p:spPr>
-        <p:style>
-          <a:lnRef idx="0">
-            <a:scrgbClr r="0" g="0" b="0"/>
-          </a:lnRef>
-          <a:fillRef idx="0">
-            <a:scrgbClr r="0" g="0" b="0"/>
-          </a:fillRef>
-          <a:effectRef idx="0">
-            <a:scrgbClr r="0" g="0" b="0"/>
-          </a:effectRef>
-          <a:fontRef idx="minor">
-            <a:schemeClr val="tx1"/>
-          </a:fontRef>
-        </p:style>
-      </p:cxnSp>
-      <p:cxnSp>
-        <p:nvCxnSpPr>
-          <p:cNvPr id="16" name="Elbow Connector 15"/>
-          <p:cNvCxnSpPr>
-            <a:stCxn id="2" idx="3"/>
-            <a:endCxn id="4" idx="0"/>
-          </p:cNvCxnSpPr>
-          <p:nvPr/>
-        </p:nvCxnSpPr>
-        <p:spPr>
-          <a:xfrm rot="10800000" flipV="1">
-            <a:off x="1579114" y="1277038"/>
-            <a:ext cx="1762104" cy="690746"/>
-          </a:xfrm>
-          <a:prstGeom prst="bentConnector2">
-            <a:avLst/>
-          </a:prstGeom>
-          <a:ln w="28575" cap="flat" cmpd="sng" algn="ctr">
-            <a:solidFill>
-              <a:schemeClr val="accent2"/>
-            </a:solidFill>
-            <a:prstDash val="dash"/>
-            <a:round/>
-            <a:headEnd type="triangle" w="lg" len="lg"/>
-            <a:tailEnd type="none" w="med" len="med"/>
-          </a:ln>
-        </p:spPr>
-        <p:style>
-          <a:lnRef idx="0">
-            <a:scrgbClr r="0" g="0" b="0"/>
-          </a:lnRef>
-          <a:fillRef idx="0">
-            <a:scrgbClr r="0" g="0" b="0"/>
-          </a:fillRef>
-          <a:effectRef idx="0">
-            <a:scrgbClr r="0" g="0" b="0"/>
-          </a:effectRef>
-          <a:fontRef idx="minor">
-            <a:schemeClr val="tx1"/>
-          </a:fontRef>
-        </p:style>
-      </p:cxnSp>
-      <p:cxnSp>
-        <p:nvCxnSpPr>
-          <p:cNvPr id="17" name="Elbow Connector 16"/>
-          <p:cNvCxnSpPr>
-            <a:stCxn id="32" idx="1"/>
-            <a:endCxn id="7" idx="2"/>
-          </p:cNvCxnSpPr>
-          <p:nvPr/>
-        </p:nvCxnSpPr>
-        <p:spPr>
-          <a:xfrm flipV="1">
-            <a:off x="5527208" y="2685117"/>
-            <a:ext cx="1683693" cy="648606"/>
-          </a:xfrm>
-          <a:prstGeom prst="bentConnector2">
-            <a:avLst/>
-          </a:prstGeom>
-          <a:ln w="28575" cap="flat" cmpd="sng" algn="ctr">
-            <a:solidFill>
-              <a:schemeClr val="accent2"/>
-            </a:solidFill>
-            <a:prstDash val="dash"/>
-            <a:round/>
-            <a:headEnd type="triangle" w="lg" len="lg"/>
-            <a:tailEnd type="none" w="med" len="med"/>
-          </a:ln>
-        </p:spPr>
-        <p:style>
-          <a:lnRef idx="0">
-            <a:scrgbClr r="0" g="0" b="0"/>
-          </a:lnRef>
-          <a:fillRef idx="0">
-            <a:scrgbClr r="0" g="0" b="0"/>
-          </a:fillRef>
-          <a:effectRef idx="0">
-            <a:scrgbClr r="0" g="0" b="0"/>
-          </a:effectRef>
-          <a:fontRef idx="minor">
-            <a:schemeClr val="tx1"/>
-          </a:fontRef>
-        </p:style>
-      </p:cxnSp>
-      <p:sp>
-        <p:nvSpPr>
-          <p:cNvPr id="32" name="Can 31"/>
-          <p:cNvSpPr/>
-          <p:nvPr/>
-        </p:nvSpPr>
-        <p:spPr>
-          <a:xfrm rot="5400000">
-            <a:off x="4109443" y="2240727"/>
-            <a:ext cx="649539" cy="2185990"/>
-          </a:xfrm>
-          <a:prstGeom prst="can">
-            <a:avLst/>
-          </a:prstGeom>
-        </p:spPr>
-        <p:style>
-          <a:lnRef idx="2">
-            <a:schemeClr val="accent1">
-              <a:shade val="50000"/>
-            </a:schemeClr>
-          </a:lnRef>
-          <a:fillRef idx="1">
-            <a:schemeClr val="accent1"/>
-          </a:fillRef>
-          <a:effectRef idx="0">
-            <a:schemeClr val="accent1"/>
-          </a:effectRef>
-          <a:fontRef idx="minor">
-            <a:schemeClr val="lt1"/>
-          </a:fontRef>
-        </p:style>
-        <p:txBody>
-          <a:bodyPr rtlCol="0" anchor="ctr"/>
-          <a:lstStyle/>
-          <a:p>
-            <a:pPr algn="ctr"/>
-            <a:endParaRPr lang="en-US" sz="1013"/>
-          </a:p>
-        </p:txBody>
-      </p:sp>
-      <p:sp>
-        <p:nvSpPr>
-          <p:cNvPr id="33" name="Rectangle 32"/>
-          <p:cNvSpPr/>
-          <p:nvPr/>
-        </p:nvSpPr>
-        <p:spPr>
-          <a:xfrm>
-            <a:off x="3613797" y="3077532"/>
-            <a:ext cx="1640834" cy="438582"/>
-          </a:xfrm>
-          <a:prstGeom prst="rect">
-            <a:avLst/>
-          </a:prstGeom>
-          <a:noFill/>
-        </p:spPr>
-        <p:txBody>
-          <a:bodyPr wrap="none" lIns="68580" tIns="34290" rIns="68580" bIns="34290">
-            <a:spAutoFit/>
-          </a:bodyPr>
-          <a:lstStyle/>
-          <a:p>
-            <a:pPr algn="ctr"/>
-            <a:r>
-              <a:rPr lang="en-US" sz="2400" b="1" dirty="0">
-                <a:ln w="12700" cmpd="sng">
-                  <a:solidFill>
-                    <a:schemeClr val="accent4"/>
-                  </a:solidFill>
-                  <a:prstDash val="solid"/>
-                </a:ln>
-                <a:gradFill>
-                  <a:gsLst>
-                    <a:gs pos="0">
-                      <a:schemeClr val="accent4"/>
-                    </a:gs>
-                    <a:gs pos="4000">
-                      <a:schemeClr val="accent4">
-                        <a:lumMod val="60000"/>
-                        <a:lumOff val="40000"/>
-                      </a:schemeClr>
-                    </a:gs>
-                    <a:gs pos="87000">
-                      <a:schemeClr val="accent4">
-                        <a:lumMod val="20000"/>
-                        <a:lumOff val="80000"/>
-                      </a:schemeClr>
-                    </a:gs>
-                  </a:gsLst>
-                  <a:lin ang="5400000"/>
-                </a:gradFill>
-              </a:rPr>
-              <a:t>Response Q</a:t>
-            </a:r>
-          </a:p>
-        </p:txBody>
-      </p:sp>
-      <p:sp>
-        <p:nvSpPr>
-          <p:cNvPr id="18" name="Rounded Rectangle 17"/>
-          <p:cNvSpPr/>
-          <p:nvPr/>
-        </p:nvSpPr>
-        <p:spPr>
-          <a:xfrm>
-            <a:off x="9838" y="0"/>
-            <a:ext cx="9134162" cy="5143500"/>
-          </a:xfrm>
-          <a:prstGeom prst="roundRect">
-            <a:avLst/>
-          </a:prstGeom>
-          <a:noFill/>
-          <a:ln>
-            <a:noFill/>
-          </a:ln>
-        </p:spPr>
-        <p:style>
-          <a:lnRef idx="2">
-            <a:schemeClr val="accent1">
-              <a:shade val="50000"/>
-            </a:schemeClr>
-          </a:lnRef>
-          <a:fillRef idx="1">
-            <a:schemeClr val="accent1"/>
-          </a:fillRef>
-          <a:effectRef idx="0">
-            <a:schemeClr val="accent1"/>
-          </a:effectRef>
-          <a:fontRef idx="minor">
-            <a:schemeClr val="lt1"/>
-          </a:fontRef>
-        </p:style>
-        <p:txBody>
-          <a:bodyPr rtlCol="0" anchor="ctr"/>
-          <a:lstStyle/>
-          <a:p>
-            <a:pPr algn="ctr"/>
-            <a:endParaRPr lang="en-US" sz="1013"/>
-          </a:p>
-        </p:txBody>
-      </p:sp>
-    </p:spTree>
-    <p:extLst>
-      <p:ext uri="{BB962C8B-B14F-4D97-AF65-F5344CB8AC3E}">
-        <p14:creationId xmlns:p14="http://schemas.microsoft.com/office/powerpoint/2010/main" val="735869892"/>
-      </p:ext>
-    </p:extLst>
-  </p:cSld>
-  <p:clrMapOvr>
-    <a:masterClrMapping/>
-  </p:clrMapOvr>
 </p:sld>
 </file>
 
@@ -4557,7 +3512,7 @@
         </p:nvSpPr>
         <p:spPr>
           <a:xfrm>
-            <a:off x="7164916" y="-697"/>
+            <a:off x="7164916" y="1021804"/>
             <a:ext cx="1971628" cy="960728"/>
           </a:xfrm>
           <a:prstGeom prst="roundRect">
@@ -4691,9 +3646,9 @@
           <p:nvPr/>
         </p:nvSpPr>
         <p:spPr>
-          <a:xfrm rot="10800000" flipV="1">
-            <a:off x="3406395" y="2254819"/>
-            <a:ext cx="2103120" cy="914400"/>
+          <a:xfrm rot="5400000">
+            <a:off x="4129384" y="1419623"/>
+            <a:ext cx="717332" cy="2280285"/>
           </a:xfrm>
           <a:prstGeom prst="can">
             <a:avLst/>
@@ -4739,8 +3694,8 @@
         </p:nvSpPr>
         <p:spPr>
           <a:xfrm>
-            <a:off x="3829056" y="2436807"/>
-            <a:ext cx="1254191" cy="692497"/>
+            <a:off x="3535603" y="2319752"/>
+            <a:ext cx="1862368" cy="500137"/>
           </a:xfrm>
           <a:prstGeom prst="rect">
             <a:avLst/>
@@ -4755,7 +3710,7 @@
           <a:p>
             <a:pPr algn="ctr"/>
             <a:r>
-              <a:rPr lang="en-US" sz="4050" b="1" dirty="0" smtClean="0">
+              <a:rPr lang="en-US" sz="2800" b="1" dirty="0" smtClean="0">
                 <a:ln w="12700">
                   <a:solidFill>
                     <a:schemeClr val="accent3">
@@ -4783,9 +3738,9 @@
                   </a:innerShdw>
                 </a:effectLst>
               </a:rPr>
-              <a:t>Topic</a:t>
-            </a:r>
-            <a:endParaRPr lang="en-US" sz="4050" b="1" dirty="0">
+              <a:t>Destination</a:t>
+            </a:r>
+            <a:endParaRPr lang="en-US" sz="2800" b="1" dirty="0">
               <a:ln w="10160">
                 <a:solidFill>
                   <a:schemeClr val="accent5"/>
@@ -4814,7 +3769,7 @@
         </p:nvSpPr>
         <p:spPr>
           <a:xfrm>
-            <a:off x="7164916" y="2079403"/>
+            <a:off x="7164916" y="3025588"/>
             <a:ext cx="1971628" cy="960728"/>
           </a:xfrm>
           <a:prstGeom prst="roundRect">
@@ -4846,90 +3801,14 @@
       </p:sp>
       <p:sp>
         <p:nvSpPr>
-          <p:cNvPr id="12" name="Rounded Rectangle 11"/>
+          <p:cNvPr id="16" name="Rectangle 15"/>
           <p:cNvSpPr/>
           <p:nvPr/>
         </p:nvSpPr>
         <p:spPr>
           <a:xfrm>
-            <a:off x="7164916" y="4167059"/>
-            <a:ext cx="1971628" cy="960728"/>
-          </a:xfrm>
-          <a:prstGeom prst="roundRect">
-            <a:avLst/>
-          </a:prstGeom>
-        </p:spPr>
-        <p:style>
-          <a:lnRef idx="0">
-            <a:schemeClr val="accent2"/>
-          </a:lnRef>
-          <a:fillRef idx="3">
-            <a:schemeClr val="accent2"/>
-          </a:fillRef>
-          <a:effectRef idx="3">
-            <a:schemeClr val="accent2"/>
-          </a:effectRef>
-          <a:fontRef idx="minor">
-            <a:schemeClr val="lt1"/>
-          </a:fontRef>
-        </p:style>
-        <p:txBody>
-          <a:bodyPr rtlCol="0" anchor="ctr"/>
-          <a:lstStyle/>
-          <a:p>
-            <a:pPr algn="ctr"/>
-            <a:endParaRPr lang="en-US" sz="1013" dirty="0"/>
-          </a:p>
-        </p:txBody>
-      </p:sp>
-      <p:sp>
-        <p:nvSpPr>
-          <p:cNvPr id="13" name="Rounded Rectangle 12"/>
-          <p:cNvSpPr/>
-          <p:nvPr/>
-        </p:nvSpPr>
-        <p:spPr>
-          <a:xfrm>
-            <a:off x="-4509" y="2079403"/>
-            <a:ext cx="1971628" cy="960728"/>
-          </a:xfrm>
-          <a:prstGeom prst="roundRect">
-            <a:avLst/>
-          </a:prstGeom>
-        </p:spPr>
-        <p:style>
-          <a:lnRef idx="0">
-            <a:schemeClr val="accent2"/>
-          </a:lnRef>
-          <a:fillRef idx="3">
-            <a:schemeClr val="accent2"/>
-          </a:fillRef>
-          <a:effectRef idx="3">
-            <a:schemeClr val="accent2"/>
-          </a:effectRef>
-          <a:fontRef idx="minor">
-            <a:schemeClr val="lt1"/>
-          </a:fontRef>
-        </p:style>
-        <p:txBody>
-          <a:bodyPr rtlCol="0" anchor="ctr"/>
-          <a:lstStyle/>
-          <a:p>
-            <a:pPr algn="ctr"/>
-            <a:endParaRPr lang="en-US" sz="1013" dirty="0"/>
-          </a:p>
-        </p:txBody>
-      </p:sp>
-      <p:sp>
-        <p:nvSpPr>
-          <p:cNvPr id="15" name="Rectangle 14"/>
-          <p:cNvSpPr/>
-          <p:nvPr/>
-        </p:nvSpPr>
-        <p:spPr>
-          <a:xfrm>
-            <a:off x="333659" y="2569821"/>
-            <a:ext cx="1295291" cy="438582"/>
+            <a:off x="7536141" y="3286661"/>
+            <a:ext cx="1229184" cy="438582"/>
           </a:xfrm>
           <a:prstGeom prst="rect">
             <a:avLst/>
@@ -4955,48 +3834,48 @@
             <a:pPr algn="ctr"/>
             <a:r>
               <a:rPr lang="en-US" sz="2400" b="1" dirty="0">
-                <a:ln w="12700" cmpd="sng">
+                <a:ln w="12700">
                   <a:solidFill>
-                    <a:schemeClr val="accent4"/>
+                    <a:schemeClr val="accent3">
+                      <a:lumMod val="50000"/>
+                    </a:schemeClr>
                   </a:solidFill>
                   <a:prstDash val="solid"/>
                 </a:ln>
-                <a:gradFill>
-                  <a:gsLst>
-                    <a:gs pos="0">
-                      <a:schemeClr val="accent4"/>
-                    </a:gs>
-                    <a:gs pos="4000">
-                      <a:schemeClr val="accent4">
-                        <a:lumMod val="60000"/>
-                        <a:lumOff val="40000"/>
-                      </a:schemeClr>
-                    </a:gs>
-                    <a:gs pos="87000">
-                      <a:schemeClr val="accent4">
-                        <a:lumMod val="20000"/>
-                        <a:lumOff val="80000"/>
-                      </a:schemeClr>
-                    </a:gs>
-                  </a:gsLst>
-                  <a:lin ang="5400000"/>
-                </a:gradFill>
+                <a:pattFill prst="narHorz">
+                  <a:fgClr>
+                    <a:schemeClr val="accent3"/>
+                  </a:fgClr>
+                  <a:bgClr>
+                    <a:schemeClr val="accent3">
+                      <a:lumMod val="40000"/>
+                      <a:lumOff val="60000"/>
+                    </a:schemeClr>
+                  </a:bgClr>
+                </a:pattFill>
+                <a:effectLst>
+                  <a:innerShdw blurRad="177800">
+                    <a:schemeClr val="accent3">
+                      <a:lumMod val="50000"/>
+                    </a:schemeClr>
+                  </a:innerShdw>
+                </a:effectLst>
               </a:rPr>
-              <a:t>Producer</a:t>
-            </a:r>
-          </a:p>
-        </p:txBody>
-      </p:sp>
-      <p:sp>
-        <p:nvSpPr>
-          <p:cNvPr id="16" name="Rectangle 15"/>
+              <a:t>Receiver</a:t>
+            </a:r>
+          </a:p>
+        </p:txBody>
+      </p:sp>
+      <p:sp>
+        <p:nvSpPr>
+          <p:cNvPr id="18" name="Rectangle 17"/>
           <p:cNvSpPr/>
           <p:nvPr/>
         </p:nvSpPr>
         <p:spPr>
           <a:xfrm>
-            <a:off x="7320856" y="2583967"/>
-            <a:ext cx="1659750" cy="438582"/>
+            <a:off x="7633446" y="1282877"/>
+            <a:ext cx="1034579" cy="438582"/>
           </a:xfrm>
           <a:prstGeom prst="rect">
             <a:avLst/>
@@ -5022,48 +3901,76 @@
             <a:pPr algn="ctr"/>
             <a:r>
               <a:rPr lang="en-US" sz="2400" b="1" dirty="0">
-                <a:ln w="12700" cmpd="sng">
+                <a:ln w="12700">
                   <a:solidFill>
-                    <a:schemeClr val="accent4"/>
+                    <a:schemeClr val="accent3">
+                      <a:lumMod val="50000"/>
+                    </a:schemeClr>
                   </a:solidFill>
                   <a:prstDash val="solid"/>
                 </a:ln>
-                <a:gradFill>
-                  <a:gsLst>
-                    <a:gs pos="0">
-                      <a:schemeClr val="accent4"/>
-                    </a:gs>
-                    <a:gs pos="4000">
-                      <a:schemeClr val="accent4">
-                        <a:lumMod val="60000"/>
-                        <a:lumOff val="40000"/>
-                      </a:schemeClr>
-                    </a:gs>
-                    <a:gs pos="87000">
-                      <a:schemeClr val="accent4">
-                        <a:lumMod val="20000"/>
-                        <a:lumOff val="80000"/>
-                      </a:schemeClr>
-                    </a:gs>
-                  </a:gsLst>
-                  <a:lin ang="5400000"/>
-                </a:gradFill>
+                <a:pattFill prst="narHorz">
+                  <a:fgClr>
+                    <a:schemeClr val="accent3"/>
+                  </a:fgClr>
+                  <a:bgClr>
+                    <a:schemeClr val="accent3">
+                      <a:lumMod val="40000"/>
+                      <a:lumOff val="60000"/>
+                    </a:schemeClr>
+                  </a:bgClr>
+                </a:pattFill>
+                <a:effectLst>
+                  <a:innerShdw blurRad="177800">
+                    <a:schemeClr val="accent3">
+                      <a:lumMod val="50000"/>
+                    </a:schemeClr>
+                  </a:innerShdw>
+                </a:effectLst>
               </a:rPr>
-              <a:t>Consumer 2</a:t>
-            </a:r>
-          </a:p>
-        </p:txBody>
-      </p:sp>
-      <p:sp>
-        <p:nvSpPr>
-          <p:cNvPr id="17" name="Rectangle 16"/>
+              <a:t>Sender</a:t>
+            </a:r>
+            <a:endParaRPr lang="en-US" sz="2400" b="1" dirty="0">
+              <a:ln w="12700">
+                <a:solidFill>
+                  <a:schemeClr val="accent3">
+                    <a:lumMod val="50000"/>
+                  </a:schemeClr>
+                </a:solidFill>
+                <a:prstDash val="solid"/>
+              </a:ln>
+              <a:pattFill prst="narHorz">
+                <a:fgClr>
+                  <a:schemeClr val="accent3"/>
+                </a:fgClr>
+                <a:bgClr>
+                  <a:schemeClr val="accent3">
+                    <a:lumMod val="40000"/>
+                    <a:lumOff val="60000"/>
+                  </a:schemeClr>
+                </a:bgClr>
+              </a:pattFill>
+              <a:effectLst>
+                <a:innerShdw blurRad="177800">
+                  <a:schemeClr val="accent3">
+                    <a:lumMod val="50000"/>
+                  </a:schemeClr>
+                </a:innerShdw>
+              </a:effectLst>
+            </a:endParaRPr>
+          </a:p>
+        </p:txBody>
+      </p:sp>
+      <p:sp>
+        <p:nvSpPr>
+          <p:cNvPr id="19" name="Rectangle 18"/>
           <p:cNvSpPr/>
           <p:nvPr/>
         </p:nvSpPr>
         <p:spPr>
           <a:xfrm>
-            <a:off x="7320856" y="4659640"/>
-            <a:ext cx="1659750" cy="438582"/>
+            <a:off x="3735132" y="1706086"/>
+            <a:ext cx="1404295" cy="500137"/>
           </a:xfrm>
           <a:prstGeom prst="rect">
             <a:avLst/>
@@ -5072,13 +3979,6 @@
           <a:ln>
             <a:noFill/>
           </a:ln>
-          <a:effectLst>
-            <a:outerShdw blurRad="50800" dist="38100" dir="8100000" algn="tr" rotWithShape="0">
-              <a:prstClr val="black">
-                <a:alpha val="40000"/>
-              </a:prstClr>
-            </a:outerShdw>
-          </a:effectLst>
         </p:spPr>
         <p:txBody>
           <a:bodyPr wrap="none" lIns="68580" tIns="34290" rIns="68580" bIns="34290">
@@ -5088,134 +3988,7 @@
           <a:p>
             <a:pPr algn="ctr"/>
             <a:r>
-              <a:rPr lang="en-US" sz="2400" b="1" dirty="0">
-                <a:ln w="12700" cmpd="sng">
-                  <a:solidFill>
-                    <a:schemeClr val="accent4"/>
-                  </a:solidFill>
-                  <a:prstDash val="solid"/>
-                </a:ln>
-                <a:gradFill>
-                  <a:gsLst>
-                    <a:gs pos="0">
-                      <a:schemeClr val="accent4"/>
-                    </a:gs>
-                    <a:gs pos="4000">
-                      <a:schemeClr val="accent4">
-                        <a:lumMod val="60000"/>
-                        <a:lumOff val="40000"/>
-                      </a:schemeClr>
-                    </a:gs>
-                    <a:gs pos="87000">
-                      <a:schemeClr val="accent4">
-                        <a:lumMod val="20000"/>
-                        <a:lumOff val="80000"/>
-                      </a:schemeClr>
-                    </a:gs>
-                  </a:gsLst>
-                  <a:lin ang="5400000"/>
-                </a:gradFill>
-              </a:rPr>
-              <a:t>Consumer 3</a:t>
-            </a:r>
-          </a:p>
-        </p:txBody>
-      </p:sp>
-      <p:sp>
-        <p:nvSpPr>
-          <p:cNvPr id="18" name="Rectangle 17"/>
-          <p:cNvSpPr/>
-          <p:nvPr/>
-        </p:nvSpPr>
-        <p:spPr>
-          <a:xfrm>
-            <a:off x="7320856" y="491884"/>
-            <a:ext cx="1659750" cy="438582"/>
-          </a:xfrm>
-          <a:prstGeom prst="rect">
-            <a:avLst/>
-          </a:prstGeom>
-          <a:noFill/>
-          <a:ln>
-            <a:noFill/>
-          </a:ln>
-          <a:effectLst>
-            <a:outerShdw blurRad="50800" dist="38100" dir="8100000" algn="tr" rotWithShape="0">
-              <a:prstClr val="black">
-                <a:alpha val="40000"/>
-              </a:prstClr>
-            </a:outerShdw>
-          </a:effectLst>
-        </p:spPr>
-        <p:txBody>
-          <a:bodyPr wrap="none" lIns="68580" tIns="34290" rIns="68580" bIns="34290">
-            <a:spAutoFit/>
-          </a:bodyPr>
-          <a:lstStyle/>
-          <a:p>
-            <a:pPr algn="ctr"/>
-            <a:r>
-              <a:rPr lang="en-US" sz="2400" b="1" dirty="0">
-                <a:ln w="12700" cmpd="sng">
-                  <a:solidFill>
-                    <a:schemeClr val="accent4"/>
-                  </a:solidFill>
-                  <a:prstDash val="solid"/>
-                </a:ln>
-                <a:gradFill>
-                  <a:gsLst>
-                    <a:gs pos="0">
-                      <a:schemeClr val="accent4"/>
-                    </a:gs>
-                    <a:gs pos="4000">
-                      <a:schemeClr val="accent4">
-                        <a:lumMod val="60000"/>
-                        <a:lumOff val="40000"/>
-                      </a:schemeClr>
-                    </a:gs>
-                    <a:gs pos="87000">
-                      <a:schemeClr val="accent4">
-                        <a:lumMod val="20000"/>
-                        <a:lumOff val="80000"/>
-                      </a:schemeClr>
-                    </a:gs>
-                  </a:gsLst>
-                  <a:lin ang="5400000"/>
-                </a:gradFill>
-              </a:rPr>
-              <a:t>Consumer 1</a:t>
-            </a:r>
-          </a:p>
-        </p:txBody>
-      </p:sp>
-      <p:sp>
-        <p:nvSpPr>
-          <p:cNvPr id="19" name="Rectangle 18"/>
-          <p:cNvSpPr/>
-          <p:nvPr/>
-        </p:nvSpPr>
-        <p:spPr>
-          <a:xfrm>
-            <a:off x="3872573" y="1706086"/>
-            <a:ext cx="1129413" cy="500137"/>
-          </a:xfrm>
-          <a:prstGeom prst="rect">
-            <a:avLst/>
-          </a:prstGeom>
-          <a:noFill/>
-          <a:ln>
-            <a:noFill/>
-          </a:ln>
-        </p:spPr>
-        <p:txBody>
-          <a:bodyPr wrap="none" lIns="68580" tIns="34290" rIns="68580" bIns="34290">
-            <a:spAutoFit/>
-          </a:bodyPr>
-          <a:lstStyle/>
-          <a:p>
-            <a:pPr algn="ctr"/>
-            <a:r>
-              <a:rPr lang="en-US" sz="2800" b="1" dirty="0">
+              <a:rPr lang="en-US" sz="2800" b="1" dirty="0" smtClean="0">
                 <a:ln/>
                 <a:pattFill prst="dkUpDiag">
                   <a:fgClr>
@@ -5239,7 +4012,7 @@
                   </a:outerShdw>
                 </a:effectLst>
               </a:rPr>
-              <a:t>Broker</a:t>
+              <a:t>Provider</a:t>
             </a:r>
             <a:endParaRPr lang="en-US" sz="2800" b="1" dirty="0">
               <a:ln w="10160">
@@ -5270,8 +4043,8 @@
         </p:nvSpPr>
         <p:spPr>
           <a:xfrm>
-            <a:off x="169049" y="21914"/>
-            <a:ext cx="4838697" cy="707886"/>
+            <a:off x="3020435" y="213300"/>
+            <a:ext cx="3112968" cy="707886"/>
           </a:xfrm>
           <a:prstGeom prst="rect">
             <a:avLst/>
@@ -5286,7 +4059,7 @@
           <a:p>
             <a:pPr algn="ctr"/>
             <a:r>
-              <a:rPr lang="en-US" sz="4000" b="1" dirty="0" smtClean="0">
+              <a:rPr lang="en-US" sz="4000" b="1" dirty="0">
                 <a:ln/>
                 <a:pattFill prst="dkUpDiag">
                   <a:fgClr>
@@ -5310,39 +4083,449 @@
                   </a:outerShdw>
                 </a:effectLst>
               </a:rPr>
-              <a:t>Topic Implementation</a:t>
-            </a:r>
-            <a:endParaRPr lang="en-US" sz="4000" b="1" dirty="0">
-              <a:ln/>
-              <a:pattFill prst="dkUpDiag">
-                <a:fgClr>
-                  <a:schemeClr val="bg1">
+              <a:t>JMS Concepts</a:t>
+            </a:r>
+          </a:p>
+        </p:txBody>
+      </p:sp>
+      <p:sp>
+        <p:nvSpPr>
+          <p:cNvPr id="20" name="Rounded Rectangle 19"/>
+          <p:cNvSpPr/>
+          <p:nvPr/>
+        </p:nvSpPr>
+        <p:spPr>
+          <a:xfrm>
+            <a:off x="12725" y="1021804"/>
+            <a:ext cx="1971628" cy="960728"/>
+          </a:xfrm>
+          <a:prstGeom prst="roundRect">
+            <a:avLst/>
+          </a:prstGeom>
+        </p:spPr>
+        <p:style>
+          <a:lnRef idx="0">
+            <a:schemeClr val="accent2"/>
+          </a:lnRef>
+          <a:fillRef idx="3">
+            <a:schemeClr val="accent2"/>
+          </a:fillRef>
+          <a:effectRef idx="3">
+            <a:schemeClr val="accent2"/>
+          </a:effectRef>
+          <a:fontRef idx="minor">
+            <a:schemeClr val="lt1"/>
+          </a:fontRef>
+        </p:style>
+        <p:txBody>
+          <a:bodyPr rtlCol="0" anchor="ctr"/>
+          <a:lstStyle/>
+          <a:p>
+            <a:pPr algn="ctr"/>
+            <a:endParaRPr lang="en-US" sz="1013" dirty="0"/>
+          </a:p>
+        </p:txBody>
+      </p:sp>
+      <p:sp>
+        <p:nvSpPr>
+          <p:cNvPr id="21" name="Rounded Rectangle 20"/>
+          <p:cNvSpPr/>
+          <p:nvPr/>
+        </p:nvSpPr>
+        <p:spPr>
+          <a:xfrm>
+            <a:off x="12725" y="3025588"/>
+            <a:ext cx="1971628" cy="960728"/>
+          </a:xfrm>
+          <a:prstGeom prst="roundRect">
+            <a:avLst/>
+          </a:prstGeom>
+        </p:spPr>
+        <p:style>
+          <a:lnRef idx="0">
+            <a:schemeClr val="accent2"/>
+          </a:lnRef>
+          <a:fillRef idx="3">
+            <a:schemeClr val="accent2"/>
+          </a:fillRef>
+          <a:effectRef idx="3">
+            <a:schemeClr val="accent2"/>
+          </a:effectRef>
+          <a:fontRef idx="minor">
+            <a:schemeClr val="lt1"/>
+          </a:fontRef>
+        </p:style>
+        <p:txBody>
+          <a:bodyPr rtlCol="0" anchor="ctr"/>
+          <a:lstStyle/>
+          <a:p>
+            <a:pPr algn="ctr"/>
+            <a:endParaRPr lang="en-US" sz="1013" dirty="0"/>
+          </a:p>
+        </p:txBody>
+      </p:sp>
+      <p:sp>
+        <p:nvSpPr>
+          <p:cNvPr id="22" name="Rectangle 21"/>
+          <p:cNvSpPr/>
+          <p:nvPr/>
+        </p:nvSpPr>
+        <p:spPr>
+          <a:xfrm>
+            <a:off x="383950" y="3286661"/>
+            <a:ext cx="1229184" cy="438582"/>
+          </a:xfrm>
+          <a:prstGeom prst="rect">
+            <a:avLst/>
+          </a:prstGeom>
+          <a:noFill/>
+          <a:ln>
+            <a:noFill/>
+          </a:ln>
+          <a:effectLst>
+            <a:outerShdw blurRad="50800" dist="38100" dir="8100000" algn="tr" rotWithShape="0">
+              <a:prstClr val="black">
+                <a:alpha val="40000"/>
+              </a:prstClr>
+            </a:outerShdw>
+          </a:effectLst>
+        </p:spPr>
+        <p:txBody>
+          <a:bodyPr wrap="none" lIns="68580" tIns="34290" rIns="68580" bIns="34290">
+            <a:spAutoFit/>
+          </a:bodyPr>
+          <a:lstStyle/>
+          <a:p>
+            <a:pPr algn="ctr"/>
+            <a:r>
+              <a:rPr lang="en-US" sz="2400" b="1" dirty="0">
+                <a:ln w="12700">
+                  <a:solidFill>
+                    <a:schemeClr val="accent3">
+                      <a:lumMod val="50000"/>
+                    </a:schemeClr>
+                  </a:solidFill>
+                  <a:prstDash val="solid"/>
+                </a:ln>
+                <a:pattFill prst="narHorz">
+                  <a:fgClr>
+                    <a:schemeClr val="accent3"/>
+                  </a:fgClr>
+                  <a:bgClr>
+                    <a:schemeClr val="accent3">
+                      <a:lumMod val="40000"/>
+                      <a:lumOff val="60000"/>
+                    </a:schemeClr>
+                  </a:bgClr>
+                </a:pattFill>
+                <a:effectLst>
+                  <a:innerShdw blurRad="177800">
+                    <a:schemeClr val="accent3">
+                      <a:lumMod val="50000"/>
+                    </a:schemeClr>
+                  </a:innerShdw>
+                </a:effectLst>
+              </a:rPr>
+              <a:t>Receiver</a:t>
+            </a:r>
+            <a:endParaRPr lang="en-US" sz="2400" b="1" dirty="0">
+              <a:ln w="12700">
+                <a:solidFill>
+                  <a:schemeClr val="accent3">
                     <a:lumMod val="50000"/>
                   </a:schemeClr>
+                </a:solidFill>
+                <a:prstDash val="solid"/>
+              </a:ln>
+              <a:pattFill prst="narHorz">
+                <a:fgClr>
+                  <a:schemeClr val="accent3"/>
                 </a:fgClr>
                 <a:bgClr>
-                  <a:schemeClr val="tx1">
-                    <a:lumMod val="75000"/>
-                    <a:lumOff val="25000"/>
+                  <a:schemeClr val="accent3">
+                    <a:lumMod val="40000"/>
+                    <a:lumOff val="60000"/>
                   </a:schemeClr>
                 </a:bgClr>
               </a:pattFill>
               <a:effectLst>
-                <a:outerShdw blurRad="38100" dist="19050" dir="2700000" algn="tl" rotWithShape="0">
-                  <a:schemeClr val="dk1">
+                <a:innerShdw blurRad="177800">
+                  <a:schemeClr val="accent3">
                     <a:lumMod val="50000"/>
-                    <a:alpha val="40000"/>
                   </a:schemeClr>
-                </a:outerShdw>
+                </a:innerShdw>
               </a:effectLst>
             </a:endParaRPr>
           </a:p>
         </p:txBody>
       </p:sp>
+      <p:sp>
+        <p:nvSpPr>
+          <p:cNvPr id="23" name="Rectangle 22"/>
+          <p:cNvSpPr/>
+          <p:nvPr/>
+        </p:nvSpPr>
+        <p:spPr>
+          <a:xfrm>
+            <a:off x="481255" y="1282877"/>
+            <a:ext cx="1034579" cy="438582"/>
+          </a:xfrm>
+          <a:prstGeom prst="rect">
+            <a:avLst/>
+          </a:prstGeom>
+          <a:noFill/>
+          <a:ln>
+            <a:noFill/>
+          </a:ln>
+          <a:effectLst>
+            <a:outerShdw blurRad="50800" dist="38100" dir="8100000" algn="tr" rotWithShape="0">
+              <a:prstClr val="black">
+                <a:alpha val="40000"/>
+              </a:prstClr>
+            </a:outerShdw>
+          </a:effectLst>
+        </p:spPr>
+        <p:txBody>
+          <a:bodyPr wrap="none" lIns="68580" tIns="34290" rIns="68580" bIns="34290">
+            <a:spAutoFit/>
+          </a:bodyPr>
+          <a:lstStyle/>
+          <a:p>
+            <a:pPr algn="ctr"/>
+            <a:r>
+              <a:rPr lang="en-US" sz="2400" b="1" dirty="0">
+                <a:ln w="12700">
+                  <a:solidFill>
+                    <a:schemeClr val="accent3">
+                      <a:lumMod val="50000"/>
+                    </a:schemeClr>
+                  </a:solidFill>
+                  <a:prstDash val="solid"/>
+                </a:ln>
+                <a:pattFill prst="narHorz">
+                  <a:fgClr>
+                    <a:schemeClr val="accent3"/>
+                  </a:fgClr>
+                  <a:bgClr>
+                    <a:schemeClr val="accent3">
+                      <a:lumMod val="40000"/>
+                      <a:lumOff val="60000"/>
+                    </a:schemeClr>
+                  </a:bgClr>
+                </a:pattFill>
+                <a:effectLst>
+                  <a:innerShdw blurRad="177800">
+                    <a:schemeClr val="accent3">
+                      <a:lumMod val="50000"/>
+                    </a:schemeClr>
+                  </a:innerShdw>
+                </a:effectLst>
+              </a:rPr>
+              <a:t>Sender</a:t>
+            </a:r>
+            <a:endParaRPr lang="en-US" sz="2400" b="1" dirty="0">
+              <a:ln w="12700">
+                <a:solidFill>
+                  <a:schemeClr val="accent3">
+                    <a:lumMod val="50000"/>
+                  </a:schemeClr>
+                </a:solidFill>
+                <a:prstDash val="solid"/>
+              </a:ln>
+              <a:pattFill prst="narHorz">
+                <a:fgClr>
+                  <a:schemeClr val="accent3"/>
+                </a:fgClr>
+                <a:bgClr>
+                  <a:schemeClr val="accent3">
+                    <a:lumMod val="40000"/>
+                    <a:lumOff val="60000"/>
+                  </a:schemeClr>
+                </a:bgClr>
+              </a:pattFill>
+              <a:effectLst>
+                <a:innerShdw blurRad="177800">
+                  <a:schemeClr val="accent3">
+                    <a:lumMod val="50000"/>
+                  </a:schemeClr>
+                </a:innerShdw>
+              </a:effectLst>
+            </a:endParaRPr>
+          </a:p>
+        </p:txBody>
+      </p:sp>
+      <p:cxnSp>
+        <p:nvCxnSpPr>
+          <p:cNvPr id="4" name="Straight Arrow Connector 3"/>
+          <p:cNvCxnSpPr>
+            <a:stCxn id="21" idx="3"/>
+            <a:endCxn id="9" idx="3"/>
+          </p:cNvCxnSpPr>
+          <p:nvPr/>
+        </p:nvCxnSpPr>
+        <p:spPr>
+          <a:xfrm flipV="1">
+            <a:off x="1984353" y="2559766"/>
+            <a:ext cx="1363555" cy="946186"/>
+          </a:xfrm>
+          <a:prstGeom prst="straightConnector1">
+            <a:avLst/>
+          </a:prstGeom>
+          <a:ln w="38100" cap="flat" cmpd="sng" algn="ctr">
+            <a:solidFill>
+              <a:schemeClr val="accent2"/>
+            </a:solidFill>
+            <a:prstDash val="solid"/>
+            <a:round/>
+            <a:headEnd type="none" w="med" len="med"/>
+            <a:tailEnd type="triangle" w="med" len="med"/>
+          </a:ln>
+        </p:spPr>
+        <p:style>
+          <a:lnRef idx="0">
+            <a:scrgbClr r="0" g="0" b="0"/>
+          </a:lnRef>
+          <a:fillRef idx="0">
+            <a:scrgbClr r="0" g="0" b="0"/>
+          </a:fillRef>
+          <a:effectRef idx="0">
+            <a:scrgbClr r="0" g="0" b="0"/>
+          </a:effectRef>
+          <a:fontRef idx="minor">
+            <a:schemeClr val="tx1"/>
+          </a:fontRef>
+        </p:style>
+      </p:cxnSp>
+      <p:cxnSp>
+        <p:nvCxnSpPr>
+          <p:cNvPr id="24" name="Straight Arrow Connector 23"/>
+          <p:cNvCxnSpPr>
+            <a:stCxn id="11" idx="1"/>
+            <a:endCxn id="9" idx="1"/>
+          </p:cNvCxnSpPr>
+          <p:nvPr/>
+        </p:nvCxnSpPr>
+        <p:spPr>
+          <a:xfrm flipH="1" flipV="1">
+            <a:off x="5628193" y="2559766"/>
+            <a:ext cx="1536723" cy="946186"/>
+          </a:xfrm>
+          <a:prstGeom prst="straightConnector1">
+            <a:avLst/>
+          </a:prstGeom>
+          <a:ln w="38100" cap="flat" cmpd="sng" algn="ctr">
+            <a:solidFill>
+              <a:schemeClr val="accent2"/>
+            </a:solidFill>
+            <a:prstDash val="solid"/>
+            <a:round/>
+            <a:headEnd type="none" w="med" len="med"/>
+            <a:tailEnd type="triangle" w="med" len="med"/>
+          </a:ln>
+        </p:spPr>
+        <p:style>
+          <a:lnRef idx="0">
+            <a:scrgbClr r="0" g="0" b="0"/>
+          </a:lnRef>
+          <a:fillRef idx="0">
+            <a:scrgbClr r="0" g="0" b="0"/>
+          </a:fillRef>
+          <a:effectRef idx="0">
+            <a:scrgbClr r="0" g="0" b="0"/>
+          </a:effectRef>
+          <a:fontRef idx="minor">
+            <a:schemeClr val="tx1"/>
+          </a:fontRef>
+        </p:style>
+      </p:cxnSp>
+      <p:cxnSp>
+        <p:nvCxnSpPr>
+          <p:cNvPr id="25" name="Straight Arrow Connector 24"/>
+          <p:cNvCxnSpPr>
+            <a:stCxn id="20" idx="3"/>
+            <a:endCxn id="9" idx="3"/>
+          </p:cNvCxnSpPr>
+          <p:nvPr/>
+        </p:nvCxnSpPr>
+        <p:spPr>
+          <a:xfrm>
+            <a:off x="1984353" y="1502168"/>
+            <a:ext cx="1363555" cy="1057598"/>
+          </a:xfrm>
+          <a:prstGeom prst="straightConnector1">
+            <a:avLst/>
+          </a:prstGeom>
+          <a:ln w="38100" cap="flat" cmpd="sng" algn="ctr">
+            <a:solidFill>
+              <a:schemeClr val="accent2"/>
+            </a:solidFill>
+            <a:prstDash val="solid"/>
+            <a:round/>
+            <a:headEnd type="none" w="med" len="med"/>
+            <a:tailEnd type="triangle" w="med" len="med"/>
+          </a:ln>
+        </p:spPr>
+        <p:style>
+          <a:lnRef idx="0">
+            <a:scrgbClr r="0" g="0" b="0"/>
+          </a:lnRef>
+          <a:fillRef idx="0">
+            <a:scrgbClr r="0" g="0" b="0"/>
+          </a:fillRef>
+          <a:effectRef idx="0">
+            <a:scrgbClr r="0" g="0" b="0"/>
+          </a:effectRef>
+          <a:fontRef idx="minor">
+            <a:schemeClr val="tx1"/>
+          </a:fontRef>
+        </p:style>
+      </p:cxnSp>
+      <p:cxnSp>
+        <p:nvCxnSpPr>
+          <p:cNvPr id="28" name="Straight Arrow Connector 27"/>
+          <p:cNvCxnSpPr>
+            <a:stCxn id="5" idx="1"/>
+            <a:endCxn id="9" idx="1"/>
+          </p:cNvCxnSpPr>
+          <p:nvPr/>
+        </p:nvCxnSpPr>
+        <p:spPr>
+          <a:xfrm flipH="1">
+            <a:off x="5628193" y="1502168"/>
+            <a:ext cx="1536723" cy="1057598"/>
+          </a:xfrm>
+          <a:prstGeom prst="straightConnector1">
+            <a:avLst/>
+          </a:prstGeom>
+          <a:ln w="38100" cap="flat" cmpd="sng" algn="ctr">
+            <a:solidFill>
+              <a:schemeClr val="accent2"/>
+            </a:solidFill>
+            <a:prstDash val="solid"/>
+            <a:round/>
+            <a:headEnd type="none" w="med" len="med"/>
+            <a:tailEnd type="triangle" w="med" len="med"/>
+          </a:ln>
+        </p:spPr>
+        <p:style>
+          <a:lnRef idx="0">
+            <a:scrgbClr r="0" g="0" b="0"/>
+          </a:lnRef>
+          <a:fillRef idx="0">
+            <a:scrgbClr r="0" g="0" b="0"/>
+          </a:fillRef>
+          <a:effectRef idx="0">
+            <a:scrgbClr r="0" g="0" b="0"/>
+          </a:effectRef>
+          <a:fontRef idx="minor">
+            <a:schemeClr val="tx1"/>
+          </a:fontRef>
+        </p:style>
+      </p:cxnSp>
     </p:spTree>
     <p:extLst>
       <p:ext uri="{BB962C8B-B14F-4D97-AF65-F5344CB8AC3E}">
-        <p14:creationId xmlns:p14="http://schemas.microsoft.com/office/powerpoint/2010/main" val="953153678"/>
+        <p14:creationId xmlns:p14="http://schemas.microsoft.com/office/powerpoint/2010/main" val="1975399964"/>
       </p:ext>
     </p:extLst>
   </p:cSld>
@@ -5394,7 +4577,7 @@
         </p:nvSpPr>
         <p:spPr>
           <a:xfrm>
-            <a:off x="7164916" y="1021804"/>
+            <a:off x="7164916" y="-697"/>
             <a:ext cx="1971628" cy="960728"/>
           </a:xfrm>
           <a:prstGeom prst="roundRect">
@@ -5576,8 +4759,8 @@
         </p:nvSpPr>
         <p:spPr>
           <a:xfrm>
-            <a:off x="3535603" y="2319752"/>
-            <a:ext cx="1862368" cy="500137"/>
+            <a:off x="3700655" y="2213517"/>
+            <a:ext cx="1574790" cy="692497"/>
           </a:xfrm>
           <a:prstGeom prst="rect">
             <a:avLst/>
@@ -5592,7 +4775,7 @@
           <a:p>
             <a:pPr algn="ctr"/>
             <a:r>
-              <a:rPr lang="en-US" sz="2800" b="1" dirty="0" smtClean="0">
+              <a:rPr lang="en-US" sz="4050" b="1" dirty="0">
                 <a:ln w="12700">
                   <a:solidFill>
                     <a:schemeClr val="accent3">
@@ -5620,9 +4803,9 @@
                   </a:innerShdw>
                 </a:effectLst>
               </a:rPr>
-              <a:t>Destination</a:t>
-            </a:r>
-            <a:endParaRPr lang="en-US" sz="2800" b="1" dirty="0">
+              <a:t>Queue</a:t>
+            </a:r>
+            <a:endParaRPr lang="en-US" sz="4050" b="1" dirty="0">
               <a:ln w="10160">
                 <a:solidFill>
                   <a:schemeClr val="accent5"/>
@@ -5651,7 +4834,7 @@
         </p:nvSpPr>
         <p:spPr>
           <a:xfrm>
-            <a:off x="7164916" y="3025588"/>
+            <a:off x="7164916" y="2079403"/>
             <a:ext cx="1971628" cy="960728"/>
           </a:xfrm>
           <a:prstGeom prst="roundRect">
@@ -5683,14 +4866,90 @@
       </p:sp>
       <p:sp>
         <p:nvSpPr>
-          <p:cNvPr id="16" name="Rectangle 15"/>
+          <p:cNvPr id="12" name="Rounded Rectangle 11"/>
           <p:cNvSpPr/>
           <p:nvPr/>
         </p:nvSpPr>
         <p:spPr>
           <a:xfrm>
-            <a:off x="7536141" y="3286661"/>
-            <a:ext cx="1229184" cy="438582"/>
+            <a:off x="7164916" y="4167059"/>
+            <a:ext cx="1971628" cy="960728"/>
+          </a:xfrm>
+          <a:prstGeom prst="roundRect">
+            <a:avLst/>
+          </a:prstGeom>
+        </p:spPr>
+        <p:style>
+          <a:lnRef idx="0">
+            <a:schemeClr val="accent2"/>
+          </a:lnRef>
+          <a:fillRef idx="3">
+            <a:schemeClr val="accent2"/>
+          </a:fillRef>
+          <a:effectRef idx="3">
+            <a:schemeClr val="accent2"/>
+          </a:effectRef>
+          <a:fontRef idx="minor">
+            <a:schemeClr val="lt1"/>
+          </a:fontRef>
+        </p:style>
+        <p:txBody>
+          <a:bodyPr rtlCol="0" anchor="ctr"/>
+          <a:lstStyle/>
+          <a:p>
+            <a:pPr algn="ctr"/>
+            <a:endParaRPr lang="en-US" sz="1013" dirty="0"/>
+          </a:p>
+        </p:txBody>
+      </p:sp>
+      <p:sp>
+        <p:nvSpPr>
+          <p:cNvPr id="13" name="Rounded Rectangle 12"/>
+          <p:cNvSpPr/>
+          <p:nvPr/>
+        </p:nvSpPr>
+        <p:spPr>
+          <a:xfrm>
+            <a:off x="-4509" y="2079403"/>
+            <a:ext cx="1971628" cy="960728"/>
+          </a:xfrm>
+          <a:prstGeom prst="roundRect">
+            <a:avLst/>
+          </a:prstGeom>
+        </p:spPr>
+        <p:style>
+          <a:lnRef idx="0">
+            <a:schemeClr val="accent2"/>
+          </a:lnRef>
+          <a:fillRef idx="3">
+            <a:schemeClr val="accent2"/>
+          </a:fillRef>
+          <a:effectRef idx="3">
+            <a:schemeClr val="accent2"/>
+          </a:effectRef>
+          <a:fontRef idx="minor">
+            <a:schemeClr val="lt1"/>
+          </a:fontRef>
+        </p:style>
+        <p:txBody>
+          <a:bodyPr rtlCol="0" anchor="ctr"/>
+          <a:lstStyle/>
+          <a:p>
+            <a:pPr algn="ctr"/>
+            <a:endParaRPr lang="en-US" sz="1013" dirty="0"/>
+          </a:p>
+        </p:txBody>
+      </p:sp>
+      <p:sp>
+        <p:nvSpPr>
+          <p:cNvPr id="15" name="Rectangle 14"/>
+          <p:cNvSpPr/>
+          <p:nvPr/>
+        </p:nvSpPr>
+        <p:spPr>
+          <a:xfrm>
+            <a:off x="333659" y="2569821"/>
+            <a:ext cx="1295291" cy="438582"/>
           </a:xfrm>
           <a:prstGeom prst="rect">
             <a:avLst/>
@@ -5714,6 +4973,104 @@
           <a:lstStyle/>
           <a:p>
             <a:pPr algn="ctr"/>
+            <a:r>
+              <a:rPr lang="en-US" sz="2400" b="1" dirty="0">
+                <a:ln w="12700">
+                  <a:solidFill>
+                    <a:schemeClr val="accent3">
+                      <a:lumMod val="50000"/>
+                    </a:schemeClr>
+                  </a:solidFill>
+                  <a:prstDash val="solid"/>
+                </a:ln>
+                <a:pattFill prst="narHorz">
+                  <a:fgClr>
+                    <a:schemeClr val="accent3"/>
+                  </a:fgClr>
+                  <a:bgClr>
+                    <a:schemeClr val="accent3">
+                      <a:lumMod val="40000"/>
+                      <a:lumOff val="60000"/>
+                    </a:schemeClr>
+                  </a:bgClr>
+                </a:pattFill>
+                <a:effectLst>
+                  <a:innerShdw blurRad="177800">
+                    <a:schemeClr val="accent3">
+                      <a:lumMod val="50000"/>
+                    </a:schemeClr>
+                  </a:innerShdw>
+                </a:effectLst>
+              </a:rPr>
+              <a:t>Producer</a:t>
+            </a:r>
+          </a:p>
+        </p:txBody>
+      </p:sp>
+      <p:sp>
+        <p:nvSpPr>
+          <p:cNvPr id="16" name="Rectangle 15"/>
+          <p:cNvSpPr/>
+          <p:nvPr/>
+        </p:nvSpPr>
+        <p:spPr>
+          <a:xfrm>
+            <a:off x="7320856" y="2583967"/>
+            <a:ext cx="1659750" cy="438582"/>
+          </a:xfrm>
+          <a:prstGeom prst="rect">
+            <a:avLst/>
+          </a:prstGeom>
+          <a:noFill/>
+          <a:ln>
+            <a:noFill/>
+          </a:ln>
+          <a:effectLst>
+            <a:outerShdw blurRad="50800" dist="38100" dir="8100000" algn="tr" rotWithShape="0">
+              <a:prstClr val="black">
+                <a:alpha val="40000"/>
+              </a:prstClr>
+            </a:outerShdw>
+          </a:effectLst>
+        </p:spPr>
+        <p:txBody>
+          <a:bodyPr wrap="none" lIns="68580" tIns="34290" rIns="68580" bIns="34290">
+            <a:spAutoFit/>
+          </a:bodyPr>
+          <a:lstStyle/>
+          <a:p>
+            <a:pPr algn="ctr"/>
+            <a:r>
+              <a:rPr lang="en-US" sz="2400" b="1" dirty="0">
+                <a:ln w="12700">
+                  <a:solidFill>
+                    <a:schemeClr val="accent3">
+                      <a:lumMod val="50000"/>
+                    </a:schemeClr>
+                  </a:solidFill>
+                  <a:prstDash val="solid"/>
+                </a:ln>
+                <a:pattFill prst="narHorz">
+                  <a:fgClr>
+                    <a:schemeClr val="accent3"/>
+                  </a:fgClr>
+                  <a:bgClr>
+                    <a:schemeClr val="accent3">
+                      <a:lumMod val="40000"/>
+                      <a:lumOff val="60000"/>
+                    </a:schemeClr>
+                  </a:bgClr>
+                </a:pattFill>
+                <a:effectLst>
+                  <a:innerShdw blurRad="177800">
+                    <a:schemeClr val="accent3">
+                      <a:lumMod val="50000"/>
+                    </a:schemeClr>
+                  </a:innerShdw>
+                </a:effectLst>
+              </a:rPr>
+              <a:t>Consumer</a:t>
+            </a:r>
             <a:r>
               <a:rPr lang="en-US" sz="2400" b="1" dirty="0">
                 <a:ln w="12700" cmpd="sng">
@@ -5743,21 +5100,52 @@
                   <a:lin ang="5400000"/>
                 </a:gradFill>
               </a:rPr>
-              <a:t>Receiver</a:t>
-            </a:r>
-          </a:p>
-        </p:txBody>
-      </p:sp>
-      <p:sp>
-        <p:nvSpPr>
-          <p:cNvPr id="18" name="Rectangle 17"/>
+              <a:t> </a:t>
+            </a:r>
+            <a:r>
+              <a:rPr lang="en-US" sz="2400" b="1" dirty="0">
+                <a:ln w="12700">
+                  <a:solidFill>
+                    <a:schemeClr val="accent3">
+                      <a:lumMod val="50000"/>
+                    </a:schemeClr>
+                  </a:solidFill>
+                  <a:prstDash val="solid"/>
+                </a:ln>
+                <a:pattFill prst="narHorz">
+                  <a:fgClr>
+                    <a:schemeClr val="accent3"/>
+                  </a:fgClr>
+                  <a:bgClr>
+                    <a:schemeClr val="accent3">
+                      <a:lumMod val="40000"/>
+                      <a:lumOff val="60000"/>
+                    </a:schemeClr>
+                  </a:bgClr>
+                </a:pattFill>
+                <a:effectLst>
+                  <a:innerShdw blurRad="177800">
+                    <a:schemeClr val="accent3">
+                      <a:lumMod val="50000"/>
+                    </a:schemeClr>
+                  </a:innerShdw>
+                </a:effectLst>
+              </a:rPr>
+              <a:t>2</a:t>
+            </a:r>
+          </a:p>
+        </p:txBody>
+      </p:sp>
+      <p:sp>
+        <p:nvSpPr>
+          <p:cNvPr id="17" name="Rectangle 16"/>
           <p:cNvSpPr/>
           <p:nvPr/>
         </p:nvSpPr>
         <p:spPr>
           <a:xfrm>
-            <a:off x="7633446" y="1282877"/>
-            <a:ext cx="1034579" cy="438582"/>
+            <a:off x="7320856" y="4659640"/>
+            <a:ext cx="1659750" cy="438582"/>
           </a:xfrm>
           <a:prstGeom prst="rect">
             <a:avLst/>
@@ -5782,7 +5170,38 @@
           <a:p>
             <a:pPr algn="ctr"/>
             <a:r>
-              <a:rPr lang="en-US" sz="2400" b="1" dirty="0" smtClean="0">
+              <a:rPr lang="en-US" sz="2400" b="1" dirty="0">
+                <a:ln w="12700">
+                  <a:solidFill>
+                    <a:schemeClr val="accent3">
+                      <a:lumMod val="50000"/>
+                    </a:schemeClr>
+                  </a:solidFill>
+                  <a:prstDash val="solid"/>
+                </a:ln>
+                <a:pattFill prst="narHorz">
+                  <a:fgClr>
+                    <a:schemeClr val="accent3"/>
+                  </a:fgClr>
+                  <a:bgClr>
+                    <a:schemeClr val="accent3">
+                      <a:lumMod val="40000"/>
+                      <a:lumOff val="60000"/>
+                    </a:schemeClr>
+                  </a:bgClr>
+                </a:pattFill>
+                <a:effectLst>
+                  <a:innerShdw blurRad="177800">
+                    <a:schemeClr val="accent3">
+                      <a:lumMod val="50000"/>
+                    </a:schemeClr>
+                  </a:innerShdw>
+                </a:effectLst>
+              </a:rPr>
+              <a:t>Consumer</a:t>
+            </a:r>
+            <a:r>
+              <a:rPr lang="en-US" sz="2400" b="1" dirty="0">
                 <a:ln w="12700" cmpd="sng">
                   <a:solidFill>
                     <a:schemeClr val="accent4"/>
@@ -5810,252 +5229,52 @@
                   <a:lin ang="5400000"/>
                 </a:gradFill>
               </a:rPr>
-              <a:t>Sender</a:t>
-            </a:r>
-            <a:endParaRPr lang="en-US" sz="2400" b="1" dirty="0">
-              <a:ln w="12700" cmpd="sng">
-                <a:solidFill>
-                  <a:schemeClr val="accent4"/>
-                </a:solidFill>
-                <a:prstDash val="solid"/>
-              </a:ln>
-              <a:gradFill>
-                <a:gsLst>
-                  <a:gs pos="0">
-                    <a:schemeClr val="accent4"/>
-                  </a:gs>
-                  <a:gs pos="4000">
-                    <a:schemeClr val="accent4">
-                      <a:lumMod val="60000"/>
-                      <a:lumOff val="40000"/>
-                    </a:schemeClr>
-                  </a:gs>
-                  <a:gs pos="87000">
-                    <a:schemeClr val="accent4">
-                      <a:lumMod val="20000"/>
-                      <a:lumOff val="80000"/>
-                    </a:schemeClr>
-                  </a:gs>
-                </a:gsLst>
-                <a:lin ang="5400000"/>
-              </a:gradFill>
-            </a:endParaRPr>
-          </a:p>
-        </p:txBody>
-      </p:sp>
-      <p:sp>
-        <p:nvSpPr>
-          <p:cNvPr id="19" name="Rectangle 18"/>
-          <p:cNvSpPr/>
-          <p:nvPr/>
-        </p:nvSpPr>
-        <p:spPr>
-          <a:xfrm>
-            <a:off x="3735132" y="1706086"/>
-            <a:ext cx="1404295" cy="500137"/>
-          </a:xfrm>
-          <a:prstGeom prst="rect">
-            <a:avLst/>
-          </a:prstGeom>
-          <a:noFill/>
-          <a:ln>
-            <a:noFill/>
-          </a:ln>
-        </p:spPr>
-        <p:txBody>
-          <a:bodyPr wrap="none" lIns="68580" tIns="34290" rIns="68580" bIns="34290">
-            <a:spAutoFit/>
-          </a:bodyPr>
-          <a:lstStyle/>
-          <a:p>
-            <a:pPr algn="ctr"/>
-            <a:r>
-              <a:rPr lang="en-US" sz="2800" b="1" dirty="0" smtClean="0">
-                <a:ln/>
-                <a:pattFill prst="dkUpDiag">
+              <a:t> </a:t>
+            </a:r>
+            <a:r>
+              <a:rPr lang="en-US" sz="2400" b="1" dirty="0">
+                <a:ln w="12700">
+                  <a:solidFill>
+                    <a:schemeClr val="accent3">
+                      <a:lumMod val="50000"/>
+                    </a:schemeClr>
+                  </a:solidFill>
+                  <a:prstDash val="solid"/>
+                </a:ln>
+                <a:pattFill prst="narHorz">
                   <a:fgClr>
-                    <a:schemeClr val="bg1">
-                      <a:lumMod val="50000"/>
-                    </a:schemeClr>
+                    <a:schemeClr val="accent3"/>
                   </a:fgClr>
                   <a:bgClr>
-                    <a:schemeClr val="tx1">
-                      <a:lumMod val="75000"/>
-                      <a:lumOff val="25000"/>
+                    <a:schemeClr val="accent3">
+                      <a:lumMod val="40000"/>
+                      <a:lumOff val="60000"/>
                     </a:schemeClr>
                   </a:bgClr>
                 </a:pattFill>
                 <a:effectLst>
-                  <a:outerShdw blurRad="38100" dist="19050" dir="2700000" algn="tl" rotWithShape="0">
-                    <a:schemeClr val="dk1">
+                  <a:innerShdw blurRad="177800">
+                    <a:schemeClr val="accent3">
                       <a:lumMod val="50000"/>
-                      <a:alpha val="40000"/>
-                    </a:schemeClr>
-                  </a:outerShdw>
+                    </a:schemeClr>
+                  </a:innerShdw>
                 </a:effectLst>
               </a:rPr>
-              <a:t>Provider</a:t>
-            </a:r>
-            <a:endParaRPr lang="en-US" sz="2800" b="1" dirty="0">
-              <a:ln w="10160">
-                <a:solidFill>
-                  <a:schemeClr val="accent2"/>
-                </a:solidFill>
-                <a:prstDash val="solid"/>
-              </a:ln>
-              <a:solidFill>
-                <a:srgbClr val="FFFFFF"/>
-              </a:solidFill>
-              <a:effectLst>
-                <a:outerShdw blurRad="38100" dist="22860" dir="5400000" algn="tl" rotWithShape="0">
-                  <a:srgbClr val="000000">
-                    <a:alpha val="30000"/>
-                  </a:srgbClr>
-                </a:outerShdw>
-              </a:effectLst>
-            </a:endParaRPr>
-          </a:p>
-        </p:txBody>
-      </p:sp>
-      <p:sp>
-        <p:nvSpPr>
-          <p:cNvPr id="2" name="Rectangle 1"/>
+              <a:t>3</a:t>
+            </a:r>
+          </a:p>
+        </p:txBody>
+      </p:sp>
+      <p:sp>
+        <p:nvSpPr>
+          <p:cNvPr id="18" name="Rectangle 17"/>
           <p:cNvSpPr/>
           <p:nvPr/>
         </p:nvSpPr>
         <p:spPr>
           <a:xfrm>
-            <a:off x="3020435" y="213300"/>
-            <a:ext cx="3112968" cy="707886"/>
-          </a:xfrm>
-          <a:prstGeom prst="rect">
-            <a:avLst/>
-          </a:prstGeom>
-          <a:noFill/>
-        </p:spPr>
-        <p:txBody>
-          <a:bodyPr wrap="none" lIns="91440" tIns="45720" rIns="91440" bIns="45720">
-            <a:spAutoFit/>
-          </a:bodyPr>
-          <a:lstStyle/>
-          <a:p>
-            <a:pPr algn="ctr"/>
-            <a:r>
-              <a:rPr lang="en-US" sz="4000" b="1" dirty="0">
-                <a:ln/>
-                <a:pattFill prst="dkUpDiag">
-                  <a:fgClr>
-                    <a:schemeClr val="bg1">
-                      <a:lumMod val="50000"/>
-                    </a:schemeClr>
-                  </a:fgClr>
-                  <a:bgClr>
-                    <a:schemeClr val="tx1">
-                      <a:lumMod val="75000"/>
-                      <a:lumOff val="25000"/>
-                    </a:schemeClr>
-                  </a:bgClr>
-                </a:pattFill>
-                <a:effectLst>
-                  <a:outerShdw blurRad="38100" dist="19050" dir="2700000" algn="tl" rotWithShape="0">
-                    <a:schemeClr val="dk1">
-                      <a:lumMod val="50000"/>
-                      <a:alpha val="40000"/>
-                    </a:schemeClr>
-                  </a:outerShdw>
-                </a:effectLst>
-              </a:rPr>
-              <a:t>JMS Concepts</a:t>
-            </a:r>
-          </a:p>
-        </p:txBody>
-      </p:sp>
-      <p:sp>
-        <p:nvSpPr>
-          <p:cNvPr id="20" name="Rounded Rectangle 19"/>
-          <p:cNvSpPr/>
-          <p:nvPr/>
-        </p:nvSpPr>
-        <p:spPr>
-          <a:xfrm>
-            <a:off x="12725" y="1021804"/>
-            <a:ext cx="1971628" cy="960728"/>
-          </a:xfrm>
-          <a:prstGeom prst="roundRect">
-            <a:avLst/>
-          </a:prstGeom>
-        </p:spPr>
-        <p:style>
-          <a:lnRef idx="0">
-            <a:schemeClr val="accent2"/>
-          </a:lnRef>
-          <a:fillRef idx="3">
-            <a:schemeClr val="accent2"/>
-          </a:fillRef>
-          <a:effectRef idx="3">
-            <a:schemeClr val="accent2"/>
-          </a:effectRef>
-          <a:fontRef idx="minor">
-            <a:schemeClr val="lt1"/>
-          </a:fontRef>
-        </p:style>
-        <p:txBody>
-          <a:bodyPr rtlCol="0" anchor="ctr"/>
-          <a:lstStyle/>
-          <a:p>
-            <a:pPr algn="ctr"/>
-            <a:endParaRPr lang="en-US" sz="1013" dirty="0"/>
-          </a:p>
-        </p:txBody>
-      </p:sp>
-      <p:sp>
-        <p:nvSpPr>
-          <p:cNvPr id="21" name="Rounded Rectangle 20"/>
-          <p:cNvSpPr/>
-          <p:nvPr/>
-        </p:nvSpPr>
-        <p:spPr>
-          <a:xfrm>
-            <a:off x="12725" y="3025588"/>
-            <a:ext cx="1971628" cy="960728"/>
-          </a:xfrm>
-          <a:prstGeom prst="roundRect">
-            <a:avLst/>
-          </a:prstGeom>
-        </p:spPr>
-        <p:style>
-          <a:lnRef idx="0">
-            <a:schemeClr val="accent2"/>
-          </a:lnRef>
-          <a:fillRef idx="3">
-            <a:schemeClr val="accent2"/>
-          </a:fillRef>
-          <a:effectRef idx="3">
-            <a:schemeClr val="accent2"/>
-          </a:effectRef>
-          <a:fontRef idx="minor">
-            <a:schemeClr val="lt1"/>
-          </a:fontRef>
-        </p:style>
-        <p:txBody>
-          <a:bodyPr rtlCol="0" anchor="ctr"/>
-          <a:lstStyle/>
-          <a:p>
-            <a:pPr algn="ctr"/>
-            <a:endParaRPr lang="en-US" sz="1013" dirty="0"/>
-          </a:p>
-        </p:txBody>
-      </p:sp>
-      <p:sp>
-        <p:nvSpPr>
-          <p:cNvPr id="22" name="Rectangle 21"/>
-          <p:cNvSpPr/>
-          <p:nvPr/>
-        </p:nvSpPr>
-        <p:spPr>
-          <a:xfrm>
-            <a:off x="383950" y="3286661"/>
-            <a:ext cx="1229184" cy="438582"/>
+            <a:off x="7320856" y="491884"/>
+            <a:ext cx="1659750" cy="438582"/>
           </a:xfrm>
           <a:prstGeom prst="rect">
             <a:avLst/>
@@ -6080,7 +5299,38 @@
           <a:p>
             <a:pPr algn="ctr"/>
             <a:r>
-              <a:rPr lang="en-US" sz="2400" b="1" dirty="0" smtClean="0">
+              <a:rPr lang="en-US" sz="2400" b="1" dirty="0">
+                <a:ln w="12700">
+                  <a:solidFill>
+                    <a:schemeClr val="accent3">
+                      <a:lumMod val="50000"/>
+                    </a:schemeClr>
+                  </a:solidFill>
+                  <a:prstDash val="solid"/>
+                </a:ln>
+                <a:pattFill prst="narHorz">
+                  <a:fgClr>
+                    <a:schemeClr val="accent3"/>
+                  </a:fgClr>
+                  <a:bgClr>
+                    <a:schemeClr val="accent3">
+                      <a:lumMod val="40000"/>
+                      <a:lumOff val="60000"/>
+                    </a:schemeClr>
+                  </a:bgClr>
+                </a:pattFill>
+                <a:effectLst>
+                  <a:innerShdw blurRad="177800">
+                    <a:schemeClr val="accent3">
+                      <a:lumMod val="50000"/>
+                    </a:schemeClr>
+                  </a:innerShdw>
+                </a:effectLst>
+              </a:rPr>
+              <a:t>Consumer</a:t>
+            </a:r>
+            <a:r>
+              <a:rPr lang="en-US" sz="2400" b="1" dirty="0">
                 <a:ln w="12700" cmpd="sng">
                   <a:solidFill>
                     <a:schemeClr val="accent4"/>
@@ -6108,49 +5358,52 @@
                   <a:lin ang="5400000"/>
                 </a:gradFill>
               </a:rPr>
-              <a:t>Receiver</a:t>
-            </a:r>
-            <a:endParaRPr lang="en-US" sz="2400" b="1" dirty="0">
-              <a:ln w="12700" cmpd="sng">
-                <a:solidFill>
-                  <a:schemeClr val="accent4"/>
-                </a:solidFill>
-                <a:prstDash val="solid"/>
-              </a:ln>
-              <a:gradFill>
-                <a:gsLst>
-                  <a:gs pos="0">
-                    <a:schemeClr val="accent4"/>
-                  </a:gs>
-                  <a:gs pos="4000">
-                    <a:schemeClr val="accent4">
-                      <a:lumMod val="60000"/>
-                      <a:lumOff val="40000"/>
-                    </a:schemeClr>
-                  </a:gs>
-                  <a:gs pos="87000">
-                    <a:schemeClr val="accent4">
-                      <a:lumMod val="20000"/>
-                      <a:lumOff val="80000"/>
-                    </a:schemeClr>
-                  </a:gs>
-                </a:gsLst>
-                <a:lin ang="5400000"/>
-              </a:gradFill>
-            </a:endParaRPr>
-          </a:p>
-        </p:txBody>
-      </p:sp>
-      <p:sp>
-        <p:nvSpPr>
-          <p:cNvPr id="23" name="Rectangle 22"/>
+              <a:t> </a:t>
+            </a:r>
+            <a:r>
+              <a:rPr lang="en-US" sz="2400" b="1" dirty="0">
+                <a:ln w="12700">
+                  <a:solidFill>
+                    <a:schemeClr val="accent3">
+                      <a:lumMod val="50000"/>
+                    </a:schemeClr>
+                  </a:solidFill>
+                  <a:prstDash val="solid"/>
+                </a:ln>
+                <a:pattFill prst="narHorz">
+                  <a:fgClr>
+                    <a:schemeClr val="accent3"/>
+                  </a:fgClr>
+                  <a:bgClr>
+                    <a:schemeClr val="accent3">
+                      <a:lumMod val="40000"/>
+                      <a:lumOff val="60000"/>
+                    </a:schemeClr>
+                  </a:bgClr>
+                </a:pattFill>
+                <a:effectLst>
+                  <a:innerShdw blurRad="177800">
+                    <a:schemeClr val="accent3">
+                      <a:lumMod val="50000"/>
+                    </a:schemeClr>
+                  </a:innerShdw>
+                </a:effectLst>
+              </a:rPr>
+              <a:t>1</a:t>
+            </a:r>
+          </a:p>
+        </p:txBody>
+      </p:sp>
+      <p:sp>
+        <p:nvSpPr>
+          <p:cNvPr id="19" name="Rectangle 18"/>
           <p:cNvSpPr/>
           <p:nvPr/>
         </p:nvSpPr>
         <p:spPr>
           <a:xfrm>
-            <a:off x="481255" y="1282877"/>
-            <a:ext cx="1034579" cy="438582"/>
+            <a:off x="3872573" y="1706086"/>
+            <a:ext cx="1129413" cy="500137"/>
           </a:xfrm>
           <a:prstGeom prst="rect">
             <a:avLst/>
@@ -6159,13 +5412,6 @@
           <a:ln>
             <a:noFill/>
           </a:ln>
-          <a:effectLst>
-            <a:outerShdw blurRad="50800" dist="38100" dir="8100000" algn="tr" rotWithShape="0">
-              <a:prstClr val="black">
-                <a:alpha val="40000"/>
-              </a:prstClr>
-            </a:outerShdw>
-          </a:effectLst>
         </p:spPr>
         <p:txBody>
           <a:bodyPr wrap="none" lIns="68580" tIns="34290" rIns="68580" bIns="34290">
@@ -6175,239 +5421,134 @@
           <a:p>
             <a:pPr algn="ctr"/>
             <a:r>
-              <a:rPr lang="en-US" sz="2400" b="1" dirty="0" smtClean="0">
-                <a:ln w="12700" cmpd="sng">
-                  <a:solidFill>
-                    <a:schemeClr val="accent4"/>
-                  </a:solidFill>
-                  <a:prstDash val="solid"/>
-                </a:ln>
-                <a:gradFill>
-                  <a:gsLst>
-                    <a:gs pos="0">
-                      <a:schemeClr val="accent4"/>
-                    </a:gs>
-                    <a:gs pos="4000">
-                      <a:schemeClr val="accent4">
-                        <a:lumMod val="60000"/>
-                        <a:lumOff val="40000"/>
-                      </a:schemeClr>
-                    </a:gs>
-                    <a:gs pos="87000">
-                      <a:schemeClr val="accent4">
-                        <a:lumMod val="20000"/>
-                        <a:lumOff val="80000"/>
-                      </a:schemeClr>
-                    </a:gs>
-                  </a:gsLst>
-                  <a:lin ang="5400000"/>
-                </a:gradFill>
+              <a:rPr lang="en-US" sz="2800" b="1" dirty="0">
+                <a:ln/>
+                <a:pattFill prst="dkUpDiag">
+                  <a:fgClr>
+                    <a:schemeClr val="bg1">
+                      <a:lumMod val="50000"/>
+                    </a:schemeClr>
+                  </a:fgClr>
+                  <a:bgClr>
+                    <a:schemeClr val="tx1">
+                      <a:lumMod val="75000"/>
+                      <a:lumOff val="25000"/>
+                    </a:schemeClr>
+                  </a:bgClr>
+                </a:pattFill>
+                <a:effectLst>
+                  <a:outerShdw blurRad="38100" dist="19050" dir="2700000" algn="tl" rotWithShape="0">
+                    <a:schemeClr val="dk1">
+                      <a:lumMod val="50000"/>
+                      <a:alpha val="40000"/>
+                    </a:schemeClr>
+                  </a:outerShdw>
+                </a:effectLst>
               </a:rPr>
-              <a:t>Sender</a:t>
-            </a:r>
-            <a:endParaRPr lang="en-US" sz="2400" b="1" dirty="0">
-              <a:ln w="12700" cmpd="sng">
+              <a:t>Broker</a:t>
+            </a:r>
+            <a:endParaRPr lang="en-US" sz="2800" b="1" dirty="0">
+              <a:ln w="10160">
                 <a:solidFill>
-                  <a:schemeClr val="accent4"/>
+                  <a:schemeClr val="accent2"/>
                 </a:solidFill>
                 <a:prstDash val="solid"/>
               </a:ln>
-              <a:gradFill>
-                <a:gsLst>
-                  <a:gs pos="0">
-                    <a:schemeClr val="accent4"/>
-                  </a:gs>
-                  <a:gs pos="4000">
-                    <a:schemeClr val="accent4">
-                      <a:lumMod val="60000"/>
-                      <a:lumOff val="40000"/>
-                    </a:schemeClr>
-                  </a:gs>
-                  <a:gs pos="87000">
-                    <a:schemeClr val="accent4">
-                      <a:lumMod val="20000"/>
-                      <a:lumOff val="80000"/>
-                    </a:schemeClr>
-                  </a:gs>
-                </a:gsLst>
-                <a:lin ang="5400000"/>
-              </a:gradFill>
+              <a:solidFill>
+                <a:srgbClr val="FFFFFF"/>
+              </a:solidFill>
+              <a:effectLst>
+                <a:outerShdw blurRad="38100" dist="22860" dir="5400000" algn="tl" rotWithShape="0">
+                  <a:srgbClr val="000000">
+                    <a:alpha val="30000"/>
+                  </a:srgbClr>
+                </a:outerShdw>
+              </a:effectLst>
             </a:endParaRPr>
           </a:p>
         </p:txBody>
       </p:sp>
-      <p:cxnSp>
-        <p:nvCxnSpPr>
-          <p:cNvPr id="4" name="Straight Arrow Connector 3"/>
-          <p:cNvCxnSpPr>
-            <a:stCxn id="21" idx="3"/>
-            <a:endCxn id="9" idx="3"/>
-          </p:cNvCxnSpPr>
-          <p:nvPr/>
-        </p:nvCxnSpPr>
-        <p:spPr>
-          <a:xfrm flipV="1">
-            <a:off x="1984353" y="2559766"/>
-            <a:ext cx="1363555" cy="946186"/>
-          </a:xfrm>
-          <a:prstGeom prst="straightConnector1">
-            <a:avLst/>
-          </a:prstGeom>
-          <a:ln w="38100" cap="flat" cmpd="sng" algn="ctr">
-            <a:solidFill>
-              <a:schemeClr val="accent2"/>
-            </a:solidFill>
-            <a:prstDash val="solid"/>
-            <a:round/>
-            <a:headEnd type="none" w="med" len="med"/>
-            <a:tailEnd type="triangle" w="med" len="med"/>
-          </a:ln>
-        </p:spPr>
-        <p:style>
-          <a:lnRef idx="0">
-            <a:scrgbClr r="0" g="0" b="0"/>
-          </a:lnRef>
-          <a:fillRef idx="0">
-            <a:scrgbClr r="0" g="0" b="0"/>
-          </a:fillRef>
-          <a:effectRef idx="0">
-            <a:scrgbClr r="0" g="0" b="0"/>
-          </a:effectRef>
-          <a:fontRef idx="minor">
-            <a:schemeClr val="tx1"/>
-          </a:fontRef>
-        </p:style>
-      </p:cxnSp>
-      <p:cxnSp>
-        <p:nvCxnSpPr>
-          <p:cNvPr id="24" name="Straight Arrow Connector 23"/>
-          <p:cNvCxnSpPr>
-            <a:stCxn id="11" idx="1"/>
-            <a:endCxn id="9" idx="1"/>
-          </p:cNvCxnSpPr>
-          <p:nvPr/>
-        </p:nvCxnSpPr>
-        <p:spPr>
-          <a:xfrm flipH="1" flipV="1">
-            <a:off x="5628193" y="2559766"/>
-            <a:ext cx="1536723" cy="946186"/>
-          </a:xfrm>
-          <a:prstGeom prst="straightConnector1">
-            <a:avLst/>
-          </a:prstGeom>
-          <a:ln w="38100" cap="flat" cmpd="sng" algn="ctr">
-            <a:solidFill>
-              <a:schemeClr val="accent2"/>
-            </a:solidFill>
-            <a:prstDash val="solid"/>
-            <a:round/>
-            <a:headEnd type="none" w="med" len="med"/>
-            <a:tailEnd type="triangle" w="med" len="med"/>
-          </a:ln>
-        </p:spPr>
-        <p:style>
-          <a:lnRef idx="0">
-            <a:scrgbClr r="0" g="0" b="0"/>
-          </a:lnRef>
-          <a:fillRef idx="0">
-            <a:scrgbClr r="0" g="0" b="0"/>
-          </a:fillRef>
-          <a:effectRef idx="0">
-            <a:scrgbClr r="0" g="0" b="0"/>
-          </a:effectRef>
-          <a:fontRef idx="minor">
-            <a:schemeClr val="tx1"/>
-          </a:fontRef>
-        </p:style>
-      </p:cxnSp>
-      <p:cxnSp>
-        <p:nvCxnSpPr>
-          <p:cNvPr id="25" name="Straight Arrow Connector 24"/>
-          <p:cNvCxnSpPr>
-            <a:stCxn id="20" idx="3"/>
-            <a:endCxn id="9" idx="3"/>
-          </p:cNvCxnSpPr>
-          <p:nvPr/>
-        </p:nvCxnSpPr>
-        <p:spPr>
-          <a:xfrm>
-            <a:off x="1984353" y="1502168"/>
-            <a:ext cx="1363555" cy="1057598"/>
-          </a:xfrm>
-          <a:prstGeom prst="straightConnector1">
-            <a:avLst/>
-          </a:prstGeom>
-          <a:ln w="38100" cap="flat" cmpd="sng" algn="ctr">
-            <a:solidFill>
-              <a:schemeClr val="accent2"/>
-            </a:solidFill>
-            <a:prstDash val="solid"/>
-            <a:round/>
-            <a:headEnd type="none" w="med" len="med"/>
-            <a:tailEnd type="triangle" w="med" len="med"/>
-          </a:ln>
-        </p:spPr>
-        <p:style>
-          <a:lnRef idx="0">
-            <a:scrgbClr r="0" g="0" b="0"/>
-          </a:lnRef>
-          <a:fillRef idx="0">
-            <a:scrgbClr r="0" g="0" b="0"/>
-          </a:fillRef>
-          <a:effectRef idx="0">
-            <a:scrgbClr r="0" g="0" b="0"/>
-          </a:effectRef>
-          <a:fontRef idx="minor">
-            <a:schemeClr val="tx1"/>
-          </a:fontRef>
-        </p:style>
-      </p:cxnSp>
-      <p:cxnSp>
-        <p:nvCxnSpPr>
-          <p:cNvPr id="28" name="Straight Arrow Connector 27"/>
-          <p:cNvCxnSpPr>
-            <a:stCxn id="5" idx="1"/>
-            <a:endCxn id="9" idx="1"/>
-          </p:cNvCxnSpPr>
-          <p:nvPr/>
-        </p:nvCxnSpPr>
-        <p:spPr>
-          <a:xfrm flipH="1">
-            <a:off x="5628193" y="1502168"/>
-            <a:ext cx="1536723" cy="1057598"/>
-          </a:xfrm>
-          <a:prstGeom prst="straightConnector1">
-            <a:avLst/>
-          </a:prstGeom>
-          <a:ln w="38100" cap="flat" cmpd="sng" algn="ctr">
-            <a:solidFill>
-              <a:schemeClr val="accent2"/>
-            </a:solidFill>
-            <a:prstDash val="solid"/>
-            <a:round/>
-            <a:headEnd type="none" w="med" len="med"/>
-            <a:tailEnd type="triangle" w="med" len="med"/>
-          </a:ln>
-        </p:spPr>
-        <p:style>
-          <a:lnRef idx="0">
-            <a:scrgbClr r="0" g="0" b="0"/>
-          </a:lnRef>
-          <a:fillRef idx="0">
-            <a:scrgbClr r="0" g="0" b="0"/>
-          </a:fillRef>
-          <a:effectRef idx="0">
-            <a:scrgbClr r="0" g="0" b="0"/>
-          </a:effectRef>
-          <a:fontRef idx="minor">
-            <a:schemeClr val="tx1"/>
-          </a:fontRef>
-        </p:style>
-      </p:cxnSp>
+      <p:sp>
+        <p:nvSpPr>
+          <p:cNvPr id="2" name="Rectangle 1"/>
+          <p:cNvSpPr/>
+          <p:nvPr/>
+        </p:nvSpPr>
+        <p:spPr>
+          <a:xfrm>
+            <a:off x="9838" y="21914"/>
+            <a:ext cx="5157117" cy="707886"/>
+          </a:xfrm>
+          <a:prstGeom prst="rect">
+            <a:avLst/>
+          </a:prstGeom>
+          <a:noFill/>
+        </p:spPr>
+        <p:txBody>
+          <a:bodyPr wrap="none" lIns="91440" tIns="45720" rIns="91440" bIns="45720">
+            <a:spAutoFit/>
+          </a:bodyPr>
+          <a:lstStyle/>
+          <a:p>
+            <a:pPr algn="ctr"/>
+            <a:r>
+              <a:rPr lang="en-US" sz="4000" b="1" dirty="0" smtClean="0">
+                <a:ln/>
+                <a:pattFill prst="dkUpDiag">
+                  <a:fgClr>
+                    <a:schemeClr val="bg1">
+                      <a:lumMod val="50000"/>
+                    </a:schemeClr>
+                  </a:fgClr>
+                  <a:bgClr>
+                    <a:schemeClr val="tx1">
+                      <a:lumMod val="75000"/>
+                      <a:lumOff val="25000"/>
+                    </a:schemeClr>
+                  </a:bgClr>
+                </a:pattFill>
+                <a:effectLst>
+                  <a:outerShdw blurRad="38100" dist="19050" dir="2700000" algn="tl" rotWithShape="0">
+                    <a:schemeClr val="dk1">
+                      <a:lumMod val="50000"/>
+                      <a:alpha val="40000"/>
+                    </a:schemeClr>
+                  </a:outerShdw>
+                </a:effectLst>
+              </a:rPr>
+              <a:t>Queue Implementation</a:t>
+            </a:r>
+            <a:endParaRPr lang="en-US" sz="4000" b="1" dirty="0">
+              <a:ln/>
+              <a:pattFill prst="dkUpDiag">
+                <a:fgClr>
+                  <a:schemeClr val="bg1">
+                    <a:lumMod val="50000"/>
+                  </a:schemeClr>
+                </a:fgClr>
+                <a:bgClr>
+                  <a:schemeClr val="tx1">
+                    <a:lumMod val="75000"/>
+                    <a:lumOff val="25000"/>
+                  </a:schemeClr>
+                </a:bgClr>
+              </a:pattFill>
+              <a:effectLst>
+                <a:outerShdw blurRad="38100" dist="19050" dir="2700000" algn="tl" rotWithShape="0">
+                  <a:schemeClr val="dk1">
+                    <a:lumMod val="50000"/>
+                    <a:alpha val="40000"/>
+                  </a:schemeClr>
+                </a:outerShdw>
+              </a:effectLst>
+            </a:endParaRPr>
+          </a:p>
+        </p:txBody>
+      </p:sp>
     </p:spTree>
     <p:extLst>
       <p:ext uri="{BB962C8B-B14F-4D97-AF65-F5344CB8AC3E}">
-        <p14:creationId xmlns:p14="http://schemas.microsoft.com/office/powerpoint/2010/main" val="1975399964"/>
+        <p14:creationId xmlns:p14="http://schemas.microsoft.com/office/powerpoint/2010/main" val="131818764"/>
       </p:ext>
     </p:extLst>
   </p:cSld>
@@ -6593,9 +5734,9 @@
           <p:nvPr/>
         </p:nvSpPr>
         <p:spPr>
-          <a:xfrm rot="5400000">
-            <a:off x="4129384" y="1419623"/>
-            <a:ext cx="717332" cy="2280285"/>
+          <a:xfrm rot="10800000" flipV="1">
+            <a:off x="3406395" y="2254819"/>
+            <a:ext cx="2103120" cy="914400"/>
           </a:xfrm>
           <a:prstGeom prst="can">
             <a:avLst/>
@@ -6641,8 +5782,8 @@
         </p:nvSpPr>
         <p:spPr>
           <a:xfrm>
-            <a:off x="3700655" y="2213517"/>
-            <a:ext cx="1574790" cy="692497"/>
+            <a:off x="3829056" y="2436807"/>
+            <a:ext cx="1254191" cy="692497"/>
           </a:xfrm>
           <a:prstGeom prst="rect">
             <a:avLst/>
@@ -6657,7 +5798,7 @@
           <a:p>
             <a:pPr algn="ctr"/>
             <a:r>
-              <a:rPr lang="en-US" sz="4050" b="1" dirty="0">
+              <a:rPr lang="en-US" sz="4050" b="1" dirty="0" smtClean="0">
                 <a:ln w="12700">
                   <a:solidFill>
                     <a:schemeClr val="accent3">
@@ -6685,7 +5826,7 @@
                   </a:innerShdw>
                 </a:effectLst>
               </a:rPr>
-              <a:t>Queue</a:t>
+              <a:t>Topic</a:t>
             </a:r>
             <a:endParaRPr lang="en-US" sz="4050" b="1" dirty="0">
               <a:ln w="10160">
@@ -6855,6 +5996,238 @@
           <a:lstStyle/>
           <a:p>
             <a:pPr algn="ctr"/>
+            <a:r>
+              <a:rPr lang="en-US" sz="2400" b="1" dirty="0">
+                <a:ln w="12700">
+                  <a:solidFill>
+                    <a:schemeClr val="accent3">
+                      <a:lumMod val="50000"/>
+                    </a:schemeClr>
+                  </a:solidFill>
+                  <a:prstDash val="solid"/>
+                </a:ln>
+                <a:pattFill prst="narHorz">
+                  <a:fgClr>
+                    <a:schemeClr val="accent3"/>
+                  </a:fgClr>
+                  <a:bgClr>
+                    <a:schemeClr val="accent3">
+                      <a:lumMod val="40000"/>
+                      <a:lumOff val="60000"/>
+                    </a:schemeClr>
+                  </a:bgClr>
+                </a:pattFill>
+                <a:effectLst>
+                  <a:innerShdw blurRad="177800">
+                    <a:schemeClr val="accent3">
+                      <a:lumMod val="50000"/>
+                    </a:schemeClr>
+                  </a:innerShdw>
+                </a:effectLst>
+              </a:rPr>
+              <a:t>Producer</a:t>
+            </a:r>
+          </a:p>
+        </p:txBody>
+      </p:sp>
+      <p:sp>
+        <p:nvSpPr>
+          <p:cNvPr id="16" name="Rectangle 15"/>
+          <p:cNvSpPr/>
+          <p:nvPr/>
+        </p:nvSpPr>
+        <p:spPr>
+          <a:xfrm>
+            <a:off x="7320856" y="2583967"/>
+            <a:ext cx="1659750" cy="438582"/>
+          </a:xfrm>
+          <a:prstGeom prst="rect">
+            <a:avLst/>
+          </a:prstGeom>
+          <a:noFill/>
+          <a:ln>
+            <a:noFill/>
+          </a:ln>
+          <a:effectLst>
+            <a:outerShdw blurRad="50800" dist="38100" dir="8100000" algn="tr" rotWithShape="0">
+              <a:prstClr val="black">
+                <a:alpha val="40000"/>
+              </a:prstClr>
+            </a:outerShdw>
+          </a:effectLst>
+        </p:spPr>
+        <p:txBody>
+          <a:bodyPr wrap="none" lIns="68580" tIns="34290" rIns="68580" bIns="34290">
+            <a:spAutoFit/>
+          </a:bodyPr>
+          <a:lstStyle/>
+          <a:p>
+            <a:pPr algn="ctr"/>
+            <a:r>
+              <a:rPr lang="en-US" sz="2400" b="1" dirty="0">
+                <a:ln w="12700">
+                  <a:solidFill>
+                    <a:schemeClr val="accent3">
+                      <a:lumMod val="50000"/>
+                    </a:schemeClr>
+                  </a:solidFill>
+                  <a:prstDash val="solid"/>
+                </a:ln>
+                <a:pattFill prst="narHorz">
+                  <a:fgClr>
+                    <a:schemeClr val="accent3"/>
+                  </a:fgClr>
+                  <a:bgClr>
+                    <a:schemeClr val="accent3">
+                      <a:lumMod val="40000"/>
+                      <a:lumOff val="60000"/>
+                    </a:schemeClr>
+                  </a:bgClr>
+                </a:pattFill>
+                <a:effectLst>
+                  <a:innerShdw blurRad="177800">
+                    <a:schemeClr val="accent3">
+                      <a:lumMod val="50000"/>
+                    </a:schemeClr>
+                  </a:innerShdw>
+                </a:effectLst>
+              </a:rPr>
+              <a:t>Consumer 2</a:t>
+            </a:r>
+          </a:p>
+        </p:txBody>
+      </p:sp>
+      <p:sp>
+        <p:nvSpPr>
+          <p:cNvPr id="17" name="Rectangle 16"/>
+          <p:cNvSpPr/>
+          <p:nvPr/>
+        </p:nvSpPr>
+        <p:spPr>
+          <a:xfrm>
+            <a:off x="7320856" y="4659640"/>
+            <a:ext cx="1659750" cy="438582"/>
+          </a:xfrm>
+          <a:prstGeom prst="rect">
+            <a:avLst/>
+          </a:prstGeom>
+          <a:noFill/>
+          <a:ln>
+            <a:noFill/>
+          </a:ln>
+          <a:effectLst>
+            <a:outerShdw blurRad="50800" dist="38100" dir="8100000" algn="tr" rotWithShape="0">
+              <a:prstClr val="black">
+                <a:alpha val="40000"/>
+              </a:prstClr>
+            </a:outerShdw>
+          </a:effectLst>
+        </p:spPr>
+        <p:txBody>
+          <a:bodyPr wrap="none" lIns="68580" tIns="34290" rIns="68580" bIns="34290">
+            <a:spAutoFit/>
+          </a:bodyPr>
+          <a:lstStyle/>
+          <a:p>
+            <a:pPr algn="ctr"/>
+            <a:r>
+              <a:rPr lang="en-US" sz="2400" b="1" dirty="0">
+                <a:ln w="12700">
+                  <a:solidFill>
+                    <a:schemeClr val="accent3">
+                      <a:lumMod val="50000"/>
+                    </a:schemeClr>
+                  </a:solidFill>
+                  <a:prstDash val="solid"/>
+                </a:ln>
+                <a:pattFill prst="narHorz">
+                  <a:fgClr>
+                    <a:schemeClr val="accent3"/>
+                  </a:fgClr>
+                  <a:bgClr>
+                    <a:schemeClr val="accent3">
+                      <a:lumMod val="40000"/>
+                      <a:lumOff val="60000"/>
+                    </a:schemeClr>
+                  </a:bgClr>
+                </a:pattFill>
+                <a:effectLst>
+                  <a:innerShdw blurRad="177800">
+                    <a:schemeClr val="accent3">
+                      <a:lumMod val="50000"/>
+                    </a:schemeClr>
+                  </a:innerShdw>
+                </a:effectLst>
+              </a:rPr>
+              <a:t>Consumer 3</a:t>
+            </a:r>
+          </a:p>
+        </p:txBody>
+      </p:sp>
+      <p:sp>
+        <p:nvSpPr>
+          <p:cNvPr id="18" name="Rectangle 17"/>
+          <p:cNvSpPr/>
+          <p:nvPr/>
+        </p:nvSpPr>
+        <p:spPr>
+          <a:xfrm>
+            <a:off x="7320856" y="491884"/>
+            <a:ext cx="1659750" cy="438582"/>
+          </a:xfrm>
+          <a:prstGeom prst="rect">
+            <a:avLst/>
+          </a:prstGeom>
+          <a:noFill/>
+          <a:ln>
+            <a:noFill/>
+          </a:ln>
+          <a:effectLst>
+            <a:outerShdw blurRad="50800" dist="38100" dir="8100000" algn="tr" rotWithShape="0">
+              <a:prstClr val="black">
+                <a:alpha val="40000"/>
+              </a:prstClr>
+            </a:outerShdw>
+          </a:effectLst>
+        </p:spPr>
+        <p:txBody>
+          <a:bodyPr wrap="none" lIns="68580" tIns="34290" rIns="68580" bIns="34290">
+            <a:spAutoFit/>
+          </a:bodyPr>
+          <a:lstStyle/>
+          <a:p>
+            <a:pPr algn="ctr"/>
+            <a:r>
+              <a:rPr lang="en-US" sz="2400" b="1" dirty="0">
+                <a:ln w="12700">
+                  <a:solidFill>
+                    <a:schemeClr val="accent3">
+                      <a:lumMod val="50000"/>
+                    </a:schemeClr>
+                  </a:solidFill>
+                  <a:prstDash val="solid"/>
+                </a:ln>
+                <a:pattFill prst="narHorz">
+                  <a:fgClr>
+                    <a:schemeClr val="accent3"/>
+                  </a:fgClr>
+                  <a:bgClr>
+                    <a:schemeClr val="accent3">
+                      <a:lumMod val="40000"/>
+                      <a:lumOff val="60000"/>
+                    </a:schemeClr>
+                  </a:bgClr>
+                </a:pattFill>
+                <a:effectLst>
+                  <a:innerShdw blurRad="177800">
+                    <a:schemeClr val="accent3">
+                      <a:lumMod val="50000"/>
+                    </a:schemeClr>
+                  </a:innerShdw>
+                </a:effectLst>
+              </a:rPr>
+              <a:t>Consumer</a:t>
+            </a:r>
             <a:r>
               <a:rPr lang="en-US" sz="2400" b="1" dirty="0">
                 <a:ln w="12700" cmpd="sng">
@@ -6884,208 +6257,38 @@
                   <a:lin ang="5400000"/>
                 </a:gradFill>
               </a:rPr>
-              <a:t>Producer</a:t>
-            </a:r>
-          </a:p>
-        </p:txBody>
-      </p:sp>
-      <p:sp>
-        <p:nvSpPr>
-          <p:cNvPr id="16" name="Rectangle 15"/>
-          <p:cNvSpPr/>
-          <p:nvPr/>
-        </p:nvSpPr>
-        <p:spPr>
-          <a:xfrm>
-            <a:off x="7320856" y="2583967"/>
-            <a:ext cx="1659750" cy="438582"/>
-          </a:xfrm>
-          <a:prstGeom prst="rect">
-            <a:avLst/>
-          </a:prstGeom>
-          <a:noFill/>
-          <a:ln>
-            <a:noFill/>
-          </a:ln>
-          <a:effectLst>
-            <a:outerShdw blurRad="50800" dist="38100" dir="8100000" algn="tr" rotWithShape="0">
-              <a:prstClr val="black">
-                <a:alpha val="40000"/>
-              </a:prstClr>
-            </a:outerShdw>
-          </a:effectLst>
-        </p:spPr>
-        <p:txBody>
-          <a:bodyPr wrap="none" lIns="68580" tIns="34290" rIns="68580" bIns="34290">
-            <a:spAutoFit/>
-          </a:bodyPr>
-          <a:lstStyle/>
-          <a:p>
-            <a:pPr algn="ctr"/>
+              <a:t> </a:t>
+            </a:r>
             <a:r>
               <a:rPr lang="en-US" sz="2400" b="1" dirty="0">
-                <a:ln w="12700" cmpd="sng">
+                <a:ln w="12700">
                   <a:solidFill>
-                    <a:schemeClr val="accent4"/>
+                    <a:schemeClr val="accent3">
+                      <a:lumMod val="50000"/>
+                    </a:schemeClr>
                   </a:solidFill>
                   <a:prstDash val="solid"/>
                 </a:ln>
-                <a:gradFill>
-                  <a:gsLst>
-                    <a:gs pos="0">
-                      <a:schemeClr val="accent4"/>
-                    </a:gs>
-                    <a:gs pos="4000">
-                      <a:schemeClr val="accent4">
-                        <a:lumMod val="60000"/>
-                        <a:lumOff val="40000"/>
-                      </a:schemeClr>
-                    </a:gs>
-                    <a:gs pos="87000">
-                      <a:schemeClr val="accent4">
-                        <a:lumMod val="20000"/>
-                        <a:lumOff val="80000"/>
-                      </a:schemeClr>
-                    </a:gs>
-                  </a:gsLst>
-                  <a:lin ang="5400000"/>
-                </a:gradFill>
+                <a:pattFill prst="narHorz">
+                  <a:fgClr>
+                    <a:schemeClr val="accent3"/>
+                  </a:fgClr>
+                  <a:bgClr>
+                    <a:schemeClr val="accent3">
+                      <a:lumMod val="40000"/>
+                      <a:lumOff val="60000"/>
+                    </a:schemeClr>
+                  </a:bgClr>
+                </a:pattFill>
+                <a:effectLst>
+                  <a:innerShdw blurRad="177800">
+                    <a:schemeClr val="accent3">
+                      <a:lumMod val="50000"/>
+                    </a:schemeClr>
+                  </a:innerShdw>
+                </a:effectLst>
               </a:rPr>
-              <a:t>Consumer 2</a:t>
-            </a:r>
-          </a:p>
-        </p:txBody>
-      </p:sp>
-      <p:sp>
-        <p:nvSpPr>
-          <p:cNvPr id="17" name="Rectangle 16"/>
-          <p:cNvSpPr/>
-          <p:nvPr/>
-        </p:nvSpPr>
-        <p:spPr>
-          <a:xfrm>
-            <a:off x="7320856" y="4659640"/>
-            <a:ext cx="1659750" cy="438582"/>
-          </a:xfrm>
-          <a:prstGeom prst="rect">
-            <a:avLst/>
-          </a:prstGeom>
-          <a:noFill/>
-          <a:ln>
-            <a:noFill/>
-          </a:ln>
-          <a:effectLst>
-            <a:outerShdw blurRad="50800" dist="38100" dir="8100000" algn="tr" rotWithShape="0">
-              <a:prstClr val="black">
-                <a:alpha val="40000"/>
-              </a:prstClr>
-            </a:outerShdw>
-          </a:effectLst>
-        </p:spPr>
-        <p:txBody>
-          <a:bodyPr wrap="none" lIns="68580" tIns="34290" rIns="68580" bIns="34290">
-            <a:spAutoFit/>
-          </a:bodyPr>
-          <a:lstStyle/>
-          <a:p>
-            <a:pPr algn="ctr"/>
-            <a:r>
-              <a:rPr lang="en-US" sz="2400" b="1" dirty="0">
-                <a:ln w="12700" cmpd="sng">
-                  <a:solidFill>
-                    <a:schemeClr val="accent4"/>
-                  </a:solidFill>
-                  <a:prstDash val="solid"/>
-                </a:ln>
-                <a:gradFill>
-                  <a:gsLst>
-                    <a:gs pos="0">
-                      <a:schemeClr val="accent4"/>
-                    </a:gs>
-                    <a:gs pos="4000">
-                      <a:schemeClr val="accent4">
-                        <a:lumMod val="60000"/>
-                        <a:lumOff val="40000"/>
-                      </a:schemeClr>
-                    </a:gs>
-                    <a:gs pos="87000">
-                      <a:schemeClr val="accent4">
-                        <a:lumMod val="20000"/>
-                        <a:lumOff val="80000"/>
-                      </a:schemeClr>
-                    </a:gs>
-                  </a:gsLst>
-                  <a:lin ang="5400000"/>
-                </a:gradFill>
-              </a:rPr>
-              <a:t>Consumer 3</a:t>
-            </a:r>
-          </a:p>
-        </p:txBody>
-      </p:sp>
-      <p:sp>
-        <p:nvSpPr>
-          <p:cNvPr id="18" name="Rectangle 17"/>
-          <p:cNvSpPr/>
-          <p:nvPr/>
-        </p:nvSpPr>
-        <p:spPr>
-          <a:xfrm>
-            <a:off x="7320856" y="491884"/>
-            <a:ext cx="1659750" cy="438582"/>
-          </a:xfrm>
-          <a:prstGeom prst="rect">
-            <a:avLst/>
-          </a:prstGeom>
-          <a:noFill/>
-          <a:ln>
-            <a:noFill/>
-          </a:ln>
-          <a:effectLst>
-            <a:outerShdw blurRad="50800" dist="38100" dir="8100000" algn="tr" rotWithShape="0">
-              <a:prstClr val="black">
-                <a:alpha val="40000"/>
-              </a:prstClr>
-            </a:outerShdw>
-          </a:effectLst>
-        </p:spPr>
-        <p:txBody>
-          <a:bodyPr wrap="none" lIns="68580" tIns="34290" rIns="68580" bIns="34290">
-            <a:spAutoFit/>
-          </a:bodyPr>
-          <a:lstStyle/>
-          <a:p>
-            <a:pPr algn="ctr"/>
-            <a:r>
-              <a:rPr lang="en-US" sz="2400" b="1" dirty="0">
-                <a:ln w="12700" cmpd="sng">
-                  <a:solidFill>
-                    <a:schemeClr val="accent4"/>
-                  </a:solidFill>
-                  <a:prstDash val="solid"/>
-                </a:ln>
-                <a:gradFill>
-                  <a:gsLst>
-                    <a:gs pos="0">
-                      <a:schemeClr val="accent4"/>
-                    </a:gs>
-                    <a:gs pos="4000">
-                      <a:schemeClr val="accent4">
-                        <a:lumMod val="60000"/>
-                        <a:lumOff val="40000"/>
-                      </a:schemeClr>
-                    </a:gs>
-                    <a:gs pos="87000">
-                      <a:schemeClr val="accent4">
-                        <a:lumMod val="20000"/>
-                        <a:lumOff val="80000"/>
-                      </a:schemeClr>
-                    </a:gs>
-                  </a:gsLst>
-                  <a:lin ang="5400000"/>
-                </a:gradFill>
-              </a:rPr>
-              <a:t>Consumer 1</a:t>
+              <a:t>1</a:t>
             </a:r>
           </a:p>
         </p:txBody>
@@ -7172,8 +6375,8 @@
         </p:nvSpPr>
         <p:spPr>
           <a:xfrm>
-            <a:off x="618697" y="21914"/>
-            <a:ext cx="3939412" cy="707886"/>
+            <a:off x="169049" y="21914"/>
+            <a:ext cx="4838697" cy="707886"/>
           </a:xfrm>
           <a:prstGeom prst="rect">
             <a:avLst/>
@@ -7212,61 +6415,7 @@
                   </a:outerShdw>
                 </a:effectLst>
               </a:rPr>
-              <a:t>Queue (</a:t>
-            </a:r>
-            <a:r>
-              <a:rPr lang="en-US" sz="4000" b="1" dirty="0" err="1" smtClean="0">
-                <a:ln/>
-                <a:pattFill prst="dkUpDiag">
-                  <a:fgClr>
-                    <a:schemeClr val="bg1">
-                      <a:lumMod val="50000"/>
-                    </a:schemeClr>
-                  </a:fgClr>
-                  <a:bgClr>
-                    <a:schemeClr val="tx1">
-                      <a:lumMod val="75000"/>
-                      <a:lumOff val="25000"/>
-                    </a:schemeClr>
-                  </a:bgClr>
-                </a:pattFill>
-                <a:effectLst>
-                  <a:outerShdw blurRad="38100" dist="19050" dir="2700000" algn="tl" rotWithShape="0">
-                    <a:schemeClr val="dk1">
-                      <a:lumMod val="50000"/>
-                      <a:alpha val="40000"/>
-                    </a:schemeClr>
-                  </a:outerShdw>
-                </a:effectLst>
-              </a:rPr>
-              <a:t>Realtime</a:t>
-            </a:r>
-            <a:r>
-              <a:rPr lang="en-US" sz="4000" b="1" dirty="0" smtClean="0">
-                <a:ln/>
-                <a:pattFill prst="dkUpDiag">
-                  <a:fgClr>
-                    <a:schemeClr val="bg1">
-                      <a:lumMod val="50000"/>
-                    </a:schemeClr>
-                  </a:fgClr>
-                  <a:bgClr>
-                    <a:schemeClr val="tx1">
-                      <a:lumMod val="75000"/>
-                      <a:lumOff val="25000"/>
-                    </a:schemeClr>
-                  </a:bgClr>
-                </a:pattFill>
-                <a:effectLst>
-                  <a:outerShdw blurRad="38100" dist="19050" dir="2700000" algn="tl" rotWithShape="0">
-                    <a:schemeClr val="dk1">
-                      <a:lumMod val="50000"/>
-                      <a:alpha val="40000"/>
-                    </a:schemeClr>
-                  </a:outerShdw>
-                </a:effectLst>
-              </a:rPr>
-              <a:t>)</a:t>
+              <a:t>Topic Implementation</a:t>
             </a:r>
             <a:endParaRPr lang="en-US" sz="4000" b="1" dirty="0">
               <a:ln/>
@@ -7298,7 +6447,7 @@
     </p:spTree>
     <p:extLst>
       <p:ext uri="{BB962C8B-B14F-4D97-AF65-F5344CB8AC3E}">
-        <p14:creationId xmlns:p14="http://schemas.microsoft.com/office/powerpoint/2010/main" val="1184536117"/>
+        <p14:creationId xmlns:p14="http://schemas.microsoft.com/office/powerpoint/2010/main" val="953153678"/>
       </p:ext>
     </p:extLst>
   </p:cSld>
@@ -7645,7 +6794,7 @@
         </p:nvSpPr>
         <p:spPr>
           <a:xfrm>
-            <a:off x="333659" y="2569821"/>
+            <a:off x="333659" y="2340476"/>
             <a:ext cx="1295291" cy="438582"/>
           </a:xfrm>
           <a:prstGeom prst="rect">
@@ -7672,35 +6821,63 @@
             <a:pPr algn="ctr"/>
             <a:r>
               <a:rPr lang="en-US" sz="2400" b="1" dirty="0">
-                <a:ln w="12700" cmpd="sng">
+                <a:ln w="12700">
                   <a:solidFill>
-                    <a:schemeClr val="accent4"/>
+                    <a:schemeClr val="accent3">
+                      <a:lumMod val="50000"/>
+                    </a:schemeClr>
                   </a:solidFill>
                   <a:prstDash val="solid"/>
                 </a:ln>
-                <a:gradFill>
-                  <a:gsLst>
-                    <a:gs pos="0">
-                      <a:schemeClr val="accent4"/>
-                    </a:gs>
-                    <a:gs pos="4000">
-                      <a:schemeClr val="accent4">
-                        <a:lumMod val="60000"/>
-                        <a:lumOff val="40000"/>
-                      </a:schemeClr>
-                    </a:gs>
-                    <a:gs pos="87000">
-                      <a:schemeClr val="accent4">
-                        <a:lumMod val="20000"/>
-                        <a:lumOff val="80000"/>
-                      </a:schemeClr>
-                    </a:gs>
-                  </a:gsLst>
-                  <a:lin ang="5400000"/>
-                </a:gradFill>
+                <a:pattFill prst="narHorz">
+                  <a:fgClr>
+                    <a:schemeClr val="accent3"/>
+                  </a:fgClr>
+                  <a:bgClr>
+                    <a:schemeClr val="accent3">
+                      <a:lumMod val="40000"/>
+                      <a:lumOff val="60000"/>
+                    </a:schemeClr>
+                  </a:bgClr>
+                </a:pattFill>
+                <a:effectLst>
+                  <a:innerShdw blurRad="177800">
+                    <a:schemeClr val="accent3">
+                      <a:lumMod val="50000"/>
+                    </a:schemeClr>
+                  </a:innerShdw>
+                </a:effectLst>
               </a:rPr>
               <a:t>Producer</a:t>
             </a:r>
+            <a:endParaRPr lang="en-US" sz="2400" b="1" dirty="0">
+              <a:ln w="12700" cmpd="sng">
+                <a:solidFill>
+                  <a:schemeClr val="accent4"/>
+                </a:solidFill>
+                <a:prstDash val="solid"/>
+              </a:ln>
+              <a:gradFill>
+                <a:gsLst>
+                  <a:gs pos="0">
+                    <a:schemeClr val="accent4"/>
+                  </a:gs>
+                  <a:gs pos="4000">
+                    <a:schemeClr val="accent4">
+                      <a:lumMod val="60000"/>
+                      <a:lumOff val="40000"/>
+                    </a:schemeClr>
+                  </a:gs>
+                  <a:gs pos="87000">
+                    <a:schemeClr val="accent4">
+                      <a:lumMod val="20000"/>
+                      <a:lumOff val="80000"/>
+                    </a:schemeClr>
+                  </a:gs>
+                </a:gsLst>
+                <a:lin ang="5400000"/>
+              </a:gradFill>
+            </a:endParaRPr>
           </a:p>
         </p:txBody>
       </p:sp>
@@ -7712,8 +6889,8 @@
         </p:nvSpPr>
         <p:spPr>
           <a:xfrm>
-            <a:off x="7320856" y="2583967"/>
-            <a:ext cx="1659750" cy="438582"/>
+            <a:off x="7433067" y="2340476"/>
+            <a:ext cx="1435328" cy="438582"/>
           </a:xfrm>
           <a:prstGeom prst="rect">
             <a:avLst/>
@@ -7739,35 +6916,63 @@
             <a:pPr algn="ctr"/>
             <a:r>
               <a:rPr lang="en-US" sz="2400" b="1" dirty="0">
-                <a:ln w="12700" cmpd="sng">
+                <a:ln w="12700">
                   <a:solidFill>
-                    <a:schemeClr val="accent4"/>
+                    <a:schemeClr val="accent3">
+                      <a:lumMod val="50000"/>
+                    </a:schemeClr>
                   </a:solidFill>
                   <a:prstDash val="solid"/>
                 </a:ln>
-                <a:gradFill>
-                  <a:gsLst>
-                    <a:gs pos="0">
-                      <a:schemeClr val="accent4"/>
-                    </a:gs>
-                    <a:gs pos="4000">
-                      <a:schemeClr val="accent4">
-                        <a:lumMod val="60000"/>
-                        <a:lumOff val="40000"/>
-                      </a:schemeClr>
-                    </a:gs>
-                    <a:gs pos="87000">
-                      <a:schemeClr val="accent4">
-                        <a:lumMod val="20000"/>
-                        <a:lumOff val="80000"/>
-                      </a:schemeClr>
-                    </a:gs>
-                  </a:gsLst>
-                  <a:lin ang="5400000"/>
-                </a:gradFill>
+                <a:pattFill prst="narHorz">
+                  <a:fgClr>
+                    <a:schemeClr val="accent3"/>
+                  </a:fgClr>
+                  <a:bgClr>
+                    <a:schemeClr val="accent3">
+                      <a:lumMod val="40000"/>
+                      <a:lumOff val="60000"/>
+                    </a:schemeClr>
+                  </a:bgClr>
+                </a:pattFill>
+                <a:effectLst>
+                  <a:innerShdw blurRad="177800">
+                    <a:schemeClr val="accent3">
+                      <a:lumMod val="50000"/>
+                    </a:schemeClr>
+                  </a:innerShdw>
+                </a:effectLst>
               </a:rPr>
-              <a:t>Consumer 2</a:t>
-            </a:r>
+              <a:t>Consumer</a:t>
+            </a:r>
+            <a:endParaRPr lang="en-US" sz="2400" b="1" dirty="0">
+              <a:ln w="12700">
+                <a:solidFill>
+                  <a:schemeClr val="accent3">
+                    <a:lumMod val="50000"/>
+                  </a:schemeClr>
+                </a:solidFill>
+                <a:prstDash val="solid"/>
+              </a:ln>
+              <a:pattFill prst="narHorz">
+                <a:fgClr>
+                  <a:schemeClr val="accent3"/>
+                </a:fgClr>
+                <a:bgClr>
+                  <a:schemeClr val="accent3">
+                    <a:lumMod val="40000"/>
+                    <a:lumOff val="60000"/>
+                  </a:schemeClr>
+                </a:bgClr>
+              </a:pattFill>
+              <a:effectLst>
+                <a:innerShdw blurRad="177800">
+                  <a:schemeClr val="accent3">
+                    <a:lumMod val="50000"/>
+                  </a:schemeClr>
+                </a:innerShdw>
+              </a:effectLst>
+            </a:endParaRPr>
           </a:p>
         </p:txBody>
       </p:sp>
@@ -8452,7 +7657,7 @@
         </p:nvSpPr>
         <p:spPr>
           <a:xfrm>
-            <a:off x="333659" y="2569821"/>
+            <a:off x="333659" y="2340476"/>
             <a:ext cx="1295291" cy="438582"/>
           </a:xfrm>
           <a:prstGeom prst="rect">
@@ -8479,32 +7684,32 @@
             <a:pPr algn="ctr"/>
             <a:r>
               <a:rPr lang="en-US" sz="2400" b="1" dirty="0">
-                <a:ln w="12700" cmpd="sng">
+                <a:ln w="12700">
                   <a:solidFill>
-                    <a:schemeClr val="accent4"/>
+                    <a:schemeClr val="accent3">
+                      <a:lumMod val="50000"/>
+                    </a:schemeClr>
                   </a:solidFill>
                   <a:prstDash val="solid"/>
                 </a:ln>
-                <a:gradFill>
-                  <a:gsLst>
-                    <a:gs pos="0">
-                      <a:schemeClr val="accent4"/>
-                    </a:gs>
-                    <a:gs pos="4000">
-                      <a:schemeClr val="accent4">
-                        <a:lumMod val="60000"/>
-                        <a:lumOff val="40000"/>
-                      </a:schemeClr>
-                    </a:gs>
-                    <a:gs pos="87000">
-                      <a:schemeClr val="accent4">
-                        <a:lumMod val="20000"/>
-                        <a:lumOff val="80000"/>
-                      </a:schemeClr>
-                    </a:gs>
-                  </a:gsLst>
-                  <a:lin ang="5400000"/>
-                </a:gradFill>
+                <a:pattFill prst="narHorz">
+                  <a:fgClr>
+                    <a:schemeClr val="accent3"/>
+                  </a:fgClr>
+                  <a:bgClr>
+                    <a:schemeClr val="accent3">
+                      <a:lumMod val="40000"/>
+                      <a:lumOff val="60000"/>
+                    </a:schemeClr>
+                  </a:bgClr>
+                </a:pattFill>
+                <a:effectLst>
+                  <a:innerShdw blurRad="177800">
+                    <a:schemeClr val="accent3">
+                      <a:lumMod val="50000"/>
+                    </a:schemeClr>
+                  </a:innerShdw>
+                </a:effectLst>
               </a:rPr>
               <a:t>Producer</a:t>
             </a:r>
@@ -8519,7 +7724,7 @@
         </p:nvSpPr>
         <p:spPr>
           <a:xfrm>
-            <a:off x="7433067" y="2583967"/>
+            <a:off x="7433067" y="2340476"/>
             <a:ext cx="1435328" cy="438582"/>
           </a:xfrm>
           <a:prstGeom prst="rect">
@@ -8545,63 +7750,63 @@
           <a:p>
             <a:pPr algn="ctr"/>
             <a:r>
-              <a:rPr lang="en-US" sz="2400" b="1" dirty="0" smtClean="0">
-                <a:ln w="12700" cmpd="sng">
+              <a:rPr lang="en-US" sz="2400" b="1" dirty="0">
+                <a:ln w="12700">
                   <a:solidFill>
-                    <a:schemeClr val="accent4"/>
+                    <a:schemeClr val="accent3">
+                      <a:lumMod val="50000"/>
+                    </a:schemeClr>
                   </a:solidFill>
                   <a:prstDash val="solid"/>
                 </a:ln>
-                <a:gradFill>
-                  <a:gsLst>
-                    <a:gs pos="0">
-                      <a:schemeClr val="accent4"/>
-                    </a:gs>
-                    <a:gs pos="4000">
-                      <a:schemeClr val="accent4">
-                        <a:lumMod val="60000"/>
-                        <a:lumOff val="40000"/>
-                      </a:schemeClr>
-                    </a:gs>
-                    <a:gs pos="87000">
-                      <a:schemeClr val="accent4">
-                        <a:lumMod val="20000"/>
-                        <a:lumOff val="80000"/>
-                      </a:schemeClr>
-                    </a:gs>
-                  </a:gsLst>
-                  <a:lin ang="5400000"/>
-                </a:gradFill>
+                <a:pattFill prst="narHorz">
+                  <a:fgClr>
+                    <a:schemeClr val="accent3"/>
+                  </a:fgClr>
+                  <a:bgClr>
+                    <a:schemeClr val="accent3">
+                      <a:lumMod val="40000"/>
+                      <a:lumOff val="60000"/>
+                    </a:schemeClr>
+                  </a:bgClr>
+                </a:pattFill>
+                <a:effectLst>
+                  <a:innerShdw blurRad="177800">
+                    <a:schemeClr val="accent3">
+                      <a:lumMod val="50000"/>
+                    </a:schemeClr>
+                  </a:innerShdw>
+                </a:effectLst>
               </a:rPr>
               <a:t>Consumer</a:t>
             </a:r>
             <a:endParaRPr lang="en-US" sz="2400" b="1" dirty="0">
-              <a:ln w="12700" cmpd="sng">
+              <a:ln w="12700">
                 <a:solidFill>
-                  <a:schemeClr val="accent4"/>
+                  <a:schemeClr val="accent3">
+                    <a:lumMod val="50000"/>
+                  </a:schemeClr>
                 </a:solidFill>
                 <a:prstDash val="solid"/>
               </a:ln>
-              <a:gradFill>
-                <a:gsLst>
-                  <a:gs pos="0">
-                    <a:schemeClr val="accent4"/>
-                  </a:gs>
-                  <a:gs pos="4000">
-                    <a:schemeClr val="accent4">
-                      <a:lumMod val="60000"/>
-                      <a:lumOff val="40000"/>
-                    </a:schemeClr>
-                  </a:gs>
-                  <a:gs pos="87000">
-                    <a:schemeClr val="accent4">
-                      <a:lumMod val="20000"/>
-                      <a:lumOff val="80000"/>
-                    </a:schemeClr>
-                  </a:gs>
-                </a:gsLst>
-                <a:lin ang="5400000"/>
-              </a:gradFill>
+              <a:pattFill prst="narHorz">
+                <a:fgClr>
+                  <a:schemeClr val="accent3"/>
+                </a:fgClr>
+                <a:bgClr>
+                  <a:schemeClr val="accent3">
+                    <a:lumMod val="40000"/>
+                    <a:lumOff val="60000"/>
+                  </a:schemeClr>
+                </a:bgClr>
+              </a:pattFill>
+              <a:effectLst>
+                <a:innerShdw blurRad="177800">
+                  <a:schemeClr val="accent3">
+                    <a:lumMod val="50000"/>
+                  </a:schemeClr>
+                </a:innerShdw>
+              </a:effectLst>
             </a:endParaRPr>
           </a:p>
         </p:txBody>
@@ -9335,6 +8540,59 @@
       </p:grpSpPr>
       <p:sp>
         <p:nvSpPr>
+          <p:cNvPr id="14" name="Rounded Rectangle 13"/>
+          <p:cNvSpPr/>
+          <p:nvPr/>
+        </p:nvSpPr>
+        <p:spPr>
+          <a:xfrm>
+            <a:off x="3289678" y="1678991"/>
+            <a:ext cx="2396745" cy="1761549"/>
+          </a:xfrm>
+          <a:prstGeom prst="roundRect">
+            <a:avLst/>
+          </a:prstGeom>
+          <a:solidFill>
+            <a:schemeClr val="accent3">
+              <a:alpha val="50000"/>
+            </a:schemeClr>
+          </a:solidFill>
+          <a:ln>
+            <a:noFill/>
+          </a:ln>
+        </p:spPr>
+        <p:style>
+          <a:lnRef idx="0">
+            <a:scrgbClr r="0" g="0" b="0"/>
+          </a:lnRef>
+          <a:fillRef idx="0">
+            <a:scrgbClr r="0" g="0" b="0"/>
+          </a:fillRef>
+          <a:effectRef idx="0">
+            <a:scrgbClr r="0" g="0" b="0"/>
+          </a:effectRef>
+          <a:fontRef idx="minor">
+            <a:schemeClr val="lt1"/>
+          </a:fontRef>
+        </p:style>
+        <p:txBody>
+          <a:bodyPr rtlCol="0" anchor="ctr"/>
+          <a:lstStyle/>
+          <a:p>
+            <a:pPr algn="ctr"/>
+            <a:r>
+              <a:rPr lang="en-US" sz="1013" dirty="0" err="1"/>
+              <a:t>Jms</a:t>
+            </a:r>
+            <a:r>
+              <a:rPr lang="en-US" sz="1013" dirty="0"/>
+              <a:t> Client</a:t>
+            </a:r>
+          </a:p>
+        </p:txBody>
+      </p:sp>
+      <p:sp>
+        <p:nvSpPr>
           <p:cNvPr id="8" name="Rounded Rectangle 7"/>
           <p:cNvSpPr/>
           <p:nvPr/>
@@ -9379,14 +8637,61 @@
       </p:sp>
       <p:sp>
         <p:nvSpPr>
-          <p:cNvPr id="2" name="Rectangle 1"/>
+          <p:cNvPr id="9" name="Can 8"/>
           <p:cNvSpPr/>
           <p:nvPr/>
         </p:nvSpPr>
         <p:spPr>
-          <a:xfrm>
-            <a:off x="3295959" y="-425133"/>
-            <a:ext cx="2561920" cy="6247864"/>
+          <a:xfrm rot="5400000">
+            <a:off x="4129384" y="1419623"/>
+            <a:ext cx="717332" cy="2280285"/>
+          </a:xfrm>
+          <a:prstGeom prst="can">
+            <a:avLst/>
+          </a:prstGeom>
+          <a:effectLst>
+            <a:outerShdw blurRad="50800" dist="38100" dir="8100000" algn="tr" rotWithShape="0">
+              <a:prstClr val="black">
+                <a:alpha val="40000"/>
+              </a:prstClr>
+            </a:outerShdw>
+          </a:effectLst>
+        </p:spPr>
+        <p:style>
+          <a:lnRef idx="2">
+            <a:schemeClr val="accent1">
+              <a:shade val="50000"/>
+            </a:schemeClr>
+          </a:lnRef>
+          <a:fillRef idx="1">
+            <a:schemeClr val="accent1"/>
+          </a:fillRef>
+          <a:effectRef idx="0">
+            <a:schemeClr val="accent1"/>
+          </a:effectRef>
+          <a:fontRef idx="minor">
+            <a:schemeClr val="lt1"/>
+          </a:fontRef>
+        </p:style>
+        <p:txBody>
+          <a:bodyPr rtlCol="0" anchor="ctr"/>
+          <a:lstStyle/>
+          <a:p>
+            <a:pPr algn="ctr"/>
+            <a:endParaRPr lang="en-US" sz="1013"/>
+          </a:p>
+        </p:txBody>
+      </p:sp>
+      <p:sp>
+        <p:nvSpPr>
+          <p:cNvPr id="10" name="Rectangle 9"/>
+          <p:cNvSpPr/>
+          <p:nvPr/>
+        </p:nvSpPr>
+        <p:spPr>
+          <a:xfrm>
+            <a:off x="3700655" y="2213517"/>
+            <a:ext cx="1574790" cy="692497"/>
           </a:xfrm>
           <a:prstGeom prst="rect">
             <a:avLst/>
@@ -9394,14 +8699,330 @@
           <a:noFill/>
         </p:spPr>
         <p:txBody>
-          <a:bodyPr wrap="none" lIns="91440" tIns="45720" rIns="91440" bIns="45720">
+          <a:bodyPr wrap="none" lIns="68580" tIns="34290" rIns="68580" bIns="34290">
             <a:spAutoFit/>
           </a:bodyPr>
           <a:lstStyle/>
           <a:p>
             <a:pPr algn="ctr"/>
             <a:r>
-              <a:rPr lang="en-US" sz="40000" b="1" dirty="0" smtClean="0">
+              <a:rPr lang="en-US" sz="4050" b="1" dirty="0">
+                <a:ln w="12700">
+                  <a:solidFill>
+                    <a:schemeClr val="accent3">
+                      <a:lumMod val="50000"/>
+                    </a:schemeClr>
+                  </a:solidFill>
+                  <a:prstDash val="solid"/>
+                </a:ln>
+                <a:pattFill prst="narHorz">
+                  <a:fgClr>
+                    <a:schemeClr val="accent3"/>
+                  </a:fgClr>
+                  <a:bgClr>
+                    <a:schemeClr val="accent3">
+                      <a:lumMod val="40000"/>
+                      <a:lumOff val="60000"/>
+                    </a:schemeClr>
+                  </a:bgClr>
+                </a:pattFill>
+                <a:effectLst>
+                  <a:innerShdw blurRad="177800">
+                    <a:schemeClr val="accent3">
+                      <a:lumMod val="50000"/>
+                    </a:schemeClr>
+                  </a:innerShdw>
+                </a:effectLst>
+              </a:rPr>
+              <a:t>Queue</a:t>
+            </a:r>
+            <a:endParaRPr lang="en-US" sz="4050" b="1" dirty="0">
+              <a:ln w="10160">
+                <a:solidFill>
+                  <a:schemeClr val="accent5"/>
+                </a:solidFill>
+                <a:prstDash val="solid"/>
+              </a:ln>
+              <a:solidFill>
+                <a:srgbClr val="FFFFFF"/>
+              </a:solidFill>
+              <a:effectLst>
+                <a:outerShdw blurRad="38100" dist="22860" dir="5400000" algn="tl" rotWithShape="0">
+                  <a:srgbClr val="000000">
+                    <a:alpha val="30000"/>
+                  </a:srgbClr>
+                </a:outerShdw>
+              </a:effectLst>
+            </a:endParaRPr>
+          </a:p>
+        </p:txBody>
+      </p:sp>
+      <p:sp>
+        <p:nvSpPr>
+          <p:cNvPr id="11" name="Rounded Rectangle 10"/>
+          <p:cNvSpPr/>
+          <p:nvPr/>
+        </p:nvSpPr>
+        <p:spPr>
+          <a:xfrm>
+            <a:off x="7164916" y="2079403"/>
+            <a:ext cx="1971628" cy="960728"/>
+          </a:xfrm>
+          <a:prstGeom prst="roundRect">
+            <a:avLst/>
+          </a:prstGeom>
+        </p:spPr>
+        <p:style>
+          <a:lnRef idx="0">
+            <a:schemeClr val="accent2"/>
+          </a:lnRef>
+          <a:fillRef idx="3">
+            <a:schemeClr val="accent2"/>
+          </a:fillRef>
+          <a:effectRef idx="3">
+            <a:schemeClr val="accent2"/>
+          </a:effectRef>
+          <a:fontRef idx="minor">
+            <a:schemeClr val="lt1"/>
+          </a:fontRef>
+        </p:style>
+        <p:txBody>
+          <a:bodyPr rtlCol="0" anchor="ctr"/>
+          <a:lstStyle/>
+          <a:p>
+            <a:pPr algn="ctr"/>
+            <a:endParaRPr lang="en-US" sz="1013" dirty="0"/>
+          </a:p>
+        </p:txBody>
+      </p:sp>
+      <p:sp>
+        <p:nvSpPr>
+          <p:cNvPr id="13" name="Rounded Rectangle 12"/>
+          <p:cNvSpPr/>
+          <p:nvPr/>
+        </p:nvSpPr>
+        <p:spPr>
+          <a:xfrm>
+            <a:off x="-4509" y="2079403"/>
+            <a:ext cx="1971628" cy="960728"/>
+          </a:xfrm>
+          <a:prstGeom prst="roundRect">
+            <a:avLst/>
+          </a:prstGeom>
+        </p:spPr>
+        <p:style>
+          <a:lnRef idx="0">
+            <a:schemeClr val="accent2"/>
+          </a:lnRef>
+          <a:fillRef idx="3">
+            <a:schemeClr val="accent2"/>
+          </a:fillRef>
+          <a:effectRef idx="3">
+            <a:schemeClr val="accent2"/>
+          </a:effectRef>
+          <a:fontRef idx="minor">
+            <a:schemeClr val="lt1"/>
+          </a:fontRef>
+        </p:style>
+        <p:txBody>
+          <a:bodyPr rtlCol="0" anchor="ctr"/>
+          <a:lstStyle/>
+          <a:p>
+            <a:pPr algn="ctr"/>
+            <a:endParaRPr lang="en-US" sz="1013" dirty="0"/>
+          </a:p>
+        </p:txBody>
+      </p:sp>
+      <p:sp>
+        <p:nvSpPr>
+          <p:cNvPr id="15" name="Rectangle 14"/>
+          <p:cNvSpPr/>
+          <p:nvPr/>
+        </p:nvSpPr>
+        <p:spPr>
+          <a:xfrm>
+            <a:off x="333659" y="2340476"/>
+            <a:ext cx="1295291" cy="438582"/>
+          </a:xfrm>
+          <a:prstGeom prst="rect">
+            <a:avLst/>
+          </a:prstGeom>
+          <a:noFill/>
+          <a:ln>
+            <a:noFill/>
+          </a:ln>
+          <a:effectLst>
+            <a:outerShdw blurRad="50800" dist="38100" dir="8100000" algn="tr" rotWithShape="0">
+              <a:prstClr val="black">
+                <a:alpha val="40000"/>
+              </a:prstClr>
+            </a:outerShdw>
+          </a:effectLst>
+        </p:spPr>
+        <p:txBody>
+          <a:bodyPr wrap="none" lIns="68580" tIns="34290" rIns="68580" bIns="34290">
+            <a:spAutoFit/>
+          </a:bodyPr>
+          <a:lstStyle/>
+          <a:p>
+            <a:pPr algn="ctr"/>
+            <a:r>
+              <a:rPr lang="en-US" sz="2400" b="1" dirty="0">
+                <a:ln w="12700">
+                  <a:solidFill>
+                    <a:schemeClr val="accent3">
+                      <a:lumMod val="50000"/>
+                    </a:schemeClr>
+                  </a:solidFill>
+                  <a:prstDash val="solid"/>
+                </a:ln>
+                <a:pattFill prst="narHorz">
+                  <a:fgClr>
+                    <a:schemeClr val="accent3"/>
+                  </a:fgClr>
+                  <a:bgClr>
+                    <a:schemeClr val="accent3">
+                      <a:lumMod val="40000"/>
+                      <a:lumOff val="60000"/>
+                    </a:schemeClr>
+                  </a:bgClr>
+                </a:pattFill>
+                <a:effectLst>
+                  <a:innerShdw blurRad="177800">
+                    <a:schemeClr val="accent3">
+                      <a:lumMod val="50000"/>
+                    </a:schemeClr>
+                  </a:innerShdw>
+                </a:effectLst>
+              </a:rPr>
+              <a:t>Producer</a:t>
+            </a:r>
+          </a:p>
+        </p:txBody>
+      </p:sp>
+      <p:sp>
+        <p:nvSpPr>
+          <p:cNvPr id="16" name="Rectangle 15"/>
+          <p:cNvSpPr/>
+          <p:nvPr/>
+        </p:nvSpPr>
+        <p:spPr>
+          <a:xfrm>
+            <a:off x="7433066" y="2340476"/>
+            <a:ext cx="1435329" cy="438582"/>
+          </a:xfrm>
+          <a:prstGeom prst="rect">
+            <a:avLst/>
+          </a:prstGeom>
+          <a:noFill/>
+          <a:ln>
+            <a:noFill/>
+          </a:ln>
+          <a:effectLst>
+            <a:outerShdw blurRad="50800" dist="38100" dir="8100000" algn="tr" rotWithShape="0">
+              <a:prstClr val="black">
+                <a:alpha val="40000"/>
+              </a:prstClr>
+            </a:outerShdw>
+          </a:effectLst>
+        </p:spPr>
+        <p:txBody>
+          <a:bodyPr wrap="none" lIns="68580" tIns="34290" rIns="68580" bIns="34290">
+            <a:spAutoFit/>
+          </a:bodyPr>
+          <a:lstStyle/>
+          <a:p>
+            <a:pPr algn="ctr"/>
+            <a:r>
+              <a:rPr lang="en-US" sz="2400" b="1" dirty="0" smtClean="0">
+                <a:ln w="12700">
+                  <a:solidFill>
+                    <a:schemeClr val="accent3">
+                      <a:lumMod val="50000"/>
+                    </a:schemeClr>
+                  </a:solidFill>
+                  <a:prstDash val="solid"/>
+                </a:ln>
+                <a:pattFill prst="narHorz">
+                  <a:fgClr>
+                    <a:schemeClr val="accent3"/>
+                  </a:fgClr>
+                  <a:bgClr>
+                    <a:schemeClr val="accent3">
+                      <a:lumMod val="40000"/>
+                      <a:lumOff val="60000"/>
+                    </a:schemeClr>
+                  </a:bgClr>
+                </a:pattFill>
+                <a:effectLst>
+                  <a:innerShdw blurRad="177800">
+                    <a:schemeClr val="accent3">
+                      <a:lumMod val="50000"/>
+                    </a:schemeClr>
+                  </a:innerShdw>
+                </a:effectLst>
+              </a:rPr>
+              <a:t>Consumer</a:t>
+            </a:r>
+            <a:endParaRPr lang="en-US" sz="2400" b="1" dirty="0">
+              <a:ln w="12700" cmpd="sng">
+                <a:solidFill>
+                  <a:schemeClr val="accent4"/>
+                </a:solidFill>
+                <a:prstDash val="solid"/>
+              </a:ln>
+              <a:gradFill>
+                <a:gsLst>
+                  <a:gs pos="0">
+                    <a:schemeClr val="accent4"/>
+                  </a:gs>
+                  <a:gs pos="4000">
+                    <a:schemeClr val="accent4">
+                      <a:lumMod val="60000"/>
+                      <a:lumOff val="40000"/>
+                    </a:schemeClr>
+                  </a:gs>
+                  <a:gs pos="87000">
+                    <a:schemeClr val="accent4">
+                      <a:lumMod val="20000"/>
+                      <a:lumOff val="80000"/>
+                    </a:schemeClr>
+                  </a:gs>
+                </a:gsLst>
+                <a:lin ang="5400000"/>
+              </a:gradFill>
+            </a:endParaRPr>
+          </a:p>
+        </p:txBody>
+      </p:sp>
+      <p:sp>
+        <p:nvSpPr>
+          <p:cNvPr id="19" name="Rectangle 18"/>
+          <p:cNvSpPr/>
+          <p:nvPr/>
+        </p:nvSpPr>
+        <p:spPr>
+          <a:xfrm>
+            <a:off x="3872573" y="1706086"/>
+            <a:ext cx="1129413" cy="500137"/>
+          </a:xfrm>
+          <a:prstGeom prst="rect">
+            <a:avLst/>
+          </a:prstGeom>
+          <a:noFill/>
+          <a:ln>
+            <a:noFill/>
+          </a:ln>
+        </p:spPr>
+        <p:txBody>
+          <a:bodyPr wrap="none" lIns="68580" tIns="34290" rIns="68580" bIns="34290">
+            <a:spAutoFit/>
+          </a:bodyPr>
+          <a:lstStyle/>
+          <a:p>
+            <a:pPr algn="ctr"/>
+            <a:r>
+              <a:rPr lang="en-US" sz="2800" b="1" dirty="0">
                 <a:ln/>
                 <a:pattFill prst="dkUpDiag">
                   <a:fgClr>
@@ -9425,9 +9046,107 @@
                   </a:outerShdw>
                 </a:effectLst>
               </a:rPr>
-              <a:t>?</a:t>
-            </a:r>
-            <a:endParaRPr lang="en-US" sz="40000" b="1" dirty="0">
+              <a:t>Broker</a:t>
+            </a:r>
+            <a:endParaRPr lang="en-US" sz="2800" b="1" dirty="0">
+              <a:ln w="10160">
+                <a:solidFill>
+                  <a:schemeClr val="accent2"/>
+                </a:solidFill>
+                <a:prstDash val="solid"/>
+              </a:ln>
+              <a:solidFill>
+                <a:srgbClr val="FFFFFF"/>
+              </a:solidFill>
+              <a:effectLst>
+                <a:outerShdw blurRad="38100" dist="22860" dir="5400000" algn="tl" rotWithShape="0">
+                  <a:srgbClr val="000000">
+                    <a:alpha val="30000"/>
+                  </a:srgbClr>
+                </a:outerShdw>
+              </a:effectLst>
+            </a:endParaRPr>
+          </a:p>
+        </p:txBody>
+      </p:sp>
+      <p:sp>
+        <p:nvSpPr>
+          <p:cNvPr id="2" name="Rectangle 1"/>
+          <p:cNvSpPr/>
+          <p:nvPr/>
+        </p:nvSpPr>
+        <p:spPr>
+          <a:xfrm>
+            <a:off x="-4509" y="58554"/>
+            <a:ext cx="5086136" cy="1015663"/>
+          </a:xfrm>
+          <a:prstGeom prst="rect">
+            <a:avLst/>
+          </a:prstGeom>
+          <a:noFill/>
+        </p:spPr>
+        <p:txBody>
+          <a:bodyPr wrap="none" lIns="91440" tIns="45720" rIns="91440" bIns="45720">
+            <a:spAutoFit/>
+          </a:bodyPr>
+          <a:lstStyle/>
+          <a:p>
+            <a:pPr algn="ctr"/>
+            <a:r>
+              <a:rPr lang="en-US" sz="6000" b="1" dirty="0" smtClean="0">
+                <a:ln/>
+                <a:pattFill prst="dkUpDiag">
+                  <a:fgClr>
+                    <a:schemeClr val="bg1">
+                      <a:lumMod val="50000"/>
+                    </a:schemeClr>
+                  </a:fgClr>
+                  <a:bgClr>
+                    <a:schemeClr val="tx1">
+                      <a:lumMod val="75000"/>
+                      <a:lumOff val="25000"/>
+                    </a:schemeClr>
+                  </a:bgClr>
+                </a:pattFill>
+                <a:effectLst>
+                  <a:outerShdw blurRad="38100" dist="19050" dir="2700000" algn="tl" rotWithShape="0">
+                    <a:schemeClr val="dk1">
+                      <a:lumMod val="50000"/>
+                      <a:alpha val="40000"/>
+                    </a:schemeClr>
+                  </a:outerShdw>
+                </a:effectLst>
+              </a:rPr>
+              <a:t>Fire-and-</a:t>
+            </a:r>
+            <a:r>
+              <a:rPr lang="en-US" sz="6000" b="1" dirty="0" smtClean="0">
+                <a:ln/>
+                <a:pattFill prst="dkUpDiag">
+                  <a:fgClr>
+                    <a:schemeClr val="bg1">
+                      <a:lumMod val="50000"/>
+                    </a:schemeClr>
+                  </a:fgClr>
+                  <a:bgClr>
+                    <a:schemeClr val="tx1">
+                      <a:lumMod val="75000"/>
+                      <a:lumOff val="25000"/>
+                    </a:schemeClr>
+                  </a:bgClr>
+                </a:pattFill>
+                <a:effectLst>
+                  <a:outerShdw blurRad="38100" dist="19050" dir="2700000" algn="tl" rotWithShape="0">
+                    <a:schemeClr val="dk1">
+                      <a:lumMod val="50000"/>
+                      <a:alpha val="40000"/>
+                    </a:schemeClr>
+                  </a:outerShdw>
+                </a:effectLst>
+              </a:rPr>
+              <a:t>Forget</a:t>
+            </a:r>
+            <a:endParaRPr lang="en-US" sz="6000" b="1" dirty="0">
               <a:ln/>
               <a:pattFill prst="dkUpDiag">
                 <a:fgClr>
@@ -9454,10 +9173,190 @@
           </a:p>
         </p:txBody>
       </p:sp>
+      <p:cxnSp>
+        <p:nvCxnSpPr>
+          <p:cNvPr id="4" name="Straight Arrow Connector 3"/>
+          <p:cNvCxnSpPr>
+            <a:stCxn id="13" idx="3"/>
+            <a:endCxn id="9" idx="3"/>
+          </p:cNvCxnSpPr>
+          <p:nvPr/>
+        </p:nvCxnSpPr>
+        <p:spPr>
+          <a:xfrm flipV="1">
+            <a:off x="1967119" y="2559766"/>
+            <a:ext cx="1380789" cy="1"/>
+          </a:xfrm>
+          <a:prstGeom prst="straightConnector1">
+            <a:avLst/>
+          </a:prstGeom>
+          <a:ln w="28575">
+            <a:prstDash val="sysDot"/>
+            <a:headEnd type="none" w="med" len="med"/>
+            <a:tailEnd type="triangle" w="lg" len="lg"/>
+          </a:ln>
+        </p:spPr>
+        <p:style>
+          <a:lnRef idx="1">
+            <a:schemeClr val="accent2"/>
+          </a:lnRef>
+          <a:fillRef idx="0">
+            <a:schemeClr val="accent2"/>
+          </a:fillRef>
+          <a:effectRef idx="0">
+            <a:schemeClr val="accent2"/>
+          </a:effectRef>
+          <a:fontRef idx="minor">
+            <a:schemeClr val="tx1"/>
+          </a:fontRef>
+        </p:style>
+      </p:cxnSp>
+      <p:cxnSp>
+        <p:nvCxnSpPr>
+          <p:cNvPr id="20" name="Straight Arrow Connector 19"/>
+          <p:cNvCxnSpPr/>
+          <p:nvPr/>
+        </p:nvCxnSpPr>
+        <p:spPr>
+          <a:xfrm flipV="1">
+            <a:off x="5628193" y="2559766"/>
+            <a:ext cx="1536723" cy="1"/>
+          </a:xfrm>
+          <a:prstGeom prst="straightConnector1">
+            <a:avLst/>
+          </a:prstGeom>
+          <a:ln w="28575">
+            <a:prstDash val="sysDot"/>
+            <a:headEnd type="none" w="med" len="med"/>
+            <a:tailEnd type="triangle" w="lg" len="lg"/>
+          </a:ln>
+        </p:spPr>
+        <p:style>
+          <a:lnRef idx="1">
+            <a:schemeClr val="accent2"/>
+          </a:lnRef>
+          <a:fillRef idx="0">
+            <a:schemeClr val="accent2"/>
+          </a:fillRef>
+          <a:effectRef idx="0">
+            <a:schemeClr val="accent2"/>
+          </a:effectRef>
+          <a:fontRef idx="minor">
+            <a:schemeClr val="tx1"/>
+          </a:fontRef>
+        </p:style>
+      </p:cxnSp>
+      <p:sp>
+        <p:nvSpPr>
+          <p:cNvPr id="22" name="Oval 21"/>
+          <p:cNvSpPr/>
+          <p:nvPr/>
+        </p:nvSpPr>
+        <p:spPr>
+          <a:xfrm>
+            <a:off x="2482075" y="2384327"/>
+            <a:ext cx="350875" cy="350875"/>
+          </a:xfrm>
+          <a:prstGeom prst="ellipse">
+            <a:avLst/>
+          </a:prstGeom>
+          <a:solidFill>
+            <a:srgbClr val="FF0000"/>
+          </a:solidFill>
+          <a:effectLst>
+            <a:outerShdw blurRad="50800" dist="38100" dir="8100000" algn="tr" rotWithShape="0">
+              <a:prstClr val="black">
+                <a:alpha val="40000"/>
+              </a:prstClr>
+            </a:outerShdw>
+          </a:effectLst>
+        </p:spPr>
+        <p:style>
+          <a:lnRef idx="2">
+            <a:schemeClr val="accent2">
+              <a:shade val="50000"/>
+            </a:schemeClr>
+          </a:lnRef>
+          <a:fillRef idx="1">
+            <a:schemeClr val="accent2"/>
+          </a:fillRef>
+          <a:effectRef idx="0">
+            <a:schemeClr val="accent2"/>
+          </a:effectRef>
+          <a:fontRef idx="minor">
+            <a:schemeClr val="lt1"/>
+          </a:fontRef>
+        </p:style>
+        <p:txBody>
+          <a:bodyPr rtlCol="0" anchor="ctr"/>
+          <a:lstStyle/>
+          <a:p>
+            <a:pPr algn="ctr"/>
+            <a:r>
+              <a:rPr lang="en-US" smtClean="0"/>
+              <a:t>1</a:t>
+            </a:r>
+            <a:endParaRPr lang="en-US" dirty="0"/>
+          </a:p>
+        </p:txBody>
+      </p:sp>
+      <p:sp>
+        <p:nvSpPr>
+          <p:cNvPr id="23" name="Oval 22"/>
+          <p:cNvSpPr/>
+          <p:nvPr/>
+        </p:nvSpPr>
+        <p:spPr>
+          <a:xfrm>
+            <a:off x="6250232" y="2385330"/>
+            <a:ext cx="350875" cy="350875"/>
+          </a:xfrm>
+          <a:prstGeom prst="ellipse">
+            <a:avLst/>
+          </a:prstGeom>
+          <a:solidFill>
+            <a:srgbClr val="FF0000"/>
+          </a:solidFill>
+          <a:effectLst>
+            <a:outerShdw blurRad="50800" dist="38100" dir="8100000" algn="tr" rotWithShape="0">
+              <a:prstClr val="black">
+                <a:alpha val="40000"/>
+              </a:prstClr>
+            </a:outerShdw>
+          </a:effectLst>
+        </p:spPr>
+        <p:style>
+          <a:lnRef idx="2">
+            <a:schemeClr val="accent2">
+              <a:shade val="50000"/>
+            </a:schemeClr>
+          </a:lnRef>
+          <a:fillRef idx="1">
+            <a:schemeClr val="accent2"/>
+          </a:fillRef>
+          <a:effectRef idx="0">
+            <a:schemeClr val="accent2"/>
+          </a:effectRef>
+          <a:fontRef idx="minor">
+            <a:schemeClr val="lt1"/>
+          </a:fontRef>
+        </p:style>
+        <p:txBody>
+          <a:bodyPr rtlCol="0" anchor="ctr"/>
+          <a:lstStyle/>
+          <a:p>
+            <a:pPr algn="ctr"/>
+            <a:r>
+              <a:rPr lang="en-US" dirty="0"/>
+              <a:t>2</a:t>
+            </a:r>
+          </a:p>
+        </p:txBody>
+      </p:sp>
     </p:spTree>
     <p:extLst>
       <p:ext uri="{BB962C8B-B14F-4D97-AF65-F5344CB8AC3E}">
-        <p14:creationId xmlns:p14="http://schemas.microsoft.com/office/powerpoint/2010/main" val="3724410020"/>
+        <p14:creationId xmlns:p14="http://schemas.microsoft.com/office/powerpoint/2010/main" val="562301339"/>
       </p:ext>
     </p:extLst>
   </p:cSld>
@@ -9503,6 +9402,52 @@
       </p:grpSpPr>
       <p:sp>
         <p:nvSpPr>
+          <p:cNvPr id="14" name="Rounded Rectangle 13"/>
+          <p:cNvSpPr/>
+          <p:nvPr/>
+        </p:nvSpPr>
+        <p:spPr>
+          <a:xfrm>
+            <a:off x="2988890" y="1538877"/>
+            <a:ext cx="3105404" cy="2797144"/>
+          </a:xfrm>
+          <a:prstGeom prst="roundRect">
+            <a:avLst/>
+          </a:prstGeom>
+          <a:solidFill>
+            <a:schemeClr val="accent3">
+              <a:alpha val="50000"/>
+            </a:schemeClr>
+          </a:solidFill>
+          <a:ln>
+            <a:noFill/>
+          </a:ln>
+        </p:spPr>
+        <p:style>
+          <a:lnRef idx="0">
+            <a:scrgbClr r="0" g="0" b="0"/>
+          </a:lnRef>
+          <a:fillRef idx="0">
+            <a:scrgbClr r="0" g="0" b="0"/>
+          </a:fillRef>
+          <a:effectRef idx="0">
+            <a:scrgbClr r="0" g="0" b="0"/>
+          </a:effectRef>
+          <a:fontRef idx="minor">
+            <a:schemeClr val="lt1"/>
+          </a:fontRef>
+        </p:style>
+        <p:txBody>
+          <a:bodyPr rtlCol="0" anchor="ctr"/>
+          <a:lstStyle/>
+          <a:p>
+            <a:pPr algn="ctr"/>
+            <a:endParaRPr lang="en-US" sz="1013" dirty="0"/>
+          </a:p>
+        </p:txBody>
+      </p:sp>
+      <p:sp>
+        <p:nvSpPr>
           <p:cNvPr id="8" name="Rounded Rectangle 7"/>
           <p:cNvSpPr/>
           <p:nvPr/>
@@ -9545,331 +9490,394 @@
           </a:p>
         </p:txBody>
       </p:sp>
-      <p:pic>
-        <p:nvPicPr>
-          <p:cNvPr id="3" name="Picture 2"/>
-          <p:cNvPicPr>
-            <a:picLocks noChangeAspect="1"/>
-          </p:cNvPicPr>
-          <p:nvPr/>
-        </p:nvPicPr>
-        <p:blipFill>
-          <a:blip r:embed="rId2">
-            <a:extLst>
-              <a:ext uri="{28A0092B-C50C-407E-A947-70E740481C1C}">
-                <a14:useLocalDpi xmlns:a14="http://schemas.microsoft.com/office/drawing/2010/main" val="0"/>
-              </a:ext>
-            </a:extLst>
-          </a:blip>
-          <a:stretch>
-            <a:fillRect/>
-          </a:stretch>
-        </p:blipFill>
-        <p:spPr>
-          <a:xfrm>
-            <a:off x="3278054" y="2236396"/>
-            <a:ext cx="2933700" cy="866775"/>
+      <p:sp>
+        <p:nvSpPr>
+          <p:cNvPr id="9" name="Can 8"/>
+          <p:cNvSpPr/>
+          <p:nvPr/>
+        </p:nvSpPr>
+        <p:spPr>
+          <a:xfrm rot="5400000">
+            <a:off x="4267377" y="1393571"/>
+            <a:ext cx="441342" cy="2280285"/>
+          </a:xfrm>
+          <a:prstGeom prst="can">
+            <a:avLst/>
+          </a:prstGeom>
+          <a:effectLst>
+            <a:outerShdw blurRad="50800" dist="38100" dir="8100000" algn="tr" rotWithShape="0">
+              <a:prstClr val="black">
+                <a:alpha val="40000"/>
+              </a:prstClr>
+            </a:outerShdw>
+          </a:effectLst>
+        </p:spPr>
+        <p:style>
+          <a:lnRef idx="2">
+            <a:schemeClr val="accent1">
+              <a:shade val="50000"/>
+            </a:schemeClr>
+          </a:lnRef>
+          <a:fillRef idx="1">
+            <a:schemeClr val="accent1"/>
+          </a:fillRef>
+          <a:effectRef idx="0">
+            <a:schemeClr val="accent1"/>
+          </a:effectRef>
+          <a:fontRef idx="minor">
+            <a:schemeClr val="lt1"/>
+          </a:fontRef>
+        </p:style>
+        <p:txBody>
+          <a:bodyPr rtlCol="0" anchor="ctr"/>
+          <a:lstStyle/>
+          <a:p>
+            <a:pPr algn="ctr"/>
+            <a:endParaRPr lang="en-US" sz="1013"/>
+          </a:p>
+        </p:txBody>
+      </p:sp>
+      <p:sp>
+        <p:nvSpPr>
+          <p:cNvPr id="10" name="Rectangle 9"/>
+          <p:cNvSpPr/>
+          <p:nvPr/>
+        </p:nvSpPr>
+        <p:spPr>
+          <a:xfrm>
+            <a:off x="3645332" y="2259059"/>
+            <a:ext cx="1674496" cy="500137"/>
           </a:xfrm>
           <a:prstGeom prst="rect">
             <a:avLst/>
           </a:prstGeom>
-        </p:spPr>
-      </p:pic>
-      <p:pic>
-        <p:nvPicPr>
-          <p:cNvPr id="4" name="Picture 3"/>
-          <p:cNvPicPr>
-            <a:picLocks noChangeAspect="1"/>
-          </p:cNvPicPr>
-          <p:nvPr/>
-        </p:nvPicPr>
-        <p:blipFill>
-          <a:blip r:embed="rId3">
-            <a:extLst>
-              <a:ext uri="{28A0092B-C50C-407E-A947-70E740481C1C}">
-                <a14:useLocalDpi xmlns:a14="http://schemas.microsoft.com/office/drawing/2010/main" val="0"/>
-              </a:ext>
-            </a:extLst>
-          </a:blip>
-          <a:stretch>
-            <a:fillRect/>
-          </a:stretch>
-        </p:blipFill>
-        <p:spPr>
-          <a:xfrm>
-            <a:off x="473905" y="3997059"/>
-            <a:ext cx="3170659" cy="1207870"/>
-          </a:xfrm>
-          <a:prstGeom prst="rect">
-            <a:avLst/>
-          </a:prstGeom>
-        </p:spPr>
-      </p:pic>
-      <p:pic>
-        <p:nvPicPr>
-          <p:cNvPr id="5" name="Picture 4"/>
-          <p:cNvPicPr>
-            <a:picLocks noChangeAspect="1"/>
-          </p:cNvPicPr>
-          <p:nvPr/>
-        </p:nvPicPr>
-        <p:blipFill>
-          <a:blip r:embed="rId4" cstate="print">
-            <a:extLst>
-              <a:ext uri="{28A0092B-C50C-407E-A947-70E740481C1C}">
-                <a14:useLocalDpi xmlns:a14="http://schemas.microsoft.com/office/drawing/2010/main" val="0"/>
-              </a:ext>
-            </a:extLst>
-          </a:blip>
-          <a:stretch>
-            <a:fillRect/>
-          </a:stretch>
-        </p:blipFill>
-        <p:spPr>
-          <a:xfrm>
-            <a:off x="4575510" y="271824"/>
-            <a:ext cx="3219867" cy="698575"/>
-          </a:xfrm>
-          <a:prstGeom prst="rect">
-            <a:avLst/>
-          </a:prstGeom>
-        </p:spPr>
-      </p:pic>
-      <p:pic>
-        <p:nvPicPr>
-          <p:cNvPr id="6" name="Picture 5"/>
-          <p:cNvPicPr>
-            <a:picLocks noChangeAspect="1"/>
-          </p:cNvPicPr>
-          <p:nvPr/>
-        </p:nvPicPr>
-        <p:blipFill>
-          <a:blip r:embed="rId5">
-            <a:extLst>
-              <a:ext uri="{28A0092B-C50C-407E-A947-70E740481C1C}">
-                <a14:useLocalDpi xmlns:a14="http://schemas.microsoft.com/office/drawing/2010/main" val="0"/>
-              </a:ext>
-            </a:extLst>
-          </a:blip>
-          <a:stretch>
-            <a:fillRect/>
-          </a:stretch>
-        </p:blipFill>
-        <p:spPr>
-          <a:xfrm>
-            <a:off x="6397378" y="1295259"/>
-            <a:ext cx="2143125" cy="2143125"/>
-          </a:xfrm>
-          <a:prstGeom prst="rect">
-            <a:avLst/>
-          </a:prstGeom>
-        </p:spPr>
-      </p:pic>
-      <p:pic>
-        <p:nvPicPr>
-          <p:cNvPr id="7" name="Picture 6"/>
-          <p:cNvPicPr>
-            <a:picLocks noChangeAspect="1"/>
-          </p:cNvPicPr>
-          <p:nvPr/>
-        </p:nvPicPr>
-        <p:blipFill>
-          <a:blip r:embed="rId6">
-            <a:extLst>
-              <a:ext uri="{28A0092B-C50C-407E-A947-70E740481C1C}">
-                <a14:useLocalDpi xmlns:a14="http://schemas.microsoft.com/office/drawing/2010/main" val="0"/>
-              </a:ext>
-            </a:extLst>
-          </a:blip>
-          <a:stretch>
-            <a:fillRect/>
-          </a:stretch>
-        </p:blipFill>
-        <p:spPr>
-          <a:xfrm>
-            <a:off x="3226887" y="487183"/>
-            <a:ext cx="1200953" cy="1429706"/>
-          </a:xfrm>
-          <a:prstGeom prst="rect">
-            <a:avLst/>
-          </a:prstGeom>
-        </p:spPr>
-      </p:pic>
-      <p:pic>
-        <p:nvPicPr>
-          <p:cNvPr id="9" name="Picture 8"/>
-          <p:cNvPicPr>
-            <a:picLocks noChangeAspect="1"/>
-          </p:cNvPicPr>
-          <p:nvPr/>
-        </p:nvPicPr>
-        <p:blipFill>
-          <a:blip r:embed="rId7">
-            <a:extLst>
-              <a:ext uri="{28A0092B-C50C-407E-A947-70E740481C1C}">
-                <a14:useLocalDpi xmlns:a14="http://schemas.microsoft.com/office/drawing/2010/main" val="0"/>
-              </a:ext>
-            </a:extLst>
-          </a:blip>
-          <a:stretch>
-            <a:fillRect/>
-          </a:stretch>
-        </p:blipFill>
-        <p:spPr>
-          <a:xfrm>
-            <a:off x="6062782" y="3763244"/>
-            <a:ext cx="3016224" cy="1194628"/>
-          </a:xfrm>
-          <a:prstGeom prst="rect">
-            <a:avLst/>
-          </a:prstGeom>
-        </p:spPr>
-      </p:pic>
-      <p:pic>
-        <p:nvPicPr>
-          <p:cNvPr id="10" name="Picture 9"/>
-          <p:cNvPicPr>
-            <a:picLocks noChangeAspect="1"/>
-          </p:cNvPicPr>
-          <p:nvPr/>
-        </p:nvPicPr>
-        <p:blipFill>
-          <a:blip r:embed="rId8">
-            <a:extLst>
-              <a:ext uri="{28A0092B-C50C-407E-A947-70E740481C1C}">
-                <a14:useLocalDpi xmlns:a14="http://schemas.microsoft.com/office/drawing/2010/main" val="0"/>
-              </a:ext>
-            </a:extLst>
-          </a:blip>
-          <a:stretch>
-            <a:fillRect/>
-          </a:stretch>
-        </p:blipFill>
-        <p:spPr>
-          <a:xfrm>
-            <a:off x="703061" y="2639161"/>
-            <a:ext cx="1905000" cy="476250"/>
-          </a:xfrm>
-          <a:prstGeom prst="rect">
-            <a:avLst/>
-          </a:prstGeom>
-        </p:spPr>
-      </p:pic>
-      <p:pic>
-        <p:nvPicPr>
-          <p:cNvPr id="11" name="Picture 10"/>
-          <p:cNvPicPr>
-            <a:picLocks noChangeAspect="1"/>
-          </p:cNvPicPr>
-          <p:nvPr/>
-        </p:nvPicPr>
-        <p:blipFill>
-          <a:blip r:embed="rId9" cstate="print">
-            <a:extLst>
-              <a:ext uri="{28A0092B-C50C-407E-A947-70E740481C1C}">
-                <a14:useLocalDpi xmlns:a14="http://schemas.microsoft.com/office/drawing/2010/main" val="0"/>
-              </a:ext>
-            </a:extLst>
-          </a:blip>
-          <a:stretch>
-            <a:fillRect/>
-          </a:stretch>
-        </p:blipFill>
-        <p:spPr>
-          <a:xfrm>
-            <a:off x="350072" y="329247"/>
-            <a:ext cx="2425115" cy="1294405"/>
-          </a:xfrm>
-          <a:prstGeom prst="rect">
-            <a:avLst/>
-          </a:prstGeom>
-        </p:spPr>
-      </p:pic>
-      <p:pic>
-        <p:nvPicPr>
-          <p:cNvPr id="12" name="Picture 11"/>
-          <p:cNvPicPr>
-            <a:picLocks noChangeAspect="1"/>
-          </p:cNvPicPr>
-          <p:nvPr/>
-        </p:nvPicPr>
-        <p:blipFill>
-          <a:blip r:embed="rId10">
-            <a:extLst>
-              <a:ext uri="{28A0092B-C50C-407E-A947-70E740481C1C}">
-                <a14:useLocalDpi xmlns:a14="http://schemas.microsoft.com/office/drawing/2010/main" val="0"/>
-              </a:ext>
-            </a:extLst>
-          </a:blip>
-          <a:stretch>
-            <a:fillRect/>
-          </a:stretch>
-        </p:blipFill>
-        <p:spPr>
-          <a:xfrm>
-            <a:off x="2501167" y="3247618"/>
-            <a:ext cx="3119683" cy="827477"/>
-          </a:xfrm>
-          <a:prstGeom prst="rect">
-            <a:avLst/>
-          </a:prstGeom>
-        </p:spPr>
-      </p:pic>
-      <p:pic>
-        <p:nvPicPr>
-          <p:cNvPr id="13" name="Picture 12"/>
-          <p:cNvPicPr>
-            <a:picLocks noChangeAspect="1"/>
-          </p:cNvPicPr>
-          <p:nvPr/>
-        </p:nvPicPr>
-        <p:blipFill>
-          <a:blip r:embed="rId11">
-            <a:extLst>
-              <a:ext uri="{28A0092B-C50C-407E-A947-70E740481C1C}">
-                <a14:useLocalDpi xmlns:a14="http://schemas.microsoft.com/office/drawing/2010/main" val="0"/>
-              </a:ext>
-            </a:extLst>
-          </a:blip>
-          <a:stretch>
-            <a:fillRect/>
-          </a:stretch>
-        </p:blipFill>
-        <p:spPr>
-          <a:xfrm>
-            <a:off x="651500" y="2077646"/>
-            <a:ext cx="1435100" cy="317500"/>
-          </a:xfrm>
-          <a:prstGeom prst="rect">
-            <a:avLst/>
-          </a:prstGeom>
-        </p:spPr>
-      </p:pic>
-      <p:sp>
-        <p:nvSpPr>
-          <p:cNvPr id="14" name="Rectangle 13"/>
-          <p:cNvSpPr/>
-          <p:nvPr/>
-        </p:nvSpPr>
-        <p:spPr>
-          <a:xfrm>
-            <a:off x="6674879" y="3059917"/>
-            <a:ext cx="1792029" cy="461665"/>
-          </a:xfrm>
-          <a:prstGeom prst="rect">
-            <a:avLst/>
-          </a:prstGeom>
           <a:noFill/>
         </p:spPr>
         <p:txBody>
-          <a:bodyPr wrap="none" lIns="91440" tIns="45720" rIns="91440" bIns="45720">
+          <a:bodyPr wrap="none" lIns="68580" tIns="34290" rIns="68580" bIns="34290">
             <a:spAutoFit/>
           </a:bodyPr>
           <a:lstStyle/>
           <a:p>
             <a:pPr algn="ctr"/>
             <a:r>
+              <a:rPr lang="en-US" sz="2800" b="1" dirty="0" smtClean="0">
+                <a:ln w="12700">
+                  <a:solidFill>
+                    <a:schemeClr val="accent3">
+                      <a:lumMod val="50000"/>
+                    </a:schemeClr>
+                  </a:solidFill>
+                  <a:prstDash val="solid"/>
+                </a:ln>
+                <a:pattFill prst="narHorz">
+                  <a:fgClr>
+                    <a:schemeClr val="accent3"/>
+                  </a:fgClr>
+                  <a:bgClr>
+                    <a:schemeClr val="accent3">
+                      <a:lumMod val="40000"/>
+                      <a:lumOff val="60000"/>
+                    </a:schemeClr>
+                  </a:bgClr>
+                </a:pattFill>
+                <a:effectLst>
+                  <a:innerShdw blurRad="177800">
+                    <a:schemeClr val="accent3">
+                      <a:lumMod val="50000"/>
+                    </a:schemeClr>
+                  </a:innerShdw>
+                </a:effectLst>
+              </a:rPr>
+              <a:t>Request Q</a:t>
+            </a:r>
+            <a:endParaRPr lang="en-US" sz="2800" b="1" dirty="0">
+              <a:ln w="10160">
+                <a:solidFill>
+                  <a:schemeClr val="accent5"/>
+                </a:solidFill>
+                <a:prstDash val="solid"/>
+              </a:ln>
+              <a:solidFill>
+                <a:srgbClr val="FFFFFF"/>
+              </a:solidFill>
+              <a:effectLst>
+                <a:outerShdw blurRad="38100" dist="22860" dir="5400000" algn="tl" rotWithShape="0">
+                  <a:srgbClr val="000000">
+                    <a:alpha val="30000"/>
+                  </a:srgbClr>
+                </a:outerShdw>
+              </a:effectLst>
+            </a:endParaRPr>
+          </a:p>
+        </p:txBody>
+      </p:sp>
+      <p:sp>
+        <p:nvSpPr>
+          <p:cNvPr id="11" name="Rounded Rectangle 10"/>
+          <p:cNvSpPr/>
+          <p:nvPr/>
+        </p:nvSpPr>
+        <p:spPr>
+          <a:xfrm>
+            <a:off x="7164916" y="2226891"/>
+            <a:ext cx="1971628" cy="1216860"/>
+          </a:xfrm>
+          <a:prstGeom prst="roundRect">
+            <a:avLst/>
+          </a:prstGeom>
+        </p:spPr>
+        <p:style>
+          <a:lnRef idx="0">
+            <a:schemeClr val="accent2"/>
+          </a:lnRef>
+          <a:fillRef idx="3">
+            <a:schemeClr val="accent2"/>
+          </a:fillRef>
+          <a:effectRef idx="3">
+            <a:schemeClr val="accent2"/>
+          </a:effectRef>
+          <a:fontRef idx="minor">
+            <a:schemeClr val="lt1"/>
+          </a:fontRef>
+        </p:style>
+        <p:txBody>
+          <a:bodyPr rtlCol="0" anchor="ctr"/>
+          <a:lstStyle/>
+          <a:p>
+            <a:pPr algn="ctr"/>
+            <a:endParaRPr lang="en-US" sz="1013" dirty="0"/>
+          </a:p>
+        </p:txBody>
+      </p:sp>
+      <p:sp>
+        <p:nvSpPr>
+          <p:cNvPr id="13" name="Rounded Rectangle 12"/>
+          <p:cNvSpPr/>
+          <p:nvPr/>
+        </p:nvSpPr>
+        <p:spPr>
+          <a:xfrm>
+            <a:off x="-4509" y="2226890"/>
+            <a:ext cx="1971628" cy="1216861"/>
+          </a:xfrm>
+          <a:prstGeom prst="roundRect">
+            <a:avLst/>
+          </a:prstGeom>
+        </p:spPr>
+        <p:style>
+          <a:lnRef idx="0">
+            <a:schemeClr val="accent2"/>
+          </a:lnRef>
+          <a:fillRef idx="3">
+            <a:schemeClr val="accent2"/>
+          </a:fillRef>
+          <a:effectRef idx="3">
+            <a:schemeClr val="accent2"/>
+          </a:effectRef>
+          <a:fontRef idx="minor">
+            <a:schemeClr val="lt1"/>
+          </a:fontRef>
+        </p:style>
+        <p:txBody>
+          <a:bodyPr rtlCol="0" anchor="ctr"/>
+          <a:lstStyle/>
+          <a:p>
+            <a:pPr algn="ctr"/>
+            <a:endParaRPr lang="en-US" sz="1013" dirty="0"/>
+          </a:p>
+        </p:txBody>
+      </p:sp>
+      <p:sp>
+        <p:nvSpPr>
+          <p:cNvPr id="15" name="Rectangle 14"/>
+          <p:cNvSpPr/>
+          <p:nvPr/>
+        </p:nvSpPr>
+        <p:spPr>
+          <a:xfrm>
+            <a:off x="333659" y="2616029"/>
+            <a:ext cx="1295291" cy="438582"/>
+          </a:xfrm>
+          <a:prstGeom prst="rect">
+            <a:avLst/>
+          </a:prstGeom>
+          <a:noFill/>
+          <a:ln>
+            <a:noFill/>
+          </a:ln>
+          <a:effectLst>
+            <a:outerShdw blurRad="50800" dist="38100" dir="8100000" algn="tr" rotWithShape="0">
+              <a:prstClr val="black">
+                <a:alpha val="40000"/>
+              </a:prstClr>
+            </a:outerShdw>
+          </a:effectLst>
+        </p:spPr>
+        <p:txBody>
+          <a:bodyPr wrap="none" lIns="68580" tIns="34290" rIns="68580" bIns="34290">
+            <a:spAutoFit/>
+          </a:bodyPr>
+          <a:lstStyle/>
+          <a:p>
+            <a:pPr algn="ctr"/>
+            <a:r>
               <a:rPr lang="en-US" sz="2400" b="1" dirty="0">
+                <a:ln w="12700">
+                  <a:solidFill>
+                    <a:schemeClr val="accent3">
+                      <a:lumMod val="50000"/>
+                    </a:schemeClr>
+                  </a:solidFill>
+                  <a:prstDash val="solid"/>
+                </a:ln>
+                <a:pattFill prst="narHorz">
+                  <a:fgClr>
+                    <a:schemeClr val="accent3"/>
+                  </a:fgClr>
+                  <a:bgClr>
+                    <a:schemeClr val="accent3">
+                      <a:lumMod val="40000"/>
+                      <a:lumOff val="60000"/>
+                    </a:schemeClr>
+                  </a:bgClr>
+                </a:pattFill>
+                <a:effectLst>
+                  <a:innerShdw blurRad="177800">
+                    <a:schemeClr val="accent3">
+                      <a:lumMod val="50000"/>
+                    </a:schemeClr>
+                  </a:innerShdw>
+                </a:effectLst>
+              </a:rPr>
+              <a:t>Producer</a:t>
+            </a:r>
+          </a:p>
+        </p:txBody>
+      </p:sp>
+      <p:sp>
+        <p:nvSpPr>
+          <p:cNvPr id="16" name="Rectangle 15"/>
+          <p:cNvSpPr/>
+          <p:nvPr/>
+        </p:nvSpPr>
+        <p:spPr>
+          <a:xfrm>
+            <a:off x="7433065" y="2616030"/>
+            <a:ext cx="1435329" cy="438582"/>
+          </a:xfrm>
+          <a:prstGeom prst="rect">
+            <a:avLst/>
+          </a:prstGeom>
+          <a:noFill/>
+          <a:ln>
+            <a:noFill/>
+          </a:ln>
+          <a:effectLst>
+            <a:outerShdw blurRad="50800" dist="38100" dir="8100000" algn="tr" rotWithShape="0">
+              <a:prstClr val="black">
+                <a:alpha val="40000"/>
+              </a:prstClr>
+            </a:outerShdw>
+          </a:effectLst>
+        </p:spPr>
+        <p:txBody>
+          <a:bodyPr wrap="none" lIns="68580" tIns="34290" rIns="68580" bIns="34290">
+            <a:spAutoFit/>
+          </a:bodyPr>
+          <a:lstStyle/>
+          <a:p>
+            <a:pPr algn="ctr"/>
+            <a:r>
+              <a:rPr lang="en-US" sz="2400" b="1" dirty="0">
+                <a:ln w="12700">
+                  <a:solidFill>
+                    <a:schemeClr val="accent3">
+                      <a:lumMod val="50000"/>
+                    </a:schemeClr>
+                  </a:solidFill>
+                  <a:prstDash val="solid"/>
+                </a:ln>
+                <a:pattFill prst="narHorz">
+                  <a:fgClr>
+                    <a:schemeClr val="accent3"/>
+                  </a:fgClr>
+                  <a:bgClr>
+                    <a:schemeClr val="accent3">
+                      <a:lumMod val="40000"/>
+                      <a:lumOff val="60000"/>
+                    </a:schemeClr>
+                  </a:bgClr>
+                </a:pattFill>
+                <a:effectLst>
+                  <a:innerShdw blurRad="177800">
+                    <a:schemeClr val="accent3">
+                      <a:lumMod val="50000"/>
+                    </a:schemeClr>
+                  </a:innerShdw>
+                </a:effectLst>
+              </a:rPr>
+              <a:t>Consumer</a:t>
+            </a:r>
+            <a:endParaRPr lang="en-US" sz="2400" b="1" dirty="0">
+              <a:ln w="12700">
+                <a:solidFill>
+                  <a:schemeClr val="accent3">
+                    <a:lumMod val="50000"/>
+                  </a:schemeClr>
+                </a:solidFill>
+                <a:prstDash val="solid"/>
+              </a:ln>
+              <a:pattFill prst="narHorz">
+                <a:fgClr>
+                  <a:schemeClr val="accent3"/>
+                </a:fgClr>
+                <a:bgClr>
+                  <a:schemeClr val="accent3">
+                    <a:lumMod val="40000"/>
+                    <a:lumOff val="60000"/>
+                  </a:schemeClr>
+                </a:bgClr>
+              </a:pattFill>
+              <a:effectLst>
+                <a:innerShdw blurRad="177800">
+                  <a:schemeClr val="accent3">
+                    <a:lumMod val="50000"/>
+                  </a:schemeClr>
+                </a:innerShdw>
+              </a:effectLst>
+            </a:endParaRPr>
+          </a:p>
+        </p:txBody>
+      </p:sp>
+      <p:sp>
+        <p:nvSpPr>
+          <p:cNvPr id="19" name="Rectangle 18"/>
+          <p:cNvSpPr/>
+          <p:nvPr/>
+        </p:nvSpPr>
+        <p:spPr>
+          <a:xfrm>
+            <a:off x="3872573" y="1565972"/>
+            <a:ext cx="1129413" cy="500137"/>
+          </a:xfrm>
+          <a:prstGeom prst="rect">
+            <a:avLst/>
+          </a:prstGeom>
+          <a:noFill/>
+          <a:ln>
+            <a:noFill/>
+          </a:ln>
+        </p:spPr>
+        <p:txBody>
+          <a:bodyPr wrap="none" lIns="68580" tIns="34290" rIns="68580" bIns="34290">
+            <a:spAutoFit/>
+          </a:bodyPr>
+          <a:lstStyle/>
+          <a:p>
+            <a:pPr algn="ctr"/>
+            <a:r>
+              <a:rPr lang="en-US" sz="2800" b="1" dirty="0">
                 <a:ln/>
                 <a:pattFill prst="dkUpDiag">
                   <a:fgClr>
@@ -9893,9 +9901,80 @@
                   </a:outerShdw>
                 </a:effectLst>
               </a:rPr>
-              <a:t>Amazon SQS</a:t>
-            </a:r>
-            <a:endParaRPr lang="en-US" sz="2400" b="1" dirty="0">
+              <a:t>Broker</a:t>
+            </a:r>
+            <a:endParaRPr lang="en-US" sz="2800" b="1" dirty="0">
+              <a:ln w="10160">
+                <a:solidFill>
+                  <a:schemeClr val="accent2"/>
+                </a:solidFill>
+                <a:prstDash val="solid"/>
+              </a:ln>
+              <a:solidFill>
+                <a:srgbClr val="FFFFFF"/>
+              </a:solidFill>
+              <a:effectLst>
+                <a:outerShdw blurRad="38100" dist="22860" dir="5400000" algn="tl" rotWithShape="0">
+                  <a:srgbClr val="000000">
+                    <a:alpha val="30000"/>
+                  </a:srgbClr>
+                </a:outerShdw>
+              </a:effectLst>
+            </a:endParaRPr>
+          </a:p>
+        </p:txBody>
+      </p:sp>
+      <p:sp>
+        <p:nvSpPr>
+          <p:cNvPr id="2" name="Rectangle 1"/>
+          <p:cNvSpPr/>
+          <p:nvPr/>
+        </p:nvSpPr>
+        <p:spPr>
+          <a:xfrm>
+            <a:off x="-40562" y="39864"/>
+            <a:ext cx="6058903" cy="1015663"/>
+          </a:xfrm>
+          <a:prstGeom prst="rect">
+            <a:avLst/>
+          </a:prstGeom>
+          <a:noFill/>
+        </p:spPr>
+        <p:txBody>
+          <a:bodyPr wrap="none" lIns="91440" tIns="45720" rIns="91440" bIns="45720">
+            <a:spAutoFit/>
+          </a:bodyPr>
+          <a:lstStyle/>
+          <a:p>
+            <a:pPr algn="ctr"/>
+            <a:r>
+              <a:rPr lang="en-US" sz="6000" b="1" dirty="0" smtClean="0">
+                <a:ln/>
+                <a:pattFill prst="dkUpDiag">
+                  <a:fgClr>
+                    <a:schemeClr val="bg1">
+                      <a:lumMod val="50000"/>
+                    </a:schemeClr>
+                  </a:fgClr>
+                  <a:bgClr>
+                    <a:schemeClr val="tx1">
+                      <a:lumMod val="75000"/>
+                      <a:lumOff val="25000"/>
+                    </a:schemeClr>
+                  </a:bgClr>
+                </a:pattFill>
+                <a:effectLst>
+                  <a:outerShdw blurRad="38100" dist="19050" dir="2700000" algn="tl" rotWithShape="0">
+                    <a:schemeClr val="dk1">
+                      <a:lumMod val="50000"/>
+                      <a:alpha val="40000"/>
+                    </a:schemeClr>
+                  </a:outerShdw>
+                </a:effectLst>
+              </a:rPr>
+              <a:t>Request-Response</a:t>
+            </a:r>
+            <a:endParaRPr lang="en-US" sz="6000" b="1" dirty="0">
               <a:ln/>
               <a:pattFill prst="dkUpDiag">
                 <a:fgClr>
@@ -9922,16 +10001,243 @@
           </a:p>
         </p:txBody>
       </p:sp>
-      <p:sp>
-        <p:nvSpPr>
-          <p:cNvPr id="17" name="Rectangle 16"/>
+      <p:cxnSp>
+        <p:nvCxnSpPr>
+          <p:cNvPr id="4" name="Straight Arrow Connector 3"/>
+          <p:cNvCxnSpPr>
+            <a:stCxn id="13" idx="3"/>
+            <a:endCxn id="9" idx="3"/>
+          </p:cNvCxnSpPr>
+          <p:nvPr/>
+        </p:nvCxnSpPr>
+        <p:spPr>
+          <a:xfrm flipV="1">
+            <a:off x="1967119" y="2559766"/>
+            <a:ext cx="1380789" cy="1"/>
+          </a:xfrm>
+          <a:prstGeom prst="straightConnector1">
+            <a:avLst/>
+          </a:prstGeom>
+          <a:ln w="28575">
+            <a:prstDash val="sysDot"/>
+            <a:headEnd type="none" w="med" len="med"/>
+            <a:tailEnd type="triangle" w="lg" len="lg"/>
+          </a:ln>
+        </p:spPr>
+        <p:style>
+          <a:lnRef idx="1">
+            <a:schemeClr val="accent2"/>
+          </a:lnRef>
+          <a:fillRef idx="0">
+            <a:schemeClr val="accent2"/>
+          </a:fillRef>
+          <a:effectRef idx="0">
+            <a:schemeClr val="accent2"/>
+          </a:effectRef>
+          <a:fontRef idx="minor">
+            <a:schemeClr val="tx1"/>
+          </a:fontRef>
+        </p:style>
+      </p:cxnSp>
+      <p:cxnSp>
+        <p:nvCxnSpPr>
+          <p:cNvPr id="20" name="Straight Arrow Connector 19"/>
+          <p:cNvCxnSpPr/>
+          <p:nvPr/>
+        </p:nvCxnSpPr>
+        <p:spPr>
+          <a:xfrm flipV="1">
+            <a:off x="5628193" y="2559766"/>
+            <a:ext cx="1536723" cy="1"/>
+          </a:xfrm>
+          <a:prstGeom prst="straightConnector1">
+            <a:avLst/>
+          </a:prstGeom>
+          <a:ln w="28575">
+            <a:prstDash val="sysDot"/>
+            <a:headEnd type="none" w="med" len="med"/>
+            <a:tailEnd type="triangle" w="lg" len="lg"/>
+          </a:ln>
+        </p:spPr>
+        <p:style>
+          <a:lnRef idx="1">
+            <a:schemeClr val="accent2"/>
+          </a:lnRef>
+          <a:fillRef idx="0">
+            <a:schemeClr val="accent2"/>
+          </a:fillRef>
+          <a:effectRef idx="0">
+            <a:schemeClr val="accent2"/>
+          </a:effectRef>
+          <a:fontRef idx="minor">
+            <a:schemeClr val="tx1"/>
+          </a:fontRef>
+        </p:style>
+      </p:cxnSp>
+      <p:sp>
+        <p:nvSpPr>
+          <p:cNvPr id="22" name="Oval 21"/>
           <p:cNvSpPr/>
           <p:nvPr/>
         </p:nvSpPr>
         <p:spPr>
           <a:xfrm>
-            <a:off x="3750801" y="1527447"/>
-            <a:ext cx="2434642" cy="461665"/>
+            <a:off x="2517297" y="2379409"/>
+            <a:ext cx="350875" cy="350875"/>
+          </a:xfrm>
+          <a:prstGeom prst="ellipse">
+            <a:avLst/>
+          </a:prstGeom>
+          <a:solidFill>
+            <a:srgbClr val="FF0000"/>
+          </a:solidFill>
+          <a:effectLst>
+            <a:outerShdw blurRad="50800" dist="38100" dir="8100000" algn="tr" rotWithShape="0">
+              <a:prstClr val="black">
+                <a:alpha val="40000"/>
+              </a:prstClr>
+            </a:outerShdw>
+          </a:effectLst>
+        </p:spPr>
+        <p:style>
+          <a:lnRef idx="2">
+            <a:schemeClr val="accent2">
+              <a:shade val="50000"/>
+            </a:schemeClr>
+          </a:lnRef>
+          <a:fillRef idx="1">
+            <a:schemeClr val="accent2"/>
+          </a:fillRef>
+          <a:effectRef idx="0">
+            <a:schemeClr val="accent2"/>
+          </a:effectRef>
+          <a:fontRef idx="minor">
+            <a:schemeClr val="lt1"/>
+          </a:fontRef>
+        </p:style>
+        <p:txBody>
+          <a:bodyPr rtlCol="0" anchor="ctr"/>
+          <a:lstStyle/>
+          <a:p>
+            <a:pPr algn="ctr"/>
+            <a:r>
+              <a:rPr lang="en-US" dirty="0" smtClean="0"/>
+              <a:t>1</a:t>
+            </a:r>
+            <a:endParaRPr lang="en-US" dirty="0"/>
+          </a:p>
+        </p:txBody>
+      </p:sp>
+      <p:sp>
+        <p:nvSpPr>
+          <p:cNvPr id="23" name="Oval 22"/>
+          <p:cNvSpPr/>
+          <p:nvPr/>
+        </p:nvSpPr>
+        <p:spPr>
+          <a:xfrm>
+            <a:off x="6215012" y="2384324"/>
+            <a:ext cx="350875" cy="350875"/>
+          </a:xfrm>
+          <a:prstGeom prst="ellipse">
+            <a:avLst/>
+          </a:prstGeom>
+          <a:solidFill>
+            <a:srgbClr val="FF0000"/>
+          </a:solidFill>
+          <a:effectLst>
+            <a:outerShdw blurRad="50800" dist="38100" dir="8100000" algn="tr" rotWithShape="0">
+              <a:prstClr val="black">
+                <a:alpha val="40000"/>
+              </a:prstClr>
+            </a:outerShdw>
+          </a:effectLst>
+        </p:spPr>
+        <p:style>
+          <a:lnRef idx="2">
+            <a:schemeClr val="accent2">
+              <a:shade val="50000"/>
+            </a:schemeClr>
+          </a:lnRef>
+          <a:fillRef idx="1">
+            <a:schemeClr val="accent2"/>
+          </a:fillRef>
+          <a:effectRef idx="0">
+            <a:schemeClr val="accent2"/>
+          </a:effectRef>
+          <a:fontRef idx="minor">
+            <a:schemeClr val="lt1"/>
+          </a:fontRef>
+        </p:style>
+        <p:txBody>
+          <a:bodyPr rtlCol="0" anchor="ctr"/>
+          <a:lstStyle/>
+          <a:p>
+            <a:pPr algn="ctr"/>
+            <a:r>
+              <a:rPr lang="en-US" dirty="0"/>
+              <a:t>2</a:t>
+            </a:r>
+          </a:p>
+        </p:txBody>
+      </p:sp>
+      <p:sp>
+        <p:nvSpPr>
+          <p:cNvPr id="25" name="Can 24"/>
+          <p:cNvSpPr/>
+          <p:nvPr/>
+        </p:nvSpPr>
+        <p:spPr>
+          <a:xfrm rot="5400000">
+            <a:off x="4279665" y="2113782"/>
+            <a:ext cx="441342" cy="2280285"/>
+          </a:xfrm>
+          <a:prstGeom prst="can">
+            <a:avLst/>
+          </a:prstGeom>
+          <a:effectLst>
+            <a:outerShdw blurRad="50800" dist="38100" dir="8100000" algn="tr" rotWithShape="0">
+              <a:prstClr val="black">
+                <a:alpha val="40000"/>
+              </a:prstClr>
+            </a:outerShdw>
+          </a:effectLst>
+        </p:spPr>
+        <p:style>
+          <a:lnRef idx="2">
+            <a:schemeClr val="accent1">
+              <a:shade val="50000"/>
+            </a:schemeClr>
+          </a:lnRef>
+          <a:fillRef idx="1">
+            <a:schemeClr val="accent1"/>
+          </a:fillRef>
+          <a:effectRef idx="0">
+            <a:schemeClr val="accent1"/>
+          </a:effectRef>
+          <a:fontRef idx="minor">
+            <a:schemeClr val="lt1"/>
+          </a:fontRef>
+        </p:style>
+        <p:txBody>
+          <a:bodyPr rtlCol="0" anchor="ctr"/>
+          <a:lstStyle/>
+          <a:p>
+            <a:pPr algn="ctr"/>
+            <a:endParaRPr lang="en-US" sz="1013"/>
+          </a:p>
+        </p:txBody>
+      </p:sp>
+      <p:sp>
+        <p:nvSpPr>
+          <p:cNvPr id="18" name="Rectangle 17"/>
+          <p:cNvSpPr/>
+          <p:nvPr/>
+        </p:nvSpPr>
+        <p:spPr>
+          <a:xfrm>
+            <a:off x="3535860" y="2986646"/>
+            <a:ext cx="1888530" cy="500137"/>
           </a:xfrm>
           <a:prstGeom prst="rect">
             <a:avLst/>
@@ -9939,62 +10245,246 @@
           <a:noFill/>
         </p:spPr>
         <p:txBody>
-          <a:bodyPr wrap="none" lIns="91440" tIns="45720" rIns="91440" bIns="45720">
+          <a:bodyPr wrap="none" lIns="68580" tIns="34290" rIns="68580" bIns="34290">
             <a:spAutoFit/>
           </a:bodyPr>
           <a:lstStyle/>
           <a:p>
             <a:pPr algn="ctr"/>
             <a:r>
-              <a:rPr lang="en-US" sz="2400" b="1" dirty="0" smtClean="0">
-                <a:ln>
+              <a:rPr lang="en-US" sz="2800" b="1" dirty="0" smtClean="0">
+                <a:ln w="12700">
                   <a:solidFill>
-                    <a:schemeClr val="accent5">
-                      <a:lumMod val="75000"/>
+                    <a:schemeClr val="accent3">
+                      <a:lumMod val="50000"/>
                     </a:schemeClr>
                   </a:solidFill>
+                  <a:prstDash val="solid"/>
                 </a:ln>
-                <a:solidFill>
-                  <a:srgbClr val="00ABEC"/>
-                </a:solidFill>
+                <a:pattFill prst="narHorz">
+                  <a:fgClr>
+                    <a:schemeClr val="accent3"/>
+                  </a:fgClr>
+                  <a:bgClr>
+                    <a:schemeClr val="accent3">
+                      <a:lumMod val="40000"/>
+                      <a:lumOff val="60000"/>
+                    </a:schemeClr>
+                  </a:bgClr>
+                </a:pattFill>
                 <a:effectLst>
-                  <a:outerShdw blurRad="38100" dist="19050" dir="2700000" algn="tl" rotWithShape="0">
-                    <a:schemeClr val="dk1">
+                  <a:innerShdw blurRad="177800">
+                    <a:schemeClr val="accent3">
                       <a:lumMod val="50000"/>
-                      <a:alpha val="40000"/>
-                    </a:schemeClr>
-                  </a:outerShdw>
+                    </a:schemeClr>
+                  </a:innerShdw>
                 </a:effectLst>
               </a:rPr>
-              <a:t>Azure Service Bus</a:t>
-            </a:r>
-            <a:endParaRPr lang="en-US" sz="2400" b="1" dirty="0">
-              <a:ln>
+              <a:t>Response Q</a:t>
+            </a:r>
+            <a:endParaRPr lang="en-US" sz="2800" b="1" dirty="0">
+              <a:ln w="10160">
                 <a:solidFill>
-                  <a:schemeClr val="accent5">
-                    <a:lumMod val="75000"/>
-                  </a:schemeClr>
+                  <a:schemeClr val="accent5"/>
                 </a:solidFill>
+                <a:prstDash val="solid"/>
               </a:ln>
               <a:solidFill>
-                <a:srgbClr val="00ABEC"/>
+                <a:srgbClr val="FFFFFF"/>
               </a:solidFill>
               <a:effectLst>
-                <a:outerShdw blurRad="38100" dist="19050" dir="2700000" algn="tl" rotWithShape="0">
-                  <a:schemeClr val="dk1">
-                    <a:lumMod val="50000"/>
-                    <a:alpha val="40000"/>
-                  </a:schemeClr>
+                <a:outerShdw blurRad="38100" dist="22860" dir="5400000" algn="tl" rotWithShape="0">
+                  <a:srgbClr val="000000">
+                    <a:alpha val="30000"/>
+                  </a:srgbClr>
                 </a:outerShdw>
               </a:effectLst>
             </a:endParaRPr>
           </a:p>
         </p:txBody>
       </p:sp>
+      <p:cxnSp>
+        <p:nvCxnSpPr>
+          <p:cNvPr id="21" name="Straight Arrow Connector 20"/>
+          <p:cNvCxnSpPr/>
+          <p:nvPr/>
+        </p:nvCxnSpPr>
+        <p:spPr>
+          <a:xfrm flipH="1" flipV="1">
+            <a:off x="1964664" y="3235733"/>
+            <a:ext cx="1380789" cy="1"/>
+          </a:xfrm>
+          <a:prstGeom prst="straightConnector1">
+            <a:avLst/>
+          </a:prstGeom>
+          <a:ln w="28575">
+            <a:prstDash val="sysDot"/>
+            <a:headEnd type="none" w="med" len="med"/>
+            <a:tailEnd type="triangle" w="lg" len="lg"/>
+          </a:ln>
+        </p:spPr>
+        <p:style>
+          <a:lnRef idx="1">
+            <a:schemeClr val="accent2"/>
+          </a:lnRef>
+          <a:fillRef idx="0">
+            <a:schemeClr val="accent2"/>
+          </a:fillRef>
+          <a:effectRef idx="0">
+            <a:schemeClr val="accent2"/>
+          </a:effectRef>
+          <a:fontRef idx="minor">
+            <a:schemeClr val="tx1"/>
+          </a:fontRef>
+        </p:style>
+      </p:cxnSp>
+      <p:sp>
+        <p:nvSpPr>
+          <p:cNvPr id="24" name="Oval 23"/>
+          <p:cNvSpPr/>
+          <p:nvPr/>
+        </p:nvSpPr>
+        <p:spPr>
+          <a:xfrm>
+            <a:off x="2514842" y="3055376"/>
+            <a:ext cx="350875" cy="350875"/>
+          </a:xfrm>
+          <a:prstGeom prst="ellipse">
+            <a:avLst/>
+          </a:prstGeom>
+          <a:solidFill>
+            <a:srgbClr val="FF0000"/>
+          </a:solidFill>
+          <a:effectLst>
+            <a:outerShdw blurRad="50800" dist="38100" dir="8100000" algn="tr" rotWithShape="0">
+              <a:prstClr val="black">
+                <a:alpha val="40000"/>
+              </a:prstClr>
+            </a:outerShdw>
+          </a:effectLst>
+        </p:spPr>
+        <p:style>
+          <a:lnRef idx="2">
+            <a:schemeClr val="accent2">
+              <a:shade val="50000"/>
+            </a:schemeClr>
+          </a:lnRef>
+          <a:fillRef idx="1">
+            <a:schemeClr val="accent2"/>
+          </a:fillRef>
+          <a:effectRef idx="0">
+            <a:schemeClr val="accent2"/>
+          </a:effectRef>
+          <a:fontRef idx="minor">
+            <a:schemeClr val="lt1"/>
+          </a:fontRef>
+        </p:style>
+        <p:txBody>
+          <a:bodyPr rtlCol="0" anchor="ctr"/>
+          <a:lstStyle/>
+          <a:p>
+            <a:pPr algn="ctr"/>
+            <a:r>
+              <a:rPr lang="en-US" dirty="0" smtClean="0"/>
+              <a:t>4</a:t>
+            </a:r>
+            <a:endParaRPr lang="en-US" dirty="0"/>
+          </a:p>
+        </p:txBody>
+      </p:sp>
+      <p:cxnSp>
+        <p:nvCxnSpPr>
+          <p:cNvPr id="26" name="Straight Arrow Connector 25"/>
+          <p:cNvCxnSpPr/>
+          <p:nvPr/>
+        </p:nvCxnSpPr>
+        <p:spPr>
+          <a:xfrm flipH="1" flipV="1">
+            <a:off x="5633111" y="3228360"/>
+            <a:ext cx="1536723" cy="1"/>
+          </a:xfrm>
+          <a:prstGeom prst="straightConnector1">
+            <a:avLst/>
+          </a:prstGeom>
+          <a:ln w="28575">
+            <a:prstDash val="sysDot"/>
+            <a:headEnd type="none" w="med" len="med"/>
+            <a:tailEnd type="triangle" w="lg" len="lg"/>
+          </a:ln>
+        </p:spPr>
+        <p:style>
+          <a:lnRef idx="1">
+            <a:schemeClr val="accent2"/>
+          </a:lnRef>
+          <a:fillRef idx="0">
+            <a:schemeClr val="accent2"/>
+          </a:fillRef>
+          <a:effectRef idx="0">
+            <a:schemeClr val="accent2"/>
+          </a:effectRef>
+          <a:fontRef idx="minor">
+            <a:schemeClr val="tx1"/>
+          </a:fontRef>
+        </p:style>
+      </p:cxnSp>
+      <p:sp>
+        <p:nvSpPr>
+          <p:cNvPr id="27" name="Oval 26"/>
+          <p:cNvSpPr/>
+          <p:nvPr/>
+        </p:nvSpPr>
+        <p:spPr>
+          <a:xfrm>
+            <a:off x="6219930" y="3052918"/>
+            <a:ext cx="350875" cy="350875"/>
+          </a:xfrm>
+          <a:prstGeom prst="ellipse">
+            <a:avLst/>
+          </a:prstGeom>
+          <a:solidFill>
+            <a:srgbClr val="FF0000"/>
+          </a:solidFill>
+          <a:effectLst>
+            <a:outerShdw blurRad="50800" dist="38100" dir="8100000" algn="tr" rotWithShape="0">
+              <a:prstClr val="black">
+                <a:alpha val="40000"/>
+              </a:prstClr>
+            </a:outerShdw>
+          </a:effectLst>
+        </p:spPr>
+        <p:style>
+          <a:lnRef idx="2">
+            <a:schemeClr val="accent2">
+              <a:shade val="50000"/>
+            </a:schemeClr>
+          </a:lnRef>
+          <a:fillRef idx="1">
+            <a:schemeClr val="accent2"/>
+          </a:fillRef>
+          <a:effectRef idx="0">
+            <a:schemeClr val="accent2"/>
+          </a:effectRef>
+          <a:fontRef idx="minor">
+            <a:schemeClr val="lt1"/>
+          </a:fontRef>
+        </p:style>
+        <p:txBody>
+          <a:bodyPr rtlCol="0" anchor="ctr"/>
+          <a:lstStyle/>
+          <a:p>
+            <a:pPr algn="ctr"/>
+            <a:r>
+              <a:rPr lang="en-US" dirty="0" smtClean="0"/>
+              <a:t>3</a:t>
+            </a:r>
+            <a:endParaRPr lang="en-US" dirty="0"/>
+          </a:p>
+        </p:txBody>
+      </p:sp>
     </p:spTree>
     <p:extLst>
       <p:ext uri="{BB962C8B-B14F-4D97-AF65-F5344CB8AC3E}">
-        <p14:creationId xmlns:p14="http://schemas.microsoft.com/office/powerpoint/2010/main" val="2452153007"/>
+        <p14:creationId xmlns:p14="http://schemas.microsoft.com/office/powerpoint/2010/main" val="167999217"/>
       </p:ext>
     </p:extLst>
   </p:cSld>
@@ -10040,7 +10530,7 @@
       </p:grpSpPr>
       <p:sp>
         <p:nvSpPr>
-          <p:cNvPr id="5" name="Rounded Rectangle 4"/>
+          <p:cNvPr id="8" name="Rounded Rectangle 7"/>
           <p:cNvSpPr/>
           <p:nvPr/>
         </p:nvSpPr>
@@ -10084,149 +10574,14 @@
       </p:sp>
       <p:sp>
         <p:nvSpPr>
-          <p:cNvPr id="4" name="Rounded Rectangle 3"/>
+          <p:cNvPr id="2" name="Rectangle 1"/>
           <p:cNvSpPr/>
           <p:nvPr/>
         </p:nvSpPr>
         <p:spPr>
           <a:xfrm>
-            <a:off x="877548" y="1965463"/>
-            <a:ext cx="1403132" cy="717332"/>
-          </a:xfrm>
-          <a:prstGeom prst="roundRect">
-            <a:avLst/>
-          </a:prstGeom>
-        </p:spPr>
-        <p:style>
-          <a:lnRef idx="0">
-            <a:schemeClr val="accent2"/>
-          </a:lnRef>
-          <a:fillRef idx="3">
-            <a:schemeClr val="accent2"/>
-          </a:fillRef>
-          <a:effectRef idx="3">
-            <a:schemeClr val="accent2"/>
-          </a:effectRef>
-          <a:fontRef idx="minor">
-            <a:schemeClr val="lt1"/>
-          </a:fontRef>
-        </p:style>
-        <p:txBody>
-          <a:bodyPr rtlCol="0" anchor="ctr"/>
-          <a:lstStyle/>
-          <a:p>
-            <a:pPr algn="ctr"/>
-            <a:endParaRPr lang="en-US" sz="1013" b="1" spc="38" dirty="0">
-              <a:ln w="9525" cmpd="sng">
-                <a:solidFill>
-                  <a:schemeClr val="accent1"/>
-                </a:solidFill>
-                <a:prstDash val="solid"/>
-              </a:ln>
-              <a:solidFill>
-                <a:srgbClr val="70AD47">
-                  <a:tint val="1000"/>
-                </a:srgbClr>
-              </a:solidFill>
-              <a:effectLst>
-                <a:glow rad="38100">
-                  <a:schemeClr val="accent1">
-                    <a:alpha val="40000"/>
-                  </a:schemeClr>
-                </a:glow>
-              </a:effectLst>
-            </a:endParaRPr>
-          </a:p>
-        </p:txBody>
-      </p:sp>
-      <p:sp>
-        <p:nvSpPr>
-          <p:cNvPr id="7" name="Rounded Rectangle 6"/>
-          <p:cNvSpPr/>
-          <p:nvPr/>
-        </p:nvSpPr>
-        <p:spPr>
-          <a:xfrm>
-            <a:off x="6509335" y="1965463"/>
-            <a:ext cx="1403132" cy="717332"/>
-          </a:xfrm>
-          <a:prstGeom prst="roundRect">
-            <a:avLst/>
-          </a:prstGeom>
-        </p:spPr>
-        <p:style>
-          <a:lnRef idx="0">
-            <a:schemeClr val="accent2"/>
-          </a:lnRef>
-          <a:fillRef idx="3">
-            <a:schemeClr val="accent2"/>
-          </a:fillRef>
-          <a:effectRef idx="3">
-            <a:schemeClr val="accent2"/>
-          </a:effectRef>
-          <a:fontRef idx="minor">
-            <a:schemeClr val="lt1"/>
-          </a:fontRef>
-        </p:style>
-        <p:txBody>
-          <a:bodyPr rtlCol="0" anchor="ctr"/>
-          <a:lstStyle/>
-          <a:p>
-            <a:pPr algn="ctr"/>
-            <a:endParaRPr lang="en-US" sz="1013" dirty="0"/>
-          </a:p>
-        </p:txBody>
-      </p:sp>
-      <p:sp>
-        <p:nvSpPr>
-          <p:cNvPr id="2" name="Can 1"/>
-          <p:cNvSpPr/>
-          <p:nvPr/>
-        </p:nvSpPr>
-        <p:spPr>
-          <a:xfrm rot="5400000">
-            <a:off x="4036341" y="1183986"/>
-            <a:ext cx="717332" cy="2280285"/>
-          </a:xfrm>
-          <a:prstGeom prst="can">
-            <a:avLst/>
-          </a:prstGeom>
-        </p:spPr>
-        <p:style>
-          <a:lnRef idx="2">
-            <a:schemeClr val="accent1">
-              <a:shade val="50000"/>
-            </a:schemeClr>
-          </a:lnRef>
-          <a:fillRef idx="1">
-            <a:schemeClr val="accent1"/>
-          </a:fillRef>
-          <a:effectRef idx="0">
-            <a:schemeClr val="accent1"/>
-          </a:effectRef>
-          <a:fontRef idx="minor">
-            <a:schemeClr val="lt1"/>
-          </a:fontRef>
-        </p:style>
-        <p:txBody>
-          <a:bodyPr rtlCol="0" anchor="ctr"/>
-          <a:lstStyle/>
-          <a:p>
-            <a:pPr algn="ctr"/>
-            <a:endParaRPr lang="en-US" sz="1013"/>
-          </a:p>
-        </p:txBody>
-      </p:sp>
-      <p:sp>
-        <p:nvSpPr>
-          <p:cNvPr id="3" name="Rectangle 2"/>
-          <p:cNvSpPr/>
-          <p:nvPr/>
-        </p:nvSpPr>
-        <p:spPr>
-          <a:xfrm>
-            <a:off x="3527431" y="1977880"/>
-            <a:ext cx="1574790" cy="692497"/>
+            <a:off x="3295959" y="-425133"/>
+            <a:ext cx="2561920" cy="6247864"/>
           </a:xfrm>
           <a:prstGeom prst="rect">
             <a:avLst/>
@@ -10234,271 +10589,70 @@
           <a:noFill/>
         </p:spPr>
         <p:txBody>
-          <a:bodyPr wrap="none" lIns="68580" tIns="34290" rIns="68580" bIns="34290">
+          <a:bodyPr wrap="none" lIns="91440" tIns="45720" rIns="91440" bIns="45720">
             <a:spAutoFit/>
           </a:bodyPr>
           <a:lstStyle/>
           <a:p>
             <a:pPr algn="ctr"/>
             <a:r>
-              <a:rPr lang="en-US" sz="4050" b="1" dirty="0">
-                <a:ln w="10160">
-                  <a:solidFill>
-                    <a:schemeClr val="accent5"/>
-                  </a:solidFill>
-                  <a:prstDash val="solid"/>
-                </a:ln>
-                <a:solidFill>
-                  <a:srgbClr val="FFFFFF"/>
-                </a:solidFill>
+              <a:rPr lang="en-US" sz="40000" b="1" dirty="0" smtClean="0">
+                <a:ln/>
+                <a:pattFill prst="dkUpDiag">
+                  <a:fgClr>
+                    <a:schemeClr val="bg1">
+                      <a:lumMod val="50000"/>
+                    </a:schemeClr>
+                  </a:fgClr>
+                  <a:bgClr>
+                    <a:schemeClr val="tx1">
+                      <a:lumMod val="75000"/>
+                      <a:lumOff val="25000"/>
+                    </a:schemeClr>
+                  </a:bgClr>
+                </a:pattFill>
                 <a:effectLst>
-                  <a:outerShdw blurRad="38100" dist="22860" dir="5400000" algn="tl" rotWithShape="0">
-                    <a:srgbClr val="000000">
-                      <a:alpha val="30000"/>
-                    </a:srgbClr>
+                  <a:outerShdw blurRad="38100" dist="19050" dir="2700000" algn="tl" rotWithShape="0">
+                    <a:schemeClr val="dk1">
+                      <a:lumMod val="50000"/>
+                      <a:alpha val="40000"/>
+                    </a:schemeClr>
                   </a:outerShdw>
                 </a:effectLst>
               </a:rPr>
-              <a:t>Queue</a:t>
-            </a:r>
-          </a:p>
-        </p:txBody>
-      </p:sp>
-      <p:sp>
-        <p:nvSpPr>
-          <p:cNvPr id="8" name="Rectangle 7"/>
-          <p:cNvSpPr/>
-          <p:nvPr/>
-        </p:nvSpPr>
-        <p:spPr>
-          <a:xfrm>
-            <a:off x="508434" y="2116379"/>
-            <a:ext cx="2141360" cy="415498"/>
-          </a:xfrm>
-          <a:prstGeom prst="rect">
-            <a:avLst/>
-          </a:prstGeom>
-          <a:noFill/>
-        </p:spPr>
-        <p:txBody>
-          <a:bodyPr wrap="square" lIns="68580" tIns="34290" rIns="68580" bIns="34290">
-            <a:spAutoFit/>
-          </a:bodyPr>
-          <a:lstStyle/>
-          <a:p>
-            <a:pPr algn="ctr"/>
-            <a:r>
-              <a:rPr lang="en-US" sz="2250" b="1" dirty="0">
-                <a:ln w="6600">
-                  <a:solidFill>
-                    <a:schemeClr val="accent2"/>
-                  </a:solidFill>
-                  <a:prstDash val="solid"/>
-                </a:ln>
-                <a:solidFill>
-                  <a:srgbClr val="FFFFFF"/>
-                </a:solidFill>
-                <a:effectLst>
-                  <a:outerShdw dist="38100" dir="2700000" algn="tl" rotWithShape="0">
-                    <a:schemeClr val="accent2"/>
-                  </a:outerShdw>
-                </a:effectLst>
-              </a:rPr>
-              <a:t>Producer</a:t>
-            </a:r>
-            <a:endParaRPr lang="en-US" sz="2250" b="1" dirty="0">
-              <a:ln w="10160">
-                <a:solidFill>
-                  <a:schemeClr val="accent5"/>
-                </a:solidFill>
-                <a:prstDash val="solid"/>
-              </a:ln>
-              <a:solidFill>
-                <a:srgbClr val="FFFFFF"/>
-              </a:solidFill>
+              <a:t>?</a:t>
+            </a:r>
+            <a:endParaRPr lang="en-US" sz="40000" b="1" dirty="0">
+              <a:ln/>
+              <a:pattFill prst="dkUpDiag">
+                <a:fgClr>
+                  <a:schemeClr val="bg1">
+                    <a:lumMod val="50000"/>
+                  </a:schemeClr>
+                </a:fgClr>
+                <a:bgClr>
+                  <a:schemeClr val="tx1">
+                    <a:lumMod val="75000"/>
+                    <a:lumOff val="25000"/>
+                  </a:schemeClr>
+                </a:bgClr>
+              </a:pattFill>
               <a:effectLst>
-                <a:outerShdw blurRad="38100" dist="22860" dir="5400000" algn="tl" rotWithShape="0">
-                  <a:srgbClr val="000000">
-                    <a:alpha val="30000"/>
-                  </a:srgbClr>
+                <a:outerShdw blurRad="38100" dist="19050" dir="2700000" algn="tl" rotWithShape="0">
+                  <a:schemeClr val="dk1">
+                    <a:lumMod val="50000"/>
+                    <a:alpha val="40000"/>
+                  </a:schemeClr>
                 </a:outerShdw>
               </a:effectLst>
             </a:endParaRPr>
           </a:p>
         </p:txBody>
       </p:sp>
-      <p:sp>
-        <p:nvSpPr>
-          <p:cNvPr id="9" name="Rectangle 8"/>
-          <p:cNvSpPr/>
-          <p:nvPr/>
-        </p:nvSpPr>
-        <p:spPr>
-          <a:xfrm>
-            <a:off x="6140221" y="2116379"/>
-            <a:ext cx="2141360" cy="415498"/>
-          </a:xfrm>
-          <a:prstGeom prst="rect">
-            <a:avLst/>
-          </a:prstGeom>
-          <a:noFill/>
-        </p:spPr>
-        <p:txBody>
-          <a:bodyPr wrap="square" lIns="68580" tIns="34290" rIns="68580" bIns="34290">
-            <a:spAutoFit/>
-          </a:bodyPr>
-          <a:lstStyle/>
-          <a:p>
-            <a:pPr algn="ctr"/>
-            <a:r>
-              <a:rPr lang="en-US" sz="2250" b="1" dirty="0">
-                <a:ln w="6600">
-                  <a:solidFill>
-                    <a:schemeClr val="accent2"/>
-                  </a:solidFill>
-                  <a:prstDash val="solid"/>
-                </a:ln>
-                <a:solidFill>
-                  <a:srgbClr val="FFFFFF"/>
-                </a:solidFill>
-                <a:effectLst>
-                  <a:outerShdw dist="38100" dir="2700000" algn="tl" rotWithShape="0">
-                    <a:schemeClr val="accent2"/>
-                  </a:outerShdw>
-                </a:effectLst>
-              </a:rPr>
-              <a:t>Consumer</a:t>
-            </a:r>
-          </a:p>
-        </p:txBody>
-      </p:sp>
-      <p:cxnSp>
-        <p:nvCxnSpPr>
-          <p:cNvPr id="11" name="Straight Arrow Connector 10"/>
-          <p:cNvCxnSpPr/>
-          <p:nvPr/>
-        </p:nvCxnSpPr>
-        <p:spPr>
-          <a:xfrm>
-            <a:off x="2280680" y="2324129"/>
-            <a:ext cx="974185" cy="1"/>
-          </a:xfrm>
-          <a:prstGeom prst="straightConnector1">
-            <a:avLst/>
-          </a:prstGeom>
-          <a:ln w="38100" cap="flat" cmpd="sng" algn="ctr">
-            <a:solidFill>
-              <a:schemeClr val="accent2"/>
-            </a:solidFill>
-            <a:prstDash val="lgDash"/>
-            <a:round/>
-            <a:headEnd type="none" w="med" len="med"/>
-            <a:tailEnd type="arrow" w="med" len="med"/>
-          </a:ln>
-        </p:spPr>
-        <p:style>
-          <a:lnRef idx="0">
-            <a:scrgbClr r="0" g="0" b="0"/>
-          </a:lnRef>
-          <a:fillRef idx="0">
-            <a:scrgbClr r="0" g="0" b="0"/>
-          </a:fillRef>
-          <a:effectRef idx="0">
-            <a:scrgbClr r="0" g="0" b="0"/>
-          </a:effectRef>
-          <a:fontRef idx="minor">
-            <a:schemeClr val="tx1"/>
-          </a:fontRef>
-        </p:style>
-      </p:cxnSp>
-      <p:cxnSp>
-        <p:nvCxnSpPr>
-          <p:cNvPr id="12" name="Straight Arrow Connector 11"/>
-          <p:cNvCxnSpPr/>
-          <p:nvPr/>
-        </p:nvCxnSpPr>
-        <p:spPr>
-          <a:xfrm flipV="1">
-            <a:off x="5535149" y="2322968"/>
-            <a:ext cx="974186" cy="2321"/>
-          </a:xfrm>
-          <a:prstGeom prst="straightConnector1">
-            <a:avLst/>
-          </a:prstGeom>
-          <a:ln w="38100" cap="flat" cmpd="sng" algn="ctr">
-            <a:solidFill>
-              <a:schemeClr val="accent2"/>
-            </a:solidFill>
-            <a:prstDash val="lgDash"/>
-            <a:round/>
-            <a:headEnd type="none" w="med" len="med"/>
-            <a:tailEnd type="arrow" w="med" len="med"/>
-          </a:ln>
-        </p:spPr>
-        <p:style>
-          <a:lnRef idx="0">
-            <a:scrgbClr r="0" g="0" b="0"/>
-          </a:lnRef>
-          <a:fillRef idx="0">
-            <a:scrgbClr r="0" g="0" b="0"/>
-          </a:fillRef>
-          <a:effectRef idx="0">
-            <a:scrgbClr r="0" g="0" b="0"/>
-          </a:effectRef>
-          <a:fontRef idx="minor">
-            <a:schemeClr val="tx1"/>
-          </a:fontRef>
-        </p:style>
-      </p:cxnSp>
-      <p:sp>
-        <p:nvSpPr>
-          <p:cNvPr id="10" name="Flowchart: Direct Access Storage 9"/>
-          <p:cNvSpPr/>
-          <p:nvPr/>
-        </p:nvSpPr>
-        <p:spPr>
-          <a:xfrm>
-            <a:off x="3527432" y="3859619"/>
-            <a:ext cx="151434" cy="396428"/>
-          </a:xfrm>
-          <a:prstGeom prst="flowChartMagneticDrum">
-            <a:avLst/>
-          </a:prstGeom>
-          <a:solidFill>
-            <a:schemeClr val="accent1">
-              <a:lumMod val="60000"/>
-              <a:lumOff val="40000"/>
-            </a:schemeClr>
-          </a:solidFill>
-          <a:ln/>
-        </p:spPr>
-        <p:style>
-          <a:lnRef idx="2">
-            <a:schemeClr val="accent5"/>
-          </a:lnRef>
-          <a:fillRef idx="1">
-            <a:schemeClr val="lt1"/>
-          </a:fillRef>
-          <a:effectRef idx="0">
-            <a:schemeClr val="accent5"/>
-          </a:effectRef>
-          <a:fontRef idx="minor">
-            <a:schemeClr val="dk1"/>
-          </a:fontRef>
-        </p:style>
-        <p:txBody>
-          <a:bodyPr rtlCol="0" anchor="ctr"/>
-          <a:lstStyle/>
-          <a:p>
-            <a:pPr algn="ctr"/>
-            <a:endParaRPr lang="en-US"/>
-          </a:p>
-        </p:txBody>
-      </p:sp>
     </p:spTree>
     <p:extLst>
       <p:ext uri="{BB962C8B-B14F-4D97-AF65-F5344CB8AC3E}">
-        <p14:creationId xmlns:p14="http://schemas.microsoft.com/office/powerpoint/2010/main" val="1331299405"/>
+        <p14:creationId xmlns:p14="http://schemas.microsoft.com/office/powerpoint/2010/main" val="3724410020"/>
       </p:ext>
     </p:extLst>
   </p:cSld>

--- a/ppt/jms slides.pptx
+++ b/ppt/jms slides.pptx
@@ -10,10 +10,13 @@
     <p:sldId id="261" r:id="rId4"/>
     <p:sldId id="262" r:id="rId5"/>
     <p:sldId id="265" r:id="rId6"/>
-    <p:sldId id="266" r:id="rId7"/>
-    <p:sldId id="270" r:id="rId8"/>
-    <p:sldId id="271" r:id="rId9"/>
-    <p:sldId id="267" r:id="rId10"/>
+    <p:sldId id="272" r:id="rId7"/>
+    <p:sldId id="266" r:id="rId8"/>
+    <p:sldId id="274" r:id="rId9"/>
+    <p:sldId id="275" r:id="rId10"/>
+    <p:sldId id="270" r:id="rId11"/>
+    <p:sldId id="271" r:id="rId12"/>
+    <p:sldId id="267" r:id="rId13"/>
   </p:sldIdLst>
   <p:sldSz cx="9144000" cy="5143500" type="screen16x9"/>
   <p:notesSz cx="6858000" cy="9144000"/>
@@ -3477,6 +3480,2109 @@
 </p:sld>
 </file>
 
+<file path=ppt/slides/slide10.xml><?xml version="1.0" encoding="utf-8"?>
+<p:sld xmlns:a="http://schemas.openxmlformats.org/drawingml/2006/main" xmlns:r="http://schemas.openxmlformats.org/officeDocument/2006/relationships" xmlns:p="http://schemas.openxmlformats.org/presentationml/2006/main">
+  <p:cSld>
+    <p:bg>
+      <p:bgPr>
+        <a:solidFill>
+          <a:schemeClr val="bg1">
+            <a:alpha val="0"/>
+          </a:schemeClr>
+        </a:solidFill>
+        <a:effectLst/>
+      </p:bgPr>
+    </p:bg>
+    <p:spTree>
+      <p:nvGrpSpPr>
+        <p:cNvPr id="1" name=""/>
+        <p:cNvGrpSpPr/>
+        <p:nvPr/>
+      </p:nvGrpSpPr>
+      <p:grpSpPr>
+        <a:xfrm>
+          <a:off x="0" y="0"/>
+          <a:ext cx="0" cy="0"/>
+          <a:chOff x="0" y="0"/>
+          <a:chExt cx="0" cy="0"/>
+        </a:xfrm>
+      </p:grpSpPr>
+      <p:sp>
+        <p:nvSpPr>
+          <p:cNvPr id="14" name="Rounded Rectangle 13"/>
+          <p:cNvSpPr/>
+          <p:nvPr/>
+        </p:nvSpPr>
+        <p:spPr>
+          <a:xfrm>
+            <a:off x="3289678" y="1678991"/>
+            <a:ext cx="2396745" cy="1761549"/>
+          </a:xfrm>
+          <a:prstGeom prst="roundRect">
+            <a:avLst/>
+          </a:prstGeom>
+          <a:solidFill>
+            <a:schemeClr val="accent3">
+              <a:alpha val="50000"/>
+            </a:schemeClr>
+          </a:solidFill>
+          <a:ln>
+            <a:noFill/>
+          </a:ln>
+        </p:spPr>
+        <p:style>
+          <a:lnRef idx="0">
+            <a:scrgbClr r="0" g="0" b="0"/>
+          </a:lnRef>
+          <a:fillRef idx="0">
+            <a:scrgbClr r="0" g="0" b="0"/>
+          </a:fillRef>
+          <a:effectRef idx="0">
+            <a:scrgbClr r="0" g="0" b="0"/>
+          </a:effectRef>
+          <a:fontRef idx="minor">
+            <a:schemeClr val="lt1"/>
+          </a:fontRef>
+        </p:style>
+        <p:txBody>
+          <a:bodyPr rtlCol="0" anchor="ctr"/>
+          <a:lstStyle/>
+          <a:p>
+            <a:pPr algn="ctr"/>
+            <a:r>
+              <a:rPr lang="en-US" sz="1013" dirty="0" err="1"/>
+              <a:t>Jms</a:t>
+            </a:r>
+            <a:r>
+              <a:rPr lang="en-US" sz="1013" dirty="0"/>
+              <a:t> Client</a:t>
+            </a:r>
+          </a:p>
+        </p:txBody>
+      </p:sp>
+      <p:sp>
+        <p:nvSpPr>
+          <p:cNvPr id="8" name="Rounded Rectangle 7"/>
+          <p:cNvSpPr/>
+          <p:nvPr/>
+        </p:nvSpPr>
+        <p:spPr>
+          <a:xfrm>
+            <a:off x="9838" y="0"/>
+            <a:ext cx="9134162" cy="5143500"/>
+          </a:xfrm>
+          <a:prstGeom prst="roundRect">
+            <a:avLst/>
+          </a:prstGeom>
+          <a:noFill/>
+          <a:ln>
+            <a:noFill/>
+          </a:ln>
+        </p:spPr>
+        <p:style>
+          <a:lnRef idx="2">
+            <a:schemeClr val="accent1">
+              <a:shade val="50000"/>
+            </a:schemeClr>
+          </a:lnRef>
+          <a:fillRef idx="1">
+            <a:schemeClr val="accent1"/>
+          </a:fillRef>
+          <a:effectRef idx="0">
+            <a:schemeClr val="accent1"/>
+          </a:effectRef>
+          <a:fontRef idx="minor">
+            <a:schemeClr val="lt1"/>
+          </a:fontRef>
+        </p:style>
+        <p:txBody>
+          <a:bodyPr rtlCol="0" anchor="ctr"/>
+          <a:lstStyle/>
+          <a:p>
+            <a:pPr algn="ctr"/>
+            <a:endParaRPr lang="en-US" sz="1013"/>
+          </a:p>
+        </p:txBody>
+      </p:sp>
+      <p:sp>
+        <p:nvSpPr>
+          <p:cNvPr id="9" name="Can 8"/>
+          <p:cNvSpPr/>
+          <p:nvPr/>
+        </p:nvSpPr>
+        <p:spPr>
+          <a:xfrm rot="5400000">
+            <a:off x="4129384" y="1419623"/>
+            <a:ext cx="717332" cy="2280285"/>
+          </a:xfrm>
+          <a:prstGeom prst="can">
+            <a:avLst/>
+          </a:prstGeom>
+          <a:effectLst>
+            <a:outerShdw blurRad="50800" dist="38100" dir="8100000" algn="tr" rotWithShape="0">
+              <a:prstClr val="black">
+                <a:alpha val="40000"/>
+              </a:prstClr>
+            </a:outerShdw>
+          </a:effectLst>
+        </p:spPr>
+        <p:style>
+          <a:lnRef idx="2">
+            <a:schemeClr val="accent1">
+              <a:shade val="50000"/>
+            </a:schemeClr>
+          </a:lnRef>
+          <a:fillRef idx="1">
+            <a:schemeClr val="accent1"/>
+          </a:fillRef>
+          <a:effectRef idx="0">
+            <a:schemeClr val="accent1"/>
+          </a:effectRef>
+          <a:fontRef idx="minor">
+            <a:schemeClr val="lt1"/>
+          </a:fontRef>
+        </p:style>
+        <p:txBody>
+          <a:bodyPr rtlCol="0" anchor="ctr"/>
+          <a:lstStyle/>
+          <a:p>
+            <a:pPr algn="ctr"/>
+            <a:endParaRPr lang="en-US" sz="1013"/>
+          </a:p>
+        </p:txBody>
+      </p:sp>
+      <p:sp>
+        <p:nvSpPr>
+          <p:cNvPr id="10" name="Rectangle 9"/>
+          <p:cNvSpPr/>
+          <p:nvPr/>
+        </p:nvSpPr>
+        <p:spPr>
+          <a:xfrm>
+            <a:off x="3700655" y="2213517"/>
+            <a:ext cx="1574790" cy="692497"/>
+          </a:xfrm>
+          <a:prstGeom prst="rect">
+            <a:avLst/>
+          </a:prstGeom>
+          <a:noFill/>
+        </p:spPr>
+        <p:txBody>
+          <a:bodyPr wrap="none" lIns="68580" tIns="34290" rIns="68580" bIns="34290">
+            <a:spAutoFit/>
+          </a:bodyPr>
+          <a:lstStyle/>
+          <a:p>
+            <a:pPr algn="ctr"/>
+            <a:r>
+              <a:rPr lang="en-US" sz="4050" b="1" dirty="0">
+                <a:ln w="12700">
+                  <a:solidFill>
+                    <a:schemeClr val="accent3">
+                      <a:lumMod val="50000"/>
+                    </a:schemeClr>
+                  </a:solidFill>
+                  <a:prstDash val="solid"/>
+                </a:ln>
+                <a:pattFill prst="narHorz">
+                  <a:fgClr>
+                    <a:schemeClr val="accent3"/>
+                  </a:fgClr>
+                  <a:bgClr>
+                    <a:schemeClr val="accent3">
+                      <a:lumMod val="40000"/>
+                      <a:lumOff val="60000"/>
+                    </a:schemeClr>
+                  </a:bgClr>
+                </a:pattFill>
+                <a:effectLst>
+                  <a:innerShdw blurRad="177800">
+                    <a:schemeClr val="accent3">
+                      <a:lumMod val="50000"/>
+                    </a:schemeClr>
+                  </a:innerShdw>
+                </a:effectLst>
+              </a:rPr>
+              <a:t>Queue</a:t>
+            </a:r>
+            <a:endParaRPr lang="en-US" sz="4050" b="1" dirty="0">
+              <a:ln w="10160">
+                <a:solidFill>
+                  <a:schemeClr val="accent5"/>
+                </a:solidFill>
+                <a:prstDash val="solid"/>
+              </a:ln>
+              <a:solidFill>
+                <a:srgbClr val="FFFFFF"/>
+              </a:solidFill>
+              <a:effectLst>
+                <a:outerShdw blurRad="38100" dist="22860" dir="5400000" algn="tl" rotWithShape="0">
+                  <a:srgbClr val="000000">
+                    <a:alpha val="30000"/>
+                  </a:srgbClr>
+                </a:outerShdw>
+              </a:effectLst>
+            </a:endParaRPr>
+          </a:p>
+        </p:txBody>
+      </p:sp>
+      <p:sp>
+        <p:nvSpPr>
+          <p:cNvPr id="11" name="Rounded Rectangle 10"/>
+          <p:cNvSpPr/>
+          <p:nvPr/>
+        </p:nvSpPr>
+        <p:spPr>
+          <a:xfrm>
+            <a:off x="7164916" y="2079403"/>
+            <a:ext cx="1971628" cy="960728"/>
+          </a:xfrm>
+          <a:prstGeom prst="roundRect">
+            <a:avLst/>
+          </a:prstGeom>
+        </p:spPr>
+        <p:style>
+          <a:lnRef idx="0">
+            <a:schemeClr val="accent2"/>
+          </a:lnRef>
+          <a:fillRef idx="3">
+            <a:schemeClr val="accent2"/>
+          </a:fillRef>
+          <a:effectRef idx="3">
+            <a:schemeClr val="accent2"/>
+          </a:effectRef>
+          <a:fontRef idx="minor">
+            <a:schemeClr val="lt1"/>
+          </a:fontRef>
+        </p:style>
+        <p:txBody>
+          <a:bodyPr rtlCol="0" anchor="ctr"/>
+          <a:lstStyle/>
+          <a:p>
+            <a:pPr algn="ctr"/>
+            <a:endParaRPr lang="en-US" sz="1013" dirty="0"/>
+          </a:p>
+        </p:txBody>
+      </p:sp>
+      <p:sp>
+        <p:nvSpPr>
+          <p:cNvPr id="13" name="Rounded Rectangle 12"/>
+          <p:cNvSpPr/>
+          <p:nvPr/>
+        </p:nvSpPr>
+        <p:spPr>
+          <a:xfrm>
+            <a:off x="-4509" y="2079403"/>
+            <a:ext cx="1971628" cy="960728"/>
+          </a:xfrm>
+          <a:prstGeom prst="roundRect">
+            <a:avLst/>
+          </a:prstGeom>
+        </p:spPr>
+        <p:style>
+          <a:lnRef idx="0">
+            <a:schemeClr val="accent2"/>
+          </a:lnRef>
+          <a:fillRef idx="3">
+            <a:schemeClr val="accent2"/>
+          </a:fillRef>
+          <a:effectRef idx="3">
+            <a:schemeClr val="accent2"/>
+          </a:effectRef>
+          <a:fontRef idx="minor">
+            <a:schemeClr val="lt1"/>
+          </a:fontRef>
+        </p:style>
+        <p:txBody>
+          <a:bodyPr rtlCol="0" anchor="ctr"/>
+          <a:lstStyle/>
+          <a:p>
+            <a:pPr algn="ctr"/>
+            <a:endParaRPr lang="en-US" sz="1013" dirty="0"/>
+          </a:p>
+        </p:txBody>
+      </p:sp>
+      <p:sp>
+        <p:nvSpPr>
+          <p:cNvPr id="15" name="Rectangle 14"/>
+          <p:cNvSpPr/>
+          <p:nvPr/>
+        </p:nvSpPr>
+        <p:spPr>
+          <a:xfrm>
+            <a:off x="333659" y="2340476"/>
+            <a:ext cx="1295291" cy="438582"/>
+          </a:xfrm>
+          <a:prstGeom prst="rect">
+            <a:avLst/>
+          </a:prstGeom>
+          <a:noFill/>
+          <a:ln>
+            <a:noFill/>
+          </a:ln>
+          <a:effectLst>
+            <a:outerShdw blurRad="50800" dist="38100" dir="8100000" algn="tr" rotWithShape="0">
+              <a:prstClr val="black">
+                <a:alpha val="40000"/>
+              </a:prstClr>
+            </a:outerShdw>
+          </a:effectLst>
+        </p:spPr>
+        <p:txBody>
+          <a:bodyPr wrap="none" lIns="68580" tIns="34290" rIns="68580" bIns="34290">
+            <a:spAutoFit/>
+          </a:bodyPr>
+          <a:lstStyle/>
+          <a:p>
+            <a:pPr algn="ctr"/>
+            <a:r>
+              <a:rPr lang="en-US" sz="2400" b="1" dirty="0">
+                <a:ln w="12700">
+                  <a:solidFill>
+                    <a:schemeClr val="accent3">
+                      <a:lumMod val="50000"/>
+                    </a:schemeClr>
+                  </a:solidFill>
+                  <a:prstDash val="solid"/>
+                </a:ln>
+                <a:pattFill prst="narHorz">
+                  <a:fgClr>
+                    <a:schemeClr val="accent3"/>
+                  </a:fgClr>
+                  <a:bgClr>
+                    <a:schemeClr val="accent3">
+                      <a:lumMod val="40000"/>
+                      <a:lumOff val="60000"/>
+                    </a:schemeClr>
+                  </a:bgClr>
+                </a:pattFill>
+                <a:effectLst>
+                  <a:innerShdw blurRad="177800">
+                    <a:schemeClr val="accent3">
+                      <a:lumMod val="50000"/>
+                    </a:schemeClr>
+                  </a:innerShdw>
+                </a:effectLst>
+              </a:rPr>
+              <a:t>Producer</a:t>
+            </a:r>
+          </a:p>
+        </p:txBody>
+      </p:sp>
+      <p:sp>
+        <p:nvSpPr>
+          <p:cNvPr id="16" name="Rectangle 15"/>
+          <p:cNvSpPr/>
+          <p:nvPr/>
+        </p:nvSpPr>
+        <p:spPr>
+          <a:xfrm>
+            <a:off x="7433066" y="2340476"/>
+            <a:ext cx="1435329" cy="438582"/>
+          </a:xfrm>
+          <a:prstGeom prst="rect">
+            <a:avLst/>
+          </a:prstGeom>
+          <a:noFill/>
+          <a:ln>
+            <a:noFill/>
+          </a:ln>
+          <a:effectLst>
+            <a:outerShdw blurRad="50800" dist="38100" dir="8100000" algn="tr" rotWithShape="0">
+              <a:prstClr val="black">
+                <a:alpha val="40000"/>
+              </a:prstClr>
+            </a:outerShdw>
+          </a:effectLst>
+        </p:spPr>
+        <p:txBody>
+          <a:bodyPr wrap="none" lIns="68580" tIns="34290" rIns="68580" bIns="34290">
+            <a:spAutoFit/>
+          </a:bodyPr>
+          <a:lstStyle/>
+          <a:p>
+            <a:pPr algn="ctr"/>
+            <a:r>
+              <a:rPr lang="en-US" sz="2400" b="1" dirty="0" smtClean="0">
+                <a:ln w="12700">
+                  <a:solidFill>
+                    <a:schemeClr val="accent3">
+                      <a:lumMod val="50000"/>
+                    </a:schemeClr>
+                  </a:solidFill>
+                  <a:prstDash val="solid"/>
+                </a:ln>
+                <a:pattFill prst="narHorz">
+                  <a:fgClr>
+                    <a:schemeClr val="accent3"/>
+                  </a:fgClr>
+                  <a:bgClr>
+                    <a:schemeClr val="accent3">
+                      <a:lumMod val="40000"/>
+                      <a:lumOff val="60000"/>
+                    </a:schemeClr>
+                  </a:bgClr>
+                </a:pattFill>
+                <a:effectLst>
+                  <a:innerShdw blurRad="177800">
+                    <a:schemeClr val="accent3">
+                      <a:lumMod val="50000"/>
+                    </a:schemeClr>
+                  </a:innerShdw>
+                </a:effectLst>
+              </a:rPr>
+              <a:t>Consumer</a:t>
+            </a:r>
+            <a:endParaRPr lang="en-US" sz="2400" b="1" dirty="0">
+              <a:ln w="12700" cmpd="sng">
+                <a:solidFill>
+                  <a:schemeClr val="accent4"/>
+                </a:solidFill>
+                <a:prstDash val="solid"/>
+              </a:ln>
+              <a:gradFill>
+                <a:gsLst>
+                  <a:gs pos="0">
+                    <a:schemeClr val="accent4"/>
+                  </a:gs>
+                  <a:gs pos="4000">
+                    <a:schemeClr val="accent4">
+                      <a:lumMod val="60000"/>
+                      <a:lumOff val="40000"/>
+                    </a:schemeClr>
+                  </a:gs>
+                  <a:gs pos="87000">
+                    <a:schemeClr val="accent4">
+                      <a:lumMod val="20000"/>
+                      <a:lumOff val="80000"/>
+                    </a:schemeClr>
+                  </a:gs>
+                </a:gsLst>
+                <a:lin ang="5400000"/>
+              </a:gradFill>
+            </a:endParaRPr>
+          </a:p>
+        </p:txBody>
+      </p:sp>
+      <p:sp>
+        <p:nvSpPr>
+          <p:cNvPr id="19" name="Rectangle 18"/>
+          <p:cNvSpPr/>
+          <p:nvPr/>
+        </p:nvSpPr>
+        <p:spPr>
+          <a:xfrm>
+            <a:off x="3872573" y="1706086"/>
+            <a:ext cx="1129413" cy="500137"/>
+          </a:xfrm>
+          <a:prstGeom prst="rect">
+            <a:avLst/>
+          </a:prstGeom>
+          <a:noFill/>
+          <a:ln>
+            <a:noFill/>
+          </a:ln>
+        </p:spPr>
+        <p:txBody>
+          <a:bodyPr wrap="none" lIns="68580" tIns="34290" rIns="68580" bIns="34290">
+            <a:spAutoFit/>
+          </a:bodyPr>
+          <a:lstStyle/>
+          <a:p>
+            <a:pPr algn="ctr"/>
+            <a:r>
+              <a:rPr lang="en-US" sz="2800" b="1" dirty="0">
+                <a:ln/>
+                <a:pattFill prst="dkUpDiag">
+                  <a:fgClr>
+                    <a:schemeClr val="bg1">
+                      <a:lumMod val="50000"/>
+                    </a:schemeClr>
+                  </a:fgClr>
+                  <a:bgClr>
+                    <a:schemeClr val="tx1">
+                      <a:lumMod val="75000"/>
+                      <a:lumOff val="25000"/>
+                    </a:schemeClr>
+                  </a:bgClr>
+                </a:pattFill>
+                <a:effectLst>
+                  <a:outerShdw blurRad="38100" dist="19050" dir="2700000" algn="tl" rotWithShape="0">
+                    <a:schemeClr val="dk1">
+                      <a:lumMod val="50000"/>
+                      <a:alpha val="40000"/>
+                    </a:schemeClr>
+                  </a:outerShdw>
+                </a:effectLst>
+              </a:rPr>
+              <a:t>Broker</a:t>
+            </a:r>
+            <a:endParaRPr lang="en-US" sz="2800" b="1" dirty="0">
+              <a:ln w="10160">
+                <a:solidFill>
+                  <a:schemeClr val="accent2"/>
+                </a:solidFill>
+                <a:prstDash val="solid"/>
+              </a:ln>
+              <a:solidFill>
+                <a:srgbClr val="FFFFFF"/>
+              </a:solidFill>
+              <a:effectLst>
+                <a:outerShdw blurRad="38100" dist="22860" dir="5400000" algn="tl" rotWithShape="0">
+                  <a:srgbClr val="000000">
+                    <a:alpha val="30000"/>
+                  </a:srgbClr>
+                </a:outerShdw>
+              </a:effectLst>
+            </a:endParaRPr>
+          </a:p>
+        </p:txBody>
+      </p:sp>
+      <p:sp>
+        <p:nvSpPr>
+          <p:cNvPr id="2" name="Rectangle 1"/>
+          <p:cNvSpPr/>
+          <p:nvPr/>
+        </p:nvSpPr>
+        <p:spPr>
+          <a:xfrm>
+            <a:off x="-4509" y="58554"/>
+            <a:ext cx="5086136" cy="1015663"/>
+          </a:xfrm>
+          <a:prstGeom prst="rect">
+            <a:avLst/>
+          </a:prstGeom>
+          <a:noFill/>
+        </p:spPr>
+        <p:txBody>
+          <a:bodyPr wrap="none" lIns="91440" tIns="45720" rIns="91440" bIns="45720">
+            <a:spAutoFit/>
+          </a:bodyPr>
+          <a:lstStyle/>
+          <a:p>
+            <a:pPr algn="ctr"/>
+            <a:r>
+              <a:rPr lang="en-US" sz="6000" b="1" dirty="0" smtClean="0">
+                <a:ln/>
+                <a:pattFill prst="dkUpDiag">
+                  <a:fgClr>
+                    <a:schemeClr val="bg1">
+                      <a:lumMod val="50000"/>
+                    </a:schemeClr>
+                  </a:fgClr>
+                  <a:bgClr>
+                    <a:schemeClr val="tx1">
+                      <a:lumMod val="75000"/>
+                      <a:lumOff val="25000"/>
+                    </a:schemeClr>
+                  </a:bgClr>
+                </a:pattFill>
+                <a:effectLst>
+                  <a:outerShdw blurRad="38100" dist="19050" dir="2700000" algn="tl" rotWithShape="0">
+                    <a:schemeClr val="dk1">
+                      <a:lumMod val="50000"/>
+                      <a:alpha val="40000"/>
+                    </a:schemeClr>
+                  </a:outerShdw>
+                </a:effectLst>
+              </a:rPr>
+              <a:t>Fire-and-Forget</a:t>
+            </a:r>
+            <a:endParaRPr lang="en-US" sz="6000" b="1" dirty="0">
+              <a:ln/>
+              <a:pattFill prst="dkUpDiag">
+                <a:fgClr>
+                  <a:schemeClr val="bg1">
+                    <a:lumMod val="50000"/>
+                  </a:schemeClr>
+                </a:fgClr>
+                <a:bgClr>
+                  <a:schemeClr val="tx1">
+                    <a:lumMod val="75000"/>
+                    <a:lumOff val="25000"/>
+                  </a:schemeClr>
+                </a:bgClr>
+              </a:pattFill>
+              <a:effectLst>
+                <a:outerShdw blurRad="38100" dist="19050" dir="2700000" algn="tl" rotWithShape="0">
+                  <a:schemeClr val="dk1">
+                    <a:lumMod val="50000"/>
+                    <a:alpha val="40000"/>
+                  </a:schemeClr>
+                </a:outerShdw>
+              </a:effectLst>
+            </a:endParaRPr>
+          </a:p>
+        </p:txBody>
+      </p:sp>
+      <p:cxnSp>
+        <p:nvCxnSpPr>
+          <p:cNvPr id="4" name="Straight Arrow Connector 3"/>
+          <p:cNvCxnSpPr>
+            <a:stCxn id="13" idx="3"/>
+            <a:endCxn id="9" idx="3"/>
+          </p:cNvCxnSpPr>
+          <p:nvPr/>
+        </p:nvCxnSpPr>
+        <p:spPr>
+          <a:xfrm flipV="1">
+            <a:off x="1967119" y="2559766"/>
+            <a:ext cx="1380789" cy="1"/>
+          </a:xfrm>
+          <a:prstGeom prst="straightConnector1">
+            <a:avLst/>
+          </a:prstGeom>
+          <a:ln w="28575">
+            <a:prstDash val="sysDot"/>
+            <a:headEnd type="none" w="med" len="med"/>
+            <a:tailEnd type="triangle" w="lg" len="lg"/>
+          </a:ln>
+        </p:spPr>
+        <p:style>
+          <a:lnRef idx="1">
+            <a:schemeClr val="accent2"/>
+          </a:lnRef>
+          <a:fillRef idx="0">
+            <a:schemeClr val="accent2"/>
+          </a:fillRef>
+          <a:effectRef idx="0">
+            <a:schemeClr val="accent2"/>
+          </a:effectRef>
+          <a:fontRef idx="minor">
+            <a:schemeClr val="tx1"/>
+          </a:fontRef>
+        </p:style>
+      </p:cxnSp>
+      <p:cxnSp>
+        <p:nvCxnSpPr>
+          <p:cNvPr id="20" name="Straight Arrow Connector 19"/>
+          <p:cNvCxnSpPr/>
+          <p:nvPr/>
+        </p:nvCxnSpPr>
+        <p:spPr>
+          <a:xfrm flipV="1">
+            <a:off x="5628193" y="2559766"/>
+            <a:ext cx="1536723" cy="1"/>
+          </a:xfrm>
+          <a:prstGeom prst="straightConnector1">
+            <a:avLst/>
+          </a:prstGeom>
+          <a:ln w="28575">
+            <a:prstDash val="sysDot"/>
+            <a:headEnd type="none" w="med" len="med"/>
+            <a:tailEnd type="triangle" w="lg" len="lg"/>
+          </a:ln>
+        </p:spPr>
+        <p:style>
+          <a:lnRef idx="1">
+            <a:schemeClr val="accent2"/>
+          </a:lnRef>
+          <a:fillRef idx="0">
+            <a:schemeClr val="accent2"/>
+          </a:fillRef>
+          <a:effectRef idx="0">
+            <a:schemeClr val="accent2"/>
+          </a:effectRef>
+          <a:fontRef idx="minor">
+            <a:schemeClr val="tx1"/>
+          </a:fontRef>
+        </p:style>
+      </p:cxnSp>
+      <p:sp>
+        <p:nvSpPr>
+          <p:cNvPr id="22" name="Oval 21"/>
+          <p:cNvSpPr/>
+          <p:nvPr/>
+        </p:nvSpPr>
+        <p:spPr>
+          <a:xfrm>
+            <a:off x="2482075" y="2384327"/>
+            <a:ext cx="350875" cy="350875"/>
+          </a:xfrm>
+          <a:prstGeom prst="ellipse">
+            <a:avLst/>
+          </a:prstGeom>
+          <a:solidFill>
+            <a:srgbClr val="FF0000"/>
+          </a:solidFill>
+          <a:effectLst>
+            <a:outerShdw blurRad="50800" dist="38100" dir="8100000" algn="tr" rotWithShape="0">
+              <a:prstClr val="black">
+                <a:alpha val="40000"/>
+              </a:prstClr>
+            </a:outerShdw>
+          </a:effectLst>
+        </p:spPr>
+        <p:style>
+          <a:lnRef idx="2">
+            <a:schemeClr val="accent2">
+              <a:shade val="50000"/>
+            </a:schemeClr>
+          </a:lnRef>
+          <a:fillRef idx="1">
+            <a:schemeClr val="accent2"/>
+          </a:fillRef>
+          <a:effectRef idx="0">
+            <a:schemeClr val="accent2"/>
+          </a:effectRef>
+          <a:fontRef idx="minor">
+            <a:schemeClr val="lt1"/>
+          </a:fontRef>
+        </p:style>
+        <p:txBody>
+          <a:bodyPr rtlCol="0" anchor="ctr"/>
+          <a:lstStyle/>
+          <a:p>
+            <a:pPr algn="ctr"/>
+            <a:r>
+              <a:rPr lang="en-US" smtClean="0"/>
+              <a:t>1</a:t>
+            </a:r>
+            <a:endParaRPr lang="en-US" dirty="0"/>
+          </a:p>
+        </p:txBody>
+      </p:sp>
+      <p:sp>
+        <p:nvSpPr>
+          <p:cNvPr id="23" name="Oval 22"/>
+          <p:cNvSpPr/>
+          <p:nvPr/>
+        </p:nvSpPr>
+        <p:spPr>
+          <a:xfrm>
+            <a:off x="6250232" y="2385330"/>
+            <a:ext cx="350875" cy="350875"/>
+          </a:xfrm>
+          <a:prstGeom prst="ellipse">
+            <a:avLst/>
+          </a:prstGeom>
+          <a:solidFill>
+            <a:srgbClr val="FF0000"/>
+          </a:solidFill>
+          <a:effectLst>
+            <a:outerShdw blurRad="50800" dist="38100" dir="8100000" algn="tr" rotWithShape="0">
+              <a:prstClr val="black">
+                <a:alpha val="40000"/>
+              </a:prstClr>
+            </a:outerShdw>
+          </a:effectLst>
+        </p:spPr>
+        <p:style>
+          <a:lnRef idx="2">
+            <a:schemeClr val="accent2">
+              <a:shade val="50000"/>
+            </a:schemeClr>
+          </a:lnRef>
+          <a:fillRef idx="1">
+            <a:schemeClr val="accent2"/>
+          </a:fillRef>
+          <a:effectRef idx="0">
+            <a:schemeClr val="accent2"/>
+          </a:effectRef>
+          <a:fontRef idx="minor">
+            <a:schemeClr val="lt1"/>
+          </a:fontRef>
+        </p:style>
+        <p:txBody>
+          <a:bodyPr rtlCol="0" anchor="ctr"/>
+          <a:lstStyle/>
+          <a:p>
+            <a:pPr algn="ctr"/>
+            <a:r>
+              <a:rPr lang="en-US" dirty="0"/>
+              <a:t>2</a:t>
+            </a:r>
+          </a:p>
+        </p:txBody>
+      </p:sp>
+    </p:spTree>
+    <p:extLst>
+      <p:ext uri="{BB962C8B-B14F-4D97-AF65-F5344CB8AC3E}">
+        <p14:creationId xmlns:p14="http://schemas.microsoft.com/office/powerpoint/2010/main" val="562301339"/>
+      </p:ext>
+    </p:extLst>
+  </p:cSld>
+  <p:clrMapOvr>
+    <a:masterClrMapping/>
+  </p:clrMapOvr>
+  <p:timing>
+    <p:tnLst>
+      <p:par>
+        <p:cTn id="1" dur="indefinite" restart="never" nodeType="tmRoot"/>
+      </p:par>
+    </p:tnLst>
+  </p:timing>
+</p:sld>
+</file>
+
+<file path=ppt/slides/slide11.xml><?xml version="1.0" encoding="utf-8"?>
+<p:sld xmlns:a="http://schemas.openxmlformats.org/drawingml/2006/main" xmlns:r="http://schemas.openxmlformats.org/officeDocument/2006/relationships" xmlns:p="http://schemas.openxmlformats.org/presentationml/2006/main">
+  <p:cSld>
+    <p:bg>
+      <p:bgPr>
+        <a:solidFill>
+          <a:schemeClr val="bg1">
+            <a:alpha val="0"/>
+          </a:schemeClr>
+        </a:solidFill>
+        <a:effectLst/>
+      </p:bgPr>
+    </p:bg>
+    <p:spTree>
+      <p:nvGrpSpPr>
+        <p:cNvPr id="1" name=""/>
+        <p:cNvGrpSpPr/>
+        <p:nvPr/>
+      </p:nvGrpSpPr>
+      <p:grpSpPr>
+        <a:xfrm>
+          <a:off x="0" y="0"/>
+          <a:ext cx="0" cy="0"/>
+          <a:chOff x="0" y="0"/>
+          <a:chExt cx="0" cy="0"/>
+        </a:xfrm>
+      </p:grpSpPr>
+      <p:sp>
+        <p:nvSpPr>
+          <p:cNvPr id="14" name="Rounded Rectangle 13"/>
+          <p:cNvSpPr/>
+          <p:nvPr/>
+        </p:nvSpPr>
+        <p:spPr>
+          <a:xfrm>
+            <a:off x="2988890" y="1538877"/>
+            <a:ext cx="3105404" cy="2797144"/>
+          </a:xfrm>
+          <a:prstGeom prst="roundRect">
+            <a:avLst/>
+          </a:prstGeom>
+          <a:solidFill>
+            <a:schemeClr val="accent3">
+              <a:alpha val="50000"/>
+            </a:schemeClr>
+          </a:solidFill>
+          <a:ln>
+            <a:noFill/>
+          </a:ln>
+        </p:spPr>
+        <p:style>
+          <a:lnRef idx="0">
+            <a:scrgbClr r="0" g="0" b="0"/>
+          </a:lnRef>
+          <a:fillRef idx="0">
+            <a:scrgbClr r="0" g="0" b="0"/>
+          </a:fillRef>
+          <a:effectRef idx="0">
+            <a:scrgbClr r="0" g="0" b="0"/>
+          </a:effectRef>
+          <a:fontRef idx="minor">
+            <a:schemeClr val="lt1"/>
+          </a:fontRef>
+        </p:style>
+        <p:txBody>
+          <a:bodyPr rtlCol="0" anchor="ctr"/>
+          <a:lstStyle/>
+          <a:p>
+            <a:pPr algn="ctr"/>
+            <a:endParaRPr lang="en-US" sz="1013" dirty="0"/>
+          </a:p>
+        </p:txBody>
+      </p:sp>
+      <p:sp>
+        <p:nvSpPr>
+          <p:cNvPr id="8" name="Rounded Rectangle 7"/>
+          <p:cNvSpPr/>
+          <p:nvPr/>
+        </p:nvSpPr>
+        <p:spPr>
+          <a:xfrm>
+            <a:off x="9838" y="0"/>
+            <a:ext cx="9134162" cy="5143500"/>
+          </a:xfrm>
+          <a:prstGeom prst="roundRect">
+            <a:avLst/>
+          </a:prstGeom>
+          <a:noFill/>
+          <a:ln>
+            <a:noFill/>
+          </a:ln>
+        </p:spPr>
+        <p:style>
+          <a:lnRef idx="2">
+            <a:schemeClr val="accent1">
+              <a:shade val="50000"/>
+            </a:schemeClr>
+          </a:lnRef>
+          <a:fillRef idx="1">
+            <a:schemeClr val="accent1"/>
+          </a:fillRef>
+          <a:effectRef idx="0">
+            <a:schemeClr val="accent1"/>
+          </a:effectRef>
+          <a:fontRef idx="minor">
+            <a:schemeClr val="lt1"/>
+          </a:fontRef>
+        </p:style>
+        <p:txBody>
+          <a:bodyPr rtlCol="0" anchor="ctr"/>
+          <a:lstStyle/>
+          <a:p>
+            <a:pPr algn="ctr"/>
+            <a:endParaRPr lang="en-US" sz="1013"/>
+          </a:p>
+        </p:txBody>
+      </p:sp>
+      <p:sp>
+        <p:nvSpPr>
+          <p:cNvPr id="9" name="Can 8"/>
+          <p:cNvSpPr/>
+          <p:nvPr/>
+        </p:nvSpPr>
+        <p:spPr>
+          <a:xfrm rot="5400000">
+            <a:off x="4267377" y="1393571"/>
+            <a:ext cx="441342" cy="2280285"/>
+          </a:xfrm>
+          <a:prstGeom prst="can">
+            <a:avLst/>
+          </a:prstGeom>
+          <a:effectLst>
+            <a:outerShdw blurRad="50800" dist="38100" dir="8100000" algn="tr" rotWithShape="0">
+              <a:prstClr val="black">
+                <a:alpha val="40000"/>
+              </a:prstClr>
+            </a:outerShdw>
+          </a:effectLst>
+        </p:spPr>
+        <p:style>
+          <a:lnRef idx="2">
+            <a:schemeClr val="accent1">
+              <a:shade val="50000"/>
+            </a:schemeClr>
+          </a:lnRef>
+          <a:fillRef idx="1">
+            <a:schemeClr val="accent1"/>
+          </a:fillRef>
+          <a:effectRef idx="0">
+            <a:schemeClr val="accent1"/>
+          </a:effectRef>
+          <a:fontRef idx="minor">
+            <a:schemeClr val="lt1"/>
+          </a:fontRef>
+        </p:style>
+        <p:txBody>
+          <a:bodyPr rtlCol="0" anchor="ctr"/>
+          <a:lstStyle/>
+          <a:p>
+            <a:pPr algn="ctr"/>
+            <a:endParaRPr lang="en-US" sz="1013"/>
+          </a:p>
+        </p:txBody>
+      </p:sp>
+      <p:sp>
+        <p:nvSpPr>
+          <p:cNvPr id="10" name="Rectangle 9"/>
+          <p:cNvSpPr/>
+          <p:nvPr/>
+        </p:nvSpPr>
+        <p:spPr>
+          <a:xfrm>
+            <a:off x="3645332" y="2259059"/>
+            <a:ext cx="1674496" cy="500137"/>
+          </a:xfrm>
+          <a:prstGeom prst="rect">
+            <a:avLst/>
+          </a:prstGeom>
+          <a:noFill/>
+        </p:spPr>
+        <p:txBody>
+          <a:bodyPr wrap="none" lIns="68580" tIns="34290" rIns="68580" bIns="34290">
+            <a:spAutoFit/>
+          </a:bodyPr>
+          <a:lstStyle/>
+          <a:p>
+            <a:pPr algn="ctr"/>
+            <a:r>
+              <a:rPr lang="en-US" sz="2800" b="1" dirty="0" smtClean="0">
+                <a:ln w="12700">
+                  <a:solidFill>
+                    <a:schemeClr val="accent3">
+                      <a:lumMod val="50000"/>
+                    </a:schemeClr>
+                  </a:solidFill>
+                  <a:prstDash val="solid"/>
+                </a:ln>
+                <a:pattFill prst="narHorz">
+                  <a:fgClr>
+                    <a:schemeClr val="accent3"/>
+                  </a:fgClr>
+                  <a:bgClr>
+                    <a:schemeClr val="accent3">
+                      <a:lumMod val="40000"/>
+                      <a:lumOff val="60000"/>
+                    </a:schemeClr>
+                  </a:bgClr>
+                </a:pattFill>
+                <a:effectLst>
+                  <a:innerShdw blurRad="177800">
+                    <a:schemeClr val="accent3">
+                      <a:lumMod val="50000"/>
+                    </a:schemeClr>
+                  </a:innerShdw>
+                </a:effectLst>
+              </a:rPr>
+              <a:t>Request Q</a:t>
+            </a:r>
+            <a:endParaRPr lang="en-US" sz="2800" b="1" dirty="0">
+              <a:ln w="10160">
+                <a:solidFill>
+                  <a:schemeClr val="accent5"/>
+                </a:solidFill>
+                <a:prstDash val="solid"/>
+              </a:ln>
+              <a:solidFill>
+                <a:srgbClr val="FFFFFF"/>
+              </a:solidFill>
+              <a:effectLst>
+                <a:outerShdw blurRad="38100" dist="22860" dir="5400000" algn="tl" rotWithShape="0">
+                  <a:srgbClr val="000000">
+                    <a:alpha val="30000"/>
+                  </a:srgbClr>
+                </a:outerShdw>
+              </a:effectLst>
+            </a:endParaRPr>
+          </a:p>
+        </p:txBody>
+      </p:sp>
+      <p:sp>
+        <p:nvSpPr>
+          <p:cNvPr id="11" name="Rounded Rectangle 10"/>
+          <p:cNvSpPr/>
+          <p:nvPr/>
+        </p:nvSpPr>
+        <p:spPr>
+          <a:xfrm>
+            <a:off x="7164916" y="2226891"/>
+            <a:ext cx="1971628" cy="1216860"/>
+          </a:xfrm>
+          <a:prstGeom prst="roundRect">
+            <a:avLst/>
+          </a:prstGeom>
+        </p:spPr>
+        <p:style>
+          <a:lnRef idx="0">
+            <a:schemeClr val="accent2"/>
+          </a:lnRef>
+          <a:fillRef idx="3">
+            <a:schemeClr val="accent2"/>
+          </a:fillRef>
+          <a:effectRef idx="3">
+            <a:schemeClr val="accent2"/>
+          </a:effectRef>
+          <a:fontRef idx="minor">
+            <a:schemeClr val="lt1"/>
+          </a:fontRef>
+        </p:style>
+        <p:txBody>
+          <a:bodyPr rtlCol="0" anchor="ctr"/>
+          <a:lstStyle/>
+          <a:p>
+            <a:pPr algn="ctr"/>
+            <a:endParaRPr lang="en-US" sz="1013" dirty="0"/>
+          </a:p>
+        </p:txBody>
+      </p:sp>
+      <p:sp>
+        <p:nvSpPr>
+          <p:cNvPr id="13" name="Rounded Rectangle 12"/>
+          <p:cNvSpPr/>
+          <p:nvPr/>
+        </p:nvSpPr>
+        <p:spPr>
+          <a:xfrm>
+            <a:off x="-4509" y="2226890"/>
+            <a:ext cx="1971628" cy="1216861"/>
+          </a:xfrm>
+          <a:prstGeom prst="roundRect">
+            <a:avLst/>
+          </a:prstGeom>
+        </p:spPr>
+        <p:style>
+          <a:lnRef idx="0">
+            <a:schemeClr val="accent2"/>
+          </a:lnRef>
+          <a:fillRef idx="3">
+            <a:schemeClr val="accent2"/>
+          </a:fillRef>
+          <a:effectRef idx="3">
+            <a:schemeClr val="accent2"/>
+          </a:effectRef>
+          <a:fontRef idx="minor">
+            <a:schemeClr val="lt1"/>
+          </a:fontRef>
+        </p:style>
+        <p:txBody>
+          <a:bodyPr rtlCol="0" anchor="ctr"/>
+          <a:lstStyle/>
+          <a:p>
+            <a:pPr algn="ctr"/>
+            <a:endParaRPr lang="en-US" sz="1013" dirty="0"/>
+          </a:p>
+        </p:txBody>
+      </p:sp>
+      <p:sp>
+        <p:nvSpPr>
+          <p:cNvPr id="15" name="Rectangle 14"/>
+          <p:cNvSpPr/>
+          <p:nvPr/>
+        </p:nvSpPr>
+        <p:spPr>
+          <a:xfrm>
+            <a:off x="333659" y="2616029"/>
+            <a:ext cx="1295291" cy="438582"/>
+          </a:xfrm>
+          <a:prstGeom prst="rect">
+            <a:avLst/>
+          </a:prstGeom>
+          <a:noFill/>
+          <a:ln>
+            <a:noFill/>
+          </a:ln>
+          <a:effectLst>
+            <a:outerShdw blurRad="50800" dist="38100" dir="8100000" algn="tr" rotWithShape="0">
+              <a:prstClr val="black">
+                <a:alpha val="40000"/>
+              </a:prstClr>
+            </a:outerShdw>
+          </a:effectLst>
+        </p:spPr>
+        <p:txBody>
+          <a:bodyPr wrap="none" lIns="68580" tIns="34290" rIns="68580" bIns="34290">
+            <a:spAutoFit/>
+          </a:bodyPr>
+          <a:lstStyle/>
+          <a:p>
+            <a:pPr algn="ctr"/>
+            <a:r>
+              <a:rPr lang="en-US" sz="2400" b="1" dirty="0">
+                <a:ln w="12700">
+                  <a:solidFill>
+                    <a:schemeClr val="accent3">
+                      <a:lumMod val="50000"/>
+                    </a:schemeClr>
+                  </a:solidFill>
+                  <a:prstDash val="solid"/>
+                </a:ln>
+                <a:pattFill prst="narHorz">
+                  <a:fgClr>
+                    <a:schemeClr val="accent3"/>
+                  </a:fgClr>
+                  <a:bgClr>
+                    <a:schemeClr val="accent3">
+                      <a:lumMod val="40000"/>
+                      <a:lumOff val="60000"/>
+                    </a:schemeClr>
+                  </a:bgClr>
+                </a:pattFill>
+                <a:effectLst>
+                  <a:innerShdw blurRad="177800">
+                    <a:schemeClr val="accent3">
+                      <a:lumMod val="50000"/>
+                    </a:schemeClr>
+                  </a:innerShdw>
+                </a:effectLst>
+              </a:rPr>
+              <a:t>Producer</a:t>
+            </a:r>
+          </a:p>
+        </p:txBody>
+      </p:sp>
+      <p:sp>
+        <p:nvSpPr>
+          <p:cNvPr id="16" name="Rectangle 15"/>
+          <p:cNvSpPr/>
+          <p:nvPr/>
+        </p:nvSpPr>
+        <p:spPr>
+          <a:xfrm>
+            <a:off x="7433065" y="2616030"/>
+            <a:ext cx="1435329" cy="438582"/>
+          </a:xfrm>
+          <a:prstGeom prst="rect">
+            <a:avLst/>
+          </a:prstGeom>
+          <a:noFill/>
+          <a:ln>
+            <a:noFill/>
+          </a:ln>
+          <a:effectLst>
+            <a:outerShdw blurRad="50800" dist="38100" dir="8100000" algn="tr" rotWithShape="0">
+              <a:prstClr val="black">
+                <a:alpha val="40000"/>
+              </a:prstClr>
+            </a:outerShdw>
+          </a:effectLst>
+        </p:spPr>
+        <p:txBody>
+          <a:bodyPr wrap="none" lIns="68580" tIns="34290" rIns="68580" bIns="34290">
+            <a:spAutoFit/>
+          </a:bodyPr>
+          <a:lstStyle/>
+          <a:p>
+            <a:pPr algn="ctr"/>
+            <a:r>
+              <a:rPr lang="en-US" sz="2400" b="1" dirty="0">
+                <a:ln w="12700">
+                  <a:solidFill>
+                    <a:schemeClr val="accent3">
+                      <a:lumMod val="50000"/>
+                    </a:schemeClr>
+                  </a:solidFill>
+                  <a:prstDash val="solid"/>
+                </a:ln>
+                <a:pattFill prst="narHorz">
+                  <a:fgClr>
+                    <a:schemeClr val="accent3"/>
+                  </a:fgClr>
+                  <a:bgClr>
+                    <a:schemeClr val="accent3">
+                      <a:lumMod val="40000"/>
+                      <a:lumOff val="60000"/>
+                    </a:schemeClr>
+                  </a:bgClr>
+                </a:pattFill>
+                <a:effectLst>
+                  <a:innerShdw blurRad="177800">
+                    <a:schemeClr val="accent3">
+                      <a:lumMod val="50000"/>
+                    </a:schemeClr>
+                  </a:innerShdw>
+                </a:effectLst>
+              </a:rPr>
+              <a:t>Consumer</a:t>
+            </a:r>
+          </a:p>
+        </p:txBody>
+      </p:sp>
+      <p:sp>
+        <p:nvSpPr>
+          <p:cNvPr id="19" name="Rectangle 18"/>
+          <p:cNvSpPr/>
+          <p:nvPr/>
+        </p:nvSpPr>
+        <p:spPr>
+          <a:xfrm>
+            <a:off x="3872573" y="1565972"/>
+            <a:ext cx="1129413" cy="500137"/>
+          </a:xfrm>
+          <a:prstGeom prst="rect">
+            <a:avLst/>
+          </a:prstGeom>
+          <a:noFill/>
+          <a:ln>
+            <a:noFill/>
+          </a:ln>
+        </p:spPr>
+        <p:txBody>
+          <a:bodyPr wrap="none" lIns="68580" tIns="34290" rIns="68580" bIns="34290">
+            <a:spAutoFit/>
+          </a:bodyPr>
+          <a:lstStyle/>
+          <a:p>
+            <a:pPr algn="ctr"/>
+            <a:r>
+              <a:rPr lang="en-US" sz="2800" b="1" dirty="0">
+                <a:ln/>
+                <a:pattFill prst="dkUpDiag">
+                  <a:fgClr>
+                    <a:schemeClr val="bg1">
+                      <a:lumMod val="50000"/>
+                    </a:schemeClr>
+                  </a:fgClr>
+                  <a:bgClr>
+                    <a:schemeClr val="tx1">
+                      <a:lumMod val="75000"/>
+                      <a:lumOff val="25000"/>
+                    </a:schemeClr>
+                  </a:bgClr>
+                </a:pattFill>
+                <a:effectLst>
+                  <a:outerShdw blurRad="38100" dist="19050" dir="2700000" algn="tl" rotWithShape="0">
+                    <a:schemeClr val="dk1">
+                      <a:lumMod val="50000"/>
+                      <a:alpha val="40000"/>
+                    </a:schemeClr>
+                  </a:outerShdw>
+                </a:effectLst>
+              </a:rPr>
+              <a:t>Broker</a:t>
+            </a:r>
+            <a:endParaRPr lang="en-US" sz="2800" b="1" dirty="0">
+              <a:ln w="10160">
+                <a:solidFill>
+                  <a:schemeClr val="accent2"/>
+                </a:solidFill>
+                <a:prstDash val="solid"/>
+              </a:ln>
+              <a:solidFill>
+                <a:srgbClr val="FFFFFF"/>
+              </a:solidFill>
+              <a:effectLst>
+                <a:outerShdw blurRad="38100" dist="22860" dir="5400000" algn="tl" rotWithShape="0">
+                  <a:srgbClr val="000000">
+                    <a:alpha val="30000"/>
+                  </a:srgbClr>
+                </a:outerShdw>
+              </a:effectLst>
+            </a:endParaRPr>
+          </a:p>
+        </p:txBody>
+      </p:sp>
+      <p:sp>
+        <p:nvSpPr>
+          <p:cNvPr id="2" name="Rectangle 1"/>
+          <p:cNvSpPr/>
+          <p:nvPr/>
+        </p:nvSpPr>
+        <p:spPr>
+          <a:xfrm>
+            <a:off x="-40562" y="39864"/>
+            <a:ext cx="6058903" cy="1015663"/>
+          </a:xfrm>
+          <a:prstGeom prst="rect">
+            <a:avLst/>
+          </a:prstGeom>
+          <a:noFill/>
+        </p:spPr>
+        <p:txBody>
+          <a:bodyPr wrap="none" lIns="91440" tIns="45720" rIns="91440" bIns="45720">
+            <a:spAutoFit/>
+          </a:bodyPr>
+          <a:lstStyle/>
+          <a:p>
+            <a:pPr algn="ctr"/>
+            <a:r>
+              <a:rPr lang="en-US" sz="6000" b="1" dirty="0" smtClean="0">
+                <a:ln/>
+                <a:pattFill prst="dkUpDiag">
+                  <a:fgClr>
+                    <a:schemeClr val="bg1">
+                      <a:lumMod val="50000"/>
+                    </a:schemeClr>
+                  </a:fgClr>
+                  <a:bgClr>
+                    <a:schemeClr val="tx1">
+                      <a:lumMod val="75000"/>
+                      <a:lumOff val="25000"/>
+                    </a:schemeClr>
+                  </a:bgClr>
+                </a:pattFill>
+                <a:effectLst>
+                  <a:outerShdw blurRad="38100" dist="19050" dir="2700000" algn="tl" rotWithShape="0">
+                    <a:schemeClr val="dk1">
+                      <a:lumMod val="50000"/>
+                      <a:alpha val="40000"/>
+                    </a:schemeClr>
+                  </a:outerShdw>
+                </a:effectLst>
+              </a:rPr>
+              <a:t>Request-Response</a:t>
+            </a:r>
+            <a:endParaRPr lang="en-US" sz="6000" b="1" dirty="0">
+              <a:ln/>
+              <a:pattFill prst="dkUpDiag">
+                <a:fgClr>
+                  <a:schemeClr val="bg1">
+                    <a:lumMod val="50000"/>
+                  </a:schemeClr>
+                </a:fgClr>
+                <a:bgClr>
+                  <a:schemeClr val="tx1">
+                    <a:lumMod val="75000"/>
+                    <a:lumOff val="25000"/>
+                  </a:schemeClr>
+                </a:bgClr>
+              </a:pattFill>
+              <a:effectLst>
+                <a:outerShdw blurRad="38100" dist="19050" dir="2700000" algn="tl" rotWithShape="0">
+                  <a:schemeClr val="dk1">
+                    <a:lumMod val="50000"/>
+                    <a:alpha val="40000"/>
+                  </a:schemeClr>
+                </a:outerShdw>
+              </a:effectLst>
+            </a:endParaRPr>
+          </a:p>
+        </p:txBody>
+      </p:sp>
+      <p:cxnSp>
+        <p:nvCxnSpPr>
+          <p:cNvPr id="4" name="Straight Arrow Connector 3"/>
+          <p:cNvCxnSpPr>
+            <a:stCxn id="13" idx="3"/>
+            <a:endCxn id="9" idx="3"/>
+          </p:cNvCxnSpPr>
+          <p:nvPr/>
+        </p:nvCxnSpPr>
+        <p:spPr>
+          <a:xfrm flipV="1">
+            <a:off x="1967119" y="2559766"/>
+            <a:ext cx="1380789" cy="1"/>
+          </a:xfrm>
+          <a:prstGeom prst="straightConnector1">
+            <a:avLst/>
+          </a:prstGeom>
+          <a:ln w="28575">
+            <a:prstDash val="sysDot"/>
+            <a:headEnd type="none" w="med" len="med"/>
+            <a:tailEnd type="triangle" w="lg" len="lg"/>
+          </a:ln>
+        </p:spPr>
+        <p:style>
+          <a:lnRef idx="1">
+            <a:schemeClr val="accent2"/>
+          </a:lnRef>
+          <a:fillRef idx="0">
+            <a:schemeClr val="accent2"/>
+          </a:fillRef>
+          <a:effectRef idx="0">
+            <a:schemeClr val="accent2"/>
+          </a:effectRef>
+          <a:fontRef idx="minor">
+            <a:schemeClr val="tx1"/>
+          </a:fontRef>
+        </p:style>
+      </p:cxnSp>
+      <p:cxnSp>
+        <p:nvCxnSpPr>
+          <p:cNvPr id="20" name="Straight Arrow Connector 19"/>
+          <p:cNvCxnSpPr/>
+          <p:nvPr/>
+        </p:nvCxnSpPr>
+        <p:spPr>
+          <a:xfrm flipV="1">
+            <a:off x="5628193" y="2559766"/>
+            <a:ext cx="1536723" cy="1"/>
+          </a:xfrm>
+          <a:prstGeom prst="straightConnector1">
+            <a:avLst/>
+          </a:prstGeom>
+          <a:ln w="28575">
+            <a:prstDash val="sysDot"/>
+            <a:headEnd type="none" w="med" len="med"/>
+            <a:tailEnd type="triangle" w="lg" len="lg"/>
+          </a:ln>
+        </p:spPr>
+        <p:style>
+          <a:lnRef idx="1">
+            <a:schemeClr val="accent2"/>
+          </a:lnRef>
+          <a:fillRef idx="0">
+            <a:schemeClr val="accent2"/>
+          </a:fillRef>
+          <a:effectRef idx="0">
+            <a:schemeClr val="accent2"/>
+          </a:effectRef>
+          <a:fontRef idx="minor">
+            <a:schemeClr val="tx1"/>
+          </a:fontRef>
+        </p:style>
+      </p:cxnSp>
+      <p:sp>
+        <p:nvSpPr>
+          <p:cNvPr id="22" name="Oval 21"/>
+          <p:cNvSpPr/>
+          <p:nvPr/>
+        </p:nvSpPr>
+        <p:spPr>
+          <a:xfrm>
+            <a:off x="2517297" y="2379409"/>
+            <a:ext cx="350875" cy="350875"/>
+          </a:xfrm>
+          <a:prstGeom prst="ellipse">
+            <a:avLst/>
+          </a:prstGeom>
+          <a:solidFill>
+            <a:srgbClr val="FF0000"/>
+          </a:solidFill>
+          <a:effectLst>
+            <a:outerShdw blurRad="50800" dist="38100" dir="8100000" algn="tr" rotWithShape="0">
+              <a:prstClr val="black">
+                <a:alpha val="40000"/>
+              </a:prstClr>
+            </a:outerShdw>
+          </a:effectLst>
+        </p:spPr>
+        <p:style>
+          <a:lnRef idx="2">
+            <a:schemeClr val="accent2">
+              <a:shade val="50000"/>
+            </a:schemeClr>
+          </a:lnRef>
+          <a:fillRef idx="1">
+            <a:schemeClr val="accent2"/>
+          </a:fillRef>
+          <a:effectRef idx="0">
+            <a:schemeClr val="accent2"/>
+          </a:effectRef>
+          <a:fontRef idx="minor">
+            <a:schemeClr val="lt1"/>
+          </a:fontRef>
+        </p:style>
+        <p:txBody>
+          <a:bodyPr rtlCol="0" anchor="ctr"/>
+          <a:lstStyle/>
+          <a:p>
+            <a:pPr algn="ctr"/>
+            <a:r>
+              <a:rPr lang="en-US" dirty="0" smtClean="0"/>
+              <a:t>1</a:t>
+            </a:r>
+            <a:endParaRPr lang="en-US" dirty="0"/>
+          </a:p>
+        </p:txBody>
+      </p:sp>
+      <p:sp>
+        <p:nvSpPr>
+          <p:cNvPr id="23" name="Oval 22"/>
+          <p:cNvSpPr/>
+          <p:nvPr/>
+        </p:nvSpPr>
+        <p:spPr>
+          <a:xfrm>
+            <a:off x="6215012" y="2384324"/>
+            <a:ext cx="350875" cy="350875"/>
+          </a:xfrm>
+          <a:prstGeom prst="ellipse">
+            <a:avLst/>
+          </a:prstGeom>
+          <a:solidFill>
+            <a:srgbClr val="FF0000"/>
+          </a:solidFill>
+          <a:effectLst>
+            <a:outerShdw blurRad="50800" dist="38100" dir="8100000" algn="tr" rotWithShape="0">
+              <a:prstClr val="black">
+                <a:alpha val="40000"/>
+              </a:prstClr>
+            </a:outerShdw>
+          </a:effectLst>
+        </p:spPr>
+        <p:style>
+          <a:lnRef idx="2">
+            <a:schemeClr val="accent2">
+              <a:shade val="50000"/>
+            </a:schemeClr>
+          </a:lnRef>
+          <a:fillRef idx="1">
+            <a:schemeClr val="accent2"/>
+          </a:fillRef>
+          <a:effectRef idx="0">
+            <a:schemeClr val="accent2"/>
+          </a:effectRef>
+          <a:fontRef idx="minor">
+            <a:schemeClr val="lt1"/>
+          </a:fontRef>
+        </p:style>
+        <p:txBody>
+          <a:bodyPr rtlCol="0" anchor="ctr"/>
+          <a:lstStyle/>
+          <a:p>
+            <a:pPr algn="ctr"/>
+            <a:r>
+              <a:rPr lang="en-US" dirty="0"/>
+              <a:t>2</a:t>
+            </a:r>
+          </a:p>
+        </p:txBody>
+      </p:sp>
+      <p:sp>
+        <p:nvSpPr>
+          <p:cNvPr id="25" name="Can 24"/>
+          <p:cNvSpPr/>
+          <p:nvPr/>
+        </p:nvSpPr>
+        <p:spPr>
+          <a:xfrm rot="5400000">
+            <a:off x="4279665" y="2113782"/>
+            <a:ext cx="441342" cy="2280285"/>
+          </a:xfrm>
+          <a:prstGeom prst="can">
+            <a:avLst/>
+          </a:prstGeom>
+          <a:effectLst>
+            <a:outerShdw blurRad="50800" dist="38100" dir="8100000" algn="tr" rotWithShape="0">
+              <a:prstClr val="black">
+                <a:alpha val="40000"/>
+              </a:prstClr>
+            </a:outerShdw>
+          </a:effectLst>
+        </p:spPr>
+        <p:style>
+          <a:lnRef idx="2">
+            <a:schemeClr val="accent1">
+              <a:shade val="50000"/>
+            </a:schemeClr>
+          </a:lnRef>
+          <a:fillRef idx="1">
+            <a:schemeClr val="accent1"/>
+          </a:fillRef>
+          <a:effectRef idx="0">
+            <a:schemeClr val="accent1"/>
+          </a:effectRef>
+          <a:fontRef idx="minor">
+            <a:schemeClr val="lt1"/>
+          </a:fontRef>
+        </p:style>
+        <p:txBody>
+          <a:bodyPr rtlCol="0" anchor="ctr"/>
+          <a:lstStyle/>
+          <a:p>
+            <a:pPr algn="ctr"/>
+            <a:endParaRPr lang="en-US" sz="1013"/>
+          </a:p>
+        </p:txBody>
+      </p:sp>
+      <p:sp>
+        <p:nvSpPr>
+          <p:cNvPr id="18" name="Rectangle 17"/>
+          <p:cNvSpPr/>
+          <p:nvPr/>
+        </p:nvSpPr>
+        <p:spPr>
+          <a:xfrm>
+            <a:off x="3535860" y="2986646"/>
+            <a:ext cx="1888530" cy="500137"/>
+          </a:xfrm>
+          <a:prstGeom prst="rect">
+            <a:avLst/>
+          </a:prstGeom>
+          <a:noFill/>
+        </p:spPr>
+        <p:txBody>
+          <a:bodyPr wrap="none" lIns="68580" tIns="34290" rIns="68580" bIns="34290">
+            <a:spAutoFit/>
+          </a:bodyPr>
+          <a:lstStyle/>
+          <a:p>
+            <a:pPr algn="ctr"/>
+            <a:r>
+              <a:rPr lang="en-US" sz="2800" b="1" dirty="0" smtClean="0">
+                <a:ln w="12700">
+                  <a:solidFill>
+                    <a:schemeClr val="accent3">
+                      <a:lumMod val="50000"/>
+                    </a:schemeClr>
+                  </a:solidFill>
+                  <a:prstDash val="solid"/>
+                </a:ln>
+                <a:pattFill prst="narHorz">
+                  <a:fgClr>
+                    <a:schemeClr val="accent3"/>
+                  </a:fgClr>
+                  <a:bgClr>
+                    <a:schemeClr val="accent3">
+                      <a:lumMod val="40000"/>
+                      <a:lumOff val="60000"/>
+                    </a:schemeClr>
+                  </a:bgClr>
+                </a:pattFill>
+                <a:effectLst>
+                  <a:innerShdw blurRad="177800">
+                    <a:schemeClr val="accent3">
+                      <a:lumMod val="50000"/>
+                    </a:schemeClr>
+                  </a:innerShdw>
+                </a:effectLst>
+              </a:rPr>
+              <a:t>Response Q</a:t>
+            </a:r>
+            <a:endParaRPr lang="en-US" sz="2800" b="1" dirty="0">
+              <a:ln w="10160">
+                <a:solidFill>
+                  <a:schemeClr val="accent5"/>
+                </a:solidFill>
+                <a:prstDash val="solid"/>
+              </a:ln>
+              <a:solidFill>
+                <a:srgbClr val="FFFFFF"/>
+              </a:solidFill>
+              <a:effectLst>
+                <a:outerShdw blurRad="38100" dist="22860" dir="5400000" algn="tl" rotWithShape="0">
+                  <a:srgbClr val="000000">
+                    <a:alpha val="30000"/>
+                  </a:srgbClr>
+                </a:outerShdw>
+              </a:effectLst>
+            </a:endParaRPr>
+          </a:p>
+        </p:txBody>
+      </p:sp>
+      <p:cxnSp>
+        <p:nvCxnSpPr>
+          <p:cNvPr id="21" name="Straight Arrow Connector 20"/>
+          <p:cNvCxnSpPr/>
+          <p:nvPr/>
+        </p:nvCxnSpPr>
+        <p:spPr>
+          <a:xfrm flipH="1" flipV="1">
+            <a:off x="1964664" y="3235733"/>
+            <a:ext cx="1380789" cy="1"/>
+          </a:xfrm>
+          <a:prstGeom prst="straightConnector1">
+            <a:avLst/>
+          </a:prstGeom>
+          <a:ln w="28575">
+            <a:prstDash val="sysDot"/>
+            <a:headEnd type="none" w="med" len="med"/>
+            <a:tailEnd type="triangle" w="lg" len="lg"/>
+          </a:ln>
+        </p:spPr>
+        <p:style>
+          <a:lnRef idx="1">
+            <a:schemeClr val="accent2"/>
+          </a:lnRef>
+          <a:fillRef idx="0">
+            <a:schemeClr val="accent2"/>
+          </a:fillRef>
+          <a:effectRef idx="0">
+            <a:schemeClr val="accent2"/>
+          </a:effectRef>
+          <a:fontRef idx="minor">
+            <a:schemeClr val="tx1"/>
+          </a:fontRef>
+        </p:style>
+      </p:cxnSp>
+      <p:sp>
+        <p:nvSpPr>
+          <p:cNvPr id="24" name="Oval 23"/>
+          <p:cNvSpPr/>
+          <p:nvPr/>
+        </p:nvSpPr>
+        <p:spPr>
+          <a:xfrm>
+            <a:off x="2514842" y="3055376"/>
+            <a:ext cx="350875" cy="350875"/>
+          </a:xfrm>
+          <a:prstGeom prst="ellipse">
+            <a:avLst/>
+          </a:prstGeom>
+          <a:solidFill>
+            <a:srgbClr val="FF0000"/>
+          </a:solidFill>
+          <a:effectLst>
+            <a:outerShdw blurRad="50800" dist="38100" dir="8100000" algn="tr" rotWithShape="0">
+              <a:prstClr val="black">
+                <a:alpha val="40000"/>
+              </a:prstClr>
+            </a:outerShdw>
+          </a:effectLst>
+        </p:spPr>
+        <p:style>
+          <a:lnRef idx="2">
+            <a:schemeClr val="accent2">
+              <a:shade val="50000"/>
+            </a:schemeClr>
+          </a:lnRef>
+          <a:fillRef idx="1">
+            <a:schemeClr val="accent2"/>
+          </a:fillRef>
+          <a:effectRef idx="0">
+            <a:schemeClr val="accent2"/>
+          </a:effectRef>
+          <a:fontRef idx="minor">
+            <a:schemeClr val="lt1"/>
+          </a:fontRef>
+        </p:style>
+        <p:txBody>
+          <a:bodyPr rtlCol="0" anchor="ctr"/>
+          <a:lstStyle/>
+          <a:p>
+            <a:pPr algn="ctr"/>
+            <a:r>
+              <a:rPr lang="en-US" dirty="0" smtClean="0"/>
+              <a:t>4</a:t>
+            </a:r>
+            <a:endParaRPr lang="en-US" dirty="0"/>
+          </a:p>
+        </p:txBody>
+      </p:sp>
+      <p:cxnSp>
+        <p:nvCxnSpPr>
+          <p:cNvPr id="26" name="Straight Arrow Connector 25"/>
+          <p:cNvCxnSpPr/>
+          <p:nvPr/>
+        </p:nvCxnSpPr>
+        <p:spPr>
+          <a:xfrm flipH="1" flipV="1">
+            <a:off x="5633111" y="3228360"/>
+            <a:ext cx="1536723" cy="1"/>
+          </a:xfrm>
+          <a:prstGeom prst="straightConnector1">
+            <a:avLst/>
+          </a:prstGeom>
+          <a:ln w="28575">
+            <a:prstDash val="sysDot"/>
+            <a:headEnd type="none" w="med" len="med"/>
+            <a:tailEnd type="triangle" w="lg" len="lg"/>
+          </a:ln>
+        </p:spPr>
+        <p:style>
+          <a:lnRef idx="1">
+            <a:schemeClr val="accent2"/>
+          </a:lnRef>
+          <a:fillRef idx="0">
+            <a:schemeClr val="accent2"/>
+          </a:fillRef>
+          <a:effectRef idx="0">
+            <a:schemeClr val="accent2"/>
+          </a:effectRef>
+          <a:fontRef idx="minor">
+            <a:schemeClr val="tx1"/>
+          </a:fontRef>
+        </p:style>
+      </p:cxnSp>
+      <p:sp>
+        <p:nvSpPr>
+          <p:cNvPr id="27" name="Oval 26"/>
+          <p:cNvSpPr/>
+          <p:nvPr/>
+        </p:nvSpPr>
+        <p:spPr>
+          <a:xfrm>
+            <a:off x="6219930" y="3052918"/>
+            <a:ext cx="350875" cy="350875"/>
+          </a:xfrm>
+          <a:prstGeom prst="ellipse">
+            <a:avLst/>
+          </a:prstGeom>
+          <a:solidFill>
+            <a:srgbClr val="FF0000"/>
+          </a:solidFill>
+          <a:effectLst>
+            <a:outerShdw blurRad="50800" dist="38100" dir="8100000" algn="tr" rotWithShape="0">
+              <a:prstClr val="black">
+                <a:alpha val="40000"/>
+              </a:prstClr>
+            </a:outerShdw>
+          </a:effectLst>
+        </p:spPr>
+        <p:style>
+          <a:lnRef idx="2">
+            <a:schemeClr val="accent2">
+              <a:shade val="50000"/>
+            </a:schemeClr>
+          </a:lnRef>
+          <a:fillRef idx="1">
+            <a:schemeClr val="accent2"/>
+          </a:fillRef>
+          <a:effectRef idx="0">
+            <a:schemeClr val="accent2"/>
+          </a:effectRef>
+          <a:fontRef idx="minor">
+            <a:schemeClr val="lt1"/>
+          </a:fontRef>
+        </p:style>
+        <p:txBody>
+          <a:bodyPr rtlCol="0" anchor="ctr"/>
+          <a:lstStyle/>
+          <a:p>
+            <a:pPr algn="ctr"/>
+            <a:r>
+              <a:rPr lang="en-US" dirty="0" smtClean="0"/>
+              <a:t>3</a:t>
+            </a:r>
+            <a:endParaRPr lang="en-US" dirty="0"/>
+          </a:p>
+        </p:txBody>
+      </p:sp>
+    </p:spTree>
+    <p:extLst>
+      <p:ext uri="{BB962C8B-B14F-4D97-AF65-F5344CB8AC3E}">
+        <p14:creationId xmlns:p14="http://schemas.microsoft.com/office/powerpoint/2010/main" val="167999217"/>
+      </p:ext>
+    </p:extLst>
+  </p:cSld>
+  <p:clrMapOvr>
+    <a:masterClrMapping/>
+  </p:clrMapOvr>
+  <p:timing>
+    <p:tnLst>
+      <p:par>
+        <p:cTn id="1" dur="indefinite" restart="never" nodeType="tmRoot"/>
+      </p:par>
+    </p:tnLst>
+  </p:timing>
+</p:sld>
+</file>
+
+<file path=ppt/slides/slide12.xml><?xml version="1.0" encoding="utf-8"?>
+<p:sld xmlns:a="http://schemas.openxmlformats.org/drawingml/2006/main" xmlns:r="http://schemas.openxmlformats.org/officeDocument/2006/relationships" xmlns:p="http://schemas.openxmlformats.org/presentationml/2006/main">
+  <p:cSld>
+    <p:bg>
+      <p:bgPr>
+        <a:solidFill>
+          <a:schemeClr val="bg1">
+            <a:alpha val="0"/>
+          </a:schemeClr>
+        </a:solidFill>
+        <a:effectLst/>
+      </p:bgPr>
+    </p:bg>
+    <p:spTree>
+      <p:nvGrpSpPr>
+        <p:cNvPr id="1" name=""/>
+        <p:cNvGrpSpPr/>
+        <p:nvPr/>
+      </p:nvGrpSpPr>
+      <p:grpSpPr>
+        <a:xfrm>
+          <a:off x="0" y="0"/>
+          <a:ext cx="0" cy="0"/>
+          <a:chOff x="0" y="0"/>
+          <a:chExt cx="0" cy="0"/>
+        </a:xfrm>
+      </p:grpSpPr>
+      <p:sp>
+        <p:nvSpPr>
+          <p:cNvPr id="8" name="Rounded Rectangle 7"/>
+          <p:cNvSpPr/>
+          <p:nvPr/>
+        </p:nvSpPr>
+        <p:spPr>
+          <a:xfrm>
+            <a:off x="9838" y="0"/>
+            <a:ext cx="9134162" cy="5143500"/>
+          </a:xfrm>
+          <a:prstGeom prst="roundRect">
+            <a:avLst/>
+          </a:prstGeom>
+          <a:noFill/>
+          <a:ln>
+            <a:noFill/>
+          </a:ln>
+        </p:spPr>
+        <p:style>
+          <a:lnRef idx="2">
+            <a:schemeClr val="accent1">
+              <a:shade val="50000"/>
+            </a:schemeClr>
+          </a:lnRef>
+          <a:fillRef idx="1">
+            <a:schemeClr val="accent1"/>
+          </a:fillRef>
+          <a:effectRef idx="0">
+            <a:schemeClr val="accent1"/>
+          </a:effectRef>
+          <a:fontRef idx="minor">
+            <a:schemeClr val="lt1"/>
+          </a:fontRef>
+        </p:style>
+        <p:txBody>
+          <a:bodyPr rtlCol="0" anchor="ctr"/>
+          <a:lstStyle/>
+          <a:p>
+            <a:pPr algn="ctr"/>
+            <a:endParaRPr lang="en-US" sz="1013"/>
+          </a:p>
+        </p:txBody>
+      </p:sp>
+      <p:sp>
+        <p:nvSpPr>
+          <p:cNvPr id="2" name="Rectangle 1"/>
+          <p:cNvSpPr/>
+          <p:nvPr/>
+        </p:nvSpPr>
+        <p:spPr>
+          <a:xfrm>
+            <a:off x="3295959" y="-425133"/>
+            <a:ext cx="2561920" cy="6247864"/>
+          </a:xfrm>
+          <a:prstGeom prst="rect">
+            <a:avLst/>
+          </a:prstGeom>
+          <a:noFill/>
+        </p:spPr>
+        <p:txBody>
+          <a:bodyPr wrap="none" lIns="91440" tIns="45720" rIns="91440" bIns="45720">
+            <a:spAutoFit/>
+          </a:bodyPr>
+          <a:lstStyle/>
+          <a:p>
+            <a:pPr algn="ctr"/>
+            <a:r>
+              <a:rPr lang="en-US" sz="40000" b="1" dirty="0" smtClean="0">
+                <a:ln/>
+                <a:pattFill prst="dkUpDiag">
+                  <a:fgClr>
+                    <a:schemeClr val="bg1">
+                      <a:lumMod val="50000"/>
+                    </a:schemeClr>
+                  </a:fgClr>
+                  <a:bgClr>
+                    <a:schemeClr val="tx1">
+                      <a:lumMod val="75000"/>
+                      <a:lumOff val="25000"/>
+                    </a:schemeClr>
+                  </a:bgClr>
+                </a:pattFill>
+                <a:effectLst>
+                  <a:outerShdw blurRad="38100" dist="19050" dir="2700000" algn="tl" rotWithShape="0">
+                    <a:schemeClr val="dk1">
+                      <a:lumMod val="50000"/>
+                      <a:alpha val="40000"/>
+                    </a:schemeClr>
+                  </a:outerShdw>
+                </a:effectLst>
+              </a:rPr>
+              <a:t>?</a:t>
+            </a:r>
+            <a:endParaRPr lang="en-US" sz="40000" b="1" dirty="0">
+              <a:ln/>
+              <a:pattFill prst="dkUpDiag">
+                <a:fgClr>
+                  <a:schemeClr val="bg1">
+                    <a:lumMod val="50000"/>
+                  </a:schemeClr>
+                </a:fgClr>
+                <a:bgClr>
+                  <a:schemeClr val="tx1">
+                    <a:lumMod val="75000"/>
+                    <a:lumOff val="25000"/>
+                  </a:schemeClr>
+                </a:bgClr>
+              </a:pattFill>
+              <a:effectLst>
+                <a:outerShdw blurRad="38100" dist="19050" dir="2700000" algn="tl" rotWithShape="0">
+                  <a:schemeClr val="dk1">
+                    <a:lumMod val="50000"/>
+                    <a:alpha val="40000"/>
+                  </a:schemeClr>
+                </a:outerShdw>
+              </a:effectLst>
+            </a:endParaRPr>
+          </a:p>
+        </p:txBody>
+      </p:sp>
+    </p:spTree>
+    <p:extLst>
+      <p:ext uri="{BB962C8B-B14F-4D97-AF65-F5344CB8AC3E}">
+        <p14:creationId xmlns:p14="http://schemas.microsoft.com/office/powerpoint/2010/main" val="3724410020"/>
+      </p:ext>
+    </p:extLst>
+  </p:cSld>
+  <p:clrMapOvr>
+    <a:masterClrMapping/>
+  </p:clrMapOvr>
+  <p:timing>
+    <p:tnLst>
+      <p:par>
+        <p:cTn id="1" dur="indefinite" restart="never" nodeType="tmRoot"/>
+      </p:par>
+    </p:tnLst>
+  </p:timing>
+</p:sld>
+</file>
+
 <file path=ppt/slides/slide2.xml><?xml version="1.0" encoding="utf-8"?>
 <p:sld xmlns:a="http://schemas.openxmlformats.org/drawingml/2006/main" xmlns:r="http://schemas.openxmlformats.org/officeDocument/2006/relationships" xmlns:p="http://schemas.openxmlformats.org/presentationml/2006/main">
   <p:cSld>
@@ -3930,34 +6036,6 @@
               </a:rPr>
               <a:t>Sender</a:t>
             </a:r>
-            <a:endParaRPr lang="en-US" sz="2400" b="1" dirty="0">
-              <a:ln w="12700">
-                <a:solidFill>
-                  <a:schemeClr val="accent3">
-                    <a:lumMod val="50000"/>
-                  </a:schemeClr>
-                </a:solidFill>
-                <a:prstDash val="solid"/>
-              </a:ln>
-              <a:pattFill prst="narHorz">
-                <a:fgClr>
-                  <a:schemeClr val="accent3"/>
-                </a:fgClr>
-                <a:bgClr>
-                  <a:schemeClr val="accent3">
-                    <a:lumMod val="40000"/>
-                    <a:lumOff val="60000"/>
-                  </a:schemeClr>
-                </a:bgClr>
-              </a:pattFill>
-              <a:effectLst>
-                <a:innerShdw blurRad="177800">
-                  <a:schemeClr val="accent3">
-                    <a:lumMod val="50000"/>
-                  </a:schemeClr>
-                </a:innerShdw>
-              </a:effectLst>
-            </a:endParaRPr>
           </a:p>
         </p:txBody>
       </p:sp>
@@ -4228,34 +6306,6 @@
               </a:rPr>
               <a:t>Receiver</a:t>
             </a:r>
-            <a:endParaRPr lang="en-US" sz="2400" b="1" dirty="0">
-              <a:ln w="12700">
-                <a:solidFill>
-                  <a:schemeClr val="accent3">
-                    <a:lumMod val="50000"/>
-                  </a:schemeClr>
-                </a:solidFill>
-                <a:prstDash val="solid"/>
-              </a:ln>
-              <a:pattFill prst="narHorz">
-                <a:fgClr>
-                  <a:schemeClr val="accent3"/>
-                </a:fgClr>
-                <a:bgClr>
-                  <a:schemeClr val="accent3">
-                    <a:lumMod val="40000"/>
-                    <a:lumOff val="60000"/>
-                  </a:schemeClr>
-                </a:bgClr>
-              </a:pattFill>
-              <a:effectLst>
-                <a:innerShdw blurRad="177800">
-                  <a:schemeClr val="accent3">
-                    <a:lumMod val="50000"/>
-                  </a:schemeClr>
-                </a:innerShdw>
-              </a:effectLst>
-            </a:endParaRPr>
           </a:p>
         </p:txBody>
       </p:sp>
@@ -4323,34 +6373,6 @@
               </a:rPr>
               <a:t>Sender</a:t>
             </a:r>
-            <a:endParaRPr lang="en-US" sz="2400" b="1" dirty="0">
-              <a:ln w="12700">
-                <a:solidFill>
-                  <a:schemeClr val="accent3">
-                    <a:lumMod val="50000"/>
-                  </a:schemeClr>
-                </a:solidFill>
-                <a:prstDash val="solid"/>
-              </a:ln>
-              <a:pattFill prst="narHorz">
-                <a:fgClr>
-                  <a:schemeClr val="accent3"/>
-                </a:fgClr>
-                <a:bgClr>
-                  <a:schemeClr val="accent3">
-                    <a:lumMod val="40000"/>
-                    <a:lumOff val="60000"/>
-                  </a:schemeClr>
-                </a:bgClr>
-              </a:pattFill>
-              <a:effectLst>
-                <a:innerShdw blurRad="177800">
-                  <a:schemeClr val="accent3">
-                    <a:lumMod val="50000"/>
-                  </a:schemeClr>
-                </a:innerShdw>
-              </a:effectLst>
-            </a:endParaRPr>
           </a:p>
         </p:txBody>
       </p:sp>
@@ -4378,7 +6400,7 @@
             <a:prstDash val="solid"/>
             <a:round/>
             <a:headEnd type="none" w="med" len="med"/>
-            <a:tailEnd type="triangle" w="med" len="med"/>
+            <a:tailEnd type="triangle" w="lg" len="lg"/>
           </a:ln>
         </p:spPr>
         <p:style>
@@ -4420,7 +6442,7 @@
             <a:prstDash val="solid"/>
             <a:round/>
             <a:headEnd type="none" w="med" len="med"/>
-            <a:tailEnd type="triangle" w="med" len="med"/>
+            <a:tailEnd type="triangle" w="lg" len="lg"/>
           </a:ln>
         </p:spPr>
         <p:style>
@@ -4462,7 +6484,7 @@
             <a:prstDash val="solid"/>
             <a:round/>
             <a:headEnd type="none" w="med" len="med"/>
-            <a:tailEnd type="triangle" w="med" len="med"/>
+            <a:tailEnd type="triangle" w="lg" len="lg"/>
           </a:ln>
         </p:spPr>
         <p:style>
@@ -4504,7 +6526,7 @@
             <a:prstDash val="solid"/>
             <a:round/>
             <a:headEnd type="none" w="med" len="med"/>
-            <a:tailEnd type="triangle" w="med" len="med"/>
+            <a:tailEnd type="triangle" w="lg" len="lg"/>
           </a:ln>
         </p:spPr>
         <p:style>
@@ -6794,7 +8816,7 @@
         </p:nvSpPr>
         <p:spPr>
           <a:xfrm>
-            <a:off x="333659" y="2340476"/>
+            <a:off x="333659" y="2588126"/>
             <a:ext cx="1295291" cy="438582"/>
           </a:xfrm>
           <a:prstGeom prst="rect">
@@ -6889,7 +8911,7 @@
         </p:nvSpPr>
         <p:spPr>
           <a:xfrm>
-            <a:off x="7433067" y="2340476"/>
+            <a:off x="7433067" y="2588126"/>
             <a:ext cx="1435328" cy="438582"/>
           </a:xfrm>
           <a:prstGeom prst="rect">
@@ -6945,34 +8967,6 @@
               </a:rPr>
               <a:t>Consumer</a:t>
             </a:r>
-            <a:endParaRPr lang="en-US" sz="2400" b="1" dirty="0">
-              <a:ln w="12700">
-                <a:solidFill>
-                  <a:schemeClr val="accent3">
-                    <a:lumMod val="50000"/>
-                  </a:schemeClr>
-                </a:solidFill>
-                <a:prstDash val="solid"/>
-              </a:ln>
-              <a:pattFill prst="narHorz">
-                <a:fgClr>
-                  <a:schemeClr val="accent3"/>
-                </a:fgClr>
-                <a:bgClr>
-                  <a:schemeClr val="accent3">
-                    <a:lumMod val="40000"/>
-                    <a:lumOff val="60000"/>
-                  </a:schemeClr>
-                </a:bgClr>
-              </a:pattFill>
-              <a:effectLst>
-                <a:innerShdw blurRad="177800">
-                  <a:schemeClr val="accent3">
-                    <a:lumMod val="50000"/>
-                  </a:schemeClr>
-                </a:innerShdw>
-              </a:effectLst>
-            </a:endParaRPr>
           </a:p>
         </p:txBody>
       </p:sp>
@@ -7124,186 +9118,6 @@
                 </a:outerShdw>
               </a:effectLst>
             </a:endParaRPr>
-          </a:p>
-        </p:txBody>
-      </p:sp>
-      <p:cxnSp>
-        <p:nvCxnSpPr>
-          <p:cNvPr id="4" name="Straight Arrow Connector 3"/>
-          <p:cNvCxnSpPr>
-            <a:stCxn id="13" idx="3"/>
-            <a:endCxn id="9" idx="3"/>
-          </p:cNvCxnSpPr>
-          <p:nvPr/>
-        </p:nvCxnSpPr>
-        <p:spPr>
-          <a:xfrm flipV="1">
-            <a:off x="1967119" y="2559766"/>
-            <a:ext cx="1380789" cy="1"/>
-          </a:xfrm>
-          <a:prstGeom prst="straightConnector1">
-            <a:avLst/>
-          </a:prstGeom>
-          <a:ln w="28575">
-            <a:prstDash val="sysDot"/>
-            <a:headEnd type="none" w="med" len="med"/>
-            <a:tailEnd type="triangle" w="lg" len="lg"/>
-          </a:ln>
-        </p:spPr>
-        <p:style>
-          <a:lnRef idx="1">
-            <a:schemeClr val="accent2"/>
-          </a:lnRef>
-          <a:fillRef idx="0">
-            <a:schemeClr val="accent2"/>
-          </a:fillRef>
-          <a:effectRef idx="0">
-            <a:schemeClr val="accent2"/>
-          </a:effectRef>
-          <a:fontRef idx="minor">
-            <a:schemeClr val="tx1"/>
-          </a:fontRef>
-        </p:style>
-      </p:cxnSp>
-      <p:cxnSp>
-        <p:nvCxnSpPr>
-          <p:cNvPr id="20" name="Straight Arrow Connector 19"/>
-          <p:cNvCxnSpPr/>
-          <p:nvPr/>
-        </p:nvCxnSpPr>
-        <p:spPr>
-          <a:xfrm flipV="1">
-            <a:off x="5628193" y="2559766"/>
-            <a:ext cx="1536723" cy="1"/>
-          </a:xfrm>
-          <a:prstGeom prst="straightConnector1">
-            <a:avLst/>
-          </a:prstGeom>
-          <a:ln w="28575">
-            <a:prstDash val="sysDot"/>
-            <a:headEnd type="none" w="med" len="med"/>
-            <a:tailEnd type="triangle" w="lg" len="lg"/>
-          </a:ln>
-        </p:spPr>
-        <p:style>
-          <a:lnRef idx="1">
-            <a:schemeClr val="accent2"/>
-          </a:lnRef>
-          <a:fillRef idx="0">
-            <a:schemeClr val="accent2"/>
-          </a:fillRef>
-          <a:effectRef idx="0">
-            <a:schemeClr val="accent2"/>
-          </a:effectRef>
-          <a:fontRef idx="minor">
-            <a:schemeClr val="tx1"/>
-          </a:fontRef>
-        </p:style>
-      </p:cxnSp>
-      <p:sp>
-        <p:nvSpPr>
-          <p:cNvPr id="22" name="Oval 21"/>
-          <p:cNvSpPr/>
-          <p:nvPr/>
-        </p:nvSpPr>
-        <p:spPr>
-          <a:xfrm>
-            <a:off x="2482075" y="2384327"/>
-            <a:ext cx="350875" cy="350875"/>
-          </a:xfrm>
-          <a:prstGeom prst="ellipse">
-            <a:avLst/>
-          </a:prstGeom>
-          <a:solidFill>
-            <a:srgbClr val="FF0000"/>
-          </a:solidFill>
-          <a:effectLst>
-            <a:outerShdw blurRad="50800" dist="38100" dir="8100000" algn="tr" rotWithShape="0">
-              <a:prstClr val="black">
-                <a:alpha val="40000"/>
-              </a:prstClr>
-            </a:outerShdw>
-          </a:effectLst>
-        </p:spPr>
-        <p:style>
-          <a:lnRef idx="2">
-            <a:schemeClr val="accent2">
-              <a:shade val="50000"/>
-            </a:schemeClr>
-          </a:lnRef>
-          <a:fillRef idx="1">
-            <a:schemeClr val="accent2"/>
-          </a:fillRef>
-          <a:effectRef idx="0">
-            <a:schemeClr val="accent2"/>
-          </a:effectRef>
-          <a:fontRef idx="minor">
-            <a:schemeClr val="lt1"/>
-          </a:fontRef>
-        </p:style>
-        <p:txBody>
-          <a:bodyPr rtlCol="0" anchor="ctr"/>
-          <a:lstStyle/>
-          <a:p>
-            <a:pPr algn="ctr"/>
-            <a:r>
-              <a:rPr lang="en-US" smtClean="0"/>
-              <a:t>1</a:t>
-            </a:r>
-            <a:endParaRPr lang="en-US" dirty="0"/>
-          </a:p>
-        </p:txBody>
-      </p:sp>
-      <p:sp>
-        <p:nvSpPr>
-          <p:cNvPr id="23" name="Oval 22"/>
-          <p:cNvSpPr/>
-          <p:nvPr/>
-        </p:nvSpPr>
-        <p:spPr>
-          <a:xfrm>
-            <a:off x="6250232" y="2385330"/>
-            <a:ext cx="350875" cy="350875"/>
-          </a:xfrm>
-          <a:prstGeom prst="ellipse">
-            <a:avLst/>
-          </a:prstGeom>
-          <a:solidFill>
-            <a:srgbClr val="FF0000"/>
-          </a:solidFill>
-          <a:effectLst>
-            <a:outerShdw blurRad="50800" dist="38100" dir="8100000" algn="tr" rotWithShape="0">
-              <a:prstClr val="black">
-                <a:alpha val="40000"/>
-              </a:prstClr>
-            </a:outerShdw>
-          </a:effectLst>
-        </p:spPr>
-        <p:style>
-          <a:lnRef idx="2">
-            <a:schemeClr val="accent2">
-              <a:shade val="50000"/>
-            </a:schemeClr>
-          </a:lnRef>
-          <a:fillRef idx="1">
-            <a:schemeClr val="accent2"/>
-          </a:fillRef>
-          <a:effectRef idx="0">
-            <a:schemeClr val="accent2"/>
-          </a:effectRef>
-          <a:fontRef idx="minor">
-            <a:schemeClr val="lt1"/>
-          </a:fontRef>
-        </p:style>
-        <p:txBody>
-          <a:bodyPr rtlCol="0" anchor="ctr"/>
-          <a:lstStyle/>
-          <a:p>
-            <a:pPr algn="ctr"/>
-            <a:r>
-              <a:rPr lang="en-US" dirty="0"/>
-              <a:t>2</a:t>
-            </a:r>
           </a:p>
         </p:txBody>
       </p:sp>
@@ -7465,25 +9279,16 @@
           <a:prstGeom prst="can">
             <a:avLst/>
           </a:prstGeom>
-          <a:effectLst>
-            <a:outerShdw blurRad="50800" dist="38100" dir="8100000" algn="tr" rotWithShape="0">
-              <a:prstClr val="black">
-                <a:alpha val="40000"/>
-              </a:prstClr>
-            </a:outerShdw>
-          </a:effectLst>
         </p:spPr>
         <p:style>
-          <a:lnRef idx="2">
-            <a:schemeClr val="accent1">
-              <a:shade val="50000"/>
-            </a:schemeClr>
+          <a:lnRef idx="0">
+            <a:schemeClr val="accent3"/>
           </a:lnRef>
-          <a:fillRef idx="1">
-            <a:schemeClr val="accent1"/>
+          <a:fillRef idx="3">
+            <a:schemeClr val="accent3"/>
           </a:fillRef>
-          <a:effectRef idx="0">
-            <a:schemeClr val="accent1"/>
+          <a:effectRef idx="3">
+            <a:schemeClr val="accent3"/>
           </a:effectRef>
           <a:fontRef idx="minor">
             <a:schemeClr val="lt1"/>
@@ -7657,7 +9462,7 @@
         </p:nvSpPr>
         <p:spPr>
           <a:xfrm>
-            <a:off x="333659" y="2340476"/>
+            <a:off x="333659" y="2588126"/>
             <a:ext cx="1295291" cy="438582"/>
           </a:xfrm>
           <a:prstGeom prst="rect">
@@ -7713,6 +9518,34 @@
               </a:rPr>
               <a:t>Producer</a:t>
             </a:r>
+            <a:endParaRPr lang="en-US" sz="2400" b="1" dirty="0">
+              <a:ln w="12700" cmpd="sng">
+                <a:solidFill>
+                  <a:schemeClr val="accent4"/>
+                </a:solidFill>
+                <a:prstDash val="solid"/>
+              </a:ln>
+              <a:gradFill>
+                <a:gsLst>
+                  <a:gs pos="0">
+                    <a:schemeClr val="accent4"/>
+                  </a:gs>
+                  <a:gs pos="4000">
+                    <a:schemeClr val="accent4">
+                      <a:lumMod val="60000"/>
+                      <a:lumOff val="40000"/>
+                    </a:schemeClr>
+                  </a:gs>
+                  <a:gs pos="87000">
+                    <a:schemeClr val="accent4">
+                      <a:lumMod val="20000"/>
+                      <a:lumOff val="80000"/>
+                    </a:schemeClr>
+                  </a:gs>
+                </a:gsLst>
+                <a:lin ang="5400000"/>
+              </a:gradFill>
+            </a:endParaRPr>
           </a:p>
         </p:txBody>
       </p:sp>
@@ -7724,7 +9557,7 @@
         </p:nvSpPr>
         <p:spPr>
           <a:xfrm>
-            <a:off x="7433067" y="2340476"/>
+            <a:off x="7433067" y="2588126"/>
             <a:ext cx="1435328" cy="438582"/>
           </a:xfrm>
           <a:prstGeom prst="rect">
@@ -7780,34 +9613,6 @@
               </a:rPr>
               <a:t>Consumer</a:t>
             </a:r>
-            <a:endParaRPr lang="en-US" sz="2400" b="1" dirty="0">
-              <a:ln w="12700">
-                <a:solidFill>
-                  <a:schemeClr val="accent3">
-                    <a:lumMod val="50000"/>
-                  </a:schemeClr>
-                </a:solidFill>
-                <a:prstDash val="solid"/>
-              </a:ln>
-              <a:pattFill prst="narHorz">
-                <a:fgClr>
-                  <a:schemeClr val="accent3"/>
-                </a:fgClr>
-                <a:bgClr>
-                  <a:schemeClr val="accent3">
-                    <a:lumMod val="40000"/>
-                    <a:lumOff val="60000"/>
-                  </a:schemeClr>
-                </a:bgClr>
-              </a:pattFill>
-              <a:effectLst>
-                <a:innerShdw blurRad="177800">
-                  <a:schemeClr val="accent3">
-                    <a:lumMod val="50000"/>
-                  </a:schemeClr>
-                </a:innerShdw>
-              </a:effectLst>
-            </a:endParaRPr>
           </a:p>
         </p:txBody>
       </p:sp>
@@ -7893,8 +9698,8 @@
         </p:nvSpPr>
         <p:spPr>
           <a:xfrm>
-            <a:off x="-4509" y="4708"/>
-            <a:ext cx="3343800" cy="1015663"/>
+            <a:off x="9838" y="170"/>
+            <a:ext cx="4852226" cy="1015663"/>
           </a:xfrm>
           <a:prstGeom prst="rect">
             <a:avLst/>
@@ -7933,7 +9738,7 @@
                   </a:outerShdw>
                 </a:effectLst>
               </a:rPr>
-              <a:t>Persistent</a:t>
+              <a:t>Non Persistent</a:t>
             </a:r>
             <a:endParaRPr lang="en-US" sz="6000" b="1" dirty="0">
               <a:ln/>
@@ -7964,25 +9769,22 @@
       </p:sp>
       <p:cxnSp>
         <p:nvCxnSpPr>
-          <p:cNvPr id="4" name="Straight Arrow Connector 3"/>
-          <p:cNvCxnSpPr>
-            <a:stCxn id="13" idx="3"/>
-            <a:endCxn id="9" idx="3"/>
-          </p:cNvCxnSpPr>
+          <p:cNvPr id="5" name="Straight Connector 4"/>
+          <p:cNvCxnSpPr/>
           <p:nvPr/>
         </p:nvCxnSpPr>
         <p:spPr>
-          <a:xfrm flipV="1">
-            <a:off x="1967119" y="2559766"/>
-            <a:ext cx="1380789" cy="1"/>
-          </a:xfrm>
-          <a:prstGeom prst="straightConnector1">
-            <a:avLst/>
-          </a:prstGeom>
-          <a:ln w="28575">
-            <a:prstDash val="sysDot"/>
-            <a:headEnd type="none" w="med" len="med"/>
-            <a:tailEnd type="triangle" w="lg" len="lg"/>
+          <a:xfrm>
+            <a:off x="3347907" y="1706086"/>
+            <a:ext cx="2280286" cy="1734454"/>
+          </a:xfrm>
+          <a:prstGeom prst="line">
+            <a:avLst/>
+          </a:prstGeom>
+          <a:ln w="76200">
+            <a:solidFill>
+              <a:srgbClr val="FF0000"/>
+            </a:solidFill>
           </a:ln>
         </p:spPr>
         <p:style>
@@ -8002,22 +9804,22 @@
       </p:cxnSp>
       <p:cxnSp>
         <p:nvCxnSpPr>
-          <p:cNvPr id="20" name="Straight Arrow Connector 19"/>
+          <p:cNvPr id="17" name="Straight Connector 16"/>
           <p:cNvCxnSpPr/>
           <p:nvPr/>
         </p:nvCxnSpPr>
         <p:spPr>
-          <a:xfrm flipV="1">
-            <a:off x="5628193" y="2559766"/>
-            <a:ext cx="1536723" cy="1"/>
-          </a:xfrm>
-          <a:prstGeom prst="straightConnector1">
-            <a:avLst/>
-          </a:prstGeom>
-          <a:ln w="28575">
-            <a:prstDash val="sysDot"/>
-            <a:headEnd type="none" w="med" len="med"/>
-            <a:tailEnd type="triangle" w="lg" len="lg"/>
+          <a:xfrm flipH="1">
+            <a:off x="3340451" y="1706086"/>
+            <a:ext cx="2280286" cy="1734454"/>
+          </a:xfrm>
+          <a:prstGeom prst="line">
+            <a:avLst/>
+          </a:prstGeom>
+          <a:ln w="76200">
+            <a:solidFill>
+              <a:srgbClr val="FF0000"/>
+            </a:solidFill>
           </a:ln>
         </p:spPr>
         <p:style>
@@ -8035,466 +9837,10 @@
           </a:fontRef>
         </p:style>
       </p:cxnSp>
-      <p:sp>
-        <p:nvSpPr>
-          <p:cNvPr id="22" name="Oval 21"/>
-          <p:cNvSpPr/>
-          <p:nvPr/>
-        </p:nvSpPr>
-        <p:spPr>
-          <a:xfrm>
-            <a:off x="2482075" y="2384327"/>
-            <a:ext cx="350875" cy="350875"/>
-          </a:xfrm>
-          <a:prstGeom prst="ellipse">
-            <a:avLst/>
-          </a:prstGeom>
-          <a:solidFill>
-            <a:srgbClr val="FF0000"/>
-          </a:solidFill>
-          <a:effectLst>
-            <a:outerShdw blurRad="50800" dist="38100" dir="8100000" algn="tr" rotWithShape="0">
-              <a:prstClr val="black">
-                <a:alpha val="40000"/>
-              </a:prstClr>
-            </a:outerShdw>
-          </a:effectLst>
-        </p:spPr>
-        <p:style>
-          <a:lnRef idx="2">
-            <a:schemeClr val="accent2">
-              <a:shade val="50000"/>
-            </a:schemeClr>
-          </a:lnRef>
-          <a:fillRef idx="1">
-            <a:schemeClr val="accent2"/>
-          </a:fillRef>
-          <a:effectRef idx="0">
-            <a:schemeClr val="accent2"/>
-          </a:effectRef>
-          <a:fontRef idx="minor">
-            <a:schemeClr val="lt1"/>
-          </a:fontRef>
-        </p:style>
-        <p:txBody>
-          <a:bodyPr rtlCol="0" anchor="ctr"/>
-          <a:lstStyle/>
-          <a:p>
-            <a:pPr algn="ctr"/>
-            <a:r>
-              <a:rPr lang="en-US" smtClean="0"/>
-              <a:t>1</a:t>
-            </a:r>
-            <a:endParaRPr lang="en-US" dirty="0"/>
-          </a:p>
-        </p:txBody>
-      </p:sp>
-      <p:sp>
-        <p:nvSpPr>
-          <p:cNvPr id="23" name="Oval 22"/>
-          <p:cNvSpPr/>
-          <p:nvPr/>
-        </p:nvSpPr>
-        <p:spPr>
-          <a:xfrm>
-            <a:off x="6250232" y="2385330"/>
-            <a:ext cx="350875" cy="350875"/>
-          </a:xfrm>
-          <a:prstGeom prst="ellipse">
-            <a:avLst/>
-          </a:prstGeom>
-          <a:solidFill>
-            <a:srgbClr val="FF0000"/>
-          </a:solidFill>
-          <a:effectLst>
-            <a:outerShdw blurRad="50800" dist="38100" dir="8100000" algn="tr" rotWithShape="0">
-              <a:prstClr val="black">
-                <a:alpha val="40000"/>
-              </a:prstClr>
-            </a:outerShdw>
-          </a:effectLst>
-        </p:spPr>
-        <p:style>
-          <a:lnRef idx="2">
-            <a:schemeClr val="accent2">
-              <a:shade val="50000"/>
-            </a:schemeClr>
-          </a:lnRef>
-          <a:fillRef idx="1">
-            <a:schemeClr val="accent2"/>
-          </a:fillRef>
-          <a:effectRef idx="0">
-            <a:schemeClr val="accent2"/>
-          </a:effectRef>
-          <a:fontRef idx="minor">
-            <a:schemeClr val="lt1"/>
-          </a:fontRef>
-        </p:style>
-        <p:txBody>
-          <a:bodyPr rtlCol="0" anchor="ctr"/>
-          <a:lstStyle/>
-          <a:p>
-            <a:pPr algn="ctr"/>
-            <a:r>
-              <a:rPr lang="en-US" dirty="0"/>
-              <a:t>4</a:t>
-            </a:r>
-          </a:p>
-        </p:txBody>
-      </p:sp>
-      <p:sp>
-        <p:nvSpPr>
-          <p:cNvPr id="17" name="Rounded Rectangle 16"/>
-          <p:cNvSpPr/>
-          <p:nvPr/>
-        </p:nvSpPr>
-        <p:spPr>
-          <a:xfrm>
-            <a:off x="3282588" y="4117384"/>
-            <a:ext cx="2396745" cy="1031377"/>
-          </a:xfrm>
-          <a:prstGeom prst="roundRect">
-            <a:avLst/>
-          </a:prstGeom>
-          <a:solidFill>
-            <a:schemeClr val="accent3">
-              <a:alpha val="50000"/>
-            </a:schemeClr>
-          </a:solidFill>
-          <a:ln>
-            <a:noFill/>
-          </a:ln>
-        </p:spPr>
-        <p:style>
-          <a:lnRef idx="0">
-            <a:scrgbClr r="0" g="0" b="0"/>
-          </a:lnRef>
-          <a:fillRef idx="0">
-            <a:scrgbClr r="0" g="0" b="0"/>
-          </a:fillRef>
-          <a:effectRef idx="0">
-            <a:scrgbClr r="0" g="0" b="0"/>
-          </a:effectRef>
-          <a:fontRef idx="minor">
-            <a:schemeClr val="lt1"/>
-          </a:fontRef>
-        </p:style>
-        <p:txBody>
-          <a:bodyPr rtlCol="0" anchor="ctr"/>
-          <a:lstStyle/>
-          <a:p>
-            <a:pPr algn="ctr"/>
-            <a:endParaRPr lang="en-US" sz="1013" dirty="0"/>
-          </a:p>
-        </p:txBody>
-      </p:sp>
-      <p:sp>
-        <p:nvSpPr>
-          <p:cNvPr id="18" name="Rectangle 17"/>
-          <p:cNvSpPr/>
-          <p:nvPr/>
-        </p:nvSpPr>
-        <p:spPr>
-          <a:xfrm>
-            <a:off x="3681130" y="4212476"/>
-            <a:ext cx="1613840" cy="931024"/>
-          </a:xfrm>
-          <a:prstGeom prst="rect">
-            <a:avLst/>
-          </a:prstGeom>
-          <a:noFill/>
-          <a:ln>
-            <a:noFill/>
-          </a:ln>
-        </p:spPr>
-        <p:txBody>
-          <a:bodyPr wrap="none" lIns="68580" tIns="34290" rIns="68580" bIns="34290">
-            <a:spAutoFit/>
-          </a:bodyPr>
-          <a:lstStyle/>
-          <a:p>
-            <a:pPr algn="ctr"/>
-            <a:r>
-              <a:rPr lang="en-US" sz="2800" b="1" dirty="0" smtClean="0">
-                <a:ln/>
-                <a:pattFill prst="dkUpDiag">
-                  <a:fgClr>
-                    <a:schemeClr val="bg1">
-                      <a:lumMod val="50000"/>
-                    </a:schemeClr>
-                  </a:fgClr>
-                  <a:bgClr>
-                    <a:schemeClr val="tx1">
-                      <a:lumMod val="75000"/>
-                      <a:lumOff val="25000"/>
-                    </a:schemeClr>
-                  </a:bgClr>
-                </a:pattFill>
-                <a:effectLst>
-                  <a:outerShdw blurRad="38100" dist="19050" dir="2700000" algn="tl" rotWithShape="0">
-                    <a:schemeClr val="dk1">
-                      <a:lumMod val="50000"/>
-                      <a:alpha val="40000"/>
-                    </a:schemeClr>
-                  </a:outerShdw>
-                </a:effectLst>
-              </a:rPr>
-              <a:t>Persistent</a:t>
-            </a:r>
-            <a:br>
-              <a:rPr lang="en-US" sz="2800" b="1" dirty="0" smtClean="0">
-                <a:ln/>
-                <a:pattFill prst="dkUpDiag">
-                  <a:fgClr>
-                    <a:schemeClr val="bg1">
-                      <a:lumMod val="50000"/>
-                    </a:schemeClr>
-                  </a:fgClr>
-                  <a:bgClr>
-                    <a:schemeClr val="tx1">
-                      <a:lumMod val="75000"/>
-                      <a:lumOff val="25000"/>
-                    </a:schemeClr>
-                  </a:bgClr>
-                </a:pattFill>
-                <a:effectLst>
-                  <a:outerShdw blurRad="38100" dist="19050" dir="2700000" algn="tl" rotWithShape="0">
-                    <a:schemeClr val="dk1">
-                      <a:lumMod val="50000"/>
-                      <a:alpha val="40000"/>
-                    </a:schemeClr>
-                  </a:outerShdw>
-                </a:effectLst>
-              </a:rPr>
-            </a:br>
-            <a:r>
-              <a:rPr lang="en-US" sz="2800" b="1" dirty="0" smtClean="0">
-                <a:ln/>
-                <a:pattFill prst="dkUpDiag">
-                  <a:fgClr>
-                    <a:schemeClr val="bg1">
-                      <a:lumMod val="50000"/>
-                    </a:schemeClr>
-                  </a:fgClr>
-                  <a:bgClr>
-                    <a:schemeClr val="tx1">
-                      <a:lumMod val="75000"/>
-                      <a:lumOff val="25000"/>
-                    </a:schemeClr>
-                  </a:bgClr>
-                </a:pattFill>
-                <a:effectLst>
-                  <a:outerShdw blurRad="38100" dist="19050" dir="2700000" algn="tl" rotWithShape="0">
-                    <a:schemeClr val="dk1">
-                      <a:lumMod val="50000"/>
-                      <a:alpha val="40000"/>
-                    </a:schemeClr>
-                  </a:outerShdw>
-                </a:effectLst>
-              </a:rPr>
-              <a:t>Store</a:t>
-            </a:r>
-            <a:endParaRPr lang="en-US" sz="2800" b="1" dirty="0">
-              <a:ln w="10160">
-                <a:solidFill>
-                  <a:schemeClr val="accent2"/>
-                </a:solidFill>
-                <a:prstDash val="solid"/>
-              </a:ln>
-              <a:solidFill>
-                <a:srgbClr val="FFFFFF"/>
-              </a:solidFill>
-              <a:effectLst>
-                <a:outerShdw blurRad="38100" dist="22860" dir="5400000" algn="tl" rotWithShape="0">
-                  <a:srgbClr val="000000">
-                    <a:alpha val="30000"/>
-                  </a:srgbClr>
-                </a:outerShdw>
-              </a:effectLst>
-            </a:endParaRPr>
-          </a:p>
-        </p:txBody>
-      </p:sp>
-      <p:cxnSp>
-        <p:nvCxnSpPr>
-          <p:cNvPr id="21" name="Straight Arrow Connector 20"/>
-          <p:cNvCxnSpPr/>
-          <p:nvPr/>
-        </p:nvCxnSpPr>
-        <p:spPr>
-          <a:xfrm>
-            <a:off x="3872573" y="2918432"/>
-            <a:ext cx="0" cy="1198952"/>
-          </a:xfrm>
-          <a:prstGeom prst="straightConnector1">
-            <a:avLst/>
-          </a:prstGeom>
-          <a:ln w="28575">
-            <a:prstDash val="sysDot"/>
-            <a:headEnd type="none" w="med" len="med"/>
-            <a:tailEnd type="triangle" w="lg" len="lg"/>
-          </a:ln>
-        </p:spPr>
-        <p:style>
-          <a:lnRef idx="1">
-            <a:schemeClr val="accent2"/>
-          </a:lnRef>
-          <a:fillRef idx="0">
-            <a:schemeClr val="accent2"/>
-          </a:fillRef>
-          <a:effectRef idx="0">
-            <a:schemeClr val="accent2"/>
-          </a:effectRef>
-          <a:fontRef idx="minor">
-            <a:schemeClr val="tx1"/>
-          </a:fontRef>
-        </p:style>
-      </p:cxnSp>
-      <p:cxnSp>
-        <p:nvCxnSpPr>
-          <p:cNvPr id="24" name="Straight Arrow Connector 23"/>
-          <p:cNvCxnSpPr/>
-          <p:nvPr/>
-        </p:nvCxnSpPr>
-        <p:spPr>
-          <a:xfrm flipH="1" flipV="1">
-            <a:off x="5045701" y="2925518"/>
-            <a:ext cx="4826" cy="1184781"/>
-          </a:xfrm>
-          <a:prstGeom prst="straightConnector1">
-            <a:avLst/>
-          </a:prstGeom>
-          <a:ln w="28575">
-            <a:prstDash val="sysDot"/>
-            <a:headEnd type="none" w="med" len="med"/>
-            <a:tailEnd type="triangle" w="lg" len="lg"/>
-          </a:ln>
-        </p:spPr>
-        <p:style>
-          <a:lnRef idx="1">
-            <a:schemeClr val="accent2"/>
-          </a:lnRef>
-          <a:fillRef idx="0">
-            <a:schemeClr val="accent2"/>
-          </a:fillRef>
-          <a:effectRef idx="0">
-            <a:schemeClr val="accent2"/>
-          </a:effectRef>
-          <a:fontRef idx="minor">
-            <a:schemeClr val="tx1"/>
-          </a:fontRef>
-        </p:style>
-      </p:cxnSp>
-      <p:sp>
-        <p:nvSpPr>
-          <p:cNvPr id="25" name="Oval 24"/>
-          <p:cNvSpPr/>
-          <p:nvPr/>
-        </p:nvSpPr>
-        <p:spPr>
-          <a:xfrm>
-            <a:off x="3691323" y="3342471"/>
-            <a:ext cx="350875" cy="350875"/>
-          </a:xfrm>
-          <a:prstGeom prst="ellipse">
-            <a:avLst/>
-          </a:prstGeom>
-          <a:solidFill>
-            <a:srgbClr val="FF0000"/>
-          </a:solidFill>
-          <a:effectLst>
-            <a:outerShdw blurRad="50800" dist="38100" dir="8100000" algn="tr" rotWithShape="0">
-              <a:prstClr val="black">
-                <a:alpha val="40000"/>
-              </a:prstClr>
-            </a:outerShdw>
-          </a:effectLst>
-        </p:spPr>
-        <p:style>
-          <a:lnRef idx="2">
-            <a:schemeClr val="accent2">
-              <a:shade val="50000"/>
-            </a:schemeClr>
-          </a:lnRef>
-          <a:fillRef idx="1">
-            <a:schemeClr val="accent2"/>
-          </a:fillRef>
-          <a:effectRef idx="0">
-            <a:schemeClr val="accent2"/>
-          </a:effectRef>
-          <a:fontRef idx="minor">
-            <a:schemeClr val="lt1"/>
-          </a:fontRef>
-        </p:style>
-        <p:txBody>
-          <a:bodyPr rtlCol="0" anchor="ctr"/>
-          <a:lstStyle/>
-          <a:p>
-            <a:pPr algn="ctr"/>
-            <a:r>
-              <a:rPr lang="en-US" dirty="0"/>
-              <a:t>2</a:t>
-            </a:r>
-          </a:p>
-        </p:txBody>
-      </p:sp>
-      <p:sp>
-        <p:nvSpPr>
-          <p:cNvPr id="26" name="Oval 25"/>
-          <p:cNvSpPr/>
-          <p:nvPr/>
-        </p:nvSpPr>
-        <p:spPr>
-          <a:xfrm>
-            <a:off x="4875090" y="3342471"/>
-            <a:ext cx="350875" cy="350875"/>
-          </a:xfrm>
-          <a:prstGeom prst="ellipse">
-            <a:avLst/>
-          </a:prstGeom>
-          <a:solidFill>
-            <a:srgbClr val="FF0000"/>
-          </a:solidFill>
-          <a:effectLst>
-            <a:outerShdw blurRad="50800" dist="38100" dir="8100000" algn="tr" rotWithShape="0">
-              <a:prstClr val="black">
-                <a:alpha val="40000"/>
-              </a:prstClr>
-            </a:outerShdw>
-          </a:effectLst>
-        </p:spPr>
-        <p:style>
-          <a:lnRef idx="2">
-            <a:schemeClr val="accent2">
-              <a:shade val="50000"/>
-            </a:schemeClr>
-          </a:lnRef>
-          <a:fillRef idx="1">
-            <a:schemeClr val="accent2"/>
-          </a:fillRef>
-          <a:effectRef idx="0">
-            <a:schemeClr val="accent2"/>
-          </a:effectRef>
-          <a:fontRef idx="minor">
-            <a:schemeClr val="lt1"/>
-          </a:fontRef>
-        </p:style>
-        <p:txBody>
-          <a:bodyPr rtlCol="0" anchor="ctr"/>
-          <a:lstStyle/>
-          <a:p>
-            <a:pPr algn="ctr"/>
-            <a:r>
-              <a:rPr lang="en-US" dirty="0"/>
-              <a:t>3</a:t>
-            </a:r>
-          </a:p>
-        </p:txBody>
-      </p:sp>
     </p:spTree>
     <p:extLst>
       <p:ext uri="{BB962C8B-B14F-4D97-AF65-F5344CB8AC3E}">
-        <p14:creationId xmlns:p14="http://schemas.microsoft.com/office/powerpoint/2010/main" val="2482727732"/>
+        <p14:creationId xmlns:p14="http://schemas.microsoft.com/office/powerpoint/2010/main" val="2316926315"/>
       </p:ext>
     </p:extLst>
   </p:cSld>
@@ -8908,8 +10254,8 @@
         </p:nvSpPr>
         <p:spPr>
           <a:xfrm>
-            <a:off x="7433066" y="2340476"/>
-            <a:ext cx="1435329" cy="438582"/>
+            <a:off x="7433067" y="2340476"/>
+            <a:ext cx="1435328" cy="438582"/>
           </a:xfrm>
           <a:prstGeom prst="rect">
             <a:avLst/>
@@ -8934,7 +10280,7 @@
           <a:p>
             <a:pPr algn="ctr"/>
             <a:r>
-              <a:rPr lang="en-US" sz="2400" b="1" dirty="0" smtClean="0">
+              <a:rPr lang="en-US" sz="2400" b="1" dirty="0">
                 <a:ln w="12700">
                   <a:solidFill>
                     <a:schemeClr val="accent3">
@@ -8964,34 +10310,6 @@
               </a:rPr>
               <a:t>Consumer</a:t>
             </a:r>
-            <a:endParaRPr lang="en-US" sz="2400" b="1" dirty="0">
-              <a:ln w="12700" cmpd="sng">
-                <a:solidFill>
-                  <a:schemeClr val="accent4"/>
-                </a:solidFill>
-                <a:prstDash val="solid"/>
-              </a:ln>
-              <a:gradFill>
-                <a:gsLst>
-                  <a:gs pos="0">
-                    <a:schemeClr val="accent4"/>
-                  </a:gs>
-                  <a:gs pos="4000">
-                    <a:schemeClr val="accent4">
-                      <a:lumMod val="60000"/>
-                      <a:lumOff val="40000"/>
-                    </a:schemeClr>
-                  </a:gs>
-                  <a:gs pos="87000">
-                    <a:schemeClr val="accent4">
-                      <a:lumMod val="20000"/>
-                      <a:lumOff val="80000"/>
-                    </a:schemeClr>
-                  </a:gs>
-                </a:gsLst>
-                <a:lin ang="5400000"/>
-              </a:gradFill>
-            </a:endParaRPr>
           </a:p>
         </p:txBody>
       </p:sp>
@@ -9077,8 +10395,8 @@
         </p:nvSpPr>
         <p:spPr>
           <a:xfrm>
-            <a:off x="-4509" y="58554"/>
-            <a:ext cx="5086136" cy="1015663"/>
+            <a:off x="-4509" y="4708"/>
+            <a:ext cx="3343800" cy="1015663"/>
           </a:xfrm>
           <a:prstGeom prst="rect">
             <a:avLst/>
@@ -9117,34 +10435,7 @@
                   </a:outerShdw>
                 </a:effectLst>
               </a:rPr>
-              <a:t>Fire-and-</a:t>
-            </a:r>
-            <a:r>
-              <a:rPr lang="en-US" sz="6000" b="1" dirty="0" smtClean="0">
-                <a:ln/>
-                <a:pattFill prst="dkUpDiag">
-                  <a:fgClr>
-                    <a:schemeClr val="bg1">
-                      <a:lumMod val="50000"/>
-                    </a:schemeClr>
-                  </a:fgClr>
-                  <a:bgClr>
-                    <a:schemeClr val="tx1">
-                      <a:lumMod val="75000"/>
-                      <a:lumOff val="25000"/>
-                    </a:schemeClr>
-                  </a:bgClr>
-                </a:pattFill>
-                <a:effectLst>
-                  <a:outerShdw blurRad="38100" dist="19050" dir="2700000" algn="tl" rotWithShape="0">
-                    <a:schemeClr val="dk1">
-                      <a:lumMod val="50000"/>
-                      <a:alpha val="40000"/>
-                    </a:schemeClr>
-                  </a:outerShdw>
-                </a:effectLst>
-              </a:rPr>
-              <a:t>Forget</a:t>
+              <a:t>Persistent</a:t>
             </a:r>
             <a:endParaRPr lang="en-US" sz="6000" b="1" dirty="0">
               <a:ln/>
@@ -9348,7 +10639,356 @@
             <a:pPr algn="ctr"/>
             <a:r>
               <a:rPr lang="en-US" dirty="0"/>
+              <a:t>4</a:t>
+            </a:r>
+          </a:p>
+        </p:txBody>
+      </p:sp>
+      <p:sp>
+        <p:nvSpPr>
+          <p:cNvPr id="17" name="Rounded Rectangle 16"/>
+          <p:cNvSpPr/>
+          <p:nvPr/>
+        </p:nvSpPr>
+        <p:spPr>
+          <a:xfrm>
+            <a:off x="3282588" y="4117384"/>
+            <a:ext cx="2396745" cy="1031377"/>
+          </a:xfrm>
+          <a:prstGeom prst="roundRect">
+            <a:avLst/>
+          </a:prstGeom>
+          <a:solidFill>
+            <a:schemeClr val="accent3">
+              <a:alpha val="50000"/>
+            </a:schemeClr>
+          </a:solidFill>
+          <a:ln>
+            <a:noFill/>
+          </a:ln>
+        </p:spPr>
+        <p:style>
+          <a:lnRef idx="0">
+            <a:scrgbClr r="0" g="0" b="0"/>
+          </a:lnRef>
+          <a:fillRef idx="0">
+            <a:scrgbClr r="0" g="0" b="0"/>
+          </a:fillRef>
+          <a:effectRef idx="0">
+            <a:scrgbClr r="0" g="0" b="0"/>
+          </a:effectRef>
+          <a:fontRef idx="minor">
+            <a:schemeClr val="lt1"/>
+          </a:fontRef>
+        </p:style>
+        <p:txBody>
+          <a:bodyPr rtlCol="0" anchor="ctr"/>
+          <a:lstStyle/>
+          <a:p>
+            <a:pPr algn="ctr"/>
+            <a:endParaRPr lang="en-US" sz="1013" dirty="0"/>
+          </a:p>
+        </p:txBody>
+      </p:sp>
+      <p:sp>
+        <p:nvSpPr>
+          <p:cNvPr id="18" name="Rectangle 17"/>
+          <p:cNvSpPr/>
+          <p:nvPr/>
+        </p:nvSpPr>
+        <p:spPr>
+          <a:xfrm>
+            <a:off x="3681130" y="4212476"/>
+            <a:ext cx="1613840" cy="931024"/>
+          </a:xfrm>
+          <a:prstGeom prst="rect">
+            <a:avLst/>
+          </a:prstGeom>
+          <a:noFill/>
+          <a:ln>
+            <a:noFill/>
+          </a:ln>
+        </p:spPr>
+        <p:txBody>
+          <a:bodyPr wrap="none" lIns="68580" tIns="34290" rIns="68580" bIns="34290">
+            <a:spAutoFit/>
+          </a:bodyPr>
+          <a:lstStyle/>
+          <a:p>
+            <a:pPr algn="ctr"/>
+            <a:r>
+              <a:rPr lang="en-US" sz="2800" b="1" dirty="0" smtClean="0">
+                <a:ln/>
+                <a:pattFill prst="dkUpDiag">
+                  <a:fgClr>
+                    <a:schemeClr val="bg1">
+                      <a:lumMod val="50000"/>
+                    </a:schemeClr>
+                  </a:fgClr>
+                  <a:bgClr>
+                    <a:schemeClr val="tx1">
+                      <a:lumMod val="75000"/>
+                      <a:lumOff val="25000"/>
+                    </a:schemeClr>
+                  </a:bgClr>
+                </a:pattFill>
+                <a:effectLst>
+                  <a:outerShdw blurRad="38100" dist="19050" dir="2700000" algn="tl" rotWithShape="0">
+                    <a:schemeClr val="dk1">
+                      <a:lumMod val="50000"/>
+                      <a:alpha val="40000"/>
+                    </a:schemeClr>
+                  </a:outerShdw>
+                </a:effectLst>
+              </a:rPr>
+              <a:t>Persistent</a:t>
+            </a:r>
+            <a:br>
+              <a:rPr lang="en-US" sz="2800" b="1" dirty="0" smtClean="0">
+                <a:ln/>
+                <a:pattFill prst="dkUpDiag">
+                  <a:fgClr>
+                    <a:schemeClr val="bg1">
+                      <a:lumMod val="50000"/>
+                    </a:schemeClr>
+                  </a:fgClr>
+                  <a:bgClr>
+                    <a:schemeClr val="tx1">
+                      <a:lumMod val="75000"/>
+                      <a:lumOff val="25000"/>
+                    </a:schemeClr>
+                  </a:bgClr>
+                </a:pattFill>
+                <a:effectLst>
+                  <a:outerShdw blurRad="38100" dist="19050" dir="2700000" algn="tl" rotWithShape="0">
+                    <a:schemeClr val="dk1">
+                      <a:lumMod val="50000"/>
+                      <a:alpha val="40000"/>
+                    </a:schemeClr>
+                  </a:outerShdw>
+                </a:effectLst>
+              </a:rPr>
+            </a:br>
+            <a:r>
+              <a:rPr lang="en-US" sz="2800" b="1" dirty="0" smtClean="0">
+                <a:ln/>
+                <a:pattFill prst="dkUpDiag">
+                  <a:fgClr>
+                    <a:schemeClr val="bg1">
+                      <a:lumMod val="50000"/>
+                    </a:schemeClr>
+                  </a:fgClr>
+                  <a:bgClr>
+                    <a:schemeClr val="tx1">
+                      <a:lumMod val="75000"/>
+                      <a:lumOff val="25000"/>
+                    </a:schemeClr>
+                  </a:bgClr>
+                </a:pattFill>
+                <a:effectLst>
+                  <a:outerShdw blurRad="38100" dist="19050" dir="2700000" algn="tl" rotWithShape="0">
+                    <a:schemeClr val="dk1">
+                      <a:lumMod val="50000"/>
+                      <a:alpha val="40000"/>
+                    </a:schemeClr>
+                  </a:outerShdw>
+                </a:effectLst>
+              </a:rPr>
+              <a:t>Store</a:t>
+            </a:r>
+            <a:endParaRPr lang="en-US" sz="2800" b="1" dirty="0">
+              <a:ln w="10160">
+                <a:solidFill>
+                  <a:schemeClr val="accent2"/>
+                </a:solidFill>
+                <a:prstDash val="solid"/>
+              </a:ln>
+              <a:solidFill>
+                <a:srgbClr val="FFFFFF"/>
+              </a:solidFill>
+              <a:effectLst>
+                <a:outerShdw blurRad="38100" dist="22860" dir="5400000" algn="tl" rotWithShape="0">
+                  <a:srgbClr val="000000">
+                    <a:alpha val="30000"/>
+                  </a:srgbClr>
+                </a:outerShdw>
+              </a:effectLst>
+            </a:endParaRPr>
+          </a:p>
+        </p:txBody>
+      </p:sp>
+      <p:cxnSp>
+        <p:nvCxnSpPr>
+          <p:cNvPr id="21" name="Straight Arrow Connector 20"/>
+          <p:cNvCxnSpPr/>
+          <p:nvPr/>
+        </p:nvCxnSpPr>
+        <p:spPr>
+          <a:xfrm>
+            <a:off x="3872573" y="2918432"/>
+            <a:ext cx="0" cy="1198952"/>
+          </a:xfrm>
+          <a:prstGeom prst="straightConnector1">
+            <a:avLst/>
+          </a:prstGeom>
+          <a:ln w="28575">
+            <a:prstDash val="sysDot"/>
+            <a:headEnd type="none" w="med" len="med"/>
+            <a:tailEnd type="triangle" w="lg" len="lg"/>
+          </a:ln>
+        </p:spPr>
+        <p:style>
+          <a:lnRef idx="1">
+            <a:schemeClr val="accent2"/>
+          </a:lnRef>
+          <a:fillRef idx="0">
+            <a:schemeClr val="accent2"/>
+          </a:fillRef>
+          <a:effectRef idx="0">
+            <a:schemeClr val="accent2"/>
+          </a:effectRef>
+          <a:fontRef idx="minor">
+            <a:schemeClr val="tx1"/>
+          </a:fontRef>
+        </p:style>
+      </p:cxnSp>
+      <p:cxnSp>
+        <p:nvCxnSpPr>
+          <p:cNvPr id="24" name="Straight Arrow Connector 23"/>
+          <p:cNvCxnSpPr/>
+          <p:nvPr/>
+        </p:nvCxnSpPr>
+        <p:spPr>
+          <a:xfrm flipH="1" flipV="1">
+            <a:off x="5045701" y="2925518"/>
+            <a:ext cx="4826" cy="1184781"/>
+          </a:xfrm>
+          <a:prstGeom prst="straightConnector1">
+            <a:avLst/>
+          </a:prstGeom>
+          <a:ln w="28575">
+            <a:prstDash val="sysDot"/>
+            <a:headEnd type="none" w="med" len="med"/>
+            <a:tailEnd type="triangle" w="lg" len="lg"/>
+          </a:ln>
+        </p:spPr>
+        <p:style>
+          <a:lnRef idx="1">
+            <a:schemeClr val="accent2"/>
+          </a:lnRef>
+          <a:fillRef idx="0">
+            <a:schemeClr val="accent2"/>
+          </a:fillRef>
+          <a:effectRef idx="0">
+            <a:schemeClr val="accent2"/>
+          </a:effectRef>
+          <a:fontRef idx="minor">
+            <a:schemeClr val="tx1"/>
+          </a:fontRef>
+        </p:style>
+      </p:cxnSp>
+      <p:sp>
+        <p:nvSpPr>
+          <p:cNvPr id="25" name="Oval 24"/>
+          <p:cNvSpPr/>
+          <p:nvPr/>
+        </p:nvSpPr>
+        <p:spPr>
+          <a:xfrm>
+            <a:off x="3691323" y="3342471"/>
+            <a:ext cx="350875" cy="350875"/>
+          </a:xfrm>
+          <a:prstGeom prst="ellipse">
+            <a:avLst/>
+          </a:prstGeom>
+          <a:solidFill>
+            <a:srgbClr val="FF0000"/>
+          </a:solidFill>
+          <a:effectLst>
+            <a:outerShdw blurRad="50800" dist="38100" dir="8100000" algn="tr" rotWithShape="0">
+              <a:prstClr val="black">
+                <a:alpha val="40000"/>
+              </a:prstClr>
+            </a:outerShdw>
+          </a:effectLst>
+        </p:spPr>
+        <p:style>
+          <a:lnRef idx="2">
+            <a:schemeClr val="accent2">
+              <a:shade val="50000"/>
+            </a:schemeClr>
+          </a:lnRef>
+          <a:fillRef idx="1">
+            <a:schemeClr val="accent2"/>
+          </a:fillRef>
+          <a:effectRef idx="0">
+            <a:schemeClr val="accent2"/>
+          </a:effectRef>
+          <a:fontRef idx="minor">
+            <a:schemeClr val="lt1"/>
+          </a:fontRef>
+        </p:style>
+        <p:txBody>
+          <a:bodyPr rtlCol="0" anchor="ctr"/>
+          <a:lstStyle/>
+          <a:p>
+            <a:pPr algn="ctr"/>
+            <a:r>
+              <a:rPr lang="en-US" dirty="0"/>
               <a:t>2</a:t>
+            </a:r>
+          </a:p>
+        </p:txBody>
+      </p:sp>
+      <p:sp>
+        <p:nvSpPr>
+          <p:cNvPr id="26" name="Oval 25"/>
+          <p:cNvSpPr/>
+          <p:nvPr/>
+        </p:nvSpPr>
+        <p:spPr>
+          <a:xfrm>
+            <a:off x="4875090" y="3342471"/>
+            <a:ext cx="350875" cy="350875"/>
+          </a:xfrm>
+          <a:prstGeom prst="ellipse">
+            <a:avLst/>
+          </a:prstGeom>
+          <a:solidFill>
+            <a:srgbClr val="FF0000"/>
+          </a:solidFill>
+          <a:effectLst>
+            <a:outerShdw blurRad="50800" dist="38100" dir="8100000" algn="tr" rotWithShape="0">
+              <a:prstClr val="black">
+                <a:alpha val="40000"/>
+              </a:prstClr>
+            </a:outerShdw>
+          </a:effectLst>
+        </p:spPr>
+        <p:style>
+          <a:lnRef idx="2">
+            <a:schemeClr val="accent2">
+              <a:shade val="50000"/>
+            </a:schemeClr>
+          </a:lnRef>
+          <a:fillRef idx="1">
+            <a:schemeClr val="accent2"/>
+          </a:fillRef>
+          <a:effectRef idx="0">
+            <a:schemeClr val="accent2"/>
+          </a:effectRef>
+          <a:fontRef idx="minor">
+            <a:schemeClr val="lt1"/>
+          </a:fontRef>
+        </p:style>
+        <p:txBody>
+          <a:bodyPr rtlCol="0" anchor="ctr"/>
+          <a:lstStyle/>
+          <a:p>
+            <a:pPr algn="ctr"/>
+            <a:r>
+              <a:rPr lang="en-US" dirty="0"/>
+              <a:t>3</a:t>
             </a:r>
           </a:p>
         </p:txBody>
@@ -9356,7 +10996,7 @@
     </p:spTree>
     <p:extLst>
       <p:ext uri="{BB962C8B-B14F-4D97-AF65-F5344CB8AC3E}">
-        <p14:creationId xmlns:p14="http://schemas.microsoft.com/office/powerpoint/2010/main" val="562301339"/>
+        <p14:creationId xmlns:p14="http://schemas.microsoft.com/office/powerpoint/2010/main" val="2482727732"/>
       </p:ext>
     </p:extLst>
   </p:cSld>
@@ -9408,8 +11048,8 @@
         </p:nvSpPr>
         <p:spPr>
           <a:xfrm>
-            <a:off x="2988890" y="1538877"/>
-            <a:ext cx="3105404" cy="2797144"/>
+            <a:off x="3289678" y="1678991"/>
+            <a:ext cx="2396745" cy="1761549"/>
           </a:xfrm>
           <a:prstGeom prst="roundRect">
             <a:avLst/>
@@ -9442,7 +11082,14 @@
           <a:lstStyle/>
           <a:p>
             <a:pPr algn="ctr"/>
-            <a:endParaRPr lang="en-US" sz="1013" dirty="0"/>
+            <a:r>
+              <a:rPr lang="en-US" sz="1013" dirty="0" err="1"/>
+              <a:t>Jms</a:t>
+            </a:r>
+            <a:r>
+              <a:rPr lang="en-US" sz="1013" dirty="0"/>
+              <a:t> Client</a:t>
+            </a:r>
           </a:p>
         </p:txBody>
       </p:sp>
@@ -9498,8 +11145,8 @@
         </p:nvSpPr>
         <p:spPr>
           <a:xfrm rot="5400000">
-            <a:off x="4267377" y="1393571"/>
-            <a:ext cx="441342" cy="2280285"/>
+            <a:off x="4129384" y="1419623"/>
+            <a:ext cx="717332" cy="2280285"/>
           </a:xfrm>
           <a:prstGeom prst="can">
             <a:avLst/>
@@ -9545,8 +11192,8 @@
         </p:nvSpPr>
         <p:spPr>
           <a:xfrm>
-            <a:off x="3645332" y="2259059"/>
-            <a:ext cx="1674496" cy="500137"/>
+            <a:off x="3700655" y="2213517"/>
+            <a:ext cx="1574790" cy="692497"/>
           </a:xfrm>
           <a:prstGeom prst="rect">
             <a:avLst/>
@@ -9561,7 +11208,7 @@
           <a:p>
             <a:pPr algn="ctr"/>
             <a:r>
-              <a:rPr lang="en-US" sz="2800" b="1" dirty="0" smtClean="0">
+              <a:rPr lang="en-US" sz="4050" b="1" dirty="0">
                 <a:ln w="12700">
                   <a:solidFill>
                     <a:schemeClr val="accent3">
@@ -9589,9 +11236,9 @@
                   </a:innerShdw>
                 </a:effectLst>
               </a:rPr>
-              <a:t>Request Q</a:t>
-            </a:r>
-            <a:endParaRPr lang="en-US" sz="2800" b="1" dirty="0">
+              <a:t>Queue</a:t>
+            </a:r>
+            <a:endParaRPr lang="en-US" sz="4050" b="1" dirty="0">
               <a:ln w="10160">
                 <a:solidFill>
                   <a:schemeClr val="accent5"/>
@@ -9620,8 +11267,8 @@
         </p:nvSpPr>
         <p:spPr>
           <a:xfrm>
-            <a:off x="7164916" y="2226891"/>
-            <a:ext cx="1971628" cy="1216860"/>
+            <a:off x="7164916" y="2079403"/>
+            <a:ext cx="1971628" cy="960728"/>
           </a:xfrm>
           <a:prstGeom prst="roundRect">
             <a:avLst/>
@@ -9658,8 +11305,8 @@
         </p:nvSpPr>
         <p:spPr>
           <a:xfrm>
-            <a:off x="-4509" y="2226890"/>
-            <a:ext cx="1971628" cy="1216861"/>
+            <a:off x="-4509" y="2079403"/>
+            <a:ext cx="1971628" cy="960728"/>
           </a:xfrm>
           <a:prstGeom prst="roundRect">
             <a:avLst/>
@@ -9696,7 +11343,7 @@
         </p:nvSpPr>
         <p:spPr>
           <a:xfrm>
-            <a:off x="333659" y="2616029"/>
+            <a:off x="333659" y="2607176"/>
             <a:ext cx="1295291" cy="438582"/>
           </a:xfrm>
           <a:prstGeom prst="rect">
@@ -9763,8 +11410,8 @@
         </p:nvSpPr>
         <p:spPr>
           <a:xfrm>
-            <a:off x="7433065" y="2616030"/>
-            <a:ext cx="1435329" cy="438582"/>
+            <a:off x="7433067" y="2607176"/>
+            <a:ext cx="1435328" cy="438582"/>
           </a:xfrm>
           <a:prstGeom prst="rect">
             <a:avLst/>
@@ -9819,34 +11466,6 @@
               </a:rPr>
               <a:t>Consumer</a:t>
             </a:r>
-            <a:endParaRPr lang="en-US" sz="2400" b="1" dirty="0">
-              <a:ln w="12700">
-                <a:solidFill>
-                  <a:schemeClr val="accent3">
-                    <a:lumMod val="50000"/>
-                  </a:schemeClr>
-                </a:solidFill>
-                <a:prstDash val="solid"/>
-              </a:ln>
-              <a:pattFill prst="narHorz">
-                <a:fgClr>
-                  <a:schemeClr val="accent3"/>
-                </a:fgClr>
-                <a:bgClr>
-                  <a:schemeClr val="accent3">
-                    <a:lumMod val="40000"/>
-                    <a:lumOff val="60000"/>
-                  </a:schemeClr>
-                </a:bgClr>
-              </a:pattFill>
-              <a:effectLst>
-                <a:innerShdw blurRad="177800">
-                  <a:schemeClr val="accent3">
-                    <a:lumMod val="50000"/>
-                  </a:schemeClr>
-                </a:innerShdw>
-              </a:effectLst>
-            </a:endParaRPr>
           </a:p>
         </p:txBody>
       </p:sp>
@@ -9858,7 +11477,7 @@
         </p:nvSpPr>
         <p:spPr>
           <a:xfrm>
-            <a:off x="3872573" y="1565972"/>
+            <a:off x="3872573" y="1706086"/>
             <a:ext cx="1129413" cy="500137"/>
           </a:xfrm>
           <a:prstGeom prst="rect">
@@ -9932,8 +11551,8 @@
         </p:nvSpPr>
         <p:spPr>
           <a:xfrm>
-            <a:off x="-40562" y="39864"/>
-            <a:ext cx="6058903" cy="1015663"/>
+            <a:off x="-4509" y="4708"/>
+            <a:ext cx="3343800" cy="1015663"/>
           </a:xfrm>
           <a:prstGeom prst="rect">
             <a:avLst/>
@@ -9972,7 +11591,7 @@
                   </a:outerShdw>
                 </a:effectLst>
               </a:rPr>
-              <a:t>Request-Response</a:t>
+              <a:t>Persistent</a:t>
             </a:r>
             <a:endParaRPr lang="en-US" sz="6000" b="1" dirty="0">
               <a:ln/>
@@ -10001,115 +11620,38 @@
           </a:p>
         </p:txBody>
       </p:sp>
-      <p:cxnSp>
-        <p:nvCxnSpPr>
-          <p:cNvPr id="4" name="Straight Arrow Connector 3"/>
-          <p:cNvCxnSpPr>
-            <a:stCxn id="13" idx="3"/>
-            <a:endCxn id="9" idx="3"/>
-          </p:cNvCxnSpPr>
-          <p:nvPr/>
-        </p:nvCxnSpPr>
-        <p:spPr>
-          <a:xfrm flipV="1">
-            <a:off x="1967119" y="2559766"/>
-            <a:ext cx="1380789" cy="1"/>
-          </a:xfrm>
-          <a:prstGeom prst="straightConnector1">
-            <a:avLst/>
-          </a:prstGeom>
-          <a:ln w="28575">
-            <a:prstDash val="sysDot"/>
-            <a:headEnd type="none" w="med" len="med"/>
-            <a:tailEnd type="triangle" w="lg" len="lg"/>
+      <p:sp>
+        <p:nvSpPr>
+          <p:cNvPr id="17" name="Rounded Rectangle 16"/>
+          <p:cNvSpPr/>
+          <p:nvPr/>
+        </p:nvSpPr>
+        <p:spPr>
+          <a:xfrm>
+            <a:off x="3282588" y="4117384"/>
+            <a:ext cx="2396745" cy="1031377"/>
+          </a:xfrm>
+          <a:prstGeom prst="roundRect">
+            <a:avLst/>
+          </a:prstGeom>
+          <a:solidFill>
+            <a:schemeClr val="accent3">
+              <a:alpha val="50000"/>
+            </a:schemeClr>
+          </a:solidFill>
+          <a:ln>
+            <a:noFill/>
           </a:ln>
         </p:spPr>
         <p:style>
-          <a:lnRef idx="1">
-            <a:schemeClr val="accent2"/>
+          <a:lnRef idx="0">
+            <a:scrgbClr r="0" g="0" b="0"/>
           </a:lnRef>
           <a:fillRef idx="0">
-            <a:schemeClr val="accent2"/>
+            <a:scrgbClr r="0" g="0" b="0"/>
           </a:fillRef>
           <a:effectRef idx="0">
-            <a:schemeClr val="accent2"/>
-          </a:effectRef>
-          <a:fontRef idx="minor">
-            <a:schemeClr val="tx1"/>
-          </a:fontRef>
-        </p:style>
-      </p:cxnSp>
-      <p:cxnSp>
-        <p:nvCxnSpPr>
-          <p:cNvPr id="20" name="Straight Arrow Connector 19"/>
-          <p:cNvCxnSpPr/>
-          <p:nvPr/>
-        </p:nvCxnSpPr>
-        <p:spPr>
-          <a:xfrm flipV="1">
-            <a:off x="5628193" y="2559766"/>
-            <a:ext cx="1536723" cy="1"/>
-          </a:xfrm>
-          <a:prstGeom prst="straightConnector1">
-            <a:avLst/>
-          </a:prstGeom>
-          <a:ln w="28575">
-            <a:prstDash val="sysDot"/>
-            <a:headEnd type="none" w="med" len="med"/>
-            <a:tailEnd type="triangle" w="lg" len="lg"/>
-          </a:ln>
-        </p:spPr>
-        <p:style>
-          <a:lnRef idx="1">
-            <a:schemeClr val="accent2"/>
-          </a:lnRef>
-          <a:fillRef idx="0">
-            <a:schemeClr val="accent2"/>
-          </a:fillRef>
-          <a:effectRef idx="0">
-            <a:schemeClr val="accent2"/>
-          </a:effectRef>
-          <a:fontRef idx="minor">
-            <a:schemeClr val="tx1"/>
-          </a:fontRef>
-        </p:style>
-      </p:cxnSp>
-      <p:sp>
-        <p:nvSpPr>
-          <p:cNvPr id="22" name="Oval 21"/>
-          <p:cNvSpPr/>
-          <p:nvPr/>
-        </p:nvSpPr>
-        <p:spPr>
-          <a:xfrm>
-            <a:off x="2517297" y="2379409"/>
-            <a:ext cx="350875" cy="350875"/>
-          </a:xfrm>
-          <a:prstGeom prst="ellipse">
-            <a:avLst/>
-          </a:prstGeom>
-          <a:solidFill>
-            <a:srgbClr val="FF0000"/>
-          </a:solidFill>
-          <a:effectLst>
-            <a:outerShdw blurRad="50800" dist="38100" dir="8100000" algn="tr" rotWithShape="0">
-              <a:prstClr val="black">
-                <a:alpha val="40000"/>
-              </a:prstClr>
-            </a:outerShdw>
-          </a:effectLst>
-        </p:spPr>
-        <p:style>
-          <a:lnRef idx="2">
-            <a:schemeClr val="accent2">
-              <a:shade val="50000"/>
-            </a:schemeClr>
-          </a:lnRef>
-          <a:fillRef idx="1">
-            <a:schemeClr val="accent2"/>
-          </a:fillRef>
-          <a:effectRef idx="0">
-            <a:schemeClr val="accent2"/>
+            <a:scrgbClr r="0" g="0" b="0"/>
           </a:effectRef>
           <a:fontRef idx="minor">
             <a:schemeClr val="lt1"/>
@@ -10120,111 +11662,7 @@
           <a:lstStyle/>
           <a:p>
             <a:pPr algn="ctr"/>
-            <a:r>
-              <a:rPr lang="en-US" dirty="0" smtClean="0"/>
-              <a:t>1</a:t>
-            </a:r>
-            <a:endParaRPr lang="en-US" dirty="0"/>
-          </a:p>
-        </p:txBody>
-      </p:sp>
-      <p:sp>
-        <p:nvSpPr>
-          <p:cNvPr id="23" name="Oval 22"/>
-          <p:cNvSpPr/>
-          <p:nvPr/>
-        </p:nvSpPr>
-        <p:spPr>
-          <a:xfrm>
-            <a:off x="6215012" y="2384324"/>
-            <a:ext cx="350875" cy="350875"/>
-          </a:xfrm>
-          <a:prstGeom prst="ellipse">
-            <a:avLst/>
-          </a:prstGeom>
-          <a:solidFill>
-            <a:srgbClr val="FF0000"/>
-          </a:solidFill>
-          <a:effectLst>
-            <a:outerShdw blurRad="50800" dist="38100" dir="8100000" algn="tr" rotWithShape="0">
-              <a:prstClr val="black">
-                <a:alpha val="40000"/>
-              </a:prstClr>
-            </a:outerShdw>
-          </a:effectLst>
-        </p:spPr>
-        <p:style>
-          <a:lnRef idx="2">
-            <a:schemeClr val="accent2">
-              <a:shade val="50000"/>
-            </a:schemeClr>
-          </a:lnRef>
-          <a:fillRef idx="1">
-            <a:schemeClr val="accent2"/>
-          </a:fillRef>
-          <a:effectRef idx="0">
-            <a:schemeClr val="accent2"/>
-          </a:effectRef>
-          <a:fontRef idx="minor">
-            <a:schemeClr val="lt1"/>
-          </a:fontRef>
-        </p:style>
-        <p:txBody>
-          <a:bodyPr rtlCol="0" anchor="ctr"/>
-          <a:lstStyle/>
-          <a:p>
-            <a:pPr algn="ctr"/>
-            <a:r>
-              <a:rPr lang="en-US" dirty="0"/>
-              <a:t>2</a:t>
-            </a:r>
-          </a:p>
-        </p:txBody>
-      </p:sp>
-      <p:sp>
-        <p:nvSpPr>
-          <p:cNvPr id="25" name="Can 24"/>
-          <p:cNvSpPr/>
-          <p:nvPr/>
-        </p:nvSpPr>
-        <p:spPr>
-          <a:xfrm rot="5400000">
-            <a:off x="4279665" y="2113782"/>
-            <a:ext cx="441342" cy="2280285"/>
-          </a:xfrm>
-          <a:prstGeom prst="can">
-            <a:avLst/>
-          </a:prstGeom>
-          <a:effectLst>
-            <a:outerShdw blurRad="50800" dist="38100" dir="8100000" algn="tr" rotWithShape="0">
-              <a:prstClr val="black">
-                <a:alpha val="40000"/>
-              </a:prstClr>
-            </a:outerShdw>
-          </a:effectLst>
-        </p:spPr>
-        <p:style>
-          <a:lnRef idx="2">
-            <a:schemeClr val="accent1">
-              <a:shade val="50000"/>
-            </a:schemeClr>
-          </a:lnRef>
-          <a:fillRef idx="1">
-            <a:schemeClr val="accent1"/>
-          </a:fillRef>
-          <a:effectRef idx="0">
-            <a:schemeClr val="accent1"/>
-          </a:effectRef>
-          <a:fontRef idx="minor">
-            <a:schemeClr val="lt1"/>
-          </a:fontRef>
-        </p:style>
-        <p:txBody>
-          <a:bodyPr rtlCol="0" anchor="ctr"/>
-          <a:lstStyle/>
-          <a:p>
-            <a:pPr algn="ctr"/>
-            <a:endParaRPr lang="en-US" sz="1013"/>
+            <a:endParaRPr lang="en-US" sz="1013" dirty="0"/>
           </a:p>
         </p:txBody>
       </p:sp>
@@ -10236,13 +11674,16 @@
         </p:nvSpPr>
         <p:spPr>
           <a:xfrm>
-            <a:off x="3535860" y="2986646"/>
-            <a:ext cx="1888530" cy="500137"/>
+            <a:off x="3681130" y="4212476"/>
+            <a:ext cx="1613840" cy="931024"/>
           </a:xfrm>
           <a:prstGeom prst="rect">
             <a:avLst/>
           </a:prstGeom>
           <a:noFill/>
+          <a:ln>
+            <a:noFill/>
+          </a:ln>
         </p:spPr>
         <p:txBody>
           <a:bodyPr wrap="none" lIns="68580" tIns="34290" rIns="68580" bIns="34290">
@@ -10253,39 +11694,88 @@
             <a:pPr algn="ctr"/>
             <a:r>
               <a:rPr lang="en-US" sz="2800" b="1" dirty="0" smtClean="0">
-                <a:ln w="12700">
-                  <a:solidFill>
-                    <a:schemeClr val="accent3">
-                      <a:lumMod val="50000"/>
-                    </a:schemeClr>
-                  </a:solidFill>
-                  <a:prstDash val="solid"/>
-                </a:ln>
-                <a:pattFill prst="narHorz">
+                <a:ln/>
+                <a:pattFill prst="dkUpDiag">
                   <a:fgClr>
-                    <a:schemeClr val="accent3"/>
+                    <a:schemeClr val="bg1">
+                      <a:lumMod val="50000"/>
+                    </a:schemeClr>
                   </a:fgClr>
                   <a:bgClr>
-                    <a:schemeClr val="accent3">
-                      <a:lumMod val="40000"/>
-                      <a:lumOff val="60000"/>
+                    <a:schemeClr val="tx1">
+                      <a:lumMod val="75000"/>
+                      <a:lumOff val="25000"/>
                     </a:schemeClr>
                   </a:bgClr>
                 </a:pattFill>
                 <a:effectLst>
-                  <a:innerShdw blurRad="177800">
-                    <a:schemeClr val="accent3">
-                      <a:lumMod val="50000"/>
-                    </a:schemeClr>
-                  </a:innerShdw>
+                  <a:outerShdw blurRad="38100" dist="19050" dir="2700000" algn="tl" rotWithShape="0">
+                    <a:schemeClr val="dk1">
+                      <a:lumMod val="50000"/>
+                      <a:alpha val="40000"/>
+                    </a:schemeClr>
+                  </a:outerShdw>
                 </a:effectLst>
               </a:rPr>
-              <a:t>Response Q</a:t>
+              <a:t>Persistent</a:t>
+            </a:r>
+            <a:br>
+              <a:rPr lang="en-US" sz="2800" b="1" dirty="0" smtClean="0">
+                <a:ln/>
+                <a:pattFill prst="dkUpDiag">
+                  <a:fgClr>
+                    <a:schemeClr val="bg1">
+                      <a:lumMod val="50000"/>
+                    </a:schemeClr>
+                  </a:fgClr>
+                  <a:bgClr>
+                    <a:schemeClr val="tx1">
+                      <a:lumMod val="75000"/>
+                      <a:lumOff val="25000"/>
+                    </a:schemeClr>
+                  </a:bgClr>
+                </a:pattFill>
+                <a:effectLst>
+                  <a:outerShdw blurRad="38100" dist="19050" dir="2700000" algn="tl" rotWithShape="0">
+                    <a:schemeClr val="dk1">
+                      <a:lumMod val="50000"/>
+                      <a:alpha val="40000"/>
+                    </a:schemeClr>
+                  </a:outerShdw>
+                </a:effectLst>
+              </a:rPr>
+            </a:br>
+            <a:r>
+              <a:rPr lang="en-US" sz="2800" b="1" dirty="0" smtClean="0">
+                <a:ln/>
+                <a:pattFill prst="dkUpDiag">
+                  <a:fgClr>
+                    <a:schemeClr val="bg1">
+                      <a:lumMod val="50000"/>
+                    </a:schemeClr>
+                  </a:fgClr>
+                  <a:bgClr>
+                    <a:schemeClr val="tx1">
+                      <a:lumMod val="75000"/>
+                      <a:lumOff val="25000"/>
+                    </a:schemeClr>
+                  </a:bgClr>
+                </a:pattFill>
+                <a:effectLst>
+                  <a:outerShdw blurRad="38100" dist="19050" dir="2700000" algn="tl" rotWithShape="0">
+                    <a:schemeClr val="dk1">
+                      <a:lumMod val="50000"/>
+                      <a:alpha val="40000"/>
+                    </a:schemeClr>
+                  </a:outerShdw>
+                </a:effectLst>
+              </a:rPr>
+              <a:t>Store</a:t>
             </a:r>
             <a:endParaRPr lang="en-US" sz="2800" b="1" dirty="0">
               <a:ln w="10160">
                 <a:solidFill>
-                  <a:schemeClr val="accent5"/>
+                  <a:schemeClr val="accent2"/>
                 </a:solidFill>
                 <a:prstDash val="solid"/>
               </a:ln>
@@ -10305,186 +11795,49 @@
       </p:sp>
       <p:cxnSp>
         <p:nvCxnSpPr>
-          <p:cNvPr id="21" name="Straight Arrow Connector 20"/>
-          <p:cNvCxnSpPr/>
+          <p:cNvPr id="5" name="Straight Arrow Connector 4"/>
+          <p:cNvCxnSpPr>
+            <a:stCxn id="14" idx="2"/>
+            <a:endCxn id="17" idx="0"/>
+          </p:cNvCxnSpPr>
           <p:nvPr/>
         </p:nvCxnSpPr>
         <p:spPr>
-          <a:xfrm flipH="1" flipV="1">
-            <a:off x="1964664" y="3235733"/>
-            <a:ext cx="1380789" cy="1"/>
+          <a:xfrm flipH="1">
+            <a:off x="4480961" y="3440540"/>
+            <a:ext cx="7090" cy="676844"/>
           </a:xfrm>
           <a:prstGeom prst="straightConnector1">
             <a:avLst/>
           </a:prstGeom>
-          <a:ln w="28575">
-            <a:prstDash val="sysDot"/>
-            <a:headEnd type="none" w="med" len="med"/>
+          <a:ln w="25400" cmpd="sng">
+            <a:solidFill>
+              <a:srgbClr val="FF0000"/>
+            </a:solidFill>
+            <a:prstDash val="dash"/>
+            <a:headEnd type="triangle" w="lg" len="lg"/>
             <a:tailEnd type="triangle" w="lg" len="lg"/>
           </a:ln>
         </p:spPr>
         <p:style>
           <a:lnRef idx="1">
-            <a:schemeClr val="accent2"/>
+            <a:schemeClr val="accent1"/>
           </a:lnRef>
           <a:fillRef idx="0">
-            <a:schemeClr val="accent2"/>
+            <a:schemeClr val="accent1"/>
           </a:fillRef>
           <a:effectRef idx="0">
-            <a:schemeClr val="accent2"/>
+            <a:schemeClr val="accent1"/>
           </a:effectRef>
           <a:fontRef idx="minor">
             <a:schemeClr val="tx1"/>
           </a:fontRef>
         </p:style>
       </p:cxnSp>
-      <p:sp>
-        <p:nvSpPr>
-          <p:cNvPr id="24" name="Oval 23"/>
-          <p:cNvSpPr/>
-          <p:nvPr/>
-        </p:nvSpPr>
-        <p:spPr>
-          <a:xfrm>
-            <a:off x="2514842" y="3055376"/>
-            <a:ext cx="350875" cy="350875"/>
-          </a:xfrm>
-          <a:prstGeom prst="ellipse">
-            <a:avLst/>
-          </a:prstGeom>
-          <a:solidFill>
-            <a:srgbClr val="FF0000"/>
-          </a:solidFill>
-          <a:effectLst>
-            <a:outerShdw blurRad="50800" dist="38100" dir="8100000" algn="tr" rotWithShape="0">
-              <a:prstClr val="black">
-                <a:alpha val="40000"/>
-              </a:prstClr>
-            </a:outerShdw>
-          </a:effectLst>
-        </p:spPr>
-        <p:style>
-          <a:lnRef idx="2">
-            <a:schemeClr val="accent2">
-              <a:shade val="50000"/>
-            </a:schemeClr>
-          </a:lnRef>
-          <a:fillRef idx="1">
-            <a:schemeClr val="accent2"/>
-          </a:fillRef>
-          <a:effectRef idx="0">
-            <a:schemeClr val="accent2"/>
-          </a:effectRef>
-          <a:fontRef idx="minor">
-            <a:schemeClr val="lt1"/>
-          </a:fontRef>
-        </p:style>
-        <p:txBody>
-          <a:bodyPr rtlCol="0" anchor="ctr"/>
-          <a:lstStyle/>
-          <a:p>
-            <a:pPr algn="ctr"/>
-            <a:r>
-              <a:rPr lang="en-US" dirty="0" smtClean="0"/>
-              <a:t>4</a:t>
-            </a:r>
-            <a:endParaRPr lang="en-US" dirty="0"/>
-          </a:p>
-        </p:txBody>
-      </p:sp>
-      <p:cxnSp>
-        <p:nvCxnSpPr>
-          <p:cNvPr id="26" name="Straight Arrow Connector 25"/>
-          <p:cNvCxnSpPr/>
-          <p:nvPr/>
-        </p:nvCxnSpPr>
-        <p:spPr>
-          <a:xfrm flipH="1" flipV="1">
-            <a:off x="5633111" y="3228360"/>
-            <a:ext cx="1536723" cy="1"/>
-          </a:xfrm>
-          <a:prstGeom prst="straightConnector1">
-            <a:avLst/>
-          </a:prstGeom>
-          <a:ln w="28575">
-            <a:prstDash val="sysDot"/>
-            <a:headEnd type="none" w="med" len="med"/>
-            <a:tailEnd type="triangle" w="lg" len="lg"/>
-          </a:ln>
-        </p:spPr>
-        <p:style>
-          <a:lnRef idx="1">
-            <a:schemeClr val="accent2"/>
-          </a:lnRef>
-          <a:fillRef idx="0">
-            <a:schemeClr val="accent2"/>
-          </a:fillRef>
-          <a:effectRef idx="0">
-            <a:schemeClr val="accent2"/>
-          </a:effectRef>
-          <a:fontRef idx="minor">
-            <a:schemeClr val="tx1"/>
-          </a:fontRef>
-        </p:style>
-      </p:cxnSp>
-      <p:sp>
-        <p:nvSpPr>
-          <p:cNvPr id="27" name="Oval 26"/>
-          <p:cNvSpPr/>
-          <p:nvPr/>
-        </p:nvSpPr>
-        <p:spPr>
-          <a:xfrm>
-            <a:off x="6219930" y="3052918"/>
-            <a:ext cx="350875" cy="350875"/>
-          </a:xfrm>
-          <a:prstGeom prst="ellipse">
-            <a:avLst/>
-          </a:prstGeom>
-          <a:solidFill>
-            <a:srgbClr val="FF0000"/>
-          </a:solidFill>
-          <a:effectLst>
-            <a:outerShdw blurRad="50800" dist="38100" dir="8100000" algn="tr" rotWithShape="0">
-              <a:prstClr val="black">
-                <a:alpha val="40000"/>
-              </a:prstClr>
-            </a:outerShdw>
-          </a:effectLst>
-        </p:spPr>
-        <p:style>
-          <a:lnRef idx="2">
-            <a:schemeClr val="accent2">
-              <a:shade val="50000"/>
-            </a:schemeClr>
-          </a:lnRef>
-          <a:fillRef idx="1">
-            <a:schemeClr val="accent2"/>
-          </a:fillRef>
-          <a:effectRef idx="0">
-            <a:schemeClr val="accent2"/>
-          </a:effectRef>
-          <a:fontRef idx="minor">
-            <a:schemeClr val="lt1"/>
-          </a:fontRef>
-        </p:style>
-        <p:txBody>
-          <a:bodyPr rtlCol="0" anchor="ctr"/>
-          <a:lstStyle/>
-          <a:p>
-            <a:pPr algn="ctr"/>
-            <a:r>
-              <a:rPr lang="en-US" dirty="0" smtClean="0"/>
-              <a:t>3</a:t>
-            </a:r>
-            <a:endParaRPr lang="en-US" dirty="0"/>
-          </a:p>
-        </p:txBody>
-      </p:sp>
     </p:spTree>
     <p:extLst>
       <p:ext uri="{BB962C8B-B14F-4D97-AF65-F5344CB8AC3E}">
-        <p14:creationId xmlns:p14="http://schemas.microsoft.com/office/powerpoint/2010/main" val="167999217"/>
+        <p14:creationId xmlns:p14="http://schemas.microsoft.com/office/powerpoint/2010/main" val="3746764105"/>
       </p:ext>
     </p:extLst>
   </p:cSld>
@@ -10530,6 +11883,97 @@
       </p:grpSpPr>
       <p:sp>
         <p:nvSpPr>
+          <p:cNvPr id="14" name="Rounded Rectangle 13"/>
+          <p:cNvSpPr/>
+          <p:nvPr/>
+        </p:nvSpPr>
+        <p:spPr>
+          <a:xfrm>
+            <a:off x="3289678" y="1678991"/>
+            <a:ext cx="2396745" cy="1761549"/>
+          </a:xfrm>
+          <a:prstGeom prst="roundRect">
+            <a:avLst/>
+          </a:prstGeom>
+          <a:solidFill>
+            <a:schemeClr val="accent3">
+              <a:alpha val="50000"/>
+            </a:schemeClr>
+          </a:solidFill>
+          <a:ln>
+            <a:noFill/>
+          </a:ln>
+        </p:spPr>
+        <p:style>
+          <a:lnRef idx="0">
+            <a:scrgbClr r="0" g="0" b="0"/>
+          </a:lnRef>
+          <a:fillRef idx="0">
+            <a:scrgbClr r="0" g="0" b="0"/>
+          </a:fillRef>
+          <a:effectRef idx="0">
+            <a:scrgbClr r="0" g="0" b="0"/>
+          </a:effectRef>
+          <a:fontRef idx="minor">
+            <a:schemeClr val="lt1"/>
+          </a:fontRef>
+        </p:style>
+        <p:txBody>
+          <a:bodyPr rtlCol="0" anchor="ctr"/>
+          <a:lstStyle/>
+          <a:p>
+            <a:pPr algn="ctr"/>
+            <a:r>
+              <a:rPr lang="en-US" sz="1013" dirty="0" err="1"/>
+              <a:t>Jms</a:t>
+            </a:r>
+            <a:r>
+              <a:rPr lang="en-US" sz="1013" dirty="0"/>
+              <a:t> Client</a:t>
+            </a:r>
+          </a:p>
+        </p:txBody>
+      </p:sp>
+      <p:sp>
+        <p:nvSpPr>
+          <p:cNvPr id="20" name="Can 19"/>
+          <p:cNvSpPr/>
+          <p:nvPr/>
+        </p:nvSpPr>
+        <p:spPr>
+          <a:xfrm rot="5400000">
+            <a:off x="4129384" y="1419623"/>
+            <a:ext cx="717332" cy="2280285"/>
+          </a:xfrm>
+          <a:prstGeom prst="can">
+            <a:avLst/>
+          </a:prstGeom>
+        </p:spPr>
+        <p:style>
+          <a:lnRef idx="0">
+            <a:schemeClr val="accent3"/>
+          </a:lnRef>
+          <a:fillRef idx="3">
+            <a:schemeClr val="accent3"/>
+          </a:fillRef>
+          <a:effectRef idx="3">
+            <a:schemeClr val="accent3"/>
+          </a:effectRef>
+          <a:fontRef idx="minor">
+            <a:schemeClr val="lt1"/>
+          </a:fontRef>
+        </p:style>
+        <p:txBody>
+          <a:bodyPr rtlCol="0" anchor="ctr"/>
+          <a:lstStyle/>
+          <a:p>
+            <a:pPr algn="ctr"/>
+            <a:endParaRPr lang="en-US" sz="1013"/>
+          </a:p>
+        </p:txBody>
+      </p:sp>
+      <p:sp>
+        <p:nvSpPr>
           <p:cNvPr id="8" name="Rounded Rectangle 7"/>
           <p:cNvSpPr/>
           <p:nvPr/>
@@ -10574,14 +12018,14 @@
       </p:sp>
       <p:sp>
         <p:nvSpPr>
-          <p:cNvPr id="2" name="Rectangle 1"/>
-          <p:cNvSpPr/>
-          <p:nvPr/>
-        </p:nvSpPr>
-        <p:spPr>
-          <a:xfrm>
-            <a:off x="3295959" y="-425133"/>
-            <a:ext cx="2561920" cy="6247864"/>
+          <p:cNvPr id="10" name="Rectangle 9"/>
+          <p:cNvSpPr/>
+          <p:nvPr/>
+        </p:nvSpPr>
+        <p:spPr>
+          <a:xfrm>
+            <a:off x="3700655" y="2213517"/>
+            <a:ext cx="1574790" cy="692497"/>
           </a:xfrm>
           <a:prstGeom prst="rect">
             <a:avLst/>
@@ -10589,14 +12033,302 @@
           <a:noFill/>
         </p:spPr>
         <p:txBody>
-          <a:bodyPr wrap="none" lIns="91440" tIns="45720" rIns="91440" bIns="45720">
+          <a:bodyPr wrap="none" lIns="68580" tIns="34290" rIns="68580" bIns="34290">
             <a:spAutoFit/>
           </a:bodyPr>
           <a:lstStyle/>
           <a:p>
             <a:pPr algn="ctr"/>
             <a:r>
-              <a:rPr lang="en-US" sz="40000" b="1" dirty="0" smtClean="0">
+              <a:rPr lang="en-US" sz="4050" b="1" dirty="0">
+                <a:ln w="12700">
+                  <a:solidFill>
+                    <a:schemeClr val="accent3">
+                      <a:lumMod val="50000"/>
+                    </a:schemeClr>
+                  </a:solidFill>
+                  <a:prstDash val="solid"/>
+                </a:ln>
+                <a:pattFill prst="narHorz">
+                  <a:fgClr>
+                    <a:schemeClr val="accent3"/>
+                  </a:fgClr>
+                  <a:bgClr>
+                    <a:schemeClr val="accent3">
+                      <a:lumMod val="40000"/>
+                      <a:lumOff val="60000"/>
+                    </a:schemeClr>
+                  </a:bgClr>
+                </a:pattFill>
+                <a:effectLst>
+                  <a:innerShdw blurRad="177800">
+                    <a:schemeClr val="accent3">
+                      <a:lumMod val="50000"/>
+                    </a:schemeClr>
+                  </a:innerShdw>
+                </a:effectLst>
+              </a:rPr>
+              <a:t>Queue</a:t>
+            </a:r>
+            <a:endParaRPr lang="en-US" sz="4050" b="1" dirty="0">
+              <a:ln w="10160">
+                <a:solidFill>
+                  <a:schemeClr val="accent5"/>
+                </a:solidFill>
+                <a:prstDash val="solid"/>
+              </a:ln>
+              <a:solidFill>
+                <a:srgbClr val="FFFFFF"/>
+              </a:solidFill>
+              <a:effectLst>
+                <a:outerShdw blurRad="38100" dist="22860" dir="5400000" algn="tl" rotWithShape="0">
+                  <a:srgbClr val="000000">
+                    <a:alpha val="30000"/>
+                  </a:srgbClr>
+                </a:outerShdw>
+              </a:effectLst>
+            </a:endParaRPr>
+          </a:p>
+        </p:txBody>
+      </p:sp>
+      <p:sp>
+        <p:nvSpPr>
+          <p:cNvPr id="11" name="Rounded Rectangle 10"/>
+          <p:cNvSpPr/>
+          <p:nvPr/>
+        </p:nvSpPr>
+        <p:spPr>
+          <a:xfrm>
+            <a:off x="7164916" y="2079403"/>
+            <a:ext cx="1971628" cy="960728"/>
+          </a:xfrm>
+          <a:prstGeom prst="roundRect">
+            <a:avLst/>
+          </a:prstGeom>
+        </p:spPr>
+        <p:style>
+          <a:lnRef idx="0">
+            <a:schemeClr val="accent2"/>
+          </a:lnRef>
+          <a:fillRef idx="3">
+            <a:schemeClr val="accent2"/>
+          </a:fillRef>
+          <a:effectRef idx="3">
+            <a:schemeClr val="accent2"/>
+          </a:effectRef>
+          <a:fontRef idx="minor">
+            <a:schemeClr val="lt1"/>
+          </a:fontRef>
+        </p:style>
+        <p:txBody>
+          <a:bodyPr rtlCol="0" anchor="ctr"/>
+          <a:lstStyle/>
+          <a:p>
+            <a:pPr algn="ctr"/>
+            <a:endParaRPr lang="en-US" sz="1013" dirty="0"/>
+          </a:p>
+        </p:txBody>
+      </p:sp>
+      <p:sp>
+        <p:nvSpPr>
+          <p:cNvPr id="13" name="Rounded Rectangle 12"/>
+          <p:cNvSpPr/>
+          <p:nvPr/>
+        </p:nvSpPr>
+        <p:spPr>
+          <a:xfrm>
+            <a:off x="-4509" y="2079403"/>
+            <a:ext cx="1971628" cy="960728"/>
+          </a:xfrm>
+          <a:prstGeom prst="roundRect">
+            <a:avLst/>
+          </a:prstGeom>
+        </p:spPr>
+        <p:style>
+          <a:lnRef idx="0">
+            <a:schemeClr val="accent2"/>
+          </a:lnRef>
+          <a:fillRef idx="3">
+            <a:schemeClr val="accent2"/>
+          </a:fillRef>
+          <a:effectRef idx="3">
+            <a:schemeClr val="accent2"/>
+          </a:effectRef>
+          <a:fontRef idx="minor">
+            <a:schemeClr val="lt1"/>
+          </a:fontRef>
+        </p:style>
+        <p:txBody>
+          <a:bodyPr rtlCol="0" anchor="ctr"/>
+          <a:lstStyle/>
+          <a:p>
+            <a:pPr algn="ctr"/>
+            <a:endParaRPr lang="en-US" sz="1013" dirty="0"/>
+          </a:p>
+        </p:txBody>
+      </p:sp>
+      <p:sp>
+        <p:nvSpPr>
+          <p:cNvPr id="15" name="Rectangle 14"/>
+          <p:cNvSpPr/>
+          <p:nvPr/>
+        </p:nvSpPr>
+        <p:spPr>
+          <a:xfrm>
+            <a:off x="333659" y="2607176"/>
+            <a:ext cx="1295291" cy="438582"/>
+          </a:xfrm>
+          <a:prstGeom prst="rect">
+            <a:avLst/>
+          </a:prstGeom>
+          <a:noFill/>
+          <a:ln>
+            <a:noFill/>
+          </a:ln>
+          <a:effectLst>
+            <a:outerShdw blurRad="50800" dist="38100" dir="8100000" algn="tr" rotWithShape="0">
+              <a:prstClr val="black">
+                <a:alpha val="40000"/>
+              </a:prstClr>
+            </a:outerShdw>
+          </a:effectLst>
+        </p:spPr>
+        <p:txBody>
+          <a:bodyPr wrap="none" lIns="68580" tIns="34290" rIns="68580" bIns="34290">
+            <a:spAutoFit/>
+          </a:bodyPr>
+          <a:lstStyle/>
+          <a:p>
+            <a:pPr algn="ctr"/>
+            <a:r>
+              <a:rPr lang="en-US" sz="2400" b="1" dirty="0">
+                <a:ln w="12700">
+                  <a:solidFill>
+                    <a:schemeClr val="accent3">
+                      <a:lumMod val="50000"/>
+                    </a:schemeClr>
+                  </a:solidFill>
+                  <a:prstDash val="solid"/>
+                </a:ln>
+                <a:pattFill prst="narHorz">
+                  <a:fgClr>
+                    <a:schemeClr val="accent3"/>
+                  </a:fgClr>
+                  <a:bgClr>
+                    <a:schemeClr val="accent3">
+                      <a:lumMod val="40000"/>
+                      <a:lumOff val="60000"/>
+                    </a:schemeClr>
+                  </a:bgClr>
+                </a:pattFill>
+                <a:effectLst>
+                  <a:innerShdw blurRad="177800">
+                    <a:schemeClr val="accent3">
+                      <a:lumMod val="50000"/>
+                    </a:schemeClr>
+                  </a:innerShdw>
+                </a:effectLst>
+              </a:rPr>
+              <a:t>Producer</a:t>
+            </a:r>
+          </a:p>
+        </p:txBody>
+      </p:sp>
+      <p:sp>
+        <p:nvSpPr>
+          <p:cNvPr id="16" name="Rectangle 15"/>
+          <p:cNvSpPr/>
+          <p:nvPr/>
+        </p:nvSpPr>
+        <p:spPr>
+          <a:xfrm>
+            <a:off x="7433067" y="2607176"/>
+            <a:ext cx="1435328" cy="438582"/>
+          </a:xfrm>
+          <a:prstGeom prst="rect">
+            <a:avLst/>
+          </a:prstGeom>
+          <a:noFill/>
+          <a:ln>
+            <a:noFill/>
+          </a:ln>
+          <a:effectLst>
+            <a:outerShdw blurRad="50800" dist="38100" dir="8100000" algn="tr" rotWithShape="0">
+              <a:prstClr val="black">
+                <a:alpha val="40000"/>
+              </a:prstClr>
+            </a:outerShdw>
+          </a:effectLst>
+        </p:spPr>
+        <p:txBody>
+          <a:bodyPr wrap="none" lIns="68580" tIns="34290" rIns="68580" bIns="34290">
+            <a:spAutoFit/>
+          </a:bodyPr>
+          <a:lstStyle/>
+          <a:p>
+            <a:pPr algn="ctr"/>
+            <a:r>
+              <a:rPr lang="en-US" sz="2400" b="1" dirty="0">
+                <a:ln w="12700">
+                  <a:solidFill>
+                    <a:schemeClr val="accent3">
+                      <a:lumMod val="50000"/>
+                    </a:schemeClr>
+                  </a:solidFill>
+                  <a:prstDash val="solid"/>
+                </a:ln>
+                <a:pattFill prst="narHorz">
+                  <a:fgClr>
+                    <a:schemeClr val="accent3"/>
+                  </a:fgClr>
+                  <a:bgClr>
+                    <a:schemeClr val="accent3">
+                      <a:lumMod val="40000"/>
+                      <a:lumOff val="60000"/>
+                    </a:schemeClr>
+                  </a:bgClr>
+                </a:pattFill>
+                <a:effectLst>
+                  <a:innerShdw blurRad="177800">
+                    <a:schemeClr val="accent3">
+                      <a:lumMod val="50000"/>
+                    </a:schemeClr>
+                  </a:innerShdw>
+                </a:effectLst>
+              </a:rPr>
+              <a:t>Consumer</a:t>
+            </a:r>
+          </a:p>
+        </p:txBody>
+      </p:sp>
+      <p:sp>
+        <p:nvSpPr>
+          <p:cNvPr id="19" name="Rectangle 18"/>
+          <p:cNvSpPr/>
+          <p:nvPr/>
+        </p:nvSpPr>
+        <p:spPr>
+          <a:xfrm>
+            <a:off x="3872573" y="1706086"/>
+            <a:ext cx="1129413" cy="500137"/>
+          </a:xfrm>
+          <a:prstGeom prst="rect">
+            <a:avLst/>
+          </a:prstGeom>
+          <a:noFill/>
+          <a:ln>
+            <a:noFill/>
+          </a:ln>
+        </p:spPr>
+        <p:txBody>
+          <a:bodyPr wrap="none" lIns="68580" tIns="34290" rIns="68580" bIns="34290">
+            <a:spAutoFit/>
+          </a:bodyPr>
+          <a:lstStyle/>
+          <a:p>
+            <a:pPr algn="ctr"/>
+            <a:r>
+              <a:rPr lang="en-US" sz="2800" b="1" dirty="0">
                 <a:ln/>
                 <a:pattFill prst="dkUpDiag">
                   <a:fgClr>
@@ -10620,9 +12352,80 @@
                   </a:outerShdw>
                 </a:effectLst>
               </a:rPr>
-              <a:t>?</a:t>
-            </a:r>
-            <a:endParaRPr lang="en-US" sz="40000" b="1" dirty="0">
+              <a:t>Broker</a:t>
+            </a:r>
+            <a:endParaRPr lang="en-US" sz="2800" b="1" dirty="0">
+              <a:ln w="10160">
+                <a:solidFill>
+                  <a:schemeClr val="accent2"/>
+                </a:solidFill>
+                <a:prstDash val="solid"/>
+              </a:ln>
+              <a:solidFill>
+                <a:srgbClr val="FFFFFF"/>
+              </a:solidFill>
+              <a:effectLst>
+                <a:outerShdw blurRad="38100" dist="22860" dir="5400000" algn="tl" rotWithShape="0">
+                  <a:srgbClr val="000000">
+                    <a:alpha val="30000"/>
+                  </a:srgbClr>
+                </a:outerShdw>
+              </a:effectLst>
+            </a:endParaRPr>
+          </a:p>
+        </p:txBody>
+      </p:sp>
+      <p:sp>
+        <p:nvSpPr>
+          <p:cNvPr id="2" name="Rectangle 1"/>
+          <p:cNvSpPr/>
+          <p:nvPr/>
+        </p:nvSpPr>
+        <p:spPr>
+          <a:xfrm>
+            <a:off x="-4509" y="4708"/>
+            <a:ext cx="3343800" cy="1015663"/>
+          </a:xfrm>
+          <a:prstGeom prst="rect">
+            <a:avLst/>
+          </a:prstGeom>
+          <a:noFill/>
+        </p:spPr>
+        <p:txBody>
+          <a:bodyPr wrap="none" lIns="91440" tIns="45720" rIns="91440" bIns="45720">
+            <a:spAutoFit/>
+          </a:bodyPr>
+          <a:lstStyle/>
+          <a:p>
+            <a:pPr algn="ctr"/>
+            <a:r>
+              <a:rPr lang="en-US" sz="6000" b="1" dirty="0" smtClean="0">
+                <a:ln/>
+                <a:pattFill prst="dkUpDiag">
+                  <a:fgClr>
+                    <a:schemeClr val="bg1">
+                      <a:lumMod val="50000"/>
+                    </a:schemeClr>
+                  </a:fgClr>
+                  <a:bgClr>
+                    <a:schemeClr val="tx1">
+                      <a:lumMod val="75000"/>
+                      <a:lumOff val="25000"/>
+                    </a:schemeClr>
+                  </a:bgClr>
+                </a:pattFill>
+                <a:effectLst>
+                  <a:outerShdw blurRad="38100" dist="19050" dir="2700000" algn="tl" rotWithShape="0">
+                    <a:schemeClr val="dk1">
+                      <a:lumMod val="50000"/>
+                      <a:alpha val="40000"/>
+                    </a:schemeClr>
+                  </a:outerShdw>
+                </a:effectLst>
+              </a:rPr>
+              <a:t>Persistent</a:t>
+            </a:r>
+            <a:endParaRPr lang="en-US" sz="6000" b="1" dirty="0">
               <a:ln/>
               <a:pattFill prst="dkUpDiag">
                 <a:fgClr>
@@ -10649,10 +12452,293 @@
           </a:p>
         </p:txBody>
       </p:sp>
+      <p:sp>
+        <p:nvSpPr>
+          <p:cNvPr id="17" name="Rounded Rectangle 16"/>
+          <p:cNvSpPr/>
+          <p:nvPr/>
+        </p:nvSpPr>
+        <p:spPr>
+          <a:xfrm>
+            <a:off x="3282588" y="4117384"/>
+            <a:ext cx="2396745" cy="1031377"/>
+          </a:xfrm>
+          <a:prstGeom prst="roundRect">
+            <a:avLst/>
+          </a:prstGeom>
+          <a:solidFill>
+            <a:schemeClr val="accent3">
+              <a:alpha val="50000"/>
+            </a:schemeClr>
+          </a:solidFill>
+          <a:ln>
+            <a:noFill/>
+          </a:ln>
+        </p:spPr>
+        <p:style>
+          <a:lnRef idx="0">
+            <a:scrgbClr r="0" g="0" b="0"/>
+          </a:lnRef>
+          <a:fillRef idx="0">
+            <a:scrgbClr r="0" g="0" b="0"/>
+          </a:fillRef>
+          <a:effectRef idx="0">
+            <a:scrgbClr r="0" g="0" b="0"/>
+          </a:effectRef>
+          <a:fontRef idx="minor">
+            <a:schemeClr val="lt1"/>
+          </a:fontRef>
+        </p:style>
+        <p:txBody>
+          <a:bodyPr rtlCol="0" anchor="ctr"/>
+          <a:lstStyle/>
+          <a:p>
+            <a:pPr algn="ctr"/>
+            <a:endParaRPr lang="en-US" sz="1013" dirty="0"/>
+          </a:p>
+        </p:txBody>
+      </p:sp>
+      <p:sp>
+        <p:nvSpPr>
+          <p:cNvPr id="18" name="Rectangle 17"/>
+          <p:cNvSpPr/>
+          <p:nvPr/>
+        </p:nvSpPr>
+        <p:spPr>
+          <a:xfrm>
+            <a:off x="3681130" y="4212476"/>
+            <a:ext cx="1613840" cy="931024"/>
+          </a:xfrm>
+          <a:prstGeom prst="rect">
+            <a:avLst/>
+          </a:prstGeom>
+          <a:noFill/>
+          <a:ln>
+            <a:noFill/>
+          </a:ln>
+        </p:spPr>
+        <p:txBody>
+          <a:bodyPr wrap="none" lIns="68580" tIns="34290" rIns="68580" bIns="34290">
+            <a:spAutoFit/>
+          </a:bodyPr>
+          <a:lstStyle/>
+          <a:p>
+            <a:pPr algn="ctr"/>
+            <a:r>
+              <a:rPr lang="en-US" sz="2800" b="1" dirty="0" smtClean="0">
+                <a:ln/>
+                <a:pattFill prst="dkUpDiag">
+                  <a:fgClr>
+                    <a:schemeClr val="bg1">
+                      <a:lumMod val="50000"/>
+                    </a:schemeClr>
+                  </a:fgClr>
+                  <a:bgClr>
+                    <a:schemeClr val="tx1">
+                      <a:lumMod val="75000"/>
+                      <a:lumOff val="25000"/>
+                    </a:schemeClr>
+                  </a:bgClr>
+                </a:pattFill>
+                <a:effectLst>
+                  <a:outerShdw blurRad="38100" dist="19050" dir="2700000" algn="tl" rotWithShape="0">
+                    <a:schemeClr val="dk1">
+                      <a:lumMod val="50000"/>
+                      <a:alpha val="40000"/>
+                    </a:schemeClr>
+                  </a:outerShdw>
+                </a:effectLst>
+              </a:rPr>
+              <a:t>Persistent</a:t>
+            </a:r>
+            <a:br>
+              <a:rPr lang="en-US" sz="2800" b="1" dirty="0" smtClean="0">
+                <a:ln/>
+                <a:pattFill prst="dkUpDiag">
+                  <a:fgClr>
+                    <a:schemeClr val="bg1">
+                      <a:lumMod val="50000"/>
+                    </a:schemeClr>
+                  </a:fgClr>
+                  <a:bgClr>
+                    <a:schemeClr val="tx1">
+                      <a:lumMod val="75000"/>
+                      <a:lumOff val="25000"/>
+                    </a:schemeClr>
+                  </a:bgClr>
+                </a:pattFill>
+                <a:effectLst>
+                  <a:outerShdw blurRad="38100" dist="19050" dir="2700000" algn="tl" rotWithShape="0">
+                    <a:schemeClr val="dk1">
+                      <a:lumMod val="50000"/>
+                      <a:alpha val="40000"/>
+                    </a:schemeClr>
+                  </a:outerShdw>
+                </a:effectLst>
+              </a:rPr>
+            </a:br>
+            <a:r>
+              <a:rPr lang="en-US" sz="2800" b="1" dirty="0" smtClean="0">
+                <a:ln/>
+                <a:pattFill prst="dkUpDiag">
+                  <a:fgClr>
+                    <a:schemeClr val="bg1">
+                      <a:lumMod val="50000"/>
+                    </a:schemeClr>
+                  </a:fgClr>
+                  <a:bgClr>
+                    <a:schemeClr val="tx1">
+                      <a:lumMod val="75000"/>
+                      <a:lumOff val="25000"/>
+                    </a:schemeClr>
+                  </a:bgClr>
+                </a:pattFill>
+                <a:effectLst>
+                  <a:outerShdw blurRad="38100" dist="19050" dir="2700000" algn="tl" rotWithShape="0">
+                    <a:schemeClr val="dk1">
+                      <a:lumMod val="50000"/>
+                      <a:alpha val="40000"/>
+                    </a:schemeClr>
+                  </a:outerShdw>
+                </a:effectLst>
+              </a:rPr>
+              <a:t>Store</a:t>
+            </a:r>
+            <a:endParaRPr lang="en-US" sz="2800" b="1" dirty="0">
+              <a:ln w="10160">
+                <a:solidFill>
+                  <a:schemeClr val="accent2"/>
+                </a:solidFill>
+                <a:prstDash val="solid"/>
+              </a:ln>
+              <a:solidFill>
+                <a:srgbClr val="FFFFFF"/>
+              </a:solidFill>
+              <a:effectLst>
+                <a:outerShdw blurRad="38100" dist="22860" dir="5400000" algn="tl" rotWithShape="0">
+                  <a:srgbClr val="000000">
+                    <a:alpha val="30000"/>
+                  </a:srgbClr>
+                </a:outerShdw>
+              </a:effectLst>
+            </a:endParaRPr>
+          </a:p>
+        </p:txBody>
+      </p:sp>
+      <p:cxnSp>
+        <p:nvCxnSpPr>
+          <p:cNvPr id="21" name="Straight Connector 20"/>
+          <p:cNvCxnSpPr/>
+          <p:nvPr/>
+        </p:nvCxnSpPr>
+        <p:spPr>
+          <a:xfrm>
+            <a:off x="3347907" y="1706086"/>
+            <a:ext cx="2280286" cy="1734454"/>
+          </a:xfrm>
+          <a:prstGeom prst="line">
+            <a:avLst/>
+          </a:prstGeom>
+          <a:ln w="76200">
+            <a:solidFill>
+              <a:srgbClr val="FF0000"/>
+            </a:solidFill>
+          </a:ln>
+        </p:spPr>
+        <p:style>
+          <a:lnRef idx="1">
+            <a:schemeClr val="accent2"/>
+          </a:lnRef>
+          <a:fillRef idx="0">
+            <a:schemeClr val="accent2"/>
+          </a:fillRef>
+          <a:effectRef idx="0">
+            <a:schemeClr val="accent2"/>
+          </a:effectRef>
+          <a:fontRef idx="minor">
+            <a:schemeClr val="tx1"/>
+          </a:fontRef>
+        </p:style>
+      </p:cxnSp>
+      <p:cxnSp>
+        <p:nvCxnSpPr>
+          <p:cNvPr id="22" name="Straight Connector 21"/>
+          <p:cNvCxnSpPr/>
+          <p:nvPr/>
+        </p:nvCxnSpPr>
+        <p:spPr>
+          <a:xfrm flipH="1">
+            <a:off x="3340451" y="1706086"/>
+            <a:ext cx="2280286" cy="1734454"/>
+          </a:xfrm>
+          <a:prstGeom prst="line">
+            <a:avLst/>
+          </a:prstGeom>
+          <a:ln w="76200">
+            <a:solidFill>
+              <a:srgbClr val="FF0000"/>
+            </a:solidFill>
+          </a:ln>
+        </p:spPr>
+        <p:style>
+          <a:lnRef idx="1">
+            <a:schemeClr val="accent2"/>
+          </a:lnRef>
+          <a:fillRef idx="0">
+            <a:schemeClr val="accent2"/>
+          </a:fillRef>
+          <a:effectRef idx="0">
+            <a:schemeClr val="accent2"/>
+          </a:effectRef>
+          <a:fontRef idx="minor">
+            <a:schemeClr val="tx1"/>
+          </a:fontRef>
+        </p:style>
+      </p:cxnSp>
+      <p:cxnSp>
+        <p:nvCxnSpPr>
+          <p:cNvPr id="23" name="Straight Arrow Connector 22"/>
+          <p:cNvCxnSpPr/>
+          <p:nvPr/>
+        </p:nvCxnSpPr>
+        <p:spPr>
+          <a:xfrm flipH="1">
+            <a:off x="4480961" y="3440540"/>
+            <a:ext cx="7090" cy="676844"/>
+          </a:xfrm>
+          <a:prstGeom prst="straightConnector1">
+            <a:avLst/>
+          </a:prstGeom>
+          <a:ln w="25400" cmpd="sng">
+            <a:solidFill>
+              <a:schemeClr val="bg2">
+                <a:lumMod val="75000"/>
+              </a:schemeClr>
+            </a:solidFill>
+            <a:prstDash val="dash"/>
+            <a:headEnd type="triangle" w="lg" len="lg"/>
+            <a:tailEnd type="triangle" w="lg" len="lg"/>
+          </a:ln>
+        </p:spPr>
+        <p:style>
+          <a:lnRef idx="1">
+            <a:schemeClr val="accent1"/>
+          </a:lnRef>
+          <a:fillRef idx="0">
+            <a:schemeClr val="accent1"/>
+          </a:fillRef>
+          <a:effectRef idx="0">
+            <a:schemeClr val="accent1"/>
+          </a:effectRef>
+          <a:fontRef idx="minor">
+            <a:schemeClr val="tx1"/>
+          </a:fontRef>
+        </p:style>
+      </p:cxnSp>
     </p:spTree>
     <p:extLst>
       <p:ext uri="{BB962C8B-B14F-4D97-AF65-F5344CB8AC3E}">
-        <p14:creationId xmlns:p14="http://schemas.microsoft.com/office/powerpoint/2010/main" val="3724410020"/>
+        <p14:creationId xmlns:p14="http://schemas.microsoft.com/office/powerpoint/2010/main" val="2949275776"/>
       </p:ext>
     </p:extLst>
   </p:cSld>

--- a/ppt/jms slides.pptx
+++ b/ppt/jms slides.pptx
@@ -16,7 +16,10 @@
     <p:sldId id="275" r:id="rId10"/>
     <p:sldId id="270" r:id="rId11"/>
     <p:sldId id="271" r:id="rId12"/>
-    <p:sldId id="267" r:id="rId13"/>
+    <p:sldId id="276" r:id="rId13"/>
+    <p:sldId id="279" r:id="rId14"/>
+    <p:sldId id="280" r:id="rId15"/>
+    <p:sldId id="267" r:id="rId16"/>
   </p:sldIdLst>
   <p:sldSz cx="9144000" cy="5143500" type="screen16x9"/>
   <p:notesSz cx="6858000" cy="9144000"/>
@@ -254,7 +257,7 @@
           <a:p>
             <a:fld id="{11A3A2C2-75AB-4F7F-9DF5-374BE777B759}" type="datetimeFigureOut">
               <a:rPr lang="en-US" smtClean="0"/>
-              <a:t>11/14/2016</a:t>
+              <a:t>11/16/2016</a:t>
             </a:fld>
             <a:endParaRPr lang="en-US"/>
           </a:p>
@@ -424,7 +427,7 @@
           <a:p>
             <a:fld id="{11A3A2C2-75AB-4F7F-9DF5-374BE777B759}" type="datetimeFigureOut">
               <a:rPr lang="en-US" smtClean="0"/>
-              <a:t>11/14/2016</a:t>
+              <a:t>11/16/2016</a:t>
             </a:fld>
             <a:endParaRPr lang="en-US"/>
           </a:p>
@@ -604,7 +607,7 @@
           <a:p>
             <a:fld id="{11A3A2C2-75AB-4F7F-9DF5-374BE777B759}" type="datetimeFigureOut">
               <a:rPr lang="en-US" smtClean="0"/>
-              <a:t>11/14/2016</a:t>
+              <a:t>11/16/2016</a:t>
             </a:fld>
             <a:endParaRPr lang="en-US"/>
           </a:p>
@@ -774,7 +777,7 @@
           <a:p>
             <a:fld id="{11A3A2C2-75AB-4F7F-9DF5-374BE777B759}" type="datetimeFigureOut">
               <a:rPr lang="en-US" smtClean="0"/>
-              <a:t>11/14/2016</a:t>
+              <a:t>11/16/2016</a:t>
             </a:fld>
             <a:endParaRPr lang="en-US"/>
           </a:p>
@@ -1020,7 +1023,7 @@
           <a:p>
             <a:fld id="{11A3A2C2-75AB-4F7F-9DF5-374BE777B759}" type="datetimeFigureOut">
               <a:rPr lang="en-US" smtClean="0"/>
-              <a:t>11/14/2016</a:t>
+              <a:t>11/16/2016</a:t>
             </a:fld>
             <a:endParaRPr lang="en-US"/>
           </a:p>
@@ -1252,7 +1255,7 @@
           <a:p>
             <a:fld id="{11A3A2C2-75AB-4F7F-9DF5-374BE777B759}" type="datetimeFigureOut">
               <a:rPr lang="en-US" smtClean="0"/>
-              <a:t>11/14/2016</a:t>
+              <a:t>11/16/2016</a:t>
             </a:fld>
             <a:endParaRPr lang="en-US"/>
           </a:p>
@@ -1619,7 +1622,7 @@
           <a:p>
             <a:fld id="{11A3A2C2-75AB-4F7F-9DF5-374BE777B759}" type="datetimeFigureOut">
               <a:rPr lang="en-US" smtClean="0"/>
-              <a:t>11/14/2016</a:t>
+              <a:t>11/16/2016</a:t>
             </a:fld>
             <a:endParaRPr lang="en-US"/>
           </a:p>
@@ -1737,7 +1740,7 @@
           <a:p>
             <a:fld id="{11A3A2C2-75AB-4F7F-9DF5-374BE777B759}" type="datetimeFigureOut">
               <a:rPr lang="en-US" smtClean="0"/>
-              <a:t>11/14/2016</a:t>
+              <a:t>11/16/2016</a:t>
             </a:fld>
             <a:endParaRPr lang="en-US"/>
           </a:p>
@@ -1832,7 +1835,7 @@
           <a:p>
             <a:fld id="{11A3A2C2-75AB-4F7F-9DF5-374BE777B759}" type="datetimeFigureOut">
               <a:rPr lang="en-US" smtClean="0"/>
-              <a:t>11/14/2016</a:t>
+              <a:t>11/16/2016</a:t>
             </a:fld>
             <a:endParaRPr lang="en-US"/>
           </a:p>
@@ -2109,7 +2112,7 @@
           <a:p>
             <a:fld id="{11A3A2C2-75AB-4F7F-9DF5-374BE777B759}" type="datetimeFigureOut">
               <a:rPr lang="en-US" smtClean="0"/>
-              <a:t>11/14/2016</a:t>
+              <a:t>11/16/2016</a:t>
             </a:fld>
             <a:endParaRPr lang="en-US"/>
           </a:p>
@@ -2366,7 +2369,7 @@
           <a:p>
             <a:fld id="{11A3A2C2-75AB-4F7F-9DF5-374BE777B759}" type="datetimeFigureOut">
               <a:rPr lang="en-US" smtClean="0"/>
-              <a:t>11/14/2016</a:t>
+              <a:t>11/16/2016</a:t>
             </a:fld>
             <a:endParaRPr lang="en-US"/>
           </a:p>
@@ -2579,7 +2582,7 @@
           <a:p>
             <a:fld id="{11A3A2C2-75AB-4F7F-9DF5-374BE777B759}" type="datetimeFigureOut">
               <a:rPr lang="en-US" smtClean="0"/>
-              <a:t>11/14/2016</a:t>
+              <a:t>11/16/2016</a:t>
             </a:fld>
             <a:endParaRPr lang="en-US"/>
           </a:p>
@@ -5488,6 +5491,5028 @@
       </p:sp>
       <p:sp>
         <p:nvSpPr>
+          <p:cNvPr id="14" name="Rounded Rectangle 13"/>
+          <p:cNvSpPr/>
+          <p:nvPr/>
+        </p:nvSpPr>
+        <p:spPr>
+          <a:xfrm>
+            <a:off x="3086100" y="1191187"/>
+            <a:ext cx="2752725" cy="2847413"/>
+          </a:xfrm>
+          <a:prstGeom prst="roundRect">
+            <a:avLst/>
+          </a:prstGeom>
+          <a:solidFill>
+            <a:schemeClr val="accent3">
+              <a:alpha val="50000"/>
+            </a:schemeClr>
+          </a:solidFill>
+          <a:ln>
+            <a:noFill/>
+          </a:ln>
+        </p:spPr>
+        <p:style>
+          <a:lnRef idx="0">
+            <a:scrgbClr r="0" g="0" b="0"/>
+          </a:lnRef>
+          <a:fillRef idx="0">
+            <a:scrgbClr r="0" g="0" b="0"/>
+          </a:fillRef>
+          <a:effectRef idx="0">
+            <a:scrgbClr r="0" g="0" b="0"/>
+          </a:effectRef>
+          <a:fontRef idx="minor">
+            <a:schemeClr val="lt1"/>
+          </a:fontRef>
+        </p:style>
+        <p:txBody>
+          <a:bodyPr rtlCol="0" anchor="ctr"/>
+          <a:lstStyle/>
+          <a:p>
+            <a:pPr algn="ctr"/>
+            <a:endParaRPr lang="en-US" sz="1013" dirty="0"/>
+          </a:p>
+        </p:txBody>
+      </p:sp>
+      <p:sp>
+        <p:nvSpPr>
+          <p:cNvPr id="9" name="Can 8"/>
+          <p:cNvSpPr/>
+          <p:nvPr/>
+        </p:nvSpPr>
+        <p:spPr>
+          <a:xfrm rot="5400000">
+            <a:off x="4218156" y="1024854"/>
+            <a:ext cx="539784" cy="2280285"/>
+          </a:xfrm>
+          <a:prstGeom prst="can">
+            <a:avLst/>
+          </a:prstGeom>
+          <a:effectLst>
+            <a:outerShdw blurRad="50800" dist="38100" dir="8100000" algn="tr" rotWithShape="0">
+              <a:prstClr val="black">
+                <a:alpha val="40000"/>
+              </a:prstClr>
+            </a:outerShdw>
+          </a:effectLst>
+        </p:spPr>
+        <p:style>
+          <a:lnRef idx="2">
+            <a:schemeClr val="accent1">
+              <a:shade val="50000"/>
+            </a:schemeClr>
+          </a:lnRef>
+          <a:fillRef idx="1">
+            <a:schemeClr val="accent1"/>
+          </a:fillRef>
+          <a:effectRef idx="0">
+            <a:schemeClr val="accent1"/>
+          </a:effectRef>
+          <a:fontRef idx="minor">
+            <a:schemeClr val="lt1"/>
+          </a:fontRef>
+        </p:style>
+        <p:txBody>
+          <a:bodyPr rtlCol="0" anchor="ctr"/>
+          <a:lstStyle/>
+          <a:p>
+            <a:pPr algn="ctr"/>
+            <a:endParaRPr lang="en-US" sz="1013"/>
+          </a:p>
+        </p:txBody>
+      </p:sp>
+      <p:sp>
+        <p:nvSpPr>
+          <p:cNvPr id="10" name="Rectangle 9"/>
+          <p:cNvSpPr/>
+          <p:nvPr/>
+        </p:nvSpPr>
+        <p:spPr>
+          <a:xfrm>
+            <a:off x="3775531" y="1813106"/>
+            <a:ext cx="1435714" cy="692497"/>
+          </a:xfrm>
+          <a:prstGeom prst="rect">
+            <a:avLst/>
+          </a:prstGeom>
+          <a:noFill/>
+        </p:spPr>
+        <p:txBody>
+          <a:bodyPr wrap="none" lIns="68580" tIns="34290" rIns="68580" bIns="34290">
+            <a:spAutoFit/>
+          </a:bodyPr>
+          <a:lstStyle/>
+          <a:p>
+            <a:pPr algn="ctr"/>
+            <a:r>
+              <a:rPr lang="en-US" sz="4050" b="1" dirty="0" err="1" smtClean="0">
+                <a:ln w="12700">
+                  <a:solidFill>
+                    <a:schemeClr val="accent3">
+                      <a:lumMod val="50000"/>
+                    </a:schemeClr>
+                  </a:solidFill>
+                  <a:prstDash val="solid"/>
+                </a:ln>
+                <a:pattFill prst="narHorz">
+                  <a:fgClr>
+                    <a:schemeClr val="accent3"/>
+                  </a:fgClr>
+                  <a:bgClr>
+                    <a:schemeClr val="accent3">
+                      <a:lumMod val="40000"/>
+                      <a:lumOff val="60000"/>
+                    </a:schemeClr>
+                  </a:bgClr>
+                </a:pattFill>
+                <a:effectLst>
+                  <a:innerShdw blurRad="177800">
+                    <a:schemeClr val="accent3">
+                      <a:lumMod val="50000"/>
+                    </a:schemeClr>
+                  </a:innerShdw>
+                </a:effectLst>
+              </a:rPr>
+              <a:t>Req</a:t>
+            </a:r>
+            <a:r>
+              <a:rPr lang="en-US" sz="4050" b="1" dirty="0" smtClean="0">
+                <a:ln w="12700">
+                  <a:solidFill>
+                    <a:schemeClr val="accent3">
+                      <a:lumMod val="50000"/>
+                    </a:schemeClr>
+                  </a:solidFill>
+                  <a:prstDash val="solid"/>
+                </a:ln>
+                <a:pattFill prst="narHorz">
+                  <a:fgClr>
+                    <a:schemeClr val="accent3"/>
+                  </a:fgClr>
+                  <a:bgClr>
+                    <a:schemeClr val="accent3">
+                      <a:lumMod val="40000"/>
+                      <a:lumOff val="60000"/>
+                    </a:schemeClr>
+                  </a:bgClr>
+                </a:pattFill>
+                <a:effectLst>
+                  <a:innerShdw blurRad="177800">
+                    <a:schemeClr val="accent3">
+                      <a:lumMod val="50000"/>
+                    </a:schemeClr>
+                  </a:innerShdw>
+                </a:effectLst>
+              </a:rPr>
+              <a:t> Q</a:t>
+            </a:r>
+            <a:endParaRPr lang="en-US" sz="4050" b="1" dirty="0">
+              <a:ln w="10160">
+                <a:solidFill>
+                  <a:schemeClr val="accent5"/>
+                </a:solidFill>
+                <a:prstDash val="solid"/>
+              </a:ln>
+              <a:solidFill>
+                <a:srgbClr val="FFFFFF"/>
+              </a:solidFill>
+              <a:effectLst>
+                <a:outerShdw blurRad="38100" dist="22860" dir="5400000" algn="tl" rotWithShape="0">
+                  <a:srgbClr val="000000">
+                    <a:alpha val="30000"/>
+                  </a:srgbClr>
+                </a:outerShdw>
+              </a:effectLst>
+            </a:endParaRPr>
+          </a:p>
+        </p:txBody>
+      </p:sp>
+      <p:sp>
+        <p:nvSpPr>
+          <p:cNvPr id="13" name="Rounded Rectangle 12"/>
+          <p:cNvSpPr/>
+          <p:nvPr/>
+        </p:nvSpPr>
+        <p:spPr>
+          <a:xfrm>
+            <a:off x="99018" y="1678991"/>
+            <a:ext cx="1971628" cy="960728"/>
+          </a:xfrm>
+          <a:prstGeom prst="roundRect">
+            <a:avLst/>
+          </a:prstGeom>
+        </p:spPr>
+        <p:style>
+          <a:lnRef idx="0">
+            <a:schemeClr val="accent2"/>
+          </a:lnRef>
+          <a:fillRef idx="3">
+            <a:schemeClr val="accent2"/>
+          </a:fillRef>
+          <a:effectRef idx="3">
+            <a:schemeClr val="accent2"/>
+          </a:effectRef>
+          <a:fontRef idx="minor">
+            <a:schemeClr val="lt1"/>
+          </a:fontRef>
+        </p:style>
+        <p:txBody>
+          <a:bodyPr rtlCol="0" anchor="ctr"/>
+          <a:lstStyle/>
+          <a:p>
+            <a:pPr algn="ctr"/>
+            <a:endParaRPr lang="en-US" sz="1013" dirty="0"/>
+          </a:p>
+        </p:txBody>
+      </p:sp>
+      <p:sp>
+        <p:nvSpPr>
+          <p:cNvPr id="15" name="Rectangle 14"/>
+          <p:cNvSpPr/>
+          <p:nvPr/>
+        </p:nvSpPr>
+        <p:spPr>
+          <a:xfrm>
+            <a:off x="317762" y="1940063"/>
+            <a:ext cx="1534139" cy="438582"/>
+          </a:xfrm>
+          <a:prstGeom prst="rect">
+            <a:avLst/>
+          </a:prstGeom>
+          <a:noFill/>
+          <a:ln>
+            <a:noFill/>
+          </a:ln>
+          <a:effectLst>
+            <a:outerShdw blurRad="50800" dist="38100" dir="8100000" algn="tr" rotWithShape="0">
+              <a:prstClr val="black">
+                <a:alpha val="40000"/>
+              </a:prstClr>
+            </a:outerShdw>
+          </a:effectLst>
+        </p:spPr>
+        <p:txBody>
+          <a:bodyPr wrap="none" lIns="68580" tIns="34290" rIns="68580" bIns="34290">
+            <a:spAutoFit/>
+          </a:bodyPr>
+          <a:lstStyle/>
+          <a:p>
+            <a:pPr algn="ctr"/>
+            <a:r>
+              <a:rPr lang="en-US" sz="2400" b="1" dirty="0" smtClean="0">
+                <a:ln w="12700">
+                  <a:solidFill>
+                    <a:schemeClr val="accent3">
+                      <a:lumMod val="50000"/>
+                    </a:schemeClr>
+                  </a:solidFill>
+                  <a:prstDash val="solid"/>
+                </a:ln>
+                <a:pattFill prst="narHorz">
+                  <a:fgClr>
+                    <a:schemeClr val="accent3"/>
+                  </a:fgClr>
+                  <a:bgClr>
+                    <a:schemeClr val="accent3">
+                      <a:lumMod val="40000"/>
+                      <a:lumOff val="60000"/>
+                    </a:schemeClr>
+                  </a:bgClr>
+                </a:pattFill>
+                <a:effectLst>
+                  <a:innerShdw blurRad="177800">
+                    <a:schemeClr val="accent3">
+                      <a:lumMod val="50000"/>
+                    </a:schemeClr>
+                  </a:innerShdw>
+                </a:effectLst>
+              </a:rPr>
+              <a:t>Producer X</a:t>
+            </a:r>
+            <a:endParaRPr lang="en-US" sz="2400" b="1" dirty="0">
+              <a:ln w="12700">
+                <a:solidFill>
+                  <a:schemeClr val="accent3">
+                    <a:lumMod val="50000"/>
+                  </a:schemeClr>
+                </a:solidFill>
+                <a:prstDash val="solid"/>
+              </a:ln>
+              <a:pattFill prst="narHorz">
+                <a:fgClr>
+                  <a:schemeClr val="accent3"/>
+                </a:fgClr>
+                <a:bgClr>
+                  <a:schemeClr val="accent3">
+                    <a:lumMod val="40000"/>
+                    <a:lumOff val="60000"/>
+                  </a:schemeClr>
+                </a:bgClr>
+              </a:pattFill>
+              <a:effectLst>
+                <a:innerShdw blurRad="177800">
+                  <a:schemeClr val="accent3">
+                    <a:lumMod val="50000"/>
+                  </a:schemeClr>
+                </a:innerShdw>
+              </a:effectLst>
+            </a:endParaRPr>
+          </a:p>
+        </p:txBody>
+      </p:sp>
+      <p:sp>
+        <p:nvSpPr>
+          <p:cNvPr id="19" name="Rectangle 18"/>
+          <p:cNvSpPr/>
+          <p:nvPr/>
+        </p:nvSpPr>
+        <p:spPr>
+          <a:xfrm>
+            <a:off x="3923341" y="1191187"/>
+            <a:ext cx="1129413" cy="500137"/>
+          </a:xfrm>
+          <a:prstGeom prst="rect">
+            <a:avLst/>
+          </a:prstGeom>
+          <a:noFill/>
+          <a:ln>
+            <a:noFill/>
+          </a:ln>
+        </p:spPr>
+        <p:txBody>
+          <a:bodyPr wrap="none" lIns="68580" tIns="34290" rIns="68580" bIns="34290">
+            <a:spAutoFit/>
+          </a:bodyPr>
+          <a:lstStyle/>
+          <a:p>
+            <a:pPr algn="ctr"/>
+            <a:r>
+              <a:rPr lang="en-US" sz="2800" b="1" dirty="0">
+                <a:ln/>
+                <a:pattFill prst="dkUpDiag">
+                  <a:fgClr>
+                    <a:schemeClr val="bg1">
+                      <a:lumMod val="50000"/>
+                    </a:schemeClr>
+                  </a:fgClr>
+                  <a:bgClr>
+                    <a:schemeClr val="tx1">
+                      <a:lumMod val="75000"/>
+                      <a:lumOff val="25000"/>
+                    </a:schemeClr>
+                  </a:bgClr>
+                </a:pattFill>
+                <a:effectLst>
+                  <a:outerShdw blurRad="38100" dist="19050" dir="2700000" algn="tl" rotWithShape="0">
+                    <a:schemeClr val="dk1">
+                      <a:lumMod val="50000"/>
+                      <a:alpha val="40000"/>
+                    </a:schemeClr>
+                  </a:outerShdw>
+                </a:effectLst>
+              </a:rPr>
+              <a:t>Broker</a:t>
+            </a:r>
+            <a:endParaRPr lang="en-US" sz="2800" b="1" dirty="0">
+              <a:ln w="10160">
+                <a:solidFill>
+                  <a:schemeClr val="accent2"/>
+                </a:solidFill>
+                <a:prstDash val="solid"/>
+              </a:ln>
+              <a:solidFill>
+                <a:srgbClr val="FFFFFF"/>
+              </a:solidFill>
+              <a:effectLst>
+                <a:outerShdw blurRad="38100" dist="22860" dir="5400000" algn="tl" rotWithShape="0">
+                  <a:srgbClr val="000000">
+                    <a:alpha val="30000"/>
+                  </a:srgbClr>
+                </a:outerShdw>
+              </a:effectLst>
+            </a:endParaRPr>
+          </a:p>
+        </p:txBody>
+      </p:sp>
+      <p:sp>
+        <p:nvSpPr>
+          <p:cNvPr id="2" name="Rectangle 1"/>
+          <p:cNvSpPr/>
+          <p:nvPr/>
+        </p:nvSpPr>
+        <p:spPr>
+          <a:xfrm>
+            <a:off x="-40113" y="11177"/>
+            <a:ext cx="4119462" cy="707886"/>
+          </a:xfrm>
+          <a:prstGeom prst="rect">
+            <a:avLst/>
+          </a:prstGeom>
+          <a:noFill/>
+        </p:spPr>
+        <p:txBody>
+          <a:bodyPr wrap="none" lIns="91440" tIns="45720" rIns="91440" bIns="45720">
+            <a:spAutoFit/>
+          </a:bodyPr>
+          <a:lstStyle/>
+          <a:p>
+            <a:pPr algn="ctr"/>
+            <a:r>
+              <a:rPr lang="en-US" sz="4000" b="1" dirty="0">
+                <a:ln/>
+                <a:pattFill prst="dkUpDiag">
+                  <a:fgClr>
+                    <a:schemeClr val="bg1">
+                      <a:lumMod val="50000"/>
+                    </a:schemeClr>
+                  </a:fgClr>
+                  <a:bgClr>
+                    <a:schemeClr val="tx1">
+                      <a:lumMod val="75000"/>
+                      <a:lumOff val="25000"/>
+                    </a:schemeClr>
+                  </a:bgClr>
+                </a:pattFill>
+                <a:effectLst>
+                  <a:outerShdw blurRad="38100" dist="19050" dir="2700000" algn="tl" rotWithShape="0">
+                    <a:schemeClr val="dk1">
+                      <a:lumMod val="50000"/>
+                      <a:alpha val="40000"/>
+                    </a:schemeClr>
+                  </a:outerShdw>
+                </a:effectLst>
+              </a:rPr>
+              <a:t>Filtering Messages</a:t>
+            </a:r>
+            <a:endParaRPr lang="en-US" sz="4000" b="1" dirty="0">
+              <a:ln/>
+              <a:pattFill prst="dkUpDiag">
+                <a:fgClr>
+                  <a:schemeClr val="bg1">
+                    <a:lumMod val="50000"/>
+                  </a:schemeClr>
+                </a:fgClr>
+                <a:bgClr>
+                  <a:schemeClr val="tx1">
+                    <a:lumMod val="75000"/>
+                    <a:lumOff val="25000"/>
+                  </a:schemeClr>
+                </a:bgClr>
+              </a:pattFill>
+              <a:effectLst>
+                <a:outerShdw blurRad="38100" dist="19050" dir="2700000" algn="tl" rotWithShape="0">
+                  <a:schemeClr val="dk1">
+                    <a:lumMod val="50000"/>
+                    <a:alpha val="40000"/>
+                  </a:schemeClr>
+                </a:outerShdw>
+              </a:effectLst>
+            </a:endParaRPr>
+          </a:p>
+        </p:txBody>
+      </p:sp>
+      <p:sp>
+        <p:nvSpPr>
+          <p:cNvPr id="5" name="Rounded Rectangle 4"/>
+          <p:cNvSpPr/>
+          <p:nvPr/>
+        </p:nvSpPr>
+        <p:spPr>
+          <a:xfrm>
+            <a:off x="7189891" y="9936"/>
+            <a:ext cx="1971628" cy="960728"/>
+          </a:xfrm>
+          <a:prstGeom prst="roundRect">
+            <a:avLst/>
+          </a:prstGeom>
+        </p:spPr>
+        <p:style>
+          <a:lnRef idx="0">
+            <a:schemeClr val="accent2"/>
+          </a:lnRef>
+          <a:fillRef idx="3">
+            <a:schemeClr val="accent2"/>
+          </a:fillRef>
+          <a:effectRef idx="3">
+            <a:schemeClr val="accent2"/>
+          </a:effectRef>
+          <a:fontRef idx="minor">
+            <a:schemeClr val="lt1"/>
+          </a:fontRef>
+        </p:style>
+        <p:txBody>
+          <a:bodyPr rtlCol="0" anchor="ctr"/>
+          <a:lstStyle/>
+          <a:p>
+            <a:pPr algn="ctr"/>
+            <a:endParaRPr lang="en-US" sz="1013" dirty="0"/>
+          </a:p>
+        </p:txBody>
+      </p:sp>
+      <p:sp>
+        <p:nvSpPr>
+          <p:cNvPr id="18" name="Rectangle 17"/>
+          <p:cNvSpPr/>
+          <p:nvPr/>
+        </p:nvSpPr>
+        <p:spPr>
+          <a:xfrm>
+            <a:off x="7675130" y="301588"/>
+            <a:ext cx="1408079" cy="377026"/>
+          </a:xfrm>
+          <a:prstGeom prst="rect">
+            <a:avLst/>
+          </a:prstGeom>
+          <a:noFill/>
+          <a:ln>
+            <a:noFill/>
+          </a:ln>
+          <a:effectLst>
+            <a:outerShdw blurRad="50800" dist="38100" dir="8100000" algn="tr" rotWithShape="0">
+              <a:prstClr val="black">
+                <a:alpha val="40000"/>
+              </a:prstClr>
+            </a:outerShdw>
+          </a:effectLst>
+        </p:spPr>
+        <p:txBody>
+          <a:bodyPr wrap="none" lIns="68580" tIns="34290" rIns="68580" bIns="34290">
+            <a:spAutoFit/>
+          </a:bodyPr>
+          <a:lstStyle/>
+          <a:p>
+            <a:pPr algn="ctr"/>
+            <a:r>
+              <a:rPr lang="en-US" sz="2000" b="1" dirty="0">
+                <a:ln w="12700">
+                  <a:solidFill>
+                    <a:schemeClr val="accent3">
+                      <a:lumMod val="50000"/>
+                    </a:schemeClr>
+                  </a:solidFill>
+                  <a:prstDash val="solid"/>
+                </a:ln>
+                <a:pattFill prst="narHorz">
+                  <a:fgClr>
+                    <a:schemeClr val="accent3"/>
+                  </a:fgClr>
+                  <a:bgClr>
+                    <a:schemeClr val="accent3">
+                      <a:lumMod val="40000"/>
+                      <a:lumOff val="60000"/>
+                    </a:schemeClr>
+                  </a:bgClr>
+                </a:pattFill>
+                <a:effectLst>
+                  <a:innerShdw blurRad="177800">
+                    <a:schemeClr val="accent3">
+                      <a:lumMod val="50000"/>
+                    </a:schemeClr>
+                  </a:innerShdw>
+                </a:effectLst>
+              </a:rPr>
+              <a:t>Consumer</a:t>
+            </a:r>
+            <a:r>
+              <a:rPr lang="en-US" sz="2000" b="1" dirty="0">
+                <a:ln w="12700" cmpd="sng">
+                  <a:solidFill>
+                    <a:schemeClr val="accent4"/>
+                  </a:solidFill>
+                  <a:prstDash val="solid"/>
+                </a:ln>
+                <a:gradFill>
+                  <a:gsLst>
+                    <a:gs pos="0">
+                      <a:schemeClr val="accent4"/>
+                    </a:gs>
+                    <a:gs pos="4000">
+                      <a:schemeClr val="accent4">
+                        <a:lumMod val="60000"/>
+                        <a:lumOff val="40000"/>
+                      </a:schemeClr>
+                    </a:gs>
+                    <a:gs pos="87000">
+                      <a:schemeClr val="accent4">
+                        <a:lumMod val="20000"/>
+                        <a:lumOff val="80000"/>
+                      </a:schemeClr>
+                    </a:gs>
+                  </a:gsLst>
+                  <a:lin ang="5400000"/>
+                </a:gradFill>
+              </a:rPr>
+              <a:t> </a:t>
+            </a:r>
+            <a:r>
+              <a:rPr lang="en-US" sz="2000" b="1" dirty="0">
+                <a:ln w="12700">
+                  <a:solidFill>
+                    <a:schemeClr val="accent3">
+                      <a:lumMod val="50000"/>
+                    </a:schemeClr>
+                  </a:solidFill>
+                  <a:prstDash val="solid"/>
+                </a:ln>
+                <a:pattFill prst="narHorz">
+                  <a:fgClr>
+                    <a:schemeClr val="accent3"/>
+                  </a:fgClr>
+                  <a:bgClr>
+                    <a:schemeClr val="accent3">
+                      <a:lumMod val="40000"/>
+                      <a:lumOff val="60000"/>
+                    </a:schemeClr>
+                  </a:bgClr>
+                </a:pattFill>
+                <a:effectLst>
+                  <a:innerShdw blurRad="177800">
+                    <a:schemeClr val="accent3">
+                      <a:lumMod val="50000"/>
+                    </a:schemeClr>
+                  </a:innerShdw>
+                </a:effectLst>
+              </a:rPr>
+              <a:t>1</a:t>
+            </a:r>
+          </a:p>
+        </p:txBody>
+      </p:sp>
+      <p:sp>
+        <p:nvSpPr>
+          <p:cNvPr id="3" name="Round Same Side Corner Rectangle 2"/>
+          <p:cNvSpPr/>
+          <p:nvPr/>
+        </p:nvSpPr>
+        <p:spPr>
+          <a:xfrm rot="16200000">
+            <a:off x="6921269" y="286810"/>
+            <a:ext cx="960031" cy="422785"/>
+          </a:xfrm>
+          <a:prstGeom prst="round2SameRect">
+            <a:avLst>
+              <a:gd name="adj1" fmla="val 39585"/>
+              <a:gd name="adj2" fmla="val 0"/>
+            </a:avLst>
+          </a:prstGeom>
+        </p:spPr>
+        <p:style>
+          <a:lnRef idx="2">
+            <a:schemeClr val="accent1">
+              <a:shade val="50000"/>
+            </a:schemeClr>
+          </a:lnRef>
+          <a:fillRef idx="1">
+            <a:schemeClr val="accent1"/>
+          </a:fillRef>
+          <a:effectRef idx="0">
+            <a:schemeClr val="accent1"/>
+          </a:effectRef>
+          <a:fontRef idx="minor">
+            <a:schemeClr val="lt1"/>
+          </a:fontRef>
+        </p:style>
+        <p:txBody>
+          <a:bodyPr rtlCol="0" anchor="ctr"/>
+          <a:lstStyle/>
+          <a:p>
+            <a:pPr algn="ctr"/>
+            <a:r>
+              <a:rPr lang="en-US" b="1" dirty="0" smtClean="0">
+                <a:ln/>
+                <a:blipFill>
+                  <a:blip r:embed="rId2"/>
+                  <a:tile tx="0" ty="0" sx="100000" sy="100000" flip="none" algn="tl"/>
+                </a:blipFill>
+                <a:effectLst>
+                  <a:outerShdw blurRad="38100" dist="19050" dir="2700000" algn="tl" rotWithShape="0">
+                    <a:schemeClr val="dk1">
+                      <a:lumMod val="50000"/>
+                      <a:alpha val="40000"/>
+                    </a:schemeClr>
+                  </a:outerShdw>
+                </a:effectLst>
+              </a:rPr>
+              <a:t>JAPAN</a:t>
+            </a:r>
+            <a:endParaRPr lang="en-US" b="1" dirty="0">
+              <a:ln/>
+              <a:blipFill>
+                <a:blip r:embed="rId2"/>
+                <a:tile tx="0" ty="0" sx="100000" sy="100000" flip="none" algn="tl"/>
+              </a:blipFill>
+              <a:effectLst>
+                <a:outerShdw blurRad="38100" dist="19050" dir="2700000" algn="tl" rotWithShape="0">
+                  <a:schemeClr val="dk1">
+                    <a:lumMod val="50000"/>
+                    <a:alpha val="40000"/>
+                  </a:schemeClr>
+                </a:outerShdw>
+              </a:effectLst>
+            </a:endParaRPr>
+          </a:p>
+        </p:txBody>
+      </p:sp>
+      <p:sp>
+        <p:nvSpPr>
+          <p:cNvPr id="11" name="Rounded Rectangle 10"/>
+          <p:cNvSpPr/>
+          <p:nvPr/>
+        </p:nvSpPr>
+        <p:spPr>
+          <a:xfrm>
+            <a:off x="7193619" y="1673474"/>
+            <a:ext cx="1971628" cy="960728"/>
+          </a:xfrm>
+          <a:prstGeom prst="roundRect">
+            <a:avLst/>
+          </a:prstGeom>
+        </p:spPr>
+        <p:style>
+          <a:lnRef idx="0">
+            <a:schemeClr val="accent2"/>
+          </a:lnRef>
+          <a:fillRef idx="3">
+            <a:schemeClr val="accent2"/>
+          </a:fillRef>
+          <a:effectRef idx="3">
+            <a:schemeClr val="accent2"/>
+          </a:effectRef>
+          <a:fontRef idx="minor">
+            <a:schemeClr val="lt1"/>
+          </a:fontRef>
+        </p:style>
+        <p:txBody>
+          <a:bodyPr rtlCol="0" anchor="ctr"/>
+          <a:lstStyle/>
+          <a:p>
+            <a:pPr algn="ctr"/>
+            <a:endParaRPr lang="en-US" sz="1013" dirty="0"/>
+          </a:p>
+        </p:txBody>
+      </p:sp>
+      <p:sp>
+        <p:nvSpPr>
+          <p:cNvPr id="16" name="Rectangle 15"/>
+          <p:cNvSpPr/>
+          <p:nvPr/>
+        </p:nvSpPr>
+        <p:spPr>
+          <a:xfrm>
+            <a:off x="7678858" y="1977109"/>
+            <a:ext cx="1408079" cy="377026"/>
+          </a:xfrm>
+          <a:prstGeom prst="rect">
+            <a:avLst/>
+          </a:prstGeom>
+          <a:noFill/>
+          <a:ln>
+            <a:noFill/>
+          </a:ln>
+          <a:effectLst>
+            <a:outerShdw blurRad="50800" dist="38100" dir="8100000" algn="tr" rotWithShape="0">
+              <a:prstClr val="black">
+                <a:alpha val="40000"/>
+              </a:prstClr>
+            </a:outerShdw>
+          </a:effectLst>
+        </p:spPr>
+        <p:txBody>
+          <a:bodyPr wrap="none" lIns="68580" tIns="34290" rIns="68580" bIns="34290">
+            <a:spAutoFit/>
+          </a:bodyPr>
+          <a:lstStyle/>
+          <a:p>
+            <a:pPr algn="ctr"/>
+            <a:r>
+              <a:rPr lang="en-US" sz="2000" b="1" dirty="0">
+                <a:ln w="12700">
+                  <a:solidFill>
+                    <a:schemeClr val="accent3">
+                      <a:lumMod val="50000"/>
+                    </a:schemeClr>
+                  </a:solidFill>
+                  <a:prstDash val="solid"/>
+                </a:ln>
+                <a:pattFill prst="narHorz">
+                  <a:fgClr>
+                    <a:schemeClr val="accent3"/>
+                  </a:fgClr>
+                  <a:bgClr>
+                    <a:schemeClr val="accent3">
+                      <a:lumMod val="40000"/>
+                      <a:lumOff val="60000"/>
+                    </a:schemeClr>
+                  </a:bgClr>
+                </a:pattFill>
+                <a:effectLst>
+                  <a:innerShdw blurRad="177800">
+                    <a:schemeClr val="accent3">
+                      <a:lumMod val="50000"/>
+                    </a:schemeClr>
+                  </a:innerShdw>
+                </a:effectLst>
+              </a:rPr>
+              <a:t>Consumer</a:t>
+            </a:r>
+            <a:r>
+              <a:rPr lang="en-US" sz="2000" b="1" dirty="0">
+                <a:ln w="12700" cmpd="sng">
+                  <a:solidFill>
+                    <a:schemeClr val="accent4"/>
+                  </a:solidFill>
+                  <a:prstDash val="solid"/>
+                </a:ln>
+                <a:gradFill>
+                  <a:gsLst>
+                    <a:gs pos="0">
+                      <a:schemeClr val="accent4"/>
+                    </a:gs>
+                    <a:gs pos="4000">
+                      <a:schemeClr val="accent4">
+                        <a:lumMod val="60000"/>
+                        <a:lumOff val="40000"/>
+                      </a:schemeClr>
+                    </a:gs>
+                    <a:gs pos="87000">
+                      <a:schemeClr val="accent4">
+                        <a:lumMod val="20000"/>
+                        <a:lumOff val="80000"/>
+                      </a:schemeClr>
+                    </a:gs>
+                  </a:gsLst>
+                  <a:lin ang="5400000"/>
+                </a:gradFill>
+              </a:rPr>
+              <a:t> </a:t>
+            </a:r>
+            <a:r>
+              <a:rPr lang="en-US" sz="2000" b="1" dirty="0">
+                <a:ln w="12700">
+                  <a:solidFill>
+                    <a:schemeClr val="accent3">
+                      <a:lumMod val="50000"/>
+                    </a:schemeClr>
+                  </a:solidFill>
+                  <a:prstDash val="solid"/>
+                </a:ln>
+                <a:pattFill prst="narHorz">
+                  <a:fgClr>
+                    <a:schemeClr val="accent3"/>
+                  </a:fgClr>
+                  <a:bgClr>
+                    <a:schemeClr val="accent3">
+                      <a:lumMod val="40000"/>
+                      <a:lumOff val="60000"/>
+                    </a:schemeClr>
+                  </a:bgClr>
+                </a:pattFill>
+                <a:effectLst>
+                  <a:innerShdw blurRad="177800">
+                    <a:schemeClr val="accent3">
+                      <a:lumMod val="50000"/>
+                    </a:schemeClr>
+                  </a:innerShdw>
+                </a:effectLst>
+              </a:rPr>
+              <a:t>2</a:t>
+            </a:r>
+          </a:p>
+        </p:txBody>
+      </p:sp>
+      <p:sp>
+        <p:nvSpPr>
+          <p:cNvPr id="20" name="Round Same Side Corner Rectangle 19"/>
+          <p:cNvSpPr/>
+          <p:nvPr/>
+        </p:nvSpPr>
+        <p:spPr>
+          <a:xfrm rot="16200000">
+            <a:off x="6917540" y="1948682"/>
+            <a:ext cx="960031" cy="422785"/>
+          </a:xfrm>
+          <a:prstGeom prst="round2SameRect">
+            <a:avLst>
+              <a:gd name="adj1" fmla="val 39585"/>
+              <a:gd name="adj2" fmla="val 0"/>
+            </a:avLst>
+          </a:prstGeom>
+        </p:spPr>
+        <p:style>
+          <a:lnRef idx="2">
+            <a:schemeClr val="accent1">
+              <a:shade val="50000"/>
+            </a:schemeClr>
+          </a:lnRef>
+          <a:fillRef idx="1">
+            <a:schemeClr val="accent1"/>
+          </a:fillRef>
+          <a:effectRef idx="0">
+            <a:schemeClr val="accent1"/>
+          </a:effectRef>
+          <a:fontRef idx="minor">
+            <a:schemeClr val="lt1"/>
+          </a:fontRef>
+        </p:style>
+        <p:txBody>
+          <a:bodyPr rtlCol="0" anchor="ctr"/>
+          <a:lstStyle/>
+          <a:p>
+            <a:pPr algn="ctr"/>
+            <a:r>
+              <a:rPr lang="en-US" b="1" dirty="0" smtClean="0">
+                <a:ln/>
+                <a:blipFill>
+                  <a:blip r:embed="rId2"/>
+                  <a:tile tx="0" ty="0" sx="100000" sy="100000" flip="none" algn="tl"/>
+                </a:blipFill>
+                <a:effectLst>
+                  <a:outerShdw blurRad="38100" dist="19050" dir="2700000" algn="tl" rotWithShape="0">
+                    <a:schemeClr val="dk1">
+                      <a:lumMod val="50000"/>
+                      <a:alpha val="40000"/>
+                    </a:schemeClr>
+                  </a:outerShdw>
+                </a:effectLst>
+              </a:rPr>
+              <a:t>USA</a:t>
+            </a:r>
+            <a:endParaRPr lang="en-US" b="1" dirty="0">
+              <a:ln/>
+              <a:blipFill>
+                <a:blip r:embed="rId2"/>
+                <a:tile tx="0" ty="0" sx="100000" sy="100000" flip="none" algn="tl"/>
+              </a:blipFill>
+              <a:effectLst>
+                <a:outerShdw blurRad="38100" dist="19050" dir="2700000" algn="tl" rotWithShape="0">
+                  <a:schemeClr val="dk1">
+                    <a:lumMod val="50000"/>
+                    <a:alpha val="40000"/>
+                  </a:schemeClr>
+                </a:outerShdw>
+              </a:effectLst>
+            </a:endParaRPr>
+          </a:p>
+        </p:txBody>
+      </p:sp>
+      <p:sp>
+        <p:nvSpPr>
+          <p:cNvPr id="12" name="Rounded Rectangle 11"/>
+          <p:cNvSpPr/>
+          <p:nvPr/>
+        </p:nvSpPr>
+        <p:spPr>
+          <a:xfrm>
+            <a:off x="7193620" y="3330152"/>
+            <a:ext cx="1971628" cy="960728"/>
+          </a:xfrm>
+          <a:prstGeom prst="roundRect">
+            <a:avLst/>
+          </a:prstGeom>
+        </p:spPr>
+        <p:style>
+          <a:lnRef idx="0">
+            <a:schemeClr val="accent2"/>
+          </a:lnRef>
+          <a:fillRef idx="3">
+            <a:schemeClr val="accent2"/>
+          </a:fillRef>
+          <a:effectRef idx="3">
+            <a:schemeClr val="accent2"/>
+          </a:effectRef>
+          <a:fontRef idx="minor">
+            <a:schemeClr val="lt1"/>
+          </a:fontRef>
+        </p:style>
+        <p:txBody>
+          <a:bodyPr rtlCol="0" anchor="ctr"/>
+          <a:lstStyle/>
+          <a:p>
+            <a:pPr algn="ctr"/>
+            <a:endParaRPr lang="en-US" sz="1013" dirty="0"/>
+          </a:p>
+        </p:txBody>
+      </p:sp>
+      <p:sp>
+        <p:nvSpPr>
+          <p:cNvPr id="17" name="Rectangle 16"/>
+          <p:cNvSpPr/>
+          <p:nvPr/>
+        </p:nvSpPr>
+        <p:spPr>
+          <a:xfrm>
+            <a:off x="7678859" y="3629361"/>
+            <a:ext cx="1408079" cy="377026"/>
+          </a:xfrm>
+          <a:prstGeom prst="rect">
+            <a:avLst/>
+          </a:prstGeom>
+          <a:noFill/>
+          <a:ln>
+            <a:noFill/>
+          </a:ln>
+          <a:effectLst>
+            <a:outerShdw blurRad="50800" dist="38100" dir="8100000" algn="tr" rotWithShape="0">
+              <a:prstClr val="black">
+                <a:alpha val="40000"/>
+              </a:prstClr>
+            </a:outerShdw>
+          </a:effectLst>
+        </p:spPr>
+        <p:txBody>
+          <a:bodyPr wrap="none" lIns="68580" tIns="34290" rIns="68580" bIns="34290">
+            <a:spAutoFit/>
+          </a:bodyPr>
+          <a:lstStyle/>
+          <a:p>
+            <a:pPr algn="ctr"/>
+            <a:r>
+              <a:rPr lang="en-US" sz="2000" b="1" dirty="0">
+                <a:ln w="12700">
+                  <a:solidFill>
+                    <a:schemeClr val="accent3">
+                      <a:lumMod val="50000"/>
+                    </a:schemeClr>
+                  </a:solidFill>
+                  <a:prstDash val="solid"/>
+                </a:ln>
+                <a:pattFill prst="narHorz">
+                  <a:fgClr>
+                    <a:schemeClr val="accent3"/>
+                  </a:fgClr>
+                  <a:bgClr>
+                    <a:schemeClr val="accent3">
+                      <a:lumMod val="40000"/>
+                      <a:lumOff val="60000"/>
+                    </a:schemeClr>
+                  </a:bgClr>
+                </a:pattFill>
+                <a:effectLst>
+                  <a:innerShdw blurRad="177800">
+                    <a:schemeClr val="accent3">
+                      <a:lumMod val="50000"/>
+                    </a:schemeClr>
+                  </a:innerShdw>
+                </a:effectLst>
+              </a:rPr>
+              <a:t>Consumer</a:t>
+            </a:r>
+            <a:r>
+              <a:rPr lang="en-US" sz="2000" b="1" dirty="0">
+                <a:ln w="12700" cmpd="sng">
+                  <a:solidFill>
+                    <a:schemeClr val="accent4"/>
+                  </a:solidFill>
+                  <a:prstDash val="solid"/>
+                </a:ln>
+                <a:gradFill>
+                  <a:gsLst>
+                    <a:gs pos="0">
+                      <a:schemeClr val="accent4"/>
+                    </a:gs>
+                    <a:gs pos="4000">
+                      <a:schemeClr val="accent4">
+                        <a:lumMod val="60000"/>
+                        <a:lumOff val="40000"/>
+                      </a:schemeClr>
+                    </a:gs>
+                    <a:gs pos="87000">
+                      <a:schemeClr val="accent4">
+                        <a:lumMod val="20000"/>
+                        <a:lumOff val="80000"/>
+                      </a:schemeClr>
+                    </a:gs>
+                  </a:gsLst>
+                  <a:lin ang="5400000"/>
+                </a:gradFill>
+              </a:rPr>
+              <a:t> </a:t>
+            </a:r>
+            <a:r>
+              <a:rPr lang="en-US" sz="2000" b="1" dirty="0">
+                <a:ln w="12700">
+                  <a:solidFill>
+                    <a:schemeClr val="accent3">
+                      <a:lumMod val="50000"/>
+                    </a:schemeClr>
+                  </a:solidFill>
+                  <a:prstDash val="solid"/>
+                </a:ln>
+                <a:pattFill prst="narHorz">
+                  <a:fgClr>
+                    <a:schemeClr val="accent3"/>
+                  </a:fgClr>
+                  <a:bgClr>
+                    <a:schemeClr val="accent3">
+                      <a:lumMod val="40000"/>
+                      <a:lumOff val="60000"/>
+                    </a:schemeClr>
+                  </a:bgClr>
+                </a:pattFill>
+                <a:effectLst>
+                  <a:innerShdw blurRad="177800">
+                    <a:schemeClr val="accent3">
+                      <a:lumMod val="50000"/>
+                    </a:schemeClr>
+                  </a:innerShdw>
+                </a:effectLst>
+              </a:rPr>
+              <a:t>3</a:t>
+            </a:r>
+          </a:p>
+        </p:txBody>
+      </p:sp>
+      <p:sp>
+        <p:nvSpPr>
+          <p:cNvPr id="21" name="Round Same Side Corner Rectangle 20"/>
+          <p:cNvSpPr/>
+          <p:nvPr/>
+        </p:nvSpPr>
+        <p:spPr>
+          <a:xfrm rot="16200000">
+            <a:off x="6917540" y="3604663"/>
+            <a:ext cx="960031" cy="422785"/>
+          </a:xfrm>
+          <a:prstGeom prst="round2SameRect">
+            <a:avLst>
+              <a:gd name="adj1" fmla="val 39585"/>
+              <a:gd name="adj2" fmla="val 0"/>
+            </a:avLst>
+          </a:prstGeom>
+        </p:spPr>
+        <p:style>
+          <a:lnRef idx="2">
+            <a:schemeClr val="accent1">
+              <a:shade val="50000"/>
+            </a:schemeClr>
+          </a:lnRef>
+          <a:fillRef idx="1">
+            <a:schemeClr val="accent1"/>
+          </a:fillRef>
+          <a:effectRef idx="0">
+            <a:schemeClr val="accent1"/>
+          </a:effectRef>
+          <a:fontRef idx="minor">
+            <a:schemeClr val="lt1"/>
+          </a:fontRef>
+        </p:style>
+        <p:txBody>
+          <a:bodyPr rtlCol="0" anchor="ctr"/>
+          <a:lstStyle/>
+          <a:p>
+            <a:pPr algn="ctr"/>
+            <a:r>
+              <a:rPr lang="en-US" b="1" dirty="0" smtClean="0">
+                <a:ln/>
+                <a:blipFill>
+                  <a:blip r:embed="rId2"/>
+                  <a:tile tx="0" ty="0" sx="100000" sy="100000" flip="none" algn="tl"/>
+                </a:blipFill>
+                <a:effectLst>
+                  <a:outerShdw blurRad="38100" dist="19050" dir="2700000" algn="tl" rotWithShape="0">
+                    <a:schemeClr val="dk1">
+                      <a:lumMod val="50000"/>
+                      <a:alpha val="40000"/>
+                    </a:schemeClr>
+                  </a:outerShdw>
+                </a:effectLst>
+              </a:rPr>
+              <a:t>INDIA</a:t>
+            </a:r>
+            <a:endParaRPr lang="en-US" b="1" dirty="0">
+              <a:ln/>
+              <a:blipFill>
+                <a:blip r:embed="rId2"/>
+                <a:tile tx="0" ty="0" sx="100000" sy="100000" flip="none" algn="tl"/>
+              </a:blipFill>
+              <a:effectLst>
+                <a:outerShdw blurRad="38100" dist="19050" dir="2700000" algn="tl" rotWithShape="0">
+                  <a:schemeClr val="dk1">
+                    <a:lumMod val="50000"/>
+                    <a:alpha val="40000"/>
+                  </a:schemeClr>
+                </a:outerShdw>
+              </a:effectLst>
+            </a:endParaRPr>
+          </a:p>
+        </p:txBody>
+      </p:sp>
+      <p:cxnSp>
+        <p:nvCxnSpPr>
+          <p:cNvPr id="6" name="Straight Arrow Connector 5"/>
+          <p:cNvCxnSpPr>
+            <a:stCxn id="21" idx="3"/>
+            <a:endCxn id="9" idx="1"/>
+          </p:cNvCxnSpPr>
+          <p:nvPr/>
+        </p:nvCxnSpPr>
+        <p:spPr>
+          <a:xfrm flipH="1" flipV="1">
+            <a:off x="5628191" y="2164997"/>
+            <a:ext cx="1557972" cy="1651058"/>
+          </a:xfrm>
+          <a:prstGeom prst="straightConnector1">
+            <a:avLst/>
+          </a:prstGeom>
+          <a:ln w="19050">
+            <a:prstDash val="dash"/>
+            <a:tailEnd type="triangle" w="lg" len="lg"/>
+          </a:ln>
+        </p:spPr>
+        <p:style>
+          <a:lnRef idx="3">
+            <a:schemeClr val="accent2"/>
+          </a:lnRef>
+          <a:fillRef idx="0">
+            <a:schemeClr val="accent2"/>
+          </a:fillRef>
+          <a:effectRef idx="2">
+            <a:schemeClr val="accent2"/>
+          </a:effectRef>
+          <a:fontRef idx="minor">
+            <a:schemeClr val="tx1"/>
+          </a:fontRef>
+        </p:style>
+      </p:cxnSp>
+      <p:cxnSp>
+        <p:nvCxnSpPr>
+          <p:cNvPr id="22" name="Straight Arrow Connector 21"/>
+          <p:cNvCxnSpPr>
+            <a:stCxn id="20" idx="3"/>
+            <a:endCxn id="9" idx="1"/>
+          </p:cNvCxnSpPr>
+          <p:nvPr/>
+        </p:nvCxnSpPr>
+        <p:spPr>
+          <a:xfrm flipH="1">
+            <a:off x="5628191" y="2160074"/>
+            <a:ext cx="1557972" cy="4923"/>
+          </a:xfrm>
+          <a:prstGeom prst="straightConnector1">
+            <a:avLst/>
+          </a:prstGeom>
+          <a:ln w="19050">
+            <a:prstDash val="dash"/>
+            <a:tailEnd type="triangle" w="lg" len="lg"/>
+          </a:ln>
+        </p:spPr>
+        <p:style>
+          <a:lnRef idx="3">
+            <a:schemeClr val="accent2"/>
+          </a:lnRef>
+          <a:fillRef idx="0">
+            <a:schemeClr val="accent2"/>
+          </a:fillRef>
+          <a:effectRef idx="2">
+            <a:schemeClr val="accent2"/>
+          </a:effectRef>
+          <a:fontRef idx="minor">
+            <a:schemeClr val="tx1"/>
+          </a:fontRef>
+        </p:style>
+      </p:cxnSp>
+      <p:cxnSp>
+        <p:nvCxnSpPr>
+          <p:cNvPr id="23" name="Straight Arrow Connector 22"/>
+          <p:cNvCxnSpPr>
+            <a:stCxn id="3" idx="3"/>
+            <a:endCxn id="9" idx="1"/>
+          </p:cNvCxnSpPr>
+          <p:nvPr/>
+        </p:nvCxnSpPr>
+        <p:spPr>
+          <a:xfrm flipH="1">
+            <a:off x="5628191" y="498202"/>
+            <a:ext cx="1561701" cy="1666795"/>
+          </a:xfrm>
+          <a:prstGeom prst="straightConnector1">
+            <a:avLst/>
+          </a:prstGeom>
+          <a:ln w="19050">
+            <a:prstDash val="dash"/>
+            <a:tailEnd type="triangle" w="lg" len="lg"/>
+          </a:ln>
+        </p:spPr>
+        <p:style>
+          <a:lnRef idx="3">
+            <a:schemeClr val="accent2"/>
+          </a:lnRef>
+          <a:fillRef idx="0">
+            <a:schemeClr val="accent2"/>
+          </a:fillRef>
+          <a:effectRef idx="2">
+            <a:schemeClr val="accent2"/>
+          </a:effectRef>
+          <a:fontRef idx="minor">
+            <a:schemeClr val="tx1"/>
+          </a:fontRef>
+        </p:style>
+      </p:cxnSp>
+      <p:sp>
+        <p:nvSpPr>
+          <p:cNvPr id="55" name="Can 54"/>
+          <p:cNvSpPr/>
+          <p:nvPr/>
+        </p:nvSpPr>
+        <p:spPr>
+          <a:xfrm rot="5400000">
+            <a:off x="4218156" y="2257272"/>
+            <a:ext cx="539784" cy="2280285"/>
+          </a:xfrm>
+          <a:prstGeom prst="can">
+            <a:avLst/>
+          </a:prstGeom>
+          <a:effectLst>
+            <a:outerShdw blurRad="50800" dist="38100" dir="8100000" algn="tr" rotWithShape="0">
+              <a:prstClr val="black">
+                <a:alpha val="40000"/>
+              </a:prstClr>
+            </a:outerShdw>
+          </a:effectLst>
+        </p:spPr>
+        <p:style>
+          <a:lnRef idx="2">
+            <a:schemeClr val="accent1">
+              <a:shade val="50000"/>
+            </a:schemeClr>
+          </a:lnRef>
+          <a:fillRef idx="1">
+            <a:schemeClr val="accent1"/>
+          </a:fillRef>
+          <a:effectRef idx="0">
+            <a:schemeClr val="accent1"/>
+          </a:effectRef>
+          <a:fontRef idx="minor">
+            <a:schemeClr val="lt1"/>
+          </a:fontRef>
+        </p:style>
+        <p:txBody>
+          <a:bodyPr rtlCol="0" anchor="ctr"/>
+          <a:lstStyle/>
+          <a:p>
+            <a:pPr algn="ctr"/>
+            <a:endParaRPr lang="en-US" sz="1013"/>
+          </a:p>
+        </p:txBody>
+      </p:sp>
+      <p:sp>
+        <p:nvSpPr>
+          <p:cNvPr id="56" name="Rectangle 55"/>
+          <p:cNvSpPr/>
+          <p:nvPr/>
+        </p:nvSpPr>
+        <p:spPr>
+          <a:xfrm>
+            <a:off x="3811599" y="3045524"/>
+            <a:ext cx="1363578" cy="692497"/>
+          </a:xfrm>
+          <a:prstGeom prst="rect">
+            <a:avLst/>
+          </a:prstGeom>
+          <a:noFill/>
+        </p:spPr>
+        <p:txBody>
+          <a:bodyPr wrap="none" lIns="68580" tIns="34290" rIns="68580" bIns="34290">
+            <a:spAutoFit/>
+          </a:bodyPr>
+          <a:lstStyle/>
+          <a:p>
+            <a:pPr algn="ctr"/>
+            <a:r>
+              <a:rPr lang="en-US" sz="4050" b="1" dirty="0" smtClean="0">
+                <a:ln w="12700">
+                  <a:solidFill>
+                    <a:schemeClr val="accent3">
+                      <a:lumMod val="50000"/>
+                    </a:schemeClr>
+                  </a:solidFill>
+                  <a:prstDash val="solid"/>
+                </a:ln>
+                <a:pattFill prst="narHorz">
+                  <a:fgClr>
+                    <a:schemeClr val="accent3"/>
+                  </a:fgClr>
+                  <a:bgClr>
+                    <a:schemeClr val="accent3">
+                      <a:lumMod val="40000"/>
+                      <a:lumOff val="60000"/>
+                    </a:schemeClr>
+                  </a:bgClr>
+                </a:pattFill>
+                <a:effectLst>
+                  <a:innerShdw blurRad="177800">
+                    <a:schemeClr val="accent3">
+                      <a:lumMod val="50000"/>
+                    </a:schemeClr>
+                  </a:innerShdw>
+                </a:effectLst>
+              </a:rPr>
+              <a:t>Res Q</a:t>
+            </a:r>
+            <a:endParaRPr lang="en-US" sz="4050" b="1" dirty="0">
+              <a:ln w="10160">
+                <a:solidFill>
+                  <a:schemeClr val="accent5"/>
+                </a:solidFill>
+                <a:prstDash val="solid"/>
+              </a:ln>
+              <a:solidFill>
+                <a:srgbClr val="FFFFFF"/>
+              </a:solidFill>
+              <a:effectLst>
+                <a:outerShdw blurRad="38100" dist="22860" dir="5400000" algn="tl" rotWithShape="0">
+                  <a:srgbClr val="000000">
+                    <a:alpha val="30000"/>
+                  </a:srgbClr>
+                </a:outerShdw>
+              </a:effectLst>
+            </a:endParaRPr>
+          </a:p>
+        </p:txBody>
+      </p:sp>
+    </p:spTree>
+    <p:extLst>
+      <p:ext uri="{BB962C8B-B14F-4D97-AF65-F5344CB8AC3E}">
+        <p14:creationId xmlns:p14="http://schemas.microsoft.com/office/powerpoint/2010/main" val="1409891555"/>
+      </p:ext>
+    </p:extLst>
+  </p:cSld>
+  <p:clrMapOvr>
+    <a:masterClrMapping/>
+  </p:clrMapOvr>
+  <p:timing>
+    <p:tnLst>
+      <p:par>
+        <p:cTn id="1" dur="indefinite" restart="never" nodeType="tmRoot"/>
+      </p:par>
+    </p:tnLst>
+  </p:timing>
+</p:sld>
+</file>
+
+<file path=ppt/slides/slide13.xml><?xml version="1.0" encoding="utf-8"?>
+<p:sld xmlns:a="http://schemas.openxmlformats.org/drawingml/2006/main" xmlns:r="http://schemas.openxmlformats.org/officeDocument/2006/relationships" xmlns:p="http://schemas.openxmlformats.org/presentationml/2006/main">
+  <p:cSld>
+    <p:bg>
+      <p:bgPr>
+        <a:solidFill>
+          <a:schemeClr val="bg1">
+            <a:alpha val="0"/>
+          </a:schemeClr>
+        </a:solidFill>
+        <a:effectLst/>
+      </p:bgPr>
+    </p:bg>
+    <p:spTree>
+      <p:nvGrpSpPr>
+        <p:cNvPr id="1" name=""/>
+        <p:cNvGrpSpPr/>
+        <p:nvPr/>
+      </p:nvGrpSpPr>
+      <p:grpSpPr>
+        <a:xfrm>
+          <a:off x="0" y="0"/>
+          <a:ext cx="0" cy="0"/>
+          <a:chOff x="0" y="0"/>
+          <a:chExt cx="0" cy="0"/>
+        </a:xfrm>
+      </p:grpSpPr>
+      <p:sp>
+        <p:nvSpPr>
+          <p:cNvPr id="8" name="Rounded Rectangle 7"/>
+          <p:cNvSpPr/>
+          <p:nvPr/>
+        </p:nvSpPr>
+        <p:spPr>
+          <a:xfrm>
+            <a:off x="9838" y="0"/>
+            <a:ext cx="9134162" cy="5143500"/>
+          </a:xfrm>
+          <a:prstGeom prst="roundRect">
+            <a:avLst/>
+          </a:prstGeom>
+          <a:noFill/>
+          <a:ln>
+            <a:noFill/>
+          </a:ln>
+        </p:spPr>
+        <p:style>
+          <a:lnRef idx="2">
+            <a:schemeClr val="accent1">
+              <a:shade val="50000"/>
+            </a:schemeClr>
+          </a:lnRef>
+          <a:fillRef idx="1">
+            <a:schemeClr val="accent1"/>
+          </a:fillRef>
+          <a:effectRef idx="0">
+            <a:schemeClr val="accent1"/>
+          </a:effectRef>
+          <a:fontRef idx="minor">
+            <a:schemeClr val="lt1"/>
+          </a:fontRef>
+        </p:style>
+        <p:txBody>
+          <a:bodyPr rtlCol="0" anchor="ctr"/>
+          <a:lstStyle/>
+          <a:p>
+            <a:pPr algn="ctr"/>
+            <a:endParaRPr lang="en-US" sz="1013"/>
+          </a:p>
+        </p:txBody>
+      </p:sp>
+      <p:sp>
+        <p:nvSpPr>
+          <p:cNvPr id="14" name="Rounded Rectangle 13"/>
+          <p:cNvSpPr/>
+          <p:nvPr/>
+        </p:nvSpPr>
+        <p:spPr>
+          <a:xfrm>
+            <a:off x="3086100" y="1191187"/>
+            <a:ext cx="2752725" cy="2847413"/>
+          </a:xfrm>
+          <a:prstGeom prst="roundRect">
+            <a:avLst/>
+          </a:prstGeom>
+          <a:solidFill>
+            <a:schemeClr val="accent3">
+              <a:alpha val="50000"/>
+            </a:schemeClr>
+          </a:solidFill>
+          <a:ln>
+            <a:noFill/>
+          </a:ln>
+        </p:spPr>
+        <p:style>
+          <a:lnRef idx="0">
+            <a:scrgbClr r="0" g="0" b="0"/>
+          </a:lnRef>
+          <a:fillRef idx="0">
+            <a:scrgbClr r="0" g="0" b="0"/>
+          </a:fillRef>
+          <a:effectRef idx="0">
+            <a:scrgbClr r="0" g="0" b="0"/>
+          </a:effectRef>
+          <a:fontRef idx="minor">
+            <a:schemeClr val="lt1"/>
+          </a:fontRef>
+        </p:style>
+        <p:txBody>
+          <a:bodyPr rtlCol="0" anchor="ctr"/>
+          <a:lstStyle/>
+          <a:p>
+            <a:pPr algn="ctr"/>
+            <a:endParaRPr lang="en-US" sz="1013" dirty="0"/>
+          </a:p>
+        </p:txBody>
+      </p:sp>
+      <p:sp>
+        <p:nvSpPr>
+          <p:cNvPr id="9" name="Can 8"/>
+          <p:cNvSpPr/>
+          <p:nvPr/>
+        </p:nvSpPr>
+        <p:spPr>
+          <a:xfrm rot="5400000">
+            <a:off x="4218156" y="1024854"/>
+            <a:ext cx="539784" cy="2280285"/>
+          </a:xfrm>
+          <a:prstGeom prst="can">
+            <a:avLst/>
+          </a:prstGeom>
+          <a:effectLst>
+            <a:outerShdw blurRad="50800" dist="38100" dir="8100000" algn="tr" rotWithShape="0">
+              <a:prstClr val="black">
+                <a:alpha val="40000"/>
+              </a:prstClr>
+            </a:outerShdw>
+          </a:effectLst>
+        </p:spPr>
+        <p:style>
+          <a:lnRef idx="2">
+            <a:schemeClr val="accent1">
+              <a:shade val="50000"/>
+            </a:schemeClr>
+          </a:lnRef>
+          <a:fillRef idx="1">
+            <a:schemeClr val="accent1"/>
+          </a:fillRef>
+          <a:effectRef idx="0">
+            <a:schemeClr val="accent1"/>
+          </a:effectRef>
+          <a:fontRef idx="minor">
+            <a:schemeClr val="lt1"/>
+          </a:fontRef>
+        </p:style>
+        <p:txBody>
+          <a:bodyPr rtlCol="0" anchor="ctr"/>
+          <a:lstStyle/>
+          <a:p>
+            <a:pPr algn="ctr"/>
+            <a:endParaRPr lang="en-US" sz="1013"/>
+          </a:p>
+        </p:txBody>
+      </p:sp>
+      <p:sp>
+        <p:nvSpPr>
+          <p:cNvPr id="10" name="Rectangle 9"/>
+          <p:cNvSpPr/>
+          <p:nvPr/>
+        </p:nvSpPr>
+        <p:spPr>
+          <a:xfrm>
+            <a:off x="3775531" y="1813106"/>
+            <a:ext cx="1435714" cy="692497"/>
+          </a:xfrm>
+          <a:prstGeom prst="rect">
+            <a:avLst/>
+          </a:prstGeom>
+          <a:noFill/>
+        </p:spPr>
+        <p:txBody>
+          <a:bodyPr wrap="none" lIns="68580" tIns="34290" rIns="68580" bIns="34290">
+            <a:spAutoFit/>
+          </a:bodyPr>
+          <a:lstStyle/>
+          <a:p>
+            <a:pPr algn="ctr"/>
+            <a:r>
+              <a:rPr lang="en-US" sz="4050" b="1" dirty="0" err="1" smtClean="0">
+                <a:ln w="12700">
+                  <a:solidFill>
+                    <a:schemeClr val="accent3">
+                      <a:lumMod val="50000"/>
+                    </a:schemeClr>
+                  </a:solidFill>
+                  <a:prstDash val="solid"/>
+                </a:ln>
+                <a:pattFill prst="narHorz">
+                  <a:fgClr>
+                    <a:schemeClr val="accent3"/>
+                  </a:fgClr>
+                  <a:bgClr>
+                    <a:schemeClr val="accent3">
+                      <a:lumMod val="40000"/>
+                      <a:lumOff val="60000"/>
+                    </a:schemeClr>
+                  </a:bgClr>
+                </a:pattFill>
+                <a:effectLst>
+                  <a:innerShdw blurRad="177800">
+                    <a:schemeClr val="accent3">
+                      <a:lumMod val="50000"/>
+                    </a:schemeClr>
+                  </a:innerShdw>
+                </a:effectLst>
+              </a:rPr>
+              <a:t>Req</a:t>
+            </a:r>
+            <a:r>
+              <a:rPr lang="en-US" sz="4050" b="1" dirty="0" smtClean="0">
+                <a:ln w="12700">
+                  <a:solidFill>
+                    <a:schemeClr val="accent3">
+                      <a:lumMod val="50000"/>
+                    </a:schemeClr>
+                  </a:solidFill>
+                  <a:prstDash val="solid"/>
+                </a:ln>
+                <a:pattFill prst="narHorz">
+                  <a:fgClr>
+                    <a:schemeClr val="accent3"/>
+                  </a:fgClr>
+                  <a:bgClr>
+                    <a:schemeClr val="accent3">
+                      <a:lumMod val="40000"/>
+                      <a:lumOff val="60000"/>
+                    </a:schemeClr>
+                  </a:bgClr>
+                </a:pattFill>
+                <a:effectLst>
+                  <a:innerShdw blurRad="177800">
+                    <a:schemeClr val="accent3">
+                      <a:lumMod val="50000"/>
+                    </a:schemeClr>
+                  </a:innerShdw>
+                </a:effectLst>
+              </a:rPr>
+              <a:t> Q</a:t>
+            </a:r>
+            <a:endParaRPr lang="en-US" sz="4050" b="1" dirty="0">
+              <a:ln w="10160">
+                <a:solidFill>
+                  <a:schemeClr val="accent5"/>
+                </a:solidFill>
+                <a:prstDash val="solid"/>
+              </a:ln>
+              <a:solidFill>
+                <a:srgbClr val="FFFFFF"/>
+              </a:solidFill>
+              <a:effectLst>
+                <a:outerShdw blurRad="38100" dist="22860" dir="5400000" algn="tl" rotWithShape="0">
+                  <a:srgbClr val="000000">
+                    <a:alpha val="30000"/>
+                  </a:srgbClr>
+                </a:outerShdw>
+              </a:effectLst>
+            </a:endParaRPr>
+          </a:p>
+        </p:txBody>
+      </p:sp>
+      <p:sp>
+        <p:nvSpPr>
+          <p:cNvPr id="13" name="Rounded Rectangle 12"/>
+          <p:cNvSpPr/>
+          <p:nvPr/>
+        </p:nvSpPr>
+        <p:spPr>
+          <a:xfrm>
+            <a:off x="99018" y="1678991"/>
+            <a:ext cx="1971628" cy="960728"/>
+          </a:xfrm>
+          <a:prstGeom prst="roundRect">
+            <a:avLst/>
+          </a:prstGeom>
+        </p:spPr>
+        <p:style>
+          <a:lnRef idx="0">
+            <a:schemeClr val="accent2"/>
+          </a:lnRef>
+          <a:fillRef idx="3">
+            <a:schemeClr val="accent2"/>
+          </a:fillRef>
+          <a:effectRef idx="3">
+            <a:schemeClr val="accent2"/>
+          </a:effectRef>
+          <a:fontRef idx="minor">
+            <a:schemeClr val="lt1"/>
+          </a:fontRef>
+        </p:style>
+        <p:txBody>
+          <a:bodyPr rtlCol="0" anchor="ctr"/>
+          <a:lstStyle/>
+          <a:p>
+            <a:pPr algn="ctr"/>
+            <a:endParaRPr lang="en-US" sz="1013" dirty="0"/>
+          </a:p>
+        </p:txBody>
+      </p:sp>
+      <p:sp>
+        <p:nvSpPr>
+          <p:cNvPr id="15" name="Rectangle 14"/>
+          <p:cNvSpPr/>
+          <p:nvPr/>
+        </p:nvSpPr>
+        <p:spPr>
+          <a:xfrm>
+            <a:off x="317762" y="1940063"/>
+            <a:ext cx="1534139" cy="438582"/>
+          </a:xfrm>
+          <a:prstGeom prst="rect">
+            <a:avLst/>
+          </a:prstGeom>
+          <a:noFill/>
+          <a:ln>
+            <a:noFill/>
+          </a:ln>
+          <a:effectLst>
+            <a:outerShdw blurRad="50800" dist="38100" dir="8100000" algn="tr" rotWithShape="0">
+              <a:prstClr val="black">
+                <a:alpha val="40000"/>
+              </a:prstClr>
+            </a:outerShdw>
+          </a:effectLst>
+        </p:spPr>
+        <p:txBody>
+          <a:bodyPr wrap="none" lIns="68580" tIns="34290" rIns="68580" bIns="34290">
+            <a:spAutoFit/>
+          </a:bodyPr>
+          <a:lstStyle/>
+          <a:p>
+            <a:pPr algn="ctr"/>
+            <a:r>
+              <a:rPr lang="en-US" sz="2400" b="1" dirty="0" smtClean="0">
+                <a:ln w="12700">
+                  <a:solidFill>
+                    <a:schemeClr val="accent3">
+                      <a:lumMod val="50000"/>
+                    </a:schemeClr>
+                  </a:solidFill>
+                  <a:prstDash val="solid"/>
+                </a:ln>
+                <a:pattFill prst="narHorz">
+                  <a:fgClr>
+                    <a:schemeClr val="accent3"/>
+                  </a:fgClr>
+                  <a:bgClr>
+                    <a:schemeClr val="accent3">
+                      <a:lumMod val="40000"/>
+                      <a:lumOff val="60000"/>
+                    </a:schemeClr>
+                  </a:bgClr>
+                </a:pattFill>
+                <a:effectLst>
+                  <a:innerShdw blurRad="177800">
+                    <a:schemeClr val="accent3">
+                      <a:lumMod val="50000"/>
+                    </a:schemeClr>
+                  </a:innerShdw>
+                </a:effectLst>
+              </a:rPr>
+              <a:t>Producer X</a:t>
+            </a:r>
+            <a:endParaRPr lang="en-US" sz="2400" b="1" dirty="0">
+              <a:ln w="12700">
+                <a:solidFill>
+                  <a:schemeClr val="accent3">
+                    <a:lumMod val="50000"/>
+                  </a:schemeClr>
+                </a:solidFill>
+                <a:prstDash val="solid"/>
+              </a:ln>
+              <a:pattFill prst="narHorz">
+                <a:fgClr>
+                  <a:schemeClr val="accent3"/>
+                </a:fgClr>
+                <a:bgClr>
+                  <a:schemeClr val="accent3">
+                    <a:lumMod val="40000"/>
+                    <a:lumOff val="60000"/>
+                  </a:schemeClr>
+                </a:bgClr>
+              </a:pattFill>
+              <a:effectLst>
+                <a:innerShdw blurRad="177800">
+                  <a:schemeClr val="accent3">
+                    <a:lumMod val="50000"/>
+                  </a:schemeClr>
+                </a:innerShdw>
+              </a:effectLst>
+            </a:endParaRPr>
+          </a:p>
+        </p:txBody>
+      </p:sp>
+      <p:sp>
+        <p:nvSpPr>
+          <p:cNvPr id="19" name="Rectangle 18"/>
+          <p:cNvSpPr/>
+          <p:nvPr/>
+        </p:nvSpPr>
+        <p:spPr>
+          <a:xfrm>
+            <a:off x="3923341" y="1191187"/>
+            <a:ext cx="1129413" cy="500137"/>
+          </a:xfrm>
+          <a:prstGeom prst="rect">
+            <a:avLst/>
+          </a:prstGeom>
+          <a:noFill/>
+          <a:ln>
+            <a:noFill/>
+          </a:ln>
+        </p:spPr>
+        <p:txBody>
+          <a:bodyPr wrap="none" lIns="68580" tIns="34290" rIns="68580" bIns="34290">
+            <a:spAutoFit/>
+          </a:bodyPr>
+          <a:lstStyle/>
+          <a:p>
+            <a:pPr algn="ctr"/>
+            <a:r>
+              <a:rPr lang="en-US" sz="2800" b="1" dirty="0">
+                <a:ln/>
+                <a:pattFill prst="dkUpDiag">
+                  <a:fgClr>
+                    <a:schemeClr val="bg1">
+                      <a:lumMod val="50000"/>
+                    </a:schemeClr>
+                  </a:fgClr>
+                  <a:bgClr>
+                    <a:schemeClr val="tx1">
+                      <a:lumMod val="75000"/>
+                      <a:lumOff val="25000"/>
+                    </a:schemeClr>
+                  </a:bgClr>
+                </a:pattFill>
+                <a:effectLst>
+                  <a:outerShdw blurRad="38100" dist="19050" dir="2700000" algn="tl" rotWithShape="0">
+                    <a:schemeClr val="dk1">
+                      <a:lumMod val="50000"/>
+                      <a:alpha val="40000"/>
+                    </a:schemeClr>
+                  </a:outerShdw>
+                </a:effectLst>
+              </a:rPr>
+              <a:t>Broker</a:t>
+            </a:r>
+            <a:endParaRPr lang="en-US" sz="2800" b="1" dirty="0">
+              <a:ln w="10160">
+                <a:solidFill>
+                  <a:schemeClr val="accent2"/>
+                </a:solidFill>
+                <a:prstDash val="solid"/>
+              </a:ln>
+              <a:solidFill>
+                <a:srgbClr val="FFFFFF"/>
+              </a:solidFill>
+              <a:effectLst>
+                <a:outerShdw blurRad="38100" dist="22860" dir="5400000" algn="tl" rotWithShape="0">
+                  <a:srgbClr val="000000">
+                    <a:alpha val="30000"/>
+                  </a:srgbClr>
+                </a:outerShdw>
+              </a:effectLst>
+            </a:endParaRPr>
+          </a:p>
+        </p:txBody>
+      </p:sp>
+      <p:sp>
+        <p:nvSpPr>
+          <p:cNvPr id="2" name="Rectangle 1"/>
+          <p:cNvSpPr/>
+          <p:nvPr/>
+        </p:nvSpPr>
+        <p:spPr>
+          <a:xfrm>
+            <a:off x="-40113" y="11177"/>
+            <a:ext cx="4119462" cy="707886"/>
+          </a:xfrm>
+          <a:prstGeom prst="rect">
+            <a:avLst/>
+          </a:prstGeom>
+          <a:noFill/>
+        </p:spPr>
+        <p:txBody>
+          <a:bodyPr wrap="none" lIns="91440" tIns="45720" rIns="91440" bIns="45720">
+            <a:spAutoFit/>
+          </a:bodyPr>
+          <a:lstStyle/>
+          <a:p>
+            <a:pPr algn="ctr"/>
+            <a:r>
+              <a:rPr lang="en-US" sz="4000" b="1" dirty="0">
+                <a:ln/>
+                <a:pattFill prst="dkUpDiag">
+                  <a:fgClr>
+                    <a:schemeClr val="bg1">
+                      <a:lumMod val="50000"/>
+                    </a:schemeClr>
+                  </a:fgClr>
+                  <a:bgClr>
+                    <a:schemeClr val="tx1">
+                      <a:lumMod val="75000"/>
+                      <a:lumOff val="25000"/>
+                    </a:schemeClr>
+                  </a:bgClr>
+                </a:pattFill>
+                <a:effectLst>
+                  <a:outerShdw blurRad="38100" dist="19050" dir="2700000" algn="tl" rotWithShape="0">
+                    <a:schemeClr val="dk1">
+                      <a:lumMod val="50000"/>
+                      <a:alpha val="40000"/>
+                    </a:schemeClr>
+                  </a:outerShdw>
+                </a:effectLst>
+              </a:rPr>
+              <a:t>Filtering Messages</a:t>
+            </a:r>
+            <a:endParaRPr lang="en-US" sz="4000" b="1" dirty="0">
+              <a:ln/>
+              <a:pattFill prst="dkUpDiag">
+                <a:fgClr>
+                  <a:schemeClr val="bg1">
+                    <a:lumMod val="50000"/>
+                  </a:schemeClr>
+                </a:fgClr>
+                <a:bgClr>
+                  <a:schemeClr val="tx1">
+                    <a:lumMod val="75000"/>
+                    <a:lumOff val="25000"/>
+                  </a:schemeClr>
+                </a:bgClr>
+              </a:pattFill>
+              <a:effectLst>
+                <a:outerShdw blurRad="38100" dist="19050" dir="2700000" algn="tl" rotWithShape="0">
+                  <a:schemeClr val="dk1">
+                    <a:lumMod val="50000"/>
+                    <a:alpha val="40000"/>
+                  </a:schemeClr>
+                </a:outerShdw>
+              </a:effectLst>
+            </a:endParaRPr>
+          </a:p>
+        </p:txBody>
+      </p:sp>
+      <p:grpSp>
+        <p:nvGrpSpPr>
+          <p:cNvPr id="67" name="Group 66"/>
+          <p:cNvGrpSpPr/>
+          <p:nvPr/>
+        </p:nvGrpSpPr>
+        <p:grpSpPr>
+          <a:xfrm>
+            <a:off x="7189891" y="9936"/>
+            <a:ext cx="1971628" cy="968282"/>
+            <a:chOff x="7164916" y="-697"/>
+            <a:chExt cx="1971628" cy="968282"/>
+          </a:xfrm>
+        </p:grpSpPr>
+        <p:sp>
+          <p:nvSpPr>
+            <p:cNvPr id="5" name="Rounded Rectangle 4"/>
+            <p:cNvSpPr/>
+            <p:nvPr/>
+          </p:nvSpPr>
+          <p:spPr>
+            <a:xfrm>
+              <a:off x="7164916" y="-697"/>
+              <a:ext cx="1971628" cy="960728"/>
+            </a:xfrm>
+            <a:prstGeom prst="roundRect">
+              <a:avLst/>
+            </a:prstGeom>
+          </p:spPr>
+          <p:style>
+            <a:lnRef idx="0">
+              <a:schemeClr val="accent2"/>
+            </a:lnRef>
+            <a:fillRef idx="3">
+              <a:schemeClr val="accent2"/>
+            </a:fillRef>
+            <a:effectRef idx="3">
+              <a:schemeClr val="accent2"/>
+            </a:effectRef>
+            <a:fontRef idx="minor">
+              <a:schemeClr val="lt1"/>
+            </a:fontRef>
+          </p:style>
+          <p:txBody>
+            <a:bodyPr rtlCol="0" anchor="ctr"/>
+            <a:lstStyle/>
+            <a:p>
+              <a:pPr algn="ctr"/>
+              <a:endParaRPr lang="en-US" sz="1013" dirty="0"/>
+            </a:p>
+          </p:txBody>
+        </p:sp>
+        <p:sp>
+          <p:nvSpPr>
+            <p:cNvPr id="18" name="Rectangle 17"/>
+            <p:cNvSpPr/>
+            <p:nvPr/>
+          </p:nvSpPr>
+          <p:spPr>
+            <a:xfrm>
+              <a:off x="7650155" y="290955"/>
+              <a:ext cx="1408079" cy="377026"/>
+            </a:xfrm>
+            <a:prstGeom prst="rect">
+              <a:avLst/>
+            </a:prstGeom>
+            <a:noFill/>
+            <a:ln>
+              <a:noFill/>
+            </a:ln>
+            <a:effectLst>
+              <a:outerShdw blurRad="50800" dist="38100" dir="8100000" algn="tr" rotWithShape="0">
+                <a:prstClr val="black">
+                  <a:alpha val="40000"/>
+                </a:prstClr>
+              </a:outerShdw>
+            </a:effectLst>
+          </p:spPr>
+          <p:txBody>
+            <a:bodyPr wrap="none" lIns="68580" tIns="34290" rIns="68580" bIns="34290">
+              <a:spAutoFit/>
+            </a:bodyPr>
+            <a:lstStyle/>
+            <a:p>
+              <a:pPr algn="ctr"/>
+              <a:r>
+                <a:rPr lang="en-US" sz="2000" b="1" dirty="0">
+                  <a:ln w="12700">
+                    <a:solidFill>
+                      <a:schemeClr val="accent3">
+                        <a:lumMod val="50000"/>
+                      </a:schemeClr>
+                    </a:solidFill>
+                    <a:prstDash val="solid"/>
+                  </a:ln>
+                  <a:pattFill prst="narHorz">
+                    <a:fgClr>
+                      <a:schemeClr val="accent3"/>
+                    </a:fgClr>
+                    <a:bgClr>
+                      <a:schemeClr val="accent3">
+                        <a:lumMod val="40000"/>
+                        <a:lumOff val="60000"/>
+                      </a:schemeClr>
+                    </a:bgClr>
+                  </a:pattFill>
+                  <a:effectLst>
+                    <a:innerShdw blurRad="177800">
+                      <a:schemeClr val="accent3">
+                        <a:lumMod val="50000"/>
+                      </a:schemeClr>
+                    </a:innerShdw>
+                  </a:effectLst>
+                </a:rPr>
+                <a:t>Consumer</a:t>
+              </a:r>
+              <a:r>
+                <a:rPr lang="en-US" sz="2000" b="1" dirty="0">
+                  <a:ln w="12700" cmpd="sng">
+                    <a:solidFill>
+                      <a:schemeClr val="accent4"/>
+                    </a:solidFill>
+                    <a:prstDash val="solid"/>
+                  </a:ln>
+                  <a:gradFill>
+                    <a:gsLst>
+                      <a:gs pos="0">
+                        <a:schemeClr val="accent4"/>
+                      </a:gs>
+                      <a:gs pos="4000">
+                        <a:schemeClr val="accent4">
+                          <a:lumMod val="60000"/>
+                          <a:lumOff val="40000"/>
+                        </a:schemeClr>
+                      </a:gs>
+                      <a:gs pos="87000">
+                        <a:schemeClr val="accent4">
+                          <a:lumMod val="20000"/>
+                          <a:lumOff val="80000"/>
+                        </a:schemeClr>
+                      </a:gs>
+                    </a:gsLst>
+                    <a:lin ang="5400000"/>
+                  </a:gradFill>
+                </a:rPr>
+                <a:t> </a:t>
+              </a:r>
+              <a:r>
+                <a:rPr lang="en-US" sz="2000" b="1" dirty="0">
+                  <a:ln w="12700">
+                    <a:solidFill>
+                      <a:schemeClr val="accent3">
+                        <a:lumMod val="50000"/>
+                      </a:schemeClr>
+                    </a:solidFill>
+                    <a:prstDash val="solid"/>
+                  </a:ln>
+                  <a:pattFill prst="narHorz">
+                    <a:fgClr>
+                      <a:schemeClr val="accent3"/>
+                    </a:fgClr>
+                    <a:bgClr>
+                      <a:schemeClr val="accent3">
+                        <a:lumMod val="40000"/>
+                        <a:lumOff val="60000"/>
+                      </a:schemeClr>
+                    </a:bgClr>
+                  </a:pattFill>
+                  <a:effectLst>
+                    <a:innerShdw blurRad="177800">
+                      <a:schemeClr val="accent3">
+                        <a:lumMod val="50000"/>
+                      </a:schemeClr>
+                    </a:innerShdw>
+                  </a:effectLst>
+                </a:rPr>
+                <a:t>1</a:t>
+              </a:r>
+            </a:p>
+          </p:txBody>
+        </p:sp>
+        <p:sp>
+          <p:nvSpPr>
+            <p:cNvPr id="3" name="Round Same Side Corner Rectangle 2"/>
+            <p:cNvSpPr/>
+            <p:nvPr/>
+          </p:nvSpPr>
+          <p:spPr>
+            <a:xfrm rot="16200000">
+              <a:off x="6896294" y="276177"/>
+              <a:ext cx="960031" cy="422785"/>
+            </a:xfrm>
+            <a:prstGeom prst="round2SameRect">
+              <a:avLst>
+                <a:gd name="adj1" fmla="val 39585"/>
+                <a:gd name="adj2" fmla="val 0"/>
+              </a:avLst>
+            </a:prstGeom>
+          </p:spPr>
+          <p:style>
+            <a:lnRef idx="2">
+              <a:schemeClr val="accent1">
+                <a:shade val="50000"/>
+              </a:schemeClr>
+            </a:lnRef>
+            <a:fillRef idx="1">
+              <a:schemeClr val="accent1"/>
+            </a:fillRef>
+            <a:effectRef idx="0">
+              <a:schemeClr val="accent1"/>
+            </a:effectRef>
+            <a:fontRef idx="minor">
+              <a:schemeClr val="lt1"/>
+            </a:fontRef>
+          </p:style>
+          <p:txBody>
+            <a:bodyPr rtlCol="0" anchor="ctr"/>
+            <a:lstStyle/>
+            <a:p>
+              <a:pPr algn="ctr"/>
+              <a:r>
+                <a:rPr lang="en-US" b="1" dirty="0" smtClean="0">
+                  <a:ln/>
+                  <a:blipFill>
+                    <a:blip r:embed="rId2"/>
+                    <a:tile tx="0" ty="0" sx="100000" sy="100000" flip="none" algn="tl"/>
+                  </a:blipFill>
+                  <a:effectLst>
+                    <a:outerShdw blurRad="38100" dist="19050" dir="2700000" algn="tl" rotWithShape="0">
+                      <a:schemeClr val="dk1">
+                        <a:lumMod val="50000"/>
+                        <a:alpha val="40000"/>
+                      </a:schemeClr>
+                    </a:outerShdw>
+                  </a:effectLst>
+                </a:rPr>
+                <a:t>JAPAN</a:t>
+              </a:r>
+              <a:endParaRPr lang="en-US" b="1" dirty="0">
+                <a:ln/>
+                <a:blipFill>
+                  <a:blip r:embed="rId2"/>
+                  <a:tile tx="0" ty="0" sx="100000" sy="100000" flip="none" algn="tl"/>
+                </a:blipFill>
+                <a:effectLst>
+                  <a:outerShdw blurRad="38100" dist="19050" dir="2700000" algn="tl" rotWithShape="0">
+                    <a:schemeClr val="dk1">
+                      <a:lumMod val="50000"/>
+                      <a:alpha val="40000"/>
+                    </a:schemeClr>
+                  </a:outerShdw>
+                </a:effectLst>
+              </a:endParaRPr>
+            </a:p>
+          </p:txBody>
+        </p:sp>
+      </p:grpSp>
+      <p:grpSp>
+        <p:nvGrpSpPr>
+          <p:cNvPr id="68" name="Group 67"/>
+          <p:cNvGrpSpPr/>
+          <p:nvPr/>
+        </p:nvGrpSpPr>
+        <p:grpSpPr>
+          <a:xfrm>
+            <a:off x="7186163" y="1673474"/>
+            <a:ext cx="1979084" cy="966616"/>
+            <a:chOff x="7214867" y="1687235"/>
+            <a:chExt cx="1979084" cy="966616"/>
+          </a:xfrm>
+        </p:grpSpPr>
+        <p:sp>
+          <p:nvSpPr>
+            <p:cNvPr id="11" name="Rounded Rectangle 10"/>
+            <p:cNvSpPr/>
+            <p:nvPr/>
+          </p:nvSpPr>
+          <p:spPr>
+            <a:xfrm>
+              <a:off x="7222323" y="1687235"/>
+              <a:ext cx="1971628" cy="960728"/>
+            </a:xfrm>
+            <a:prstGeom prst="roundRect">
+              <a:avLst/>
+            </a:prstGeom>
+          </p:spPr>
+          <p:style>
+            <a:lnRef idx="0">
+              <a:schemeClr val="accent2"/>
+            </a:lnRef>
+            <a:fillRef idx="3">
+              <a:schemeClr val="accent2"/>
+            </a:fillRef>
+            <a:effectRef idx="3">
+              <a:schemeClr val="accent2"/>
+            </a:effectRef>
+            <a:fontRef idx="minor">
+              <a:schemeClr val="lt1"/>
+            </a:fontRef>
+          </p:style>
+          <p:txBody>
+            <a:bodyPr rtlCol="0" anchor="ctr"/>
+            <a:lstStyle/>
+            <a:p>
+              <a:pPr algn="ctr"/>
+              <a:endParaRPr lang="en-US" sz="1013" dirty="0"/>
+            </a:p>
+          </p:txBody>
+        </p:sp>
+        <p:sp>
+          <p:nvSpPr>
+            <p:cNvPr id="16" name="Rectangle 15"/>
+            <p:cNvSpPr/>
+            <p:nvPr/>
+          </p:nvSpPr>
+          <p:spPr>
+            <a:xfrm>
+              <a:off x="7707562" y="1990870"/>
+              <a:ext cx="1408079" cy="377026"/>
+            </a:xfrm>
+            <a:prstGeom prst="rect">
+              <a:avLst/>
+            </a:prstGeom>
+            <a:noFill/>
+            <a:ln>
+              <a:noFill/>
+            </a:ln>
+            <a:effectLst>
+              <a:outerShdw blurRad="50800" dist="38100" dir="8100000" algn="tr" rotWithShape="0">
+                <a:prstClr val="black">
+                  <a:alpha val="40000"/>
+                </a:prstClr>
+              </a:outerShdw>
+            </a:effectLst>
+          </p:spPr>
+          <p:txBody>
+            <a:bodyPr wrap="none" lIns="68580" tIns="34290" rIns="68580" bIns="34290">
+              <a:spAutoFit/>
+            </a:bodyPr>
+            <a:lstStyle/>
+            <a:p>
+              <a:pPr algn="ctr"/>
+              <a:r>
+                <a:rPr lang="en-US" sz="2000" b="1" dirty="0">
+                  <a:ln w="12700">
+                    <a:solidFill>
+                      <a:schemeClr val="accent3">
+                        <a:lumMod val="50000"/>
+                      </a:schemeClr>
+                    </a:solidFill>
+                    <a:prstDash val="solid"/>
+                  </a:ln>
+                  <a:pattFill prst="narHorz">
+                    <a:fgClr>
+                      <a:schemeClr val="accent3"/>
+                    </a:fgClr>
+                    <a:bgClr>
+                      <a:schemeClr val="accent3">
+                        <a:lumMod val="40000"/>
+                        <a:lumOff val="60000"/>
+                      </a:schemeClr>
+                    </a:bgClr>
+                  </a:pattFill>
+                  <a:effectLst>
+                    <a:innerShdw blurRad="177800">
+                      <a:schemeClr val="accent3">
+                        <a:lumMod val="50000"/>
+                      </a:schemeClr>
+                    </a:innerShdw>
+                  </a:effectLst>
+                </a:rPr>
+                <a:t>Consumer</a:t>
+              </a:r>
+              <a:r>
+                <a:rPr lang="en-US" sz="2000" b="1" dirty="0">
+                  <a:ln w="12700" cmpd="sng">
+                    <a:solidFill>
+                      <a:schemeClr val="accent4"/>
+                    </a:solidFill>
+                    <a:prstDash val="solid"/>
+                  </a:ln>
+                  <a:gradFill>
+                    <a:gsLst>
+                      <a:gs pos="0">
+                        <a:schemeClr val="accent4"/>
+                      </a:gs>
+                      <a:gs pos="4000">
+                        <a:schemeClr val="accent4">
+                          <a:lumMod val="60000"/>
+                          <a:lumOff val="40000"/>
+                        </a:schemeClr>
+                      </a:gs>
+                      <a:gs pos="87000">
+                        <a:schemeClr val="accent4">
+                          <a:lumMod val="20000"/>
+                          <a:lumOff val="80000"/>
+                        </a:schemeClr>
+                      </a:gs>
+                    </a:gsLst>
+                    <a:lin ang="5400000"/>
+                  </a:gradFill>
+                </a:rPr>
+                <a:t> </a:t>
+              </a:r>
+              <a:r>
+                <a:rPr lang="en-US" sz="2000" b="1" dirty="0">
+                  <a:ln w="12700">
+                    <a:solidFill>
+                      <a:schemeClr val="accent3">
+                        <a:lumMod val="50000"/>
+                      </a:schemeClr>
+                    </a:solidFill>
+                    <a:prstDash val="solid"/>
+                  </a:ln>
+                  <a:pattFill prst="narHorz">
+                    <a:fgClr>
+                      <a:schemeClr val="accent3"/>
+                    </a:fgClr>
+                    <a:bgClr>
+                      <a:schemeClr val="accent3">
+                        <a:lumMod val="40000"/>
+                        <a:lumOff val="60000"/>
+                      </a:schemeClr>
+                    </a:bgClr>
+                  </a:pattFill>
+                  <a:effectLst>
+                    <a:innerShdw blurRad="177800">
+                      <a:schemeClr val="accent3">
+                        <a:lumMod val="50000"/>
+                      </a:schemeClr>
+                    </a:innerShdw>
+                  </a:effectLst>
+                </a:rPr>
+                <a:t>2</a:t>
+              </a:r>
+            </a:p>
+          </p:txBody>
+        </p:sp>
+        <p:sp>
+          <p:nvSpPr>
+            <p:cNvPr id="20" name="Round Same Side Corner Rectangle 19"/>
+            <p:cNvSpPr/>
+            <p:nvPr/>
+          </p:nvSpPr>
+          <p:spPr>
+            <a:xfrm rot="16200000">
+              <a:off x="6946244" y="1962443"/>
+              <a:ext cx="960031" cy="422785"/>
+            </a:xfrm>
+            <a:prstGeom prst="round2SameRect">
+              <a:avLst>
+                <a:gd name="adj1" fmla="val 39585"/>
+                <a:gd name="adj2" fmla="val 0"/>
+              </a:avLst>
+            </a:prstGeom>
+          </p:spPr>
+          <p:style>
+            <a:lnRef idx="2">
+              <a:schemeClr val="accent1">
+                <a:shade val="50000"/>
+              </a:schemeClr>
+            </a:lnRef>
+            <a:fillRef idx="1">
+              <a:schemeClr val="accent1"/>
+            </a:fillRef>
+            <a:effectRef idx="0">
+              <a:schemeClr val="accent1"/>
+            </a:effectRef>
+            <a:fontRef idx="minor">
+              <a:schemeClr val="lt1"/>
+            </a:fontRef>
+          </p:style>
+          <p:txBody>
+            <a:bodyPr rtlCol="0" anchor="ctr"/>
+            <a:lstStyle/>
+            <a:p>
+              <a:pPr algn="ctr"/>
+              <a:r>
+                <a:rPr lang="en-US" b="1" dirty="0" smtClean="0">
+                  <a:ln/>
+                  <a:blipFill>
+                    <a:blip r:embed="rId2"/>
+                    <a:tile tx="0" ty="0" sx="100000" sy="100000" flip="none" algn="tl"/>
+                  </a:blipFill>
+                  <a:effectLst>
+                    <a:outerShdw blurRad="38100" dist="19050" dir="2700000" algn="tl" rotWithShape="0">
+                      <a:schemeClr val="dk1">
+                        <a:lumMod val="50000"/>
+                        <a:alpha val="40000"/>
+                      </a:schemeClr>
+                    </a:outerShdw>
+                  </a:effectLst>
+                </a:rPr>
+                <a:t>USA</a:t>
+              </a:r>
+              <a:endParaRPr lang="en-US" b="1" dirty="0">
+                <a:ln/>
+                <a:blipFill>
+                  <a:blip r:embed="rId2"/>
+                  <a:tile tx="0" ty="0" sx="100000" sy="100000" flip="none" algn="tl"/>
+                </a:blipFill>
+                <a:effectLst>
+                  <a:outerShdw blurRad="38100" dist="19050" dir="2700000" algn="tl" rotWithShape="0">
+                    <a:schemeClr val="dk1">
+                      <a:lumMod val="50000"/>
+                      <a:alpha val="40000"/>
+                    </a:schemeClr>
+                  </a:outerShdw>
+                </a:effectLst>
+              </a:endParaRPr>
+            </a:p>
+          </p:txBody>
+        </p:sp>
+      </p:grpSp>
+      <p:grpSp>
+        <p:nvGrpSpPr>
+          <p:cNvPr id="69" name="Group 68"/>
+          <p:cNvGrpSpPr/>
+          <p:nvPr/>
+        </p:nvGrpSpPr>
+        <p:grpSpPr>
+          <a:xfrm>
+            <a:off x="7186163" y="3337709"/>
+            <a:ext cx="1979085" cy="973476"/>
+            <a:chOff x="7157459" y="3327076"/>
+            <a:chExt cx="1979085" cy="973476"/>
+          </a:xfrm>
+        </p:grpSpPr>
+        <p:sp>
+          <p:nvSpPr>
+            <p:cNvPr id="12" name="Rounded Rectangle 11"/>
+            <p:cNvSpPr/>
+            <p:nvPr/>
+          </p:nvSpPr>
+          <p:spPr>
+            <a:xfrm>
+              <a:off x="7164916" y="3327076"/>
+              <a:ext cx="1971628" cy="960728"/>
+            </a:xfrm>
+            <a:prstGeom prst="roundRect">
+              <a:avLst/>
+            </a:prstGeom>
+          </p:spPr>
+          <p:style>
+            <a:lnRef idx="0">
+              <a:schemeClr val="accent2"/>
+            </a:lnRef>
+            <a:fillRef idx="3">
+              <a:schemeClr val="accent2"/>
+            </a:fillRef>
+            <a:effectRef idx="3">
+              <a:schemeClr val="accent2"/>
+            </a:effectRef>
+            <a:fontRef idx="minor">
+              <a:schemeClr val="lt1"/>
+            </a:fontRef>
+          </p:style>
+          <p:txBody>
+            <a:bodyPr rtlCol="0" anchor="ctr"/>
+            <a:lstStyle/>
+            <a:p>
+              <a:pPr algn="ctr"/>
+              <a:endParaRPr lang="en-US" sz="1013" dirty="0"/>
+            </a:p>
+          </p:txBody>
+        </p:sp>
+        <p:sp>
+          <p:nvSpPr>
+            <p:cNvPr id="17" name="Rectangle 16"/>
+            <p:cNvSpPr/>
+            <p:nvPr/>
+          </p:nvSpPr>
+          <p:spPr>
+            <a:xfrm>
+              <a:off x="7650155" y="3618728"/>
+              <a:ext cx="1408079" cy="377026"/>
+            </a:xfrm>
+            <a:prstGeom prst="rect">
+              <a:avLst/>
+            </a:prstGeom>
+            <a:noFill/>
+            <a:ln>
+              <a:noFill/>
+            </a:ln>
+            <a:effectLst>
+              <a:outerShdw blurRad="50800" dist="38100" dir="8100000" algn="tr" rotWithShape="0">
+                <a:prstClr val="black">
+                  <a:alpha val="40000"/>
+                </a:prstClr>
+              </a:outerShdw>
+            </a:effectLst>
+          </p:spPr>
+          <p:txBody>
+            <a:bodyPr wrap="none" lIns="68580" tIns="34290" rIns="68580" bIns="34290">
+              <a:spAutoFit/>
+            </a:bodyPr>
+            <a:lstStyle/>
+            <a:p>
+              <a:pPr algn="ctr"/>
+              <a:r>
+                <a:rPr lang="en-US" sz="2000" b="1" dirty="0">
+                  <a:ln w="12700">
+                    <a:solidFill>
+                      <a:schemeClr val="accent3">
+                        <a:lumMod val="50000"/>
+                      </a:schemeClr>
+                    </a:solidFill>
+                    <a:prstDash val="solid"/>
+                  </a:ln>
+                  <a:pattFill prst="narHorz">
+                    <a:fgClr>
+                      <a:schemeClr val="accent3"/>
+                    </a:fgClr>
+                    <a:bgClr>
+                      <a:schemeClr val="accent3">
+                        <a:lumMod val="40000"/>
+                        <a:lumOff val="60000"/>
+                      </a:schemeClr>
+                    </a:bgClr>
+                  </a:pattFill>
+                  <a:effectLst>
+                    <a:innerShdw blurRad="177800">
+                      <a:schemeClr val="accent3">
+                        <a:lumMod val="50000"/>
+                      </a:schemeClr>
+                    </a:innerShdw>
+                  </a:effectLst>
+                </a:rPr>
+                <a:t>Consumer</a:t>
+              </a:r>
+              <a:r>
+                <a:rPr lang="en-US" sz="2000" b="1" dirty="0">
+                  <a:ln w="12700" cmpd="sng">
+                    <a:solidFill>
+                      <a:schemeClr val="accent4"/>
+                    </a:solidFill>
+                    <a:prstDash val="solid"/>
+                  </a:ln>
+                  <a:gradFill>
+                    <a:gsLst>
+                      <a:gs pos="0">
+                        <a:schemeClr val="accent4"/>
+                      </a:gs>
+                      <a:gs pos="4000">
+                        <a:schemeClr val="accent4">
+                          <a:lumMod val="60000"/>
+                          <a:lumOff val="40000"/>
+                        </a:schemeClr>
+                      </a:gs>
+                      <a:gs pos="87000">
+                        <a:schemeClr val="accent4">
+                          <a:lumMod val="20000"/>
+                          <a:lumOff val="80000"/>
+                        </a:schemeClr>
+                      </a:gs>
+                    </a:gsLst>
+                    <a:lin ang="5400000"/>
+                  </a:gradFill>
+                </a:rPr>
+                <a:t> </a:t>
+              </a:r>
+              <a:r>
+                <a:rPr lang="en-US" sz="2000" b="1" dirty="0">
+                  <a:ln w="12700">
+                    <a:solidFill>
+                      <a:schemeClr val="accent3">
+                        <a:lumMod val="50000"/>
+                      </a:schemeClr>
+                    </a:solidFill>
+                    <a:prstDash val="solid"/>
+                  </a:ln>
+                  <a:pattFill prst="narHorz">
+                    <a:fgClr>
+                      <a:schemeClr val="accent3"/>
+                    </a:fgClr>
+                    <a:bgClr>
+                      <a:schemeClr val="accent3">
+                        <a:lumMod val="40000"/>
+                        <a:lumOff val="60000"/>
+                      </a:schemeClr>
+                    </a:bgClr>
+                  </a:pattFill>
+                  <a:effectLst>
+                    <a:innerShdw blurRad="177800">
+                      <a:schemeClr val="accent3">
+                        <a:lumMod val="50000"/>
+                      </a:schemeClr>
+                    </a:innerShdw>
+                  </a:effectLst>
+                </a:rPr>
+                <a:t>3</a:t>
+              </a:r>
+            </a:p>
+          </p:txBody>
+        </p:sp>
+        <p:sp>
+          <p:nvSpPr>
+            <p:cNvPr id="21" name="Round Same Side Corner Rectangle 20"/>
+            <p:cNvSpPr/>
+            <p:nvPr/>
+          </p:nvSpPr>
+          <p:spPr>
+            <a:xfrm rot="16200000">
+              <a:off x="6888836" y="3609144"/>
+              <a:ext cx="960031" cy="422785"/>
+            </a:xfrm>
+            <a:prstGeom prst="round2SameRect">
+              <a:avLst>
+                <a:gd name="adj1" fmla="val 39585"/>
+                <a:gd name="adj2" fmla="val 0"/>
+              </a:avLst>
+            </a:prstGeom>
+          </p:spPr>
+          <p:style>
+            <a:lnRef idx="2">
+              <a:schemeClr val="accent1">
+                <a:shade val="50000"/>
+              </a:schemeClr>
+            </a:lnRef>
+            <a:fillRef idx="1">
+              <a:schemeClr val="accent1"/>
+            </a:fillRef>
+            <a:effectRef idx="0">
+              <a:schemeClr val="accent1"/>
+            </a:effectRef>
+            <a:fontRef idx="minor">
+              <a:schemeClr val="lt1"/>
+            </a:fontRef>
+          </p:style>
+          <p:txBody>
+            <a:bodyPr rtlCol="0" anchor="ctr"/>
+            <a:lstStyle/>
+            <a:p>
+              <a:pPr algn="ctr"/>
+              <a:r>
+                <a:rPr lang="en-US" b="1" dirty="0" smtClean="0">
+                  <a:ln/>
+                  <a:blipFill>
+                    <a:blip r:embed="rId2"/>
+                    <a:tile tx="0" ty="0" sx="100000" sy="100000" flip="none" algn="tl"/>
+                  </a:blipFill>
+                  <a:effectLst>
+                    <a:outerShdw blurRad="38100" dist="19050" dir="2700000" algn="tl" rotWithShape="0">
+                      <a:schemeClr val="dk1">
+                        <a:lumMod val="50000"/>
+                        <a:alpha val="40000"/>
+                      </a:schemeClr>
+                    </a:outerShdw>
+                  </a:effectLst>
+                </a:rPr>
+                <a:t>INDIA</a:t>
+              </a:r>
+              <a:endParaRPr lang="en-US" b="1" dirty="0">
+                <a:ln/>
+                <a:blipFill>
+                  <a:blip r:embed="rId2"/>
+                  <a:tile tx="0" ty="0" sx="100000" sy="100000" flip="none" algn="tl"/>
+                </a:blipFill>
+                <a:effectLst>
+                  <a:outerShdw blurRad="38100" dist="19050" dir="2700000" algn="tl" rotWithShape="0">
+                    <a:schemeClr val="dk1">
+                      <a:lumMod val="50000"/>
+                      <a:alpha val="40000"/>
+                    </a:schemeClr>
+                  </a:outerShdw>
+                </a:effectLst>
+              </a:endParaRPr>
+            </a:p>
+          </p:txBody>
+        </p:sp>
+      </p:grpSp>
+      <p:cxnSp>
+        <p:nvCxnSpPr>
+          <p:cNvPr id="6" name="Straight Arrow Connector 5"/>
+          <p:cNvCxnSpPr>
+            <a:stCxn id="21" idx="3"/>
+            <a:endCxn id="9" idx="1"/>
+          </p:cNvCxnSpPr>
+          <p:nvPr/>
+        </p:nvCxnSpPr>
+        <p:spPr>
+          <a:xfrm flipH="1" flipV="1">
+            <a:off x="5628191" y="2164997"/>
+            <a:ext cx="1557972" cy="1651058"/>
+          </a:xfrm>
+          <a:prstGeom prst="straightConnector1">
+            <a:avLst/>
+          </a:prstGeom>
+          <a:ln w="19050">
+            <a:prstDash val="dash"/>
+            <a:tailEnd type="triangle" w="lg" len="lg"/>
+          </a:ln>
+        </p:spPr>
+        <p:style>
+          <a:lnRef idx="3">
+            <a:schemeClr val="accent2"/>
+          </a:lnRef>
+          <a:fillRef idx="0">
+            <a:schemeClr val="accent2"/>
+          </a:fillRef>
+          <a:effectRef idx="2">
+            <a:schemeClr val="accent2"/>
+          </a:effectRef>
+          <a:fontRef idx="minor">
+            <a:schemeClr val="tx1"/>
+          </a:fontRef>
+        </p:style>
+      </p:cxnSp>
+      <p:cxnSp>
+        <p:nvCxnSpPr>
+          <p:cNvPr id="22" name="Straight Arrow Connector 21"/>
+          <p:cNvCxnSpPr>
+            <a:stCxn id="20" idx="3"/>
+            <a:endCxn id="9" idx="1"/>
+          </p:cNvCxnSpPr>
+          <p:nvPr/>
+        </p:nvCxnSpPr>
+        <p:spPr>
+          <a:xfrm flipH="1">
+            <a:off x="5628191" y="2152517"/>
+            <a:ext cx="1557972" cy="12480"/>
+          </a:xfrm>
+          <a:prstGeom prst="straightConnector1">
+            <a:avLst/>
+          </a:prstGeom>
+          <a:ln w="19050">
+            <a:prstDash val="dash"/>
+            <a:tailEnd type="triangle" w="lg" len="lg"/>
+          </a:ln>
+        </p:spPr>
+        <p:style>
+          <a:lnRef idx="3">
+            <a:schemeClr val="accent2"/>
+          </a:lnRef>
+          <a:fillRef idx="0">
+            <a:schemeClr val="accent2"/>
+          </a:fillRef>
+          <a:effectRef idx="2">
+            <a:schemeClr val="accent2"/>
+          </a:effectRef>
+          <a:fontRef idx="minor">
+            <a:schemeClr val="tx1"/>
+          </a:fontRef>
+        </p:style>
+      </p:cxnSp>
+      <p:cxnSp>
+        <p:nvCxnSpPr>
+          <p:cNvPr id="23" name="Straight Arrow Connector 22"/>
+          <p:cNvCxnSpPr>
+            <a:stCxn id="3" idx="3"/>
+            <a:endCxn id="9" idx="1"/>
+          </p:cNvCxnSpPr>
+          <p:nvPr/>
+        </p:nvCxnSpPr>
+        <p:spPr>
+          <a:xfrm flipH="1">
+            <a:off x="5628191" y="490645"/>
+            <a:ext cx="1561701" cy="1674352"/>
+          </a:xfrm>
+          <a:prstGeom prst="straightConnector1">
+            <a:avLst/>
+          </a:prstGeom>
+          <a:ln w="19050">
+            <a:prstDash val="dash"/>
+            <a:tailEnd type="triangle" w="lg" len="lg"/>
+          </a:ln>
+        </p:spPr>
+        <p:style>
+          <a:lnRef idx="3">
+            <a:schemeClr val="accent2"/>
+          </a:lnRef>
+          <a:fillRef idx="0">
+            <a:schemeClr val="accent2"/>
+          </a:fillRef>
+          <a:effectRef idx="2">
+            <a:schemeClr val="accent2"/>
+          </a:effectRef>
+          <a:fontRef idx="minor">
+            <a:schemeClr val="tx1"/>
+          </a:fontRef>
+        </p:style>
+      </p:cxnSp>
+      <p:sp>
+        <p:nvSpPr>
+          <p:cNvPr id="55" name="Can 54"/>
+          <p:cNvSpPr/>
+          <p:nvPr/>
+        </p:nvSpPr>
+        <p:spPr>
+          <a:xfrm rot="5400000">
+            <a:off x="4218156" y="2257272"/>
+            <a:ext cx="539784" cy="2280285"/>
+          </a:xfrm>
+          <a:prstGeom prst="can">
+            <a:avLst/>
+          </a:prstGeom>
+          <a:effectLst>
+            <a:outerShdw blurRad="50800" dist="38100" dir="8100000" algn="tr" rotWithShape="0">
+              <a:prstClr val="black">
+                <a:alpha val="40000"/>
+              </a:prstClr>
+            </a:outerShdw>
+          </a:effectLst>
+        </p:spPr>
+        <p:style>
+          <a:lnRef idx="2">
+            <a:schemeClr val="accent1">
+              <a:shade val="50000"/>
+            </a:schemeClr>
+          </a:lnRef>
+          <a:fillRef idx="1">
+            <a:schemeClr val="accent1"/>
+          </a:fillRef>
+          <a:effectRef idx="0">
+            <a:schemeClr val="accent1"/>
+          </a:effectRef>
+          <a:fontRef idx="minor">
+            <a:schemeClr val="lt1"/>
+          </a:fontRef>
+        </p:style>
+        <p:txBody>
+          <a:bodyPr rtlCol="0" anchor="ctr"/>
+          <a:lstStyle/>
+          <a:p>
+            <a:pPr algn="ctr"/>
+            <a:endParaRPr lang="en-US" sz="1013"/>
+          </a:p>
+        </p:txBody>
+      </p:sp>
+      <p:sp>
+        <p:nvSpPr>
+          <p:cNvPr id="56" name="Rectangle 55"/>
+          <p:cNvSpPr/>
+          <p:nvPr/>
+        </p:nvSpPr>
+        <p:spPr>
+          <a:xfrm>
+            <a:off x="3811599" y="3045524"/>
+            <a:ext cx="1363578" cy="692497"/>
+          </a:xfrm>
+          <a:prstGeom prst="rect">
+            <a:avLst/>
+          </a:prstGeom>
+          <a:noFill/>
+        </p:spPr>
+        <p:txBody>
+          <a:bodyPr wrap="none" lIns="68580" tIns="34290" rIns="68580" bIns="34290">
+            <a:spAutoFit/>
+          </a:bodyPr>
+          <a:lstStyle/>
+          <a:p>
+            <a:pPr algn="ctr"/>
+            <a:r>
+              <a:rPr lang="en-US" sz="4050" b="1" dirty="0" smtClean="0">
+                <a:ln w="12700">
+                  <a:solidFill>
+                    <a:schemeClr val="accent3">
+                      <a:lumMod val="50000"/>
+                    </a:schemeClr>
+                  </a:solidFill>
+                  <a:prstDash val="solid"/>
+                </a:ln>
+                <a:pattFill prst="narHorz">
+                  <a:fgClr>
+                    <a:schemeClr val="accent3"/>
+                  </a:fgClr>
+                  <a:bgClr>
+                    <a:schemeClr val="accent3">
+                      <a:lumMod val="40000"/>
+                      <a:lumOff val="60000"/>
+                    </a:schemeClr>
+                  </a:bgClr>
+                </a:pattFill>
+                <a:effectLst>
+                  <a:innerShdw blurRad="177800">
+                    <a:schemeClr val="accent3">
+                      <a:lumMod val="50000"/>
+                    </a:schemeClr>
+                  </a:innerShdw>
+                </a:effectLst>
+              </a:rPr>
+              <a:t>Res Q</a:t>
+            </a:r>
+            <a:endParaRPr lang="en-US" sz="4050" b="1" dirty="0">
+              <a:ln w="10160">
+                <a:solidFill>
+                  <a:schemeClr val="accent5"/>
+                </a:solidFill>
+                <a:prstDash val="solid"/>
+              </a:ln>
+              <a:solidFill>
+                <a:srgbClr val="FFFFFF"/>
+              </a:solidFill>
+              <a:effectLst>
+                <a:outerShdw blurRad="38100" dist="22860" dir="5400000" algn="tl" rotWithShape="0">
+                  <a:srgbClr val="000000">
+                    <a:alpha val="30000"/>
+                  </a:srgbClr>
+                </a:outerShdw>
+              </a:effectLst>
+            </a:endParaRPr>
+          </a:p>
+        </p:txBody>
+      </p:sp>
+      <p:sp>
+        <p:nvSpPr>
+          <p:cNvPr id="61" name="Rounded Rectangle 60"/>
+          <p:cNvSpPr/>
+          <p:nvPr/>
+        </p:nvSpPr>
+        <p:spPr>
+          <a:xfrm>
+            <a:off x="7222181" y="4349598"/>
+            <a:ext cx="1939338" cy="793902"/>
+          </a:xfrm>
+          <a:prstGeom prst="roundRect">
+            <a:avLst/>
+          </a:prstGeom>
+        </p:spPr>
+        <p:style>
+          <a:lnRef idx="0">
+            <a:schemeClr val="accent2"/>
+          </a:lnRef>
+          <a:fillRef idx="3">
+            <a:schemeClr val="accent2"/>
+          </a:fillRef>
+          <a:effectRef idx="3">
+            <a:schemeClr val="accent2"/>
+          </a:effectRef>
+          <a:fontRef idx="minor">
+            <a:schemeClr val="lt1"/>
+          </a:fontRef>
+        </p:style>
+        <p:txBody>
+          <a:bodyPr rtlCol="0" anchor="ctr"/>
+          <a:lstStyle/>
+          <a:p>
+            <a:pPr algn="ctr"/>
+            <a:endParaRPr lang="en-US" sz="1013" dirty="0"/>
+          </a:p>
+        </p:txBody>
+      </p:sp>
+      <p:sp>
+        <p:nvSpPr>
+          <p:cNvPr id="62" name="Rectangle 61"/>
+          <p:cNvSpPr/>
+          <p:nvPr/>
+        </p:nvSpPr>
+        <p:spPr>
+          <a:xfrm>
+            <a:off x="7545487" y="4558036"/>
+            <a:ext cx="1292725" cy="377026"/>
+          </a:xfrm>
+          <a:prstGeom prst="rect">
+            <a:avLst/>
+          </a:prstGeom>
+          <a:noFill/>
+          <a:ln>
+            <a:noFill/>
+          </a:ln>
+          <a:effectLst>
+            <a:outerShdw blurRad="50800" dist="38100" dir="8100000" algn="tr" rotWithShape="0">
+              <a:prstClr val="black">
+                <a:alpha val="40000"/>
+              </a:prstClr>
+            </a:outerShdw>
+          </a:effectLst>
+        </p:spPr>
+        <p:txBody>
+          <a:bodyPr wrap="none" lIns="68580" tIns="34290" rIns="68580" bIns="34290">
+            <a:spAutoFit/>
+          </a:bodyPr>
+          <a:lstStyle/>
+          <a:p>
+            <a:pPr algn="ctr"/>
+            <a:r>
+              <a:rPr lang="en-US" sz="2000" b="1" dirty="0" smtClean="0">
+                <a:ln w="12700">
+                  <a:solidFill>
+                    <a:schemeClr val="accent3">
+                      <a:lumMod val="50000"/>
+                    </a:schemeClr>
+                  </a:solidFill>
+                  <a:prstDash val="solid"/>
+                </a:ln>
+                <a:pattFill prst="narHorz">
+                  <a:fgClr>
+                    <a:schemeClr val="accent3"/>
+                  </a:fgClr>
+                  <a:bgClr>
+                    <a:schemeClr val="accent3">
+                      <a:lumMod val="40000"/>
+                      <a:lumOff val="60000"/>
+                    </a:schemeClr>
+                  </a:bgClr>
+                </a:pattFill>
+                <a:effectLst>
+                  <a:innerShdw blurRad="177800">
+                    <a:schemeClr val="accent3">
+                      <a:lumMod val="50000"/>
+                    </a:schemeClr>
+                  </a:innerShdw>
+                </a:effectLst>
+              </a:rPr>
+              <a:t>Producer 3</a:t>
+            </a:r>
+            <a:endParaRPr lang="en-US" sz="2000" b="1" dirty="0">
+              <a:ln w="12700">
+                <a:solidFill>
+                  <a:schemeClr val="accent3">
+                    <a:lumMod val="50000"/>
+                  </a:schemeClr>
+                </a:solidFill>
+                <a:prstDash val="solid"/>
+              </a:ln>
+              <a:pattFill prst="narHorz">
+                <a:fgClr>
+                  <a:schemeClr val="accent3"/>
+                </a:fgClr>
+                <a:bgClr>
+                  <a:schemeClr val="accent3">
+                    <a:lumMod val="40000"/>
+                    <a:lumOff val="60000"/>
+                  </a:schemeClr>
+                </a:bgClr>
+              </a:pattFill>
+              <a:effectLst>
+                <a:innerShdw blurRad="177800">
+                  <a:schemeClr val="accent3">
+                    <a:lumMod val="50000"/>
+                  </a:schemeClr>
+                </a:innerShdw>
+              </a:effectLst>
+            </a:endParaRPr>
+          </a:p>
+        </p:txBody>
+      </p:sp>
+    </p:spTree>
+    <p:extLst>
+      <p:ext uri="{BB962C8B-B14F-4D97-AF65-F5344CB8AC3E}">
+        <p14:creationId xmlns:p14="http://schemas.microsoft.com/office/powerpoint/2010/main" val="582282359"/>
+      </p:ext>
+    </p:extLst>
+  </p:cSld>
+  <p:clrMapOvr>
+    <a:masterClrMapping/>
+  </p:clrMapOvr>
+  <p:timing>
+    <p:tnLst>
+      <p:par>
+        <p:cTn id="1" dur="indefinite" restart="never" nodeType="tmRoot"/>
+      </p:par>
+    </p:tnLst>
+  </p:timing>
+</p:sld>
+</file>
+
+<file path=ppt/slides/slide14.xml><?xml version="1.0" encoding="utf-8"?>
+<p:sld xmlns:a="http://schemas.openxmlformats.org/drawingml/2006/main" xmlns:r="http://schemas.openxmlformats.org/officeDocument/2006/relationships" xmlns:p="http://schemas.openxmlformats.org/presentationml/2006/main">
+  <p:cSld>
+    <p:bg>
+      <p:bgPr>
+        <a:solidFill>
+          <a:schemeClr val="bg1">
+            <a:alpha val="0"/>
+          </a:schemeClr>
+        </a:solidFill>
+        <a:effectLst/>
+      </p:bgPr>
+    </p:bg>
+    <p:spTree>
+      <p:nvGrpSpPr>
+        <p:cNvPr id="1" name=""/>
+        <p:cNvGrpSpPr/>
+        <p:nvPr/>
+      </p:nvGrpSpPr>
+      <p:grpSpPr>
+        <a:xfrm>
+          <a:off x="0" y="0"/>
+          <a:ext cx="0" cy="0"/>
+          <a:chOff x="0" y="0"/>
+          <a:chExt cx="0" cy="0"/>
+        </a:xfrm>
+      </p:grpSpPr>
+      <p:sp>
+        <p:nvSpPr>
+          <p:cNvPr id="8" name="Rounded Rectangle 7"/>
+          <p:cNvSpPr/>
+          <p:nvPr/>
+        </p:nvSpPr>
+        <p:spPr>
+          <a:xfrm>
+            <a:off x="9838" y="0"/>
+            <a:ext cx="9134162" cy="5143500"/>
+          </a:xfrm>
+          <a:prstGeom prst="roundRect">
+            <a:avLst/>
+          </a:prstGeom>
+          <a:noFill/>
+          <a:ln>
+            <a:noFill/>
+          </a:ln>
+        </p:spPr>
+        <p:style>
+          <a:lnRef idx="2">
+            <a:schemeClr val="accent1">
+              <a:shade val="50000"/>
+            </a:schemeClr>
+          </a:lnRef>
+          <a:fillRef idx="1">
+            <a:schemeClr val="accent1"/>
+          </a:fillRef>
+          <a:effectRef idx="0">
+            <a:schemeClr val="accent1"/>
+          </a:effectRef>
+          <a:fontRef idx="minor">
+            <a:schemeClr val="lt1"/>
+          </a:fontRef>
+        </p:style>
+        <p:txBody>
+          <a:bodyPr rtlCol="0" anchor="ctr"/>
+          <a:lstStyle/>
+          <a:p>
+            <a:pPr algn="ctr"/>
+            <a:endParaRPr lang="en-US" sz="1013"/>
+          </a:p>
+        </p:txBody>
+      </p:sp>
+      <p:sp>
+        <p:nvSpPr>
+          <p:cNvPr id="14" name="Rounded Rectangle 13"/>
+          <p:cNvSpPr/>
+          <p:nvPr/>
+        </p:nvSpPr>
+        <p:spPr>
+          <a:xfrm>
+            <a:off x="3086100" y="1191187"/>
+            <a:ext cx="2752725" cy="2847413"/>
+          </a:xfrm>
+          <a:prstGeom prst="roundRect">
+            <a:avLst/>
+          </a:prstGeom>
+          <a:solidFill>
+            <a:schemeClr val="accent3">
+              <a:alpha val="50000"/>
+            </a:schemeClr>
+          </a:solidFill>
+          <a:ln>
+            <a:noFill/>
+          </a:ln>
+        </p:spPr>
+        <p:style>
+          <a:lnRef idx="0">
+            <a:scrgbClr r="0" g="0" b="0"/>
+          </a:lnRef>
+          <a:fillRef idx="0">
+            <a:scrgbClr r="0" g="0" b="0"/>
+          </a:fillRef>
+          <a:effectRef idx="0">
+            <a:scrgbClr r="0" g="0" b="0"/>
+          </a:effectRef>
+          <a:fontRef idx="minor">
+            <a:schemeClr val="lt1"/>
+          </a:fontRef>
+        </p:style>
+        <p:txBody>
+          <a:bodyPr rtlCol="0" anchor="ctr"/>
+          <a:lstStyle/>
+          <a:p>
+            <a:pPr algn="ctr"/>
+            <a:endParaRPr lang="en-US" sz="1013" dirty="0"/>
+          </a:p>
+        </p:txBody>
+      </p:sp>
+      <p:sp>
+        <p:nvSpPr>
+          <p:cNvPr id="9" name="Can 8"/>
+          <p:cNvSpPr/>
+          <p:nvPr/>
+        </p:nvSpPr>
+        <p:spPr>
+          <a:xfrm rot="5400000">
+            <a:off x="4218156" y="1024854"/>
+            <a:ext cx="539784" cy="2280285"/>
+          </a:xfrm>
+          <a:prstGeom prst="can">
+            <a:avLst/>
+          </a:prstGeom>
+          <a:effectLst>
+            <a:outerShdw blurRad="50800" dist="38100" dir="8100000" algn="tr" rotWithShape="0">
+              <a:prstClr val="black">
+                <a:alpha val="40000"/>
+              </a:prstClr>
+            </a:outerShdw>
+          </a:effectLst>
+        </p:spPr>
+        <p:style>
+          <a:lnRef idx="2">
+            <a:schemeClr val="accent1">
+              <a:shade val="50000"/>
+            </a:schemeClr>
+          </a:lnRef>
+          <a:fillRef idx="1">
+            <a:schemeClr val="accent1"/>
+          </a:fillRef>
+          <a:effectRef idx="0">
+            <a:schemeClr val="accent1"/>
+          </a:effectRef>
+          <a:fontRef idx="minor">
+            <a:schemeClr val="lt1"/>
+          </a:fontRef>
+        </p:style>
+        <p:txBody>
+          <a:bodyPr rtlCol="0" anchor="ctr"/>
+          <a:lstStyle/>
+          <a:p>
+            <a:pPr algn="ctr"/>
+            <a:endParaRPr lang="en-US" sz="1013"/>
+          </a:p>
+        </p:txBody>
+      </p:sp>
+      <p:sp>
+        <p:nvSpPr>
+          <p:cNvPr id="10" name="Rectangle 9"/>
+          <p:cNvSpPr/>
+          <p:nvPr/>
+        </p:nvSpPr>
+        <p:spPr>
+          <a:xfrm>
+            <a:off x="3775531" y="1813106"/>
+            <a:ext cx="1435714" cy="692497"/>
+          </a:xfrm>
+          <a:prstGeom prst="rect">
+            <a:avLst/>
+          </a:prstGeom>
+          <a:noFill/>
+        </p:spPr>
+        <p:txBody>
+          <a:bodyPr wrap="none" lIns="68580" tIns="34290" rIns="68580" bIns="34290">
+            <a:spAutoFit/>
+          </a:bodyPr>
+          <a:lstStyle/>
+          <a:p>
+            <a:pPr algn="ctr"/>
+            <a:r>
+              <a:rPr lang="en-US" sz="4050" b="1" dirty="0" err="1" smtClean="0">
+                <a:ln w="12700">
+                  <a:solidFill>
+                    <a:schemeClr val="accent3">
+                      <a:lumMod val="50000"/>
+                    </a:schemeClr>
+                  </a:solidFill>
+                  <a:prstDash val="solid"/>
+                </a:ln>
+                <a:pattFill prst="narHorz">
+                  <a:fgClr>
+                    <a:schemeClr val="accent3"/>
+                  </a:fgClr>
+                  <a:bgClr>
+                    <a:schemeClr val="accent3">
+                      <a:lumMod val="40000"/>
+                      <a:lumOff val="60000"/>
+                    </a:schemeClr>
+                  </a:bgClr>
+                </a:pattFill>
+                <a:effectLst>
+                  <a:innerShdw blurRad="177800">
+                    <a:schemeClr val="accent3">
+                      <a:lumMod val="50000"/>
+                    </a:schemeClr>
+                  </a:innerShdw>
+                </a:effectLst>
+              </a:rPr>
+              <a:t>Req</a:t>
+            </a:r>
+            <a:r>
+              <a:rPr lang="en-US" sz="4050" b="1" dirty="0" smtClean="0">
+                <a:ln w="12700">
+                  <a:solidFill>
+                    <a:schemeClr val="accent3">
+                      <a:lumMod val="50000"/>
+                    </a:schemeClr>
+                  </a:solidFill>
+                  <a:prstDash val="solid"/>
+                </a:ln>
+                <a:pattFill prst="narHorz">
+                  <a:fgClr>
+                    <a:schemeClr val="accent3"/>
+                  </a:fgClr>
+                  <a:bgClr>
+                    <a:schemeClr val="accent3">
+                      <a:lumMod val="40000"/>
+                      <a:lumOff val="60000"/>
+                    </a:schemeClr>
+                  </a:bgClr>
+                </a:pattFill>
+                <a:effectLst>
+                  <a:innerShdw blurRad="177800">
+                    <a:schemeClr val="accent3">
+                      <a:lumMod val="50000"/>
+                    </a:schemeClr>
+                  </a:innerShdw>
+                </a:effectLst>
+              </a:rPr>
+              <a:t> Q</a:t>
+            </a:r>
+            <a:endParaRPr lang="en-US" sz="4050" b="1" dirty="0">
+              <a:ln w="10160">
+                <a:solidFill>
+                  <a:schemeClr val="accent5"/>
+                </a:solidFill>
+                <a:prstDash val="solid"/>
+              </a:ln>
+              <a:solidFill>
+                <a:srgbClr val="FFFFFF"/>
+              </a:solidFill>
+              <a:effectLst>
+                <a:outerShdw blurRad="38100" dist="22860" dir="5400000" algn="tl" rotWithShape="0">
+                  <a:srgbClr val="000000">
+                    <a:alpha val="30000"/>
+                  </a:srgbClr>
+                </a:outerShdw>
+              </a:effectLst>
+            </a:endParaRPr>
+          </a:p>
+        </p:txBody>
+      </p:sp>
+      <p:sp>
+        <p:nvSpPr>
+          <p:cNvPr id="13" name="Rounded Rectangle 12"/>
+          <p:cNvSpPr/>
+          <p:nvPr/>
+        </p:nvSpPr>
+        <p:spPr>
+          <a:xfrm>
+            <a:off x="99018" y="1678991"/>
+            <a:ext cx="1971628" cy="960728"/>
+          </a:xfrm>
+          <a:prstGeom prst="roundRect">
+            <a:avLst/>
+          </a:prstGeom>
+        </p:spPr>
+        <p:style>
+          <a:lnRef idx="0">
+            <a:schemeClr val="accent2"/>
+          </a:lnRef>
+          <a:fillRef idx="3">
+            <a:schemeClr val="accent2"/>
+          </a:fillRef>
+          <a:effectRef idx="3">
+            <a:schemeClr val="accent2"/>
+          </a:effectRef>
+          <a:fontRef idx="minor">
+            <a:schemeClr val="lt1"/>
+          </a:fontRef>
+        </p:style>
+        <p:txBody>
+          <a:bodyPr rtlCol="0" anchor="ctr"/>
+          <a:lstStyle/>
+          <a:p>
+            <a:pPr algn="ctr"/>
+            <a:endParaRPr lang="en-US" sz="1013" dirty="0"/>
+          </a:p>
+        </p:txBody>
+      </p:sp>
+      <p:sp>
+        <p:nvSpPr>
+          <p:cNvPr id="15" name="Rectangle 14"/>
+          <p:cNvSpPr/>
+          <p:nvPr/>
+        </p:nvSpPr>
+        <p:spPr>
+          <a:xfrm>
+            <a:off x="317762" y="1940063"/>
+            <a:ext cx="1534139" cy="438582"/>
+          </a:xfrm>
+          <a:prstGeom prst="rect">
+            <a:avLst/>
+          </a:prstGeom>
+          <a:noFill/>
+          <a:ln>
+            <a:noFill/>
+          </a:ln>
+          <a:effectLst>
+            <a:outerShdw blurRad="50800" dist="38100" dir="8100000" algn="tr" rotWithShape="0">
+              <a:prstClr val="black">
+                <a:alpha val="40000"/>
+              </a:prstClr>
+            </a:outerShdw>
+          </a:effectLst>
+        </p:spPr>
+        <p:txBody>
+          <a:bodyPr wrap="none" lIns="68580" tIns="34290" rIns="68580" bIns="34290">
+            <a:spAutoFit/>
+          </a:bodyPr>
+          <a:lstStyle/>
+          <a:p>
+            <a:pPr algn="ctr"/>
+            <a:r>
+              <a:rPr lang="en-US" sz="2400" b="1" dirty="0" smtClean="0">
+                <a:ln w="12700">
+                  <a:solidFill>
+                    <a:schemeClr val="accent3">
+                      <a:lumMod val="50000"/>
+                    </a:schemeClr>
+                  </a:solidFill>
+                  <a:prstDash val="solid"/>
+                </a:ln>
+                <a:pattFill prst="narHorz">
+                  <a:fgClr>
+                    <a:schemeClr val="accent3"/>
+                  </a:fgClr>
+                  <a:bgClr>
+                    <a:schemeClr val="accent3">
+                      <a:lumMod val="40000"/>
+                      <a:lumOff val="60000"/>
+                    </a:schemeClr>
+                  </a:bgClr>
+                </a:pattFill>
+                <a:effectLst>
+                  <a:innerShdw blurRad="177800">
+                    <a:schemeClr val="accent3">
+                      <a:lumMod val="50000"/>
+                    </a:schemeClr>
+                  </a:innerShdw>
+                </a:effectLst>
+              </a:rPr>
+              <a:t>Producer X</a:t>
+            </a:r>
+            <a:endParaRPr lang="en-US" sz="2400" b="1" dirty="0">
+              <a:ln w="12700">
+                <a:solidFill>
+                  <a:schemeClr val="accent3">
+                    <a:lumMod val="50000"/>
+                  </a:schemeClr>
+                </a:solidFill>
+                <a:prstDash val="solid"/>
+              </a:ln>
+              <a:pattFill prst="narHorz">
+                <a:fgClr>
+                  <a:schemeClr val="accent3"/>
+                </a:fgClr>
+                <a:bgClr>
+                  <a:schemeClr val="accent3">
+                    <a:lumMod val="40000"/>
+                    <a:lumOff val="60000"/>
+                  </a:schemeClr>
+                </a:bgClr>
+              </a:pattFill>
+              <a:effectLst>
+                <a:innerShdw blurRad="177800">
+                  <a:schemeClr val="accent3">
+                    <a:lumMod val="50000"/>
+                  </a:schemeClr>
+                </a:innerShdw>
+              </a:effectLst>
+            </a:endParaRPr>
+          </a:p>
+        </p:txBody>
+      </p:sp>
+      <p:sp>
+        <p:nvSpPr>
+          <p:cNvPr id="19" name="Rectangle 18"/>
+          <p:cNvSpPr/>
+          <p:nvPr/>
+        </p:nvSpPr>
+        <p:spPr>
+          <a:xfrm>
+            <a:off x="3923341" y="1191187"/>
+            <a:ext cx="1129413" cy="500137"/>
+          </a:xfrm>
+          <a:prstGeom prst="rect">
+            <a:avLst/>
+          </a:prstGeom>
+          <a:noFill/>
+          <a:ln>
+            <a:noFill/>
+          </a:ln>
+        </p:spPr>
+        <p:txBody>
+          <a:bodyPr wrap="none" lIns="68580" tIns="34290" rIns="68580" bIns="34290">
+            <a:spAutoFit/>
+          </a:bodyPr>
+          <a:lstStyle/>
+          <a:p>
+            <a:pPr algn="ctr"/>
+            <a:r>
+              <a:rPr lang="en-US" sz="2800" b="1" dirty="0">
+                <a:ln/>
+                <a:pattFill prst="dkUpDiag">
+                  <a:fgClr>
+                    <a:schemeClr val="bg1">
+                      <a:lumMod val="50000"/>
+                    </a:schemeClr>
+                  </a:fgClr>
+                  <a:bgClr>
+                    <a:schemeClr val="tx1">
+                      <a:lumMod val="75000"/>
+                      <a:lumOff val="25000"/>
+                    </a:schemeClr>
+                  </a:bgClr>
+                </a:pattFill>
+                <a:effectLst>
+                  <a:outerShdw blurRad="38100" dist="19050" dir="2700000" algn="tl" rotWithShape="0">
+                    <a:schemeClr val="dk1">
+                      <a:lumMod val="50000"/>
+                      <a:alpha val="40000"/>
+                    </a:schemeClr>
+                  </a:outerShdw>
+                </a:effectLst>
+              </a:rPr>
+              <a:t>Broker</a:t>
+            </a:r>
+            <a:endParaRPr lang="en-US" sz="2800" b="1" dirty="0">
+              <a:ln w="10160">
+                <a:solidFill>
+                  <a:schemeClr val="accent2"/>
+                </a:solidFill>
+                <a:prstDash val="solid"/>
+              </a:ln>
+              <a:solidFill>
+                <a:srgbClr val="FFFFFF"/>
+              </a:solidFill>
+              <a:effectLst>
+                <a:outerShdw blurRad="38100" dist="22860" dir="5400000" algn="tl" rotWithShape="0">
+                  <a:srgbClr val="000000">
+                    <a:alpha val="30000"/>
+                  </a:srgbClr>
+                </a:outerShdw>
+              </a:effectLst>
+            </a:endParaRPr>
+          </a:p>
+        </p:txBody>
+      </p:sp>
+      <p:sp>
+        <p:nvSpPr>
+          <p:cNvPr id="2" name="Rectangle 1"/>
+          <p:cNvSpPr/>
+          <p:nvPr/>
+        </p:nvSpPr>
+        <p:spPr>
+          <a:xfrm>
+            <a:off x="-40113" y="11177"/>
+            <a:ext cx="4119462" cy="707886"/>
+          </a:xfrm>
+          <a:prstGeom prst="rect">
+            <a:avLst/>
+          </a:prstGeom>
+          <a:noFill/>
+        </p:spPr>
+        <p:txBody>
+          <a:bodyPr wrap="none" lIns="91440" tIns="45720" rIns="91440" bIns="45720">
+            <a:spAutoFit/>
+          </a:bodyPr>
+          <a:lstStyle/>
+          <a:p>
+            <a:pPr algn="ctr"/>
+            <a:r>
+              <a:rPr lang="en-US" sz="4000" b="1" dirty="0">
+                <a:ln/>
+                <a:pattFill prst="dkUpDiag">
+                  <a:fgClr>
+                    <a:schemeClr val="bg1">
+                      <a:lumMod val="50000"/>
+                    </a:schemeClr>
+                  </a:fgClr>
+                  <a:bgClr>
+                    <a:schemeClr val="tx1">
+                      <a:lumMod val="75000"/>
+                      <a:lumOff val="25000"/>
+                    </a:schemeClr>
+                  </a:bgClr>
+                </a:pattFill>
+                <a:effectLst>
+                  <a:outerShdw blurRad="38100" dist="19050" dir="2700000" algn="tl" rotWithShape="0">
+                    <a:schemeClr val="dk1">
+                      <a:lumMod val="50000"/>
+                      <a:alpha val="40000"/>
+                    </a:schemeClr>
+                  </a:outerShdw>
+                </a:effectLst>
+              </a:rPr>
+              <a:t>Filtering Messages</a:t>
+            </a:r>
+            <a:endParaRPr lang="en-US" sz="4000" b="1" dirty="0">
+              <a:ln/>
+              <a:pattFill prst="dkUpDiag">
+                <a:fgClr>
+                  <a:schemeClr val="bg1">
+                    <a:lumMod val="50000"/>
+                  </a:schemeClr>
+                </a:fgClr>
+                <a:bgClr>
+                  <a:schemeClr val="tx1">
+                    <a:lumMod val="75000"/>
+                    <a:lumOff val="25000"/>
+                  </a:schemeClr>
+                </a:bgClr>
+              </a:pattFill>
+              <a:effectLst>
+                <a:outerShdw blurRad="38100" dist="19050" dir="2700000" algn="tl" rotWithShape="0">
+                  <a:schemeClr val="dk1">
+                    <a:lumMod val="50000"/>
+                    <a:alpha val="40000"/>
+                  </a:schemeClr>
+                </a:outerShdw>
+              </a:effectLst>
+            </a:endParaRPr>
+          </a:p>
+        </p:txBody>
+      </p:sp>
+      <p:sp>
+        <p:nvSpPr>
+          <p:cNvPr id="5" name="Rounded Rectangle 4"/>
+          <p:cNvSpPr/>
+          <p:nvPr/>
+        </p:nvSpPr>
+        <p:spPr>
+          <a:xfrm>
+            <a:off x="7189891" y="9936"/>
+            <a:ext cx="1971628" cy="960728"/>
+          </a:xfrm>
+          <a:prstGeom prst="roundRect">
+            <a:avLst/>
+          </a:prstGeom>
+        </p:spPr>
+        <p:style>
+          <a:lnRef idx="0">
+            <a:schemeClr val="accent2"/>
+          </a:lnRef>
+          <a:fillRef idx="3">
+            <a:schemeClr val="accent2"/>
+          </a:fillRef>
+          <a:effectRef idx="3">
+            <a:schemeClr val="accent2"/>
+          </a:effectRef>
+          <a:fontRef idx="minor">
+            <a:schemeClr val="lt1"/>
+          </a:fontRef>
+        </p:style>
+        <p:txBody>
+          <a:bodyPr rtlCol="0" anchor="ctr"/>
+          <a:lstStyle/>
+          <a:p>
+            <a:pPr algn="ctr"/>
+            <a:endParaRPr lang="en-US" sz="1013" dirty="0"/>
+          </a:p>
+        </p:txBody>
+      </p:sp>
+      <p:sp>
+        <p:nvSpPr>
+          <p:cNvPr id="18" name="Rectangle 17"/>
+          <p:cNvSpPr/>
+          <p:nvPr/>
+        </p:nvSpPr>
+        <p:spPr>
+          <a:xfrm>
+            <a:off x="7675130" y="301588"/>
+            <a:ext cx="1408079" cy="377026"/>
+          </a:xfrm>
+          <a:prstGeom prst="rect">
+            <a:avLst/>
+          </a:prstGeom>
+          <a:noFill/>
+          <a:ln>
+            <a:noFill/>
+          </a:ln>
+          <a:effectLst>
+            <a:outerShdw blurRad="50800" dist="38100" dir="8100000" algn="tr" rotWithShape="0">
+              <a:prstClr val="black">
+                <a:alpha val="40000"/>
+              </a:prstClr>
+            </a:outerShdw>
+          </a:effectLst>
+        </p:spPr>
+        <p:txBody>
+          <a:bodyPr wrap="none" lIns="68580" tIns="34290" rIns="68580" bIns="34290">
+            <a:spAutoFit/>
+          </a:bodyPr>
+          <a:lstStyle/>
+          <a:p>
+            <a:pPr algn="ctr"/>
+            <a:r>
+              <a:rPr lang="en-US" sz="2000" b="1" dirty="0">
+                <a:ln w="12700">
+                  <a:solidFill>
+                    <a:schemeClr val="accent3">
+                      <a:lumMod val="50000"/>
+                    </a:schemeClr>
+                  </a:solidFill>
+                  <a:prstDash val="solid"/>
+                </a:ln>
+                <a:pattFill prst="narHorz">
+                  <a:fgClr>
+                    <a:schemeClr val="accent3"/>
+                  </a:fgClr>
+                  <a:bgClr>
+                    <a:schemeClr val="accent3">
+                      <a:lumMod val="40000"/>
+                      <a:lumOff val="60000"/>
+                    </a:schemeClr>
+                  </a:bgClr>
+                </a:pattFill>
+                <a:effectLst>
+                  <a:innerShdw blurRad="177800">
+                    <a:schemeClr val="accent3">
+                      <a:lumMod val="50000"/>
+                    </a:schemeClr>
+                  </a:innerShdw>
+                </a:effectLst>
+              </a:rPr>
+              <a:t>Consumer</a:t>
+            </a:r>
+            <a:r>
+              <a:rPr lang="en-US" sz="2000" b="1" dirty="0">
+                <a:ln w="12700" cmpd="sng">
+                  <a:solidFill>
+                    <a:schemeClr val="accent4"/>
+                  </a:solidFill>
+                  <a:prstDash val="solid"/>
+                </a:ln>
+                <a:gradFill>
+                  <a:gsLst>
+                    <a:gs pos="0">
+                      <a:schemeClr val="accent4"/>
+                    </a:gs>
+                    <a:gs pos="4000">
+                      <a:schemeClr val="accent4">
+                        <a:lumMod val="60000"/>
+                        <a:lumOff val="40000"/>
+                      </a:schemeClr>
+                    </a:gs>
+                    <a:gs pos="87000">
+                      <a:schemeClr val="accent4">
+                        <a:lumMod val="20000"/>
+                        <a:lumOff val="80000"/>
+                      </a:schemeClr>
+                    </a:gs>
+                  </a:gsLst>
+                  <a:lin ang="5400000"/>
+                </a:gradFill>
+              </a:rPr>
+              <a:t> </a:t>
+            </a:r>
+            <a:r>
+              <a:rPr lang="en-US" sz="2000" b="1" dirty="0">
+                <a:ln w="12700">
+                  <a:solidFill>
+                    <a:schemeClr val="accent3">
+                      <a:lumMod val="50000"/>
+                    </a:schemeClr>
+                  </a:solidFill>
+                  <a:prstDash val="solid"/>
+                </a:ln>
+                <a:pattFill prst="narHorz">
+                  <a:fgClr>
+                    <a:schemeClr val="accent3"/>
+                  </a:fgClr>
+                  <a:bgClr>
+                    <a:schemeClr val="accent3">
+                      <a:lumMod val="40000"/>
+                      <a:lumOff val="60000"/>
+                    </a:schemeClr>
+                  </a:bgClr>
+                </a:pattFill>
+                <a:effectLst>
+                  <a:innerShdw blurRad="177800">
+                    <a:schemeClr val="accent3">
+                      <a:lumMod val="50000"/>
+                    </a:schemeClr>
+                  </a:innerShdw>
+                </a:effectLst>
+              </a:rPr>
+              <a:t>1</a:t>
+            </a:r>
+          </a:p>
+        </p:txBody>
+      </p:sp>
+      <p:sp>
+        <p:nvSpPr>
+          <p:cNvPr id="3" name="Round Same Side Corner Rectangle 2"/>
+          <p:cNvSpPr/>
+          <p:nvPr/>
+        </p:nvSpPr>
+        <p:spPr>
+          <a:xfrm rot="16200000">
+            <a:off x="6921269" y="286810"/>
+            <a:ext cx="960031" cy="422785"/>
+          </a:xfrm>
+          <a:prstGeom prst="round2SameRect">
+            <a:avLst>
+              <a:gd name="adj1" fmla="val 39585"/>
+              <a:gd name="adj2" fmla="val 0"/>
+            </a:avLst>
+          </a:prstGeom>
+        </p:spPr>
+        <p:style>
+          <a:lnRef idx="2">
+            <a:schemeClr val="accent1">
+              <a:shade val="50000"/>
+            </a:schemeClr>
+          </a:lnRef>
+          <a:fillRef idx="1">
+            <a:schemeClr val="accent1"/>
+          </a:fillRef>
+          <a:effectRef idx="0">
+            <a:schemeClr val="accent1"/>
+          </a:effectRef>
+          <a:fontRef idx="minor">
+            <a:schemeClr val="lt1"/>
+          </a:fontRef>
+        </p:style>
+        <p:txBody>
+          <a:bodyPr rtlCol="0" anchor="ctr"/>
+          <a:lstStyle/>
+          <a:p>
+            <a:pPr algn="ctr"/>
+            <a:r>
+              <a:rPr lang="en-US" b="1" dirty="0" smtClean="0">
+                <a:ln/>
+                <a:blipFill>
+                  <a:blip r:embed="rId2"/>
+                  <a:tile tx="0" ty="0" sx="100000" sy="100000" flip="none" algn="tl"/>
+                </a:blipFill>
+                <a:effectLst>
+                  <a:outerShdw blurRad="38100" dist="19050" dir="2700000" algn="tl" rotWithShape="0">
+                    <a:schemeClr val="dk1">
+                      <a:lumMod val="50000"/>
+                      <a:alpha val="40000"/>
+                    </a:schemeClr>
+                  </a:outerShdw>
+                </a:effectLst>
+              </a:rPr>
+              <a:t>JAPAN</a:t>
+            </a:r>
+            <a:endParaRPr lang="en-US" b="1" dirty="0">
+              <a:ln/>
+              <a:blipFill>
+                <a:blip r:embed="rId2"/>
+                <a:tile tx="0" ty="0" sx="100000" sy="100000" flip="none" algn="tl"/>
+              </a:blipFill>
+              <a:effectLst>
+                <a:outerShdw blurRad="38100" dist="19050" dir="2700000" algn="tl" rotWithShape="0">
+                  <a:schemeClr val="dk1">
+                    <a:lumMod val="50000"/>
+                    <a:alpha val="40000"/>
+                  </a:schemeClr>
+                </a:outerShdw>
+              </a:effectLst>
+            </a:endParaRPr>
+          </a:p>
+        </p:txBody>
+      </p:sp>
+      <p:sp>
+        <p:nvSpPr>
+          <p:cNvPr id="11" name="Rounded Rectangle 10"/>
+          <p:cNvSpPr/>
+          <p:nvPr/>
+        </p:nvSpPr>
+        <p:spPr>
+          <a:xfrm>
+            <a:off x="7193619" y="1673474"/>
+            <a:ext cx="1971628" cy="960728"/>
+          </a:xfrm>
+          <a:prstGeom prst="roundRect">
+            <a:avLst/>
+          </a:prstGeom>
+        </p:spPr>
+        <p:style>
+          <a:lnRef idx="0">
+            <a:schemeClr val="accent2"/>
+          </a:lnRef>
+          <a:fillRef idx="3">
+            <a:schemeClr val="accent2"/>
+          </a:fillRef>
+          <a:effectRef idx="3">
+            <a:schemeClr val="accent2"/>
+          </a:effectRef>
+          <a:fontRef idx="minor">
+            <a:schemeClr val="lt1"/>
+          </a:fontRef>
+        </p:style>
+        <p:txBody>
+          <a:bodyPr rtlCol="0" anchor="ctr"/>
+          <a:lstStyle/>
+          <a:p>
+            <a:pPr algn="ctr"/>
+            <a:endParaRPr lang="en-US" sz="1013" dirty="0"/>
+          </a:p>
+        </p:txBody>
+      </p:sp>
+      <p:sp>
+        <p:nvSpPr>
+          <p:cNvPr id="16" name="Rectangle 15"/>
+          <p:cNvSpPr/>
+          <p:nvPr/>
+        </p:nvSpPr>
+        <p:spPr>
+          <a:xfrm>
+            <a:off x="7678858" y="1977109"/>
+            <a:ext cx="1408079" cy="377026"/>
+          </a:xfrm>
+          <a:prstGeom prst="rect">
+            <a:avLst/>
+          </a:prstGeom>
+          <a:noFill/>
+          <a:ln>
+            <a:noFill/>
+          </a:ln>
+          <a:effectLst>
+            <a:outerShdw blurRad="50800" dist="38100" dir="8100000" algn="tr" rotWithShape="0">
+              <a:prstClr val="black">
+                <a:alpha val="40000"/>
+              </a:prstClr>
+            </a:outerShdw>
+          </a:effectLst>
+        </p:spPr>
+        <p:txBody>
+          <a:bodyPr wrap="none" lIns="68580" tIns="34290" rIns="68580" bIns="34290">
+            <a:spAutoFit/>
+          </a:bodyPr>
+          <a:lstStyle/>
+          <a:p>
+            <a:pPr algn="ctr"/>
+            <a:r>
+              <a:rPr lang="en-US" sz="2000" b="1" dirty="0">
+                <a:ln w="12700">
+                  <a:solidFill>
+                    <a:schemeClr val="accent3">
+                      <a:lumMod val="50000"/>
+                    </a:schemeClr>
+                  </a:solidFill>
+                  <a:prstDash val="solid"/>
+                </a:ln>
+                <a:pattFill prst="narHorz">
+                  <a:fgClr>
+                    <a:schemeClr val="accent3"/>
+                  </a:fgClr>
+                  <a:bgClr>
+                    <a:schemeClr val="accent3">
+                      <a:lumMod val="40000"/>
+                      <a:lumOff val="60000"/>
+                    </a:schemeClr>
+                  </a:bgClr>
+                </a:pattFill>
+                <a:effectLst>
+                  <a:innerShdw blurRad="177800">
+                    <a:schemeClr val="accent3">
+                      <a:lumMod val="50000"/>
+                    </a:schemeClr>
+                  </a:innerShdw>
+                </a:effectLst>
+              </a:rPr>
+              <a:t>Consumer</a:t>
+            </a:r>
+            <a:r>
+              <a:rPr lang="en-US" sz="2000" b="1" dirty="0">
+                <a:ln w="12700" cmpd="sng">
+                  <a:solidFill>
+                    <a:schemeClr val="accent4"/>
+                  </a:solidFill>
+                  <a:prstDash val="solid"/>
+                </a:ln>
+                <a:gradFill>
+                  <a:gsLst>
+                    <a:gs pos="0">
+                      <a:schemeClr val="accent4"/>
+                    </a:gs>
+                    <a:gs pos="4000">
+                      <a:schemeClr val="accent4">
+                        <a:lumMod val="60000"/>
+                        <a:lumOff val="40000"/>
+                      </a:schemeClr>
+                    </a:gs>
+                    <a:gs pos="87000">
+                      <a:schemeClr val="accent4">
+                        <a:lumMod val="20000"/>
+                        <a:lumOff val="80000"/>
+                      </a:schemeClr>
+                    </a:gs>
+                  </a:gsLst>
+                  <a:lin ang="5400000"/>
+                </a:gradFill>
+              </a:rPr>
+              <a:t> </a:t>
+            </a:r>
+            <a:r>
+              <a:rPr lang="en-US" sz="2000" b="1" dirty="0">
+                <a:ln w="12700">
+                  <a:solidFill>
+                    <a:schemeClr val="accent3">
+                      <a:lumMod val="50000"/>
+                    </a:schemeClr>
+                  </a:solidFill>
+                  <a:prstDash val="solid"/>
+                </a:ln>
+                <a:pattFill prst="narHorz">
+                  <a:fgClr>
+                    <a:schemeClr val="accent3"/>
+                  </a:fgClr>
+                  <a:bgClr>
+                    <a:schemeClr val="accent3">
+                      <a:lumMod val="40000"/>
+                      <a:lumOff val="60000"/>
+                    </a:schemeClr>
+                  </a:bgClr>
+                </a:pattFill>
+                <a:effectLst>
+                  <a:innerShdw blurRad="177800">
+                    <a:schemeClr val="accent3">
+                      <a:lumMod val="50000"/>
+                    </a:schemeClr>
+                  </a:innerShdw>
+                </a:effectLst>
+              </a:rPr>
+              <a:t>2</a:t>
+            </a:r>
+          </a:p>
+        </p:txBody>
+      </p:sp>
+      <p:sp>
+        <p:nvSpPr>
+          <p:cNvPr id="20" name="Round Same Side Corner Rectangle 19"/>
+          <p:cNvSpPr/>
+          <p:nvPr/>
+        </p:nvSpPr>
+        <p:spPr>
+          <a:xfrm rot="16200000">
+            <a:off x="6917540" y="1948682"/>
+            <a:ext cx="960031" cy="422785"/>
+          </a:xfrm>
+          <a:prstGeom prst="round2SameRect">
+            <a:avLst>
+              <a:gd name="adj1" fmla="val 39585"/>
+              <a:gd name="adj2" fmla="val 0"/>
+            </a:avLst>
+          </a:prstGeom>
+        </p:spPr>
+        <p:style>
+          <a:lnRef idx="2">
+            <a:schemeClr val="accent1">
+              <a:shade val="50000"/>
+            </a:schemeClr>
+          </a:lnRef>
+          <a:fillRef idx="1">
+            <a:schemeClr val="accent1"/>
+          </a:fillRef>
+          <a:effectRef idx="0">
+            <a:schemeClr val="accent1"/>
+          </a:effectRef>
+          <a:fontRef idx="minor">
+            <a:schemeClr val="lt1"/>
+          </a:fontRef>
+        </p:style>
+        <p:txBody>
+          <a:bodyPr rtlCol="0" anchor="ctr"/>
+          <a:lstStyle/>
+          <a:p>
+            <a:pPr algn="ctr"/>
+            <a:r>
+              <a:rPr lang="en-US" b="1" dirty="0" smtClean="0">
+                <a:ln/>
+                <a:blipFill>
+                  <a:blip r:embed="rId2"/>
+                  <a:tile tx="0" ty="0" sx="100000" sy="100000" flip="none" algn="tl"/>
+                </a:blipFill>
+                <a:effectLst>
+                  <a:outerShdw blurRad="38100" dist="19050" dir="2700000" algn="tl" rotWithShape="0">
+                    <a:schemeClr val="dk1">
+                      <a:lumMod val="50000"/>
+                      <a:alpha val="40000"/>
+                    </a:schemeClr>
+                  </a:outerShdw>
+                </a:effectLst>
+              </a:rPr>
+              <a:t>USA</a:t>
+            </a:r>
+            <a:endParaRPr lang="en-US" b="1" dirty="0">
+              <a:ln/>
+              <a:blipFill>
+                <a:blip r:embed="rId2"/>
+                <a:tile tx="0" ty="0" sx="100000" sy="100000" flip="none" algn="tl"/>
+              </a:blipFill>
+              <a:effectLst>
+                <a:outerShdw blurRad="38100" dist="19050" dir="2700000" algn="tl" rotWithShape="0">
+                  <a:schemeClr val="dk1">
+                    <a:lumMod val="50000"/>
+                    <a:alpha val="40000"/>
+                  </a:schemeClr>
+                </a:outerShdw>
+              </a:effectLst>
+            </a:endParaRPr>
+          </a:p>
+        </p:txBody>
+      </p:sp>
+      <p:sp>
+        <p:nvSpPr>
+          <p:cNvPr id="12" name="Rounded Rectangle 11"/>
+          <p:cNvSpPr/>
+          <p:nvPr/>
+        </p:nvSpPr>
+        <p:spPr>
+          <a:xfrm>
+            <a:off x="7193620" y="3337709"/>
+            <a:ext cx="1971628" cy="960728"/>
+          </a:xfrm>
+          <a:prstGeom prst="roundRect">
+            <a:avLst/>
+          </a:prstGeom>
+        </p:spPr>
+        <p:style>
+          <a:lnRef idx="0">
+            <a:schemeClr val="accent2"/>
+          </a:lnRef>
+          <a:fillRef idx="3">
+            <a:schemeClr val="accent2"/>
+          </a:fillRef>
+          <a:effectRef idx="3">
+            <a:schemeClr val="accent2"/>
+          </a:effectRef>
+          <a:fontRef idx="minor">
+            <a:schemeClr val="lt1"/>
+          </a:fontRef>
+        </p:style>
+        <p:txBody>
+          <a:bodyPr rtlCol="0" anchor="ctr"/>
+          <a:lstStyle/>
+          <a:p>
+            <a:pPr algn="ctr"/>
+            <a:endParaRPr lang="en-US" sz="1013" dirty="0"/>
+          </a:p>
+        </p:txBody>
+      </p:sp>
+      <p:sp>
+        <p:nvSpPr>
+          <p:cNvPr id="17" name="Rectangle 16"/>
+          <p:cNvSpPr/>
+          <p:nvPr/>
+        </p:nvSpPr>
+        <p:spPr>
+          <a:xfrm>
+            <a:off x="7678859" y="3629361"/>
+            <a:ext cx="1408079" cy="377026"/>
+          </a:xfrm>
+          <a:prstGeom prst="rect">
+            <a:avLst/>
+          </a:prstGeom>
+          <a:noFill/>
+          <a:ln>
+            <a:noFill/>
+          </a:ln>
+          <a:effectLst>
+            <a:outerShdw blurRad="50800" dist="38100" dir="8100000" algn="tr" rotWithShape="0">
+              <a:prstClr val="black">
+                <a:alpha val="40000"/>
+              </a:prstClr>
+            </a:outerShdw>
+          </a:effectLst>
+        </p:spPr>
+        <p:txBody>
+          <a:bodyPr wrap="none" lIns="68580" tIns="34290" rIns="68580" bIns="34290">
+            <a:spAutoFit/>
+          </a:bodyPr>
+          <a:lstStyle/>
+          <a:p>
+            <a:pPr algn="ctr"/>
+            <a:r>
+              <a:rPr lang="en-US" sz="2000" b="1" dirty="0">
+                <a:ln w="12700">
+                  <a:solidFill>
+                    <a:schemeClr val="accent3">
+                      <a:lumMod val="50000"/>
+                    </a:schemeClr>
+                  </a:solidFill>
+                  <a:prstDash val="solid"/>
+                </a:ln>
+                <a:pattFill prst="narHorz">
+                  <a:fgClr>
+                    <a:schemeClr val="accent3"/>
+                  </a:fgClr>
+                  <a:bgClr>
+                    <a:schemeClr val="accent3">
+                      <a:lumMod val="40000"/>
+                      <a:lumOff val="60000"/>
+                    </a:schemeClr>
+                  </a:bgClr>
+                </a:pattFill>
+                <a:effectLst>
+                  <a:innerShdw blurRad="177800">
+                    <a:schemeClr val="accent3">
+                      <a:lumMod val="50000"/>
+                    </a:schemeClr>
+                  </a:innerShdw>
+                </a:effectLst>
+              </a:rPr>
+              <a:t>Consumer</a:t>
+            </a:r>
+            <a:r>
+              <a:rPr lang="en-US" sz="2000" b="1" dirty="0">
+                <a:ln w="12700" cmpd="sng">
+                  <a:solidFill>
+                    <a:schemeClr val="accent4"/>
+                  </a:solidFill>
+                  <a:prstDash val="solid"/>
+                </a:ln>
+                <a:gradFill>
+                  <a:gsLst>
+                    <a:gs pos="0">
+                      <a:schemeClr val="accent4"/>
+                    </a:gs>
+                    <a:gs pos="4000">
+                      <a:schemeClr val="accent4">
+                        <a:lumMod val="60000"/>
+                        <a:lumOff val="40000"/>
+                      </a:schemeClr>
+                    </a:gs>
+                    <a:gs pos="87000">
+                      <a:schemeClr val="accent4">
+                        <a:lumMod val="20000"/>
+                        <a:lumOff val="80000"/>
+                      </a:schemeClr>
+                    </a:gs>
+                  </a:gsLst>
+                  <a:lin ang="5400000"/>
+                </a:gradFill>
+              </a:rPr>
+              <a:t> </a:t>
+            </a:r>
+            <a:r>
+              <a:rPr lang="en-US" sz="2000" b="1" dirty="0">
+                <a:ln w="12700">
+                  <a:solidFill>
+                    <a:schemeClr val="accent3">
+                      <a:lumMod val="50000"/>
+                    </a:schemeClr>
+                  </a:solidFill>
+                  <a:prstDash val="solid"/>
+                </a:ln>
+                <a:pattFill prst="narHorz">
+                  <a:fgClr>
+                    <a:schemeClr val="accent3"/>
+                  </a:fgClr>
+                  <a:bgClr>
+                    <a:schemeClr val="accent3">
+                      <a:lumMod val="40000"/>
+                      <a:lumOff val="60000"/>
+                    </a:schemeClr>
+                  </a:bgClr>
+                </a:pattFill>
+                <a:effectLst>
+                  <a:innerShdw blurRad="177800">
+                    <a:schemeClr val="accent3">
+                      <a:lumMod val="50000"/>
+                    </a:schemeClr>
+                  </a:innerShdw>
+                </a:effectLst>
+              </a:rPr>
+              <a:t>3</a:t>
+            </a:r>
+          </a:p>
+        </p:txBody>
+      </p:sp>
+      <p:sp>
+        <p:nvSpPr>
+          <p:cNvPr id="21" name="Round Same Side Corner Rectangle 20"/>
+          <p:cNvSpPr/>
+          <p:nvPr/>
+        </p:nvSpPr>
+        <p:spPr>
+          <a:xfrm rot="16200000">
+            <a:off x="6917540" y="3619777"/>
+            <a:ext cx="960031" cy="422785"/>
+          </a:xfrm>
+          <a:prstGeom prst="round2SameRect">
+            <a:avLst>
+              <a:gd name="adj1" fmla="val 39585"/>
+              <a:gd name="adj2" fmla="val 0"/>
+            </a:avLst>
+          </a:prstGeom>
+        </p:spPr>
+        <p:style>
+          <a:lnRef idx="2">
+            <a:schemeClr val="accent1">
+              <a:shade val="50000"/>
+            </a:schemeClr>
+          </a:lnRef>
+          <a:fillRef idx="1">
+            <a:schemeClr val="accent1"/>
+          </a:fillRef>
+          <a:effectRef idx="0">
+            <a:schemeClr val="accent1"/>
+          </a:effectRef>
+          <a:fontRef idx="minor">
+            <a:schemeClr val="lt1"/>
+          </a:fontRef>
+        </p:style>
+        <p:txBody>
+          <a:bodyPr rtlCol="0" anchor="ctr"/>
+          <a:lstStyle/>
+          <a:p>
+            <a:pPr algn="ctr"/>
+            <a:r>
+              <a:rPr lang="en-US" b="1" dirty="0" smtClean="0">
+                <a:ln/>
+                <a:blipFill>
+                  <a:blip r:embed="rId2"/>
+                  <a:tile tx="0" ty="0" sx="100000" sy="100000" flip="none" algn="tl"/>
+                </a:blipFill>
+                <a:effectLst>
+                  <a:outerShdw blurRad="38100" dist="19050" dir="2700000" algn="tl" rotWithShape="0">
+                    <a:schemeClr val="dk1">
+                      <a:lumMod val="50000"/>
+                      <a:alpha val="40000"/>
+                    </a:schemeClr>
+                  </a:outerShdw>
+                </a:effectLst>
+              </a:rPr>
+              <a:t>INDIA</a:t>
+            </a:r>
+            <a:endParaRPr lang="en-US" b="1" dirty="0">
+              <a:ln/>
+              <a:blipFill>
+                <a:blip r:embed="rId2"/>
+                <a:tile tx="0" ty="0" sx="100000" sy="100000" flip="none" algn="tl"/>
+              </a:blipFill>
+              <a:effectLst>
+                <a:outerShdw blurRad="38100" dist="19050" dir="2700000" algn="tl" rotWithShape="0">
+                  <a:schemeClr val="dk1">
+                    <a:lumMod val="50000"/>
+                    <a:alpha val="40000"/>
+                  </a:schemeClr>
+                </a:outerShdw>
+              </a:effectLst>
+            </a:endParaRPr>
+          </a:p>
+        </p:txBody>
+      </p:sp>
+      <p:cxnSp>
+        <p:nvCxnSpPr>
+          <p:cNvPr id="6" name="Straight Arrow Connector 5"/>
+          <p:cNvCxnSpPr>
+            <a:stCxn id="21" idx="3"/>
+            <a:endCxn id="9" idx="1"/>
+          </p:cNvCxnSpPr>
+          <p:nvPr/>
+        </p:nvCxnSpPr>
+        <p:spPr>
+          <a:xfrm flipH="1" flipV="1">
+            <a:off x="5628191" y="2164997"/>
+            <a:ext cx="1557972" cy="1651058"/>
+          </a:xfrm>
+          <a:prstGeom prst="straightConnector1">
+            <a:avLst/>
+          </a:prstGeom>
+          <a:ln w="19050">
+            <a:prstDash val="dash"/>
+            <a:tailEnd type="triangle" w="lg" len="lg"/>
+          </a:ln>
+        </p:spPr>
+        <p:style>
+          <a:lnRef idx="3">
+            <a:schemeClr val="accent2"/>
+          </a:lnRef>
+          <a:fillRef idx="0">
+            <a:schemeClr val="accent2"/>
+          </a:fillRef>
+          <a:effectRef idx="2">
+            <a:schemeClr val="accent2"/>
+          </a:effectRef>
+          <a:fontRef idx="minor">
+            <a:schemeClr val="tx1"/>
+          </a:fontRef>
+        </p:style>
+      </p:cxnSp>
+      <p:cxnSp>
+        <p:nvCxnSpPr>
+          <p:cNvPr id="22" name="Straight Arrow Connector 21"/>
+          <p:cNvCxnSpPr>
+            <a:stCxn id="20" idx="3"/>
+            <a:endCxn id="9" idx="1"/>
+          </p:cNvCxnSpPr>
+          <p:nvPr/>
+        </p:nvCxnSpPr>
+        <p:spPr>
+          <a:xfrm flipH="1">
+            <a:off x="5628191" y="2152517"/>
+            <a:ext cx="1557972" cy="12480"/>
+          </a:xfrm>
+          <a:prstGeom prst="straightConnector1">
+            <a:avLst/>
+          </a:prstGeom>
+          <a:ln w="19050">
+            <a:prstDash val="dash"/>
+            <a:tailEnd type="triangle" w="lg" len="lg"/>
+          </a:ln>
+        </p:spPr>
+        <p:style>
+          <a:lnRef idx="3">
+            <a:schemeClr val="accent2"/>
+          </a:lnRef>
+          <a:fillRef idx="0">
+            <a:schemeClr val="accent2"/>
+          </a:fillRef>
+          <a:effectRef idx="2">
+            <a:schemeClr val="accent2"/>
+          </a:effectRef>
+          <a:fontRef idx="minor">
+            <a:schemeClr val="tx1"/>
+          </a:fontRef>
+        </p:style>
+      </p:cxnSp>
+      <p:cxnSp>
+        <p:nvCxnSpPr>
+          <p:cNvPr id="23" name="Straight Arrow Connector 22"/>
+          <p:cNvCxnSpPr>
+            <a:stCxn id="3" idx="3"/>
+            <a:endCxn id="9" idx="1"/>
+          </p:cNvCxnSpPr>
+          <p:nvPr/>
+        </p:nvCxnSpPr>
+        <p:spPr>
+          <a:xfrm flipH="1">
+            <a:off x="5628191" y="490645"/>
+            <a:ext cx="1561701" cy="1674352"/>
+          </a:xfrm>
+          <a:prstGeom prst="straightConnector1">
+            <a:avLst/>
+          </a:prstGeom>
+          <a:ln w="19050">
+            <a:prstDash val="dash"/>
+            <a:tailEnd type="triangle" w="lg" len="lg"/>
+          </a:ln>
+        </p:spPr>
+        <p:style>
+          <a:lnRef idx="3">
+            <a:schemeClr val="accent2"/>
+          </a:lnRef>
+          <a:fillRef idx="0">
+            <a:schemeClr val="accent2"/>
+          </a:fillRef>
+          <a:effectRef idx="2">
+            <a:schemeClr val="accent2"/>
+          </a:effectRef>
+          <a:fontRef idx="minor">
+            <a:schemeClr val="tx1"/>
+          </a:fontRef>
+        </p:style>
+      </p:cxnSp>
+      <p:sp>
+        <p:nvSpPr>
+          <p:cNvPr id="55" name="Can 54"/>
+          <p:cNvSpPr/>
+          <p:nvPr/>
+        </p:nvSpPr>
+        <p:spPr>
+          <a:xfrm rot="5400000">
+            <a:off x="4218156" y="2257272"/>
+            <a:ext cx="539784" cy="2280285"/>
+          </a:xfrm>
+          <a:prstGeom prst="can">
+            <a:avLst/>
+          </a:prstGeom>
+          <a:effectLst>
+            <a:outerShdw blurRad="50800" dist="38100" dir="8100000" algn="tr" rotWithShape="0">
+              <a:prstClr val="black">
+                <a:alpha val="40000"/>
+              </a:prstClr>
+            </a:outerShdw>
+          </a:effectLst>
+        </p:spPr>
+        <p:style>
+          <a:lnRef idx="2">
+            <a:schemeClr val="accent1">
+              <a:shade val="50000"/>
+            </a:schemeClr>
+          </a:lnRef>
+          <a:fillRef idx="1">
+            <a:schemeClr val="accent1"/>
+          </a:fillRef>
+          <a:effectRef idx="0">
+            <a:schemeClr val="accent1"/>
+          </a:effectRef>
+          <a:fontRef idx="minor">
+            <a:schemeClr val="lt1"/>
+          </a:fontRef>
+        </p:style>
+        <p:txBody>
+          <a:bodyPr rtlCol="0" anchor="ctr"/>
+          <a:lstStyle/>
+          <a:p>
+            <a:pPr algn="ctr"/>
+            <a:endParaRPr lang="en-US" sz="1013"/>
+          </a:p>
+        </p:txBody>
+      </p:sp>
+      <p:sp>
+        <p:nvSpPr>
+          <p:cNvPr id="56" name="Rectangle 55"/>
+          <p:cNvSpPr/>
+          <p:nvPr/>
+        </p:nvSpPr>
+        <p:spPr>
+          <a:xfrm>
+            <a:off x="3811599" y="3045524"/>
+            <a:ext cx="1363578" cy="692497"/>
+          </a:xfrm>
+          <a:prstGeom prst="rect">
+            <a:avLst/>
+          </a:prstGeom>
+          <a:noFill/>
+        </p:spPr>
+        <p:txBody>
+          <a:bodyPr wrap="none" lIns="68580" tIns="34290" rIns="68580" bIns="34290">
+            <a:spAutoFit/>
+          </a:bodyPr>
+          <a:lstStyle/>
+          <a:p>
+            <a:pPr algn="ctr"/>
+            <a:r>
+              <a:rPr lang="en-US" sz="4050" b="1" dirty="0" smtClean="0">
+                <a:ln w="12700">
+                  <a:solidFill>
+                    <a:schemeClr val="accent3">
+                      <a:lumMod val="50000"/>
+                    </a:schemeClr>
+                  </a:solidFill>
+                  <a:prstDash val="solid"/>
+                </a:ln>
+                <a:pattFill prst="narHorz">
+                  <a:fgClr>
+                    <a:schemeClr val="accent3"/>
+                  </a:fgClr>
+                  <a:bgClr>
+                    <a:schemeClr val="accent3">
+                      <a:lumMod val="40000"/>
+                      <a:lumOff val="60000"/>
+                    </a:schemeClr>
+                  </a:bgClr>
+                </a:pattFill>
+                <a:effectLst>
+                  <a:innerShdw blurRad="177800">
+                    <a:schemeClr val="accent3">
+                      <a:lumMod val="50000"/>
+                    </a:schemeClr>
+                  </a:innerShdw>
+                </a:effectLst>
+              </a:rPr>
+              <a:t>Res Q</a:t>
+            </a:r>
+            <a:endParaRPr lang="en-US" sz="4050" b="1" dirty="0">
+              <a:ln w="10160">
+                <a:solidFill>
+                  <a:schemeClr val="accent5"/>
+                </a:solidFill>
+                <a:prstDash val="solid"/>
+              </a:ln>
+              <a:solidFill>
+                <a:srgbClr val="FFFFFF"/>
+              </a:solidFill>
+              <a:effectLst>
+                <a:outerShdw blurRad="38100" dist="22860" dir="5400000" algn="tl" rotWithShape="0">
+                  <a:srgbClr val="000000">
+                    <a:alpha val="30000"/>
+                  </a:srgbClr>
+                </a:outerShdw>
+              </a:effectLst>
+            </a:endParaRPr>
+          </a:p>
+        </p:txBody>
+      </p:sp>
+      <p:sp>
+        <p:nvSpPr>
+          <p:cNvPr id="27" name="Rounded Rectangle 26"/>
+          <p:cNvSpPr/>
+          <p:nvPr/>
+        </p:nvSpPr>
+        <p:spPr>
+          <a:xfrm>
+            <a:off x="103683" y="2928397"/>
+            <a:ext cx="1971628" cy="960728"/>
+          </a:xfrm>
+          <a:prstGeom prst="roundRect">
+            <a:avLst/>
+          </a:prstGeom>
+        </p:spPr>
+        <p:style>
+          <a:lnRef idx="0">
+            <a:schemeClr val="accent2"/>
+          </a:lnRef>
+          <a:fillRef idx="3">
+            <a:schemeClr val="accent2"/>
+          </a:fillRef>
+          <a:effectRef idx="3">
+            <a:schemeClr val="accent2"/>
+          </a:effectRef>
+          <a:fontRef idx="minor">
+            <a:schemeClr val="lt1"/>
+          </a:fontRef>
+        </p:style>
+        <p:txBody>
+          <a:bodyPr rtlCol="0" anchor="ctr"/>
+          <a:lstStyle/>
+          <a:p>
+            <a:pPr algn="ctr"/>
+            <a:endParaRPr lang="en-US" sz="1013" dirty="0"/>
+          </a:p>
+        </p:txBody>
+      </p:sp>
+      <p:sp>
+        <p:nvSpPr>
+          <p:cNvPr id="28" name="Round Same Side Corner Rectangle 27"/>
+          <p:cNvSpPr/>
+          <p:nvPr/>
+        </p:nvSpPr>
+        <p:spPr>
+          <a:xfrm rot="5400000" flipH="1">
+            <a:off x="1380178" y="3210465"/>
+            <a:ext cx="960031" cy="422785"/>
+          </a:xfrm>
+          <a:prstGeom prst="round2SameRect">
+            <a:avLst>
+              <a:gd name="adj1" fmla="val 39585"/>
+              <a:gd name="adj2" fmla="val 0"/>
+            </a:avLst>
+          </a:prstGeom>
+        </p:spPr>
+        <p:style>
+          <a:lnRef idx="2">
+            <a:schemeClr val="accent1">
+              <a:shade val="50000"/>
+            </a:schemeClr>
+          </a:lnRef>
+          <a:fillRef idx="1">
+            <a:schemeClr val="accent1"/>
+          </a:fillRef>
+          <a:effectRef idx="0">
+            <a:schemeClr val="accent1"/>
+          </a:effectRef>
+          <a:fontRef idx="minor">
+            <a:schemeClr val="lt1"/>
+          </a:fontRef>
+        </p:style>
+        <p:txBody>
+          <a:bodyPr rtlCol="0" anchor="ctr"/>
+          <a:lstStyle/>
+          <a:p>
+            <a:pPr algn="ctr"/>
+            <a:r>
+              <a:rPr lang="en-US" sz="1600" b="1" dirty="0" smtClean="0">
+                <a:ln/>
+                <a:blipFill>
+                  <a:blip r:embed="rId2"/>
+                  <a:tile tx="0" ty="0" sx="100000" sy="100000" flip="none" algn="tl"/>
+                </a:blipFill>
+                <a:effectLst>
+                  <a:outerShdw blurRad="38100" dist="19050" dir="2700000" algn="tl" rotWithShape="0">
+                    <a:schemeClr val="dk1">
+                      <a:lumMod val="50000"/>
+                      <a:alpha val="40000"/>
+                    </a:schemeClr>
+                  </a:outerShdw>
+                </a:effectLst>
+              </a:rPr>
+              <a:t>MSG ID</a:t>
+            </a:r>
+            <a:endParaRPr lang="en-US" sz="1600" b="1" dirty="0">
+              <a:ln/>
+              <a:blipFill>
+                <a:blip r:embed="rId2"/>
+                <a:tile tx="0" ty="0" sx="100000" sy="100000" flip="none" algn="tl"/>
+              </a:blipFill>
+              <a:effectLst>
+                <a:outerShdw blurRad="38100" dist="19050" dir="2700000" algn="tl" rotWithShape="0">
+                  <a:schemeClr val="dk1">
+                    <a:lumMod val="50000"/>
+                    <a:alpha val="40000"/>
+                  </a:schemeClr>
+                </a:outerShdw>
+              </a:effectLst>
+            </a:endParaRPr>
+          </a:p>
+        </p:txBody>
+      </p:sp>
+      <p:sp>
+        <p:nvSpPr>
+          <p:cNvPr id="29" name="Rectangle 28"/>
+          <p:cNvSpPr/>
+          <p:nvPr/>
+        </p:nvSpPr>
+        <p:spPr>
+          <a:xfrm>
+            <a:off x="200474" y="3218230"/>
+            <a:ext cx="1419299" cy="377026"/>
+          </a:xfrm>
+          <a:prstGeom prst="rect">
+            <a:avLst/>
+          </a:prstGeom>
+          <a:noFill/>
+          <a:ln>
+            <a:noFill/>
+          </a:ln>
+          <a:effectLst>
+            <a:outerShdw blurRad="50800" dist="38100" dir="8100000" algn="tr" rotWithShape="0">
+              <a:prstClr val="black">
+                <a:alpha val="40000"/>
+              </a:prstClr>
+            </a:outerShdw>
+          </a:effectLst>
+        </p:spPr>
+        <p:txBody>
+          <a:bodyPr wrap="none" lIns="68580" tIns="34290" rIns="68580" bIns="34290">
+            <a:spAutoFit/>
+          </a:bodyPr>
+          <a:lstStyle/>
+          <a:p>
+            <a:pPr algn="ctr"/>
+            <a:r>
+              <a:rPr lang="en-US" sz="2000" b="1" dirty="0" smtClean="0">
+                <a:ln w="12700">
+                  <a:solidFill>
+                    <a:schemeClr val="accent3">
+                      <a:lumMod val="50000"/>
+                    </a:schemeClr>
+                  </a:solidFill>
+                  <a:prstDash val="solid"/>
+                </a:ln>
+                <a:pattFill prst="narHorz">
+                  <a:fgClr>
+                    <a:schemeClr val="accent3"/>
+                  </a:fgClr>
+                  <a:bgClr>
+                    <a:schemeClr val="accent3">
+                      <a:lumMod val="40000"/>
+                      <a:lumOff val="60000"/>
+                    </a:schemeClr>
+                  </a:bgClr>
+                </a:pattFill>
+                <a:effectLst>
+                  <a:innerShdw blurRad="177800">
+                    <a:schemeClr val="accent3">
+                      <a:lumMod val="50000"/>
+                    </a:schemeClr>
+                  </a:innerShdw>
+                </a:effectLst>
+              </a:rPr>
+              <a:t>Consumer X</a:t>
+            </a:r>
+            <a:endParaRPr lang="en-US" sz="2000" b="1" dirty="0">
+              <a:ln w="12700">
+                <a:solidFill>
+                  <a:schemeClr val="accent3">
+                    <a:lumMod val="50000"/>
+                  </a:schemeClr>
+                </a:solidFill>
+                <a:prstDash val="solid"/>
+              </a:ln>
+              <a:pattFill prst="narHorz">
+                <a:fgClr>
+                  <a:schemeClr val="accent3"/>
+                </a:fgClr>
+                <a:bgClr>
+                  <a:schemeClr val="accent3">
+                    <a:lumMod val="40000"/>
+                    <a:lumOff val="60000"/>
+                  </a:schemeClr>
+                </a:bgClr>
+              </a:pattFill>
+              <a:effectLst>
+                <a:innerShdw blurRad="177800">
+                  <a:schemeClr val="accent3">
+                    <a:lumMod val="50000"/>
+                  </a:schemeClr>
+                </a:innerShdw>
+              </a:effectLst>
+            </a:endParaRPr>
+          </a:p>
+        </p:txBody>
+      </p:sp>
+      <p:cxnSp>
+        <p:nvCxnSpPr>
+          <p:cNvPr id="30" name="Straight Arrow Connector 29"/>
+          <p:cNvCxnSpPr>
+            <a:stCxn id="28" idx="3"/>
+            <a:endCxn id="55" idx="3"/>
+          </p:cNvCxnSpPr>
+          <p:nvPr/>
+        </p:nvCxnSpPr>
+        <p:spPr>
+          <a:xfrm flipV="1">
+            <a:off x="2071586" y="3397415"/>
+            <a:ext cx="1276320" cy="24442"/>
+          </a:xfrm>
+          <a:prstGeom prst="straightConnector1">
+            <a:avLst/>
+          </a:prstGeom>
+          <a:ln w="19050">
+            <a:prstDash val="dash"/>
+            <a:tailEnd type="triangle" w="lg" len="lg"/>
+          </a:ln>
+        </p:spPr>
+        <p:style>
+          <a:lnRef idx="3">
+            <a:schemeClr val="accent2"/>
+          </a:lnRef>
+          <a:fillRef idx="0">
+            <a:schemeClr val="accent2"/>
+          </a:fillRef>
+          <a:effectRef idx="2">
+            <a:schemeClr val="accent2"/>
+          </a:effectRef>
+          <a:fontRef idx="minor">
+            <a:schemeClr val="tx1"/>
+          </a:fontRef>
+        </p:style>
+      </p:cxnSp>
+    </p:spTree>
+    <p:extLst>
+      <p:ext uri="{BB962C8B-B14F-4D97-AF65-F5344CB8AC3E}">
+        <p14:creationId xmlns:p14="http://schemas.microsoft.com/office/powerpoint/2010/main" val="3091817369"/>
+      </p:ext>
+    </p:extLst>
+  </p:cSld>
+  <p:clrMapOvr>
+    <a:masterClrMapping/>
+  </p:clrMapOvr>
+  <p:timing>
+    <p:tnLst>
+      <p:par>
+        <p:cTn id="1" dur="indefinite" restart="never" nodeType="tmRoot"/>
+      </p:par>
+    </p:tnLst>
+  </p:timing>
+</p:sld>
+</file>
+
+<file path=ppt/slides/slide15.xml><?xml version="1.0" encoding="utf-8"?>
+<p:sld xmlns:a="http://schemas.openxmlformats.org/drawingml/2006/main" xmlns:r="http://schemas.openxmlformats.org/officeDocument/2006/relationships" xmlns:p="http://schemas.openxmlformats.org/presentationml/2006/main">
+  <p:cSld>
+    <p:bg>
+      <p:bgPr>
+        <a:solidFill>
+          <a:schemeClr val="bg1">
+            <a:alpha val="0"/>
+          </a:schemeClr>
+        </a:solidFill>
+        <a:effectLst/>
+      </p:bgPr>
+    </p:bg>
+    <p:spTree>
+      <p:nvGrpSpPr>
+        <p:cNvPr id="1" name=""/>
+        <p:cNvGrpSpPr/>
+        <p:nvPr/>
+      </p:nvGrpSpPr>
+      <p:grpSpPr>
+        <a:xfrm>
+          <a:off x="0" y="0"/>
+          <a:ext cx="0" cy="0"/>
+          <a:chOff x="0" y="0"/>
+          <a:chExt cx="0" cy="0"/>
+        </a:xfrm>
+      </p:grpSpPr>
+      <p:sp>
+        <p:nvSpPr>
+          <p:cNvPr id="8" name="Rounded Rectangle 7"/>
+          <p:cNvSpPr/>
+          <p:nvPr/>
+        </p:nvSpPr>
+        <p:spPr>
+          <a:xfrm>
+            <a:off x="9838" y="0"/>
+            <a:ext cx="9134162" cy="5143500"/>
+          </a:xfrm>
+          <a:prstGeom prst="roundRect">
+            <a:avLst/>
+          </a:prstGeom>
+          <a:noFill/>
+          <a:ln>
+            <a:noFill/>
+          </a:ln>
+        </p:spPr>
+        <p:style>
+          <a:lnRef idx="2">
+            <a:schemeClr val="accent1">
+              <a:shade val="50000"/>
+            </a:schemeClr>
+          </a:lnRef>
+          <a:fillRef idx="1">
+            <a:schemeClr val="accent1"/>
+          </a:fillRef>
+          <a:effectRef idx="0">
+            <a:schemeClr val="accent1"/>
+          </a:effectRef>
+          <a:fontRef idx="minor">
+            <a:schemeClr val="lt1"/>
+          </a:fontRef>
+        </p:style>
+        <p:txBody>
+          <a:bodyPr rtlCol="0" anchor="ctr"/>
+          <a:lstStyle/>
+          <a:p>
+            <a:pPr algn="ctr"/>
+            <a:endParaRPr lang="en-US" sz="1013"/>
+          </a:p>
+        </p:txBody>
+      </p:sp>
+      <p:sp>
+        <p:nvSpPr>
           <p:cNvPr id="2" name="Rectangle 1"/>
           <p:cNvSpPr/>
           <p:nvPr/>

--- a/ppt/jms slides.pptx
+++ b/ppt/jms slides.pptx
@@ -257,7 +257,7 @@
           <a:p>
             <a:fld id="{11A3A2C2-75AB-4F7F-9DF5-374BE777B759}" type="datetimeFigureOut">
               <a:rPr lang="en-US" smtClean="0"/>
-              <a:t>11/16/2016</a:t>
+              <a:t>11/17/2016</a:t>
             </a:fld>
             <a:endParaRPr lang="en-US"/>
           </a:p>
@@ -427,7 +427,7 @@
           <a:p>
             <a:fld id="{11A3A2C2-75AB-4F7F-9DF5-374BE777B759}" type="datetimeFigureOut">
               <a:rPr lang="en-US" smtClean="0"/>
-              <a:t>11/16/2016</a:t>
+              <a:t>11/17/2016</a:t>
             </a:fld>
             <a:endParaRPr lang="en-US"/>
           </a:p>
@@ -607,7 +607,7 @@
           <a:p>
             <a:fld id="{11A3A2C2-75AB-4F7F-9DF5-374BE777B759}" type="datetimeFigureOut">
               <a:rPr lang="en-US" smtClean="0"/>
-              <a:t>11/16/2016</a:t>
+              <a:t>11/17/2016</a:t>
             </a:fld>
             <a:endParaRPr lang="en-US"/>
           </a:p>
@@ -777,7 +777,7 @@
           <a:p>
             <a:fld id="{11A3A2C2-75AB-4F7F-9DF5-374BE777B759}" type="datetimeFigureOut">
               <a:rPr lang="en-US" smtClean="0"/>
-              <a:t>11/16/2016</a:t>
+              <a:t>11/17/2016</a:t>
             </a:fld>
             <a:endParaRPr lang="en-US"/>
           </a:p>
@@ -1023,7 +1023,7 @@
           <a:p>
             <a:fld id="{11A3A2C2-75AB-4F7F-9DF5-374BE777B759}" type="datetimeFigureOut">
               <a:rPr lang="en-US" smtClean="0"/>
-              <a:t>11/16/2016</a:t>
+              <a:t>11/17/2016</a:t>
             </a:fld>
             <a:endParaRPr lang="en-US"/>
           </a:p>
@@ -1255,7 +1255,7 @@
           <a:p>
             <a:fld id="{11A3A2C2-75AB-4F7F-9DF5-374BE777B759}" type="datetimeFigureOut">
               <a:rPr lang="en-US" smtClean="0"/>
-              <a:t>11/16/2016</a:t>
+              <a:t>11/17/2016</a:t>
             </a:fld>
             <a:endParaRPr lang="en-US"/>
           </a:p>
@@ -1622,7 +1622,7 @@
           <a:p>
             <a:fld id="{11A3A2C2-75AB-4F7F-9DF5-374BE777B759}" type="datetimeFigureOut">
               <a:rPr lang="en-US" smtClean="0"/>
-              <a:t>11/16/2016</a:t>
+              <a:t>11/17/2016</a:t>
             </a:fld>
             <a:endParaRPr lang="en-US"/>
           </a:p>
@@ -1740,7 +1740,7 @@
           <a:p>
             <a:fld id="{11A3A2C2-75AB-4F7F-9DF5-374BE777B759}" type="datetimeFigureOut">
               <a:rPr lang="en-US" smtClean="0"/>
-              <a:t>11/16/2016</a:t>
+              <a:t>11/17/2016</a:t>
             </a:fld>
             <a:endParaRPr lang="en-US"/>
           </a:p>
@@ -1835,7 +1835,7 @@
           <a:p>
             <a:fld id="{11A3A2C2-75AB-4F7F-9DF5-374BE777B759}" type="datetimeFigureOut">
               <a:rPr lang="en-US" smtClean="0"/>
-              <a:t>11/16/2016</a:t>
+              <a:t>11/17/2016</a:t>
             </a:fld>
             <a:endParaRPr lang="en-US"/>
           </a:p>
@@ -2112,7 +2112,7 @@
           <a:p>
             <a:fld id="{11A3A2C2-75AB-4F7F-9DF5-374BE777B759}" type="datetimeFigureOut">
               <a:rPr lang="en-US" smtClean="0"/>
-              <a:t>11/16/2016</a:t>
+              <a:t>11/17/2016</a:t>
             </a:fld>
             <a:endParaRPr lang="en-US"/>
           </a:p>
@@ -2369,7 +2369,7 @@
           <a:p>
             <a:fld id="{11A3A2C2-75AB-4F7F-9DF5-374BE777B759}" type="datetimeFigureOut">
               <a:rPr lang="en-US" smtClean="0"/>
-              <a:t>11/16/2016</a:t>
+              <a:t>11/17/2016</a:t>
             </a:fld>
             <a:endParaRPr lang="en-US"/>
           </a:p>
@@ -2582,7 +2582,7 @@
           <a:p>
             <a:fld id="{11A3A2C2-75AB-4F7F-9DF5-374BE777B759}" type="datetimeFigureOut">
               <a:rPr lang="en-US" smtClean="0"/>
-              <a:t>11/16/2016</a:t>
+              <a:t>11/17/2016</a:t>
             </a:fld>
             <a:endParaRPr lang="en-US"/>
           </a:p>
@@ -4635,140 +4635,6 @@
       </p:sp>
       <p:sp>
         <p:nvSpPr>
-          <p:cNvPr id="15" name="Rectangle 14"/>
-          <p:cNvSpPr/>
-          <p:nvPr/>
-        </p:nvSpPr>
-        <p:spPr>
-          <a:xfrm>
-            <a:off x="333659" y="2616029"/>
-            <a:ext cx="1295291" cy="438582"/>
-          </a:xfrm>
-          <a:prstGeom prst="rect">
-            <a:avLst/>
-          </a:prstGeom>
-          <a:noFill/>
-          <a:ln>
-            <a:noFill/>
-          </a:ln>
-          <a:effectLst>
-            <a:outerShdw blurRad="50800" dist="38100" dir="8100000" algn="tr" rotWithShape="0">
-              <a:prstClr val="black">
-                <a:alpha val="40000"/>
-              </a:prstClr>
-            </a:outerShdw>
-          </a:effectLst>
-        </p:spPr>
-        <p:txBody>
-          <a:bodyPr wrap="none" lIns="68580" tIns="34290" rIns="68580" bIns="34290">
-            <a:spAutoFit/>
-          </a:bodyPr>
-          <a:lstStyle/>
-          <a:p>
-            <a:pPr algn="ctr"/>
-            <a:r>
-              <a:rPr lang="en-US" sz="2400" b="1" dirty="0">
-                <a:ln w="12700">
-                  <a:solidFill>
-                    <a:schemeClr val="accent3">
-                      <a:lumMod val="50000"/>
-                    </a:schemeClr>
-                  </a:solidFill>
-                  <a:prstDash val="solid"/>
-                </a:ln>
-                <a:pattFill prst="narHorz">
-                  <a:fgClr>
-                    <a:schemeClr val="accent3"/>
-                  </a:fgClr>
-                  <a:bgClr>
-                    <a:schemeClr val="accent3">
-                      <a:lumMod val="40000"/>
-                      <a:lumOff val="60000"/>
-                    </a:schemeClr>
-                  </a:bgClr>
-                </a:pattFill>
-                <a:effectLst>
-                  <a:innerShdw blurRad="177800">
-                    <a:schemeClr val="accent3">
-                      <a:lumMod val="50000"/>
-                    </a:schemeClr>
-                  </a:innerShdw>
-                </a:effectLst>
-              </a:rPr>
-              <a:t>Producer</a:t>
-            </a:r>
-          </a:p>
-        </p:txBody>
-      </p:sp>
-      <p:sp>
-        <p:nvSpPr>
-          <p:cNvPr id="16" name="Rectangle 15"/>
-          <p:cNvSpPr/>
-          <p:nvPr/>
-        </p:nvSpPr>
-        <p:spPr>
-          <a:xfrm>
-            <a:off x="7433065" y="2616030"/>
-            <a:ext cx="1435329" cy="438582"/>
-          </a:xfrm>
-          <a:prstGeom prst="rect">
-            <a:avLst/>
-          </a:prstGeom>
-          <a:noFill/>
-          <a:ln>
-            <a:noFill/>
-          </a:ln>
-          <a:effectLst>
-            <a:outerShdw blurRad="50800" dist="38100" dir="8100000" algn="tr" rotWithShape="0">
-              <a:prstClr val="black">
-                <a:alpha val="40000"/>
-              </a:prstClr>
-            </a:outerShdw>
-          </a:effectLst>
-        </p:spPr>
-        <p:txBody>
-          <a:bodyPr wrap="none" lIns="68580" tIns="34290" rIns="68580" bIns="34290">
-            <a:spAutoFit/>
-          </a:bodyPr>
-          <a:lstStyle/>
-          <a:p>
-            <a:pPr algn="ctr"/>
-            <a:r>
-              <a:rPr lang="en-US" sz="2400" b="1" dirty="0">
-                <a:ln w="12700">
-                  <a:solidFill>
-                    <a:schemeClr val="accent3">
-                      <a:lumMod val="50000"/>
-                    </a:schemeClr>
-                  </a:solidFill>
-                  <a:prstDash val="solid"/>
-                </a:ln>
-                <a:pattFill prst="narHorz">
-                  <a:fgClr>
-                    <a:schemeClr val="accent3"/>
-                  </a:fgClr>
-                  <a:bgClr>
-                    <a:schemeClr val="accent3">
-                      <a:lumMod val="40000"/>
-                      <a:lumOff val="60000"/>
-                    </a:schemeClr>
-                  </a:bgClr>
-                </a:pattFill>
-                <a:effectLst>
-                  <a:innerShdw blurRad="177800">
-                    <a:schemeClr val="accent3">
-                      <a:lumMod val="50000"/>
-                    </a:schemeClr>
-                  </a:innerShdw>
-                </a:effectLst>
-              </a:rPr>
-              <a:t>Consumer</a:t>
-            </a:r>
-          </a:p>
-        </p:txBody>
-      </p:sp>
-      <p:sp>
-        <p:nvSpPr>
           <p:cNvPr id="19" name="Rectangle 18"/>
           <p:cNvSpPr/>
           <p:nvPr/>
@@ -5398,6 +5264,598 @@
           </a:p>
         </p:txBody>
       </p:sp>
+      <p:grpSp>
+        <p:nvGrpSpPr>
+          <p:cNvPr id="5" name="Group 4"/>
+          <p:cNvGrpSpPr/>
+          <p:nvPr/>
+        </p:nvGrpSpPr>
+        <p:grpSpPr>
+          <a:xfrm>
+            <a:off x="164552" y="2289836"/>
+            <a:ext cx="1623060" cy="438582"/>
+            <a:chOff x="169774" y="2095131"/>
+            <a:chExt cx="1623060" cy="438582"/>
+          </a:xfrm>
+        </p:grpSpPr>
+        <p:sp>
+          <p:nvSpPr>
+            <p:cNvPr id="3" name="Rounded Rectangle 2"/>
+            <p:cNvSpPr/>
+            <p:nvPr/>
+          </p:nvSpPr>
+          <p:spPr>
+            <a:xfrm>
+              <a:off x="169774" y="2144140"/>
+              <a:ext cx="1623060" cy="374976"/>
+            </a:xfrm>
+            <a:prstGeom prst="roundRect">
+              <a:avLst/>
+            </a:prstGeom>
+          </p:spPr>
+          <p:style>
+            <a:lnRef idx="0">
+              <a:schemeClr val="accent6"/>
+            </a:lnRef>
+            <a:fillRef idx="3">
+              <a:schemeClr val="accent6"/>
+            </a:fillRef>
+            <a:effectRef idx="3">
+              <a:schemeClr val="accent6"/>
+            </a:effectRef>
+            <a:fontRef idx="minor">
+              <a:schemeClr val="lt1"/>
+            </a:fontRef>
+          </p:style>
+          <p:txBody>
+            <a:bodyPr rtlCol="0" anchor="ctr"/>
+            <a:lstStyle/>
+            <a:p>
+              <a:pPr algn="ctr"/>
+              <a:endParaRPr lang="en-US"/>
+            </a:p>
+          </p:txBody>
+        </p:sp>
+        <p:sp>
+          <p:nvSpPr>
+            <p:cNvPr id="15" name="Rectangle 14"/>
+            <p:cNvSpPr/>
+            <p:nvPr/>
+          </p:nvSpPr>
+          <p:spPr>
+            <a:xfrm>
+              <a:off x="208624" y="2095131"/>
+              <a:ext cx="1545359" cy="438582"/>
+            </a:xfrm>
+            <a:prstGeom prst="rect">
+              <a:avLst/>
+            </a:prstGeom>
+            <a:noFill/>
+            <a:ln>
+              <a:noFill/>
+            </a:ln>
+            <a:effectLst>
+              <a:outerShdw blurRad="50800" dist="38100" dir="8100000" algn="tr" rotWithShape="0">
+                <a:prstClr val="black">
+                  <a:alpha val="40000"/>
+                </a:prstClr>
+              </a:outerShdw>
+            </a:effectLst>
+          </p:spPr>
+          <p:txBody>
+            <a:bodyPr wrap="none" lIns="68580" tIns="34290" rIns="68580" bIns="34290">
+              <a:spAutoFit/>
+            </a:bodyPr>
+            <a:lstStyle/>
+            <a:p>
+              <a:pPr algn="ctr"/>
+              <a:r>
+                <a:rPr lang="en-US" sz="2400" b="1" dirty="0" smtClean="0">
+                  <a:ln w="12700">
+                    <a:solidFill>
+                      <a:schemeClr val="accent3">
+                        <a:lumMod val="50000"/>
+                      </a:schemeClr>
+                    </a:solidFill>
+                    <a:prstDash val="solid"/>
+                  </a:ln>
+                  <a:pattFill prst="narHorz">
+                    <a:fgClr>
+                      <a:schemeClr val="accent3"/>
+                    </a:fgClr>
+                    <a:bgClr>
+                      <a:schemeClr val="accent3">
+                        <a:lumMod val="40000"/>
+                        <a:lumOff val="60000"/>
+                      </a:schemeClr>
+                    </a:bgClr>
+                  </a:pattFill>
+                  <a:effectLst>
+                    <a:innerShdw blurRad="177800">
+                      <a:schemeClr val="accent3">
+                        <a:lumMod val="50000"/>
+                      </a:schemeClr>
+                    </a:innerShdw>
+                  </a:effectLst>
+                </a:rPr>
+                <a:t>Producer-1</a:t>
+              </a:r>
+              <a:endParaRPr lang="en-US" sz="2400" b="1" dirty="0">
+                <a:ln w="12700">
+                  <a:solidFill>
+                    <a:schemeClr val="accent3">
+                      <a:lumMod val="50000"/>
+                    </a:schemeClr>
+                  </a:solidFill>
+                  <a:prstDash val="solid"/>
+                </a:ln>
+                <a:pattFill prst="narHorz">
+                  <a:fgClr>
+                    <a:schemeClr val="accent3"/>
+                  </a:fgClr>
+                  <a:bgClr>
+                    <a:schemeClr val="accent3">
+                      <a:lumMod val="40000"/>
+                      <a:lumOff val="60000"/>
+                    </a:schemeClr>
+                  </a:bgClr>
+                </a:pattFill>
+                <a:effectLst>
+                  <a:innerShdw blurRad="177800">
+                    <a:schemeClr val="accent3">
+                      <a:lumMod val="50000"/>
+                    </a:schemeClr>
+                  </a:innerShdw>
+                </a:effectLst>
+              </a:endParaRPr>
+            </a:p>
+          </p:txBody>
+        </p:sp>
+      </p:grpSp>
+      <p:grpSp>
+        <p:nvGrpSpPr>
+          <p:cNvPr id="28" name="Group 27"/>
+          <p:cNvGrpSpPr/>
+          <p:nvPr/>
+        </p:nvGrpSpPr>
+        <p:grpSpPr>
+          <a:xfrm>
+            <a:off x="146746" y="2905822"/>
+            <a:ext cx="1685398" cy="438582"/>
+            <a:chOff x="138605" y="2095131"/>
+            <a:chExt cx="1685398" cy="438582"/>
+          </a:xfrm>
+        </p:grpSpPr>
+        <p:sp>
+          <p:nvSpPr>
+            <p:cNvPr id="29" name="Rounded Rectangle 28"/>
+            <p:cNvSpPr/>
+            <p:nvPr/>
+          </p:nvSpPr>
+          <p:spPr>
+            <a:xfrm>
+              <a:off x="169774" y="2144140"/>
+              <a:ext cx="1623060" cy="374976"/>
+            </a:xfrm>
+            <a:prstGeom prst="roundRect">
+              <a:avLst/>
+            </a:prstGeom>
+          </p:spPr>
+          <p:style>
+            <a:lnRef idx="0">
+              <a:schemeClr val="accent6"/>
+            </a:lnRef>
+            <a:fillRef idx="3">
+              <a:schemeClr val="accent6"/>
+            </a:fillRef>
+            <a:effectRef idx="3">
+              <a:schemeClr val="accent6"/>
+            </a:effectRef>
+            <a:fontRef idx="minor">
+              <a:schemeClr val="lt1"/>
+            </a:fontRef>
+          </p:style>
+          <p:txBody>
+            <a:bodyPr rtlCol="0" anchor="ctr"/>
+            <a:lstStyle/>
+            <a:p>
+              <a:pPr algn="ctr"/>
+              <a:endParaRPr lang="en-US"/>
+            </a:p>
+          </p:txBody>
+        </p:sp>
+        <p:sp>
+          <p:nvSpPr>
+            <p:cNvPr id="30" name="Rectangle 29"/>
+            <p:cNvSpPr/>
+            <p:nvPr/>
+          </p:nvSpPr>
+          <p:spPr>
+            <a:xfrm>
+              <a:off x="138605" y="2095131"/>
+              <a:ext cx="1685398" cy="438582"/>
+            </a:xfrm>
+            <a:prstGeom prst="rect">
+              <a:avLst/>
+            </a:prstGeom>
+            <a:noFill/>
+            <a:ln>
+              <a:noFill/>
+            </a:ln>
+            <a:effectLst>
+              <a:outerShdw blurRad="50800" dist="38100" dir="8100000" algn="tr" rotWithShape="0">
+                <a:prstClr val="black">
+                  <a:alpha val="40000"/>
+                </a:prstClr>
+              </a:outerShdw>
+            </a:effectLst>
+          </p:spPr>
+          <p:txBody>
+            <a:bodyPr wrap="none" lIns="68580" tIns="34290" rIns="68580" bIns="34290">
+              <a:spAutoFit/>
+            </a:bodyPr>
+            <a:lstStyle/>
+            <a:p>
+              <a:pPr algn="ctr"/>
+              <a:r>
+                <a:rPr lang="en-US" sz="2400" b="1" dirty="0" smtClean="0">
+                  <a:ln w="12700">
+                    <a:solidFill>
+                      <a:schemeClr val="accent3">
+                        <a:lumMod val="50000"/>
+                      </a:schemeClr>
+                    </a:solidFill>
+                    <a:prstDash val="solid"/>
+                  </a:ln>
+                  <a:pattFill prst="narHorz">
+                    <a:fgClr>
+                      <a:schemeClr val="accent3"/>
+                    </a:fgClr>
+                    <a:bgClr>
+                      <a:schemeClr val="accent3">
+                        <a:lumMod val="40000"/>
+                        <a:lumOff val="60000"/>
+                      </a:schemeClr>
+                    </a:bgClr>
+                  </a:pattFill>
+                  <a:effectLst>
+                    <a:innerShdw blurRad="177800">
+                      <a:schemeClr val="accent3">
+                        <a:lumMod val="50000"/>
+                      </a:schemeClr>
+                    </a:innerShdw>
+                  </a:effectLst>
+                </a:rPr>
+                <a:t>Consumer-1</a:t>
+              </a:r>
+              <a:endParaRPr lang="en-US" sz="2400" b="1" dirty="0">
+                <a:ln w="12700">
+                  <a:solidFill>
+                    <a:schemeClr val="accent3">
+                      <a:lumMod val="50000"/>
+                    </a:schemeClr>
+                  </a:solidFill>
+                  <a:prstDash val="solid"/>
+                </a:ln>
+                <a:pattFill prst="narHorz">
+                  <a:fgClr>
+                    <a:schemeClr val="accent3"/>
+                  </a:fgClr>
+                  <a:bgClr>
+                    <a:schemeClr val="accent3">
+                      <a:lumMod val="40000"/>
+                      <a:lumOff val="60000"/>
+                    </a:schemeClr>
+                  </a:bgClr>
+                </a:pattFill>
+                <a:effectLst>
+                  <a:innerShdw blurRad="177800">
+                    <a:schemeClr val="accent3">
+                      <a:lumMod val="50000"/>
+                    </a:schemeClr>
+                  </a:innerShdw>
+                </a:effectLst>
+              </a:endParaRPr>
+            </a:p>
+          </p:txBody>
+        </p:sp>
+      </p:grpSp>
+      <p:grpSp>
+        <p:nvGrpSpPr>
+          <p:cNvPr id="31" name="Group 30"/>
+          <p:cNvGrpSpPr/>
+          <p:nvPr/>
+        </p:nvGrpSpPr>
+        <p:grpSpPr>
+          <a:xfrm>
+            <a:off x="7298890" y="2289836"/>
+            <a:ext cx="1685398" cy="438582"/>
+            <a:chOff x="138605" y="2095131"/>
+            <a:chExt cx="1685398" cy="438582"/>
+          </a:xfrm>
+        </p:grpSpPr>
+        <p:sp>
+          <p:nvSpPr>
+            <p:cNvPr id="32" name="Rounded Rectangle 31"/>
+            <p:cNvSpPr/>
+            <p:nvPr/>
+          </p:nvSpPr>
+          <p:spPr>
+            <a:xfrm>
+              <a:off x="169774" y="2144140"/>
+              <a:ext cx="1623060" cy="374976"/>
+            </a:xfrm>
+            <a:prstGeom prst="roundRect">
+              <a:avLst/>
+            </a:prstGeom>
+          </p:spPr>
+          <p:style>
+            <a:lnRef idx="0">
+              <a:schemeClr val="accent6"/>
+            </a:lnRef>
+            <a:fillRef idx="3">
+              <a:schemeClr val="accent6"/>
+            </a:fillRef>
+            <a:effectRef idx="3">
+              <a:schemeClr val="accent6"/>
+            </a:effectRef>
+            <a:fontRef idx="minor">
+              <a:schemeClr val="lt1"/>
+            </a:fontRef>
+          </p:style>
+          <p:txBody>
+            <a:bodyPr rtlCol="0" anchor="ctr"/>
+            <a:lstStyle/>
+            <a:p>
+              <a:pPr algn="ctr"/>
+              <a:endParaRPr lang="en-US"/>
+            </a:p>
+          </p:txBody>
+        </p:sp>
+        <p:sp>
+          <p:nvSpPr>
+            <p:cNvPr id="33" name="Rectangle 32"/>
+            <p:cNvSpPr/>
+            <p:nvPr/>
+          </p:nvSpPr>
+          <p:spPr>
+            <a:xfrm>
+              <a:off x="138605" y="2095131"/>
+              <a:ext cx="1685398" cy="438582"/>
+            </a:xfrm>
+            <a:prstGeom prst="rect">
+              <a:avLst/>
+            </a:prstGeom>
+            <a:noFill/>
+            <a:ln>
+              <a:noFill/>
+            </a:ln>
+            <a:effectLst>
+              <a:outerShdw blurRad="50800" dist="38100" dir="8100000" algn="tr" rotWithShape="0">
+                <a:prstClr val="black">
+                  <a:alpha val="40000"/>
+                </a:prstClr>
+              </a:outerShdw>
+            </a:effectLst>
+          </p:spPr>
+          <p:txBody>
+            <a:bodyPr wrap="none" lIns="68580" tIns="34290" rIns="68580" bIns="34290">
+              <a:spAutoFit/>
+            </a:bodyPr>
+            <a:lstStyle/>
+            <a:p>
+              <a:pPr algn="ctr"/>
+              <a:r>
+                <a:rPr lang="en-US" sz="2400" b="1" dirty="0" smtClean="0">
+                  <a:ln w="12700">
+                    <a:solidFill>
+                      <a:schemeClr val="accent3">
+                        <a:lumMod val="50000"/>
+                      </a:schemeClr>
+                    </a:solidFill>
+                    <a:prstDash val="solid"/>
+                  </a:ln>
+                  <a:pattFill prst="narHorz">
+                    <a:fgClr>
+                      <a:schemeClr val="accent3"/>
+                    </a:fgClr>
+                    <a:bgClr>
+                      <a:schemeClr val="accent3">
+                        <a:lumMod val="40000"/>
+                        <a:lumOff val="60000"/>
+                      </a:schemeClr>
+                    </a:bgClr>
+                  </a:pattFill>
+                  <a:effectLst>
+                    <a:innerShdw blurRad="177800">
+                      <a:schemeClr val="accent3">
+                        <a:lumMod val="50000"/>
+                      </a:schemeClr>
+                    </a:innerShdw>
+                  </a:effectLst>
+                </a:rPr>
+                <a:t>Consumer-2</a:t>
+              </a:r>
+              <a:endParaRPr lang="en-US" sz="2400" b="1" dirty="0">
+                <a:ln w="12700">
+                  <a:solidFill>
+                    <a:schemeClr val="accent3">
+                      <a:lumMod val="50000"/>
+                    </a:schemeClr>
+                  </a:solidFill>
+                  <a:prstDash val="solid"/>
+                </a:ln>
+                <a:pattFill prst="narHorz">
+                  <a:fgClr>
+                    <a:schemeClr val="accent3"/>
+                  </a:fgClr>
+                  <a:bgClr>
+                    <a:schemeClr val="accent3">
+                      <a:lumMod val="40000"/>
+                      <a:lumOff val="60000"/>
+                    </a:schemeClr>
+                  </a:bgClr>
+                </a:pattFill>
+                <a:effectLst>
+                  <a:innerShdw blurRad="177800">
+                    <a:schemeClr val="accent3">
+                      <a:lumMod val="50000"/>
+                    </a:schemeClr>
+                  </a:innerShdw>
+                </a:effectLst>
+              </a:endParaRPr>
+            </a:p>
+          </p:txBody>
+        </p:sp>
+      </p:grpSp>
+      <p:grpSp>
+        <p:nvGrpSpPr>
+          <p:cNvPr id="34" name="Group 33"/>
+          <p:cNvGrpSpPr/>
+          <p:nvPr/>
+        </p:nvGrpSpPr>
+        <p:grpSpPr>
+          <a:xfrm>
+            <a:off x="7343422" y="2905822"/>
+            <a:ext cx="1623060" cy="438582"/>
+            <a:chOff x="169774" y="2095131"/>
+            <a:chExt cx="1623060" cy="438582"/>
+          </a:xfrm>
+        </p:grpSpPr>
+        <p:sp>
+          <p:nvSpPr>
+            <p:cNvPr id="35" name="Rounded Rectangle 34"/>
+            <p:cNvSpPr/>
+            <p:nvPr/>
+          </p:nvSpPr>
+          <p:spPr>
+            <a:xfrm>
+              <a:off x="169774" y="2144140"/>
+              <a:ext cx="1623060" cy="374976"/>
+            </a:xfrm>
+            <a:prstGeom prst="roundRect">
+              <a:avLst/>
+            </a:prstGeom>
+          </p:spPr>
+          <p:style>
+            <a:lnRef idx="0">
+              <a:schemeClr val="accent6"/>
+            </a:lnRef>
+            <a:fillRef idx="3">
+              <a:schemeClr val="accent6"/>
+            </a:fillRef>
+            <a:effectRef idx="3">
+              <a:schemeClr val="accent6"/>
+            </a:effectRef>
+            <a:fontRef idx="minor">
+              <a:schemeClr val="lt1"/>
+            </a:fontRef>
+          </p:style>
+          <p:txBody>
+            <a:bodyPr rtlCol="0" anchor="ctr"/>
+            <a:lstStyle/>
+            <a:p>
+              <a:pPr algn="ctr"/>
+              <a:endParaRPr lang="en-US"/>
+            </a:p>
+          </p:txBody>
+        </p:sp>
+        <p:sp>
+          <p:nvSpPr>
+            <p:cNvPr id="36" name="Rectangle 35"/>
+            <p:cNvSpPr/>
+            <p:nvPr/>
+          </p:nvSpPr>
+          <p:spPr>
+            <a:xfrm>
+              <a:off x="208624" y="2095131"/>
+              <a:ext cx="1545359" cy="438582"/>
+            </a:xfrm>
+            <a:prstGeom prst="rect">
+              <a:avLst/>
+            </a:prstGeom>
+            <a:noFill/>
+            <a:ln>
+              <a:noFill/>
+            </a:ln>
+            <a:effectLst>
+              <a:outerShdw blurRad="50800" dist="38100" dir="8100000" algn="tr" rotWithShape="0">
+                <a:prstClr val="black">
+                  <a:alpha val="40000"/>
+                </a:prstClr>
+              </a:outerShdw>
+            </a:effectLst>
+          </p:spPr>
+          <p:txBody>
+            <a:bodyPr wrap="none" lIns="68580" tIns="34290" rIns="68580" bIns="34290">
+              <a:spAutoFit/>
+            </a:bodyPr>
+            <a:lstStyle/>
+            <a:p>
+              <a:pPr algn="ctr"/>
+              <a:r>
+                <a:rPr lang="en-US" sz="2400" b="1" dirty="0" smtClean="0">
+                  <a:ln w="12700">
+                    <a:solidFill>
+                      <a:schemeClr val="accent3">
+                        <a:lumMod val="50000"/>
+                      </a:schemeClr>
+                    </a:solidFill>
+                    <a:prstDash val="solid"/>
+                  </a:ln>
+                  <a:pattFill prst="narHorz">
+                    <a:fgClr>
+                      <a:schemeClr val="accent3"/>
+                    </a:fgClr>
+                    <a:bgClr>
+                      <a:schemeClr val="accent3">
+                        <a:lumMod val="40000"/>
+                        <a:lumOff val="60000"/>
+                      </a:schemeClr>
+                    </a:bgClr>
+                  </a:pattFill>
+                  <a:effectLst>
+                    <a:innerShdw blurRad="177800">
+                      <a:schemeClr val="accent3">
+                        <a:lumMod val="50000"/>
+                      </a:schemeClr>
+                    </a:innerShdw>
+                  </a:effectLst>
+                </a:rPr>
+                <a:t>Producer-2</a:t>
+              </a:r>
+              <a:endParaRPr lang="en-US" sz="2400" b="1" dirty="0">
+                <a:ln w="12700">
+                  <a:solidFill>
+                    <a:schemeClr val="accent3">
+                      <a:lumMod val="50000"/>
+                    </a:schemeClr>
+                  </a:solidFill>
+                  <a:prstDash val="solid"/>
+                </a:ln>
+                <a:pattFill prst="narHorz">
+                  <a:fgClr>
+                    <a:schemeClr val="accent3"/>
+                  </a:fgClr>
+                  <a:bgClr>
+                    <a:schemeClr val="accent3">
+                      <a:lumMod val="40000"/>
+                      <a:lumOff val="60000"/>
+                    </a:schemeClr>
+                  </a:bgClr>
+                </a:pattFill>
+                <a:effectLst>
+                  <a:innerShdw blurRad="177800">
+                    <a:schemeClr val="accent3">
+                      <a:lumMod val="50000"/>
+                    </a:schemeClr>
+                  </a:innerShdw>
+                </a:effectLst>
+              </a:endParaRPr>
+            </a:p>
+          </p:txBody>
+        </p:sp>
+      </p:grpSp>
     </p:spTree>
     <p:extLst>
       <p:ext uri="{BB962C8B-B14F-4D97-AF65-F5344CB8AC3E}">
@@ -5945,30 +6403,6 @@
               </a:rPr>
               <a:t>Filtering Messages</a:t>
             </a:r>
-            <a:endParaRPr lang="en-US" sz="4000" b="1" dirty="0">
-              <a:ln/>
-              <a:pattFill prst="dkUpDiag">
-                <a:fgClr>
-                  <a:schemeClr val="bg1">
-                    <a:lumMod val="50000"/>
-                  </a:schemeClr>
-                </a:fgClr>
-                <a:bgClr>
-                  <a:schemeClr val="tx1">
-                    <a:lumMod val="75000"/>
-                    <a:lumOff val="25000"/>
-                  </a:schemeClr>
-                </a:bgClr>
-              </a:pattFill>
-              <a:effectLst>
-                <a:outerShdw blurRad="38100" dist="19050" dir="2700000" algn="tl" rotWithShape="0">
-                  <a:schemeClr val="dk1">
-                    <a:lumMod val="50000"/>
-                    <a:alpha val="40000"/>
-                  </a:schemeClr>
-                </a:outerShdw>
-              </a:effectLst>
-            </a:endParaRPr>
           </a:p>
         </p:txBody>
       </p:sp>
@@ -7478,30 +7912,6 @@
               </a:rPr>
               <a:t>Filtering Messages</a:t>
             </a:r>
-            <a:endParaRPr lang="en-US" sz="4000" b="1" dirty="0">
-              <a:ln/>
-              <a:pattFill prst="dkUpDiag">
-                <a:fgClr>
-                  <a:schemeClr val="bg1">
-                    <a:lumMod val="50000"/>
-                  </a:schemeClr>
-                </a:fgClr>
-                <a:bgClr>
-                  <a:schemeClr val="tx1">
-                    <a:lumMod val="75000"/>
-                    <a:lumOff val="25000"/>
-                  </a:schemeClr>
-                </a:bgClr>
-              </a:pattFill>
-              <a:effectLst>
-                <a:outerShdw blurRad="38100" dist="19050" dir="2700000" algn="tl" rotWithShape="0">
-                  <a:schemeClr val="dk1">
-                    <a:lumMod val="50000"/>
-                    <a:alpha val="40000"/>
-                  </a:schemeClr>
-                </a:outerShdw>
-              </a:effectLst>
-            </a:endParaRPr>
           </a:p>
         </p:txBody>
       </p:sp>
@@ -9189,30 +9599,6 @@
               </a:rPr>
               <a:t>Filtering Messages</a:t>
             </a:r>
-            <a:endParaRPr lang="en-US" sz="4000" b="1" dirty="0">
-              <a:ln/>
-              <a:pattFill prst="dkUpDiag">
-                <a:fgClr>
-                  <a:schemeClr val="bg1">
-                    <a:lumMod val="50000"/>
-                  </a:schemeClr>
-                </a:fgClr>
-                <a:bgClr>
-                  <a:schemeClr val="tx1">
-                    <a:lumMod val="75000"/>
-                    <a:lumOff val="25000"/>
-                  </a:schemeClr>
-                </a:bgClr>
-              </a:pattFill>
-              <a:effectLst>
-                <a:outerShdw blurRad="38100" dist="19050" dir="2700000" algn="tl" rotWithShape="0">
-                  <a:schemeClr val="dk1">
-                    <a:lumMod val="50000"/>
-                    <a:alpha val="40000"/>
-                  </a:schemeClr>
-                </a:outerShdw>
-              </a:effectLst>
-            </a:endParaRPr>
           </a:p>
         </p:txBody>
       </p:sp>
